--- a/基于形状语义和增强学习的建筑.pptx
+++ b/基于形状语义和增强学习的建筑.pptx
@@ -5,18 +5,22 @@
     <p:sldMasterId id="2147483660" r:id="rId2"/>
   </p:sldMasterIdLst>
   <p:notesMasterIdLst>
-    <p:notesMasterId r:id="rId12"/>
+    <p:notesMasterId r:id="rId16"/>
   </p:notesMasterIdLst>
   <p:sldIdLst>
     <p:sldId id="256" r:id="rId3"/>
     <p:sldId id="262" r:id="rId4"/>
-    <p:sldId id="257" r:id="rId5"/>
-    <p:sldId id="264" r:id="rId6"/>
-    <p:sldId id="265" r:id="rId7"/>
-    <p:sldId id="266" r:id="rId8"/>
-    <p:sldId id="267" r:id="rId9"/>
-    <p:sldId id="268" r:id="rId10"/>
-    <p:sldId id="263" r:id="rId11"/>
+    <p:sldId id="269" r:id="rId5"/>
+    <p:sldId id="257" r:id="rId6"/>
+    <p:sldId id="270" r:id="rId7"/>
+    <p:sldId id="271" r:id="rId8"/>
+    <p:sldId id="272" r:id="rId9"/>
+    <p:sldId id="264" r:id="rId10"/>
+    <p:sldId id="265" r:id="rId11"/>
+    <p:sldId id="266" r:id="rId12"/>
+    <p:sldId id="267" r:id="rId13"/>
+    <p:sldId id="268" r:id="rId14"/>
+    <p:sldId id="263" r:id="rId15"/>
   </p:sldIdLst>
   <p:sldSz cx="12192000" cy="6858000"/>
   <p:notesSz cx="6858000" cy="9144000"/>
@@ -126,7 +130,11 @@
         <p14:section name="设计、令人印象深刻、协作" id="{B9B51309-D148-4332-87C2-07BE32FBCA3B}">
           <p14:sldIdLst>
             <p14:sldId id="262"/>
+            <p14:sldId id="269"/>
             <p14:sldId id="257"/>
+            <p14:sldId id="270"/>
+            <p14:sldId id="271"/>
+            <p14:sldId id="272"/>
             <p14:sldId id="264"/>
             <p14:sldId id="265"/>
             <p14:sldId id="266"/>
@@ -142,7 +150,7 @@
       </p14:sectionLst>
     </p:ext>
     <p:ext uri="{EFAFB233-063F-42B5-8137-9DF3F51BA10A}">
-      <p15:sldGuideLst xmlns:p15="http://schemas.microsoft.com/office/powerpoint/2012/main">
+      <p15:sldGuideLst xmlns:p15="http://schemas.microsoft.com/office/powerpoint/2012/main" xmlns="">
         <p15:guide id="1" orient="horz" pos="2160" userDrawn="1">
           <p15:clr>
             <a:srgbClr val="A4A3A4"/>
@@ -161,7 +169,7 @@
 
 <file path=ppt/commentAuthors.xml><?xml version="1.0" encoding="utf-8"?>
 <p:cmAuthorLst xmlns:a="http://schemas.openxmlformats.org/drawingml/2006/main" xmlns:r="http://schemas.openxmlformats.org/officeDocument/2006/relationships" xmlns:p="http://schemas.openxmlformats.org/presentationml/2006/main">
-  <p:cmAuthor id="2" name="作者" initials="A" lastIdx="0" clrIdx="2"/>
+  <p:cmAuthor id="3" name="Author" initials="A" lastIdx="0" clrIdx="3"/>
 </p:cmAuthorLst>
 </file>
 
@@ -246,7 +254,7 @@
           </a:lstStyle>
           <a:p>
             <a:fld id="{EC13577B-6902-467D-A26C-08A0DD5E4E03}" type="datetimeFigureOut">
-              <a:t>2014/5/8</a:t>
+              <a:t>2014/5/9</a:t>
             </a:fld>
             <a:endParaRPr lang="zh-CN"/>
           </a:p>
@@ -679,7 +687,7 @@
           <a:p>
             <a:fld id="{DF61EA0F-A667-4B49-8422-0062BC55E249}" type="slidenum">
               <a:rPr lang="en-US" altLang="zh-CN" smtClean="0"/>
-              <a:t>9</a:t>
+              <a:t>13</a:t>
             </a:fld>
             <a:endParaRPr lang="zh-CN"/>
           </a:p>
@@ -773,7 +781,7 @@
         </p:nvSpPr>
         <p:spPr>
           <a:xfrm>
-            <a:off x="838200" y="2061006"/>
+            <a:off x="838202" y="2061006"/>
             <a:ext cx="10515600" cy="2387600"/>
           </a:xfrm>
         </p:spPr>
@@ -811,8 +819,8 @@
         </p:nvSpPr>
         <p:spPr>
           <a:xfrm>
-            <a:off x="838202" y="5110609"/>
-            <a:ext cx="6705599" cy="1137793"/>
+            <a:off x="838204" y="5110610"/>
+            <a:ext cx="6705598" cy="1137793"/>
           </a:xfrm>
         </p:spPr>
         <p:txBody>
@@ -893,7 +901,7 @@
           <a:lstStyle/>
           <a:p>
             <a:fld id="{8BEEBAAA-29B5-4AF5-BC5F-7E580C29002D}" type="datetimeFigureOut">
-              <a:t>2014/5/8</a:t>
+              <a:t>2014/5/9</a:t>
             </a:fld>
             <a:endParaRPr lang="zh-CN"/>
           </a:p>
@@ -1074,8 +1082,8 @@
         </p:nvSpPr>
         <p:spPr>
           <a:xfrm>
-            <a:off x="609600" y="1"/>
-            <a:ext cx="10744200" cy="1228436"/>
+            <a:off x="609601" y="1"/>
+            <a:ext cx="10744201" cy="1228436"/>
           </a:xfrm>
         </p:spPr>
         <p:txBody>
@@ -1168,7 +1176,7 @@
           <a:lstStyle/>
           <a:p>
             <a:fld id="{8BEEBAAA-29B5-4AF5-BC5F-7E580C29002D}" type="datetimeFigureOut">
-              <a:t>2014/5/8</a:t>
+              <a:t>2014/5/9</a:t>
             </a:fld>
             <a:endParaRPr lang="zh-CN"/>
           </a:p>
@@ -1299,8 +1307,8 @@
         </p:nvSpPr>
         <p:spPr>
           <a:xfrm>
-            <a:off x="10095346" y="0"/>
-            <a:ext cx="2096655" cy="6858000"/>
+            <a:off x="10095348" y="0"/>
+            <a:ext cx="2096654" cy="6858000"/>
           </a:xfrm>
           <a:prstGeom prst="rect">
             <a:avLst/>
@@ -1349,7 +1357,7 @@
         </p:nvSpPr>
         <p:spPr>
           <a:xfrm>
-            <a:off x="10215419" y="365125"/>
+            <a:off x="10215420" y="365125"/>
             <a:ext cx="1819564" cy="5811838"/>
           </a:xfrm>
         </p:spPr>
@@ -1448,7 +1456,7 @@
           <a:lstStyle/>
           <a:p>
             <a:fld id="{8BEEBAAA-29B5-4AF5-BC5F-7E580C29002D}" type="datetimeFigureOut">
-              <a:t>2014/5/8</a:t>
+              <a:t>2014/5/9</a:t>
             </a:fld>
             <a:endParaRPr lang="zh-CN"/>
           </a:p>
@@ -1503,8 +1511,8 @@
         </p:nvSpPr>
         <p:spPr>
           <a:xfrm>
-            <a:off x="10095346" y="0"/>
-            <a:ext cx="2096655" cy="6858000"/>
+            <a:off x="10095348" y="0"/>
+            <a:ext cx="2096654" cy="6858000"/>
           </a:xfrm>
           <a:prstGeom prst="rect">
             <a:avLst/>
@@ -1629,7 +1637,7 @@
         </p:nvSpPr>
         <p:spPr>
           <a:xfrm>
-            <a:off x="604434" y="0"/>
+            <a:off x="604435" y="0"/>
             <a:ext cx="10749367" cy="1208868"/>
           </a:xfrm>
         </p:spPr>
@@ -1667,7 +1675,7 @@
         </p:nvSpPr>
         <p:spPr>
           <a:xfrm>
-            <a:off x="838201" y="1825625"/>
+            <a:off x="838202" y="1825625"/>
             <a:ext cx="4167753" cy="4351338"/>
           </a:xfrm>
         </p:spPr>
@@ -1807,7 +1815,7 @@
           <a:lstStyle/>
           <a:p>
             <a:fld id="{8BEEBAAA-29B5-4AF5-BC5F-7E580C29002D}" type="datetimeFigureOut">
-              <a:t>2014/5/8</a:t>
+              <a:t>2014/5/9</a:t>
             </a:fld>
             <a:endParaRPr lang="zh-CN"/>
           </a:p>
@@ -1938,8 +1946,8 @@
         </p:nvSpPr>
         <p:spPr>
           <a:xfrm>
-            <a:off x="5656882" y="1709738"/>
-            <a:ext cx="6535119" cy="3575184"/>
+            <a:off x="5656884" y="1709738"/>
+            <a:ext cx="6535118" cy="3575184"/>
           </a:xfrm>
           <a:prstGeom prst="rect">
             <a:avLst/>
@@ -1988,7 +1996,7 @@
         </p:nvSpPr>
         <p:spPr>
           <a:xfrm>
-            <a:off x="838201" y="2402238"/>
+            <a:off x="838201" y="2402239"/>
             <a:ext cx="4508715" cy="2187227"/>
           </a:xfrm>
         </p:spPr>
@@ -2026,7 +2034,7 @@
         </p:nvSpPr>
         <p:spPr>
           <a:xfrm>
-            <a:off x="6323308" y="2402237"/>
+            <a:off x="6323309" y="2402237"/>
             <a:ext cx="5269424" cy="2187226"/>
           </a:xfrm>
         </p:spPr>
@@ -2105,7 +2113,7 @@
           <a:lstStyle/>
           <a:p>
             <a:fld id="{8BEEBAAA-29B5-4AF5-BC5F-7E580C29002D}" type="datetimeFigureOut">
-              <a:t>2014/5/8</a:t>
+              <a:t>2014/5/9</a:t>
             </a:fld>
             <a:endParaRPr lang="zh-CN"/>
           </a:p>
@@ -2160,8 +2168,8 @@
         </p:nvSpPr>
         <p:spPr>
           <a:xfrm>
-            <a:off x="5656882" y="1709738"/>
-            <a:ext cx="6535119" cy="3575184"/>
+            <a:off x="5656884" y="1709738"/>
+            <a:ext cx="6535118" cy="3575184"/>
           </a:xfrm>
           <a:prstGeom prst="rect">
             <a:avLst/>
@@ -2286,8 +2294,8 @@
         </p:nvSpPr>
         <p:spPr>
           <a:xfrm>
-            <a:off x="609600" y="1"/>
-            <a:ext cx="10744200" cy="1228436"/>
+            <a:off x="609601" y="1"/>
+            <a:ext cx="10744201" cy="1228436"/>
           </a:xfrm>
         </p:spPr>
         <p:txBody>
@@ -2324,7 +2332,7 @@
         </p:nvSpPr>
         <p:spPr>
           <a:xfrm>
-            <a:off x="838200" y="1825625"/>
+            <a:off x="838201" y="1825625"/>
             <a:ext cx="5181600" cy="4351338"/>
           </a:xfrm>
         </p:spPr>
@@ -2469,7 +2477,7 @@
         </p:nvSpPr>
         <p:spPr>
           <a:xfrm>
-            <a:off x="6172200" y="1825625"/>
+            <a:off x="6172201" y="1825625"/>
             <a:ext cx="5181600" cy="4351338"/>
           </a:xfrm>
         </p:spPr>
@@ -2618,7 +2626,7 @@
           <a:lstStyle/>
           <a:p>
             <a:fld id="{8BEEBAAA-29B5-4AF5-BC5F-7E580C29002D}" type="datetimeFigureOut">
-              <a:t>2014/5/8</a:t>
+              <a:t>2014/5/9</a:t>
             </a:fld>
             <a:endParaRPr lang="zh-CN"/>
           </a:p>
@@ -2799,7 +2807,7 @@
         </p:nvSpPr>
         <p:spPr>
           <a:xfrm>
-            <a:off x="609600" y="0"/>
+            <a:off x="609601" y="0"/>
             <a:ext cx="10737851" cy="1228436"/>
           </a:xfrm>
         </p:spPr>
@@ -2838,7 +2846,7 @@
         <p:spPr>
           <a:xfrm>
             <a:off x="831851" y="1489075"/>
-            <a:ext cx="5156200" cy="641350"/>
+            <a:ext cx="5156201" cy="641350"/>
           </a:xfrm>
         </p:spPr>
         <p:txBody>
@@ -2902,8 +2910,8 @@
         </p:nvSpPr>
         <p:spPr>
           <a:xfrm>
-            <a:off x="831851" y="2193927"/>
-            <a:ext cx="5156200" cy="3978275"/>
+            <a:off x="831851" y="2193928"/>
+            <a:ext cx="5156201" cy="3978275"/>
           </a:xfrm>
         </p:spPr>
         <p:txBody>
@@ -3047,7 +3055,7 @@
         </p:nvSpPr>
         <p:spPr>
           <a:xfrm>
-            <a:off x="6189664" y="1489075"/>
+            <a:off x="6189665" y="1489075"/>
             <a:ext cx="5157787" cy="641350"/>
           </a:xfrm>
         </p:spPr>
@@ -3112,7 +3120,7 @@
         </p:nvSpPr>
         <p:spPr>
           <a:xfrm>
-            <a:off x="6189664" y="2193927"/>
+            <a:off x="6189665" y="2193928"/>
             <a:ext cx="5157787" cy="3978275"/>
           </a:xfrm>
         </p:spPr>
@@ -3261,7 +3269,7 @@
           <a:lstStyle/>
           <a:p>
             <a:fld id="{8BEEBAAA-29B5-4AF5-BC5F-7E580C29002D}" type="datetimeFigureOut">
-              <a:t>2014/5/8</a:t>
+              <a:t>2014/5/9</a:t>
             </a:fld>
             <a:endParaRPr lang="zh-CN"/>
           </a:p>
@@ -3442,8 +3450,8 @@
         </p:nvSpPr>
         <p:spPr>
           <a:xfrm>
-            <a:off x="609600" y="1"/>
-            <a:ext cx="10744200" cy="1228436"/>
+            <a:off x="609601" y="1"/>
+            <a:ext cx="10744201" cy="1228436"/>
           </a:xfrm>
         </p:spPr>
         <p:txBody>
@@ -3484,7 +3492,7 @@
           <a:lstStyle/>
           <a:p>
             <a:fld id="{8BEEBAAA-29B5-4AF5-BC5F-7E580C29002D}" type="datetimeFigureOut">
-              <a:t>2014/5/8</a:t>
+              <a:t>2014/5/9</a:t>
             </a:fld>
             <a:endParaRPr lang="zh-CN"/>
           </a:p>
@@ -3623,7 +3631,7 @@
           <a:lstStyle/>
           <a:p>
             <a:fld id="{8BEEBAAA-29B5-4AF5-BC5F-7E580C29002D}" type="datetimeFigureOut">
-              <a:t>2014/5/8</a:t>
+              <a:t>2014/5/9</a:t>
             </a:fld>
             <a:endParaRPr lang="zh-CN"/>
           </a:p>
@@ -3712,8 +3720,8 @@
         </p:nvSpPr>
         <p:spPr>
           <a:xfrm>
-            <a:off x="839788" y="457200"/>
-            <a:ext cx="3932237" cy="1600200"/>
+            <a:off x="839790" y="457200"/>
+            <a:ext cx="3932236" cy="1600200"/>
           </a:xfrm>
         </p:spPr>
         <p:txBody>
@@ -3744,8 +3752,8 @@
         </p:nvSpPr>
         <p:spPr>
           <a:xfrm>
-            <a:off x="5183188" y="987427"/>
-            <a:ext cx="6172200" cy="4873625"/>
+            <a:off x="5183188" y="987428"/>
+            <a:ext cx="6172201" cy="4873625"/>
           </a:xfrm>
         </p:spPr>
         <p:txBody>
@@ -3889,8 +3897,8 @@
         </p:nvSpPr>
         <p:spPr>
           <a:xfrm>
-            <a:off x="839788" y="2101850"/>
-            <a:ext cx="3932237" cy="3759200"/>
+            <a:off x="839790" y="2101850"/>
+            <a:ext cx="3932236" cy="3759200"/>
           </a:xfrm>
         </p:spPr>
         <p:txBody>
@@ -3958,7 +3966,7 @@
           <a:lstStyle/>
           <a:p>
             <a:fld id="{8BEEBAAA-29B5-4AF5-BC5F-7E580C29002D}" type="datetimeFigureOut">
-              <a:t>2014/5/8</a:t>
+              <a:t>2014/5/9</a:t>
             </a:fld>
             <a:endParaRPr lang="zh-CN"/>
           </a:p>
@@ -4047,8 +4055,8 @@
         </p:nvSpPr>
         <p:spPr>
           <a:xfrm>
-            <a:off x="839788" y="457200"/>
-            <a:ext cx="3932237" cy="1600200"/>
+            <a:off x="839790" y="457200"/>
+            <a:ext cx="3932236" cy="1600200"/>
           </a:xfrm>
         </p:spPr>
         <p:txBody>
@@ -4079,8 +4087,8 @@
         </p:nvSpPr>
         <p:spPr>
           <a:xfrm>
-            <a:off x="5183188" y="987427"/>
-            <a:ext cx="6172200" cy="4873625"/>
+            <a:off x="5183188" y="987428"/>
+            <a:ext cx="6172201" cy="4873625"/>
           </a:xfrm>
         </p:spPr>
         <p:txBody>
@@ -4144,8 +4152,8 @@
         </p:nvSpPr>
         <p:spPr>
           <a:xfrm>
-            <a:off x="839788" y="2101850"/>
-            <a:ext cx="3932237" cy="3759200"/>
+            <a:off x="839790" y="2101850"/>
+            <a:ext cx="3932236" cy="3759200"/>
           </a:xfrm>
         </p:spPr>
         <p:txBody>
@@ -4213,7 +4221,7 @@
           <a:lstStyle/>
           <a:p>
             <a:fld id="{8BEEBAAA-29B5-4AF5-BC5F-7E580C29002D}" type="datetimeFigureOut">
-              <a:t>2014/5/8</a:t>
+              <a:t>2014/5/9</a:t>
             </a:fld>
             <a:endParaRPr lang="zh-CN"/>
           </a:p>
@@ -4307,7 +4315,7 @@
         </p:nvSpPr>
         <p:spPr>
           <a:xfrm>
-            <a:off x="838200" y="365127"/>
+            <a:off x="838202" y="365128"/>
             <a:ext cx="10515600" cy="1325563"/>
           </a:xfrm>
           <a:prstGeom prst="rect">
@@ -4339,7 +4347,7 @@
         </p:nvSpPr>
         <p:spPr>
           <a:xfrm>
-            <a:off x="838200" y="1825625"/>
+            <a:off x="838202" y="1825625"/>
             <a:ext cx="10515600" cy="4351338"/>
           </a:xfrm>
           <a:prstGeom prst="rect">
@@ -4400,8 +4408,8 @@
         </p:nvSpPr>
         <p:spPr>
           <a:xfrm>
-            <a:off x="838200" y="6356352"/>
-            <a:ext cx="3276600" cy="365125"/>
+            <a:off x="838199" y="6356353"/>
+            <a:ext cx="3276601" cy="365125"/>
           </a:xfrm>
           <a:prstGeom prst="rect">
             <a:avLst/>
@@ -4426,7 +4434,7 @@
             <a:fld id="{8BEEBAAA-29B5-4AF5-BC5F-7E580C29002D}" type="datetimeFigureOut">
               <a:rPr lang="en-US" altLang="zh-CN" smtClean="0"/>
               <a:pPr/>
-              <a:t>5/8/2014</a:t>
+              <a:t>5/9/2014</a:t>
             </a:fld>
             <a:endParaRPr lang="zh-CN" altLang="en-US"/>
           </a:p>
@@ -4444,7 +4452,7 @@
         </p:nvSpPr>
         <p:spPr>
           <a:xfrm>
-            <a:off x="4648200" y="6356352"/>
+            <a:off x="4648202" y="6356353"/>
             <a:ext cx="2895600" cy="365125"/>
           </a:xfrm>
           <a:prstGeom prst="rect">
@@ -4483,8 +4491,8 @@
         </p:nvSpPr>
         <p:spPr>
           <a:xfrm>
-            <a:off x="8077200" y="6356352"/>
-            <a:ext cx="3276600" cy="365125"/>
+            <a:off x="8077200" y="6356353"/>
+            <a:ext cx="3276601" cy="365125"/>
           </a:xfrm>
           <a:prstGeom prst="rect">
             <a:avLst/>
@@ -4922,7 +4930,7 @@
         </p:blipFill>
         <p:spPr>
           <a:xfrm>
-            <a:off x="388453" y="0"/>
+            <a:off x="388454" y="0"/>
             <a:ext cx="1728252" cy="2880000"/>
           </a:xfrm>
           <a:prstGeom prst="rect">
@@ -4980,7 +4988,7 @@
         </p:blipFill>
         <p:spPr>
           <a:xfrm>
-            <a:off x="6096000" y="0"/>
+            <a:off x="6096001" y="0"/>
             <a:ext cx="2408713" cy="2880000"/>
           </a:xfrm>
           <a:prstGeom prst="rect">
@@ -5009,7 +5017,7 @@
         </p:blipFill>
         <p:spPr>
           <a:xfrm>
-            <a:off x="9296362" y="0"/>
+            <a:off x="9296363" y="0"/>
             <a:ext cx="2480974" cy="2880000"/>
           </a:xfrm>
           <a:prstGeom prst="rect">
@@ -5037,7 +5045,7 @@
 </p:sld>
 </file>
 
-<file path=ppt/slides/slide2.xml><?xml version="1.0" encoding="utf-8"?>
+<file path=ppt/slides/slide10.xml><?xml version="1.0" encoding="utf-8"?>
 <p:sld xmlns:a="http://schemas.openxmlformats.org/drawingml/2006/main" xmlns:r="http://schemas.openxmlformats.org/officeDocument/2006/relationships" xmlns:p="http://schemas.openxmlformats.org/presentationml/2006/main">
   <p:cSld>
     <p:spTree>
@@ -5070,16 +5078,10 @@
           <a:lstStyle/>
           <a:p>
             <a:r>
-              <a:rPr lang="zh-CN" altLang="en-US" dirty="0" smtClean="0">
-                <a:latin typeface="Microsoft YaHei UI" panose="020B0503020204020204" pitchFamily="34" charset="-122"/>
-                <a:ea typeface="Microsoft YaHei UI" panose="020B0503020204020204" pitchFamily="34" charset="-122"/>
-              </a:rPr>
-              <a:t>研究背景及意义</a:t>
-            </a:r>
-            <a:endParaRPr lang="zh-CN" dirty="0">
-              <a:latin typeface="Microsoft YaHei UI" panose="020B0503020204020204" pitchFamily="34" charset="-122"/>
-              <a:ea typeface="Microsoft YaHei UI" panose="020B0503020204020204" pitchFamily="34" charset="-122"/>
-            </a:endParaRPr>
+              <a:rPr lang="zh-CN" altLang="en-US" dirty="0" smtClean="0"/>
+              <a:t>建模</a:t>
+            </a:r>
+            <a:endParaRPr lang="zh-CN" altLang="en-US" dirty="0"/>
           </a:p>
         </p:txBody>
       </p:sp>
@@ -5093,152 +5095,25 @@
             <p:ph idx="1"/>
           </p:nvPr>
         </p:nvSpPr>
-        <p:spPr>
-          <a:xfrm>
-            <a:off x="838200" y="1825624"/>
-            <a:ext cx="4876800" cy="4447761"/>
-          </a:xfrm>
-        </p:spPr>
-        <p:txBody>
-          <a:bodyPr>
-            <a:normAutofit/>
-          </a:bodyPr>
+        <p:spPr/>
+        <p:txBody>
+          <a:bodyPr/>
           <a:lstStyle/>
           <a:p>
-            <a:r>
-              <a:rPr lang="zh-CN" altLang="en-US" dirty="0" smtClean="0">
-                <a:latin typeface="Microsoft YaHei UI" panose="020B0503020204020204" pitchFamily="34" charset="-122"/>
-                <a:ea typeface="Microsoft YaHei UI" panose="020B0503020204020204" pitchFamily="34" charset="-122"/>
-              </a:rPr>
-              <a:t>三维数字城市重建</a:t>
-            </a:r>
-            <a:endParaRPr lang="en-US" altLang="zh-CN" dirty="0" smtClean="0">
-              <a:latin typeface="Microsoft YaHei UI" panose="020B0503020204020204" pitchFamily="34" charset="-122"/>
-              <a:ea typeface="Microsoft YaHei UI" panose="020B0503020204020204" pitchFamily="34" charset="-122"/>
-            </a:endParaRPr>
-          </a:p>
-          <a:p>
-            <a:endParaRPr lang="zh-CN" dirty="0">
-              <a:latin typeface="Microsoft YaHei UI" panose="020B0503020204020204" pitchFamily="34" charset="-122"/>
-              <a:ea typeface="Microsoft YaHei UI" panose="020B0503020204020204" pitchFamily="34" charset="-122"/>
-            </a:endParaRPr>
-          </a:p>
-          <a:p>
-            <a:endParaRPr lang="zh-CN" dirty="0">
-              <a:latin typeface="Microsoft YaHei UI" panose="020B0503020204020204" pitchFamily="34" charset="-122"/>
-              <a:ea typeface="Microsoft YaHei UI" panose="020B0503020204020204" pitchFamily="34" charset="-122"/>
-            </a:endParaRPr>
-          </a:p>
-        </p:txBody>
-      </p:sp>
-      <p:pic>
-        <p:nvPicPr>
-          <p:cNvPr id="7" name="图片 6"/>
-          <p:cNvPicPr>
-            <a:picLocks noChangeAspect="1"/>
-          </p:cNvPicPr>
-          <p:nvPr/>
-        </p:nvPicPr>
-        <p:blipFill>
-          <a:blip r:embed="rId2">
-            <a:extLst>
-              <a:ext uri="{28A0092B-C50C-407E-A947-70E740481C1C}">
-                <a14:useLocalDpi xmlns:a14="http://schemas.microsoft.com/office/drawing/2010/main" val="0"/>
-              </a:ext>
-            </a:extLst>
-          </a:blip>
-          <a:stretch>
-            <a:fillRect/>
-          </a:stretch>
-        </p:blipFill>
-        <p:spPr>
-          <a:xfrm>
-            <a:off x="6409536" y="1746236"/>
-            <a:ext cx="5243044" cy="2965023"/>
-          </a:xfrm>
-          <a:prstGeom prst="rect">
-            <a:avLst/>
-          </a:prstGeom>
-        </p:spPr>
-      </p:pic>
-      <p:pic>
-        <p:nvPicPr>
-          <p:cNvPr id="8" name="图片 7"/>
-          <p:cNvPicPr>
-            <a:picLocks noChangeAspect="1"/>
-          </p:cNvPicPr>
-          <p:nvPr/>
-        </p:nvPicPr>
-        <p:blipFill>
-          <a:blip r:embed="rId3">
-            <a:extLst>
-              <a:ext uri="{28A0092B-C50C-407E-A947-70E740481C1C}">
-                <a14:useLocalDpi xmlns:a14="http://schemas.microsoft.com/office/drawing/2010/main" val="0"/>
-              </a:ext>
-            </a:extLst>
-          </a:blip>
-          <a:stretch>
-            <a:fillRect/>
-          </a:stretch>
-        </p:blipFill>
-        <p:spPr>
-          <a:xfrm>
-            <a:off x="6409536" y="4842096"/>
-            <a:ext cx="2560319" cy="1422400"/>
-          </a:xfrm>
-          <a:prstGeom prst="rect">
-            <a:avLst/>
-          </a:prstGeom>
-        </p:spPr>
-      </p:pic>
-      <p:pic>
-        <p:nvPicPr>
-          <p:cNvPr id="9" name="图片 8"/>
-          <p:cNvPicPr>
-            <a:picLocks noChangeAspect="1"/>
-          </p:cNvPicPr>
-          <p:nvPr/>
-        </p:nvPicPr>
-        <p:blipFill>
-          <a:blip r:embed="rId4">
-            <a:extLst>
-              <a:ext uri="{28A0092B-C50C-407E-A947-70E740481C1C}">
-                <a14:useLocalDpi xmlns:a14="http://schemas.microsoft.com/office/drawing/2010/main" val="0"/>
-              </a:ext>
-            </a:extLst>
-          </a:blip>
-          <a:stretch>
-            <a:fillRect/>
-          </a:stretch>
-        </p:blipFill>
-        <p:spPr>
-          <a:xfrm>
-            <a:off x="9092358" y="4833206"/>
-            <a:ext cx="2560222" cy="1431290"/>
-          </a:xfrm>
-          <a:prstGeom prst="rect">
-            <a:avLst/>
-          </a:prstGeom>
-        </p:spPr>
-      </p:pic>
+            <a:endParaRPr lang="zh-CN" altLang="en-US"/>
+          </a:p>
+        </p:txBody>
+      </p:sp>
     </p:spTree>
     <p:extLst>
       <p:ext uri="{BB962C8B-B14F-4D97-AF65-F5344CB8AC3E}">
-        <p14:creationId xmlns:p14="http://schemas.microsoft.com/office/powerpoint/2010/main" val="2090733893"/>
+        <p14:creationId xmlns:p14="http://schemas.microsoft.com/office/powerpoint/2010/main" val="1516738583"/>
       </p:ext>
     </p:extLst>
   </p:cSld>
   <p:clrMapOvr>
     <a:masterClrMapping/>
   </p:clrMapOvr>
-  <mc:AlternateContent xmlns:mc="http://schemas.openxmlformats.org/markup-compatibility/2006" xmlns:p14="http://schemas.microsoft.com/office/powerpoint/2010/main">
-    <mc:Choice Requires="p14">
-      <p:transition p14:dur="0"/>
-    </mc:Choice>
-    <mc:Fallback xmlns="">
-      <p:transition/>
-    </mc:Fallback>
-  </mc:AlternateContent>
   <p:timing>
     <p:tnLst>
       <p:par>
@@ -5249,7 +5124,7 @@
 </p:sld>
 </file>
 
-<file path=ppt/slides/slide3.xml><?xml version="1.0" encoding="utf-8"?>
+<file path=ppt/slides/slide11.xml><?xml version="1.0" encoding="utf-8"?>
 <p:sld xmlns:a="http://schemas.openxmlformats.org/drawingml/2006/main" xmlns:r="http://schemas.openxmlformats.org/officeDocument/2006/relationships" xmlns:p="http://schemas.openxmlformats.org/presentationml/2006/main">
   <p:cSld>
     <p:spTree>
@@ -5282,16 +5157,10 @@
           <a:lstStyle/>
           <a:p>
             <a:r>
-              <a:rPr lang="zh-CN" altLang="en-US" dirty="0" smtClean="0">
-                <a:latin typeface="Microsoft YaHei UI" panose="020B0503020204020204" pitchFamily="34" charset="-122"/>
-                <a:ea typeface="Microsoft YaHei UI" panose="020B0503020204020204" pitchFamily="34" charset="-122"/>
-              </a:rPr>
-              <a:t>形状语义建模建筑</a:t>
-            </a:r>
-            <a:endParaRPr lang="zh-CN" dirty="0">
-              <a:latin typeface="Microsoft YaHei UI" panose="020B0503020204020204" pitchFamily="34" charset="-122"/>
-              <a:ea typeface="Microsoft YaHei UI" panose="020B0503020204020204" pitchFamily="34" charset="-122"/>
-            </a:endParaRPr>
+              <a:rPr lang="zh-CN" altLang="en-US" dirty="0" smtClean="0"/>
+              <a:t>预分类</a:t>
+            </a:r>
+            <a:endParaRPr lang="zh-CN" altLang="en-US" dirty="0"/>
           </a:p>
         </p:txBody>
       </p:sp>
@@ -5305,218 +5174,25 @@
             <p:ph idx="1"/>
           </p:nvPr>
         </p:nvSpPr>
-        <p:spPr>
-          <a:xfrm>
-            <a:off x="838200" y="1825625"/>
-            <a:ext cx="6093884" cy="4433752"/>
-          </a:xfrm>
-        </p:spPr>
-        <p:txBody>
-          <a:bodyPr>
-            <a:normAutofit/>
-          </a:bodyPr>
+        <p:spPr/>
+        <p:txBody>
+          <a:bodyPr/>
           <a:lstStyle/>
           <a:p>
-            <a:r>
-              <a:rPr lang="zh-CN" dirty="0">
-                <a:latin typeface="Microsoft YaHei UI" panose="020B0503020204020204" pitchFamily="34" charset="-122"/>
-                <a:ea typeface="Microsoft YaHei UI" panose="020B0503020204020204" pitchFamily="34" charset="-122"/>
-              </a:rPr>
-              <a:t>改进的“演示者视图”包含了新的工具，方便您进行控制。新的即时自动扩展功能可为您应用适宜的设置，使您可以集中精力讲解，不必因显示而分心。</a:t>
-            </a:r>
-          </a:p>
-          <a:p>
-            <a:endParaRPr lang="zh-CN" sz="1050" dirty="0">
-              <a:latin typeface="Microsoft YaHei UI" panose="020B0503020204020204" pitchFamily="34" charset="-122"/>
-              <a:ea typeface="Microsoft YaHei UI" panose="020B0503020204020204" pitchFamily="34" charset="-122"/>
-            </a:endParaRPr>
-          </a:p>
-          <a:p>
-            <a:pPr lvl="1"/>
-            <a:r>
-              <a:rPr lang="zh-CN" b="1" dirty="0">
-                <a:latin typeface="Microsoft YaHei UI" panose="020B0503020204020204" pitchFamily="34" charset="-122"/>
-                <a:ea typeface="Microsoft YaHei UI" panose="020B0503020204020204" pitchFamily="34" charset="-122"/>
-              </a:rPr>
-              <a:t>幻灯片缩放</a:t>
-            </a:r>
-            <a:r>
-              <a:rPr lang="zh-CN" dirty="0">
-                <a:latin typeface="Microsoft YaHei UI" panose="020B0503020204020204" pitchFamily="34" charset="-122"/>
-                <a:ea typeface="Microsoft YaHei UI" panose="020B0503020204020204" pitchFamily="34" charset="-122"/>
-              </a:rPr>
-              <a:t> – 有助于使您的观众将注意力放到您的思想上。只需单击即可放大或缩小特定图示、图表或图形。</a:t>
-            </a:r>
-          </a:p>
-          <a:p>
-            <a:endParaRPr lang="zh-CN" sz="1100" dirty="0">
-              <a:latin typeface="Microsoft YaHei UI" panose="020B0503020204020204" pitchFamily="34" charset="-122"/>
-              <a:ea typeface="Microsoft YaHei UI" panose="020B0503020204020204" pitchFamily="34" charset="-122"/>
-            </a:endParaRPr>
-          </a:p>
-          <a:p>
-            <a:pPr lvl="1"/>
-            <a:r>
-              <a:rPr lang="zh-CN" b="1" dirty="0">
-                <a:latin typeface="Microsoft YaHei UI" panose="020B0503020204020204" pitchFamily="34" charset="-122"/>
-                <a:ea typeface="Microsoft YaHei UI" panose="020B0503020204020204" pitchFamily="34" charset="-122"/>
-              </a:rPr>
-              <a:t>幻灯片浏览器</a:t>
-            </a:r>
-            <a:r>
-              <a:rPr lang="zh-CN" dirty="0">
-                <a:latin typeface="Microsoft YaHei UI" panose="020B0503020204020204" pitchFamily="34" charset="-122"/>
-                <a:ea typeface="Microsoft YaHei UI" panose="020B0503020204020204" pitchFamily="34" charset="-122"/>
-              </a:rPr>
-              <a:t> – 使用该功能，用户可以直观地浏览和导航到其他幻灯片，而不必离开“幻灯片放映”视图。您的观众仅会看您正演示的幻灯片。</a:t>
-            </a:r>
-          </a:p>
-          <a:p>
-            <a:endParaRPr lang="zh-CN" dirty="0">
-              <a:latin typeface="Microsoft YaHei UI" panose="020B0503020204020204" pitchFamily="34" charset="-122"/>
-              <a:ea typeface="Microsoft YaHei UI" panose="020B0503020204020204" pitchFamily="34" charset="-122"/>
-            </a:endParaRPr>
-          </a:p>
-          <a:p>
-            <a:endParaRPr lang="zh-CN" dirty="0">
-              <a:latin typeface="Microsoft YaHei UI" panose="020B0503020204020204" pitchFamily="34" charset="-122"/>
-              <a:ea typeface="Microsoft YaHei UI" panose="020B0503020204020204" pitchFamily="34" charset="-122"/>
-            </a:endParaRPr>
-          </a:p>
-        </p:txBody>
-      </p:sp>
-      <p:pic>
-        <p:nvPicPr>
-          <p:cNvPr id="6" name="图片 5"/>
-          <p:cNvPicPr>
-            <a:picLocks noChangeAspect="1"/>
-          </p:cNvPicPr>
-          <p:nvPr/>
-        </p:nvPicPr>
-        <p:blipFill>
-          <a:blip r:embed="rId2"/>
-          <a:stretch>
-            <a:fillRect/>
-          </a:stretch>
-        </p:blipFill>
-        <p:spPr>
-          <a:xfrm>
-            <a:off x="977900" y="5052985"/>
-            <a:ext cx="495300" cy="447675"/>
-          </a:xfrm>
-          <a:prstGeom prst="rect">
-            <a:avLst/>
-          </a:prstGeom>
-        </p:spPr>
-      </p:pic>
-      <p:pic>
-        <p:nvPicPr>
-          <p:cNvPr id="9" name="图片 8"/>
-          <p:cNvPicPr>
-            <a:picLocks noChangeAspect="1"/>
-          </p:cNvPicPr>
-          <p:nvPr/>
-        </p:nvPicPr>
-        <p:blipFill>
-          <a:blip r:embed="rId3">
-            <a:extLst>
-              <a:ext uri="{28A0092B-C50C-407E-A947-70E740481C1C}">
-                <a14:useLocalDpi xmlns:a14="http://schemas.microsoft.com/office/drawing/2010/main" val="0"/>
-              </a:ext>
-            </a:extLst>
-          </a:blip>
-          <a:stretch>
-            <a:fillRect/>
-          </a:stretch>
-        </p:blipFill>
-        <p:spPr>
-          <a:xfrm>
-            <a:off x="973285" y="3720024"/>
-            <a:ext cx="499915" cy="445047"/>
-          </a:xfrm>
-          <a:prstGeom prst="rect">
-            <a:avLst/>
-          </a:prstGeom>
-        </p:spPr>
-      </p:pic>
-      <p:pic>
-        <p:nvPicPr>
-          <p:cNvPr id="4" name="图片 3"/>
-          <p:cNvPicPr>
-            <a:picLocks noChangeAspect="1"/>
-          </p:cNvPicPr>
-          <p:nvPr/>
-        </p:nvPicPr>
-        <p:blipFill>
-          <a:blip r:embed="rId4" cstate="print">
-            <a:extLst>
-              <a:ext uri="{28A0092B-C50C-407E-A947-70E740481C1C}">
-                <a14:useLocalDpi xmlns:a14="http://schemas.microsoft.com/office/drawing/2010/main" val="0"/>
-              </a:ext>
-            </a:extLst>
-          </a:blip>
-          <a:stretch>
-            <a:fillRect/>
-          </a:stretch>
-        </p:blipFill>
-        <p:spPr>
-          <a:xfrm>
-            <a:off x="7408335" y="1840906"/>
-            <a:ext cx="4038599" cy="2257425"/>
-          </a:xfrm>
-          <a:prstGeom prst="rect">
-            <a:avLst/>
-          </a:prstGeom>
-        </p:spPr>
-      </p:pic>
-      <p:pic>
-        <p:nvPicPr>
-          <p:cNvPr id="8" name="图片 7"/>
-          <p:cNvPicPr>
-            <a:picLocks noChangeAspect="1"/>
-          </p:cNvPicPr>
-          <p:nvPr/>
-        </p:nvPicPr>
-        <p:blipFill>
-          <a:blip r:embed="rId5" cstate="print">
-            <a:extLst>
-              <a:ext uri="{28A0092B-C50C-407E-A947-70E740481C1C}">
-                <a14:useLocalDpi xmlns:a14="http://schemas.microsoft.com/office/drawing/2010/main" val="0"/>
-              </a:ext>
-            </a:extLst>
-          </a:blip>
-          <a:stretch>
-            <a:fillRect/>
-          </a:stretch>
-        </p:blipFill>
-        <p:spPr>
-          <a:xfrm>
-            <a:off x="7408335" y="4435802"/>
-            <a:ext cx="4036895" cy="1682040"/>
-          </a:xfrm>
-          <a:prstGeom prst="rect">
-            <a:avLst/>
-          </a:prstGeom>
-        </p:spPr>
-      </p:pic>
+            <a:endParaRPr lang="zh-CN" altLang="en-US"/>
+          </a:p>
+        </p:txBody>
+      </p:sp>
     </p:spTree>
     <p:extLst>
       <p:ext uri="{BB962C8B-B14F-4D97-AF65-F5344CB8AC3E}">
-        <p14:creationId xmlns:p14="http://schemas.microsoft.com/office/powerpoint/2010/main" val="1328676004"/>
+        <p14:creationId xmlns:p14="http://schemas.microsoft.com/office/powerpoint/2010/main" val="3506367377"/>
       </p:ext>
     </p:extLst>
   </p:cSld>
   <p:clrMapOvr>
     <a:masterClrMapping/>
   </p:clrMapOvr>
-  <mc:AlternateContent xmlns:mc="http://schemas.openxmlformats.org/markup-compatibility/2006" xmlns:p14="http://schemas.microsoft.com/office/powerpoint/2010/main">
-    <mc:Choice Requires="p14">
-      <p:transition p14:dur="0"/>
-    </mc:Choice>
-    <mc:Fallback xmlns="">
-      <p:transition/>
-    </mc:Fallback>
-  </mc:AlternateContent>
   <p:timing>
     <p:tnLst>
       <p:par>
@@ -5527,370 +5203,7 @@
 </p:sld>
 </file>
 
-<file path=ppt/slides/slide4.xml><?xml version="1.0" encoding="utf-8"?>
-<p:sld xmlns:a="http://schemas.openxmlformats.org/drawingml/2006/main" xmlns:r="http://schemas.openxmlformats.org/officeDocument/2006/relationships" xmlns:p="http://schemas.openxmlformats.org/presentationml/2006/main">
-  <p:cSld>
-    <p:spTree>
-      <p:nvGrpSpPr>
-        <p:cNvPr id="1" name=""/>
-        <p:cNvGrpSpPr/>
-        <p:nvPr/>
-      </p:nvGrpSpPr>
-      <p:grpSpPr>
-        <a:xfrm>
-          <a:off x="0" y="0"/>
-          <a:ext cx="0" cy="0"/>
-          <a:chOff x="0" y="0"/>
-          <a:chExt cx="0" cy="0"/>
-        </a:xfrm>
-      </p:grpSpPr>
-      <p:sp>
-        <p:nvSpPr>
-          <p:cNvPr id="2" name="标题 1"/>
-          <p:cNvSpPr>
-            <a:spLocks noGrp="1"/>
-          </p:cNvSpPr>
-          <p:nvPr>
-            <p:ph type="title"/>
-          </p:nvPr>
-        </p:nvSpPr>
-        <p:spPr/>
-        <p:txBody>
-          <a:bodyPr/>
-          <a:lstStyle/>
-          <a:p>
-            <a:r>
-              <a:rPr lang="zh-CN" altLang="en-US" dirty="0" smtClean="0">
-                <a:latin typeface="Microsoft YaHei UI" panose="020B0503020204020204" pitchFamily="34" charset="-122"/>
-                <a:ea typeface="Microsoft YaHei UI" panose="020B0503020204020204" pitchFamily="34" charset="-122"/>
-              </a:rPr>
-              <a:t>最佳形状语义求解</a:t>
-            </a:r>
-            <a:endParaRPr lang="zh-CN" dirty="0">
-              <a:latin typeface="Microsoft YaHei UI" panose="020B0503020204020204" pitchFamily="34" charset="-122"/>
-              <a:ea typeface="Microsoft YaHei UI" panose="020B0503020204020204" pitchFamily="34" charset="-122"/>
-            </a:endParaRPr>
-          </a:p>
-        </p:txBody>
-      </p:sp>
-      <p:sp>
-        <p:nvSpPr>
-          <p:cNvPr id="3" name="内容占位符 2"/>
-          <p:cNvSpPr>
-            <a:spLocks noGrp="1"/>
-          </p:cNvSpPr>
-          <p:nvPr>
-            <p:ph idx="1"/>
-          </p:nvPr>
-        </p:nvSpPr>
-        <p:spPr/>
-        <p:txBody>
-          <a:bodyPr/>
-          <a:lstStyle/>
-          <a:p>
-            <a:r>
-              <a:rPr lang="zh-CN" dirty="0">
-                <a:latin typeface="Microsoft YaHei UI" panose="020B0503020204020204" pitchFamily="34" charset="-122"/>
-                <a:ea typeface="Microsoft YaHei UI" panose="020B0503020204020204" pitchFamily="34" charset="-122"/>
-              </a:rPr>
-              <a:t>可从不同的计算机与其他人在同一时间协作进行编辑，而且会话功能改进了注释系统。 </a:t>
-            </a:r>
-          </a:p>
-          <a:p>
-            <a:r>
-              <a:rPr lang="zh-CN" dirty="0">
-                <a:latin typeface="Microsoft YaHei UI" panose="020B0503020204020204" pitchFamily="34" charset="-122"/>
-                <a:ea typeface="Microsoft YaHei UI" panose="020B0503020204020204" pitchFamily="34" charset="-122"/>
-              </a:rPr>
-              <a:t>在线共享很简单。即使您的观众没有安装 PowerPoint，也可以使用“联机演示”将幻灯片映射到他们的浏览器供其观看。</a:t>
-            </a:r>
-          </a:p>
-          <a:p>
-            <a:r>
-              <a:rPr lang="zh-CN" dirty="0">
-                <a:latin typeface="Microsoft YaHei UI" panose="020B0503020204020204" pitchFamily="34" charset="-122"/>
-                <a:ea typeface="Microsoft YaHei UI" panose="020B0503020204020204" pitchFamily="34" charset="-122"/>
-              </a:rPr>
-              <a:t>可从不同位置在同一时间与其他人协同工作，而无论您是使用自己桌面上的 PowerPoint 还是使用 PowerPoint Web App。</a:t>
-            </a:r>
-          </a:p>
-        </p:txBody>
-      </p:sp>
-      <p:pic>
-        <p:nvPicPr>
-          <p:cNvPr id="6" name="图片 5"/>
-          <p:cNvPicPr>
-            <a:picLocks noChangeAspect="1"/>
-          </p:cNvPicPr>
-          <p:nvPr/>
-        </p:nvPicPr>
-        <p:blipFill>
-          <a:blip r:embed="rId2">
-            <a:extLst>
-              <a:ext uri="{28A0092B-C50C-407E-A947-70E740481C1C}">
-                <a14:useLocalDpi xmlns:a14="http://schemas.microsoft.com/office/drawing/2010/main" val="0"/>
-              </a:ext>
-            </a:extLst>
-          </a:blip>
-          <a:stretch>
-            <a:fillRect/>
-          </a:stretch>
-        </p:blipFill>
-        <p:spPr>
-          <a:xfrm>
-            <a:off x="5343526" y="2029619"/>
-            <a:ext cx="6010275" cy="3943349"/>
-          </a:xfrm>
-          <a:prstGeom prst="rect">
-            <a:avLst/>
-          </a:prstGeom>
-        </p:spPr>
-      </p:pic>
-    </p:spTree>
-    <p:extLst>
-      <p:ext uri="{BB962C8B-B14F-4D97-AF65-F5344CB8AC3E}">
-        <p14:creationId xmlns:p14="http://schemas.microsoft.com/office/powerpoint/2010/main" val="1531532291"/>
-      </p:ext>
-    </p:extLst>
-  </p:cSld>
-  <p:clrMapOvr>
-    <a:masterClrMapping/>
-  </p:clrMapOvr>
-  <mc:AlternateContent xmlns:mc="http://schemas.openxmlformats.org/markup-compatibility/2006" xmlns:p14="http://schemas.microsoft.com/office/powerpoint/2010/main">
-    <mc:Choice Requires="p14">
-      <p:transition p14:dur="0"/>
-    </mc:Choice>
-    <mc:Fallback xmlns="">
-      <p:transition/>
-    </mc:Fallback>
-  </mc:AlternateContent>
-  <p:timing>
-    <p:tnLst>
-      <p:par>
-        <p:cTn id="1" dur="indefinite" restart="never" nodeType="tmRoot"/>
-      </p:par>
-    </p:tnLst>
-  </p:timing>
-</p:sld>
-</file>
-
-<file path=ppt/slides/slide5.xml><?xml version="1.0" encoding="utf-8"?>
-<p:sld xmlns:a="http://schemas.openxmlformats.org/drawingml/2006/main" xmlns:r="http://schemas.openxmlformats.org/officeDocument/2006/relationships" xmlns:p="http://schemas.openxmlformats.org/presentationml/2006/main">
-  <p:cSld>
-    <p:spTree>
-      <p:nvGrpSpPr>
-        <p:cNvPr id="1" name=""/>
-        <p:cNvGrpSpPr/>
-        <p:nvPr/>
-      </p:nvGrpSpPr>
-      <p:grpSpPr>
-        <a:xfrm>
-          <a:off x="0" y="0"/>
-          <a:ext cx="0" cy="0"/>
-          <a:chOff x="0" y="0"/>
-          <a:chExt cx="0" cy="0"/>
-        </a:xfrm>
-      </p:grpSpPr>
-      <p:sp>
-        <p:nvSpPr>
-          <p:cNvPr id="2" name="标题 1"/>
-          <p:cNvSpPr>
-            <a:spLocks noGrp="1"/>
-          </p:cNvSpPr>
-          <p:nvPr>
-            <p:ph type="title"/>
-          </p:nvPr>
-        </p:nvSpPr>
-        <p:spPr/>
-        <p:txBody>
-          <a:bodyPr/>
-          <a:lstStyle/>
-          <a:p>
-            <a:r>
-              <a:rPr lang="zh-CN" altLang="en-US" dirty="0" smtClean="0"/>
-              <a:t>增强学习</a:t>
-            </a:r>
-            <a:endParaRPr lang="zh-CN" altLang="en-US" dirty="0"/>
-          </a:p>
-        </p:txBody>
-      </p:sp>
-      <p:sp>
-        <p:nvSpPr>
-          <p:cNvPr id="3" name="内容占位符 2"/>
-          <p:cNvSpPr>
-            <a:spLocks noGrp="1"/>
-          </p:cNvSpPr>
-          <p:nvPr>
-            <p:ph idx="1"/>
-          </p:nvPr>
-        </p:nvSpPr>
-        <p:spPr/>
-        <p:txBody>
-          <a:bodyPr/>
-          <a:lstStyle/>
-          <a:p>
-            <a:endParaRPr lang="zh-CN" altLang="en-US"/>
-          </a:p>
-        </p:txBody>
-      </p:sp>
-    </p:spTree>
-    <p:extLst>
-      <p:ext uri="{BB962C8B-B14F-4D97-AF65-F5344CB8AC3E}">
-        <p14:creationId xmlns:p14="http://schemas.microsoft.com/office/powerpoint/2010/main" val="4005094678"/>
-      </p:ext>
-    </p:extLst>
-  </p:cSld>
-  <p:clrMapOvr>
-    <a:masterClrMapping/>
-  </p:clrMapOvr>
-</p:sld>
-</file>
-
-<file path=ppt/slides/slide6.xml><?xml version="1.0" encoding="utf-8"?>
-<p:sld xmlns:a="http://schemas.openxmlformats.org/drawingml/2006/main" xmlns:r="http://schemas.openxmlformats.org/officeDocument/2006/relationships" xmlns:p="http://schemas.openxmlformats.org/presentationml/2006/main">
-  <p:cSld>
-    <p:spTree>
-      <p:nvGrpSpPr>
-        <p:cNvPr id="1" name=""/>
-        <p:cNvGrpSpPr/>
-        <p:nvPr/>
-      </p:nvGrpSpPr>
-      <p:grpSpPr>
-        <a:xfrm>
-          <a:off x="0" y="0"/>
-          <a:ext cx="0" cy="0"/>
-          <a:chOff x="0" y="0"/>
-          <a:chExt cx="0" cy="0"/>
-        </a:xfrm>
-      </p:grpSpPr>
-      <p:sp>
-        <p:nvSpPr>
-          <p:cNvPr id="2" name="标题 1"/>
-          <p:cNvSpPr>
-            <a:spLocks noGrp="1"/>
-          </p:cNvSpPr>
-          <p:nvPr>
-            <p:ph type="title"/>
-          </p:nvPr>
-        </p:nvSpPr>
-        <p:spPr/>
-        <p:txBody>
-          <a:bodyPr/>
-          <a:lstStyle/>
-          <a:p>
-            <a:r>
-              <a:rPr lang="zh-CN" altLang="en-US" dirty="0" smtClean="0"/>
-              <a:t>建模</a:t>
-            </a:r>
-            <a:endParaRPr lang="zh-CN" altLang="en-US" dirty="0"/>
-          </a:p>
-        </p:txBody>
-      </p:sp>
-      <p:sp>
-        <p:nvSpPr>
-          <p:cNvPr id="3" name="内容占位符 2"/>
-          <p:cNvSpPr>
-            <a:spLocks noGrp="1"/>
-          </p:cNvSpPr>
-          <p:nvPr>
-            <p:ph idx="1"/>
-          </p:nvPr>
-        </p:nvSpPr>
-        <p:spPr/>
-        <p:txBody>
-          <a:bodyPr/>
-          <a:lstStyle/>
-          <a:p>
-            <a:endParaRPr lang="zh-CN" altLang="en-US"/>
-          </a:p>
-        </p:txBody>
-      </p:sp>
-    </p:spTree>
-    <p:extLst>
-      <p:ext uri="{BB962C8B-B14F-4D97-AF65-F5344CB8AC3E}">
-        <p14:creationId xmlns:p14="http://schemas.microsoft.com/office/powerpoint/2010/main" val="1516738583"/>
-      </p:ext>
-    </p:extLst>
-  </p:cSld>
-  <p:clrMapOvr>
-    <a:masterClrMapping/>
-  </p:clrMapOvr>
-</p:sld>
-</file>
-
-<file path=ppt/slides/slide7.xml><?xml version="1.0" encoding="utf-8"?>
-<p:sld xmlns:a="http://schemas.openxmlformats.org/drawingml/2006/main" xmlns:r="http://schemas.openxmlformats.org/officeDocument/2006/relationships" xmlns:p="http://schemas.openxmlformats.org/presentationml/2006/main">
-  <p:cSld>
-    <p:spTree>
-      <p:nvGrpSpPr>
-        <p:cNvPr id="1" name=""/>
-        <p:cNvGrpSpPr/>
-        <p:nvPr/>
-      </p:nvGrpSpPr>
-      <p:grpSpPr>
-        <a:xfrm>
-          <a:off x="0" y="0"/>
-          <a:ext cx="0" cy="0"/>
-          <a:chOff x="0" y="0"/>
-          <a:chExt cx="0" cy="0"/>
-        </a:xfrm>
-      </p:grpSpPr>
-      <p:sp>
-        <p:nvSpPr>
-          <p:cNvPr id="2" name="标题 1"/>
-          <p:cNvSpPr>
-            <a:spLocks noGrp="1"/>
-          </p:cNvSpPr>
-          <p:nvPr>
-            <p:ph type="title"/>
-          </p:nvPr>
-        </p:nvSpPr>
-        <p:spPr/>
-        <p:txBody>
-          <a:bodyPr/>
-          <a:lstStyle/>
-          <a:p>
-            <a:r>
-              <a:rPr lang="zh-CN" altLang="en-US" dirty="0" smtClean="0"/>
-              <a:t>预分类</a:t>
-            </a:r>
-            <a:endParaRPr lang="zh-CN" altLang="en-US" dirty="0"/>
-          </a:p>
-        </p:txBody>
-      </p:sp>
-      <p:sp>
-        <p:nvSpPr>
-          <p:cNvPr id="3" name="内容占位符 2"/>
-          <p:cNvSpPr>
-            <a:spLocks noGrp="1"/>
-          </p:cNvSpPr>
-          <p:nvPr>
-            <p:ph idx="1"/>
-          </p:nvPr>
-        </p:nvSpPr>
-        <p:spPr/>
-        <p:txBody>
-          <a:bodyPr/>
-          <a:lstStyle/>
-          <a:p>
-            <a:endParaRPr lang="zh-CN" altLang="en-US"/>
-          </a:p>
-        </p:txBody>
-      </p:sp>
-    </p:spTree>
-    <p:extLst>
-      <p:ext uri="{BB962C8B-B14F-4D97-AF65-F5344CB8AC3E}">
-        <p14:creationId xmlns:p14="http://schemas.microsoft.com/office/powerpoint/2010/main" val="3506367377"/>
-      </p:ext>
-    </p:extLst>
-  </p:cSld>
-  <p:clrMapOvr>
-    <a:masterClrMapping/>
-  </p:clrMapOvr>
-</p:sld>
-</file>
-
-<file path=ppt/slides/slide8.xml><?xml version="1.0" encoding="utf-8"?>
+<file path=ppt/slides/slide12.xml><?xml version="1.0" encoding="utf-8"?>
 <p:sld xmlns:a="http://schemas.openxmlformats.org/drawingml/2006/main" xmlns:r="http://schemas.openxmlformats.org/officeDocument/2006/relationships" xmlns:p="http://schemas.openxmlformats.org/presentationml/2006/main">
   <p:cSld>
     <p:spTree>
@@ -5969,7 +5282,7 @@
 </p:sld>
 </file>
 
-<file path=ppt/slides/slide9.xml><?xml version="1.0" encoding="utf-8"?>
+<file path=ppt/slides/slide13.xml><?xml version="1.0" encoding="utf-8"?>
 <p:sld xmlns:a="http://schemas.openxmlformats.org/drawingml/2006/main" xmlns:r="http://schemas.openxmlformats.org/officeDocument/2006/relationships" xmlns:p="http://schemas.openxmlformats.org/presentationml/2006/main">
   <p:cSld>
     <p:spTree>
@@ -6053,8 +5366,8 @@
         </p:nvSpPr>
         <p:spPr>
           <a:xfrm>
-            <a:off x="11557038" y="6134153"/>
-            <a:ext cx="431763" cy="431763"/>
+            <a:off x="11557039" y="6134154"/>
+            <a:ext cx="431764" cy="431763"/>
           </a:xfrm>
           <a:custGeom>
             <a:avLst/>
@@ -6288,8 +5601,8 @@
         </p:nvSpPr>
         <p:spPr>
           <a:xfrm>
-            <a:off x="2897188" y="5844663"/>
-            <a:ext cx="8659850" cy="931371"/>
+            <a:off x="2897187" y="5844664"/>
+            <a:ext cx="8659851" cy="931371"/>
           </a:xfrm>
           <a:prstGeom prst="rect">
             <a:avLst/>
@@ -6486,7 +5799,7 @@
         </p:nvSpPr>
         <p:spPr>
           <a:xfrm>
-            <a:off x="8466022" y="6477369"/>
+            <a:off x="8466023" y="6477370"/>
             <a:ext cx="2963979" cy="298665"/>
           </a:xfrm>
           <a:prstGeom prst="rect">
@@ -6536,18 +5849,4648 @@
   <p:clrMapOvr>
     <a:masterClrMapping/>
   </p:clrMapOvr>
-  <mc:AlternateContent xmlns:mc="http://schemas.openxmlformats.org/markup-compatibility/2006" xmlns:p15="http://schemas.microsoft.com/office/powerpoint/2012/main">
-    <mc:Choice Requires="p15">
+  <mc:AlternateContent xmlns:mc="http://schemas.openxmlformats.org/markup-compatibility/2006">
+    <mc:Choice xmlns:p15="http://schemas.microsoft.com/office/powerpoint/2012/main" xmlns="" Requires="p15">
       <p:transition xmlns:p14="http://schemas.microsoft.com/office/powerpoint/2010/main" spd="slow" p14:dur="2000">
         <p15:prstTrans prst="drape"/>
       </p:transition>
     </mc:Choice>
-    <mc:Fallback xmlns="">
+    <mc:Fallback>
       <p:transition spd="slow">
         <p:fade/>
       </p:transition>
     </mc:Fallback>
   </mc:AlternateContent>
+  <p:timing>
+    <p:tnLst>
+      <p:par>
+        <p:cTn id="1" dur="indefinite" restart="never" nodeType="tmRoot"/>
+      </p:par>
+    </p:tnLst>
+  </p:timing>
+</p:sld>
+</file>
+
+<file path=ppt/slides/slide2.xml><?xml version="1.0" encoding="utf-8"?>
+<p:sld xmlns:a="http://schemas.openxmlformats.org/drawingml/2006/main" xmlns:r="http://schemas.openxmlformats.org/officeDocument/2006/relationships" xmlns:p="http://schemas.openxmlformats.org/presentationml/2006/main">
+  <p:cSld>
+    <p:spTree>
+      <p:nvGrpSpPr>
+        <p:cNvPr id="1" name=""/>
+        <p:cNvGrpSpPr/>
+        <p:nvPr/>
+      </p:nvGrpSpPr>
+      <p:grpSpPr>
+        <a:xfrm>
+          <a:off x="0" y="0"/>
+          <a:ext cx="0" cy="0"/>
+          <a:chOff x="0" y="0"/>
+          <a:chExt cx="0" cy="0"/>
+        </a:xfrm>
+      </p:grpSpPr>
+      <p:sp>
+        <p:nvSpPr>
+          <p:cNvPr id="2" name="标题 1"/>
+          <p:cNvSpPr>
+            <a:spLocks noGrp="1"/>
+          </p:cNvSpPr>
+          <p:nvPr>
+            <p:ph type="title"/>
+          </p:nvPr>
+        </p:nvSpPr>
+        <p:spPr/>
+        <p:txBody>
+          <a:bodyPr/>
+          <a:lstStyle/>
+          <a:p>
+            <a:r>
+              <a:rPr lang="zh-CN" altLang="en-US" dirty="0" smtClean="0">
+                <a:latin typeface="Microsoft YaHei UI" panose="020B0503020204020204" pitchFamily="34" charset="-122"/>
+                <a:ea typeface="Microsoft YaHei UI" panose="020B0503020204020204" pitchFamily="34" charset="-122"/>
+              </a:rPr>
+              <a:t>研究背景及意义</a:t>
+            </a:r>
+            <a:endParaRPr lang="zh-CN" dirty="0">
+              <a:latin typeface="Microsoft YaHei UI" panose="020B0503020204020204" pitchFamily="34" charset="-122"/>
+              <a:ea typeface="Microsoft YaHei UI" panose="020B0503020204020204" pitchFamily="34" charset="-122"/>
+            </a:endParaRPr>
+          </a:p>
+        </p:txBody>
+      </p:sp>
+      <p:sp>
+        <p:nvSpPr>
+          <p:cNvPr id="3" name="内容占位符 2"/>
+          <p:cNvSpPr>
+            <a:spLocks noGrp="1"/>
+          </p:cNvSpPr>
+          <p:nvPr>
+            <p:ph idx="1"/>
+          </p:nvPr>
+        </p:nvSpPr>
+        <p:spPr>
+          <a:xfrm>
+            <a:off x="838199" y="1825625"/>
+            <a:ext cx="4876800" cy="4447761"/>
+          </a:xfrm>
+        </p:spPr>
+        <p:txBody>
+          <a:bodyPr>
+            <a:normAutofit/>
+          </a:bodyPr>
+          <a:lstStyle/>
+          <a:p>
+            <a:pPr marL="285750" indent="-285750">
+              <a:buClr>
+                <a:srgbClr val="00B050"/>
+              </a:buClr>
+              <a:buFont typeface="Wingdings" panose="05000000000000000000" pitchFamily="2" charset="2"/>
+              <a:buChar char="u"/>
+            </a:pPr>
+            <a:r>
+              <a:rPr lang="zh-CN" altLang="en-US" dirty="0" smtClean="0">
+                <a:latin typeface="Microsoft YaHei UI" panose="020B0503020204020204" pitchFamily="34" charset="-122"/>
+                <a:ea typeface="Microsoft YaHei UI" panose="020B0503020204020204" pitchFamily="34" charset="-122"/>
+              </a:rPr>
+              <a:t>三</a:t>
+            </a:r>
+            <a:r>
+              <a:rPr lang="zh-CN" altLang="en-US" dirty="0" smtClean="0">
+                <a:latin typeface="Microsoft YaHei UI" panose="020B0503020204020204" pitchFamily="34" charset="-122"/>
+                <a:ea typeface="Microsoft YaHei UI" panose="020B0503020204020204" pitchFamily="34" charset="-122"/>
+              </a:rPr>
+              <a:t>维数字城市重</a:t>
+            </a:r>
+            <a:r>
+              <a:rPr lang="zh-CN" altLang="en-US" dirty="0" smtClean="0">
+                <a:latin typeface="Microsoft YaHei UI" panose="020B0503020204020204" pitchFamily="34" charset="-122"/>
+                <a:ea typeface="Microsoft YaHei UI" panose="020B0503020204020204" pitchFamily="34" charset="-122"/>
+              </a:rPr>
+              <a:t>建</a:t>
+            </a:r>
+            <a:endParaRPr lang="en-US" altLang="zh-CN" dirty="0" smtClean="0">
+              <a:latin typeface="Microsoft YaHei UI" panose="020B0503020204020204" pitchFamily="34" charset="-122"/>
+              <a:ea typeface="Microsoft YaHei UI" panose="020B0503020204020204" pitchFamily="34" charset="-122"/>
+            </a:endParaRPr>
+          </a:p>
+          <a:p>
+            <a:pPr marL="285750" indent="-285750">
+              <a:buClr>
+                <a:srgbClr val="00B050"/>
+              </a:buClr>
+              <a:buFont typeface="Wingdings" panose="05000000000000000000" pitchFamily="2" charset="2"/>
+              <a:buChar char="u"/>
+            </a:pPr>
+            <a:r>
+              <a:rPr lang="zh-CN" altLang="en-US" dirty="0"/>
+              <a:t>传</a:t>
+            </a:r>
+            <a:r>
+              <a:rPr lang="zh-CN" altLang="en-US" dirty="0" smtClean="0"/>
+              <a:t>统的方法耗时耗力</a:t>
+            </a:r>
+            <a:endParaRPr lang="en-US" altLang="zh-CN" dirty="0" smtClean="0"/>
+          </a:p>
+          <a:p>
+            <a:pPr marL="285750" indent="-285750">
+              <a:buClr>
+                <a:srgbClr val="00B050"/>
+              </a:buClr>
+              <a:buFont typeface="Wingdings" panose="05000000000000000000" pitchFamily="2" charset="2"/>
+              <a:buChar char="u"/>
+            </a:pPr>
+            <a:r>
+              <a:rPr lang="zh-CN" altLang="en-US" dirty="0">
+                <a:latin typeface="Microsoft YaHei UI" panose="020B0503020204020204" pitchFamily="34" charset="-122"/>
+                <a:ea typeface="Microsoft YaHei UI" panose="020B0503020204020204" pitchFamily="34" charset="-122"/>
+              </a:rPr>
+              <a:t>激光雷</a:t>
+            </a:r>
+            <a:r>
+              <a:rPr lang="zh-CN" altLang="en-US" dirty="0" smtClean="0">
+                <a:latin typeface="Microsoft YaHei UI" panose="020B0503020204020204" pitchFamily="34" charset="-122"/>
+                <a:ea typeface="Microsoft YaHei UI" panose="020B0503020204020204" pitchFamily="34" charset="-122"/>
+              </a:rPr>
+              <a:t>达技术</a:t>
+            </a:r>
+            <a:endParaRPr lang="en-US" altLang="zh-CN" dirty="0" smtClean="0">
+              <a:latin typeface="Microsoft YaHei UI" panose="020B0503020204020204" pitchFamily="34" charset="-122"/>
+              <a:ea typeface="Microsoft YaHei UI" panose="020B0503020204020204" pitchFamily="34" charset="-122"/>
+            </a:endParaRPr>
+          </a:p>
+          <a:p>
+            <a:pPr marL="285750" indent="-285750">
+              <a:buClr>
+                <a:srgbClr val="00B050"/>
+              </a:buClr>
+              <a:buFont typeface="Wingdings" panose="05000000000000000000" pitchFamily="2" charset="2"/>
+              <a:buChar char="u"/>
+            </a:pPr>
+            <a:r>
+              <a:rPr lang="zh-CN" altLang="en-US" dirty="0"/>
+              <a:t>自</a:t>
+            </a:r>
+            <a:r>
+              <a:rPr lang="zh-CN" altLang="en-US" dirty="0" smtClean="0"/>
+              <a:t>动化重建建筑立面</a:t>
+            </a:r>
+            <a:endParaRPr lang="en-US" altLang="zh-CN" dirty="0" smtClean="0">
+              <a:latin typeface="Microsoft YaHei UI" panose="020B0503020204020204" pitchFamily="34" charset="-122"/>
+              <a:ea typeface="Microsoft YaHei UI" panose="020B0503020204020204" pitchFamily="34" charset="-122"/>
+            </a:endParaRPr>
+          </a:p>
+          <a:p>
+            <a:endParaRPr lang="zh-CN" dirty="0">
+              <a:latin typeface="Microsoft YaHei UI" panose="020B0503020204020204" pitchFamily="34" charset="-122"/>
+              <a:ea typeface="Microsoft YaHei UI" panose="020B0503020204020204" pitchFamily="34" charset="-122"/>
+            </a:endParaRPr>
+          </a:p>
+          <a:p>
+            <a:endParaRPr lang="zh-CN" dirty="0">
+              <a:latin typeface="Microsoft YaHei UI" panose="020B0503020204020204" pitchFamily="34" charset="-122"/>
+              <a:ea typeface="Microsoft YaHei UI" panose="020B0503020204020204" pitchFamily="34" charset="-122"/>
+            </a:endParaRPr>
+          </a:p>
+        </p:txBody>
+      </p:sp>
+      <p:pic>
+        <p:nvPicPr>
+          <p:cNvPr id="7" name="图片 6"/>
+          <p:cNvPicPr>
+            <a:picLocks noChangeAspect="1"/>
+          </p:cNvPicPr>
+          <p:nvPr/>
+        </p:nvPicPr>
+        <p:blipFill>
+          <a:blip r:embed="rId2">
+            <a:extLst>
+              <a:ext uri="{28A0092B-C50C-407E-A947-70E740481C1C}">
+                <a14:useLocalDpi xmlns:a14="http://schemas.microsoft.com/office/drawing/2010/main" val="0"/>
+              </a:ext>
+            </a:extLst>
+          </a:blip>
+          <a:stretch>
+            <a:fillRect/>
+          </a:stretch>
+        </p:blipFill>
+        <p:spPr>
+          <a:xfrm>
+            <a:off x="6409536" y="1746236"/>
+            <a:ext cx="5243044" cy="2965023"/>
+          </a:xfrm>
+          <a:prstGeom prst="rect">
+            <a:avLst/>
+          </a:prstGeom>
+        </p:spPr>
+      </p:pic>
+      <p:pic>
+        <p:nvPicPr>
+          <p:cNvPr id="8" name="图片 7"/>
+          <p:cNvPicPr>
+            <a:picLocks noChangeAspect="1"/>
+          </p:cNvPicPr>
+          <p:nvPr/>
+        </p:nvPicPr>
+        <p:blipFill>
+          <a:blip r:embed="rId3">
+            <a:extLst>
+              <a:ext uri="{28A0092B-C50C-407E-A947-70E740481C1C}">
+                <a14:useLocalDpi xmlns:a14="http://schemas.microsoft.com/office/drawing/2010/main" val="0"/>
+              </a:ext>
+            </a:extLst>
+          </a:blip>
+          <a:stretch>
+            <a:fillRect/>
+          </a:stretch>
+        </p:blipFill>
+        <p:spPr>
+          <a:xfrm>
+            <a:off x="6409537" y="4842096"/>
+            <a:ext cx="2560318" cy="1422400"/>
+          </a:xfrm>
+          <a:prstGeom prst="rect">
+            <a:avLst/>
+          </a:prstGeom>
+        </p:spPr>
+      </p:pic>
+      <p:pic>
+        <p:nvPicPr>
+          <p:cNvPr id="9" name="图片 8"/>
+          <p:cNvPicPr>
+            <a:picLocks noChangeAspect="1"/>
+          </p:cNvPicPr>
+          <p:nvPr/>
+        </p:nvPicPr>
+        <p:blipFill>
+          <a:blip r:embed="rId4">
+            <a:extLst>
+              <a:ext uri="{28A0092B-C50C-407E-A947-70E740481C1C}">
+                <a14:useLocalDpi xmlns:a14="http://schemas.microsoft.com/office/drawing/2010/main" val="0"/>
+              </a:ext>
+            </a:extLst>
+          </a:blip>
+          <a:stretch>
+            <a:fillRect/>
+          </a:stretch>
+        </p:blipFill>
+        <p:spPr>
+          <a:xfrm>
+            <a:off x="9092358" y="4833206"/>
+            <a:ext cx="2560222" cy="1431290"/>
+          </a:xfrm>
+          <a:prstGeom prst="rect">
+            <a:avLst/>
+          </a:prstGeom>
+        </p:spPr>
+      </p:pic>
+    </p:spTree>
+    <p:extLst>
+      <p:ext uri="{BB962C8B-B14F-4D97-AF65-F5344CB8AC3E}">
+        <p14:creationId xmlns:p14="http://schemas.microsoft.com/office/powerpoint/2010/main" val="2090733893"/>
+      </p:ext>
+    </p:extLst>
+  </p:cSld>
+  <p:clrMapOvr>
+    <a:masterClrMapping/>
+  </p:clrMapOvr>
+  <mc:AlternateContent xmlns:mc="http://schemas.openxmlformats.org/markup-compatibility/2006" xmlns:p14="http://schemas.microsoft.com/office/powerpoint/2010/main">
+    <mc:Choice Requires="p14">
+      <p:transition p14:dur="0"/>
+    </mc:Choice>
+    <mc:Fallback xmlns="">
+      <p:transition/>
+    </mc:Fallback>
+  </mc:AlternateContent>
+  <p:timing>
+    <p:tnLst>
+      <p:par>
+        <p:cTn id="1" dur="indefinite" restart="never" nodeType="tmRoot"/>
+      </p:par>
+    </p:tnLst>
+  </p:timing>
+</p:sld>
+</file>
+
+<file path=ppt/slides/slide3.xml><?xml version="1.0" encoding="utf-8"?>
+<p:sld xmlns:a="http://schemas.openxmlformats.org/drawingml/2006/main" xmlns:r="http://schemas.openxmlformats.org/officeDocument/2006/relationships" xmlns:p="http://schemas.openxmlformats.org/presentationml/2006/main">
+  <p:cSld>
+    <p:spTree>
+      <p:nvGrpSpPr>
+        <p:cNvPr id="1" name=""/>
+        <p:cNvGrpSpPr/>
+        <p:nvPr/>
+      </p:nvGrpSpPr>
+      <p:grpSpPr>
+        <a:xfrm>
+          <a:off x="0" y="0"/>
+          <a:ext cx="0" cy="0"/>
+          <a:chOff x="0" y="0"/>
+          <a:chExt cx="0" cy="0"/>
+        </a:xfrm>
+      </p:grpSpPr>
+      <p:sp>
+        <p:nvSpPr>
+          <p:cNvPr id="2" name="Title 1"/>
+          <p:cNvSpPr>
+            <a:spLocks noGrp="1"/>
+          </p:cNvSpPr>
+          <p:nvPr>
+            <p:ph type="title"/>
+          </p:nvPr>
+        </p:nvSpPr>
+        <p:spPr/>
+        <p:txBody>
+          <a:bodyPr/>
+          <a:lstStyle/>
+          <a:p>
+            <a:r>
+              <a:rPr lang="zh-CN" altLang="en-US" dirty="0" smtClean="0"/>
+              <a:t>建筑立面建模研究现状</a:t>
+            </a:r>
+            <a:endParaRPr lang="zh-CN" altLang="en-US" dirty="0"/>
+          </a:p>
+        </p:txBody>
+      </p:sp>
+      <p:sp>
+        <p:nvSpPr>
+          <p:cNvPr id="3" name="Content Placeholder 2"/>
+          <p:cNvSpPr>
+            <a:spLocks noGrp="1"/>
+          </p:cNvSpPr>
+          <p:nvPr>
+            <p:ph idx="1"/>
+          </p:nvPr>
+        </p:nvSpPr>
+        <p:spPr/>
+        <p:txBody>
+          <a:bodyPr/>
+          <a:lstStyle/>
+          <a:p>
+            <a:pPr marL="285750" indent="-285750">
+              <a:buClr>
+                <a:srgbClr val="00B050"/>
+              </a:buClr>
+              <a:buFont typeface="Wingdings" panose="05000000000000000000" pitchFamily="2" charset="2"/>
+              <a:buChar char="u"/>
+            </a:pPr>
+            <a:r>
+              <a:rPr lang="zh-CN" altLang="en-US" dirty="0"/>
+              <a:t>基</a:t>
+            </a:r>
+            <a:r>
+              <a:rPr lang="zh-CN" altLang="en-US" dirty="0" smtClean="0"/>
+              <a:t>于数据驱动的方法</a:t>
+            </a:r>
+            <a:endParaRPr lang="en-US" altLang="zh-CN" dirty="0" smtClean="0"/>
+          </a:p>
+          <a:p>
+            <a:pPr marL="971550" lvl="1" indent="-285750">
+              <a:buClr>
+                <a:srgbClr val="7030A0"/>
+              </a:buClr>
+              <a:buFont typeface="Wingdings" panose="05000000000000000000" pitchFamily="2" charset="2"/>
+              <a:buChar char="Ø"/>
+            </a:pPr>
+            <a:r>
+              <a:rPr lang="zh-CN" altLang="en-US" dirty="0"/>
+              <a:t>无</a:t>
+            </a:r>
+            <a:r>
+              <a:rPr lang="zh-CN" altLang="en-US" dirty="0" smtClean="0"/>
+              <a:t>法很好地揭示建筑的语义特征（如门、窗、阳台等）</a:t>
+            </a:r>
+            <a:endParaRPr lang="en-US" altLang="zh-CN" dirty="0" smtClean="0"/>
+          </a:p>
+          <a:p>
+            <a:pPr marL="971550" lvl="1" indent="-285750">
+              <a:buClr>
+                <a:srgbClr val="7030A0"/>
+              </a:buClr>
+              <a:buFont typeface="Wingdings" panose="05000000000000000000" pitchFamily="2" charset="2"/>
+              <a:buChar char="Ø"/>
+            </a:pPr>
+            <a:r>
+              <a:rPr lang="zh-CN" altLang="en-US" dirty="0"/>
+              <a:t>建</a:t>
+            </a:r>
+            <a:r>
+              <a:rPr lang="zh-CN" altLang="en-US" dirty="0" smtClean="0"/>
+              <a:t>模受点云数据缺失的影响较大</a:t>
+            </a:r>
+            <a:endParaRPr lang="en-US" altLang="zh-CN" dirty="0" smtClean="0"/>
+          </a:p>
+          <a:p>
+            <a:pPr marL="285750" indent="-285750">
+              <a:buClr>
+                <a:srgbClr val="00B050"/>
+              </a:buClr>
+              <a:buFont typeface="Wingdings" panose="05000000000000000000" pitchFamily="2" charset="2"/>
+              <a:buChar char="u"/>
+            </a:pPr>
+            <a:r>
+              <a:rPr lang="zh-CN" altLang="en-US" dirty="0"/>
+              <a:t>基</a:t>
+            </a:r>
+            <a:r>
+              <a:rPr lang="zh-CN" altLang="en-US" dirty="0" smtClean="0"/>
+              <a:t>于</a:t>
+            </a:r>
+            <a:r>
+              <a:rPr lang="zh-CN" altLang="en-US" dirty="0"/>
+              <a:t>模型</a:t>
+            </a:r>
+            <a:r>
+              <a:rPr lang="zh-CN" altLang="en-US" dirty="0" smtClean="0"/>
+              <a:t>驱</a:t>
+            </a:r>
+            <a:r>
+              <a:rPr lang="zh-CN" altLang="en-US" dirty="0"/>
+              <a:t>动的方法</a:t>
+            </a:r>
+            <a:endParaRPr lang="en-US" altLang="zh-CN" dirty="0"/>
+          </a:p>
+          <a:p>
+            <a:pPr marL="971550" lvl="1" indent="-285750">
+              <a:buClr>
+                <a:srgbClr val="7030A0"/>
+              </a:buClr>
+              <a:buFont typeface="Wingdings" panose="05000000000000000000" pitchFamily="2" charset="2"/>
+              <a:buChar char="Ø"/>
+            </a:pPr>
+            <a:r>
+              <a:rPr lang="zh-CN" altLang="en-US" dirty="0" smtClean="0"/>
+              <a:t>如何设计一个统一的模型来描述现实世界中复杂多样的建筑</a:t>
+            </a:r>
+            <a:endParaRPr lang="en-US" altLang="zh-CN" dirty="0" smtClean="0"/>
+          </a:p>
+          <a:p>
+            <a:pPr marL="971550" lvl="1" indent="-285750">
+              <a:buClr>
+                <a:srgbClr val="7030A0"/>
+              </a:buClr>
+              <a:buFont typeface="Wingdings" panose="05000000000000000000" pitchFamily="2" charset="2"/>
+              <a:buChar char="Ø"/>
+            </a:pPr>
+            <a:r>
+              <a:rPr lang="zh-CN" altLang="en-US" dirty="0"/>
+              <a:t>如</a:t>
+            </a:r>
+            <a:r>
+              <a:rPr lang="zh-CN" altLang="en-US" dirty="0" smtClean="0"/>
+              <a:t>何高效地求解建筑的立面模型</a:t>
+            </a:r>
+            <a:endParaRPr lang="zh-CN" altLang="en-US" dirty="0"/>
+          </a:p>
+        </p:txBody>
+      </p:sp>
+    </p:spTree>
+    <p:extLst>
+      <p:ext uri="{BB962C8B-B14F-4D97-AF65-F5344CB8AC3E}">
+        <p14:creationId xmlns:p14="http://schemas.microsoft.com/office/powerpoint/2010/main" val="4236946289"/>
+      </p:ext>
+    </p:extLst>
+  </p:cSld>
+  <p:clrMapOvr>
+    <a:masterClrMapping/>
+  </p:clrMapOvr>
+  <p:timing>
+    <p:tnLst>
+      <p:par>
+        <p:cTn id="1" dur="indefinite" restart="never" nodeType="tmRoot"/>
+      </p:par>
+    </p:tnLst>
+  </p:timing>
+</p:sld>
+</file>
+
+<file path=ppt/slides/slide4.xml><?xml version="1.0" encoding="utf-8"?>
+<p:sld xmlns:a="http://schemas.openxmlformats.org/drawingml/2006/main" xmlns:r="http://schemas.openxmlformats.org/officeDocument/2006/relationships" xmlns:p="http://schemas.openxmlformats.org/presentationml/2006/main">
+  <p:cSld>
+    <p:spTree>
+      <p:nvGrpSpPr>
+        <p:cNvPr id="1" name=""/>
+        <p:cNvGrpSpPr/>
+        <p:nvPr/>
+      </p:nvGrpSpPr>
+      <p:grpSpPr>
+        <a:xfrm>
+          <a:off x="0" y="0"/>
+          <a:ext cx="0" cy="0"/>
+          <a:chOff x="0" y="0"/>
+          <a:chExt cx="0" cy="0"/>
+        </a:xfrm>
+      </p:grpSpPr>
+      <p:sp>
+        <p:nvSpPr>
+          <p:cNvPr id="2" name="标题 1"/>
+          <p:cNvSpPr>
+            <a:spLocks noGrp="1"/>
+          </p:cNvSpPr>
+          <p:nvPr>
+            <p:ph type="title"/>
+          </p:nvPr>
+        </p:nvSpPr>
+        <p:spPr/>
+        <p:txBody>
+          <a:bodyPr/>
+          <a:lstStyle/>
+          <a:p>
+            <a:r>
+              <a:rPr lang="zh-CN" altLang="en-US" dirty="0" smtClean="0">
+                <a:latin typeface="Microsoft YaHei UI" panose="020B0503020204020204" pitchFamily="34" charset="-122"/>
+                <a:ea typeface="Microsoft YaHei UI" panose="020B0503020204020204" pitchFamily="34" charset="-122"/>
+              </a:rPr>
+              <a:t>形状语</a:t>
+            </a:r>
+            <a:r>
+              <a:rPr lang="zh-CN" altLang="en-US" dirty="0" smtClean="0">
+                <a:latin typeface="Microsoft YaHei UI" panose="020B0503020204020204" pitchFamily="34" charset="-122"/>
+                <a:ea typeface="Microsoft YaHei UI" panose="020B0503020204020204" pitchFamily="34" charset="-122"/>
+              </a:rPr>
+              <a:t>义</a:t>
+            </a:r>
+            <a:endParaRPr lang="zh-CN" dirty="0">
+              <a:latin typeface="Microsoft YaHei UI" panose="020B0503020204020204" pitchFamily="34" charset="-122"/>
+              <a:ea typeface="Microsoft YaHei UI" panose="020B0503020204020204" pitchFamily="34" charset="-122"/>
+            </a:endParaRPr>
+          </a:p>
+        </p:txBody>
+      </p:sp>
+      <p:sp>
+        <p:nvSpPr>
+          <p:cNvPr id="3" name="内容占位符 2"/>
+          <p:cNvSpPr>
+            <a:spLocks noGrp="1"/>
+          </p:cNvSpPr>
+          <p:nvPr>
+            <p:ph idx="1"/>
+          </p:nvPr>
+        </p:nvSpPr>
+        <p:spPr>
+          <a:xfrm>
+            <a:off x="838199" y="1825625"/>
+            <a:ext cx="6093884" cy="3234055"/>
+          </a:xfrm>
+        </p:spPr>
+        <p:txBody>
+          <a:bodyPr>
+            <a:normAutofit fontScale="92500" lnSpcReduction="10000"/>
+          </a:bodyPr>
+          <a:lstStyle/>
+          <a:p>
+            <a:pPr marL="171450" indent="-171450">
+              <a:buClr>
+                <a:srgbClr val="00B050"/>
+              </a:buClr>
+              <a:buFont typeface="Wingdings" panose="05000000000000000000" pitchFamily="2" charset="2"/>
+              <a:buChar char="u"/>
+            </a:pPr>
+            <a:r>
+              <a:rPr lang="zh-CN" altLang="en-US" dirty="0" smtClean="0">
+                <a:latin typeface="Microsoft YaHei UI" panose="020B0503020204020204" pitchFamily="34" charset="-122"/>
+                <a:ea typeface="Microsoft YaHei UI" panose="020B0503020204020204" pitchFamily="34" charset="-122"/>
+              </a:rPr>
+              <a:t>动态地描述复杂的结构化几何体的方法</a:t>
+            </a:r>
+            <a:endParaRPr lang="en-US" altLang="zh-CN" dirty="0" smtClean="0">
+              <a:latin typeface="Microsoft YaHei UI" panose="020B0503020204020204" pitchFamily="34" charset="-122"/>
+              <a:ea typeface="Microsoft YaHei UI" panose="020B0503020204020204" pitchFamily="34" charset="-122"/>
+            </a:endParaRPr>
+          </a:p>
+          <a:p>
+            <a:pPr marL="171450" indent="-171450">
+              <a:buClr>
+                <a:srgbClr val="00B050"/>
+              </a:buClr>
+              <a:buFont typeface="Wingdings" panose="05000000000000000000" pitchFamily="2" charset="2"/>
+              <a:buChar char="u"/>
+            </a:pPr>
+            <a:endParaRPr lang="en-US" altLang="zh-CN" dirty="0" smtClean="0">
+              <a:latin typeface="Microsoft YaHei UI" panose="020B0503020204020204" pitchFamily="34" charset="-122"/>
+              <a:ea typeface="Microsoft YaHei UI" panose="020B0503020204020204" pitchFamily="34" charset="-122"/>
+            </a:endParaRPr>
+          </a:p>
+          <a:p>
+            <a:pPr marL="171450" indent="-171450">
+              <a:buClr>
+                <a:srgbClr val="00B050"/>
+              </a:buClr>
+              <a:buFont typeface="Wingdings" panose="05000000000000000000" pitchFamily="2" charset="2"/>
+              <a:buChar char="u"/>
+            </a:pPr>
+            <a:r>
+              <a:rPr lang="zh-CN" altLang="en-US" dirty="0"/>
+              <a:t>分</a:t>
+            </a:r>
+            <a:r>
+              <a:rPr lang="zh-CN" altLang="en-US" dirty="0" smtClean="0"/>
+              <a:t>形、植物、建筑可以通过一些基本的操作一步步递归地</a:t>
+            </a:r>
+            <a:endParaRPr lang="en-US" altLang="zh-CN" dirty="0" smtClean="0"/>
+          </a:p>
+          <a:p>
+            <a:pPr>
+              <a:buClr>
+                <a:srgbClr val="00B050"/>
+              </a:buClr>
+            </a:pPr>
+            <a:r>
+              <a:rPr lang="zh-CN" altLang="en-US" dirty="0" smtClean="0"/>
+              <a:t>     以一种简单的方式生成</a:t>
+            </a:r>
+            <a:endParaRPr lang="en-US" altLang="zh-CN" dirty="0" smtClean="0"/>
+          </a:p>
+          <a:p>
+            <a:pPr marL="971550" lvl="1" indent="-285750">
+              <a:buClr>
+                <a:srgbClr val="00B050"/>
+              </a:buClr>
+              <a:buFont typeface="Wingdings" panose="05000000000000000000" pitchFamily="2" charset="2"/>
+              <a:buChar char="ü"/>
+            </a:pPr>
+            <a:r>
+              <a:rPr lang="en-US" altLang="zh-CN" dirty="0" smtClean="0">
+                <a:latin typeface="Microsoft YaHei UI" panose="020B0503020204020204" pitchFamily="34" charset="-122"/>
+                <a:ea typeface="Microsoft YaHei UI" panose="020B0503020204020204" pitchFamily="34" charset="-122"/>
+              </a:rPr>
+              <a:t>L</a:t>
+            </a:r>
+            <a:r>
+              <a:rPr lang="zh-CN" altLang="en-US" dirty="0" smtClean="0">
+                <a:latin typeface="Microsoft YaHei UI" panose="020B0503020204020204" pitchFamily="34" charset="-122"/>
+                <a:ea typeface="Microsoft YaHei UI" panose="020B0503020204020204" pitchFamily="34" charset="-122"/>
+              </a:rPr>
+              <a:t>系统</a:t>
+            </a:r>
+            <a:endParaRPr lang="en-US" altLang="zh-CN" dirty="0" smtClean="0">
+              <a:latin typeface="Microsoft YaHei UI" panose="020B0503020204020204" pitchFamily="34" charset="-122"/>
+              <a:ea typeface="Microsoft YaHei UI" panose="020B0503020204020204" pitchFamily="34" charset="-122"/>
+            </a:endParaRPr>
+          </a:p>
+          <a:p>
+            <a:pPr marL="971550" lvl="1" indent="-285750">
+              <a:buClr>
+                <a:srgbClr val="00B050"/>
+              </a:buClr>
+              <a:buFont typeface="Wingdings" panose="05000000000000000000" pitchFamily="2" charset="2"/>
+              <a:buChar char="ü"/>
+            </a:pPr>
+            <a:r>
+              <a:rPr lang="zh-CN" altLang="en-US" dirty="0"/>
+              <a:t>二</a:t>
+            </a:r>
+            <a:r>
+              <a:rPr lang="zh-CN" altLang="en-US" dirty="0" smtClean="0"/>
+              <a:t>分形状语义</a:t>
+            </a:r>
+            <a:endParaRPr lang="en-US" altLang="zh-CN" dirty="0" smtClean="0">
+              <a:latin typeface="Microsoft YaHei UI" panose="020B0503020204020204" pitchFamily="34" charset="-122"/>
+              <a:ea typeface="Microsoft YaHei UI" panose="020B0503020204020204" pitchFamily="34" charset="-122"/>
+            </a:endParaRPr>
+          </a:p>
+          <a:p>
+            <a:pPr marL="971550" lvl="1" indent="-285750">
+              <a:buClr>
+                <a:srgbClr val="00B050"/>
+              </a:buClr>
+              <a:buFont typeface="Wingdings" panose="05000000000000000000" pitchFamily="2" charset="2"/>
+              <a:buChar char="ü"/>
+            </a:pPr>
+            <a:endParaRPr lang="zh-CN" dirty="0">
+              <a:latin typeface="Microsoft YaHei UI" panose="020B0503020204020204" pitchFamily="34" charset="-122"/>
+              <a:ea typeface="Microsoft YaHei UI" panose="020B0503020204020204" pitchFamily="34" charset="-122"/>
+            </a:endParaRPr>
+          </a:p>
+        </p:txBody>
+      </p:sp>
+      <p:pic>
+        <p:nvPicPr>
+          <p:cNvPr id="1026" name="Picture 2" descr="C:\Users\drifters\Downloads\cvpr2010\images\monge_119bis.jpg"/>
+          <p:cNvPicPr>
+            <a:picLocks noChangeAspect="1" noChangeArrowheads="1"/>
+          </p:cNvPicPr>
+          <p:nvPr/>
+        </p:nvPicPr>
+        <p:blipFill>
+          <a:blip r:embed="rId2">
+            <a:extLst>
+              <a:ext uri="{28A0092B-C50C-407E-A947-70E740481C1C}">
+                <a14:useLocalDpi xmlns:a14="http://schemas.microsoft.com/office/drawing/2010/main" val="0"/>
+              </a:ext>
+            </a:extLst>
+          </a:blip>
+          <a:srcRect/>
+          <a:stretch>
+            <a:fillRect/>
+          </a:stretch>
+        </p:blipFill>
+        <p:spPr bwMode="auto">
+          <a:xfrm>
+            <a:off x="9152255" y="1378585"/>
+            <a:ext cx="3009900" cy="5286375"/>
+          </a:xfrm>
+          <a:prstGeom prst="rect">
+            <a:avLst/>
+          </a:prstGeom>
+          <a:noFill/>
+          <a:extLst>
+            <a:ext uri="{909E8E84-426E-40DD-AFC4-6F175D3DCCD1}">
+              <a14:hiddenFill xmlns:a14="http://schemas.microsoft.com/office/drawing/2010/main">
+                <a:solidFill>
+                  <a:srgbClr val="FFFFFF"/>
+                </a:solidFill>
+              </a14:hiddenFill>
+            </a:ext>
+          </a:extLst>
+        </p:spPr>
+      </p:pic>
+      <p:pic>
+        <p:nvPicPr>
+          <p:cNvPr id="1027" name="Picture 3" descr="D:\Xu Xiang\new_workspace\graduation-thesis-defenses\images\486px-Serpinski_Lsystem.svg.png"/>
+          <p:cNvPicPr>
+            <a:picLocks noChangeAspect="1" noChangeArrowheads="1"/>
+          </p:cNvPicPr>
+          <p:nvPr/>
+        </p:nvPicPr>
+        <p:blipFill>
+          <a:blip r:embed="rId3">
+            <a:extLst>
+              <a:ext uri="{28A0092B-C50C-407E-A947-70E740481C1C}">
+                <a14:useLocalDpi xmlns:a14="http://schemas.microsoft.com/office/drawing/2010/main" val="0"/>
+              </a:ext>
+            </a:extLst>
+          </a:blip>
+          <a:srcRect/>
+          <a:stretch>
+            <a:fillRect/>
+          </a:stretch>
+        </p:blipFill>
+        <p:spPr bwMode="auto">
+          <a:xfrm>
+            <a:off x="6299200" y="1673225"/>
+            <a:ext cx="2523462" cy="2160000"/>
+          </a:xfrm>
+          <a:prstGeom prst="rect">
+            <a:avLst/>
+          </a:prstGeom>
+          <a:noFill/>
+          <a:extLst>
+            <a:ext uri="{909E8E84-426E-40DD-AFC4-6F175D3DCCD1}">
+              <a14:hiddenFill xmlns:a14="http://schemas.microsoft.com/office/drawing/2010/main">
+                <a:solidFill>
+                  <a:srgbClr val="FFFFFF"/>
+                </a:solidFill>
+              </a14:hiddenFill>
+            </a:ext>
+          </a:extLst>
+        </p:spPr>
+      </p:pic>
+      <p:pic>
+        <p:nvPicPr>
+          <p:cNvPr id="1028" name="Picture 4" descr="D:\Xu Xiang\new_workspace\graduation-thesis-defenses\images\320px-Fractal_weeds.jpg"/>
+          <p:cNvPicPr>
+            <a:picLocks noChangeAspect="1" noChangeArrowheads="1"/>
+          </p:cNvPicPr>
+          <p:nvPr/>
+        </p:nvPicPr>
+        <p:blipFill>
+          <a:blip r:embed="rId4">
+            <a:extLst>
+              <a:ext uri="{28A0092B-C50C-407E-A947-70E740481C1C}">
+                <a14:useLocalDpi xmlns:a14="http://schemas.microsoft.com/office/drawing/2010/main" val="0"/>
+              </a:ext>
+            </a:extLst>
+          </a:blip>
+          <a:srcRect/>
+          <a:stretch>
+            <a:fillRect/>
+          </a:stretch>
+        </p:blipFill>
+        <p:spPr bwMode="auto">
+          <a:xfrm>
+            <a:off x="4693920" y="4272280"/>
+            <a:ext cx="4064000" cy="2387600"/>
+          </a:xfrm>
+          <a:prstGeom prst="rect">
+            <a:avLst/>
+          </a:prstGeom>
+          <a:noFill/>
+          <a:extLst>
+            <a:ext uri="{909E8E84-426E-40DD-AFC4-6F175D3DCCD1}">
+              <a14:hiddenFill xmlns:a14="http://schemas.microsoft.com/office/drawing/2010/main">
+                <a:solidFill>
+                  <a:srgbClr val="FFFFFF"/>
+                </a:solidFill>
+              </a14:hiddenFill>
+            </a:ext>
+          </a:extLst>
+        </p:spPr>
+      </p:pic>
+    </p:spTree>
+    <p:extLst>
+      <p:ext uri="{BB962C8B-B14F-4D97-AF65-F5344CB8AC3E}">
+        <p14:creationId xmlns:p14="http://schemas.microsoft.com/office/powerpoint/2010/main" val="1328676004"/>
+      </p:ext>
+    </p:extLst>
+  </p:cSld>
+  <p:clrMapOvr>
+    <a:masterClrMapping/>
+  </p:clrMapOvr>
+  <mc:AlternateContent xmlns:mc="http://schemas.openxmlformats.org/markup-compatibility/2006">
+    <mc:Choice xmlns:p14="http://schemas.microsoft.com/office/powerpoint/2010/main" Requires="p14">
+      <p:transition p14:dur="10"/>
+    </mc:Choice>
+    <mc:Fallback>
+      <p:transition/>
+    </mc:Fallback>
+  </mc:AlternateContent>
+  <p:timing>
+    <p:tnLst>
+      <p:par>
+        <p:cTn id="1" dur="indefinite" restart="never" nodeType="tmRoot"/>
+      </p:par>
+    </p:tnLst>
+  </p:timing>
+</p:sld>
+</file>
+
+<file path=ppt/slides/slide5.xml><?xml version="1.0" encoding="utf-8"?>
+<p:sld xmlns:a="http://schemas.openxmlformats.org/drawingml/2006/main" xmlns:r="http://schemas.openxmlformats.org/officeDocument/2006/relationships" xmlns:p="http://schemas.openxmlformats.org/presentationml/2006/main">
+  <p:cSld>
+    <p:spTree>
+      <p:nvGrpSpPr>
+        <p:cNvPr id="1" name=""/>
+        <p:cNvGrpSpPr/>
+        <p:nvPr/>
+      </p:nvGrpSpPr>
+      <p:grpSpPr>
+        <a:xfrm>
+          <a:off x="0" y="0"/>
+          <a:ext cx="0" cy="0"/>
+          <a:chOff x="0" y="0"/>
+          <a:chExt cx="0" cy="0"/>
+        </a:xfrm>
+      </p:grpSpPr>
+      <p:sp>
+        <p:nvSpPr>
+          <p:cNvPr id="2" name="Title 1"/>
+          <p:cNvSpPr>
+            <a:spLocks noGrp="1"/>
+          </p:cNvSpPr>
+          <p:nvPr>
+            <p:ph type="title"/>
+          </p:nvPr>
+        </p:nvSpPr>
+        <p:spPr/>
+        <p:txBody>
+          <a:bodyPr/>
+          <a:lstStyle/>
+          <a:p>
+            <a:r>
+              <a:rPr lang="zh-CN" altLang="en-US" dirty="0" smtClean="0"/>
+              <a:t>二分形状语义</a:t>
+            </a:r>
+            <a:endParaRPr lang="zh-CN" altLang="en-US" dirty="0"/>
+          </a:p>
+        </p:txBody>
+      </p:sp>
+      <p:sp>
+        <p:nvSpPr>
+          <p:cNvPr id="3" name="Content Placeholder 2"/>
+          <p:cNvSpPr>
+            <a:spLocks noGrp="1"/>
+          </p:cNvSpPr>
+          <p:nvPr>
+            <p:ph idx="1"/>
+          </p:nvPr>
+        </p:nvSpPr>
+        <p:spPr/>
+        <p:txBody>
+          <a:bodyPr>
+            <a:normAutofit fontScale="77500" lnSpcReduction="20000"/>
+          </a:bodyPr>
+          <a:lstStyle/>
+          <a:p>
+            <a:pPr marL="285750" indent="-285750">
+              <a:buClr>
+                <a:srgbClr val="00B050"/>
+              </a:buClr>
+              <a:buFont typeface="Wingdings" panose="05000000000000000000" pitchFamily="2" charset="2"/>
+              <a:buChar char="u"/>
+            </a:pPr>
+            <a:r>
+              <a:rPr lang="zh-CN" altLang="en-US" dirty="0" smtClean="0"/>
+              <a:t>特殊的形状语义。通过不断对一个初始形状进行剖分得到复杂的结构</a:t>
+            </a:r>
+            <a:endParaRPr lang="en-US" altLang="zh-CN" dirty="0" smtClean="0"/>
+          </a:p>
+          <a:p>
+            <a:pPr marL="285750" indent="-285750">
+              <a:buClr>
+                <a:srgbClr val="00B050"/>
+              </a:buClr>
+              <a:buFont typeface="Wingdings" panose="05000000000000000000" pitchFamily="2" charset="2"/>
+              <a:buChar char="u"/>
+            </a:pPr>
+            <a:r>
+              <a:rPr lang="zh-CN" altLang="en-US" dirty="0" smtClean="0"/>
+              <a:t>初始形状</a:t>
+            </a:r>
+            <a:endParaRPr lang="en-US" altLang="zh-CN" dirty="0" smtClean="0"/>
+          </a:p>
+          <a:p>
+            <a:pPr marL="971550" lvl="1" indent="-285750">
+              <a:buClr>
+                <a:srgbClr val="00B050"/>
+              </a:buClr>
+              <a:buFont typeface="Wingdings" panose="05000000000000000000" pitchFamily="2" charset="2"/>
+              <a:buChar char="ü"/>
+            </a:pPr>
+            <a:r>
+              <a:rPr lang="zh-CN" altLang="en-US" dirty="0"/>
+              <a:t>剖</a:t>
+            </a:r>
+            <a:r>
+              <a:rPr lang="zh-CN" altLang="en-US" dirty="0" smtClean="0"/>
+              <a:t>分开始时的形状</a:t>
+            </a:r>
+            <a:endParaRPr lang="en-US" altLang="zh-CN" dirty="0" smtClean="0"/>
+          </a:p>
+          <a:p>
+            <a:pPr marL="285750" indent="-285750">
+              <a:buClr>
+                <a:srgbClr val="00B050"/>
+              </a:buClr>
+              <a:buFont typeface="Wingdings" panose="05000000000000000000" pitchFamily="2" charset="2"/>
+              <a:buChar char="u"/>
+            </a:pPr>
+            <a:r>
+              <a:rPr lang="zh-CN" altLang="en-US" dirty="0"/>
+              <a:t>终</a:t>
+            </a:r>
+            <a:r>
+              <a:rPr lang="zh-CN" altLang="en-US" dirty="0" smtClean="0"/>
+              <a:t>端形状</a:t>
+            </a:r>
+            <a:endParaRPr lang="en-US" altLang="zh-CN" dirty="0" smtClean="0"/>
+          </a:p>
+          <a:p>
+            <a:pPr marL="971550" lvl="1" indent="-285750">
+              <a:buClr>
+                <a:srgbClr val="00B050"/>
+              </a:buClr>
+              <a:buFont typeface="Wingdings" panose="05000000000000000000" pitchFamily="2" charset="2"/>
+              <a:buChar char="ü"/>
+            </a:pPr>
+            <a:r>
+              <a:rPr lang="zh-CN" altLang="en-US" dirty="0" smtClean="0"/>
+              <a:t>不可以继续剖分的形状</a:t>
+            </a:r>
+            <a:endParaRPr lang="en-US" altLang="zh-CN" dirty="0" smtClean="0"/>
+          </a:p>
+          <a:p>
+            <a:pPr marL="285750" indent="-285750">
+              <a:buClr>
+                <a:srgbClr val="00B050"/>
+              </a:buClr>
+              <a:buFont typeface="Wingdings" panose="05000000000000000000" pitchFamily="2" charset="2"/>
+              <a:buChar char="u"/>
+            </a:pPr>
+            <a:r>
+              <a:rPr lang="zh-CN" altLang="en-US" dirty="0" smtClean="0"/>
+              <a:t>非终端形状</a:t>
+            </a:r>
+            <a:endParaRPr lang="en-US" altLang="zh-CN" dirty="0" smtClean="0"/>
+          </a:p>
+          <a:p>
+            <a:pPr marL="971550" lvl="1" indent="-285750">
+              <a:buClr>
+                <a:srgbClr val="00B050"/>
+              </a:buClr>
+              <a:buFont typeface="Wingdings" panose="05000000000000000000" pitchFamily="2" charset="2"/>
+              <a:buChar char="ü"/>
+            </a:pPr>
+            <a:r>
+              <a:rPr lang="zh-CN" altLang="en-US" dirty="0"/>
+              <a:t>可</a:t>
+            </a:r>
+            <a:r>
+              <a:rPr lang="zh-CN" altLang="en-US" dirty="0" smtClean="0"/>
+              <a:t>以继续剖分为其它形状</a:t>
+            </a:r>
+            <a:endParaRPr lang="en-US" altLang="zh-CN" dirty="0" smtClean="0"/>
+          </a:p>
+          <a:p>
+            <a:pPr marL="285750" indent="-285750">
+              <a:buClr>
+                <a:srgbClr val="00B050"/>
+              </a:buClr>
+              <a:buFont typeface="Wingdings" panose="05000000000000000000" pitchFamily="2" charset="2"/>
+              <a:buChar char="u"/>
+            </a:pPr>
+            <a:r>
+              <a:rPr lang="zh-CN" altLang="en-US" dirty="0"/>
+              <a:t>语</a:t>
+            </a:r>
+            <a:r>
+              <a:rPr lang="zh-CN" altLang="en-US" dirty="0" smtClean="0"/>
+              <a:t>义规则</a:t>
+            </a:r>
+            <a:endParaRPr lang="en-US" altLang="zh-CN" dirty="0" smtClean="0"/>
+          </a:p>
+          <a:p>
+            <a:pPr marL="971550" lvl="1" indent="-285750">
+              <a:buClr>
+                <a:srgbClr val="00B050"/>
+              </a:buClr>
+              <a:buFont typeface="Wingdings" panose="05000000000000000000" pitchFamily="2" charset="2"/>
+              <a:buChar char="ü"/>
+            </a:pPr>
+            <a:r>
+              <a:rPr lang="zh-CN" altLang="en-US" dirty="0"/>
+              <a:t>描</a:t>
+            </a:r>
+            <a:r>
+              <a:rPr lang="zh-CN" altLang="en-US" dirty="0" smtClean="0"/>
+              <a:t>述一个形状如何剖分为其它形状</a:t>
+            </a:r>
+            <a:endParaRPr lang="zh-CN" altLang="en-US" dirty="0"/>
+          </a:p>
+        </p:txBody>
+      </p:sp>
+      <p:pic>
+        <p:nvPicPr>
+          <p:cNvPr id="2051" name="Picture 3" descr="parsing_tree"/>
+          <p:cNvPicPr>
+            <a:picLocks noChangeAspect="1" noChangeArrowheads="1"/>
+          </p:cNvPicPr>
+          <p:nvPr/>
+        </p:nvPicPr>
+        <p:blipFill rotWithShape="1">
+          <a:blip r:embed="rId2">
+            <a:extLst>
+              <a:ext uri="{28A0092B-C50C-407E-A947-70E740481C1C}">
+                <a14:useLocalDpi xmlns:a14="http://schemas.microsoft.com/office/drawing/2010/main" val="0"/>
+              </a:ext>
+            </a:extLst>
+          </a:blip>
+          <a:srcRect l="35613" t="4812" r="51546" b="83165"/>
+          <a:stretch/>
+        </p:blipFill>
+        <p:spPr bwMode="auto">
+          <a:xfrm>
+            <a:off x="7709336" y="1354083"/>
+            <a:ext cx="1483200" cy="1185917"/>
+          </a:xfrm>
+          <a:prstGeom prst="rect">
+            <a:avLst/>
+          </a:prstGeom>
+          <a:noFill/>
+          <a:ln>
+            <a:noFill/>
+          </a:ln>
+          <a:extLst>
+            <a:ext uri="{909E8E84-426E-40DD-AFC4-6F175D3DCCD1}">
+              <a14:hiddenFill xmlns:a14="http://schemas.microsoft.com/office/drawing/2010/main">
+                <a:solidFill>
+                  <a:srgbClr val="FFFFFF"/>
+                </a:solidFill>
+              </a14:hiddenFill>
+            </a:ext>
+            <a:ext uri="{91240B29-F687-4F45-9708-019B960494DF}">
+              <a14:hiddenLine xmlns:a14="http://schemas.microsoft.com/office/drawing/2010/main" w="9525">
+                <a:solidFill>
+                  <a:srgbClr val="000000"/>
+                </a:solidFill>
+                <a:miter lim="800000"/>
+                <a:headEnd/>
+                <a:tailEnd/>
+              </a14:hiddenLine>
+            </a:ext>
+          </a:extLst>
+        </p:spPr>
+      </p:pic>
+      <p:sp>
+        <p:nvSpPr>
+          <p:cNvPr id="4" name="TextBox 3"/>
+          <p:cNvSpPr txBox="1"/>
+          <p:nvPr/>
+        </p:nvSpPr>
+        <p:spPr>
+          <a:xfrm>
+            <a:off x="6871311" y="1608487"/>
+            <a:ext cx="1097280" cy="338554"/>
+          </a:xfrm>
+          <a:prstGeom prst="rect">
+            <a:avLst/>
+          </a:prstGeom>
+          <a:noFill/>
+        </p:spPr>
+        <p:txBody>
+          <a:bodyPr wrap="square" rtlCol="0">
+            <a:spAutoFit/>
+          </a:bodyPr>
+          <a:lstStyle/>
+          <a:p>
+            <a:r>
+              <a:rPr lang="en-US" altLang="zh-CN" sz="1600" dirty="0" smtClean="0">
+                <a:ea typeface="Microsoft YaHei UI"/>
+              </a:rPr>
+              <a:t>facade</a:t>
+            </a:r>
+            <a:endParaRPr lang="zh-CN" altLang="en-US" sz="1600" dirty="0">
+              <a:ea typeface="Microsoft YaHei UI"/>
+            </a:endParaRPr>
+          </a:p>
+        </p:txBody>
+      </p:sp>
+      <p:sp>
+        <p:nvSpPr>
+          <p:cNvPr id="7" name="TextBox 6"/>
+          <p:cNvSpPr txBox="1"/>
+          <p:nvPr/>
+        </p:nvSpPr>
+        <p:spPr>
+          <a:xfrm>
+            <a:off x="6763054" y="2948103"/>
+            <a:ext cx="1069951" cy="338554"/>
+          </a:xfrm>
+          <a:prstGeom prst="rect">
+            <a:avLst/>
+          </a:prstGeom>
+          <a:noFill/>
+        </p:spPr>
+        <p:txBody>
+          <a:bodyPr wrap="square" rtlCol="0">
+            <a:spAutoFit/>
+          </a:bodyPr>
+          <a:lstStyle/>
+          <a:p>
+            <a:r>
+              <a:rPr lang="en-US" altLang="zh-CN" sz="1600" dirty="0" smtClean="0">
+                <a:ea typeface="Microsoft YaHei UI"/>
+              </a:rPr>
+              <a:t>window</a:t>
+            </a:r>
+            <a:endParaRPr lang="en-US" altLang="zh-CN" sz="1600" dirty="0">
+              <a:ea typeface="Microsoft YaHei UI"/>
+            </a:endParaRPr>
+          </a:p>
+        </p:txBody>
+      </p:sp>
+      <p:pic>
+        <p:nvPicPr>
+          <p:cNvPr id="9" name="Picture 3" descr="parsing_tree"/>
+          <p:cNvPicPr>
+            <a:picLocks noChangeAspect="1" noChangeArrowheads="1"/>
+          </p:cNvPicPr>
+          <p:nvPr/>
+        </p:nvPicPr>
+        <p:blipFill rotWithShape="1">
+          <a:blip r:embed="rId2">
+            <a:extLst>
+              <a:ext uri="{28A0092B-C50C-407E-A947-70E740481C1C}">
+                <a14:useLocalDpi xmlns:a14="http://schemas.microsoft.com/office/drawing/2010/main" val="0"/>
+              </a:ext>
+            </a:extLst>
+          </a:blip>
+          <a:srcRect l="39126" t="12776" r="59145" b="83165"/>
+          <a:stretch/>
+        </p:blipFill>
+        <p:spPr bwMode="auto">
+          <a:xfrm>
+            <a:off x="8069838" y="2904913"/>
+            <a:ext cx="199697" cy="400323"/>
+          </a:xfrm>
+          <a:prstGeom prst="rect">
+            <a:avLst/>
+          </a:prstGeom>
+          <a:noFill/>
+          <a:ln>
+            <a:noFill/>
+          </a:ln>
+          <a:extLst>
+            <a:ext uri="{909E8E84-426E-40DD-AFC4-6F175D3DCCD1}">
+              <a14:hiddenFill xmlns:a14="http://schemas.microsoft.com/office/drawing/2010/main">
+                <a:solidFill>
+                  <a:srgbClr val="FFFFFF"/>
+                </a:solidFill>
+              </a14:hiddenFill>
+            </a:ext>
+            <a:ext uri="{91240B29-F687-4F45-9708-019B960494DF}">
+              <a14:hiddenLine xmlns:a14="http://schemas.microsoft.com/office/drawing/2010/main" w="9525">
+                <a:solidFill>
+                  <a:srgbClr val="000000"/>
+                </a:solidFill>
+                <a:miter lim="800000"/>
+                <a:headEnd/>
+                <a:tailEnd/>
+              </a14:hiddenLine>
+            </a:ext>
+          </a:extLst>
+        </p:spPr>
+      </p:pic>
+      <p:pic>
+        <p:nvPicPr>
+          <p:cNvPr id="10" name="Picture 3" descr="parsing_tree"/>
+          <p:cNvPicPr>
+            <a:picLocks noChangeAspect="1" noChangeArrowheads="1"/>
+          </p:cNvPicPr>
+          <p:nvPr/>
+        </p:nvPicPr>
+        <p:blipFill rotWithShape="1">
+          <a:blip r:embed="rId2">
+            <a:extLst>
+              <a:ext uri="{28A0092B-C50C-407E-A947-70E740481C1C}">
+                <a14:useLocalDpi xmlns:a14="http://schemas.microsoft.com/office/drawing/2010/main" val="0"/>
+              </a:ext>
+            </a:extLst>
+          </a:blip>
+          <a:srcRect l="37284" t="12884" r="61045" b="83075"/>
+          <a:stretch/>
+        </p:blipFill>
+        <p:spPr bwMode="auto">
+          <a:xfrm>
+            <a:off x="8850522" y="2904913"/>
+            <a:ext cx="193000" cy="398693"/>
+          </a:xfrm>
+          <a:prstGeom prst="rect">
+            <a:avLst/>
+          </a:prstGeom>
+          <a:noFill/>
+          <a:ln>
+            <a:noFill/>
+          </a:ln>
+          <a:extLst>
+            <a:ext uri="{909E8E84-426E-40DD-AFC4-6F175D3DCCD1}">
+              <a14:hiddenFill xmlns:a14="http://schemas.microsoft.com/office/drawing/2010/main">
+                <a:solidFill>
+                  <a:srgbClr val="FFFFFF"/>
+                </a:solidFill>
+              </a14:hiddenFill>
+            </a:ext>
+            <a:ext uri="{91240B29-F687-4F45-9708-019B960494DF}">
+              <a14:hiddenLine xmlns:a14="http://schemas.microsoft.com/office/drawing/2010/main" w="9525">
+                <a:solidFill>
+                  <a:srgbClr val="000000"/>
+                </a:solidFill>
+                <a:miter lim="800000"/>
+                <a:headEnd/>
+                <a:tailEnd/>
+              </a14:hiddenLine>
+            </a:ext>
+          </a:extLst>
+        </p:spPr>
+      </p:pic>
+      <p:sp>
+        <p:nvSpPr>
+          <p:cNvPr id="11" name="TextBox 10"/>
+          <p:cNvSpPr txBox="1"/>
+          <p:nvPr/>
+        </p:nvSpPr>
+        <p:spPr>
+          <a:xfrm>
+            <a:off x="5242283" y="3811024"/>
+            <a:ext cx="1314146" cy="338554"/>
+          </a:xfrm>
+          <a:prstGeom prst="rect">
+            <a:avLst/>
+          </a:prstGeom>
+          <a:noFill/>
+        </p:spPr>
+        <p:txBody>
+          <a:bodyPr wrap="square" rtlCol="0">
+            <a:spAutoFit/>
+          </a:bodyPr>
+          <a:lstStyle/>
+          <a:p>
+            <a:r>
+              <a:rPr lang="en-US" altLang="zh-CN" sz="1600" dirty="0" smtClean="0">
+                <a:ea typeface="Microsoft YaHei UI"/>
+              </a:rPr>
+              <a:t> </a:t>
+            </a:r>
+            <a:r>
+              <a:rPr lang="en-US" altLang="zh-CN" sz="1600" dirty="0" err="1" smtClean="0">
+                <a:ea typeface="Microsoft YaHei UI"/>
+              </a:rPr>
+              <a:t>facadeWall</a:t>
+            </a:r>
+            <a:endParaRPr lang="zh-CN" altLang="en-US" sz="1600" dirty="0">
+              <a:ea typeface="Microsoft YaHei UI"/>
+            </a:endParaRPr>
+          </a:p>
+        </p:txBody>
+      </p:sp>
+      <p:sp>
+        <p:nvSpPr>
+          <p:cNvPr id="12" name="TextBox 11"/>
+          <p:cNvSpPr txBox="1"/>
+          <p:nvPr/>
+        </p:nvSpPr>
+        <p:spPr>
+          <a:xfrm>
+            <a:off x="9192536" y="2968795"/>
+            <a:ext cx="1069951" cy="338554"/>
+          </a:xfrm>
+          <a:prstGeom prst="rect">
+            <a:avLst/>
+          </a:prstGeom>
+          <a:noFill/>
+        </p:spPr>
+        <p:txBody>
+          <a:bodyPr wrap="square" rtlCol="0">
+            <a:spAutoFit/>
+          </a:bodyPr>
+          <a:lstStyle/>
+          <a:p>
+            <a:r>
+              <a:rPr lang="en-US" altLang="zh-CN" sz="1600" dirty="0" smtClean="0">
+                <a:ea typeface="Microsoft YaHei UI"/>
+              </a:rPr>
+              <a:t>wall</a:t>
+            </a:r>
+            <a:endParaRPr lang="en-US" altLang="zh-CN" sz="1600" dirty="0">
+              <a:ea typeface="Microsoft YaHei UI"/>
+            </a:endParaRPr>
+          </a:p>
+        </p:txBody>
+      </p:sp>
+      <p:pic>
+        <p:nvPicPr>
+          <p:cNvPr id="13" name="Picture 3" descr="parsing_tree"/>
+          <p:cNvPicPr>
+            <a:picLocks noChangeAspect="1" noChangeArrowheads="1"/>
+          </p:cNvPicPr>
+          <p:nvPr/>
+        </p:nvPicPr>
+        <p:blipFill rotWithShape="1">
+          <a:blip r:embed="rId2">
+            <a:extLst>
+              <a:ext uri="{28A0092B-C50C-407E-A947-70E740481C1C}">
+                <a14:useLocalDpi xmlns:a14="http://schemas.microsoft.com/office/drawing/2010/main" val="0"/>
+              </a:ext>
+            </a:extLst>
+          </a:blip>
+          <a:srcRect l="35613" t="4812" r="51546" b="87460"/>
+          <a:stretch/>
+        </p:blipFill>
+        <p:spPr bwMode="auto">
+          <a:xfrm>
+            <a:off x="6556429" y="3523360"/>
+            <a:ext cx="1483200" cy="762236"/>
+          </a:xfrm>
+          <a:prstGeom prst="rect">
+            <a:avLst/>
+          </a:prstGeom>
+          <a:noFill/>
+          <a:ln>
+            <a:noFill/>
+          </a:ln>
+          <a:extLst>
+            <a:ext uri="{909E8E84-426E-40DD-AFC4-6F175D3DCCD1}">
+              <a14:hiddenFill xmlns:a14="http://schemas.microsoft.com/office/drawing/2010/main">
+                <a:solidFill>
+                  <a:srgbClr val="FFFFFF"/>
+                </a:solidFill>
+              </a14:hiddenFill>
+            </a:ext>
+            <a:ext uri="{91240B29-F687-4F45-9708-019B960494DF}">
+              <a14:hiddenLine xmlns:a14="http://schemas.microsoft.com/office/drawing/2010/main" w="9525">
+                <a:solidFill>
+                  <a:srgbClr val="000000"/>
+                </a:solidFill>
+                <a:miter lim="800000"/>
+                <a:headEnd/>
+                <a:tailEnd/>
+              </a14:hiddenLine>
+            </a:ext>
+          </a:extLst>
+        </p:spPr>
+      </p:pic>
+      <p:pic>
+        <p:nvPicPr>
+          <p:cNvPr id="14" name="Picture 3" descr="parsing_tree"/>
+          <p:cNvPicPr>
+            <a:picLocks noChangeAspect="1" noChangeArrowheads="1"/>
+          </p:cNvPicPr>
+          <p:nvPr/>
+        </p:nvPicPr>
+        <p:blipFill rotWithShape="1">
+          <a:blip r:embed="rId2">
+            <a:extLst>
+              <a:ext uri="{28A0092B-C50C-407E-A947-70E740481C1C}">
+                <a14:useLocalDpi xmlns:a14="http://schemas.microsoft.com/office/drawing/2010/main" val="0"/>
+              </a:ext>
+            </a:extLst>
+          </a:blip>
+          <a:srcRect l="35613" t="4812" r="51546" b="89177"/>
+          <a:stretch/>
+        </p:blipFill>
+        <p:spPr bwMode="auto">
+          <a:xfrm>
+            <a:off x="8706765" y="3683822"/>
+            <a:ext cx="1483200" cy="592958"/>
+          </a:xfrm>
+          <a:prstGeom prst="rect">
+            <a:avLst/>
+          </a:prstGeom>
+          <a:noFill/>
+          <a:ln>
+            <a:noFill/>
+          </a:ln>
+          <a:extLst>
+            <a:ext uri="{909E8E84-426E-40DD-AFC4-6F175D3DCCD1}">
+              <a14:hiddenFill xmlns:a14="http://schemas.microsoft.com/office/drawing/2010/main">
+                <a:solidFill>
+                  <a:srgbClr val="FFFFFF"/>
+                </a:solidFill>
+              </a14:hiddenFill>
+            </a:ext>
+            <a:ext uri="{91240B29-F687-4F45-9708-019B960494DF}">
+              <a14:hiddenLine xmlns:a14="http://schemas.microsoft.com/office/drawing/2010/main" w="9525">
+                <a:solidFill>
+                  <a:srgbClr val="000000"/>
+                </a:solidFill>
+                <a:miter lim="800000"/>
+                <a:headEnd/>
+                <a:tailEnd/>
+              </a14:hiddenLine>
+            </a:ext>
+          </a:extLst>
+        </p:spPr>
+      </p:pic>
+      <p:sp>
+        <p:nvSpPr>
+          <p:cNvPr id="15" name="TextBox 14"/>
+          <p:cNvSpPr txBox="1"/>
+          <p:nvPr/>
+        </p:nvSpPr>
+        <p:spPr>
+          <a:xfrm>
+            <a:off x="10217460" y="3899105"/>
+            <a:ext cx="1314146" cy="338554"/>
+          </a:xfrm>
+          <a:prstGeom prst="rect">
+            <a:avLst/>
+          </a:prstGeom>
+          <a:noFill/>
+        </p:spPr>
+        <p:txBody>
+          <a:bodyPr wrap="square" rtlCol="0">
+            <a:spAutoFit/>
+          </a:bodyPr>
+          <a:lstStyle/>
+          <a:p>
+            <a:r>
+              <a:rPr lang="en-US" altLang="zh-CN" sz="1600" dirty="0" smtClean="0">
+                <a:ea typeface="Microsoft YaHei UI"/>
+              </a:rPr>
+              <a:t> </a:t>
+            </a:r>
+            <a:r>
+              <a:rPr lang="en-US" altLang="zh-CN" sz="1600" dirty="0" err="1" smtClean="0">
+                <a:ea typeface="Microsoft YaHei UI"/>
+              </a:rPr>
+              <a:t>facadeFloor</a:t>
+            </a:r>
+            <a:endParaRPr lang="zh-CN" altLang="en-US" sz="1600" dirty="0">
+              <a:ea typeface="Microsoft YaHei UI"/>
+            </a:endParaRPr>
+          </a:p>
+        </p:txBody>
+      </p:sp>
+      <p:pic>
+        <p:nvPicPr>
+          <p:cNvPr id="16" name="Picture 3" descr="parsing_tree"/>
+          <p:cNvPicPr>
+            <a:picLocks noChangeAspect="1" noChangeArrowheads="1"/>
+          </p:cNvPicPr>
+          <p:nvPr/>
+        </p:nvPicPr>
+        <p:blipFill rotWithShape="1">
+          <a:blip r:embed="rId2">
+            <a:extLst>
+              <a:ext uri="{28A0092B-C50C-407E-A947-70E740481C1C}">
+                <a14:useLocalDpi xmlns:a14="http://schemas.microsoft.com/office/drawing/2010/main" val="0"/>
+              </a:ext>
+            </a:extLst>
+          </a:blip>
+          <a:srcRect l="35613" t="12921" r="51546" b="83165"/>
+          <a:stretch/>
+        </p:blipFill>
+        <p:spPr bwMode="auto">
+          <a:xfrm>
+            <a:off x="6620110" y="4938110"/>
+            <a:ext cx="1483200" cy="386080"/>
+          </a:xfrm>
+          <a:prstGeom prst="rect">
+            <a:avLst/>
+          </a:prstGeom>
+          <a:noFill/>
+          <a:ln>
+            <a:noFill/>
+          </a:ln>
+          <a:extLst>
+            <a:ext uri="{909E8E84-426E-40DD-AFC4-6F175D3DCCD1}">
+              <a14:hiddenFill xmlns:a14="http://schemas.microsoft.com/office/drawing/2010/main">
+                <a:solidFill>
+                  <a:srgbClr val="FFFFFF"/>
+                </a:solidFill>
+              </a14:hiddenFill>
+            </a:ext>
+            <a:ext uri="{91240B29-F687-4F45-9708-019B960494DF}">
+              <a14:hiddenLine xmlns:a14="http://schemas.microsoft.com/office/drawing/2010/main" w="9525">
+                <a:solidFill>
+                  <a:srgbClr val="000000"/>
+                </a:solidFill>
+                <a:miter lim="800000"/>
+                <a:headEnd/>
+                <a:tailEnd/>
+              </a14:hiddenLine>
+            </a:ext>
+          </a:extLst>
+        </p:spPr>
+      </p:pic>
+      <p:sp>
+        <p:nvSpPr>
+          <p:cNvPr id="17" name="TextBox 16"/>
+          <p:cNvSpPr txBox="1"/>
+          <p:nvPr/>
+        </p:nvSpPr>
+        <p:spPr>
+          <a:xfrm>
+            <a:off x="5242283" y="4993377"/>
+            <a:ext cx="1314146" cy="584775"/>
+          </a:xfrm>
+          <a:prstGeom prst="rect">
+            <a:avLst/>
+          </a:prstGeom>
+          <a:noFill/>
+        </p:spPr>
+        <p:txBody>
+          <a:bodyPr wrap="square" rtlCol="0">
+            <a:spAutoFit/>
+          </a:bodyPr>
+          <a:lstStyle/>
+          <a:p>
+            <a:r>
+              <a:rPr lang="en-US" altLang="zh-CN" sz="1600" dirty="0" smtClean="0">
+                <a:ea typeface="Microsoft YaHei UI"/>
+              </a:rPr>
+              <a:t> </a:t>
+            </a:r>
+            <a:r>
+              <a:rPr lang="en-US" altLang="zh-CN" sz="1600" dirty="0" err="1" smtClean="0">
+                <a:ea typeface="Microsoft YaHei UI"/>
+              </a:rPr>
+              <a:t>floorWall</a:t>
+            </a:r>
+            <a:endParaRPr lang="en-US" altLang="zh-CN" sz="1600" dirty="0" smtClean="0">
+              <a:ea typeface="Microsoft YaHei UI"/>
+            </a:endParaRPr>
+          </a:p>
+          <a:p>
+            <a:endParaRPr lang="zh-CN" altLang="en-US" sz="1600" dirty="0">
+              <a:ea typeface="Microsoft YaHei UI"/>
+            </a:endParaRPr>
+          </a:p>
+        </p:txBody>
+      </p:sp>
+      <p:pic>
+        <p:nvPicPr>
+          <p:cNvPr id="18" name="Picture 3" descr="parsing_tree"/>
+          <p:cNvPicPr>
+            <a:picLocks noChangeAspect="1" noChangeArrowheads="1"/>
+          </p:cNvPicPr>
+          <p:nvPr/>
+        </p:nvPicPr>
+        <p:blipFill rotWithShape="1">
+          <a:blip r:embed="rId2">
+            <a:extLst>
+              <a:ext uri="{28A0092B-C50C-407E-A947-70E740481C1C}">
+                <a14:useLocalDpi xmlns:a14="http://schemas.microsoft.com/office/drawing/2010/main" val="0"/>
+              </a:ext>
+            </a:extLst>
+          </a:blip>
+          <a:srcRect l="39256" t="12921" r="51546" b="83165"/>
+          <a:stretch/>
+        </p:blipFill>
+        <p:spPr bwMode="auto">
+          <a:xfrm>
+            <a:off x="8908327" y="4993377"/>
+            <a:ext cx="1062430" cy="386080"/>
+          </a:xfrm>
+          <a:prstGeom prst="rect">
+            <a:avLst/>
+          </a:prstGeom>
+          <a:noFill/>
+          <a:ln>
+            <a:noFill/>
+          </a:ln>
+          <a:extLst>
+            <a:ext uri="{909E8E84-426E-40DD-AFC4-6F175D3DCCD1}">
+              <a14:hiddenFill xmlns:a14="http://schemas.microsoft.com/office/drawing/2010/main">
+                <a:solidFill>
+                  <a:srgbClr val="FFFFFF"/>
+                </a:solidFill>
+              </a14:hiddenFill>
+            </a:ext>
+            <a:ext uri="{91240B29-F687-4F45-9708-019B960494DF}">
+              <a14:hiddenLine xmlns:a14="http://schemas.microsoft.com/office/drawing/2010/main" w="9525">
+                <a:solidFill>
+                  <a:srgbClr val="000000"/>
+                </a:solidFill>
+                <a:miter lim="800000"/>
+                <a:headEnd/>
+                <a:tailEnd/>
+              </a14:hiddenLine>
+            </a:ext>
+          </a:extLst>
+        </p:spPr>
+      </p:pic>
+      <p:sp>
+        <p:nvSpPr>
+          <p:cNvPr id="19" name="TextBox 18"/>
+          <p:cNvSpPr txBox="1"/>
+          <p:nvPr/>
+        </p:nvSpPr>
+        <p:spPr>
+          <a:xfrm>
+            <a:off x="10189965" y="4993377"/>
+            <a:ext cx="1558224" cy="584775"/>
+          </a:xfrm>
+          <a:prstGeom prst="rect">
+            <a:avLst/>
+          </a:prstGeom>
+          <a:noFill/>
+        </p:spPr>
+        <p:txBody>
+          <a:bodyPr wrap="square" rtlCol="0">
+            <a:spAutoFit/>
+          </a:bodyPr>
+          <a:lstStyle/>
+          <a:p>
+            <a:r>
+              <a:rPr lang="en-US" altLang="zh-CN" sz="1600" dirty="0" smtClean="0">
+                <a:ea typeface="Microsoft YaHei UI"/>
+              </a:rPr>
+              <a:t> </a:t>
+            </a:r>
+            <a:r>
+              <a:rPr lang="en-US" altLang="zh-CN" sz="1600" dirty="0" err="1" smtClean="0">
+                <a:ea typeface="Microsoft YaHei UI"/>
+              </a:rPr>
+              <a:t>floorWindow</a:t>
+            </a:r>
+            <a:endParaRPr lang="en-US" altLang="zh-CN" sz="1600" dirty="0" smtClean="0">
+              <a:ea typeface="Microsoft YaHei UI"/>
+            </a:endParaRPr>
+          </a:p>
+          <a:p>
+            <a:endParaRPr lang="zh-CN" altLang="en-US" sz="1600" dirty="0">
+              <a:ea typeface="Microsoft YaHei UI"/>
+            </a:endParaRPr>
+          </a:p>
+        </p:txBody>
+      </p:sp>
+    </p:spTree>
+    <p:extLst>
+      <p:ext uri="{BB962C8B-B14F-4D97-AF65-F5344CB8AC3E}">
+        <p14:creationId xmlns:p14="http://schemas.microsoft.com/office/powerpoint/2010/main" val="113978902"/>
+      </p:ext>
+    </p:extLst>
+  </p:cSld>
+  <p:clrMapOvr>
+    <a:masterClrMapping/>
+  </p:clrMapOvr>
+  <p:timing>
+    <p:tnLst>
+      <p:par>
+        <p:cTn id="1" dur="indefinite" restart="never" nodeType="tmRoot"/>
+      </p:par>
+    </p:tnLst>
+  </p:timing>
+</p:sld>
+</file>
+
+<file path=ppt/slides/slide6.xml><?xml version="1.0" encoding="utf-8"?>
+<p:sld xmlns:a="http://schemas.openxmlformats.org/drawingml/2006/main" xmlns:r="http://schemas.openxmlformats.org/officeDocument/2006/relationships" xmlns:p="http://schemas.openxmlformats.org/presentationml/2006/main">
+  <p:cSld>
+    <p:spTree>
+      <p:nvGrpSpPr>
+        <p:cNvPr id="1" name=""/>
+        <p:cNvGrpSpPr/>
+        <p:nvPr/>
+      </p:nvGrpSpPr>
+      <p:grpSpPr>
+        <a:xfrm>
+          <a:off x="0" y="0"/>
+          <a:ext cx="0" cy="0"/>
+          <a:chOff x="0" y="0"/>
+          <a:chExt cx="0" cy="0"/>
+        </a:xfrm>
+      </p:grpSpPr>
+      <p:sp>
+        <p:nvSpPr>
+          <p:cNvPr id="2" name="Title 1"/>
+          <p:cNvSpPr>
+            <a:spLocks noGrp="1"/>
+          </p:cNvSpPr>
+          <p:nvPr>
+            <p:ph type="title"/>
+          </p:nvPr>
+        </p:nvSpPr>
+        <p:spPr/>
+        <p:txBody>
+          <a:bodyPr/>
+          <a:lstStyle/>
+          <a:p>
+            <a:r>
+              <a:rPr lang="zh-CN" altLang="en-US" dirty="0"/>
+              <a:t>二</a:t>
+            </a:r>
+            <a:r>
+              <a:rPr lang="zh-CN" altLang="en-US" dirty="0" smtClean="0"/>
+              <a:t>分形状的语义规则</a:t>
+            </a:r>
+            <a:endParaRPr lang="zh-CN" altLang="en-US" dirty="0"/>
+          </a:p>
+        </p:txBody>
+      </p:sp>
+      <p:sp>
+        <p:nvSpPr>
+          <p:cNvPr id="3" name="Content Placeholder 2"/>
+          <p:cNvSpPr>
+            <a:spLocks noGrp="1"/>
+          </p:cNvSpPr>
+          <p:nvPr>
+            <p:ph idx="1"/>
+          </p:nvPr>
+        </p:nvSpPr>
+        <p:spPr>
+          <a:xfrm>
+            <a:off x="838202" y="1825625"/>
+            <a:ext cx="4167753" cy="490855"/>
+          </a:xfrm>
+        </p:spPr>
+        <p:txBody>
+          <a:bodyPr/>
+          <a:lstStyle/>
+          <a:p>
+            <a:r>
+              <a:rPr lang="en-US" altLang="zh-CN" dirty="0">
+                <a:solidFill>
+                  <a:srgbClr val="7030A0"/>
+                </a:solidFill>
+                <a:latin typeface="微软雅黑" panose="020B0503020204020204" pitchFamily="34" charset="-122"/>
+                <a:ea typeface="微软雅黑" panose="020B0503020204020204" pitchFamily="34" charset="-122"/>
+              </a:rPr>
+              <a:t>f</a:t>
+            </a:r>
+            <a:r>
+              <a:rPr lang="en-US" altLang="zh-CN" dirty="0" smtClean="0">
+                <a:solidFill>
+                  <a:srgbClr val="7030A0"/>
+                </a:solidFill>
+                <a:latin typeface="微软雅黑" panose="020B0503020204020204" pitchFamily="34" charset="-122"/>
+                <a:ea typeface="微软雅黑" panose="020B0503020204020204" pitchFamily="34" charset="-122"/>
+              </a:rPr>
+              <a:t>açade → </a:t>
+            </a:r>
+            <a:r>
+              <a:rPr lang="en-US" altLang="zh-CN" dirty="0" err="1" smtClean="0">
+                <a:solidFill>
+                  <a:srgbClr val="7030A0"/>
+                </a:solidFill>
+                <a:latin typeface="微软雅黑" panose="020B0503020204020204" pitchFamily="34" charset="-122"/>
+                <a:ea typeface="微软雅黑" panose="020B0503020204020204" pitchFamily="34" charset="-122"/>
+              </a:rPr>
+              <a:t>floorWall</a:t>
+            </a:r>
+            <a:r>
+              <a:rPr lang="en-US" altLang="zh-CN" dirty="0" smtClean="0">
+                <a:solidFill>
+                  <a:srgbClr val="7030A0"/>
+                </a:solidFill>
+                <a:latin typeface="微软雅黑" panose="020B0503020204020204" pitchFamily="34" charset="-122"/>
+                <a:ea typeface="微软雅黑" panose="020B0503020204020204" pitchFamily="34" charset="-122"/>
+              </a:rPr>
+              <a:t> + </a:t>
+            </a:r>
+            <a:r>
+              <a:rPr lang="en-US" altLang="zh-CN" dirty="0" err="1" smtClean="0">
+                <a:solidFill>
+                  <a:srgbClr val="7030A0"/>
+                </a:solidFill>
+                <a:latin typeface="微软雅黑" panose="020B0503020204020204" pitchFamily="34" charset="-122"/>
+                <a:ea typeface="微软雅黑" panose="020B0503020204020204" pitchFamily="34" charset="-122"/>
+              </a:rPr>
+              <a:t>facadeWall</a:t>
+            </a:r>
+            <a:endParaRPr lang="zh-CN" altLang="en-US" dirty="0">
+              <a:solidFill>
+                <a:srgbClr val="7030A0"/>
+              </a:solidFill>
+              <a:latin typeface="微软雅黑" panose="020B0503020204020204" pitchFamily="34" charset="-122"/>
+              <a:ea typeface="微软雅黑" panose="020B0503020204020204" pitchFamily="34" charset="-122"/>
+            </a:endParaRPr>
+          </a:p>
+        </p:txBody>
+      </p:sp>
+      <p:grpSp>
+        <p:nvGrpSpPr>
+          <p:cNvPr id="35" name="Group 34"/>
+          <p:cNvGrpSpPr/>
+          <p:nvPr/>
+        </p:nvGrpSpPr>
+        <p:grpSpPr>
+          <a:xfrm>
+            <a:off x="4580056" y="1354083"/>
+            <a:ext cx="6954613" cy="1185917"/>
+            <a:chOff x="4580056" y="1354083"/>
+            <a:chExt cx="6954613" cy="1185917"/>
+          </a:xfrm>
+        </p:grpSpPr>
+        <p:pic>
+          <p:nvPicPr>
+            <p:cNvPr id="4" name="Picture 3" descr="parsing_tree"/>
+            <p:cNvPicPr>
+              <a:picLocks noChangeAspect="1" noChangeArrowheads="1"/>
+            </p:cNvPicPr>
+            <p:nvPr/>
+          </p:nvPicPr>
+          <p:blipFill rotWithShape="1">
+            <a:blip r:embed="rId2">
+              <a:extLst>
+                <a:ext uri="{28A0092B-C50C-407E-A947-70E740481C1C}">
+                  <a14:useLocalDpi xmlns:a14="http://schemas.microsoft.com/office/drawing/2010/main" val="0"/>
+                </a:ext>
+              </a:extLst>
+            </a:blip>
+            <a:srcRect l="35613" t="4812" r="51546" b="83165"/>
+            <a:stretch/>
+          </p:blipFill>
+          <p:spPr bwMode="auto">
+            <a:xfrm>
+              <a:off x="4580056" y="1354083"/>
+              <a:ext cx="1483200" cy="1185917"/>
+            </a:xfrm>
+            <a:prstGeom prst="rect">
+              <a:avLst/>
+            </a:prstGeom>
+            <a:noFill/>
+            <a:ln>
+              <a:noFill/>
+            </a:ln>
+            <a:extLst>
+              <a:ext uri="{909E8E84-426E-40DD-AFC4-6F175D3DCCD1}">
+                <a14:hiddenFill xmlns:a14="http://schemas.microsoft.com/office/drawing/2010/main">
+                  <a:solidFill>
+                    <a:srgbClr val="FFFFFF"/>
+                  </a:solidFill>
+                </a14:hiddenFill>
+              </a:ext>
+              <a:ext uri="{91240B29-F687-4F45-9708-019B960494DF}">
+                <a14:hiddenLine xmlns:a14="http://schemas.microsoft.com/office/drawing/2010/main" w="9525">
+                  <a:solidFill>
+                    <a:srgbClr val="000000"/>
+                  </a:solidFill>
+                  <a:miter lim="800000"/>
+                  <a:headEnd/>
+                  <a:tailEnd/>
+                </a14:hiddenLine>
+              </a:ext>
+            </a:extLst>
+          </p:spPr>
+        </p:pic>
+        <p:sp>
+          <p:nvSpPr>
+            <p:cNvPr id="5" name="Right Arrow 4"/>
+            <p:cNvSpPr/>
+            <p:nvPr/>
+          </p:nvSpPr>
+          <p:spPr>
+            <a:xfrm>
+              <a:off x="6106160" y="1930400"/>
+              <a:ext cx="934720" cy="182880"/>
+            </a:xfrm>
+            <a:prstGeom prst="rightArrow">
+              <a:avLst/>
+            </a:prstGeom>
+          </p:spPr>
+          <p:style>
+            <a:lnRef idx="2">
+              <a:schemeClr val="accent1">
+                <a:shade val="50000"/>
+              </a:schemeClr>
+            </a:lnRef>
+            <a:fillRef idx="1">
+              <a:schemeClr val="accent1"/>
+            </a:fillRef>
+            <a:effectRef idx="0">
+              <a:schemeClr val="accent1"/>
+            </a:effectRef>
+            <a:fontRef idx="minor">
+              <a:schemeClr val="lt1"/>
+            </a:fontRef>
+          </p:style>
+          <p:txBody>
+            <a:bodyPr rtlCol="0" anchor="ctr"/>
+            <a:lstStyle/>
+            <a:p>
+              <a:pPr algn="ctr"/>
+              <a:endParaRPr lang="zh-CN" altLang="en-US"/>
+            </a:p>
+          </p:txBody>
+        </p:sp>
+        <p:pic>
+          <p:nvPicPr>
+            <p:cNvPr id="6" name="Picture 3" descr="parsing_tree"/>
+            <p:cNvPicPr>
+              <a:picLocks noChangeAspect="1" noChangeArrowheads="1"/>
+            </p:cNvPicPr>
+            <p:nvPr/>
+          </p:nvPicPr>
+          <p:blipFill rotWithShape="1">
+            <a:blip r:embed="rId2">
+              <a:extLst>
+                <a:ext uri="{28A0092B-C50C-407E-A947-70E740481C1C}">
+                  <a14:useLocalDpi xmlns:a14="http://schemas.microsoft.com/office/drawing/2010/main" val="0"/>
+                </a:ext>
+              </a:extLst>
+            </a:blip>
+            <a:srcRect l="35613" t="12921" r="51546" b="83165"/>
+            <a:stretch/>
+          </p:blipFill>
+          <p:spPr bwMode="auto">
+            <a:xfrm>
+              <a:off x="7280510" y="1828800"/>
+              <a:ext cx="1483200" cy="386080"/>
+            </a:xfrm>
+            <a:prstGeom prst="rect">
+              <a:avLst/>
+            </a:prstGeom>
+            <a:noFill/>
+            <a:ln>
+              <a:noFill/>
+            </a:ln>
+            <a:extLst>
+              <a:ext uri="{909E8E84-426E-40DD-AFC4-6F175D3DCCD1}">
+                <a14:hiddenFill xmlns:a14="http://schemas.microsoft.com/office/drawing/2010/main">
+                  <a:solidFill>
+                    <a:srgbClr val="FFFFFF"/>
+                  </a:solidFill>
+                </a14:hiddenFill>
+              </a:ext>
+              <a:ext uri="{91240B29-F687-4F45-9708-019B960494DF}">
+                <a14:hiddenLine xmlns:a14="http://schemas.microsoft.com/office/drawing/2010/main" w="9525">
+                  <a:solidFill>
+                    <a:srgbClr val="000000"/>
+                  </a:solidFill>
+                  <a:miter lim="800000"/>
+                  <a:headEnd/>
+                  <a:tailEnd/>
+                </a14:hiddenLine>
+              </a:ext>
+            </a:extLst>
+          </p:spPr>
+        </p:pic>
+        <p:sp>
+          <p:nvSpPr>
+            <p:cNvPr id="7" name="Plus 6"/>
+            <p:cNvSpPr/>
+            <p:nvPr/>
+          </p:nvSpPr>
+          <p:spPr>
+            <a:xfrm>
+              <a:off x="8920480" y="1737360"/>
+              <a:ext cx="660400" cy="477520"/>
+            </a:xfrm>
+            <a:prstGeom prst="mathPlus">
+              <a:avLst/>
+            </a:prstGeom>
+          </p:spPr>
+          <p:style>
+            <a:lnRef idx="2">
+              <a:schemeClr val="accent1">
+                <a:shade val="50000"/>
+              </a:schemeClr>
+            </a:lnRef>
+            <a:fillRef idx="1">
+              <a:schemeClr val="accent1"/>
+            </a:fillRef>
+            <a:effectRef idx="0">
+              <a:schemeClr val="accent1"/>
+            </a:effectRef>
+            <a:fontRef idx="minor">
+              <a:schemeClr val="lt1"/>
+            </a:fontRef>
+          </p:style>
+          <p:txBody>
+            <a:bodyPr rtlCol="0" anchor="ctr"/>
+            <a:lstStyle/>
+            <a:p>
+              <a:pPr algn="ctr"/>
+              <a:endParaRPr lang="zh-CN" altLang="en-US"/>
+            </a:p>
+          </p:txBody>
+        </p:sp>
+        <p:pic>
+          <p:nvPicPr>
+            <p:cNvPr id="8" name="Picture 3" descr="parsing_tree"/>
+            <p:cNvPicPr>
+              <a:picLocks noChangeAspect="1" noChangeArrowheads="1"/>
+            </p:cNvPicPr>
+            <p:nvPr/>
+          </p:nvPicPr>
+          <p:blipFill rotWithShape="1">
+            <a:blip r:embed="rId2">
+              <a:extLst>
+                <a:ext uri="{28A0092B-C50C-407E-A947-70E740481C1C}">
+                  <a14:useLocalDpi xmlns:a14="http://schemas.microsoft.com/office/drawing/2010/main" val="0"/>
+                </a:ext>
+              </a:extLst>
+            </a:blip>
+            <a:srcRect l="35613" t="4812" r="51546" b="87460"/>
+            <a:stretch/>
+          </p:blipFill>
+          <p:spPr bwMode="auto">
+            <a:xfrm>
+              <a:off x="10051469" y="1595002"/>
+              <a:ext cx="1483200" cy="762236"/>
+            </a:xfrm>
+            <a:prstGeom prst="rect">
+              <a:avLst/>
+            </a:prstGeom>
+            <a:noFill/>
+            <a:ln>
+              <a:noFill/>
+            </a:ln>
+            <a:extLst>
+              <a:ext uri="{909E8E84-426E-40DD-AFC4-6F175D3DCCD1}">
+                <a14:hiddenFill xmlns:a14="http://schemas.microsoft.com/office/drawing/2010/main">
+                  <a:solidFill>
+                    <a:srgbClr val="FFFFFF"/>
+                  </a:solidFill>
+                </a14:hiddenFill>
+              </a:ext>
+              <a:ext uri="{91240B29-F687-4F45-9708-019B960494DF}">
+                <a14:hiddenLine xmlns:a14="http://schemas.microsoft.com/office/drawing/2010/main" w="9525">
+                  <a:solidFill>
+                    <a:srgbClr val="000000"/>
+                  </a:solidFill>
+                  <a:miter lim="800000"/>
+                  <a:headEnd/>
+                  <a:tailEnd/>
+                </a14:hiddenLine>
+              </a:ext>
+            </a:extLst>
+          </p:spPr>
+        </p:pic>
+      </p:grpSp>
+      <p:sp>
+        <p:nvSpPr>
+          <p:cNvPr id="9" name="Content Placeholder 2"/>
+          <p:cNvSpPr txBox="1">
+            <a:spLocks/>
+          </p:cNvSpPr>
+          <p:nvPr/>
+        </p:nvSpPr>
+        <p:spPr>
+          <a:xfrm>
+            <a:off x="756922" y="3014345"/>
+            <a:ext cx="4167753" cy="490855"/>
+          </a:xfrm>
+          <a:prstGeom prst="rect">
+            <a:avLst/>
+          </a:prstGeom>
+        </p:spPr>
+        <p:txBody>
+          <a:bodyPr vert="horz" lIns="91440" tIns="45720" rIns="91440" bIns="45720" rtlCol="0">
+            <a:normAutofit/>
+          </a:bodyPr>
+          <a:lstStyle>
+            <a:lvl1pPr marL="0" indent="0" algn="l" defTabSz="914400" rtl="0" eaLnBrk="1" latinLnBrk="0" hangingPunct="1">
+              <a:lnSpc>
+                <a:spcPct val="150000"/>
+              </a:lnSpc>
+              <a:spcBef>
+                <a:spcPct val="30000"/>
+              </a:spcBef>
+              <a:spcAft>
+                <a:spcPts val="1200"/>
+              </a:spcAft>
+              <a:buFont typeface="Arial" panose="020B0604020202020204" pitchFamily="34" charset="0"/>
+              <a:buNone/>
+              <a:defRPr lang="zh-CN" sz="1600" kern="1200">
+                <a:solidFill>
+                  <a:schemeClr val="bg1">
+                    <a:lumMod val="50000"/>
+                  </a:schemeClr>
+                </a:solidFill>
+                <a:latin typeface="Microsoft YaHei UI" panose="020B0503020204020204" pitchFamily="34" charset="-122"/>
+                <a:ea typeface="Microsoft YaHei UI" panose="020B0503020204020204" pitchFamily="34" charset="-122"/>
+                <a:cs typeface="+mn-cs"/>
+              </a:defRPr>
+            </a:lvl1pPr>
+            <a:lvl2pPr marL="685800" indent="-228600" algn="l" defTabSz="914400" rtl="0" eaLnBrk="1" latinLnBrk="0" hangingPunct="1">
+              <a:lnSpc>
+                <a:spcPct val="150000"/>
+              </a:lnSpc>
+              <a:spcBef>
+                <a:spcPct val="30000"/>
+              </a:spcBef>
+              <a:spcAft>
+                <a:spcPts val="1200"/>
+              </a:spcAft>
+              <a:buFont typeface="Arial" panose="020B0604020202020204" pitchFamily="34" charset="0"/>
+              <a:buChar char="•"/>
+              <a:defRPr lang="zh-CN" sz="1400" kern="1200">
+                <a:solidFill>
+                  <a:schemeClr val="bg1">
+                    <a:lumMod val="50000"/>
+                  </a:schemeClr>
+                </a:solidFill>
+                <a:latin typeface="Microsoft YaHei UI" panose="020B0503020204020204" pitchFamily="34" charset="-122"/>
+                <a:ea typeface="Microsoft YaHei UI" panose="020B0503020204020204" pitchFamily="34" charset="-122"/>
+                <a:cs typeface="+mn-cs"/>
+              </a:defRPr>
+            </a:lvl2pPr>
+            <a:lvl3pPr marL="1143000" indent="-228600" algn="l" defTabSz="914400" rtl="0" eaLnBrk="1" latinLnBrk="0" hangingPunct="1">
+              <a:lnSpc>
+                <a:spcPct val="150000"/>
+              </a:lnSpc>
+              <a:spcBef>
+                <a:spcPct val="30000"/>
+              </a:spcBef>
+              <a:spcAft>
+                <a:spcPts val="1200"/>
+              </a:spcAft>
+              <a:buFont typeface="Arial" panose="020B0604020202020204" pitchFamily="34" charset="0"/>
+              <a:buChar char="•"/>
+              <a:defRPr lang="zh-CN" sz="1200" kern="1200">
+                <a:solidFill>
+                  <a:schemeClr val="bg1">
+                    <a:lumMod val="50000"/>
+                  </a:schemeClr>
+                </a:solidFill>
+                <a:latin typeface="Microsoft YaHei UI" panose="020B0503020204020204" pitchFamily="34" charset="-122"/>
+                <a:ea typeface="Microsoft YaHei UI" panose="020B0503020204020204" pitchFamily="34" charset="-122"/>
+                <a:cs typeface="+mn-cs"/>
+              </a:defRPr>
+            </a:lvl3pPr>
+            <a:lvl4pPr marL="1600200" indent="-228600" algn="l" defTabSz="914400" rtl="0" eaLnBrk="1" latinLnBrk="0" hangingPunct="1">
+              <a:lnSpc>
+                <a:spcPct val="150000"/>
+              </a:lnSpc>
+              <a:spcBef>
+                <a:spcPct val="30000"/>
+              </a:spcBef>
+              <a:spcAft>
+                <a:spcPts val="1200"/>
+              </a:spcAft>
+              <a:buFont typeface="Arial" panose="020B0604020202020204" pitchFamily="34" charset="0"/>
+              <a:buChar char="•"/>
+              <a:defRPr lang="zh-CN" sz="1100" kern="1200">
+                <a:solidFill>
+                  <a:schemeClr val="bg1">
+                    <a:lumMod val="50000"/>
+                  </a:schemeClr>
+                </a:solidFill>
+                <a:latin typeface="Microsoft YaHei UI" panose="020B0503020204020204" pitchFamily="34" charset="-122"/>
+                <a:ea typeface="Microsoft YaHei UI" panose="020B0503020204020204" pitchFamily="34" charset="-122"/>
+                <a:cs typeface="+mn-cs"/>
+              </a:defRPr>
+            </a:lvl4pPr>
+            <a:lvl5pPr marL="2057400" indent="-228600" algn="l" defTabSz="914400" rtl="0" eaLnBrk="1" latinLnBrk="0" hangingPunct="1">
+              <a:lnSpc>
+                <a:spcPct val="150000"/>
+              </a:lnSpc>
+              <a:spcBef>
+                <a:spcPct val="30000"/>
+              </a:spcBef>
+              <a:spcAft>
+                <a:spcPts val="1200"/>
+              </a:spcAft>
+              <a:buFont typeface="Arial" panose="020B0604020202020204" pitchFamily="34" charset="0"/>
+              <a:buChar char="•"/>
+              <a:defRPr lang="zh-CN" sz="1100" kern="1200">
+                <a:solidFill>
+                  <a:schemeClr val="bg1">
+                    <a:lumMod val="50000"/>
+                  </a:schemeClr>
+                </a:solidFill>
+                <a:latin typeface="Microsoft YaHei UI" panose="020B0503020204020204" pitchFamily="34" charset="-122"/>
+                <a:ea typeface="Microsoft YaHei UI" panose="020B0503020204020204" pitchFamily="34" charset="-122"/>
+                <a:cs typeface="+mn-cs"/>
+              </a:defRPr>
+            </a:lvl5pPr>
+            <a:lvl6pPr marL="2514600" indent="-228600" algn="l" defTabSz="914400" rtl="0" eaLnBrk="1" latinLnBrk="0" hangingPunct="1">
+              <a:lnSpc>
+                <a:spcPct val="90000"/>
+              </a:lnSpc>
+              <a:spcBef>
+                <a:spcPct val="30000"/>
+              </a:spcBef>
+              <a:buFont typeface="Arial" panose="020B0604020202020204" pitchFamily="34" charset="0"/>
+              <a:buChar char="•"/>
+              <a:defRPr lang="zh-CN" sz="1800" kern="1200">
+                <a:solidFill>
+                  <a:schemeClr val="tx1"/>
+                </a:solidFill>
+                <a:latin typeface="+mn-lt"/>
+                <a:ea typeface="+mn-ea"/>
+                <a:cs typeface="+mn-cs"/>
+              </a:defRPr>
+            </a:lvl6pPr>
+            <a:lvl7pPr marL="2971800" indent="-228600" algn="l" defTabSz="914400" rtl="0" eaLnBrk="1" latinLnBrk="0" hangingPunct="1">
+              <a:lnSpc>
+                <a:spcPct val="90000"/>
+              </a:lnSpc>
+              <a:spcBef>
+                <a:spcPct val="30000"/>
+              </a:spcBef>
+              <a:buFont typeface="Arial" panose="020B0604020202020204" pitchFamily="34" charset="0"/>
+              <a:buChar char="•"/>
+              <a:defRPr lang="zh-CN" sz="1800" kern="1200">
+                <a:solidFill>
+                  <a:schemeClr val="tx1"/>
+                </a:solidFill>
+                <a:latin typeface="+mn-lt"/>
+                <a:ea typeface="+mn-ea"/>
+                <a:cs typeface="+mn-cs"/>
+              </a:defRPr>
+            </a:lvl7pPr>
+            <a:lvl8pPr marL="3429000" indent="-228600" algn="l" defTabSz="914400" rtl="0" eaLnBrk="1" latinLnBrk="0" hangingPunct="1">
+              <a:lnSpc>
+                <a:spcPct val="90000"/>
+              </a:lnSpc>
+              <a:spcBef>
+                <a:spcPct val="30000"/>
+              </a:spcBef>
+              <a:buFont typeface="Arial" panose="020B0604020202020204" pitchFamily="34" charset="0"/>
+              <a:buChar char="•"/>
+              <a:defRPr lang="zh-CN" sz="1800" kern="1200">
+                <a:solidFill>
+                  <a:schemeClr val="tx1"/>
+                </a:solidFill>
+                <a:latin typeface="+mn-lt"/>
+                <a:ea typeface="+mn-ea"/>
+                <a:cs typeface="+mn-cs"/>
+              </a:defRPr>
+            </a:lvl8pPr>
+            <a:lvl9pPr marL="3886200" indent="-228600" algn="l" defTabSz="914400" rtl="0" eaLnBrk="1" latinLnBrk="0" hangingPunct="1">
+              <a:lnSpc>
+                <a:spcPct val="90000"/>
+              </a:lnSpc>
+              <a:spcBef>
+                <a:spcPct val="30000"/>
+              </a:spcBef>
+              <a:buFont typeface="Arial" panose="020B0604020202020204" pitchFamily="34" charset="0"/>
+              <a:buChar char="•"/>
+              <a:defRPr lang="zh-CN" sz="1800" kern="1200">
+                <a:solidFill>
+                  <a:schemeClr val="tx1"/>
+                </a:solidFill>
+                <a:latin typeface="+mn-lt"/>
+                <a:ea typeface="+mn-ea"/>
+                <a:cs typeface="+mn-cs"/>
+              </a:defRPr>
+            </a:lvl9pPr>
+          </a:lstStyle>
+          <a:p>
+            <a:r>
+              <a:rPr lang="en-US" altLang="zh-CN" dirty="0" err="1" smtClean="0">
+                <a:solidFill>
+                  <a:schemeClr val="accent6">
+                    <a:lumMod val="75000"/>
+                  </a:schemeClr>
+                </a:solidFill>
+                <a:latin typeface="微软雅黑" panose="020B0503020204020204" pitchFamily="34" charset="-122"/>
+                <a:ea typeface="微软雅黑" panose="020B0503020204020204" pitchFamily="34" charset="-122"/>
+              </a:rPr>
+              <a:t>facadeWall</a:t>
+            </a:r>
+            <a:r>
+              <a:rPr lang="en-US" altLang="zh-CN" dirty="0" smtClean="0">
+                <a:solidFill>
+                  <a:schemeClr val="accent6">
+                    <a:lumMod val="75000"/>
+                  </a:schemeClr>
+                </a:solidFill>
+                <a:latin typeface="微软雅黑" panose="020B0503020204020204" pitchFamily="34" charset="-122"/>
+                <a:ea typeface="微软雅黑" panose="020B0503020204020204" pitchFamily="34" charset="-122"/>
+              </a:rPr>
+              <a:t> → wall+ </a:t>
+            </a:r>
+            <a:r>
+              <a:rPr lang="en-US" altLang="zh-CN" dirty="0" err="1" smtClean="0">
+                <a:solidFill>
+                  <a:schemeClr val="accent6">
+                    <a:lumMod val="75000"/>
+                  </a:schemeClr>
+                </a:solidFill>
+                <a:latin typeface="微软雅黑" panose="020B0503020204020204" pitchFamily="34" charset="-122"/>
+                <a:ea typeface="微软雅黑" panose="020B0503020204020204" pitchFamily="34" charset="-122"/>
+              </a:rPr>
+              <a:t>facadeFloor</a:t>
+            </a:r>
+            <a:endParaRPr lang="en-US" altLang="en-US" dirty="0">
+              <a:solidFill>
+                <a:schemeClr val="accent6">
+                  <a:lumMod val="75000"/>
+                </a:schemeClr>
+              </a:solidFill>
+              <a:latin typeface="微软雅黑" panose="020B0503020204020204" pitchFamily="34" charset="-122"/>
+              <a:ea typeface="微软雅黑" panose="020B0503020204020204" pitchFamily="34" charset="-122"/>
+            </a:endParaRPr>
+          </a:p>
+        </p:txBody>
+      </p:sp>
+      <p:grpSp>
+        <p:nvGrpSpPr>
+          <p:cNvPr id="36" name="Group 35"/>
+          <p:cNvGrpSpPr/>
+          <p:nvPr/>
+        </p:nvGrpSpPr>
+        <p:grpSpPr>
+          <a:xfrm>
+            <a:off x="4580056" y="2805895"/>
+            <a:ext cx="6954613" cy="762236"/>
+            <a:chOff x="4580056" y="2805895"/>
+            <a:chExt cx="6954613" cy="762236"/>
+          </a:xfrm>
+        </p:grpSpPr>
+        <p:pic>
+          <p:nvPicPr>
+            <p:cNvPr id="10" name="Picture 3" descr="parsing_tree"/>
+            <p:cNvPicPr>
+              <a:picLocks noChangeAspect="1" noChangeArrowheads="1"/>
+            </p:cNvPicPr>
+            <p:nvPr/>
+          </p:nvPicPr>
+          <p:blipFill rotWithShape="1">
+            <a:blip r:embed="rId2">
+              <a:extLst>
+                <a:ext uri="{28A0092B-C50C-407E-A947-70E740481C1C}">
+                  <a14:useLocalDpi xmlns:a14="http://schemas.microsoft.com/office/drawing/2010/main" val="0"/>
+                </a:ext>
+              </a:extLst>
+            </a:blip>
+            <a:srcRect l="35613" t="4812" r="51546" b="87460"/>
+            <a:stretch/>
+          </p:blipFill>
+          <p:spPr bwMode="auto">
+            <a:xfrm>
+              <a:off x="4580056" y="2805895"/>
+              <a:ext cx="1483200" cy="762236"/>
+            </a:xfrm>
+            <a:prstGeom prst="rect">
+              <a:avLst/>
+            </a:prstGeom>
+            <a:noFill/>
+            <a:ln>
+              <a:noFill/>
+            </a:ln>
+            <a:extLst>
+              <a:ext uri="{909E8E84-426E-40DD-AFC4-6F175D3DCCD1}">
+                <a14:hiddenFill xmlns:a14="http://schemas.microsoft.com/office/drawing/2010/main">
+                  <a:solidFill>
+                    <a:srgbClr val="FFFFFF"/>
+                  </a:solidFill>
+                </a14:hiddenFill>
+              </a:ext>
+              <a:ext uri="{91240B29-F687-4F45-9708-019B960494DF}">
+                <a14:hiddenLine xmlns:a14="http://schemas.microsoft.com/office/drawing/2010/main" w="9525">
+                  <a:solidFill>
+                    <a:srgbClr val="000000"/>
+                  </a:solidFill>
+                  <a:miter lim="800000"/>
+                  <a:headEnd/>
+                  <a:tailEnd/>
+                </a14:hiddenLine>
+              </a:ext>
+            </a:extLst>
+          </p:spPr>
+        </p:pic>
+        <p:sp>
+          <p:nvSpPr>
+            <p:cNvPr id="11" name="Right Arrow 10"/>
+            <p:cNvSpPr/>
+            <p:nvPr/>
+          </p:nvSpPr>
+          <p:spPr>
+            <a:xfrm>
+              <a:off x="6106160" y="3168332"/>
+              <a:ext cx="934720" cy="182880"/>
+            </a:xfrm>
+            <a:prstGeom prst="rightArrow">
+              <a:avLst/>
+            </a:prstGeom>
+          </p:spPr>
+          <p:style>
+            <a:lnRef idx="2">
+              <a:schemeClr val="accent1">
+                <a:shade val="50000"/>
+              </a:schemeClr>
+            </a:lnRef>
+            <a:fillRef idx="1">
+              <a:schemeClr val="accent1"/>
+            </a:fillRef>
+            <a:effectRef idx="0">
+              <a:schemeClr val="accent1"/>
+            </a:effectRef>
+            <a:fontRef idx="minor">
+              <a:schemeClr val="lt1"/>
+            </a:fontRef>
+          </p:style>
+          <p:txBody>
+            <a:bodyPr rtlCol="0" anchor="ctr"/>
+            <a:lstStyle/>
+            <a:p>
+              <a:pPr algn="ctr"/>
+              <a:endParaRPr lang="zh-CN" altLang="en-US"/>
+            </a:p>
+          </p:txBody>
+        </p:sp>
+        <p:pic>
+          <p:nvPicPr>
+            <p:cNvPr id="12" name="Picture 3" descr="parsing_tree"/>
+            <p:cNvPicPr>
+              <a:picLocks noChangeAspect="1" noChangeArrowheads="1"/>
+            </p:cNvPicPr>
+            <p:nvPr/>
+          </p:nvPicPr>
+          <p:blipFill rotWithShape="1">
+            <a:blip r:embed="rId2">
+              <a:extLst>
+                <a:ext uri="{28A0092B-C50C-407E-A947-70E740481C1C}">
+                  <a14:useLocalDpi xmlns:a14="http://schemas.microsoft.com/office/drawing/2010/main" val="0"/>
+                </a:ext>
+              </a:extLst>
+            </a:blip>
+            <a:srcRect l="35613" t="10995" r="51546" b="87460"/>
+            <a:stretch/>
+          </p:blipFill>
+          <p:spPr bwMode="auto">
+            <a:xfrm>
+              <a:off x="7280510" y="3187064"/>
+              <a:ext cx="1483200" cy="152400"/>
+            </a:xfrm>
+            <a:prstGeom prst="rect">
+              <a:avLst/>
+            </a:prstGeom>
+            <a:noFill/>
+            <a:ln>
+              <a:noFill/>
+            </a:ln>
+            <a:extLst>
+              <a:ext uri="{909E8E84-426E-40DD-AFC4-6F175D3DCCD1}">
+                <a14:hiddenFill xmlns:a14="http://schemas.microsoft.com/office/drawing/2010/main">
+                  <a:solidFill>
+                    <a:srgbClr val="FFFFFF"/>
+                  </a:solidFill>
+                </a14:hiddenFill>
+              </a:ext>
+              <a:ext uri="{91240B29-F687-4F45-9708-019B960494DF}">
+                <a14:hiddenLine xmlns:a14="http://schemas.microsoft.com/office/drawing/2010/main" w="9525">
+                  <a:solidFill>
+                    <a:srgbClr val="000000"/>
+                  </a:solidFill>
+                  <a:miter lim="800000"/>
+                  <a:headEnd/>
+                  <a:tailEnd/>
+                </a14:hiddenLine>
+              </a:ext>
+            </a:extLst>
+          </p:spPr>
+        </p:pic>
+        <p:sp>
+          <p:nvSpPr>
+            <p:cNvPr id="13" name="Plus 12"/>
+            <p:cNvSpPr/>
+            <p:nvPr/>
+          </p:nvSpPr>
+          <p:spPr>
+            <a:xfrm>
+              <a:off x="8910320" y="2983865"/>
+              <a:ext cx="660400" cy="477520"/>
+            </a:xfrm>
+            <a:prstGeom prst="mathPlus">
+              <a:avLst/>
+            </a:prstGeom>
+          </p:spPr>
+          <p:style>
+            <a:lnRef idx="2">
+              <a:schemeClr val="accent1">
+                <a:shade val="50000"/>
+              </a:schemeClr>
+            </a:lnRef>
+            <a:fillRef idx="1">
+              <a:schemeClr val="accent1"/>
+            </a:fillRef>
+            <a:effectRef idx="0">
+              <a:schemeClr val="accent1"/>
+            </a:effectRef>
+            <a:fontRef idx="minor">
+              <a:schemeClr val="lt1"/>
+            </a:fontRef>
+          </p:style>
+          <p:txBody>
+            <a:bodyPr rtlCol="0" anchor="ctr"/>
+            <a:lstStyle/>
+            <a:p>
+              <a:pPr algn="ctr"/>
+              <a:endParaRPr lang="zh-CN" altLang="en-US"/>
+            </a:p>
+          </p:txBody>
+        </p:sp>
+        <p:pic>
+          <p:nvPicPr>
+            <p:cNvPr id="14" name="Picture 3" descr="parsing_tree"/>
+            <p:cNvPicPr>
+              <a:picLocks noChangeAspect="1" noChangeArrowheads="1"/>
+            </p:cNvPicPr>
+            <p:nvPr/>
+          </p:nvPicPr>
+          <p:blipFill rotWithShape="1">
+            <a:blip r:embed="rId2">
+              <a:extLst>
+                <a:ext uri="{28A0092B-C50C-407E-A947-70E740481C1C}">
+                  <a14:useLocalDpi xmlns:a14="http://schemas.microsoft.com/office/drawing/2010/main" val="0"/>
+                </a:ext>
+              </a:extLst>
+            </a:blip>
+            <a:srcRect l="35613" t="4812" r="51546" b="89177"/>
+            <a:stretch/>
+          </p:blipFill>
+          <p:spPr bwMode="auto">
+            <a:xfrm>
+              <a:off x="10051469" y="2898907"/>
+              <a:ext cx="1483200" cy="592958"/>
+            </a:xfrm>
+            <a:prstGeom prst="rect">
+              <a:avLst/>
+            </a:prstGeom>
+            <a:noFill/>
+            <a:ln>
+              <a:noFill/>
+            </a:ln>
+            <a:extLst>
+              <a:ext uri="{909E8E84-426E-40DD-AFC4-6F175D3DCCD1}">
+                <a14:hiddenFill xmlns:a14="http://schemas.microsoft.com/office/drawing/2010/main">
+                  <a:solidFill>
+                    <a:srgbClr val="FFFFFF"/>
+                  </a:solidFill>
+                </a14:hiddenFill>
+              </a:ext>
+              <a:ext uri="{91240B29-F687-4F45-9708-019B960494DF}">
+                <a14:hiddenLine xmlns:a14="http://schemas.microsoft.com/office/drawing/2010/main" w="9525">
+                  <a:solidFill>
+                    <a:srgbClr val="000000"/>
+                  </a:solidFill>
+                  <a:miter lim="800000"/>
+                  <a:headEnd/>
+                  <a:tailEnd/>
+                </a14:hiddenLine>
+              </a:ext>
+            </a:extLst>
+          </p:spPr>
+        </p:pic>
+      </p:grpSp>
+      <p:sp>
+        <p:nvSpPr>
+          <p:cNvPr id="15" name="Content Placeholder 2"/>
+          <p:cNvSpPr txBox="1">
+            <a:spLocks/>
+          </p:cNvSpPr>
+          <p:nvPr/>
+        </p:nvSpPr>
+        <p:spPr>
+          <a:xfrm>
+            <a:off x="756922" y="4152265"/>
+            <a:ext cx="4167753" cy="490855"/>
+          </a:xfrm>
+          <a:prstGeom prst="rect">
+            <a:avLst/>
+          </a:prstGeom>
+        </p:spPr>
+        <p:txBody>
+          <a:bodyPr vert="horz" lIns="91440" tIns="45720" rIns="91440" bIns="45720" rtlCol="0">
+            <a:normAutofit/>
+          </a:bodyPr>
+          <a:lstStyle>
+            <a:lvl1pPr marL="0" indent="0" algn="l" defTabSz="914400" rtl="0" eaLnBrk="1" latinLnBrk="0" hangingPunct="1">
+              <a:lnSpc>
+                <a:spcPct val="150000"/>
+              </a:lnSpc>
+              <a:spcBef>
+                <a:spcPct val="30000"/>
+              </a:spcBef>
+              <a:spcAft>
+                <a:spcPts val="1200"/>
+              </a:spcAft>
+              <a:buFont typeface="Arial" panose="020B0604020202020204" pitchFamily="34" charset="0"/>
+              <a:buNone/>
+              <a:defRPr lang="zh-CN" sz="1600" kern="1200">
+                <a:solidFill>
+                  <a:schemeClr val="bg1">
+                    <a:lumMod val="50000"/>
+                  </a:schemeClr>
+                </a:solidFill>
+                <a:latin typeface="Microsoft YaHei UI" panose="020B0503020204020204" pitchFamily="34" charset="-122"/>
+                <a:ea typeface="Microsoft YaHei UI" panose="020B0503020204020204" pitchFamily="34" charset="-122"/>
+                <a:cs typeface="+mn-cs"/>
+              </a:defRPr>
+            </a:lvl1pPr>
+            <a:lvl2pPr marL="685800" indent="-228600" algn="l" defTabSz="914400" rtl="0" eaLnBrk="1" latinLnBrk="0" hangingPunct="1">
+              <a:lnSpc>
+                <a:spcPct val="150000"/>
+              </a:lnSpc>
+              <a:spcBef>
+                <a:spcPct val="30000"/>
+              </a:spcBef>
+              <a:spcAft>
+                <a:spcPts val="1200"/>
+              </a:spcAft>
+              <a:buFont typeface="Arial" panose="020B0604020202020204" pitchFamily="34" charset="0"/>
+              <a:buChar char="•"/>
+              <a:defRPr lang="zh-CN" sz="1400" kern="1200">
+                <a:solidFill>
+                  <a:schemeClr val="bg1">
+                    <a:lumMod val="50000"/>
+                  </a:schemeClr>
+                </a:solidFill>
+                <a:latin typeface="Microsoft YaHei UI" panose="020B0503020204020204" pitchFamily="34" charset="-122"/>
+                <a:ea typeface="Microsoft YaHei UI" panose="020B0503020204020204" pitchFamily="34" charset="-122"/>
+                <a:cs typeface="+mn-cs"/>
+              </a:defRPr>
+            </a:lvl2pPr>
+            <a:lvl3pPr marL="1143000" indent="-228600" algn="l" defTabSz="914400" rtl="0" eaLnBrk="1" latinLnBrk="0" hangingPunct="1">
+              <a:lnSpc>
+                <a:spcPct val="150000"/>
+              </a:lnSpc>
+              <a:spcBef>
+                <a:spcPct val="30000"/>
+              </a:spcBef>
+              <a:spcAft>
+                <a:spcPts val="1200"/>
+              </a:spcAft>
+              <a:buFont typeface="Arial" panose="020B0604020202020204" pitchFamily="34" charset="0"/>
+              <a:buChar char="•"/>
+              <a:defRPr lang="zh-CN" sz="1200" kern="1200">
+                <a:solidFill>
+                  <a:schemeClr val="bg1">
+                    <a:lumMod val="50000"/>
+                  </a:schemeClr>
+                </a:solidFill>
+                <a:latin typeface="Microsoft YaHei UI" panose="020B0503020204020204" pitchFamily="34" charset="-122"/>
+                <a:ea typeface="Microsoft YaHei UI" panose="020B0503020204020204" pitchFamily="34" charset="-122"/>
+                <a:cs typeface="+mn-cs"/>
+              </a:defRPr>
+            </a:lvl3pPr>
+            <a:lvl4pPr marL="1600200" indent="-228600" algn="l" defTabSz="914400" rtl="0" eaLnBrk="1" latinLnBrk="0" hangingPunct="1">
+              <a:lnSpc>
+                <a:spcPct val="150000"/>
+              </a:lnSpc>
+              <a:spcBef>
+                <a:spcPct val="30000"/>
+              </a:spcBef>
+              <a:spcAft>
+                <a:spcPts val="1200"/>
+              </a:spcAft>
+              <a:buFont typeface="Arial" panose="020B0604020202020204" pitchFamily="34" charset="0"/>
+              <a:buChar char="•"/>
+              <a:defRPr lang="zh-CN" sz="1100" kern="1200">
+                <a:solidFill>
+                  <a:schemeClr val="bg1">
+                    <a:lumMod val="50000"/>
+                  </a:schemeClr>
+                </a:solidFill>
+                <a:latin typeface="Microsoft YaHei UI" panose="020B0503020204020204" pitchFamily="34" charset="-122"/>
+                <a:ea typeface="Microsoft YaHei UI" panose="020B0503020204020204" pitchFamily="34" charset="-122"/>
+                <a:cs typeface="+mn-cs"/>
+              </a:defRPr>
+            </a:lvl4pPr>
+            <a:lvl5pPr marL="2057400" indent="-228600" algn="l" defTabSz="914400" rtl="0" eaLnBrk="1" latinLnBrk="0" hangingPunct="1">
+              <a:lnSpc>
+                <a:spcPct val="150000"/>
+              </a:lnSpc>
+              <a:spcBef>
+                <a:spcPct val="30000"/>
+              </a:spcBef>
+              <a:spcAft>
+                <a:spcPts val="1200"/>
+              </a:spcAft>
+              <a:buFont typeface="Arial" panose="020B0604020202020204" pitchFamily="34" charset="0"/>
+              <a:buChar char="•"/>
+              <a:defRPr lang="zh-CN" sz="1100" kern="1200">
+                <a:solidFill>
+                  <a:schemeClr val="bg1">
+                    <a:lumMod val="50000"/>
+                  </a:schemeClr>
+                </a:solidFill>
+                <a:latin typeface="Microsoft YaHei UI" panose="020B0503020204020204" pitchFamily="34" charset="-122"/>
+                <a:ea typeface="Microsoft YaHei UI" panose="020B0503020204020204" pitchFamily="34" charset="-122"/>
+                <a:cs typeface="+mn-cs"/>
+              </a:defRPr>
+            </a:lvl5pPr>
+            <a:lvl6pPr marL="2514600" indent="-228600" algn="l" defTabSz="914400" rtl="0" eaLnBrk="1" latinLnBrk="0" hangingPunct="1">
+              <a:lnSpc>
+                <a:spcPct val="90000"/>
+              </a:lnSpc>
+              <a:spcBef>
+                <a:spcPct val="30000"/>
+              </a:spcBef>
+              <a:buFont typeface="Arial" panose="020B0604020202020204" pitchFamily="34" charset="0"/>
+              <a:buChar char="•"/>
+              <a:defRPr lang="zh-CN" sz="1800" kern="1200">
+                <a:solidFill>
+                  <a:schemeClr val="tx1"/>
+                </a:solidFill>
+                <a:latin typeface="+mn-lt"/>
+                <a:ea typeface="+mn-ea"/>
+                <a:cs typeface="+mn-cs"/>
+              </a:defRPr>
+            </a:lvl6pPr>
+            <a:lvl7pPr marL="2971800" indent="-228600" algn="l" defTabSz="914400" rtl="0" eaLnBrk="1" latinLnBrk="0" hangingPunct="1">
+              <a:lnSpc>
+                <a:spcPct val="90000"/>
+              </a:lnSpc>
+              <a:spcBef>
+                <a:spcPct val="30000"/>
+              </a:spcBef>
+              <a:buFont typeface="Arial" panose="020B0604020202020204" pitchFamily="34" charset="0"/>
+              <a:buChar char="•"/>
+              <a:defRPr lang="zh-CN" sz="1800" kern="1200">
+                <a:solidFill>
+                  <a:schemeClr val="tx1"/>
+                </a:solidFill>
+                <a:latin typeface="+mn-lt"/>
+                <a:ea typeface="+mn-ea"/>
+                <a:cs typeface="+mn-cs"/>
+              </a:defRPr>
+            </a:lvl7pPr>
+            <a:lvl8pPr marL="3429000" indent="-228600" algn="l" defTabSz="914400" rtl="0" eaLnBrk="1" latinLnBrk="0" hangingPunct="1">
+              <a:lnSpc>
+                <a:spcPct val="90000"/>
+              </a:lnSpc>
+              <a:spcBef>
+                <a:spcPct val="30000"/>
+              </a:spcBef>
+              <a:buFont typeface="Arial" panose="020B0604020202020204" pitchFamily="34" charset="0"/>
+              <a:buChar char="•"/>
+              <a:defRPr lang="zh-CN" sz="1800" kern="1200">
+                <a:solidFill>
+                  <a:schemeClr val="tx1"/>
+                </a:solidFill>
+                <a:latin typeface="+mn-lt"/>
+                <a:ea typeface="+mn-ea"/>
+                <a:cs typeface="+mn-cs"/>
+              </a:defRPr>
+            </a:lvl8pPr>
+            <a:lvl9pPr marL="3886200" indent="-228600" algn="l" defTabSz="914400" rtl="0" eaLnBrk="1" latinLnBrk="0" hangingPunct="1">
+              <a:lnSpc>
+                <a:spcPct val="90000"/>
+              </a:lnSpc>
+              <a:spcBef>
+                <a:spcPct val="30000"/>
+              </a:spcBef>
+              <a:buFont typeface="Arial" panose="020B0604020202020204" pitchFamily="34" charset="0"/>
+              <a:buChar char="•"/>
+              <a:defRPr lang="zh-CN" sz="1800" kern="1200">
+                <a:solidFill>
+                  <a:schemeClr val="tx1"/>
+                </a:solidFill>
+                <a:latin typeface="+mn-lt"/>
+                <a:ea typeface="+mn-ea"/>
+                <a:cs typeface="+mn-cs"/>
+              </a:defRPr>
+            </a:lvl9pPr>
+          </a:lstStyle>
+          <a:p>
+            <a:r>
+              <a:rPr lang="en-US" altLang="zh-CN" dirty="0" err="1" smtClean="0">
+                <a:solidFill>
+                  <a:srgbClr val="0070C0"/>
+                </a:solidFill>
+                <a:latin typeface="微软雅黑" panose="020B0503020204020204" pitchFamily="34" charset="-122"/>
+                <a:ea typeface="微软雅黑" panose="020B0503020204020204" pitchFamily="34" charset="-122"/>
+              </a:rPr>
+              <a:t>facadeFloor</a:t>
+            </a:r>
+            <a:r>
+              <a:rPr lang="en-US" altLang="zh-CN" dirty="0" smtClean="0">
+                <a:solidFill>
+                  <a:srgbClr val="0070C0"/>
+                </a:solidFill>
+                <a:latin typeface="微软雅黑" panose="020B0503020204020204" pitchFamily="34" charset="-122"/>
+                <a:ea typeface="微软雅黑" panose="020B0503020204020204" pitchFamily="34" charset="-122"/>
+              </a:rPr>
+              <a:t> → </a:t>
+            </a:r>
+            <a:r>
+              <a:rPr lang="en-US" altLang="zh-CN" dirty="0" err="1">
+                <a:solidFill>
+                  <a:srgbClr val="0070C0"/>
+                </a:solidFill>
+                <a:latin typeface="微软雅黑" panose="020B0503020204020204" pitchFamily="34" charset="-122"/>
+                <a:ea typeface="微软雅黑" panose="020B0503020204020204" pitchFamily="34" charset="-122"/>
+              </a:rPr>
+              <a:t>floorWall</a:t>
+            </a:r>
+            <a:r>
+              <a:rPr lang="en-US" altLang="zh-CN" dirty="0">
+                <a:solidFill>
+                  <a:srgbClr val="0070C0"/>
+                </a:solidFill>
+                <a:latin typeface="微软雅黑" panose="020B0503020204020204" pitchFamily="34" charset="-122"/>
+                <a:ea typeface="微软雅黑" panose="020B0503020204020204" pitchFamily="34" charset="-122"/>
+              </a:rPr>
+              <a:t> + </a:t>
+            </a:r>
+            <a:r>
+              <a:rPr lang="en-US" altLang="zh-CN" dirty="0" err="1">
+                <a:solidFill>
+                  <a:srgbClr val="0070C0"/>
+                </a:solidFill>
+                <a:latin typeface="微软雅黑" panose="020B0503020204020204" pitchFamily="34" charset="-122"/>
+                <a:ea typeface="微软雅黑" panose="020B0503020204020204" pitchFamily="34" charset="-122"/>
+              </a:rPr>
+              <a:t>facadeWall</a:t>
+            </a:r>
+            <a:endParaRPr lang="zh-CN" altLang="en-US" dirty="0">
+              <a:solidFill>
+                <a:srgbClr val="0070C0"/>
+              </a:solidFill>
+              <a:latin typeface="微软雅黑" panose="020B0503020204020204" pitchFamily="34" charset="-122"/>
+              <a:ea typeface="微软雅黑" panose="020B0503020204020204" pitchFamily="34" charset="-122"/>
+            </a:endParaRPr>
+          </a:p>
+        </p:txBody>
+      </p:sp>
+      <p:grpSp>
+        <p:nvGrpSpPr>
+          <p:cNvPr id="37" name="Group 36"/>
+          <p:cNvGrpSpPr/>
+          <p:nvPr/>
+        </p:nvGrpSpPr>
+        <p:grpSpPr>
+          <a:xfrm>
+            <a:off x="4580056" y="3917061"/>
+            <a:ext cx="6954613" cy="625079"/>
+            <a:chOff x="4580056" y="3917061"/>
+            <a:chExt cx="6954613" cy="625079"/>
+          </a:xfrm>
+        </p:grpSpPr>
+        <p:sp>
+          <p:nvSpPr>
+            <p:cNvPr id="18" name="Right Arrow 17"/>
+            <p:cNvSpPr/>
+            <p:nvPr/>
+          </p:nvSpPr>
+          <p:spPr>
+            <a:xfrm>
+              <a:off x="6116320" y="4231956"/>
+              <a:ext cx="934720" cy="182880"/>
+            </a:xfrm>
+            <a:prstGeom prst="rightArrow">
+              <a:avLst/>
+            </a:prstGeom>
+          </p:spPr>
+          <p:style>
+            <a:lnRef idx="2">
+              <a:schemeClr val="accent1">
+                <a:shade val="50000"/>
+              </a:schemeClr>
+            </a:lnRef>
+            <a:fillRef idx="1">
+              <a:schemeClr val="accent1"/>
+            </a:fillRef>
+            <a:effectRef idx="0">
+              <a:schemeClr val="accent1"/>
+            </a:effectRef>
+            <a:fontRef idx="minor">
+              <a:schemeClr val="lt1"/>
+            </a:fontRef>
+          </p:style>
+          <p:txBody>
+            <a:bodyPr rtlCol="0" anchor="ctr"/>
+            <a:lstStyle/>
+            <a:p>
+              <a:pPr algn="ctr"/>
+              <a:endParaRPr lang="zh-CN" altLang="en-US"/>
+            </a:p>
+          </p:txBody>
+        </p:sp>
+        <p:pic>
+          <p:nvPicPr>
+            <p:cNvPr id="19" name="Picture 3" descr="parsing_tree"/>
+            <p:cNvPicPr>
+              <a:picLocks noChangeAspect="1" noChangeArrowheads="1"/>
+            </p:cNvPicPr>
+            <p:nvPr/>
+          </p:nvPicPr>
+          <p:blipFill rotWithShape="1">
+            <a:blip r:embed="rId2">
+              <a:extLst>
+                <a:ext uri="{28A0092B-C50C-407E-A947-70E740481C1C}">
+                  <a14:useLocalDpi xmlns:a14="http://schemas.microsoft.com/office/drawing/2010/main" val="0"/>
+                </a:ext>
+              </a:extLst>
+            </a:blip>
+            <a:srcRect l="35613" t="12921" r="51546" b="83165"/>
+            <a:stretch/>
+          </p:blipFill>
+          <p:spPr bwMode="auto">
+            <a:xfrm>
+              <a:off x="7367660" y="4130356"/>
+              <a:ext cx="1483200" cy="386080"/>
+            </a:xfrm>
+            <a:prstGeom prst="rect">
+              <a:avLst/>
+            </a:prstGeom>
+            <a:noFill/>
+            <a:ln>
+              <a:noFill/>
+            </a:ln>
+            <a:extLst>
+              <a:ext uri="{909E8E84-426E-40DD-AFC4-6F175D3DCCD1}">
+                <a14:hiddenFill xmlns:a14="http://schemas.microsoft.com/office/drawing/2010/main">
+                  <a:solidFill>
+                    <a:srgbClr val="FFFFFF"/>
+                  </a:solidFill>
+                </a14:hiddenFill>
+              </a:ext>
+              <a:ext uri="{91240B29-F687-4F45-9708-019B960494DF}">
+                <a14:hiddenLine xmlns:a14="http://schemas.microsoft.com/office/drawing/2010/main" w="9525">
+                  <a:solidFill>
+                    <a:srgbClr val="000000"/>
+                  </a:solidFill>
+                  <a:miter lim="800000"/>
+                  <a:headEnd/>
+                  <a:tailEnd/>
+                </a14:hiddenLine>
+              </a:ext>
+            </a:extLst>
+          </p:spPr>
+        </p:pic>
+        <p:sp>
+          <p:nvSpPr>
+            <p:cNvPr id="20" name="Plus 19"/>
+            <p:cNvSpPr/>
+            <p:nvPr/>
+          </p:nvSpPr>
+          <p:spPr>
+            <a:xfrm>
+              <a:off x="8890000" y="4064620"/>
+              <a:ext cx="660400" cy="477520"/>
+            </a:xfrm>
+            <a:prstGeom prst="mathPlus">
+              <a:avLst/>
+            </a:prstGeom>
+          </p:spPr>
+          <p:style>
+            <a:lnRef idx="2">
+              <a:schemeClr val="accent1">
+                <a:shade val="50000"/>
+              </a:schemeClr>
+            </a:lnRef>
+            <a:fillRef idx="1">
+              <a:schemeClr val="accent1"/>
+            </a:fillRef>
+            <a:effectRef idx="0">
+              <a:schemeClr val="accent1"/>
+            </a:effectRef>
+            <a:fontRef idx="minor">
+              <a:schemeClr val="lt1"/>
+            </a:fontRef>
+          </p:style>
+          <p:txBody>
+            <a:bodyPr rtlCol="0" anchor="ctr"/>
+            <a:lstStyle/>
+            <a:p>
+              <a:pPr algn="ctr"/>
+              <a:endParaRPr lang="zh-CN" altLang="en-US"/>
+            </a:p>
+          </p:txBody>
+        </p:sp>
+        <p:pic>
+          <p:nvPicPr>
+            <p:cNvPr id="21" name="Picture 3" descr="parsing_tree"/>
+            <p:cNvPicPr>
+              <a:picLocks noChangeAspect="1" noChangeArrowheads="1"/>
+            </p:cNvPicPr>
+            <p:nvPr/>
+          </p:nvPicPr>
+          <p:blipFill rotWithShape="1">
+            <a:blip r:embed="rId2">
+              <a:extLst>
+                <a:ext uri="{28A0092B-C50C-407E-A947-70E740481C1C}">
+                  <a14:useLocalDpi xmlns:a14="http://schemas.microsoft.com/office/drawing/2010/main" val="0"/>
+                </a:ext>
+              </a:extLst>
+            </a:blip>
+            <a:srcRect l="35613" t="4812" r="51546" b="89177"/>
+            <a:stretch/>
+          </p:blipFill>
+          <p:spPr bwMode="auto">
+            <a:xfrm>
+              <a:off x="4580056" y="3917061"/>
+              <a:ext cx="1483200" cy="592958"/>
+            </a:xfrm>
+            <a:prstGeom prst="rect">
+              <a:avLst/>
+            </a:prstGeom>
+            <a:noFill/>
+            <a:ln>
+              <a:noFill/>
+            </a:ln>
+            <a:extLst>
+              <a:ext uri="{909E8E84-426E-40DD-AFC4-6F175D3DCCD1}">
+                <a14:hiddenFill xmlns:a14="http://schemas.microsoft.com/office/drawing/2010/main">
+                  <a:solidFill>
+                    <a:srgbClr val="FFFFFF"/>
+                  </a:solidFill>
+                </a14:hiddenFill>
+              </a:ext>
+              <a:ext uri="{91240B29-F687-4F45-9708-019B960494DF}">
+                <a14:hiddenLine xmlns:a14="http://schemas.microsoft.com/office/drawing/2010/main" w="9525">
+                  <a:solidFill>
+                    <a:srgbClr val="000000"/>
+                  </a:solidFill>
+                  <a:miter lim="800000"/>
+                  <a:headEnd/>
+                  <a:tailEnd/>
+                </a14:hiddenLine>
+              </a:ext>
+            </a:extLst>
+          </p:spPr>
+        </p:pic>
+        <p:pic>
+          <p:nvPicPr>
+            <p:cNvPr id="22" name="Picture 3" descr="parsing_tree"/>
+            <p:cNvPicPr>
+              <a:picLocks noChangeAspect="1" noChangeArrowheads="1"/>
+            </p:cNvPicPr>
+            <p:nvPr/>
+          </p:nvPicPr>
+          <p:blipFill rotWithShape="1">
+            <a:blip r:embed="rId2">
+              <a:extLst>
+                <a:ext uri="{28A0092B-C50C-407E-A947-70E740481C1C}">
+                  <a14:useLocalDpi xmlns:a14="http://schemas.microsoft.com/office/drawing/2010/main" val="0"/>
+                </a:ext>
+              </a:extLst>
+            </a:blip>
+            <a:srcRect l="35613" t="10995" r="51546" b="87460"/>
+            <a:stretch/>
+          </p:blipFill>
+          <p:spPr bwMode="auto">
+            <a:xfrm>
+              <a:off x="10051469" y="4213540"/>
+              <a:ext cx="1483200" cy="152400"/>
+            </a:xfrm>
+            <a:prstGeom prst="rect">
+              <a:avLst/>
+            </a:prstGeom>
+            <a:noFill/>
+            <a:ln>
+              <a:noFill/>
+            </a:ln>
+            <a:extLst>
+              <a:ext uri="{909E8E84-426E-40DD-AFC4-6F175D3DCCD1}">
+                <a14:hiddenFill xmlns:a14="http://schemas.microsoft.com/office/drawing/2010/main">
+                  <a:solidFill>
+                    <a:srgbClr val="FFFFFF"/>
+                  </a:solidFill>
+                </a14:hiddenFill>
+              </a:ext>
+              <a:ext uri="{91240B29-F687-4F45-9708-019B960494DF}">
+                <a14:hiddenLine xmlns:a14="http://schemas.microsoft.com/office/drawing/2010/main" w="9525">
+                  <a:solidFill>
+                    <a:srgbClr val="000000"/>
+                  </a:solidFill>
+                  <a:miter lim="800000"/>
+                  <a:headEnd/>
+                  <a:tailEnd/>
+                </a14:hiddenLine>
+              </a:ext>
+            </a:extLst>
+          </p:spPr>
+        </p:pic>
+      </p:grpSp>
+      <p:sp>
+        <p:nvSpPr>
+          <p:cNvPr id="23" name="Content Placeholder 2"/>
+          <p:cNvSpPr txBox="1">
+            <a:spLocks/>
+          </p:cNvSpPr>
+          <p:nvPr/>
+        </p:nvSpPr>
+        <p:spPr>
+          <a:xfrm>
+            <a:off x="756922" y="5076825"/>
+            <a:ext cx="4167753" cy="490855"/>
+          </a:xfrm>
+          <a:prstGeom prst="rect">
+            <a:avLst/>
+          </a:prstGeom>
+        </p:spPr>
+        <p:txBody>
+          <a:bodyPr vert="horz" lIns="91440" tIns="45720" rIns="91440" bIns="45720" rtlCol="0">
+            <a:normAutofit/>
+          </a:bodyPr>
+          <a:lstStyle>
+            <a:lvl1pPr marL="0" indent="0" algn="l" defTabSz="914400" rtl="0" eaLnBrk="1" latinLnBrk="0" hangingPunct="1">
+              <a:lnSpc>
+                <a:spcPct val="150000"/>
+              </a:lnSpc>
+              <a:spcBef>
+                <a:spcPct val="30000"/>
+              </a:spcBef>
+              <a:spcAft>
+                <a:spcPts val="1200"/>
+              </a:spcAft>
+              <a:buFont typeface="Arial" panose="020B0604020202020204" pitchFamily="34" charset="0"/>
+              <a:buNone/>
+              <a:defRPr lang="zh-CN" sz="1600" kern="1200">
+                <a:solidFill>
+                  <a:schemeClr val="bg1">
+                    <a:lumMod val="50000"/>
+                  </a:schemeClr>
+                </a:solidFill>
+                <a:latin typeface="Microsoft YaHei UI" panose="020B0503020204020204" pitchFamily="34" charset="-122"/>
+                <a:ea typeface="Microsoft YaHei UI" panose="020B0503020204020204" pitchFamily="34" charset="-122"/>
+                <a:cs typeface="+mn-cs"/>
+              </a:defRPr>
+            </a:lvl1pPr>
+            <a:lvl2pPr marL="685800" indent="-228600" algn="l" defTabSz="914400" rtl="0" eaLnBrk="1" latinLnBrk="0" hangingPunct="1">
+              <a:lnSpc>
+                <a:spcPct val="150000"/>
+              </a:lnSpc>
+              <a:spcBef>
+                <a:spcPct val="30000"/>
+              </a:spcBef>
+              <a:spcAft>
+                <a:spcPts val="1200"/>
+              </a:spcAft>
+              <a:buFont typeface="Arial" panose="020B0604020202020204" pitchFamily="34" charset="0"/>
+              <a:buChar char="•"/>
+              <a:defRPr lang="zh-CN" sz="1400" kern="1200">
+                <a:solidFill>
+                  <a:schemeClr val="bg1">
+                    <a:lumMod val="50000"/>
+                  </a:schemeClr>
+                </a:solidFill>
+                <a:latin typeface="Microsoft YaHei UI" panose="020B0503020204020204" pitchFamily="34" charset="-122"/>
+                <a:ea typeface="Microsoft YaHei UI" panose="020B0503020204020204" pitchFamily="34" charset="-122"/>
+                <a:cs typeface="+mn-cs"/>
+              </a:defRPr>
+            </a:lvl2pPr>
+            <a:lvl3pPr marL="1143000" indent="-228600" algn="l" defTabSz="914400" rtl="0" eaLnBrk="1" latinLnBrk="0" hangingPunct="1">
+              <a:lnSpc>
+                <a:spcPct val="150000"/>
+              </a:lnSpc>
+              <a:spcBef>
+                <a:spcPct val="30000"/>
+              </a:spcBef>
+              <a:spcAft>
+                <a:spcPts val="1200"/>
+              </a:spcAft>
+              <a:buFont typeface="Arial" panose="020B0604020202020204" pitchFamily="34" charset="0"/>
+              <a:buChar char="•"/>
+              <a:defRPr lang="zh-CN" sz="1200" kern="1200">
+                <a:solidFill>
+                  <a:schemeClr val="bg1">
+                    <a:lumMod val="50000"/>
+                  </a:schemeClr>
+                </a:solidFill>
+                <a:latin typeface="Microsoft YaHei UI" panose="020B0503020204020204" pitchFamily="34" charset="-122"/>
+                <a:ea typeface="Microsoft YaHei UI" panose="020B0503020204020204" pitchFamily="34" charset="-122"/>
+                <a:cs typeface="+mn-cs"/>
+              </a:defRPr>
+            </a:lvl3pPr>
+            <a:lvl4pPr marL="1600200" indent="-228600" algn="l" defTabSz="914400" rtl="0" eaLnBrk="1" latinLnBrk="0" hangingPunct="1">
+              <a:lnSpc>
+                <a:spcPct val="150000"/>
+              </a:lnSpc>
+              <a:spcBef>
+                <a:spcPct val="30000"/>
+              </a:spcBef>
+              <a:spcAft>
+                <a:spcPts val="1200"/>
+              </a:spcAft>
+              <a:buFont typeface="Arial" panose="020B0604020202020204" pitchFamily="34" charset="0"/>
+              <a:buChar char="•"/>
+              <a:defRPr lang="zh-CN" sz="1100" kern="1200">
+                <a:solidFill>
+                  <a:schemeClr val="bg1">
+                    <a:lumMod val="50000"/>
+                  </a:schemeClr>
+                </a:solidFill>
+                <a:latin typeface="Microsoft YaHei UI" panose="020B0503020204020204" pitchFamily="34" charset="-122"/>
+                <a:ea typeface="Microsoft YaHei UI" panose="020B0503020204020204" pitchFamily="34" charset="-122"/>
+                <a:cs typeface="+mn-cs"/>
+              </a:defRPr>
+            </a:lvl4pPr>
+            <a:lvl5pPr marL="2057400" indent="-228600" algn="l" defTabSz="914400" rtl="0" eaLnBrk="1" latinLnBrk="0" hangingPunct="1">
+              <a:lnSpc>
+                <a:spcPct val="150000"/>
+              </a:lnSpc>
+              <a:spcBef>
+                <a:spcPct val="30000"/>
+              </a:spcBef>
+              <a:spcAft>
+                <a:spcPts val="1200"/>
+              </a:spcAft>
+              <a:buFont typeface="Arial" panose="020B0604020202020204" pitchFamily="34" charset="0"/>
+              <a:buChar char="•"/>
+              <a:defRPr lang="zh-CN" sz="1100" kern="1200">
+                <a:solidFill>
+                  <a:schemeClr val="bg1">
+                    <a:lumMod val="50000"/>
+                  </a:schemeClr>
+                </a:solidFill>
+                <a:latin typeface="Microsoft YaHei UI" panose="020B0503020204020204" pitchFamily="34" charset="-122"/>
+                <a:ea typeface="Microsoft YaHei UI" panose="020B0503020204020204" pitchFamily="34" charset="-122"/>
+                <a:cs typeface="+mn-cs"/>
+              </a:defRPr>
+            </a:lvl5pPr>
+            <a:lvl6pPr marL="2514600" indent="-228600" algn="l" defTabSz="914400" rtl="0" eaLnBrk="1" latinLnBrk="0" hangingPunct="1">
+              <a:lnSpc>
+                <a:spcPct val="90000"/>
+              </a:lnSpc>
+              <a:spcBef>
+                <a:spcPct val="30000"/>
+              </a:spcBef>
+              <a:buFont typeface="Arial" panose="020B0604020202020204" pitchFamily="34" charset="0"/>
+              <a:buChar char="•"/>
+              <a:defRPr lang="zh-CN" sz="1800" kern="1200">
+                <a:solidFill>
+                  <a:schemeClr val="tx1"/>
+                </a:solidFill>
+                <a:latin typeface="+mn-lt"/>
+                <a:ea typeface="+mn-ea"/>
+                <a:cs typeface="+mn-cs"/>
+              </a:defRPr>
+            </a:lvl6pPr>
+            <a:lvl7pPr marL="2971800" indent="-228600" algn="l" defTabSz="914400" rtl="0" eaLnBrk="1" latinLnBrk="0" hangingPunct="1">
+              <a:lnSpc>
+                <a:spcPct val="90000"/>
+              </a:lnSpc>
+              <a:spcBef>
+                <a:spcPct val="30000"/>
+              </a:spcBef>
+              <a:buFont typeface="Arial" panose="020B0604020202020204" pitchFamily="34" charset="0"/>
+              <a:buChar char="•"/>
+              <a:defRPr lang="zh-CN" sz="1800" kern="1200">
+                <a:solidFill>
+                  <a:schemeClr val="tx1"/>
+                </a:solidFill>
+                <a:latin typeface="+mn-lt"/>
+                <a:ea typeface="+mn-ea"/>
+                <a:cs typeface="+mn-cs"/>
+              </a:defRPr>
+            </a:lvl7pPr>
+            <a:lvl8pPr marL="3429000" indent="-228600" algn="l" defTabSz="914400" rtl="0" eaLnBrk="1" latinLnBrk="0" hangingPunct="1">
+              <a:lnSpc>
+                <a:spcPct val="90000"/>
+              </a:lnSpc>
+              <a:spcBef>
+                <a:spcPct val="30000"/>
+              </a:spcBef>
+              <a:buFont typeface="Arial" panose="020B0604020202020204" pitchFamily="34" charset="0"/>
+              <a:buChar char="•"/>
+              <a:defRPr lang="zh-CN" sz="1800" kern="1200">
+                <a:solidFill>
+                  <a:schemeClr val="tx1"/>
+                </a:solidFill>
+                <a:latin typeface="+mn-lt"/>
+                <a:ea typeface="+mn-ea"/>
+                <a:cs typeface="+mn-cs"/>
+              </a:defRPr>
+            </a:lvl8pPr>
+            <a:lvl9pPr marL="3886200" indent="-228600" algn="l" defTabSz="914400" rtl="0" eaLnBrk="1" latinLnBrk="0" hangingPunct="1">
+              <a:lnSpc>
+                <a:spcPct val="90000"/>
+              </a:lnSpc>
+              <a:spcBef>
+                <a:spcPct val="30000"/>
+              </a:spcBef>
+              <a:buFont typeface="Arial" panose="020B0604020202020204" pitchFamily="34" charset="0"/>
+              <a:buChar char="•"/>
+              <a:defRPr lang="zh-CN" sz="1800" kern="1200">
+                <a:solidFill>
+                  <a:schemeClr val="tx1"/>
+                </a:solidFill>
+                <a:latin typeface="+mn-lt"/>
+                <a:ea typeface="+mn-ea"/>
+                <a:cs typeface="+mn-cs"/>
+              </a:defRPr>
+            </a:lvl9pPr>
+          </a:lstStyle>
+          <a:p>
+            <a:r>
+              <a:rPr lang="en-US" altLang="zh-CN" dirty="0" err="1">
+                <a:solidFill>
+                  <a:schemeClr val="accent2">
+                    <a:lumMod val="75000"/>
+                  </a:schemeClr>
+                </a:solidFill>
+                <a:latin typeface="微软雅黑" panose="020B0503020204020204" pitchFamily="34" charset="-122"/>
+                <a:ea typeface="微软雅黑" panose="020B0503020204020204" pitchFamily="34" charset="-122"/>
+              </a:rPr>
+              <a:t>floorWall</a:t>
+            </a:r>
+            <a:r>
+              <a:rPr lang="en-US" altLang="zh-CN" dirty="0">
+                <a:solidFill>
+                  <a:schemeClr val="accent2">
+                    <a:lumMod val="75000"/>
+                  </a:schemeClr>
+                </a:solidFill>
+                <a:latin typeface="微软雅黑" panose="020B0503020204020204" pitchFamily="34" charset="-122"/>
+                <a:ea typeface="微软雅黑" panose="020B0503020204020204" pitchFamily="34" charset="-122"/>
+              </a:rPr>
+              <a:t> </a:t>
+            </a:r>
+            <a:r>
+              <a:rPr lang="en-US" altLang="zh-CN" dirty="0" smtClean="0">
+                <a:solidFill>
+                  <a:schemeClr val="accent2">
+                    <a:lumMod val="75000"/>
+                  </a:schemeClr>
+                </a:solidFill>
+                <a:latin typeface="微软雅黑" panose="020B0503020204020204" pitchFamily="34" charset="-122"/>
+                <a:ea typeface="微软雅黑" panose="020B0503020204020204" pitchFamily="34" charset="-122"/>
+              </a:rPr>
+              <a:t>↓ wall+ </a:t>
+            </a:r>
+            <a:r>
+              <a:rPr lang="en-US" altLang="zh-CN" dirty="0" err="1" smtClean="0">
+                <a:solidFill>
+                  <a:schemeClr val="accent2">
+                    <a:lumMod val="75000"/>
+                  </a:schemeClr>
+                </a:solidFill>
+                <a:latin typeface="微软雅黑" panose="020B0503020204020204" pitchFamily="34" charset="-122"/>
+                <a:ea typeface="微软雅黑" panose="020B0503020204020204" pitchFamily="34" charset="-122"/>
+              </a:rPr>
+              <a:t>floorWindow</a:t>
+            </a:r>
+            <a:endParaRPr lang="zh-CN" altLang="en-US" dirty="0">
+              <a:solidFill>
+                <a:schemeClr val="accent2">
+                  <a:lumMod val="75000"/>
+                </a:schemeClr>
+              </a:solidFill>
+              <a:latin typeface="微软雅黑" panose="020B0503020204020204" pitchFamily="34" charset="-122"/>
+              <a:ea typeface="微软雅黑" panose="020B0503020204020204" pitchFamily="34" charset="-122"/>
+            </a:endParaRPr>
+          </a:p>
+        </p:txBody>
+      </p:sp>
+      <p:sp>
+        <p:nvSpPr>
+          <p:cNvPr id="24" name="Content Placeholder 2"/>
+          <p:cNvSpPr txBox="1">
+            <a:spLocks/>
+          </p:cNvSpPr>
+          <p:nvPr/>
+        </p:nvSpPr>
+        <p:spPr>
+          <a:xfrm>
+            <a:off x="756921" y="5879465"/>
+            <a:ext cx="4167753" cy="490855"/>
+          </a:xfrm>
+          <a:prstGeom prst="rect">
+            <a:avLst/>
+          </a:prstGeom>
+        </p:spPr>
+        <p:txBody>
+          <a:bodyPr vert="horz" lIns="91440" tIns="45720" rIns="91440" bIns="45720" rtlCol="0">
+            <a:normAutofit/>
+          </a:bodyPr>
+          <a:lstStyle>
+            <a:lvl1pPr marL="0" indent="0" algn="l" defTabSz="914400" rtl="0" eaLnBrk="1" latinLnBrk="0" hangingPunct="1">
+              <a:lnSpc>
+                <a:spcPct val="150000"/>
+              </a:lnSpc>
+              <a:spcBef>
+                <a:spcPct val="30000"/>
+              </a:spcBef>
+              <a:spcAft>
+                <a:spcPts val="1200"/>
+              </a:spcAft>
+              <a:buFont typeface="Arial" panose="020B0604020202020204" pitchFamily="34" charset="0"/>
+              <a:buNone/>
+              <a:defRPr lang="zh-CN" sz="1600" kern="1200">
+                <a:solidFill>
+                  <a:schemeClr val="bg1">
+                    <a:lumMod val="50000"/>
+                  </a:schemeClr>
+                </a:solidFill>
+                <a:latin typeface="Microsoft YaHei UI" panose="020B0503020204020204" pitchFamily="34" charset="-122"/>
+                <a:ea typeface="Microsoft YaHei UI" panose="020B0503020204020204" pitchFamily="34" charset="-122"/>
+                <a:cs typeface="+mn-cs"/>
+              </a:defRPr>
+            </a:lvl1pPr>
+            <a:lvl2pPr marL="685800" indent="-228600" algn="l" defTabSz="914400" rtl="0" eaLnBrk="1" latinLnBrk="0" hangingPunct="1">
+              <a:lnSpc>
+                <a:spcPct val="150000"/>
+              </a:lnSpc>
+              <a:spcBef>
+                <a:spcPct val="30000"/>
+              </a:spcBef>
+              <a:spcAft>
+                <a:spcPts val="1200"/>
+              </a:spcAft>
+              <a:buFont typeface="Arial" panose="020B0604020202020204" pitchFamily="34" charset="0"/>
+              <a:buChar char="•"/>
+              <a:defRPr lang="zh-CN" sz="1400" kern="1200">
+                <a:solidFill>
+                  <a:schemeClr val="bg1">
+                    <a:lumMod val="50000"/>
+                  </a:schemeClr>
+                </a:solidFill>
+                <a:latin typeface="Microsoft YaHei UI" panose="020B0503020204020204" pitchFamily="34" charset="-122"/>
+                <a:ea typeface="Microsoft YaHei UI" panose="020B0503020204020204" pitchFamily="34" charset="-122"/>
+                <a:cs typeface="+mn-cs"/>
+              </a:defRPr>
+            </a:lvl2pPr>
+            <a:lvl3pPr marL="1143000" indent="-228600" algn="l" defTabSz="914400" rtl="0" eaLnBrk="1" latinLnBrk="0" hangingPunct="1">
+              <a:lnSpc>
+                <a:spcPct val="150000"/>
+              </a:lnSpc>
+              <a:spcBef>
+                <a:spcPct val="30000"/>
+              </a:spcBef>
+              <a:spcAft>
+                <a:spcPts val="1200"/>
+              </a:spcAft>
+              <a:buFont typeface="Arial" panose="020B0604020202020204" pitchFamily="34" charset="0"/>
+              <a:buChar char="•"/>
+              <a:defRPr lang="zh-CN" sz="1200" kern="1200">
+                <a:solidFill>
+                  <a:schemeClr val="bg1">
+                    <a:lumMod val="50000"/>
+                  </a:schemeClr>
+                </a:solidFill>
+                <a:latin typeface="Microsoft YaHei UI" panose="020B0503020204020204" pitchFamily="34" charset="-122"/>
+                <a:ea typeface="Microsoft YaHei UI" panose="020B0503020204020204" pitchFamily="34" charset="-122"/>
+                <a:cs typeface="+mn-cs"/>
+              </a:defRPr>
+            </a:lvl3pPr>
+            <a:lvl4pPr marL="1600200" indent="-228600" algn="l" defTabSz="914400" rtl="0" eaLnBrk="1" latinLnBrk="0" hangingPunct="1">
+              <a:lnSpc>
+                <a:spcPct val="150000"/>
+              </a:lnSpc>
+              <a:spcBef>
+                <a:spcPct val="30000"/>
+              </a:spcBef>
+              <a:spcAft>
+                <a:spcPts val="1200"/>
+              </a:spcAft>
+              <a:buFont typeface="Arial" panose="020B0604020202020204" pitchFamily="34" charset="0"/>
+              <a:buChar char="•"/>
+              <a:defRPr lang="zh-CN" sz="1100" kern="1200">
+                <a:solidFill>
+                  <a:schemeClr val="bg1">
+                    <a:lumMod val="50000"/>
+                  </a:schemeClr>
+                </a:solidFill>
+                <a:latin typeface="Microsoft YaHei UI" panose="020B0503020204020204" pitchFamily="34" charset="-122"/>
+                <a:ea typeface="Microsoft YaHei UI" panose="020B0503020204020204" pitchFamily="34" charset="-122"/>
+                <a:cs typeface="+mn-cs"/>
+              </a:defRPr>
+            </a:lvl4pPr>
+            <a:lvl5pPr marL="2057400" indent="-228600" algn="l" defTabSz="914400" rtl="0" eaLnBrk="1" latinLnBrk="0" hangingPunct="1">
+              <a:lnSpc>
+                <a:spcPct val="150000"/>
+              </a:lnSpc>
+              <a:spcBef>
+                <a:spcPct val="30000"/>
+              </a:spcBef>
+              <a:spcAft>
+                <a:spcPts val="1200"/>
+              </a:spcAft>
+              <a:buFont typeface="Arial" panose="020B0604020202020204" pitchFamily="34" charset="0"/>
+              <a:buChar char="•"/>
+              <a:defRPr lang="zh-CN" sz="1100" kern="1200">
+                <a:solidFill>
+                  <a:schemeClr val="bg1">
+                    <a:lumMod val="50000"/>
+                  </a:schemeClr>
+                </a:solidFill>
+                <a:latin typeface="Microsoft YaHei UI" panose="020B0503020204020204" pitchFamily="34" charset="-122"/>
+                <a:ea typeface="Microsoft YaHei UI" panose="020B0503020204020204" pitchFamily="34" charset="-122"/>
+                <a:cs typeface="+mn-cs"/>
+              </a:defRPr>
+            </a:lvl5pPr>
+            <a:lvl6pPr marL="2514600" indent="-228600" algn="l" defTabSz="914400" rtl="0" eaLnBrk="1" latinLnBrk="0" hangingPunct="1">
+              <a:lnSpc>
+                <a:spcPct val="90000"/>
+              </a:lnSpc>
+              <a:spcBef>
+                <a:spcPct val="30000"/>
+              </a:spcBef>
+              <a:buFont typeface="Arial" panose="020B0604020202020204" pitchFamily="34" charset="0"/>
+              <a:buChar char="•"/>
+              <a:defRPr lang="zh-CN" sz="1800" kern="1200">
+                <a:solidFill>
+                  <a:schemeClr val="tx1"/>
+                </a:solidFill>
+                <a:latin typeface="+mn-lt"/>
+                <a:ea typeface="+mn-ea"/>
+                <a:cs typeface="+mn-cs"/>
+              </a:defRPr>
+            </a:lvl6pPr>
+            <a:lvl7pPr marL="2971800" indent="-228600" algn="l" defTabSz="914400" rtl="0" eaLnBrk="1" latinLnBrk="0" hangingPunct="1">
+              <a:lnSpc>
+                <a:spcPct val="90000"/>
+              </a:lnSpc>
+              <a:spcBef>
+                <a:spcPct val="30000"/>
+              </a:spcBef>
+              <a:buFont typeface="Arial" panose="020B0604020202020204" pitchFamily="34" charset="0"/>
+              <a:buChar char="•"/>
+              <a:defRPr lang="zh-CN" sz="1800" kern="1200">
+                <a:solidFill>
+                  <a:schemeClr val="tx1"/>
+                </a:solidFill>
+                <a:latin typeface="+mn-lt"/>
+                <a:ea typeface="+mn-ea"/>
+                <a:cs typeface="+mn-cs"/>
+              </a:defRPr>
+            </a:lvl7pPr>
+            <a:lvl8pPr marL="3429000" indent="-228600" algn="l" defTabSz="914400" rtl="0" eaLnBrk="1" latinLnBrk="0" hangingPunct="1">
+              <a:lnSpc>
+                <a:spcPct val="90000"/>
+              </a:lnSpc>
+              <a:spcBef>
+                <a:spcPct val="30000"/>
+              </a:spcBef>
+              <a:buFont typeface="Arial" panose="020B0604020202020204" pitchFamily="34" charset="0"/>
+              <a:buChar char="•"/>
+              <a:defRPr lang="zh-CN" sz="1800" kern="1200">
+                <a:solidFill>
+                  <a:schemeClr val="tx1"/>
+                </a:solidFill>
+                <a:latin typeface="+mn-lt"/>
+                <a:ea typeface="+mn-ea"/>
+                <a:cs typeface="+mn-cs"/>
+              </a:defRPr>
+            </a:lvl8pPr>
+            <a:lvl9pPr marL="3886200" indent="-228600" algn="l" defTabSz="914400" rtl="0" eaLnBrk="1" latinLnBrk="0" hangingPunct="1">
+              <a:lnSpc>
+                <a:spcPct val="90000"/>
+              </a:lnSpc>
+              <a:spcBef>
+                <a:spcPct val="30000"/>
+              </a:spcBef>
+              <a:buFont typeface="Arial" panose="020B0604020202020204" pitchFamily="34" charset="0"/>
+              <a:buChar char="•"/>
+              <a:defRPr lang="zh-CN" sz="1800" kern="1200">
+                <a:solidFill>
+                  <a:schemeClr val="tx1"/>
+                </a:solidFill>
+                <a:latin typeface="+mn-lt"/>
+                <a:ea typeface="+mn-ea"/>
+                <a:cs typeface="+mn-cs"/>
+              </a:defRPr>
+            </a:lvl9pPr>
+          </a:lstStyle>
+          <a:p>
+            <a:r>
+              <a:rPr lang="en-US" altLang="zh-CN" dirty="0" err="1" smtClean="0">
+                <a:solidFill>
+                  <a:schemeClr val="accent5">
+                    <a:lumMod val="75000"/>
+                  </a:schemeClr>
+                </a:solidFill>
+                <a:latin typeface="微软雅黑" panose="020B0503020204020204" pitchFamily="34" charset="-122"/>
+                <a:ea typeface="微软雅黑" panose="020B0503020204020204" pitchFamily="34" charset="-122"/>
+              </a:rPr>
+              <a:t>floorWindow</a:t>
+            </a:r>
+            <a:r>
+              <a:rPr lang="en-US" altLang="zh-CN" dirty="0">
+                <a:solidFill>
+                  <a:schemeClr val="accent5">
+                    <a:lumMod val="75000"/>
+                  </a:schemeClr>
+                </a:solidFill>
+                <a:latin typeface="微软雅黑" panose="020B0503020204020204" pitchFamily="34" charset="-122"/>
+                <a:ea typeface="微软雅黑" panose="020B0503020204020204" pitchFamily="34" charset="-122"/>
+              </a:rPr>
+              <a:t> ↓</a:t>
+            </a:r>
+            <a:r>
+              <a:rPr lang="en-US" altLang="zh-CN" dirty="0" smtClean="0">
+                <a:solidFill>
+                  <a:schemeClr val="accent5">
+                    <a:lumMod val="75000"/>
+                  </a:schemeClr>
+                </a:solidFill>
+                <a:latin typeface="微软雅黑" panose="020B0503020204020204" pitchFamily="34" charset="-122"/>
+                <a:ea typeface="微软雅黑" panose="020B0503020204020204" pitchFamily="34" charset="-122"/>
+              </a:rPr>
+              <a:t> window+ </a:t>
+            </a:r>
+            <a:r>
+              <a:rPr lang="en-US" altLang="zh-CN" dirty="0" err="1" smtClean="0">
+                <a:solidFill>
+                  <a:schemeClr val="accent5">
+                    <a:lumMod val="75000"/>
+                  </a:schemeClr>
+                </a:solidFill>
+                <a:latin typeface="微软雅黑" panose="020B0503020204020204" pitchFamily="34" charset="-122"/>
+                <a:ea typeface="微软雅黑" panose="020B0503020204020204" pitchFamily="34" charset="-122"/>
+              </a:rPr>
+              <a:t>floorWall</a:t>
+            </a:r>
+            <a:endParaRPr lang="zh-CN" altLang="en-US" dirty="0">
+              <a:solidFill>
+                <a:schemeClr val="accent5">
+                  <a:lumMod val="75000"/>
+                </a:schemeClr>
+              </a:solidFill>
+              <a:latin typeface="微软雅黑" panose="020B0503020204020204" pitchFamily="34" charset="-122"/>
+              <a:ea typeface="微软雅黑" panose="020B0503020204020204" pitchFamily="34" charset="-122"/>
+            </a:endParaRPr>
+          </a:p>
+        </p:txBody>
+      </p:sp>
+      <p:grpSp>
+        <p:nvGrpSpPr>
+          <p:cNvPr id="38" name="Group 37"/>
+          <p:cNvGrpSpPr/>
+          <p:nvPr/>
+        </p:nvGrpSpPr>
+        <p:grpSpPr>
+          <a:xfrm>
+            <a:off x="4580056" y="5140960"/>
+            <a:ext cx="6908893" cy="477520"/>
+            <a:chOff x="4580056" y="5140960"/>
+            <a:chExt cx="6908893" cy="477520"/>
+          </a:xfrm>
+        </p:grpSpPr>
+        <p:pic>
+          <p:nvPicPr>
+            <p:cNvPr id="25" name="Picture 3" descr="parsing_tree"/>
+            <p:cNvPicPr>
+              <a:picLocks noChangeAspect="1" noChangeArrowheads="1"/>
+            </p:cNvPicPr>
+            <p:nvPr/>
+          </p:nvPicPr>
+          <p:blipFill rotWithShape="1">
+            <a:blip r:embed="rId2">
+              <a:extLst>
+                <a:ext uri="{28A0092B-C50C-407E-A947-70E740481C1C}">
+                  <a14:useLocalDpi xmlns:a14="http://schemas.microsoft.com/office/drawing/2010/main" val="0"/>
+                </a:ext>
+              </a:extLst>
+            </a:blip>
+            <a:srcRect l="35613" t="12921" r="51546" b="83165"/>
+            <a:stretch/>
+          </p:blipFill>
+          <p:spPr bwMode="auto">
+            <a:xfrm>
+              <a:off x="4580056" y="5180012"/>
+              <a:ext cx="1483200" cy="386080"/>
+            </a:xfrm>
+            <a:prstGeom prst="rect">
+              <a:avLst/>
+            </a:prstGeom>
+            <a:noFill/>
+            <a:ln>
+              <a:noFill/>
+            </a:ln>
+            <a:extLst>
+              <a:ext uri="{909E8E84-426E-40DD-AFC4-6F175D3DCCD1}">
+                <a14:hiddenFill xmlns:a14="http://schemas.microsoft.com/office/drawing/2010/main">
+                  <a:solidFill>
+                    <a:srgbClr val="FFFFFF"/>
+                  </a:solidFill>
+                </a14:hiddenFill>
+              </a:ext>
+              <a:ext uri="{91240B29-F687-4F45-9708-019B960494DF}">
+                <a14:hiddenLine xmlns:a14="http://schemas.microsoft.com/office/drawing/2010/main" w="9525">
+                  <a:solidFill>
+                    <a:srgbClr val="000000"/>
+                  </a:solidFill>
+                  <a:miter lim="800000"/>
+                  <a:headEnd/>
+                  <a:tailEnd/>
+                </a14:hiddenLine>
+              </a:ext>
+            </a:extLst>
+          </p:spPr>
+        </p:pic>
+        <p:sp>
+          <p:nvSpPr>
+            <p:cNvPr id="26" name="Right Arrow 25"/>
+            <p:cNvSpPr/>
+            <p:nvPr/>
+          </p:nvSpPr>
+          <p:spPr>
+            <a:xfrm>
+              <a:off x="6106160" y="5280764"/>
+              <a:ext cx="934720" cy="182880"/>
+            </a:xfrm>
+            <a:prstGeom prst="rightArrow">
+              <a:avLst/>
+            </a:prstGeom>
+          </p:spPr>
+          <p:style>
+            <a:lnRef idx="2">
+              <a:schemeClr val="accent1">
+                <a:shade val="50000"/>
+              </a:schemeClr>
+            </a:lnRef>
+            <a:fillRef idx="1">
+              <a:schemeClr val="accent1"/>
+            </a:fillRef>
+            <a:effectRef idx="0">
+              <a:schemeClr val="accent1"/>
+            </a:effectRef>
+            <a:fontRef idx="minor">
+              <a:schemeClr val="lt1"/>
+            </a:fontRef>
+          </p:style>
+          <p:txBody>
+            <a:bodyPr rtlCol="0" anchor="ctr"/>
+            <a:lstStyle/>
+            <a:p>
+              <a:pPr algn="ctr"/>
+              <a:endParaRPr lang="zh-CN" altLang="en-US"/>
+            </a:p>
+          </p:txBody>
+        </p:sp>
+        <p:pic>
+          <p:nvPicPr>
+            <p:cNvPr id="27" name="Picture 3" descr="parsing_tree"/>
+            <p:cNvPicPr>
+              <a:picLocks noChangeAspect="1" noChangeArrowheads="1"/>
+            </p:cNvPicPr>
+            <p:nvPr/>
+          </p:nvPicPr>
+          <p:blipFill rotWithShape="1">
+            <a:blip r:embed="rId2">
+              <a:extLst>
+                <a:ext uri="{28A0092B-C50C-407E-A947-70E740481C1C}">
+                  <a14:useLocalDpi xmlns:a14="http://schemas.microsoft.com/office/drawing/2010/main" val="0"/>
+                </a:ext>
+              </a:extLst>
+            </a:blip>
+            <a:srcRect l="39256" t="12921" r="51546" b="83165"/>
+            <a:stretch/>
+          </p:blipFill>
+          <p:spPr bwMode="auto">
+            <a:xfrm>
+              <a:off x="10426519" y="5180012"/>
+              <a:ext cx="1062430" cy="386080"/>
+            </a:xfrm>
+            <a:prstGeom prst="rect">
+              <a:avLst/>
+            </a:prstGeom>
+            <a:noFill/>
+            <a:ln>
+              <a:noFill/>
+            </a:ln>
+            <a:extLst>
+              <a:ext uri="{909E8E84-426E-40DD-AFC4-6F175D3DCCD1}">
+                <a14:hiddenFill xmlns:a14="http://schemas.microsoft.com/office/drawing/2010/main">
+                  <a:solidFill>
+                    <a:srgbClr val="FFFFFF"/>
+                  </a:solidFill>
+                </a14:hiddenFill>
+              </a:ext>
+              <a:ext uri="{91240B29-F687-4F45-9708-019B960494DF}">
+                <a14:hiddenLine xmlns:a14="http://schemas.microsoft.com/office/drawing/2010/main" w="9525">
+                  <a:solidFill>
+                    <a:srgbClr val="000000"/>
+                  </a:solidFill>
+                  <a:miter lim="800000"/>
+                  <a:headEnd/>
+                  <a:tailEnd/>
+                </a14:hiddenLine>
+              </a:ext>
+            </a:extLst>
+          </p:spPr>
+        </p:pic>
+        <p:pic>
+          <p:nvPicPr>
+            <p:cNvPr id="28" name="Picture 3" descr="parsing_tree"/>
+            <p:cNvPicPr>
+              <a:picLocks noChangeAspect="1" noChangeArrowheads="1"/>
+            </p:cNvPicPr>
+            <p:nvPr/>
+          </p:nvPicPr>
+          <p:blipFill rotWithShape="1">
+            <a:blip r:embed="rId2">
+              <a:extLst>
+                <a:ext uri="{28A0092B-C50C-407E-A947-70E740481C1C}">
+                  <a14:useLocalDpi xmlns:a14="http://schemas.microsoft.com/office/drawing/2010/main" val="0"/>
+                </a:ext>
+              </a:extLst>
+            </a:blip>
+            <a:srcRect l="37284" t="12884" r="61045" b="83075"/>
+            <a:stretch/>
+          </p:blipFill>
+          <p:spPr bwMode="auto">
+            <a:xfrm>
+              <a:off x="8012760" y="5172857"/>
+              <a:ext cx="193000" cy="398693"/>
+            </a:xfrm>
+            <a:prstGeom prst="rect">
+              <a:avLst/>
+            </a:prstGeom>
+            <a:noFill/>
+            <a:ln>
+              <a:noFill/>
+            </a:ln>
+            <a:extLst>
+              <a:ext uri="{909E8E84-426E-40DD-AFC4-6F175D3DCCD1}">
+                <a14:hiddenFill xmlns:a14="http://schemas.microsoft.com/office/drawing/2010/main">
+                  <a:solidFill>
+                    <a:srgbClr val="FFFFFF"/>
+                  </a:solidFill>
+                </a14:hiddenFill>
+              </a:ext>
+              <a:ext uri="{91240B29-F687-4F45-9708-019B960494DF}">
+                <a14:hiddenLine xmlns:a14="http://schemas.microsoft.com/office/drawing/2010/main" w="9525">
+                  <a:solidFill>
+                    <a:srgbClr val="000000"/>
+                  </a:solidFill>
+                  <a:miter lim="800000"/>
+                  <a:headEnd/>
+                  <a:tailEnd/>
+                </a14:hiddenLine>
+              </a:ext>
+            </a:extLst>
+          </p:spPr>
+        </p:pic>
+        <p:sp>
+          <p:nvSpPr>
+            <p:cNvPr id="29" name="Plus 28"/>
+            <p:cNvSpPr/>
+            <p:nvPr/>
+          </p:nvSpPr>
+          <p:spPr>
+            <a:xfrm>
+              <a:off x="8874760" y="5140960"/>
+              <a:ext cx="660400" cy="477520"/>
+            </a:xfrm>
+            <a:prstGeom prst="mathPlus">
+              <a:avLst/>
+            </a:prstGeom>
+          </p:spPr>
+          <p:style>
+            <a:lnRef idx="2">
+              <a:schemeClr val="accent1">
+                <a:shade val="50000"/>
+              </a:schemeClr>
+            </a:lnRef>
+            <a:fillRef idx="1">
+              <a:schemeClr val="accent1"/>
+            </a:fillRef>
+            <a:effectRef idx="0">
+              <a:schemeClr val="accent1"/>
+            </a:effectRef>
+            <a:fontRef idx="minor">
+              <a:schemeClr val="lt1"/>
+            </a:fontRef>
+          </p:style>
+          <p:txBody>
+            <a:bodyPr rtlCol="0" anchor="ctr"/>
+            <a:lstStyle/>
+            <a:p>
+              <a:pPr algn="ctr"/>
+              <a:endParaRPr lang="zh-CN" altLang="en-US"/>
+            </a:p>
+          </p:txBody>
+        </p:sp>
+      </p:grpSp>
+      <p:grpSp>
+        <p:nvGrpSpPr>
+          <p:cNvPr id="39" name="Group 38"/>
+          <p:cNvGrpSpPr/>
+          <p:nvPr/>
+        </p:nvGrpSpPr>
+        <p:grpSpPr>
+          <a:xfrm>
+            <a:off x="4790441" y="5864678"/>
+            <a:ext cx="6488558" cy="477520"/>
+            <a:chOff x="4790441" y="5864678"/>
+            <a:chExt cx="6488558" cy="477520"/>
+          </a:xfrm>
+        </p:grpSpPr>
+        <p:pic>
+          <p:nvPicPr>
+            <p:cNvPr id="30" name="Picture 3" descr="parsing_tree"/>
+            <p:cNvPicPr>
+              <a:picLocks noChangeAspect="1" noChangeArrowheads="1"/>
+            </p:cNvPicPr>
+            <p:nvPr/>
+          </p:nvPicPr>
+          <p:blipFill rotWithShape="1">
+            <a:blip r:embed="rId2">
+              <a:extLst>
+                <a:ext uri="{28A0092B-C50C-407E-A947-70E740481C1C}">
+                  <a14:useLocalDpi xmlns:a14="http://schemas.microsoft.com/office/drawing/2010/main" val="0"/>
+                </a:ext>
+              </a:extLst>
+            </a:blip>
+            <a:srcRect l="39256" t="12921" r="51546" b="83165"/>
+            <a:stretch/>
+          </p:blipFill>
+          <p:spPr bwMode="auto">
+            <a:xfrm>
+              <a:off x="4790441" y="5907222"/>
+              <a:ext cx="1062430" cy="386080"/>
+            </a:xfrm>
+            <a:prstGeom prst="rect">
+              <a:avLst/>
+            </a:prstGeom>
+            <a:noFill/>
+            <a:ln>
+              <a:noFill/>
+            </a:ln>
+            <a:extLst>
+              <a:ext uri="{909E8E84-426E-40DD-AFC4-6F175D3DCCD1}">
+                <a14:hiddenFill xmlns:a14="http://schemas.microsoft.com/office/drawing/2010/main">
+                  <a:solidFill>
+                    <a:srgbClr val="FFFFFF"/>
+                  </a:solidFill>
+                </a14:hiddenFill>
+              </a:ext>
+              <a:ext uri="{91240B29-F687-4F45-9708-019B960494DF}">
+                <a14:hiddenLine xmlns:a14="http://schemas.microsoft.com/office/drawing/2010/main" w="9525">
+                  <a:solidFill>
+                    <a:srgbClr val="000000"/>
+                  </a:solidFill>
+                  <a:miter lim="800000"/>
+                  <a:headEnd/>
+                  <a:tailEnd/>
+                </a14:hiddenLine>
+              </a:ext>
+            </a:extLst>
+          </p:spPr>
+        </p:pic>
+        <p:sp>
+          <p:nvSpPr>
+            <p:cNvPr id="31" name="Right Arrow 30"/>
+            <p:cNvSpPr/>
+            <p:nvPr/>
+          </p:nvSpPr>
+          <p:spPr>
+            <a:xfrm>
+              <a:off x="6096000" y="6002972"/>
+              <a:ext cx="934720" cy="182880"/>
+            </a:xfrm>
+            <a:prstGeom prst="rightArrow">
+              <a:avLst/>
+            </a:prstGeom>
+          </p:spPr>
+          <p:style>
+            <a:lnRef idx="2">
+              <a:schemeClr val="accent1">
+                <a:shade val="50000"/>
+              </a:schemeClr>
+            </a:lnRef>
+            <a:fillRef idx="1">
+              <a:schemeClr val="accent1"/>
+            </a:fillRef>
+            <a:effectRef idx="0">
+              <a:schemeClr val="accent1"/>
+            </a:effectRef>
+            <a:fontRef idx="minor">
+              <a:schemeClr val="lt1"/>
+            </a:fontRef>
+          </p:style>
+          <p:txBody>
+            <a:bodyPr rtlCol="0" anchor="ctr"/>
+            <a:lstStyle/>
+            <a:p>
+              <a:pPr algn="ctr"/>
+              <a:endParaRPr lang="zh-CN" altLang="en-US"/>
+            </a:p>
+          </p:txBody>
+        </p:sp>
+        <p:pic>
+          <p:nvPicPr>
+            <p:cNvPr id="32" name="Picture 3" descr="parsing_tree"/>
+            <p:cNvPicPr>
+              <a:picLocks noChangeAspect="1" noChangeArrowheads="1"/>
+            </p:cNvPicPr>
+            <p:nvPr/>
+          </p:nvPicPr>
+          <p:blipFill rotWithShape="1">
+            <a:blip r:embed="rId2">
+              <a:extLst>
+                <a:ext uri="{28A0092B-C50C-407E-A947-70E740481C1C}">
+                  <a14:useLocalDpi xmlns:a14="http://schemas.microsoft.com/office/drawing/2010/main" val="0"/>
+                </a:ext>
+              </a:extLst>
+            </a:blip>
+            <a:srcRect l="39126" t="12776" r="59145" b="83165"/>
+            <a:stretch/>
+          </p:blipFill>
+          <p:spPr bwMode="auto">
+            <a:xfrm>
+              <a:off x="8006299" y="5872343"/>
+              <a:ext cx="199697" cy="400323"/>
+            </a:xfrm>
+            <a:prstGeom prst="rect">
+              <a:avLst/>
+            </a:prstGeom>
+            <a:noFill/>
+            <a:ln>
+              <a:noFill/>
+            </a:ln>
+            <a:extLst>
+              <a:ext uri="{909E8E84-426E-40DD-AFC4-6F175D3DCCD1}">
+                <a14:hiddenFill xmlns:a14="http://schemas.microsoft.com/office/drawing/2010/main">
+                  <a:solidFill>
+                    <a:srgbClr val="FFFFFF"/>
+                  </a:solidFill>
+                </a14:hiddenFill>
+              </a:ext>
+              <a:ext uri="{91240B29-F687-4F45-9708-019B960494DF}">
+                <a14:hiddenLine xmlns:a14="http://schemas.microsoft.com/office/drawing/2010/main" w="9525">
+                  <a:solidFill>
+                    <a:srgbClr val="000000"/>
+                  </a:solidFill>
+                  <a:miter lim="800000"/>
+                  <a:headEnd/>
+                  <a:tailEnd/>
+                </a14:hiddenLine>
+              </a:ext>
+            </a:extLst>
+          </p:spPr>
+        </p:pic>
+        <p:sp>
+          <p:nvSpPr>
+            <p:cNvPr id="33" name="Plus 32"/>
+            <p:cNvSpPr/>
+            <p:nvPr/>
+          </p:nvSpPr>
+          <p:spPr>
+            <a:xfrm>
+              <a:off x="8874760" y="5864678"/>
+              <a:ext cx="660400" cy="477520"/>
+            </a:xfrm>
+            <a:prstGeom prst="mathPlus">
+              <a:avLst/>
+            </a:prstGeom>
+          </p:spPr>
+          <p:style>
+            <a:lnRef idx="2">
+              <a:schemeClr val="accent1">
+                <a:shade val="50000"/>
+              </a:schemeClr>
+            </a:lnRef>
+            <a:fillRef idx="1">
+              <a:schemeClr val="accent1"/>
+            </a:fillRef>
+            <a:effectRef idx="0">
+              <a:schemeClr val="accent1"/>
+            </a:effectRef>
+            <a:fontRef idx="minor">
+              <a:schemeClr val="lt1"/>
+            </a:fontRef>
+          </p:style>
+          <p:txBody>
+            <a:bodyPr rtlCol="0" anchor="ctr"/>
+            <a:lstStyle/>
+            <a:p>
+              <a:pPr algn="ctr"/>
+              <a:endParaRPr lang="zh-CN" altLang="en-US"/>
+            </a:p>
+          </p:txBody>
+        </p:sp>
+        <p:pic>
+          <p:nvPicPr>
+            <p:cNvPr id="34" name="Picture 3" descr="parsing_tree"/>
+            <p:cNvPicPr>
+              <a:picLocks noChangeAspect="1" noChangeArrowheads="1"/>
+            </p:cNvPicPr>
+            <p:nvPr/>
+          </p:nvPicPr>
+          <p:blipFill rotWithShape="1">
+            <a:blip r:embed="rId2">
+              <a:extLst>
+                <a:ext uri="{28A0092B-C50C-407E-A947-70E740481C1C}">
+                  <a14:useLocalDpi xmlns:a14="http://schemas.microsoft.com/office/drawing/2010/main" val="0"/>
+                </a:ext>
+              </a:extLst>
+            </a:blip>
+            <a:srcRect l="41073" t="12921" r="51546" b="83165"/>
+            <a:stretch/>
+          </p:blipFill>
+          <p:spPr bwMode="auto">
+            <a:xfrm>
+              <a:off x="10426519" y="5879918"/>
+              <a:ext cx="852480" cy="386080"/>
+            </a:xfrm>
+            <a:prstGeom prst="rect">
+              <a:avLst/>
+            </a:prstGeom>
+            <a:noFill/>
+            <a:ln>
+              <a:noFill/>
+            </a:ln>
+            <a:extLst>
+              <a:ext uri="{909E8E84-426E-40DD-AFC4-6F175D3DCCD1}">
+                <a14:hiddenFill xmlns:a14="http://schemas.microsoft.com/office/drawing/2010/main">
+                  <a:solidFill>
+                    <a:srgbClr val="FFFFFF"/>
+                  </a:solidFill>
+                </a14:hiddenFill>
+              </a:ext>
+              <a:ext uri="{91240B29-F687-4F45-9708-019B960494DF}">
+                <a14:hiddenLine xmlns:a14="http://schemas.microsoft.com/office/drawing/2010/main" w="9525">
+                  <a:solidFill>
+                    <a:srgbClr val="000000"/>
+                  </a:solidFill>
+                  <a:miter lim="800000"/>
+                  <a:headEnd/>
+                  <a:tailEnd/>
+                </a14:hiddenLine>
+              </a:ext>
+            </a:extLst>
+          </p:spPr>
+        </p:pic>
+      </p:grpSp>
+    </p:spTree>
+    <p:extLst>
+      <p:ext uri="{BB962C8B-B14F-4D97-AF65-F5344CB8AC3E}">
+        <p14:creationId xmlns:p14="http://schemas.microsoft.com/office/powerpoint/2010/main" val="2881049701"/>
+      </p:ext>
+    </p:extLst>
+  </p:cSld>
+  <p:clrMapOvr>
+    <a:masterClrMapping/>
+  </p:clrMapOvr>
+  <p:timing>
+    <p:tnLst>
+      <p:par>
+        <p:cTn id="1" dur="indefinite" restart="never" nodeType="tmRoot"/>
+      </p:par>
+    </p:tnLst>
+  </p:timing>
+</p:sld>
+</file>
+
+<file path=ppt/slides/slide7.xml><?xml version="1.0" encoding="utf-8"?>
+<p:sld xmlns:a="http://schemas.openxmlformats.org/drawingml/2006/main" xmlns:r="http://schemas.openxmlformats.org/officeDocument/2006/relationships" xmlns:p="http://schemas.openxmlformats.org/presentationml/2006/main">
+  <p:cSld>
+    <p:spTree>
+      <p:nvGrpSpPr>
+        <p:cNvPr id="1" name=""/>
+        <p:cNvGrpSpPr/>
+        <p:nvPr/>
+      </p:nvGrpSpPr>
+      <p:grpSpPr>
+        <a:xfrm>
+          <a:off x="0" y="0"/>
+          <a:ext cx="0" cy="0"/>
+          <a:chOff x="0" y="0"/>
+          <a:chExt cx="0" cy="0"/>
+        </a:xfrm>
+      </p:grpSpPr>
+      <p:sp>
+        <p:nvSpPr>
+          <p:cNvPr id="2" name="Title 1"/>
+          <p:cNvSpPr>
+            <a:spLocks noGrp="1"/>
+          </p:cNvSpPr>
+          <p:nvPr>
+            <p:ph type="title"/>
+          </p:nvPr>
+        </p:nvSpPr>
+        <p:spPr/>
+        <p:txBody>
+          <a:bodyPr/>
+          <a:lstStyle/>
+          <a:p>
+            <a:r>
+              <a:rPr lang="zh-CN" altLang="en-US" dirty="0"/>
+              <a:t>二</a:t>
+            </a:r>
+            <a:r>
+              <a:rPr lang="zh-CN" altLang="en-US" dirty="0" smtClean="0"/>
+              <a:t>分形状语义的剖分过程</a:t>
+            </a:r>
+            <a:endParaRPr lang="zh-CN" altLang="en-US" dirty="0"/>
+          </a:p>
+        </p:txBody>
+      </p:sp>
+      <p:sp>
+        <p:nvSpPr>
+          <p:cNvPr id="3" name="Content Placeholder 2"/>
+          <p:cNvSpPr>
+            <a:spLocks noGrp="1"/>
+          </p:cNvSpPr>
+          <p:nvPr>
+            <p:ph idx="1"/>
+          </p:nvPr>
+        </p:nvSpPr>
+        <p:spPr/>
+        <p:txBody>
+          <a:bodyPr/>
+          <a:lstStyle/>
+          <a:p>
+            <a:pPr marL="285750" indent="-285750">
+              <a:buClr>
+                <a:srgbClr val="00B050"/>
+              </a:buClr>
+              <a:buFont typeface="Wingdings" panose="05000000000000000000" pitchFamily="2" charset="2"/>
+              <a:buChar char="u"/>
+            </a:pPr>
+            <a:r>
+              <a:rPr lang="zh-CN" altLang="en-US" dirty="0"/>
+              <a:t>对初</a:t>
+            </a:r>
+            <a:r>
+              <a:rPr lang="zh-CN" altLang="en-US" dirty="0" smtClean="0"/>
+              <a:t>始形状应用一系列的语义规则，直到所有的子形状全部为终端形状（不可继续剖分），便可以完成对建筑立面的建模。得到的结果可以表示成二叉树的形式</a:t>
+            </a:r>
+            <a:endParaRPr lang="en-US" altLang="zh-CN" dirty="0" smtClean="0"/>
+          </a:p>
+          <a:p>
+            <a:pPr marL="285750" indent="-285750">
+              <a:buClr>
+                <a:srgbClr val="00B050"/>
+              </a:buClr>
+              <a:buFont typeface="Wingdings" panose="05000000000000000000" pitchFamily="2" charset="2"/>
+              <a:buChar char="u"/>
+            </a:pPr>
+            <a:r>
+              <a:rPr lang="zh-CN" altLang="en-US" dirty="0"/>
+              <a:t>问</a:t>
+            </a:r>
+            <a:r>
+              <a:rPr lang="zh-CN" altLang="en-US" dirty="0" smtClean="0"/>
+              <a:t>题是：给定一个建筑立面如何求得最佳的剖分树（语义规则的应用序列）？</a:t>
+            </a:r>
+            <a:endParaRPr lang="zh-CN" altLang="en-US" dirty="0"/>
+          </a:p>
+        </p:txBody>
+      </p:sp>
+      <p:pic>
+        <p:nvPicPr>
+          <p:cNvPr id="3074" name="Picture 2"/>
+          <p:cNvPicPr>
+            <a:picLocks noChangeAspect="1" noChangeArrowheads="1"/>
+          </p:cNvPicPr>
+          <p:nvPr/>
+        </p:nvPicPr>
+        <p:blipFill>
+          <a:blip r:embed="rId2">
+            <a:extLst>
+              <a:ext uri="{28A0092B-C50C-407E-A947-70E740481C1C}">
+                <a14:useLocalDpi xmlns:a14="http://schemas.microsoft.com/office/drawing/2010/main" val="0"/>
+              </a:ext>
+            </a:extLst>
+          </a:blip>
+          <a:srcRect/>
+          <a:stretch>
+            <a:fillRect/>
+          </a:stretch>
+        </p:blipFill>
+        <p:spPr bwMode="auto">
+          <a:xfrm>
+            <a:off x="6233160" y="1520508"/>
+            <a:ext cx="5943600" cy="5076825"/>
+          </a:xfrm>
+          <a:prstGeom prst="rect">
+            <a:avLst/>
+          </a:prstGeom>
+          <a:noFill/>
+          <a:ln>
+            <a:noFill/>
+          </a:ln>
+          <a:effectLst/>
+          <a:extLst>
+            <a:ext uri="{909E8E84-426E-40DD-AFC4-6F175D3DCCD1}">
+              <a14:hiddenFill xmlns:a14="http://schemas.microsoft.com/office/drawing/2010/main">
+                <a:solidFill>
+                  <a:schemeClr val="accent1"/>
+                </a:solidFill>
+              </a14:hiddenFill>
+            </a:ext>
+            <a:ext uri="{91240B29-F687-4F45-9708-019B960494DF}">
+              <a14:hiddenLine xmlns:a14="http://schemas.microsoft.com/office/drawing/2010/main" w="9525">
+                <a:solidFill>
+                  <a:schemeClr val="tx1"/>
+                </a:solidFill>
+                <a:miter lim="800000"/>
+                <a:headEnd/>
+                <a:tailEnd/>
+              </a14:hiddenLine>
+            </a:ext>
+            <a:ext uri="{AF507438-7753-43E0-B8FC-AC1667EBCBE1}">
+              <a14:hiddenEffects xmlns:a14="http://schemas.microsoft.com/office/drawing/2010/main">
+                <a:effectLst>
+                  <a:outerShdw dist="35921" dir="2700000" algn="ctr" rotWithShape="0">
+                    <a:schemeClr val="bg2"/>
+                  </a:outerShdw>
+                </a:effectLst>
+              </a14:hiddenEffects>
+            </a:ext>
+          </a:extLst>
+        </p:spPr>
+      </p:pic>
+    </p:spTree>
+    <p:extLst>
+      <p:ext uri="{BB962C8B-B14F-4D97-AF65-F5344CB8AC3E}">
+        <p14:creationId xmlns:p14="http://schemas.microsoft.com/office/powerpoint/2010/main" val="1222327985"/>
+      </p:ext>
+    </p:extLst>
+  </p:cSld>
+  <p:clrMapOvr>
+    <a:masterClrMapping/>
+  </p:clrMapOvr>
+  <p:timing>
+    <p:tnLst>
+      <p:par>
+        <p:cTn id="1" dur="indefinite" restart="never" nodeType="tmRoot"/>
+      </p:par>
+    </p:tnLst>
+  </p:timing>
+</p:sld>
+</file>
+
+<file path=ppt/slides/slide8.xml><?xml version="1.0" encoding="utf-8"?>
+<p:sld xmlns:a="http://schemas.openxmlformats.org/drawingml/2006/main" xmlns:r="http://schemas.openxmlformats.org/officeDocument/2006/relationships" xmlns:p="http://schemas.openxmlformats.org/presentationml/2006/main">
+  <p:cSld>
+    <p:spTree>
+      <p:nvGrpSpPr>
+        <p:cNvPr id="1" name=""/>
+        <p:cNvGrpSpPr/>
+        <p:nvPr/>
+      </p:nvGrpSpPr>
+      <p:grpSpPr>
+        <a:xfrm>
+          <a:off x="0" y="0"/>
+          <a:ext cx="0" cy="0"/>
+          <a:chOff x="0" y="0"/>
+          <a:chExt cx="0" cy="0"/>
+        </a:xfrm>
+      </p:grpSpPr>
+      <p:sp>
+        <p:nvSpPr>
+          <p:cNvPr id="2" name="标题 1"/>
+          <p:cNvSpPr>
+            <a:spLocks noGrp="1"/>
+          </p:cNvSpPr>
+          <p:nvPr>
+            <p:ph type="title"/>
+          </p:nvPr>
+        </p:nvSpPr>
+        <p:spPr/>
+        <p:txBody>
+          <a:bodyPr/>
+          <a:lstStyle/>
+          <a:p>
+            <a:r>
+              <a:rPr lang="zh-CN" altLang="en-US" dirty="0" smtClean="0">
+                <a:latin typeface="Microsoft YaHei UI" panose="020B0503020204020204" pitchFamily="34" charset="-122"/>
+                <a:ea typeface="Microsoft YaHei UI" panose="020B0503020204020204" pitchFamily="34" charset="-122"/>
+              </a:rPr>
+              <a:t>最佳形状语义求解</a:t>
+            </a:r>
+            <a:endParaRPr lang="zh-CN" dirty="0">
+              <a:latin typeface="Microsoft YaHei UI" panose="020B0503020204020204" pitchFamily="34" charset="-122"/>
+              <a:ea typeface="Microsoft YaHei UI" panose="020B0503020204020204" pitchFamily="34" charset="-122"/>
+            </a:endParaRPr>
+          </a:p>
+        </p:txBody>
+      </p:sp>
+      <p:sp>
+        <p:nvSpPr>
+          <p:cNvPr id="3" name="内容占位符 2"/>
+          <p:cNvSpPr>
+            <a:spLocks noGrp="1"/>
+          </p:cNvSpPr>
+          <p:nvPr>
+            <p:ph idx="1"/>
+          </p:nvPr>
+        </p:nvSpPr>
+        <p:spPr/>
+        <p:txBody>
+          <a:bodyPr/>
+          <a:lstStyle/>
+          <a:p>
+            <a:r>
+              <a:rPr lang="zh-CN" dirty="0">
+                <a:latin typeface="Microsoft YaHei UI" panose="020B0503020204020204" pitchFamily="34" charset="-122"/>
+                <a:ea typeface="Microsoft YaHei UI" panose="020B0503020204020204" pitchFamily="34" charset="-122"/>
+              </a:rPr>
+              <a:t>可从不同的计算机与其他人在同一时间协作进行编辑，而且会话功能改进了注释系统。 </a:t>
+            </a:r>
+          </a:p>
+          <a:p>
+            <a:r>
+              <a:rPr lang="zh-CN" dirty="0">
+                <a:latin typeface="Microsoft YaHei UI" panose="020B0503020204020204" pitchFamily="34" charset="-122"/>
+                <a:ea typeface="Microsoft YaHei UI" panose="020B0503020204020204" pitchFamily="34" charset="-122"/>
+              </a:rPr>
+              <a:t>在线共享很简单。即使您的观众没有安装 PowerPoint，也可以使用“联机演示”将幻灯片映射到他们的浏览器供其观看。</a:t>
+            </a:r>
+          </a:p>
+          <a:p>
+            <a:r>
+              <a:rPr lang="zh-CN" dirty="0">
+                <a:latin typeface="Microsoft YaHei UI" panose="020B0503020204020204" pitchFamily="34" charset="-122"/>
+                <a:ea typeface="Microsoft YaHei UI" panose="020B0503020204020204" pitchFamily="34" charset="-122"/>
+              </a:rPr>
+              <a:t>可从不同位置在同一时间与其他人协同工作，而无论您是使用自己桌面上的 PowerPoint 还是使用 PowerPoint Web App。</a:t>
+            </a:r>
+          </a:p>
+        </p:txBody>
+      </p:sp>
+      <p:pic>
+        <p:nvPicPr>
+          <p:cNvPr id="6" name="图片 5"/>
+          <p:cNvPicPr>
+            <a:picLocks noChangeAspect="1"/>
+          </p:cNvPicPr>
+          <p:nvPr/>
+        </p:nvPicPr>
+        <p:blipFill>
+          <a:blip r:embed="rId2">
+            <a:extLst>
+              <a:ext uri="{28A0092B-C50C-407E-A947-70E740481C1C}">
+                <a14:useLocalDpi xmlns:a14="http://schemas.microsoft.com/office/drawing/2010/main" val="0"/>
+              </a:ext>
+            </a:extLst>
+          </a:blip>
+          <a:stretch>
+            <a:fillRect/>
+          </a:stretch>
+        </p:blipFill>
+        <p:spPr>
+          <a:xfrm>
+            <a:off x="5343527" y="2029620"/>
+            <a:ext cx="6010276" cy="3943349"/>
+          </a:xfrm>
+          <a:prstGeom prst="rect">
+            <a:avLst/>
+          </a:prstGeom>
+        </p:spPr>
+      </p:pic>
+    </p:spTree>
+    <p:extLst>
+      <p:ext uri="{BB962C8B-B14F-4D97-AF65-F5344CB8AC3E}">
+        <p14:creationId xmlns:p14="http://schemas.microsoft.com/office/powerpoint/2010/main" val="1531532291"/>
+      </p:ext>
+    </p:extLst>
+  </p:cSld>
+  <p:clrMapOvr>
+    <a:masterClrMapping/>
+  </p:clrMapOvr>
+  <mc:AlternateContent xmlns:mc="http://schemas.openxmlformats.org/markup-compatibility/2006" xmlns:p14="http://schemas.microsoft.com/office/powerpoint/2010/main">
+    <mc:Choice Requires="p14">
+      <p:transition p14:dur="0"/>
+    </mc:Choice>
+    <mc:Fallback xmlns="">
+      <p:transition/>
+    </mc:Fallback>
+  </mc:AlternateContent>
+  <p:timing>
+    <p:tnLst>
+      <p:par>
+        <p:cTn id="1" dur="indefinite" restart="never" nodeType="tmRoot"/>
+      </p:par>
+    </p:tnLst>
+  </p:timing>
+</p:sld>
+</file>
+
+<file path=ppt/slides/slide9.xml><?xml version="1.0" encoding="utf-8"?>
+<p:sld xmlns:a="http://schemas.openxmlformats.org/drawingml/2006/main" xmlns:r="http://schemas.openxmlformats.org/officeDocument/2006/relationships" xmlns:p="http://schemas.openxmlformats.org/presentationml/2006/main">
+  <p:cSld>
+    <p:spTree>
+      <p:nvGrpSpPr>
+        <p:cNvPr id="1" name=""/>
+        <p:cNvGrpSpPr/>
+        <p:nvPr/>
+      </p:nvGrpSpPr>
+      <p:grpSpPr>
+        <a:xfrm>
+          <a:off x="0" y="0"/>
+          <a:ext cx="0" cy="0"/>
+          <a:chOff x="0" y="0"/>
+          <a:chExt cx="0" cy="0"/>
+        </a:xfrm>
+      </p:grpSpPr>
+      <p:sp>
+        <p:nvSpPr>
+          <p:cNvPr id="2" name="标题 1"/>
+          <p:cNvSpPr>
+            <a:spLocks noGrp="1"/>
+          </p:cNvSpPr>
+          <p:nvPr>
+            <p:ph type="title"/>
+          </p:nvPr>
+        </p:nvSpPr>
+        <p:spPr/>
+        <p:txBody>
+          <a:bodyPr/>
+          <a:lstStyle/>
+          <a:p>
+            <a:r>
+              <a:rPr lang="zh-CN" altLang="en-US" dirty="0"/>
+              <a:t>马尔科</a:t>
+            </a:r>
+            <a:r>
+              <a:rPr lang="zh-CN" altLang="en-US" dirty="0" smtClean="0"/>
+              <a:t>夫决策过程</a:t>
+            </a:r>
+            <a:endParaRPr lang="zh-CN" altLang="en-US" dirty="0"/>
+          </a:p>
+        </p:txBody>
+      </p:sp>
+      <p:pic>
+        <p:nvPicPr>
+          <p:cNvPr id="4098" name="Picture 2"/>
+          <p:cNvPicPr>
+            <a:picLocks noGrp="1" noChangeAspect="1" noChangeArrowheads="1"/>
+          </p:cNvPicPr>
+          <p:nvPr>
+            <p:ph idx="1"/>
+          </p:nvPr>
+        </p:nvPicPr>
+        <p:blipFill>
+          <a:blip r:embed="rId2">
+            <a:extLst>
+              <a:ext uri="{28A0092B-C50C-407E-A947-70E740481C1C}">
+                <a14:useLocalDpi xmlns:a14="http://schemas.microsoft.com/office/drawing/2010/main" val="0"/>
+              </a:ext>
+            </a:extLst>
+          </a:blip>
+          <a:srcRect/>
+          <a:stretch>
+            <a:fillRect/>
+          </a:stretch>
+        </p:blipFill>
+        <p:spPr bwMode="auto">
+          <a:xfrm>
+            <a:off x="7117080" y="2857083"/>
+            <a:ext cx="4167188" cy="1577222"/>
+          </a:xfrm>
+          <a:prstGeom prst="rect">
+            <a:avLst/>
+          </a:prstGeom>
+          <a:noFill/>
+          <a:ln>
+            <a:noFill/>
+          </a:ln>
+          <a:effectLst/>
+          <a:extLst>
+            <a:ext uri="{909E8E84-426E-40DD-AFC4-6F175D3DCCD1}">
+              <a14:hiddenFill xmlns:a14="http://schemas.microsoft.com/office/drawing/2010/main">
+                <a:solidFill>
+                  <a:schemeClr val="accent1"/>
+                </a:solidFill>
+              </a14:hiddenFill>
+            </a:ext>
+            <a:ext uri="{91240B29-F687-4F45-9708-019B960494DF}">
+              <a14:hiddenLine xmlns:a14="http://schemas.microsoft.com/office/drawing/2010/main" w="9525">
+                <a:solidFill>
+                  <a:schemeClr val="tx1"/>
+                </a:solidFill>
+                <a:miter lim="800000"/>
+                <a:headEnd/>
+                <a:tailEnd/>
+              </a14:hiddenLine>
+            </a:ext>
+            <a:ext uri="{AF507438-7753-43E0-B8FC-AC1667EBCBE1}">
+              <a14:hiddenEffects xmlns:a14="http://schemas.microsoft.com/office/drawing/2010/main">
+                <a:effectLst>
+                  <a:outerShdw dist="35921" dir="2700000" algn="ctr" rotWithShape="0">
+                    <a:schemeClr val="bg2"/>
+                  </a:outerShdw>
+                </a:effectLst>
+              </a14:hiddenEffects>
+            </a:ext>
+          </a:extLst>
+        </p:spPr>
+      </p:pic>
+    </p:spTree>
+    <p:extLst>
+      <p:ext uri="{BB962C8B-B14F-4D97-AF65-F5344CB8AC3E}">
+        <p14:creationId xmlns:p14="http://schemas.microsoft.com/office/powerpoint/2010/main" val="4005094678"/>
+      </p:ext>
+    </p:extLst>
+  </p:cSld>
+  <p:clrMapOvr>
+    <a:masterClrMapping/>
+  </p:clrMapOvr>
   <p:timing>
     <p:tnLst>
       <p:par>
@@ -6753,7 +10696,7 @@
   <a:extraClrSchemeLst/>
   <a:extLst>
     <a:ext uri="{05A4C25C-085E-4340-85A3-A5531E510DB2}">
-      <thm15:themeFamily xmlns:thm15="http://schemas.microsoft.com/office/thememl/2012/main" name="WelcomeDoc" id="{E1E7EDF9-8B79-4E5D-B508-2301E35CD219}" vid="{4342E303-0389-44F2-B6F0-C13C203CC598}"/>
+      <thm15:themeFamily xmlns:thm15="http://schemas.microsoft.com/office/thememl/2012/main" xmlns="" name="WelcomeDoc" id="{E1E7EDF9-8B79-4E5D-B508-2301E35CD219}" vid="{4342E303-0389-44F2-B6F0-C13C203CC598}"/>
     </a:ext>
   </a:extLst>
 </a:theme>
@@ -7014,7 +10957,7 @@
   <a:extraClrSchemeLst/>
   <a:extLst>
     <a:ext uri="{05A4C25C-085E-4340-85A3-A5531E510DB2}">
-      <thm15:themeFamily xmlns:thm15="http://schemas.microsoft.com/office/thememl/2012/main" name="Office Theme" id="{62F939B6-93AF-4DB8-9C6B-D6C7DFDC589F}" vid="{4A3C46E8-61CC-4603-A589-7422A47A8E4A}"/>
+      <thm15:themeFamily xmlns:thm15="http://schemas.microsoft.com/office/thememl/2012/main" xmlns="" name="Office Theme" id="{62F939B6-93AF-4DB8-9C6B-D6C7DFDC589F}" vid="{4A3C46E8-61CC-4603-A589-7422A47A8E4A}"/>
     </a:ext>
   </a:extLst>
 </a:theme>

--- a/基于形状语义和增强学习的建筑.pptx
+++ b/基于形状语义和增强学习的建筑.pptx
@@ -1716,7 +1716,7 @@
   <dgm:whole/>
   <dgm:extLst>
     <a:ext uri="http://schemas.microsoft.com/office/drawing/2008/diagram">
-      <dsp:dataModelExt xmlns:dsp="http://schemas.microsoft.com/office/drawing/2008/diagram" relId="rId6" minVer="http://schemas.openxmlformats.org/drawingml/2006/diagram"/>
+      <dsp:dataModelExt xmlns:dsp="http://schemas.microsoft.com/office/drawing/2008/diagram" relId="rId7" minVer="http://schemas.openxmlformats.org/drawingml/2006/diagram"/>
     </a:ext>
   </dgm:extLst>
 </dgm:dataModel>
@@ -4523,7 +4523,7 @@
           </a:lstStyle>
           <a:p>
             <a:fld id="{EC13577B-6902-467D-A26C-08A0DD5E4E03}" type="datetimeFigureOut">
-              <a:t>2014/5/10</a:t>
+              <a:t>2014/5/11</a:t>
             </a:fld>
             <a:endParaRPr lang="zh-CN"/>
           </a:p>
@@ -4838,6 +4838,10 @@
           <a:bodyPr/>
           <a:lstStyle/>
           <a:p>
+            <a:r>
+              <a:rPr lang="zh-CN" altLang="en-US" dirty="0" smtClean="0"/>
+              <a:t>各位评审老师、各位同学，大家上午好！我叫徐翔，来自地理信息系统专业。我的毕业设计的题目是基于形状语义和增强学习的建筑立面点云解译与重建的方法，在此我要感谢张立强教授的不辞辛劳的指导，使我不断地提升自我，收获了许多。</a:t>
+            </a:r>
             <a:endParaRPr lang="zh-CN" dirty="0"/>
           </a:p>
         </p:txBody>
@@ -4869,6 +4873,2031 @@
     <p:extLst>
       <p:ext uri="{BB962C8B-B14F-4D97-AF65-F5344CB8AC3E}">
         <p14:creationId xmlns:p14="http://schemas.microsoft.com/office/powerpoint/2010/main" val="1011769815"/>
+      </p:ext>
+    </p:extLst>
+  </p:cSld>
+  <p:clrMapOvr>
+    <a:masterClrMapping/>
+  </p:clrMapOvr>
+</p:notes>
+</file>
+
+<file path=ppt/notesSlides/notesSlide10.xml><?xml version="1.0" encoding="utf-8"?>
+<p:notes xmlns:a="http://schemas.openxmlformats.org/drawingml/2006/main" xmlns:r="http://schemas.openxmlformats.org/officeDocument/2006/relationships" xmlns:p="http://schemas.openxmlformats.org/presentationml/2006/main">
+  <p:cSld>
+    <p:spTree>
+      <p:nvGrpSpPr>
+        <p:cNvPr id="1" name=""/>
+        <p:cNvGrpSpPr/>
+        <p:nvPr/>
+      </p:nvGrpSpPr>
+      <p:grpSpPr>
+        <a:xfrm>
+          <a:off x="0" y="0"/>
+          <a:ext cx="0" cy="0"/>
+          <a:chOff x="0" y="0"/>
+          <a:chExt cx="0" cy="0"/>
+        </a:xfrm>
+      </p:grpSpPr>
+      <p:sp>
+        <p:nvSpPr>
+          <p:cNvPr id="2" name="幻灯片图像占位符 1"/>
+          <p:cNvSpPr>
+            <a:spLocks noGrp="1" noRot="1" noChangeAspect="1"/>
+          </p:cNvSpPr>
+          <p:nvPr>
+            <p:ph type="sldImg"/>
+          </p:nvPr>
+        </p:nvSpPr>
+        <p:spPr/>
+      </p:sp>
+      <p:sp>
+        <p:nvSpPr>
+          <p:cNvPr id="3" name="备注占位符 2"/>
+          <p:cNvSpPr>
+            <a:spLocks noGrp="1"/>
+          </p:cNvSpPr>
+          <p:nvPr>
+            <p:ph type="body" idx="1"/>
+          </p:nvPr>
+        </p:nvSpPr>
+        <p:spPr/>
+        <p:txBody>
+          <a:bodyPr/>
+          <a:lstStyle/>
+          <a:p>
+            <a:r>
+              <a:rPr lang="zh-CN" altLang="en-US" dirty="0" smtClean="0"/>
+              <a:t>下面展示实验的结果。</a:t>
+            </a:r>
+            <a:endParaRPr lang="en-US" altLang="zh-CN" dirty="0" smtClean="0"/>
+          </a:p>
+          <a:p>
+            <a:r>
+              <a:rPr lang="zh-CN" altLang="en-US" dirty="0" smtClean="0"/>
+              <a:t>这是矿业大学图书馆的一个立面，形状语义解译的结果，重建结果。注意到该建筑的最下面一层和上面几层是不对称的，下面的窗户会比较大，我们的算法恢复这种情况。</a:t>
+            </a:r>
+            <a:endParaRPr lang="zh-CN" altLang="en-US" dirty="0"/>
+          </a:p>
+        </p:txBody>
+      </p:sp>
+      <p:sp>
+        <p:nvSpPr>
+          <p:cNvPr id="4" name="灯片编号占位符 3"/>
+          <p:cNvSpPr>
+            <a:spLocks noGrp="1"/>
+          </p:cNvSpPr>
+          <p:nvPr>
+            <p:ph type="sldNum" sz="quarter" idx="10"/>
+          </p:nvPr>
+        </p:nvSpPr>
+        <p:spPr/>
+        <p:txBody>
+          <a:bodyPr/>
+          <a:lstStyle/>
+          <a:p>
+            <a:fld id="{DF61EA0F-A667-4B49-8422-0062BC55E249}" type="slidenum">
+              <a:rPr lang="en-US" altLang="zh-CN" smtClean="0"/>
+              <a:t>10</a:t>
+            </a:fld>
+            <a:endParaRPr lang="zh-CN" altLang="en-US"/>
+          </a:p>
+        </p:txBody>
+      </p:sp>
+    </p:spTree>
+    <p:extLst>
+      <p:ext uri="{BB962C8B-B14F-4D97-AF65-F5344CB8AC3E}">
+        <p14:creationId xmlns:p14="http://schemas.microsoft.com/office/powerpoint/2010/main" val="3528958498"/>
+      </p:ext>
+    </p:extLst>
+  </p:cSld>
+  <p:clrMapOvr>
+    <a:masterClrMapping/>
+  </p:clrMapOvr>
+</p:notes>
+</file>
+
+<file path=ppt/notesSlides/notesSlide11.xml><?xml version="1.0" encoding="utf-8"?>
+<p:notes xmlns:a="http://schemas.openxmlformats.org/drawingml/2006/main" xmlns:r="http://schemas.openxmlformats.org/officeDocument/2006/relationships" xmlns:p="http://schemas.openxmlformats.org/presentationml/2006/main">
+  <p:cSld>
+    <p:spTree>
+      <p:nvGrpSpPr>
+        <p:cNvPr id="1" name=""/>
+        <p:cNvGrpSpPr/>
+        <p:nvPr/>
+      </p:nvGrpSpPr>
+      <p:grpSpPr>
+        <a:xfrm>
+          <a:off x="0" y="0"/>
+          <a:ext cx="0" cy="0"/>
+          <a:chOff x="0" y="0"/>
+          <a:chExt cx="0" cy="0"/>
+        </a:xfrm>
+      </p:grpSpPr>
+      <p:sp>
+        <p:nvSpPr>
+          <p:cNvPr id="2" name="幻灯片图像占位符 1"/>
+          <p:cNvSpPr>
+            <a:spLocks noGrp="1" noRot="1" noChangeAspect="1"/>
+          </p:cNvSpPr>
+          <p:nvPr>
+            <p:ph type="sldImg"/>
+          </p:nvPr>
+        </p:nvSpPr>
+        <p:spPr/>
+      </p:sp>
+      <p:sp>
+        <p:nvSpPr>
+          <p:cNvPr id="3" name="备注占位符 2"/>
+          <p:cNvSpPr>
+            <a:spLocks noGrp="1"/>
+          </p:cNvSpPr>
+          <p:nvPr>
+            <p:ph type="body" idx="1"/>
+          </p:nvPr>
+        </p:nvSpPr>
+        <p:spPr/>
+        <p:txBody>
+          <a:bodyPr/>
+          <a:lstStyle/>
+          <a:p>
+            <a:r>
+              <a:rPr lang="zh-CN" altLang="en-US" dirty="0" smtClean="0"/>
+              <a:t>这是一个更复杂的建筑，解译的结果，建模的结果</a:t>
+            </a:r>
+            <a:endParaRPr lang="zh-CN" altLang="en-US" dirty="0"/>
+          </a:p>
+        </p:txBody>
+      </p:sp>
+      <p:sp>
+        <p:nvSpPr>
+          <p:cNvPr id="4" name="灯片编号占位符 3"/>
+          <p:cNvSpPr>
+            <a:spLocks noGrp="1"/>
+          </p:cNvSpPr>
+          <p:nvPr>
+            <p:ph type="sldNum" sz="quarter" idx="10"/>
+          </p:nvPr>
+        </p:nvSpPr>
+        <p:spPr/>
+        <p:txBody>
+          <a:bodyPr/>
+          <a:lstStyle/>
+          <a:p>
+            <a:fld id="{DF61EA0F-A667-4B49-8422-0062BC55E249}" type="slidenum">
+              <a:rPr lang="en-US" altLang="zh-CN" smtClean="0"/>
+              <a:t>11</a:t>
+            </a:fld>
+            <a:endParaRPr lang="zh-CN" altLang="en-US"/>
+          </a:p>
+        </p:txBody>
+      </p:sp>
+    </p:spTree>
+    <p:extLst>
+      <p:ext uri="{BB962C8B-B14F-4D97-AF65-F5344CB8AC3E}">
+        <p14:creationId xmlns:p14="http://schemas.microsoft.com/office/powerpoint/2010/main" val="12232747"/>
+      </p:ext>
+    </p:extLst>
+  </p:cSld>
+  <p:clrMapOvr>
+    <a:masterClrMapping/>
+  </p:clrMapOvr>
+</p:notes>
+</file>
+
+<file path=ppt/notesSlides/notesSlide12.xml><?xml version="1.0" encoding="utf-8"?>
+<p:notes xmlns:a="http://schemas.openxmlformats.org/drawingml/2006/main" xmlns:r="http://schemas.openxmlformats.org/officeDocument/2006/relationships" xmlns:p="http://schemas.openxmlformats.org/presentationml/2006/main">
+  <p:cSld>
+    <p:spTree>
+      <p:nvGrpSpPr>
+        <p:cNvPr id="1" name=""/>
+        <p:cNvGrpSpPr/>
+        <p:nvPr/>
+      </p:nvGrpSpPr>
+      <p:grpSpPr>
+        <a:xfrm>
+          <a:off x="0" y="0"/>
+          <a:ext cx="0" cy="0"/>
+          <a:chOff x="0" y="0"/>
+          <a:chExt cx="0" cy="0"/>
+        </a:xfrm>
+      </p:grpSpPr>
+      <p:sp>
+        <p:nvSpPr>
+          <p:cNvPr id="2" name="幻灯片图像占位符 1"/>
+          <p:cNvSpPr>
+            <a:spLocks noGrp="1" noRot="1" noChangeAspect="1"/>
+          </p:cNvSpPr>
+          <p:nvPr>
+            <p:ph type="sldImg"/>
+          </p:nvPr>
+        </p:nvSpPr>
+        <p:spPr/>
+      </p:sp>
+      <p:sp>
+        <p:nvSpPr>
+          <p:cNvPr id="3" name="备注占位符 2"/>
+          <p:cNvSpPr>
+            <a:spLocks noGrp="1"/>
+          </p:cNvSpPr>
+          <p:nvPr>
+            <p:ph type="body" idx="1"/>
+          </p:nvPr>
+        </p:nvSpPr>
+        <p:spPr/>
+        <p:txBody>
+          <a:bodyPr/>
+          <a:lstStyle/>
+          <a:p>
+            <a:r>
+              <a:rPr lang="zh-CN" altLang="en-US" dirty="0" smtClean="0"/>
+              <a:t>这是北师大科技楼的一个侧面，解译的结果，重建的结果</a:t>
+            </a:r>
+            <a:endParaRPr lang="zh-CN" altLang="en-US" dirty="0"/>
+          </a:p>
+        </p:txBody>
+      </p:sp>
+      <p:sp>
+        <p:nvSpPr>
+          <p:cNvPr id="4" name="灯片编号占位符 3"/>
+          <p:cNvSpPr>
+            <a:spLocks noGrp="1"/>
+          </p:cNvSpPr>
+          <p:nvPr>
+            <p:ph type="sldNum" sz="quarter" idx="10"/>
+          </p:nvPr>
+        </p:nvSpPr>
+        <p:spPr/>
+        <p:txBody>
+          <a:bodyPr/>
+          <a:lstStyle/>
+          <a:p>
+            <a:fld id="{DF61EA0F-A667-4B49-8422-0062BC55E249}" type="slidenum">
+              <a:rPr lang="en-US" altLang="zh-CN" smtClean="0"/>
+              <a:t>12</a:t>
+            </a:fld>
+            <a:endParaRPr lang="zh-CN" altLang="en-US"/>
+          </a:p>
+        </p:txBody>
+      </p:sp>
+    </p:spTree>
+    <p:extLst>
+      <p:ext uri="{BB962C8B-B14F-4D97-AF65-F5344CB8AC3E}">
+        <p14:creationId xmlns:p14="http://schemas.microsoft.com/office/powerpoint/2010/main" val="3691899818"/>
+      </p:ext>
+    </p:extLst>
+  </p:cSld>
+  <p:clrMapOvr>
+    <a:masterClrMapping/>
+  </p:clrMapOvr>
+</p:notes>
+</file>
+
+<file path=ppt/notesSlides/notesSlide13.xml><?xml version="1.0" encoding="utf-8"?>
+<p:notes xmlns:a="http://schemas.openxmlformats.org/drawingml/2006/main" xmlns:r="http://schemas.openxmlformats.org/officeDocument/2006/relationships" xmlns:p="http://schemas.openxmlformats.org/presentationml/2006/main">
+  <p:cSld>
+    <p:spTree>
+      <p:nvGrpSpPr>
+        <p:cNvPr id="1" name=""/>
+        <p:cNvGrpSpPr/>
+        <p:nvPr/>
+      </p:nvGrpSpPr>
+      <p:grpSpPr>
+        <a:xfrm>
+          <a:off x="0" y="0"/>
+          <a:ext cx="0" cy="0"/>
+          <a:chOff x="0" y="0"/>
+          <a:chExt cx="0" cy="0"/>
+        </a:xfrm>
+      </p:grpSpPr>
+      <p:sp>
+        <p:nvSpPr>
+          <p:cNvPr id="2" name="幻灯片图像占位符 1"/>
+          <p:cNvSpPr>
+            <a:spLocks noGrp="1" noRot="1" noChangeAspect="1"/>
+          </p:cNvSpPr>
+          <p:nvPr>
+            <p:ph type="sldImg"/>
+          </p:nvPr>
+        </p:nvSpPr>
+        <p:spPr/>
+      </p:sp>
+      <p:sp>
+        <p:nvSpPr>
+          <p:cNvPr id="3" name="备注占位符 2"/>
+          <p:cNvSpPr>
+            <a:spLocks noGrp="1"/>
+          </p:cNvSpPr>
+          <p:nvPr>
+            <p:ph type="body" idx="1"/>
+          </p:nvPr>
+        </p:nvSpPr>
+        <p:spPr/>
+        <p:txBody>
+          <a:bodyPr/>
+          <a:lstStyle/>
+          <a:p>
+            <a:r>
+              <a:rPr lang="zh-CN" altLang="en-US" dirty="0" smtClean="0"/>
+              <a:t>这是一个点云缺失较为严重的建筑，解译可以很好地解决缺失的问题，这是重建的结果</a:t>
+            </a:r>
+            <a:endParaRPr lang="zh-CN" altLang="en-US" dirty="0"/>
+          </a:p>
+        </p:txBody>
+      </p:sp>
+      <p:sp>
+        <p:nvSpPr>
+          <p:cNvPr id="4" name="灯片编号占位符 3"/>
+          <p:cNvSpPr>
+            <a:spLocks noGrp="1"/>
+          </p:cNvSpPr>
+          <p:nvPr>
+            <p:ph type="sldNum" sz="quarter" idx="10"/>
+          </p:nvPr>
+        </p:nvSpPr>
+        <p:spPr/>
+        <p:txBody>
+          <a:bodyPr/>
+          <a:lstStyle/>
+          <a:p>
+            <a:fld id="{DF61EA0F-A667-4B49-8422-0062BC55E249}" type="slidenum">
+              <a:rPr lang="en-US" altLang="zh-CN" smtClean="0"/>
+              <a:t>13</a:t>
+            </a:fld>
+            <a:endParaRPr lang="zh-CN" altLang="en-US"/>
+          </a:p>
+        </p:txBody>
+      </p:sp>
+    </p:spTree>
+    <p:extLst>
+      <p:ext uri="{BB962C8B-B14F-4D97-AF65-F5344CB8AC3E}">
+        <p14:creationId xmlns:p14="http://schemas.microsoft.com/office/powerpoint/2010/main" val="1277839755"/>
+      </p:ext>
+    </p:extLst>
+  </p:cSld>
+  <p:clrMapOvr>
+    <a:masterClrMapping/>
+  </p:clrMapOvr>
+</p:notes>
+</file>
+
+<file path=ppt/notesSlides/notesSlide14.xml><?xml version="1.0" encoding="utf-8"?>
+<p:notes xmlns:a="http://schemas.openxmlformats.org/drawingml/2006/main" xmlns:r="http://schemas.openxmlformats.org/officeDocument/2006/relationships" xmlns:p="http://schemas.openxmlformats.org/presentationml/2006/main">
+  <p:cSld>
+    <p:spTree>
+      <p:nvGrpSpPr>
+        <p:cNvPr id="1" name=""/>
+        <p:cNvGrpSpPr/>
+        <p:nvPr/>
+      </p:nvGrpSpPr>
+      <p:grpSpPr>
+        <a:xfrm>
+          <a:off x="0" y="0"/>
+          <a:ext cx="0" cy="0"/>
+          <a:chOff x="0" y="0"/>
+          <a:chExt cx="0" cy="0"/>
+        </a:xfrm>
+      </p:grpSpPr>
+      <p:sp>
+        <p:nvSpPr>
+          <p:cNvPr id="2" name="幻灯片图像占位符 1"/>
+          <p:cNvSpPr>
+            <a:spLocks noGrp="1" noRot="1" noChangeAspect="1"/>
+          </p:cNvSpPr>
+          <p:nvPr>
+            <p:ph type="sldImg"/>
+          </p:nvPr>
+        </p:nvSpPr>
+        <p:spPr/>
+      </p:sp>
+      <p:sp>
+        <p:nvSpPr>
+          <p:cNvPr id="3" name="备注占位符 2"/>
+          <p:cNvSpPr>
+            <a:spLocks noGrp="1"/>
+          </p:cNvSpPr>
+          <p:nvPr>
+            <p:ph type="body" idx="1"/>
+          </p:nvPr>
+        </p:nvSpPr>
+        <p:spPr/>
+        <p:txBody>
+          <a:bodyPr/>
+          <a:lstStyle/>
+          <a:p>
+            <a:r>
+              <a:rPr lang="zh-CN" altLang="en-US" dirty="0" smtClean="0"/>
+              <a:t>前面的建筑都只包含窗户和墙面，这个建筑多了阳台，这是解译的结果，重建的结果</a:t>
+            </a:r>
+            <a:endParaRPr lang="zh-CN" altLang="en-US" dirty="0"/>
+          </a:p>
+        </p:txBody>
+      </p:sp>
+      <p:sp>
+        <p:nvSpPr>
+          <p:cNvPr id="4" name="灯片编号占位符 3"/>
+          <p:cNvSpPr>
+            <a:spLocks noGrp="1"/>
+          </p:cNvSpPr>
+          <p:nvPr>
+            <p:ph type="sldNum" sz="quarter" idx="10"/>
+          </p:nvPr>
+        </p:nvSpPr>
+        <p:spPr/>
+        <p:txBody>
+          <a:bodyPr/>
+          <a:lstStyle/>
+          <a:p>
+            <a:fld id="{DF61EA0F-A667-4B49-8422-0062BC55E249}" type="slidenum">
+              <a:rPr lang="en-US" altLang="zh-CN" smtClean="0"/>
+              <a:t>14</a:t>
+            </a:fld>
+            <a:endParaRPr lang="zh-CN" altLang="en-US"/>
+          </a:p>
+        </p:txBody>
+      </p:sp>
+    </p:spTree>
+    <p:extLst>
+      <p:ext uri="{BB962C8B-B14F-4D97-AF65-F5344CB8AC3E}">
+        <p14:creationId xmlns:p14="http://schemas.microsoft.com/office/powerpoint/2010/main" val="972697352"/>
+      </p:ext>
+    </p:extLst>
+  </p:cSld>
+  <p:clrMapOvr>
+    <a:masterClrMapping/>
+  </p:clrMapOvr>
+</p:notes>
+</file>
+
+<file path=ppt/notesSlides/notesSlide15.xml><?xml version="1.0" encoding="utf-8"?>
+<p:notes xmlns:a="http://schemas.openxmlformats.org/drawingml/2006/main" xmlns:r="http://schemas.openxmlformats.org/officeDocument/2006/relationships" xmlns:p="http://schemas.openxmlformats.org/presentationml/2006/main">
+  <p:cSld>
+    <p:spTree>
+      <p:nvGrpSpPr>
+        <p:cNvPr id="1" name=""/>
+        <p:cNvGrpSpPr/>
+        <p:nvPr/>
+      </p:nvGrpSpPr>
+      <p:grpSpPr>
+        <a:xfrm>
+          <a:off x="0" y="0"/>
+          <a:ext cx="0" cy="0"/>
+          <a:chOff x="0" y="0"/>
+          <a:chExt cx="0" cy="0"/>
+        </a:xfrm>
+      </p:grpSpPr>
+      <p:sp>
+        <p:nvSpPr>
+          <p:cNvPr id="2" name="幻灯片图像占位符 1"/>
+          <p:cNvSpPr>
+            <a:spLocks noGrp="1" noRot="1" noChangeAspect="1"/>
+          </p:cNvSpPr>
+          <p:nvPr>
+            <p:ph type="sldImg"/>
+          </p:nvPr>
+        </p:nvSpPr>
+        <p:spPr/>
+      </p:sp>
+      <p:sp>
+        <p:nvSpPr>
+          <p:cNvPr id="3" name="备注占位符 2"/>
+          <p:cNvSpPr>
+            <a:spLocks noGrp="1"/>
+          </p:cNvSpPr>
+          <p:nvPr>
+            <p:ph type="body" idx="1"/>
+          </p:nvPr>
+        </p:nvSpPr>
+        <p:spPr/>
+        <p:txBody>
+          <a:bodyPr/>
+          <a:lstStyle/>
+          <a:p>
+            <a:r>
+              <a:rPr lang="zh-CN" altLang="en-US" dirty="0" smtClean="0"/>
+              <a:t>之前展示的教堂，解译的结果，建模的结果</a:t>
+            </a:r>
+            <a:endParaRPr lang="zh-CN" altLang="en-US" dirty="0"/>
+          </a:p>
+        </p:txBody>
+      </p:sp>
+      <p:sp>
+        <p:nvSpPr>
+          <p:cNvPr id="4" name="灯片编号占位符 3"/>
+          <p:cNvSpPr>
+            <a:spLocks noGrp="1"/>
+          </p:cNvSpPr>
+          <p:nvPr>
+            <p:ph type="sldNum" sz="quarter" idx="10"/>
+          </p:nvPr>
+        </p:nvSpPr>
+        <p:spPr/>
+        <p:txBody>
+          <a:bodyPr/>
+          <a:lstStyle/>
+          <a:p>
+            <a:fld id="{DF61EA0F-A667-4B49-8422-0062BC55E249}" type="slidenum">
+              <a:rPr lang="en-US" altLang="zh-CN" smtClean="0"/>
+              <a:t>15</a:t>
+            </a:fld>
+            <a:endParaRPr lang="zh-CN" altLang="en-US"/>
+          </a:p>
+        </p:txBody>
+      </p:sp>
+    </p:spTree>
+    <p:extLst>
+      <p:ext uri="{BB962C8B-B14F-4D97-AF65-F5344CB8AC3E}">
+        <p14:creationId xmlns:p14="http://schemas.microsoft.com/office/powerpoint/2010/main" val="2203326365"/>
+      </p:ext>
+    </p:extLst>
+  </p:cSld>
+  <p:clrMapOvr>
+    <a:masterClrMapping/>
+  </p:clrMapOvr>
+</p:notes>
+</file>
+
+<file path=ppt/notesSlides/notesSlide16.xml><?xml version="1.0" encoding="utf-8"?>
+<p:notes xmlns:a="http://schemas.openxmlformats.org/drawingml/2006/main" xmlns:r="http://schemas.openxmlformats.org/officeDocument/2006/relationships" xmlns:p="http://schemas.openxmlformats.org/presentationml/2006/main">
+  <p:cSld>
+    <p:spTree>
+      <p:nvGrpSpPr>
+        <p:cNvPr id="1" name=""/>
+        <p:cNvGrpSpPr/>
+        <p:nvPr/>
+      </p:nvGrpSpPr>
+      <p:grpSpPr>
+        <a:xfrm>
+          <a:off x="0" y="0"/>
+          <a:ext cx="0" cy="0"/>
+          <a:chOff x="0" y="0"/>
+          <a:chExt cx="0" cy="0"/>
+        </a:xfrm>
+      </p:grpSpPr>
+      <p:sp>
+        <p:nvSpPr>
+          <p:cNvPr id="2" name="幻灯片图像占位符 1"/>
+          <p:cNvSpPr>
+            <a:spLocks noGrp="1" noRot="1" noChangeAspect="1"/>
+          </p:cNvSpPr>
+          <p:nvPr>
+            <p:ph type="sldImg"/>
+          </p:nvPr>
+        </p:nvSpPr>
+        <p:spPr/>
+      </p:sp>
+      <p:sp>
+        <p:nvSpPr>
+          <p:cNvPr id="3" name="备注占位符 2"/>
+          <p:cNvSpPr>
+            <a:spLocks noGrp="1"/>
+          </p:cNvSpPr>
+          <p:nvPr>
+            <p:ph type="body" idx="1"/>
+          </p:nvPr>
+        </p:nvSpPr>
+        <p:spPr/>
+        <p:txBody>
+          <a:bodyPr/>
+          <a:lstStyle/>
+          <a:p>
+            <a:r>
+              <a:rPr lang="zh-CN" altLang="en-US" dirty="0" smtClean="0"/>
+              <a:t>一个典型的立面。解译的结果，重建的结果</a:t>
+            </a:r>
+            <a:endParaRPr lang="zh-CN" altLang="en-US" dirty="0"/>
+          </a:p>
+        </p:txBody>
+      </p:sp>
+      <p:sp>
+        <p:nvSpPr>
+          <p:cNvPr id="4" name="灯片编号占位符 3"/>
+          <p:cNvSpPr>
+            <a:spLocks noGrp="1"/>
+          </p:cNvSpPr>
+          <p:nvPr>
+            <p:ph type="sldNum" sz="quarter" idx="10"/>
+          </p:nvPr>
+        </p:nvSpPr>
+        <p:spPr/>
+        <p:txBody>
+          <a:bodyPr/>
+          <a:lstStyle/>
+          <a:p>
+            <a:fld id="{DF61EA0F-A667-4B49-8422-0062BC55E249}" type="slidenum">
+              <a:rPr lang="en-US" altLang="zh-CN" smtClean="0"/>
+              <a:t>16</a:t>
+            </a:fld>
+            <a:endParaRPr lang="zh-CN" altLang="en-US"/>
+          </a:p>
+        </p:txBody>
+      </p:sp>
+    </p:spTree>
+    <p:extLst>
+      <p:ext uri="{BB962C8B-B14F-4D97-AF65-F5344CB8AC3E}">
+        <p14:creationId xmlns:p14="http://schemas.microsoft.com/office/powerpoint/2010/main" val="1844160650"/>
+      </p:ext>
+    </p:extLst>
+  </p:cSld>
+  <p:clrMapOvr>
+    <a:masterClrMapping/>
+  </p:clrMapOvr>
+</p:notes>
+</file>
+
+<file path=ppt/notesSlides/notesSlide17.xml><?xml version="1.0" encoding="utf-8"?>
+<p:notes xmlns:a="http://schemas.openxmlformats.org/drawingml/2006/main" xmlns:r="http://schemas.openxmlformats.org/officeDocument/2006/relationships" xmlns:p="http://schemas.openxmlformats.org/presentationml/2006/main">
+  <p:cSld>
+    <p:spTree>
+      <p:nvGrpSpPr>
+        <p:cNvPr id="1" name=""/>
+        <p:cNvGrpSpPr/>
+        <p:nvPr/>
+      </p:nvGrpSpPr>
+      <p:grpSpPr>
+        <a:xfrm>
+          <a:off x="0" y="0"/>
+          <a:ext cx="0" cy="0"/>
+          <a:chOff x="0" y="0"/>
+          <a:chExt cx="0" cy="0"/>
+        </a:xfrm>
+      </p:grpSpPr>
+      <p:sp>
+        <p:nvSpPr>
+          <p:cNvPr id="2" name="幻灯片图像占位符 1"/>
+          <p:cNvSpPr>
+            <a:spLocks noGrp="1" noRot="1" noChangeAspect="1"/>
+          </p:cNvSpPr>
+          <p:nvPr>
+            <p:ph type="sldImg"/>
+          </p:nvPr>
+        </p:nvSpPr>
+        <p:spPr/>
+      </p:sp>
+      <p:sp>
+        <p:nvSpPr>
+          <p:cNvPr id="3" name="备注占位符 2"/>
+          <p:cNvSpPr>
+            <a:spLocks noGrp="1"/>
+          </p:cNvSpPr>
+          <p:nvPr>
+            <p:ph type="body" idx="1"/>
+          </p:nvPr>
+        </p:nvSpPr>
+        <p:spPr/>
+        <p:txBody>
+          <a:bodyPr/>
+          <a:lstStyle/>
+          <a:p>
+            <a:r>
+              <a:rPr lang="zh-CN" altLang="en-US" dirty="0" smtClean="0"/>
+              <a:t>上述实验显示了使用形状语义的方法可以</a:t>
+            </a:r>
+            <a:r>
+              <a:rPr lang="en-US" altLang="zh-CN" dirty="0" smtClean="0"/>
+              <a:t>……</a:t>
+            </a:r>
+          </a:p>
+          <a:p>
+            <a:r>
+              <a:rPr lang="zh-CN" altLang="en-US" dirty="0" smtClean="0"/>
+              <a:t>然而我们提出的方法也有几点不足，首先</a:t>
+            </a:r>
+            <a:endParaRPr lang="en-US" altLang="zh-CN" dirty="0" smtClean="0"/>
+          </a:p>
+          <a:p>
+            <a:r>
+              <a:rPr lang="zh-CN" altLang="en-US" dirty="0" smtClean="0"/>
+              <a:t>其次</a:t>
+            </a:r>
+            <a:endParaRPr lang="en-US" altLang="zh-CN" dirty="0" smtClean="0"/>
+          </a:p>
+          <a:p>
+            <a:r>
+              <a:rPr lang="zh-CN" altLang="en-US" dirty="0" smtClean="0"/>
+              <a:t>最后</a:t>
+            </a:r>
+            <a:endParaRPr lang="zh-CN" altLang="en-US" dirty="0"/>
+          </a:p>
+        </p:txBody>
+      </p:sp>
+      <p:sp>
+        <p:nvSpPr>
+          <p:cNvPr id="4" name="灯片编号占位符 3"/>
+          <p:cNvSpPr>
+            <a:spLocks noGrp="1"/>
+          </p:cNvSpPr>
+          <p:nvPr>
+            <p:ph type="sldNum" sz="quarter" idx="10"/>
+          </p:nvPr>
+        </p:nvSpPr>
+        <p:spPr/>
+        <p:txBody>
+          <a:bodyPr/>
+          <a:lstStyle/>
+          <a:p>
+            <a:fld id="{DF61EA0F-A667-4B49-8422-0062BC55E249}" type="slidenum">
+              <a:rPr lang="en-US" altLang="zh-CN" smtClean="0"/>
+              <a:t>17</a:t>
+            </a:fld>
+            <a:endParaRPr lang="zh-CN" altLang="en-US"/>
+          </a:p>
+        </p:txBody>
+      </p:sp>
+    </p:spTree>
+    <p:extLst>
+      <p:ext uri="{BB962C8B-B14F-4D97-AF65-F5344CB8AC3E}">
+        <p14:creationId xmlns:p14="http://schemas.microsoft.com/office/powerpoint/2010/main" val="3703801365"/>
+      </p:ext>
+    </p:extLst>
+  </p:cSld>
+  <p:clrMapOvr>
+    <a:masterClrMapping/>
+  </p:clrMapOvr>
+</p:notes>
+</file>
+
+<file path=ppt/notesSlides/notesSlide18.xml><?xml version="1.0" encoding="utf-8"?>
+<p:notes xmlns:a="http://schemas.openxmlformats.org/drawingml/2006/main" xmlns:r="http://schemas.openxmlformats.org/officeDocument/2006/relationships" xmlns:p="http://schemas.openxmlformats.org/presentationml/2006/main">
+  <p:cSld>
+    <p:spTree>
+      <p:nvGrpSpPr>
+        <p:cNvPr id="1" name=""/>
+        <p:cNvGrpSpPr/>
+        <p:nvPr/>
+      </p:nvGrpSpPr>
+      <p:grpSpPr>
+        <a:xfrm>
+          <a:off x="0" y="0"/>
+          <a:ext cx="0" cy="0"/>
+          <a:chOff x="0" y="0"/>
+          <a:chExt cx="0" cy="0"/>
+        </a:xfrm>
+      </p:grpSpPr>
+      <p:sp>
+        <p:nvSpPr>
+          <p:cNvPr id="2" name="幻灯片图像占位符 1"/>
+          <p:cNvSpPr>
+            <a:spLocks noGrp="1" noRot="1" noChangeAspect="1"/>
+          </p:cNvSpPr>
+          <p:nvPr>
+            <p:ph type="sldImg"/>
+          </p:nvPr>
+        </p:nvSpPr>
+        <p:spPr/>
+      </p:sp>
+      <p:sp>
+        <p:nvSpPr>
+          <p:cNvPr id="3" name="备注占位符 2"/>
+          <p:cNvSpPr>
+            <a:spLocks noGrp="1"/>
+          </p:cNvSpPr>
+          <p:nvPr>
+            <p:ph type="body" idx="1"/>
+          </p:nvPr>
+        </p:nvSpPr>
+        <p:spPr/>
+        <p:txBody>
+          <a:bodyPr/>
+          <a:lstStyle/>
+          <a:p>
+            <a:r>
+              <a:rPr lang="zh-CN" altLang="en-US" smtClean="0"/>
+              <a:t>谢谢各位的聆听！请老师提问～</a:t>
+            </a:r>
+            <a:endParaRPr lang="zh-CN" altLang="en-US"/>
+          </a:p>
+        </p:txBody>
+      </p:sp>
+      <p:sp>
+        <p:nvSpPr>
+          <p:cNvPr id="4" name="灯片编号占位符 3"/>
+          <p:cNvSpPr>
+            <a:spLocks noGrp="1"/>
+          </p:cNvSpPr>
+          <p:nvPr>
+            <p:ph type="sldNum" sz="quarter" idx="10"/>
+          </p:nvPr>
+        </p:nvSpPr>
+        <p:spPr/>
+        <p:txBody>
+          <a:bodyPr/>
+          <a:lstStyle/>
+          <a:p>
+            <a:fld id="{DF61EA0F-A667-4B49-8422-0062BC55E249}" type="slidenum">
+              <a:rPr lang="en-US" altLang="zh-CN" smtClean="0"/>
+              <a:t>18</a:t>
+            </a:fld>
+            <a:endParaRPr lang="zh-CN" altLang="en-US"/>
+          </a:p>
+        </p:txBody>
+      </p:sp>
+    </p:spTree>
+    <p:extLst>
+      <p:ext uri="{BB962C8B-B14F-4D97-AF65-F5344CB8AC3E}">
+        <p14:creationId xmlns:p14="http://schemas.microsoft.com/office/powerpoint/2010/main" val="4220797479"/>
+      </p:ext>
+    </p:extLst>
+  </p:cSld>
+  <p:clrMapOvr>
+    <a:masterClrMapping/>
+  </p:clrMapOvr>
+</p:notes>
+</file>
+
+<file path=ppt/notesSlides/notesSlide2.xml><?xml version="1.0" encoding="utf-8"?>
+<p:notes xmlns:a="http://schemas.openxmlformats.org/drawingml/2006/main" xmlns:r="http://schemas.openxmlformats.org/officeDocument/2006/relationships" xmlns:p="http://schemas.openxmlformats.org/presentationml/2006/main">
+  <p:cSld>
+    <p:spTree>
+      <p:nvGrpSpPr>
+        <p:cNvPr id="1" name=""/>
+        <p:cNvGrpSpPr/>
+        <p:nvPr/>
+      </p:nvGrpSpPr>
+      <p:grpSpPr>
+        <a:xfrm>
+          <a:off x="0" y="0"/>
+          <a:ext cx="0" cy="0"/>
+          <a:chOff x="0" y="0"/>
+          <a:chExt cx="0" cy="0"/>
+        </a:xfrm>
+      </p:grpSpPr>
+      <p:sp>
+        <p:nvSpPr>
+          <p:cNvPr id="2" name="幻灯片图像占位符 1"/>
+          <p:cNvSpPr>
+            <a:spLocks noGrp="1" noRot="1" noChangeAspect="1"/>
+          </p:cNvSpPr>
+          <p:nvPr>
+            <p:ph type="sldImg"/>
+          </p:nvPr>
+        </p:nvSpPr>
+        <p:spPr/>
+      </p:sp>
+      <p:sp>
+        <p:nvSpPr>
+          <p:cNvPr id="3" name="备注占位符 2"/>
+          <p:cNvSpPr>
+            <a:spLocks noGrp="1"/>
+          </p:cNvSpPr>
+          <p:nvPr>
+            <p:ph type="body" idx="1"/>
+          </p:nvPr>
+        </p:nvSpPr>
+        <p:spPr/>
+        <p:txBody>
+          <a:bodyPr/>
+          <a:lstStyle/>
+          <a:p>
+            <a:r>
+              <a:rPr lang="zh-CN" altLang="en-US" dirty="0" smtClean="0"/>
+              <a:t>因此，如何从建筑立面的激光雷达点云中自动化恢复其结构具有十分重要的意义。</a:t>
+            </a:r>
+            <a:endParaRPr lang="zh-CN" altLang="en-US" dirty="0"/>
+          </a:p>
+        </p:txBody>
+      </p:sp>
+      <p:sp>
+        <p:nvSpPr>
+          <p:cNvPr id="4" name="灯片编号占位符 3"/>
+          <p:cNvSpPr>
+            <a:spLocks noGrp="1"/>
+          </p:cNvSpPr>
+          <p:nvPr>
+            <p:ph type="sldNum" sz="quarter" idx="10"/>
+          </p:nvPr>
+        </p:nvSpPr>
+        <p:spPr/>
+        <p:txBody>
+          <a:bodyPr/>
+          <a:lstStyle/>
+          <a:p>
+            <a:fld id="{DF61EA0F-A667-4B49-8422-0062BC55E249}" type="slidenum">
+              <a:rPr lang="en-US" altLang="zh-CN" smtClean="0"/>
+              <a:t>2</a:t>
+            </a:fld>
+            <a:endParaRPr lang="zh-CN" altLang="en-US"/>
+          </a:p>
+        </p:txBody>
+      </p:sp>
+    </p:spTree>
+    <p:extLst>
+      <p:ext uri="{BB962C8B-B14F-4D97-AF65-F5344CB8AC3E}">
+        <p14:creationId xmlns:p14="http://schemas.microsoft.com/office/powerpoint/2010/main" val="1043772778"/>
+      </p:ext>
+    </p:extLst>
+  </p:cSld>
+  <p:clrMapOvr>
+    <a:masterClrMapping/>
+  </p:clrMapOvr>
+</p:notes>
+</file>
+
+<file path=ppt/notesSlides/notesSlide3.xml><?xml version="1.0" encoding="utf-8"?>
+<p:notes xmlns:a="http://schemas.openxmlformats.org/drawingml/2006/main" xmlns:r="http://schemas.openxmlformats.org/officeDocument/2006/relationships" xmlns:p="http://schemas.openxmlformats.org/presentationml/2006/main">
+  <p:cSld>
+    <p:spTree>
+      <p:nvGrpSpPr>
+        <p:cNvPr id="1" name=""/>
+        <p:cNvGrpSpPr/>
+        <p:nvPr/>
+      </p:nvGrpSpPr>
+      <p:grpSpPr>
+        <a:xfrm>
+          <a:off x="0" y="0"/>
+          <a:ext cx="0" cy="0"/>
+          <a:chOff x="0" y="0"/>
+          <a:chExt cx="0" cy="0"/>
+        </a:xfrm>
+      </p:grpSpPr>
+      <p:sp>
+        <p:nvSpPr>
+          <p:cNvPr id="2" name="幻灯片图像占位符 1"/>
+          <p:cNvSpPr>
+            <a:spLocks noGrp="1" noRot="1" noChangeAspect="1"/>
+          </p:cNvSpPr>
+          <p:nvPr>
+            <p:ph type="sldImg"/>
+          </p:nvPr>
+        </p:nvSpPr>
+        <p:spPr/>
+      </p:sp>
+      <p:sp>
+        <p:nvSpPr>
+          <p:cNvPr id="3" name="备注占位符 2"/>
+          <p:cNvSpPr>
+            <a:spLocks noGrp="1"/>
+          </p:cNvSpPr>
+          <p:nvPr>
+            <p:ph type="body" idx="1"/>
+          </p:nvPr>
+        </p:nvSpPr>
+        <p:spPr/>
+        <p:txBody>
+          <a:bodyPr/>
+          <a:lstStyle/>
+          <a:p>
+            <a:r>
+              <a:rPr lang="zh-CN" altLang="en-US" dirty="0" smtClean="0"/>
+              <a:t>目前建筑立面建模的方法主要有两大类。</a:t>
+            </a:r>
+            <a:endParaRPr lang="en-US" altLang="zh-CN" dirty="0" smtClean="0"/>
+          </a:p>
+          <a:p>
+            <a:r>
+              <a:rPr lang="zh-CN" altLang="en-US" dirty="0" smtClean="0"/>
+              <a:t>本研究采用的是基于模型的方法。</a:t>
+            </a:r>
+            <a:endParaRPr lang="zh-CN" altLang="en-US" dirty="0"/>
+          </a:p>
+        </p:txBody>
+      </p:sp>
+      <p:sp>
+        <p:nvSpPr>
+          <p:cNvPr id="4" name="灯片编号占位符 3"/>
+          <p:cNvSpPr>
+            <a:spLocks noGrp="1"/>
+          </p:cNvSpPr>
+          <p:nvPr>
+            <p:ph type="sldNum" sz="quarter" idx="10"/>
+          </p:nvPr>
+        </p:nvSpPr>
+        <p:spPr/>
+        <p:txBody>
+          <a:bodyPr/>
+          <a:lstStyle/>
+          <a:p>
+            <a:fld id="{DF61EA0F-A667-4B49-8422-0062BC55E249}" type="slidenum">
+              <a:rPr lang="en-US" altLang="zh-CN" smtClean="0"/>
+              <a:t>3</a:t>
+            </a:fld>
+            <a:endParaRPr lang="zh-CN" altLang="en-US"/>
+          </a:p>
+        </p:txBody>
+      </p:sp>
+    </p:spTree>
+    <p:extLst>
+      <p:ext uri="{BB962C8B-B14F-4D97-AF65-F5344CB8AC3E}">
+        <p14:creationId xmlns:p14="http://schemas.microsoft.com/office/powerpoint/2010/main" val="3899674690"/>
+      </p:ext>
+    </p:extLst>
+  </p:cSld>
+  <p:clrMapOvr>
+    <a:masterClrMapping/>
+  </p:clrMapOvr>
+</p:notes>
+</file>
+
+<file path=ppt/notesSlides/notesSlide4.xml><?xml version="1.0" encoding="utf-8"?>
+<p:notes xmlns:a="http://schemas.openxmlformats.org/drawingml/2006/main" xmlns:r="http://schemas.openxmlformats.org/officeDocument/2006/relationships" xmlns:p="http://schemas.openxmlformats.org/presentationml/2006/main">
+  <p:cSld>
+    <p:spTree>
+      <p:nvGrpSpPr>
+        <p:cNvPr id="1" name=""/>
+        <p:cNvGrpSpPr/>
+        <p:nvPr/>
+      </p:nvGrpSpPr>
+      <p:grpSpPr>
+        <a:xfrm>
+          <a:off x="0" y="0"/>
+          <a:ext cx="0" cy="0"/>
+          <a:chOff x="0" y="0"/>
+          <a:chExt cx="0" cy="0"/>
+        </a:xfrm>
+      </p:grpSpPr>
+      <p:sp>
+        <p:nvSpPr>
+          <p:cNvPr id="2" name="幻灯片图像占位符 1"/>
+          <p:cNvSpPr>
+            <a:spLocks noGrp="1" noRot="1" noChangeAspect="1"/>
+          </p:cNvSpPr>
+          <p:nvPr>
+            <p:ph type="sldImg"/>
+          </p:nvPr>
+        </p:nvSpPr>
+        <p:spPr/>
+      </p:sp>
+      <p:sp>
+        <p:nvSpPr>
+          <p:cNvPr id="3" name="备注占位符 2"/>
+          <p:cNvSpPr>
+            <a:spLocks noGrp="1"/>
+          </p:cNvSpPr>
+          <p:nvPr>
+            <p:ph type="body" idx="1"/>
+          </p:nvPr>
+        </p:nvSpPr>
+        <p:spPr/>
+        <p:txBody>
+          <a:bodyPr/>
+          <a:lstStyle/>
+          <a:p>
+            <a:r>
+              <a:rPr lang="zh-CN" altLang="en-US" dirty="0" smtClean="0"/>
+              <a:t>为了对建筑立面进行建模，首先介绍形状语义。</a:t>
+            </a:r>
+            <a:endParaRPr lang="en-US" altLang="zh-CN" dirty="0" smtClean="0"/>
+          </a:p>
+          <a:p>
+            <a:r>
+              <a:rPr lang="zh-CN" altLang="en-US" dirty="0" smtClean="0"/>
+              <a:t>二分形状语义首先由法国的学者首先提出，用于对高度对称的建筑立面图片的解译。本文将应用二分形状语义对建筑立面点云进行解译，并且拓展该二分形状使其能够对不对称的建筑进行建模。</a:t>
+            </a:r>
+            <a:endParaRPr lang="zh-CN" altLang="en-US" dirty="0"/>
+          </a:p>
+        </p:txBody>
+      </p:sp>
+      <p:sp>
+        <p:nvSpPr>
+          <p:cNvPr id="4" name="灯片编号占位符 3"/>
+          <p:cNvSpPr>
+            <a:spLocks noGrp="1"/>
+          </p:cNvSpPr>
+          <p:nvPr>
+            <p:ph type="sldNum" sz="quarter" idx="10"/>
+          </p:nvPr>
+        </p:nvSpPr>
+        <p:spPr/>
+        <p:txBody>
+          <a:bodyPr/>
+          <a:lstStyle/>
+          <a:p>
+            <a:fld id="{DF61EA0F-A667-4B49-8422-0062BC55E249}" type="slidenum">
+              <a:rPr lang="en-US" altLang="zh-CN" smtClean="0"/>
+              <a:t>4</a:t>
+            </a:fld>
+            <a:endParaRPr lang="zh-CN" altLang="en-US"/>
+          </a:p>
+        </p:txBody>
+      </p:sp>
+    </p:spTree>
+    <p:extLst>
+      <p:ext uri="{BB962C8B-B14F-4D97-AF65-F5344CB8AC3E}">
+        <p14:creationId xmlns:p14="http://schemas.microsoft.com/office/powerpoint/2010/main" val="309932827"/>
+      </p:ext>
+    </p:extLst>
+  </p:cSld>
+  <p:clrMapOvr>
+    <a:masterClrMapping/>
+  </p:clrMapOvr>
+</p:notes>
+</file>
+
+<file path=ppt/notesSlides/notesSlide5.xml><?xml version="1.0" encoding="utf-8"?>
+<p:notes xmlns:a="http://schemas.openxmlformats.org/drawingml/2006/main" xmlns:r="http://schemas.openxmlformats.org/officeDocument/2006/relationships" xmlns:p="http://schemas.openxmlformats.org/presentationml/2006/main">
+  <p:cSld>
+    <p:spTree>
+      <p:nvGrpSpPr>
+        <p:cNvPr id="1" name=""/>
+        <p:cNvGrpSpPr/>
+        <p:nvPr/>
+      </p:nvGrpSpPr>
+      <p:grpSpPr>
+        <a:xfrm>
+          <a:off x="0" y="0"/>
+          <a:ext cx="0" cy="0"/>
+          <a:chOff x="0" y="0"/>
+          <a:chExt cx="0" cy="0"/>
+        </a:xfrm>
+      </p:grpSpPr>
+      <p:sp>
+        <p:nvSpPr>
+          <p:cNvPr id="2" name="幻灯片图像占位符 1"/>
+          <p:cNvSpPr>
+            <a:spLocks noGrp="1" noRot="1" noChangeAspect="1"/>
+          </p:cNvSpPr>
+          <p:nvPr>
+            <p:ph type="sldImg"/>
+          </p:nvPr>
+        </p:nvSpPr>
+        <p:spPr/>
+      </p:sp>
+      <p:sp>
+        <p:nvSpPr>
+          <p:cNvPr id="3" name="备注占位符 2"/>
+          <p:cNvSpPr>
+            <a:spLocks noGrp="1"/>
+          </p:cNvSpPr>
+          <p:nvPr>
+            <p:ph type="body" idx="1"/>
+          </p:nvPr>
+        </p:nvSpPr>
+        <p:spPr/>
+        <p:txBody>
+          <a:bodyPr/>
+          <a:lstStyle/>
+          <a:p>
+            <a:r>
+              <a:rPr lang="zh-CN" altLang="en-US" dirty="0" smtClean="0"/>
+              <a:t>二分形状语义的核心概念是基本形状，在二分形状语义中，基本形状是一个带标签的矩形，其中的（</a:t>
+            </a:r>
+            <a:r>
+              <a:rPr lang="en-US" altLang="zh-CN" dirty="0" smtClean="0"/>
+              <a:t>x</a:t>
+            </a:r>
+            <a:r>
+              <a:rPr lang="zh-CN" altLang="en-US" dirty="0" smtClean="0"/>
+              <a:t>，</a:t>
+            </a:r>
+            <a:r>
+              <a:rPr lang="en-US" altLang="zh-CN" dirty="0" smtClean="0"/>
+              <a:t>y</a:t>
+            </a:r>
+            <a:r>
+              <a:rPr lang="zh-CN" altLang="en-US" dirty="0" smtClean="0"/>
+              <a:t>，</a:t>
+            </a:r>
+            <a:r>
+              <a:rPr lang="en-US" altLang="zh-CN" dirty="0" smtClean="0"/>
+              <a:t>w</a:t>
+            </a:r>
+            <a:r>
+              <a:rPr lang="zh-CN" altLang="en-US" dirty="0" smtClean="0"/>
+              <a:t>，</a:t>
+            </a:r>
+            <a:r>
+              <a:rPr lang="en-US" altLang="zh-CN" dirty="0" smtClean="0"/>
+              <a:t>h</a:t>
+            </a:r>
+            <a:r>
+              <a:rPr lang="zh-CN" altLang="en-US" dirty="0" smtClean="0"/>
+              <a:t>）表示矩形的位置和长宽。</a:t>
+            </a:r>
+            <a:r>
+              <a:rPr lang="en-US" altLang="zh-CN" dirty="0" smtClean="0"/>
+              <a:t>Label</a:t>
+            </a:r>
+            <a:r>
+              <a:rPr lang="zh-CN" altLang="en-US" dirty="0" smtClean="0"/>
+              <a:t>表示矩形的标签，在建筑立面中，</a:t>
+            </a:r>
+            <a:r>
+              <a:rPr lang="en-US" altLang="zh-CN" dirty="0" smtClean="0"/>
+              <a:t>label</a:t>
+            </a:r>
+            <a:r>
+              <a:rPr lang="zh-CN" altLang="en-US" dirty="0" smtClean="0"/>
+              <a:t>可以是门、窗、阳台等。</a:t>
+            </a:r>
+            <a:endParaRPr lang="en-US" altLang="zh-CN" dirty="0" smtClean="0"/>
+          </a:p>
+          <a:p>
+            <a:r>
+              <a:rPr lang="zh-CN" altLang="en-US" dirty="0" smtClean="0"/>
+              <a:t>语义规则定义了可以对基本形状进行的操作。二分形状的语义规则定义：</a:t>
+            </a:r>
+            <a:endParaRPr lang="en-US" altLang="zh-CN" dirty="0" smtClean="0"/>
+          </a:p>
+          <a:p>
+            <a:r>
+              <a:rPr lang="zh-CN" altLang="en-US" dirty="0" smtClean="0"/>
+              <a:t>这个示意图表示了从初始形状开始，不断应用规则进行剖分的过程。可以看出，剖分的过程可以用一个二叉树表示，称之为剖分树。剖分树的叶子节点全部为终端节点，它们构成了对初始形状的最终解译。</a:t>
+            </a:r>
+            <a:endParaRPr lang="zh-CN" altLang="en-US" dirty="0"/>
+          </a:p>
+        </p:txBody>
+      </p:sp>
+      <p:sp>
+        <p:nvSpPr>
+          <p:cNvPr id="4" name="灯片编号占位符 3"/>
+          <p:cNvSpPr>
+            <a:spLocks noGrp="1"/>
+          </p:cNvSpPr>
+          <p:nvPr>
+            <p:ph type="sldNum" sz="quarter" idx="10"/>
+          </p:nvPr>
+        </p:nvSpPr>
+        <p:spPr/>
+        <p:txBody>
+          <a:bodyPr/>
+          <a:lstStyle/>
+          <a:p>
+            <a:fld id="{DF61EA0F-A667-4B49-8422-0062BC55E249}" type="slidenum">
+              <a:rPr lang="en-US" altLang="zh-CN" smtClean="0"/>
+              <a:t>5</a:t>
+            </a:fld>
+            <a:endParaRPr lang="zh-CN" altLang="en-US"/>
+          </a:p>
+        </p:txBody>
+      </p:sp>
+    </p:spTree>
+    <p:extLst>
+      <p:ext uri="{BB962C8B-B14F-4D97-AF65-F5344CB8AC3E}">
+        <p14:creationId xmlns:p14="http://schemas.microsoft.com/office/powerpoint/2010/main" val="3164409545"/>
+      </p:ext>
+    </p:extLst>
+  </p:cSld>
+  <p:clrMapOvr>
+    <a:masterClrMapping/>
+  </p:clrMapOvr>
+</p:notes>
+</file>
+
+<file path=ppt/notesSlides/notesSlide6.xml><?xml version="1.0" encoding="utf-8"?>
+<p:notes xmlns:a="http://schemas.openxmlformats.org/drawingml/2006/main" xmlns:r="http://schemas.openxmlformats.org/officeDocument/2006/relationships" xmlns:p="http://schemas.openxmlformats.org/presentationml/2006/main">
+  <p:cSld>
+    <p:spTree>
+      <p:nvGrpSpPr>
+        <p:cNvPr id="1" name=""/>
+        <p:cNvGrpSpPr/>
+        <p:nvPr/>
+      </p:nvGrpSpPr>
+      <p:grpSpPr>
+        <a:xfrm>
+          <a:off x="0" y="0"/>
+          <a:ext cx="0" cy="0"/>
+          <a:chOff x="0" y="0"/>
+          <a:chExt cx="0" cy="0"/>
+        </a:xfrm>
+      </p:grpSpPr>
+      <p:sp>
+        <p:nvSpPr>
+          <p:cNvPr id="2" name="幻灯片图像占位符 1"/>
+          <p:cNvSpPr>
+            <a:spLocks noGrp="1" noRot="1" noChangeAspect="1"/>
+          </p:cNvSpPr>
+          <p:nvPr>
+            <p:ph type="sldImg"/>
+          </p:nvPr>
+        </p:nvSpPr>
+        <p:spPr/>
+      </p:sp>
+      <p:sp>
+        <p:nvSpPr>
+          <p:cNvPr id="3" name="备注占位符 2"/>
+          <p:cNvSpPr>
+            <a:spLocks noGrp="1"/>
+          </p:cNvSpPr>
+          <p:nvPr>
+            <p:ph type="body" idx="1"/>
+          </p:nvPr>
+        </p:nvSpPr>
+        <p:spPr/>
+        <p:txBody>
+          <a:bodyPr/>
+          <a:lstStyle/>
+          <a:p>
+            <a:r>
+              <a:rPr lang="zh-CN" altLang="en-US" dirty="0" smtClean="0"/>
+              <a:t>现在举一个例子来说明如何用二分形状语义表示一个只包含窗户和墙面的简单建筑立面。</a:t>
+            </a:r>
+            <a:endParaRPr lang="en-US" altLang="zh-CN" dirty="0" smtClean="0"/>
+          </a:p>
+          <a:p>
+            <a:r>
+              <a:rPr lang="zh-CN" altLang="en-US" dirty="0" smtClean="0"/>
+              <a:t>初始形状是立面本身；终端形状是</a:t>
+            </a:r>
+            <a:r>
+              <a:rPr lang="en-US" altLang="zh-CN" dirty="0" smtClean="0"/>
+              <a:t>window</a:t>
+            </a:r>
+            <a:r>
+              <a:rPr lang="zh-CN" altLang="en-US" dirty="0" smtClean="0"/>
+              <a:t>和</a:t>
+            </a:r>
+            <a:r>
+              <a:rPr lang="en-US" altLang="zh-CN" dirty="0" smtClean="0"/>
+              <a:t>wall</a:t>
+            </a:r>
+            <a:r>
+              <a:rPr lang="zh-CN" altLang="en-US" dirty="0" smtClean="0"/>
+              <a:t>，</a:t>
+            </a:r>
+            <a:endParaRPr lang="en-US" altLang="zh-CN" dirty="0" smtClean="0"/>
+          </a:p>
+          <a:p>
+            <a:r>
+              <a:rPr lang="zh-CN" altLang="en-US" dirty="0" smtClean="0"/>
+              <a:t>非终端形状有</a:t>
+            </a:r>
+            <a:r>
+              <a:rPr lang="en-US" altLang="zh-CN" dirty="0" smtClean="0"/>
+              <a:t>4</a:t>
+            </a:r>
+            <a:r>
+              <a:rPr lang="zh-CN" altLang="en-US" dirty="0" smtClean="0"/>
+              <a:t>个，语义规则有</a:t>
+            </a:r>
+            <a:r>
+              <a:rPr lang="en-US" altLang="zh-CN" dirty="0" smtClean="0"/>
+              <a:t>5</a:t>
+            </a:r>
+            <a:r>
+              <a:rPr lang="zh-CN" altLang="en-US" dirty="0" smtClean="0"/>
+              <a:t>条，该图展示了应用该语义了对一个两层的立面进行剖分得到的剖分树。</a:t>
+            </a:r>
+            <a:endParaRPr lang="en-US" altLang="zh-CN" dirty="0" smtClean="0"/>
+          </a:p>
+          <a:p>
+            <a:endParaRPr lang="en-US" altLang="zh-CN" dirty="0" smtClean="0"/>
+          </a:p>
+          <a:p>
+            <a:r>
+              <a:rPr lang="zh-CN" altLang="en-US" dirty="0" smtClean="0"/>
+              <a:t>对于一个简单的建筑，我们可以通过观察的方法手动地得到其剖分树，但是对于给定的一个建筑立面的点云，我们如何得到可以描述它的最佳剖分树？</a:t>
+            </a:r>
+            <a:endParaRPr lang="zh-CN" altLang="en-US" dirty="0"/>
+          </a:p>
+        </p:txBody>
+      </p:sp>
+      <p:sp>
+        <p:nvSpPr>
+          <p:cNvPr id="4" name="灯片编号占位符 3"/>
+          <p:cNvSpPr>
+            <a:spLocks noGrp="1"/>
+          </p:cNvSpPr>
+          <p:nvPr>
+            <p:ph type="sldNum" sz="quarter" idx="10"/>
+          </p:nvPr>
+        </p:nvSpPr>
+        <p:spPr/>
+        <p:txBody>
+          <a:bodyPr/>
+          <a:lstStyle/>
+          <a:p>
+            <a:fld id="{DF61EA0F-A667-4B49-8422-0062BC55E249}" type="slidenum">
+              <a:rPr lang="en-US" altLang="zh-CN" smtClean="0"/>
+              <a:t>6</a:t>
+            </a:fld>
+            <a:endParaRPr lang="zh-CN" altLang="en-US"/>
+          </a:p>
+        </p:txBody>
+      </p:sp>
+    </p:spTree>
+    <p:extLst>
+      <p:ext uri="{BB962C8B-B14F-4D97-AF65-F5344CB8AC3E}">
+        <p14:creationId xmlns:p14="http://schemas.microsoft.com/office/powerpoint/2010/main" val="1831053144"/>
+      </p:ext>
+    </p:extLst>
+  </p:cSld>
+  <p:clrMapOvr>
+    <a:masterClrMapping/>
+  </p:clrMapOvr>
+</p:notes>
+</file>
+
+<file path=ppt/notesSlides/notesSlide7.xml><?xml version="1.0" encoding="utf-8"?>
+<p:notes xmlns:a="http://schemas.openxmlformats.org/drawingml/2006/main" xmlns:r="http://schemas.openxmlformats.org/officeDocument/2006/relationships" xmlns:p="http://schemas.openxmlformats.org/presentationml/2006/main">
+  <p:cSld>
+    <p:spTree>
+      <p:nvGrpSpPr>
+        <p:cNvPr id="1" name=""/>
+        <p:cNvGrpSpPr/>
+        <p:nvPr/>
+      </p:nvGrpSpPr>
+      <p:grpSpPr>
+        <a:xfrm>
+          <a:off x="0" y="0"/>
+          <a:ext cx="0" cy="0"/>
+          <a:chOff x="0" y="0"/>
+          <a:chExt cx="0" cy="0"/>
+        </a:xfrm>
+      </p:grpSpPr>
+      <p:sp>
+        <p:nvSpPr>
+          <p:cNvPr id="2" name="幻灯片图像占位符 1"/>
+          <p:cNvSpPr>
+            <a:spLocks noGrp="1" noRot="1" noChangeAspect="1"/>
+          </p:cNvSpPr>
+          <p:nvPr>
+            <p:ph type="sldImg"/>
+          </p:nvPr>
+        </p:nvSpPr>
+        <p:spPr/>
+      </p:sp>
+      <p:sp>
+        <p:nvSpPr>
+          <p:cNvPr id="3" name="备注占位符 2"/>
+          <p:cNvSpPr>
+            <a:spLocks noGrp="1"/>
+          </p:cNvSpPr>
+          <p:nvPr>
+            <p:ph type="body" idx="1"/>
+          </p:nvPr>
+        </p:nvSpPr>
+        <p:spPr/>
+        <p:txBody>
+          <a:bodyPr/>
+          <a:lstStyle/>
+          <a:p>
+            <a:r>
+              <a:rPr lang="zh-CN" altLang="en-US" dirty="0" smtClean="0"/>
+              <a:t>在解决这个问题之前，我先简单地介绍一下马尔可夫决策过程。马尔科夫决策过程描述的是</a:t>
+            </a:r>
+            <a:r>
+              <a:rPr lang="en-US" altLang="zh-CN" dirty="0" smtClean="0"/>
+              <a:t>Agent</a:t>
+            </a:r>
+            <a:r>
+              <a:rPr lang="zh-CN" altLang="en-US" dirty="0" smtClean="0"/>
+              <a:t>和环境的交互，在时刻</a:t>
+            </a:r>
+            <a:r>
+              <a:rPr lang="en-US" altLang="zh-CN" dirty="0" smtClean="0"/>
+              <a:t>t</a:t>
+            </a:r>
+            <a:r>
+              <a:rPr lang="zh-CN" altLang="en-US" dirty="0" smtClean="0"/>
+              <a:t>，环境向</a:t>
+            </a:r>
+            <a:r>
+              <a:rPr lang="en-US" altLang="zh-CN" dirty="0" smtClean="0"/>
+              <a:t>Agent</a:t>
+            </a:r>
+            <a:r>
+              <a:rPr lang="zh-CN" altLang="en-US" dirty="0" smtClean="0"/>
+              <a:t>发送一个状态信号</a:t>
+            </a:r>
+            <a:r>
+              <a:rPr lang="en-US" altLang="zh-CN" dirty="0" smtClean="0"/>
+              <a:t>St</a:t>
+            </a:r>
+            <a:r>
+              <a:rPr lang="zh-CN" altLang="en-US" dirty="0" smtClean="0"/>
+              <a:t>，</a:t>
+            </a:r>
+            <a:r>
+              <a:rPr lang="en-US" altLang="zh-CN" dirty="0" smtClean="0"/>
+              <a:t>Agent</a:t>
+            </a:r>
+            <a:r>
+              <a:rPr lang="zh-CN" altLang="en-US" dirty="0" smtClean="0"/>
+              <a:t>在这个状态之上采取了行为</a:t>
+            </a:r>
+            <a:r>
+              <a:rPr lang="en-US" altLang="zh-CN" dirty="0" smtClean="0"/>
+              <a:t>At</a:t>
+            </a:r>
+            <a:r>
+              <a:rPr lang="zh-CN" altLang="en-US" dirty="0" smtClean="0"/>
+              <a:t>，这个行为反过来又影响了环境，使得状态变为了</a:t>
+            </a:r>
+            <a:r>
+              <a:rPr lang="en-US" altLang="zh-CN" dirty="0" smtClean="0"/>
+              <a:t>St+1</a:t>
+            </a:r>
+            <a:r>
+              <a:rPr lang="zh-CN" altLang="en-US" dirty="0" smtClean="0"/>
+              <a:t>，同时，</a:t>
+            </a:r>
+            <a:r>
+              <a:rPr lang="en-US" altLang="zh-CN" dirty="0" smtClean="0"/>
+              <a:t>Agent</a:t>
+            </a:r>
+            <a:r>
+              <a:rPr lang="zh-CN" altLang="en-US" dirty="0" smtClean="0"/>
+              <a:t>收到了一个即时的回报</a:t>
+            </a:r>
+            <a:r>
+              <a:rPr lang="en-US" altLang="zh-CN" dirty="0" err="1" smtClean="0"/>
+              <a:t>Rt</a:t>
+            </a:r>
+            <a:r>
+              <a:rPr lang="zh-CN" altLang="en-US" dirty="0" smtClean="0"/>
+              <a:t>。</a:t>
+            </a:r>
+            <a:endParaRPr lang="en-US" altLang="zh-CN" dirty="0" smtClean="0"/>
+          </a:p>
+          <a:p>
+            <a:r>
+              <a:rPr lang="zh-CN" altLang="en-US" dirty="0" smtClean="0"/>
+              <a:t>在这个不断交互的过程中，</a:t>
+            </a:r>
+            <a:r>
+              <a:rPr lang="en-US" altLang="zh-CN" dirty="0" smtClean="0"/>
+              <a:t>Agent</a:t>
+            </a:r>
+            <a:r>
+              <a:rPr lang="zh-CN" altLang="en-US" dirty="0" smtClean="0"/>
+              <a:t>的目标是最大化其长期的回报值，即所有即时回报的累加值，这里给每个即时回报值乘以了一个折扣因子，对于有限步长的马尔科夫决策过程，折扣因子可以设为</a:t>
+            </a:r>
+            <a:r>
+              <a:rPr lang="en-US" altLang="zh-CN" dirty="0" smtClean="0"/>
+              <a:t>1.</a:t>
+            </a:r>
+          </a:p>
+          <a:p>
+            <a:pPr marL="0" marR="0" indent="0" algn="l" defTabSz="914400" rtl="0" eaLnBrk="1" fontAlgn="auto" latinLnBrk="0" hangingPunct="1">
+              <a:lnSpc>
+                <a:spcPct val="100000"/>
+              </a:lnSpc>
+              <a:spcBef>
+                <a:spcPts val="0"/>
+              </a:spcBef>
+              <a:spcAft>
+                <a:spcPts val="0"/>
+              </a:spcAft>
+              <a:buClrTx/>
+              <a:buSzTx/>
+              <a:buFontTx/>
+              <a:buNone/>
+              <a:tabLst/>
+              <a:defRPr/>
+            </a:pPr>
+            <a:r>
+              <a:rPr lang="en-US" altLang="zh-CN" dirty="0" smtClean="0"/>
+              <a:t>Agent</a:t>
+            </a:r>
+            <a:r>
+              <a:rPr lang="zh-CN" altLang="en-US" dirty="0" smtClean="0"/>
+              <a:t>为了达到目标，需要得到在某个状态下因该采取哪个行动的策略，策略</a:t>
+            </a:r>
+            <a:r>
+              <a:rPr lang="el-GR" altLang="zh-CN" sz="1200" dirty="0" smtClean="0"/>
+              <a:t>π</a:t>
+            </a:r>
+            <a:r>
+              <a:rPr lang="zh-CN" altLang="en-US" sz="1200" dirty="0" smtClean="0"/>
+              <a:t>描述了在某个状态下选择某个行为的概率，用</a:t>
+            </a:r>
+            <a:r>
+              <a:rPr lang="en-US" altLang="zh-CN" sz="1200" dirty="0" smtClean="0"/>
+              <a:t>V</a:t>
+            </a:r>
+            <a:r>
+              <a:rPr lang="zh-CN" altLang="en-US" sz="1200" dirty="0" smtClean="0"/>
+              <a:t>函数描述策略的好坏，</a:t>
+            </a:r>
+            <a:r>
+              <a:rPr lang="en-US" altLang="zh-CN" sz="1200" dirty="0" smtClean="0"/>
+              <a:t>V</a:t>
+            </a:r>
+            <a:r>
+              <a:rPr lang="zh-CN" altLang="en-US" sz="1200" dirty="0" smtClean="0"/>
+              <a:t>函数表示了某个状态下按照策略</a:t>
+            </a:r>
+            <a:r>
+              <a:rPr lang="el-GR" altLang="zh-CN" sz="1200" dirty="0" smtClean="0"/>
+              <a:t>π</a:t>
+            </a:r>
+            <a:r>
+              <a:rPr lang="zh-CN" altLang="en-US" sz="1200" dirty="0" smtClean="0"/>
+              <a:t>决策，</a:t>
+            </a:r>
+            <a:r>
+              <a:rPr lang="en-US" altLang="zh-CN" sz="1200" dirty="0" smtClean="0"/>
+              <a:t>agent</a:t>
+            </a:r>
+            <a:r>
+              <a:rPr lang="zh-CN" altLang="en-US" sz="1200" dirty="0" smtClean="0"/>
+              <a:t>能得到的长期回报值。</a:t>
+            </a:r>
+            <a:endParaRPr lang="en-US" altLang="zh-CN" sz="1200" dirty="0" smtClean="0"/>
+          </a:p>
+          <a:p>
+            <a:r>
+              <a:rPr lang="zh-CN" altLang="en-US" dirty="0" smtClean="0"/>
+              <a:t>因此求解马尔科夫决策过程实际上就是寻找最优策略的过程。现有的方法一般是采用数值迭代的方式从某个策略开始，不断优化该策略以得到最优策略。我们采用的增强学习的方法改进策略的公式如下，相比于动态规划和蒙特卡罗方法，增强学习的优点在于可以应对环境完全未知并且状态量巨大的马尔科夫问题的求解。</a:t>
+            </a:r>
+            <a:endParaRPr lang="zh-CN" altLang="en-US" dirty="0"/>
+          </a:p>
+        </p:txBody>
+      </p:sp>
+      <p:sp>
+        <p:nvSpPr>
+          <p:cNvPr id="4" name="灯片编号占位符 3"/>
+          <p:cNvSpPr>
+            <a:spLocks noGrp="1"/>
+          </p:cNvSpPr>
+          <p:nvPr>
+            <p:ph type="sldNum" sz="quarter" idx="10"/>
+          </p:nvPr>
+        </p:nvSpPr>
+        <p:spPr/>
+        <p:txBody>
+          <a:bodyPr/>
+          <a:lstStyle/>
+          <a:p>
+            <a:fld id="{DF61EA0F-A667-4B49-8422-0062BC55E249}" type="slidenum">
+              <a:rPr lang="en-US" altLang="zh-CN" smtClean="0"/>
+              <a:t>7</a:t>
+            </a:fld>
+            <a:endParaRPr lang="zh-CN" altLang="en-US"/>
+          </a:p>
+        </p:txBody>
+      </p:sp>
+    </p:spTree>
+    <p:extLst>
+      <p:ext uri="{BB962C8B-B14F-4D97-AF65-F5344CB8AC3E}">
+        <p14:creationId xmlns:p14="http://schemas.microsoft.com/office/powerpoint/2010/main" val="2953162530"/>
+      </p:ext>
+    </p:extLst>
+  </p:cSld>
+  <p:clrMapOvr>
+    <a:masterClrMapping/>
+  </p:clrMapOvr>
+</p:notes>
+</file>
+
+<file path=ppt/notesSlides/notesSlide8.xml><?xml version="1.0" encoding="utf-8"?>
+<p:notes xmlns:a="http://schemas.openxmlformats.org/drawingml/2006/main" xmlns:r="http://schemas.openxmlformats.org/officeDocument/2006/relationships" xmlns:p="http://schemas.openxmlformats.org/presentationml/2006/main">
+  <p:cSld>
+    <p:spTree>
+      <p:nvGrpSpPr>
+        <p:cNvPr id="1" name=""/>
+        <p:cNvGrpSpPr/>
+        <p:nvPr/>
+      </p:nvGrpSpPr>
+      <p:grpSpPr>
+        <a:xfrm>
+          <a:off x="0" y="0"/>
+          <a:ext cx="0" cy="0"/>
+          <a:chOff x="0" y="0"/>
+          <a:chExt cx="0" cy="0"/>
+        </a:xfrm>
+      </p:grpSpPr>
+      <p:sp>
+        <p:nvSpPr>
+          <p:cNvPr id="2" name="幻灯片图像占位符 1"/>
+          <p:cNvSpPr>
+            <a:spLocks noGrp="1" noRot="1" noChangeAspect="1"/>
+          </p:cNvSpPr>
+          <p:nvPr>
+            <p:ph type="sldImg"/>
+          </p:nvPr>
+        </p:nvSpPr>
+        <p:spPr/>
+      </p:sp>
+      <p:sp>
+        <p:nvSpPr>
+          <p:cNvPr id="3" name="备注占位符 2"/>
+          <p:cNvSpPr>
+            <a:spLocks noGrp="1"/>
+          </p:cNvSpPr>
+          <p:nvPr>
+            <p:ph type="body" idx="1"/>
+          </p:nvPr>
+        </p:nvSpPr>
+        <p:spPr/>
+        <p:txBody>
+          <a:bodyPr/>
+          <a:lstStyle/>
+          <a:p>
+            <a:r>
+              <a:rPr lang="zh-CN" altLang="en-US" dirty="0" smtClean="0"/>
+              <a:t>现在我们来看看如何将最佳形状语义的求解建模为马尔科夫决策过程。</a:t>
+            </a:r>
+            <a:endParaRPr lang="en-US" altLang="zh-CN" dirty="0" smtClean="0"/>
+          </a:p>
+          <a:p>
+            <a:r>
+              <a:rPr lang="en-US" altLang="zh-CN" dirty="0" smtClean="0"/>
+              <a:t>Agent</a:t>
+            </a:r>
+            <a:r>
+              <a:rPr lang="zh-CN" altLang="en-US" dirty="0" smtClean="0"/>
+              <a:t>的长期回报值可以这个式子表示。</a:t>
+            </a:r>
+            <a:r>
+              <a:rPr lang="en-US" altLang="zh-CN" sz="1200" dirty="0" smtClean="0">
+                <a:latin typeface="微软雅黑" panose="020B0503020204020204" pitchFamily="34" charset="-122"/>
+                <a:ea typeface="微软雅黑" panose="020B0503020204020204" pitchFamily="34" charset="-122"/>
+              </a:rPr>
+              <a:t>s(x, y)</a:t>
+            </a:r>
+            <a:r>
+              <a:rPr lang="zh-CN" altLang="en-US" sz="1200" dirty="0" smtClean="0">
+                <a:latin typeface="微软雅黑" panose="020B0503020204020204" pitchFamily="34" charset="-122"/>
+                <a:ea typeface="微软雅黑" panose="020B0503020204020204" pitchFamily="34" charset="-122"/>
+              </a:rPr>
+              <a:t>表示根据策略得到的点（</a:t>
+            </a:r>
+            <a:r>
+              <a:rPr lang="en-US" altLang="zh-CN" sz="1200" dirty="0" smtClean="0">
+                <a:latin typeface="微软雅黑" panose="020B0503020204020204" pitchFamily="34" charset="-122"/>
+                <a:ea typeface="微软雅黑" panose="020B0503020204020204" pitchFamily="34" charset="-122"/>
+              </a:rPr>
+              <a:t>x</a:t>
+            </a:r>
+            <a:r>
+              <a:rPr lang="zh-CN" altLang="en-US" sz="1200" dirty="0" smtClean="0">
+                <a:latin typeface="微软雅黑" panose="020B0503020204020204" pitchFamily="34" charset="-122"/>
+                <a:ea typeface="微软雅黑" panose="020B0503020204020204" pitchFamily="34" charset="-122"/>
+              </a:rPr>
+              <a:t>，</a:t>
+            </a:r>
+            <a:r>
+              <a:rPr lang="en-US" altLang="zh-CN" sz="1200" dirty="0" smtClean="0">
+                <a:latin typeface="微软雅黑" panose="020B0503020204020204" pitchFamily="34" charset="-122"/>
+                <a:ea typeface="微软雅黑" panose="020B0503020204020204" pitchFamily="34" charset="-122"/>
+              </a:rPr>
+              <a:t>y</a:t>
+            </a:r>
+            <a:r>
+              <a:rPr lang="zh-CN" altLang="en-US" sz="1200" dirty="0" smtClean="0">
+                <a:latin typeface="微软雅黑" panose="020B0503020204020204" pitchFamily="34" charset="-122"/>
+                <a:ea typeface="微软雅黑" panose="020B0503020204020204" pitchFamily="34" charset="-122"/>
+              </a:rPr>
+              <a:t>）的建筑类别。而函数</a:t>
+            </a:r>
+            <a:r>
+              <a:rPr lang="en-US" altLang="zh-CN" sz="1200" dirty="0" smtClean="0">
+                <a:latin typeface="微软雅黑" panose="020B0503020204020204" pitchFamily="34" charset="-122"/>
+                <a:ea typeface="微软雅黑" panose="020B0503020204020204" pitchFamily="34" charset="-122"/>
+              </a:rPr>
+              <a:t>p</a:t>
+            </a:r>
+            <a:r>
+              <a:rPr lang="zh-CN" altLang="en-US" sz="1200" dirty="0" smtClean="0">
+                <a:latin typeface="微软雅黑" panose="020B0503020204020204" pitchFamily="34" charset="-122"/>
+                <a:ea typeface="微软雅黑" panose="020B0503020204020204" pitchFamily="34" charset="-122"/>
+              </a:rPr>
+              <a:t>表示的点（</a:t>
+            </a:r>
+            <a:r>
+              <a:rPr lang="en-US" altLang="zh-CN" sz="1200" dirty="0" smtClean="0">
+                <a:latin typeface="微软雅黑" panose="020B0503020204020204" pitchFamily="34" charset="-122"/>
+                <a:ea typeface="微软雅黑" panose="020B0503020204020204" pitchFamily="34" charset="-122"/>
+              </a:rPr>
+              <a:t>x</a:t>
+            </a:r>
+            <a:r>
+              <a:rPr lang="zh-CN" altLang="en-US" sz="1200" dirty="0" smtClean="0">
+                <a:latin typeface="微软雅黑" panose="020B0503020204020204" pitchFamily="34" charset="-122"/>
+                <a:ea typeface="微软雅黑" panose="020B0503020204020204" pitchFamily="34" charset="-122"/>
+              </a:rPr>
+              <a:t>，</a:t>
+            </a:r>
+            <a:r>
+              <a:rPr lang="en-US" altLang="zh-CN" sz="1200" dirty="0" smtClean="0">
+                <a:latin typeface="微软雅黑" panose="020B0503020204020204" pitchFamily="34" charset="-122"/>
+                <a:ea typeface="微软雅黑" panose="020B0503020204020204" pitchFamily="34" charset="-122"/>
+              </a:rPr>
+              <a:t>y</a:t>
+            </a:r>
+            <a:r>
+              <a:rPr lang="zh-CN" altLang="en-US" sz="1200" dirty="0" smtClean="0">
+                <a:latin typeface="微软雅黑" panose="020B0503020204020204" pitchFamily="34" charset="-122"/>
+                <a:ea typeface="微软雅黑" panose="020B0503020204020204" pitchFamily="34" charset="-122"/>
+              </a:rPr>
+              <a:t>）属于类别</a:t>
+            </a:r>
+            <a:r>
+              <a:rPr lang="en-US" altLang="zh-CN" sz="1200" dirty="0" smtClean="0">
+                <a:latin typeface="微软雅黑" panose="020B0503020204020204" pitchFamily="34" charset="-122"/>
+                <a:ea typeface="微软雅黑" panose="020B0503020204020204" pitchFamily="34" charset="-122"/>
+              </a:rPr>
+              <a:t>s(x, y)</a:t>
+            </a:r>
+            <a:r>
+              <a:rPr lang="zh-CN" altLang="en-US" sz="1200" dirty="0" smtClean="0">
+                <a:latin typeface="微软雅黑" panose="020B0503020204020204" pitchFamily="34" charset="-122"/>
+                <a:ea typeface="微软雅黑" panose="020B0503020204020204" pitchFamily="34" charset="-122"/>
+              </a:rPr>
+              <a:t>的概率。实际上，该式子就表示了二分形状语义剖分的正确度，正确度越高，说明策略越好；最大化正确度，也就得到了建筑立面的最优剖分。</a:t>
+            </a:r>
+            <a:endParaRPr lang="en-US" altLang="zh-CN" sz="1200" dirty="0" smtClean="0">
+              <a:latin typeface="微软雅黑" panose="020B0503020204020204" pitchFamily="34" charset="-122"/>
+              <a:ea typeface="微软雅黑" panose="020B0503020204020204" pitchFamily="34" charset="-122"/>
+            </a:endParaRPr>
+          </a:p>
+          <a:p>
+            <a:endParaRPr lang="en-US" altLang="zh-CN" sz="1200" dirty="0" smtClean="0">
+              <a:latin typeface="微软雅黑" panose="020B0503020204020204" pitchFamily="34" charset="-122"/>
+              <a:ea typeface="微软雅黑" panose="020B0503020204020204" pitchFamily="34" charset="-122"/>
+            </a:endParaRPr>
+          </a:p>
+          <a:p>
+            <a:r>
+              <a:rPr lang="zh-CN" altLang="en-US" sz="1200" dirty="0" smtClean="0">
+                <a:latin typeface="微软雅黑" panose="020B0503020204020204" pitchFamily="34" charset="-122"/>
+                <a:ea typeface="微软雅黑" panose="020B0503020204020204" pitchFamily="34" charset="-122"/>
+              </a:rPr>
+              <a:t>现在又出现了一个问题：即如何得到点（</a:t>
+            </a:r>
+            <a:r>
+              <a:rPr lang="en-US" altLang="zh-CN" sz="1200" dirty="0" smtClean="0">
+                <a:latin typeface="微软雅黑" panose="020B0503020204020204" pitchFamily="34" charset="-122"/>
+                <a:ea typeface="微软雅黑" panose="020B0503020204020204" pitchFamily="34" charset="-122"/>
+              </a:rPr>
+              <a:t>x</a:t>
+            </a:r>
+            <a:r>
+              <a:rPr lang="zh-CN" altLang="en-US" sz="1200" dirty="0" smtClean="0">
+                <a:latin typeface="微软雅黑" panose="020B0503020204020204" pitchFamily="34" charset="-122"/>
+                <a:ea typeface="微软雅黑" panose="020B0503020204020204" pitchFamily="34" charset="-122"/>
+              </a:rPr>
+              <a:t>，</a:t>
+            </a:r>
+            <a:r>
+              <a:rPr lang="en-US" altLang="zh-CN" sz="1200" dirty="0" smtClean="0">
+                <a:latin typeface="微软雅黑" panose="020B0503020204020204" pitchFamily="34" charset="-122"/>
+                <a:ea typeface="微软雅黑" panose="020B0503020204020204" pitchFamily="34" charset="-122"/>
+              </a:rPr>
+              <a:t>y</a:t>
+            </a:r>
+            <a:r>
+              <a:rPr lang="zh-CN" altLang="en-US" sz="1200" dirty="0" smtClean="0">
+                <a:latin typeface="微软雅黑" panose="020B0503020204020204" pitchFamily="34" charset="-122"/>
+                <a:ea typeface="微软雅黑" panose="020B0503020204020204" pitchFamily="34" charset="-122"/>
+              </a:rPr>
+              <a:t>）是建筑类别</a:t>
+            </a:r>
+            <a:r>
+              <a:rPr lang="en-US" altLang="zh-CN" sz="1200" dirty="0" smtClean="0">
+                <a:latin typeface="微软雅黑" panose="020B0503020204020204" pitchFamily="34" charset="-122"/>
+                <a:ea typeface="微软雅黑" panose="020B0503020204020204" pitchFamily="34" charset="-122"/>
+              </a:rPr>
+              <a:t>a</a:t>
+            </a:r>
+            <a:r>
+              <a:rPr lang="zh-CN" altLang="en-US" sz="1200" dirty="0" smtClean="0">
+                <a:latin typeface="微软雅黑" panose="020B0503020204020204" pitchFamily="34" charset="-122"/>
+                <a:ea typeface="微软雅黑" panose="020B0503020204020204" pitchFamily="34" charset="-122"/>
+              </a:rPr>
+              <a:t>的概率？</a:t>
+            </a:r>
+            <a:endParaRPr lang="zh-CN" altLang="en-US" dirty="0"/>
+          </a:p>
+        </p:txBody>
+      </p:sp>
+      <p:sp>
+        <p:nvSpPr>
+          <p:cNvPr id="4" name="灯片编号占位符 3"/>
+          <p:cNvSpPr>
+            <a:spLocks noGrp="1"/>
+          </p:cNvSpPr>
+          <p:nvPr>
+            <p:ph type="sldNum" sz="quarter" idx="10"/>
+          </p:nvPr>
+        </p:nvSpPr>
+        <p:spPr/>
+        <p:txBody>
+          <a:bodyPr/>
+          <a:lstStyle/>
+          <a:p>
+            <a:fld id="{DF61EA0F-A667-4B49-8422-0062BC55E249}" type="slidenum">
+              <a:rPr lang="en-US" altLang="zh-CN" smtClean="0"/>
+              <a:t>8</a:t>
+            </a:fld>
+            <a:endParaRPr lang="zh-CN" altLang="en-US"/>
+          </a:p>
+        </p:txBody>
+      </p:sp>
+    </p:spTree>
+    <p:extLst>
+      <p:ext uri="{BB962C8B-B14F-4D97-AF65-F5344CB8AC3E}">
+        <p14:creationId xmlns:p14="http://schemas.microsoft.com/office/powerpoint/2010/main" val="1270071377"/>
+      </p:ext>
+    </p:extLst>
+  </p:cSld>
+  <p:clrMapOvr>
+    <a:masterClrMapping/>
+  </p:clrMapOvr>
+</p:notes>
+</file>
+
+<file path=ppt/notesSlides/notesSlide9.xml><?xml version="1.0" encoding="utf-8"?>
+<p:notes xmlns:a="http://schemas.openxmlformats.org/drawingml/2006/main" xmlns:r="http://schemas.openxmlformats.org/officeDocument/2006/relationships" xmlns:p="http://schemas.openxmlformats.org/presentationml/2006/main">
+  <p:cSld>
+    <p:spTree>
+      <p:nvGrpSpPr>
+        <p:cNvPr id="1" name=""/>
+        <p:cNvGrpSpPr/>
+        <p:nvPr/>
+      </p:nvGrpSpPr>
+      <p:grpSpPr>
+        <a:xfrm>
+          <a:off x="0" y="0"/>
+          <a:ext cx="0" cy="0"/>
+          <a:chOff x="0" y="0"/>
+          <a:chExt cx="0" cy="0"/>
+        </a:xfrm>
+      </p:grpSpPr>
+      <p:sp>
+        <p:nvSpPr>
+          <p:cNvPr id="2" name="幻灯片图像占位符 1"/>
+          <p:cNvSpPr>
+            <a:spLocks noGrp="1" noRot="1" noChangeAspect="1"/>
+          </p:cNvSpPr>
+          <p:nvPr>
+            <p:ph type="sldImg"/>
+          </p:nvPr>
+        </p:nvSpPr>
+        <p:spPr/>
+      </p:sp>
+      <p:sp>
+        <p:nvSpPr>
+          <p:cNvPr id="3" name="备注占位符 2"/>
+          <p:cNvSpPr>
+            <a:spLocks noGrp="1"/>
+          </p:cNvSpPr>
+          <p:nvPr>
+            <p:ph type="body" idx="1"/>
+          </p:nvPr>
+        </p:nvSpPr>
+        <p:spPr/>
+        <p:txBody>
+          <a:bodyPr/>
+          <a:lstStyle/>
+          <a:p>
+            <a:r>
+              <a:rPr lang="zh-CN" altLang="en-US" dirty="0" smtClean="0"/>
+              <a:t>为此，我们首先采用数据驱动的方法，用点与遇分类的结果近似表示建筑结构的概率分布。</a:t>
+            </a:r>
+            <a:endParaRPr lang="en-US" altLang="zh-CN" dirty="0" smtClean="0"/>
+          </a:p>
+          <a:p>
+            <a:r>
+              <a:rPr lang="zh-CN" altLang="en-US" dirty="0" smtClean="0"/>
+              <a:t>预分类主要包括三个过程，首先是</a:t>
+            </a:r>
+            <a:endParaRPr lang="en-US" altLang="zh-CN" dirty="0" smtClean="0"/>
+          </a:p>
+          <a:p>
+            <a:endParaRPr lang="en-US" altLang="zh-CN" dirty="0" smtClean="0"/>
+          </a:p>
+          <a:p>
+            <a:r>
+              <a:rPr lang="zh-CN" altLang="en-US" dirty="0" smtClean="0"/>
+              <a:t>这幅图表示了对一个点云确实严重的立面的分类结果</a:t>
+            </a:r>
+            <a:endParaRPr lang="en-US" altLang="zh-CN" dirty="0" smtClean="0"/>
+          </a:p>
+          <a:p>
+            <a:r>
+              <a:rPr lang="zh-CN" altLang="en-US" dirty="0" smtClean="0"/>
+              <a:t>对一个教堂进行分类的结果，主要分成了屋顶、窗户、立柱、门以及黑色的背景几类</a:t>
+            </a:r>
+            <a:endParaRPr lang="en-US" altLang="zh-CN" dirty="0" smtClean="0"/>
+          </a:p>
+          <a:p>
+            <a:r>
+              <a:rPr lang="zh-CN" altLang="en-US" dirty="0" smtClean="0"/>
+              <a:t>对一个小区分类的结果</a:t>
+            </a:r>
+            <a:endParaRPr lang="zh-CN" altLang="en-US" dirty="0"/>
+          </a:p>
+        </p:txBody>
+      </p:sp>
+      <p:sp>
+        <p:nvSpPr>
+          <p:cNvPr id="4" name="灯片编号占位符 3"/>
+          <p:cNvSpPr>
+            <a:spLocks noGrp="1"/>
+          </p:cNvSpPr>
+          <p:nvPr>
+            <p:ph type="sldNum" sz="quarter" idx="10"/>
+          </p:nvPr>
+        </p:nvSpPr>
+        <p:spPr/>
+        <p:txBody>
+          <a:bodyPr/>
+          <a:lstStyle/>
+          <a:p>
+            <a:fld id="{DF61EA0F-A667-4B49-8422-0062BC55E249}" type="slidenum">
+              <a:rPr lang="en-US" altLang="zh-CN" smtClean="0"/>
+              <a:t>9</a:t>
+            </a:fld>
+            <a:endParaRPr lang="zh-CN" altLang="en-US"/>
+          </a:p>
+        </p:txBody>
+      </p:sp>
+    </p:spTree>
+    <p:extLst>
+      <p:ext uri="{BB962C8B-B14F-4D97-AF65-F5344CB8AC3E}">
+        <p14:creationId xmlns:p14="http://schemas.microsoft.com/office/powerpoint/2010/main" val="4270597764"/>
       </p:ext>
     </p:extLst>
   </p:cSld>
@@ -5073,7 +7102,7 @@
           <a:lstStyle/>
           <a:p>
             <a:fld id="{8BEEBAAA-29B5-4AF5-BC5F-7E580C29002D}" type="datetimeFigureOut">
-              <a:t>2014/5/10</a:t>
+              <a:t>2014/5/11</a:t>
             </a:fld>
             <a:endParaRPr lang="zh-CN"/>
           </a:p>
@@ -5348,7 +7377,7 @@
           <a:lstStyle/>
           <a:p>
             <a:fld id="{8BEEBAAA-29B5-4AF5-BC5F-7E580C29002D}" type="datetimeFigureOut">
-              <a:t>2014/5/10</a:t>
+              <a:t>2014/5/11</a:t>
             </a:fld>
             <a:endParaRPr lang="zh-CN"/>
           </a:p>
@@ -5628,7 +7657,7 @@
           <a:lstStyle/>
           <a:p>
             <a:fld id="{8BEEBAAA-29B5-4AF5-BC5F-7E580C29002D}" type="datetimeFigureOut">
-              <a:t>2014/5/10</a:t>
+              <a:t>2014/5/11</a:t>
             </a:fld>
             <a:endParaRPr lang="zh-CN"/>
           </a:p>
@@ -5987,7 +8016,7 @@
           <a:lstStyle/>
           <a:p>
             <a:fld id="{8BEEBAAA-29B5-4AF5-BC5F-7E580C29002D}" type="datetimeFigureOut">
-              <a:t>2014/5/10</a:t>
+              <a:t>2014/5/11</a:t>
             </a:fld>
             <a:endParaRPr lang="zh-CN"/>
           </a:p>
@@ -6285,7 +8314,7 @@
           <a:lstStyle/>
           <a:p>
             <a:fld id="{8BEEBAAA-29B5-4AF5-BC5F-7E580C29002D}" type="datetimeFigureOut">
-              <a:t>2014/5/10</a:t>
+              <a:t>2014/5/11</a:t>
             </a:fld>
             <a:endParaRPr lang="zh-CN"/>
           </a:p>
@@ -6798,7 +8827,7 @@
           <a:lstStyle/>
           <a:p>
             <a:fld id="{8BEEBAAA-29B5-4AF5-BC5F-7E580C29002D}" type="datetimeFigureOut">
-              <a:t>2014/5/10</a:t>
+              <a:t>2014/5/11</a:t>
             </a:fld>
             <a:endParaRPr lang="zh-CN"/>
           </a:p>
@@ -7441,7 +9470,7 @@
           <a:lstStyle/>
           <a:p>
             <a:fld id="{8BEEBAAA-29B5-4AF5-BC5F-7E580C29002D}" type="datetimeFigureOut">
-              <a:t>2014/5/10</a:t>
+              <a:t>2014/5/11</a:t>
             </a:fld>
             <a:endParaRPr lang="zh-CN"/>
           </a:p>
@@ -7664,7 +9693,7 @@
           <a:lstStyle/>
           <a:p>
             <a:fld id="{8BEEBAAA-29B5-4AF5-BC5F-7E580C29002D}" type="datetimeFigureOut">
-              <a:t>2014/5/10</a:t>
+              <a:t>2014/5/11</a:t>
             </a:fld>
             <a:endParaRPr lang="zh-CN"/>
           </a:p>
@@ -7803,7 +9832,7 @@
           <a:lstStyle/>
           <a:p>
             <a:fld id="{8BEEBAAA-29B5-4AF5-BC5F-7E580C29002D}" type="datetimeFigureOut">
-              <a:t>2014/5/10</a:t>
+              <a:t>2014/5/11</a:t>
             </a:fld>
             <a:endParaRPr lang="zh-CN"/>
           </a:p>
@@ -8138,7 +10167,7 @@
           <a:lstStyle/>
           <a:p>
             <a:fld id="{8BEEBAAA-29B5-4AF5-BC5F-7E580C29002D}" type="datetimeFigureOut">
-              <a:t>2014/5/10</a:t>
+              <a:t>2014/5/11</a:t>
             </a:fld>
             <a:endParaRPr lang="zh-CN"/>
           </a:p>
@@ -8393,7 +10422,7 @@
           <a:lstStyle/>
           <a:p>
             <a:fld id="{8BEEBAAA-29B5-4AF5-BC5F-7E580C29002D}" type="datetimeFigureOut">
-              <a:t>2014/5/10</a:t>
+              <a:t>2014/5/11</a:t>
             </a:fld>
             <a:endParaRPr lang="zh-CN"/>
           </a:p>
@@ -8606,7 +10635,7 @@
             <a:fld id="{8BEEBAAA-29B5-4AF5-BC5F-7E580C29002D}" type="datetimeFigureOut">
               <a:rPr lang="en-US" altLang="zh-CN" smtClean="0"/>
               <a:pPr/>
-              <a:t>5/10/2014</a:t>
+              <a:t>5/11/2014</a:t>
             </a:fld>
             <a:endParaRPr lang="zh-CN" altLang="en-US"/>
           </a:p>
@@ -9266,7 +11295,7 @@
           <p:nvPr/>
         </p:nvPicPr>
         <p:blipFill>
-          <a:blip r:embed="rId2">
+          <a:blip r:embed="rId3">
             <a:extLst>
               <a:ext uri="{28A0092B-C50C-407E-A947-70E740481C1C}">
                 <a14:useLocalDpi xmlns:a14="http://schemas.microsoft.com/office/drawing/2010/main" val="0"/>
@@ -9296,7 +11325,7 @@
           <p:nvPr/>
         </p:nvPicPr>
         <p:blipFill>
-          <a:blip r:embed="rId3">
+          <a:blip r:embed="rId4">
             <a:extLst>
               <a:ext uri="{28A0092B-C50C-407E-A947-70E740481C1C}">
                 <a14:useLocalDpi xmlns:a14="http://schemas.microsoft.com/office/drawing/2010/main" val="0"/>
@@ -9326,7 +11355,7 @@
           <p:nvPr/>
         </p:nvPicPr>
         <p:blipFill rotWithShape="1">
-          <a:blip r:embed="rId4">
+          <a:blip r:embed="rId5">
             <a:extLst>
               <a:ext uri="{28A0092B-C50C-407E-A947-70E740481C1C}">
                 <a14:useLocalDpi xmlns:a14="http://schemas.microsoft.com/office/drawing/2010/main" val="0"/>
@@ -9521,7 +11550,7 @@
           <p:nvPr/>
         </p:nvPicPr>
         <p:blipFill>
-          <a:blip r:embed="rId2">
+          <a:blip r:embed="rId3">
             <a:extLst>
               <a:ext uri="{28A0092B-C50C-407E-A947-70E740481C1C}">
                 <a14:useLocalDpi xmlns:a14="http://schemas.microsoft.com/office/drawing/2010/main" val="0"/>
@@ -9573,7 +11602,7 @@
           <p:nvPr/>
         </p:nvPicPr>
         <p:blipFill>
-          <a:blip r:embed="rId3">
+          <a:blip r:embed="rId4">
             <a:extLst>
               <a:ext uri="{28A0092B-C50C-407E-A947-70E740481C1C}">
                 <a14:useLocalDpi xmlns:a14="http://schemas.microsoft.com/office/drawing/2010/main" val="0"/>
@@ -9603,7 +11632,7 @@
           <p:nvPr/>
         </p:nvPicPr>
         <p:blipFill rotWithShape="1">
-          <a:blip r:embed="rId4">
+          <a:blip r:embed="rId5">
             <a:extLst>
               <a:ext uri="{28A0092B-C50C-407E-A947-70E740481C1C}">
                 <a14:useLocalDpi xmlns:a14="http://schemas.microsoft.com/office/drawing/2010/main" val="0"/>
@@ -9825,7 +11854,7 @@
           <p:nvPr/>
         </p:nvPicPr>
         <p:blipFill>
-          <a:blip r:embed="rId2">
+          <a:blip r:embed="rId3">
             <a:extLst>
               <a:ext uri="{28A0092B-C50C-407E-A947-70E740481C1C}">
                 <a14:useLocalDpi xmlns:a14="http://schemas.microsoft.com/office/drawing/2010/main" val="0"/>
@@ -9855,7 +11884,7 @@
           <p:nvPr/>
         </p:nvPicPr>
         <p:blipFill>
-          <a:blip r:embed="rId3">
+          <a:blip r:embed="rId4">
             <a:extLst>
               <a:ext uri="{28A0092B-C50C-407E-A947-70E740481C1C}">
                 <a14:useLocalDpi xmlns:a14="http://schemas.microsoft.com/office/drawing/2010/main" val="0"/>
@@ -9885,7 +11914,7 @@
           <p:nvPr/>
         </p:nvPicPr>
         <p:blipFill rotWithShape="1">
-          <a:blip r:embed="rId4">
+          <a:blip r:embed="rId5">
             <a:extLst>
               <a:ext uri="{28A0092B-C50C-407E-A947-70E740481C1C}">
                 <a14:useLocalDpi xmlns:a14="http://schemas.microsoft.com/office/drawing/2010/main" val="0"/>
@@ -10102,7 +12131,7 @@
           <p:nvPr/>
         </p:nvPicPr>
         <p:blipFill>
-          <a:blip r:embed="rId2">
+          <a:blip r:embed="rId3">
             <a:extLst>
               <a:ext uri="{28A0092B-C50C-407E-A947-70E740481C1C}">
                 <a14:useLocalDpi xmlns:a14="http://schemas.microsoft.com/office/drawing/2010/main" val="0"/>
@@ -10132,7 +12161,7 @@
           <p:nvPr/>
         </p:nvPicPr>
         <p:blipFill>
-          <a:blip r:embed="rId3">
+          <a:blip r:embed="rId4">
             <a:extLst>
               <a:ext uri="{28A0092B-C50C-407E-A947-70E740481C1C}">
                 <a14:useLocalDpi xmlns:a14="http://schemas.microsoft.com/office/drawing/2010/main" val="0"/>
@@ -10162,7 +12191,7 @@
           <p:nvPr/>
         </p:nvPicPr>
         <p:blipFill rotWithShape="1">
-          <a:blip r:embed="rId4">
+          <a:blip r:embed="rId5">
             <a:extLst>
               <a:ext uri="{28A0092B-C50C-407E-A947-70E740481C1C}">
                 <a14:useLocalDpi xmlns:a14="http://schemas.microsoft.com/office/drawing/2010/main" val="0"/>
@@ -10425,7 +12454,7 @@
           <p:nvPr/>
         </p:nvPicPr>
         <p:blipFill>
-          <a:blip r:embed="rId2">
+          <a:blip r:embed="rId3">
             <a:extLst>
               <a:ext uri="{28A0092B-C50C-407E-A947-70E740481C1C}">
                 <a14:useLocalDpi xmlns:a14="http://schemas.microsoft.com/office/drawing/2010/main" val="0"/>
@@ -10455,7 +12484,7 @@
           <p:nvPr/>
         </p:nvPicPr>
         <p:blipFill>
-          <a:blip r:embed="rId3">
+          <a:blip r:embed="rId4">
             <a:extLst>
               <a:ext uri="{28A0092B-C50C-407E-A947-70E740481C1C}">
                 <a14:useLocalDpi xmlns:a14="http://schemas.microsoft.com/office/drawing/2010/main" val="0"/>
@@ -10485,7 +12514,7 @@
           <p:nvPr/>
         </p:nvPicPr>
         <p:blipFill rotWithShape="1">
-          <a:blip r:embed="rId4">
+          <a:blip r:embed="rId5">
             <a:extLst>
               <a:ext uri="{28A0092B-C50C-407E-A947-70E740481C1C}">
                 <a14:useLocalDpi xmlns:a14="http://schemas.microsoft.com/office/drawing/2010/main" val="0"/>
@@ -10702,7 +12731,7 @@
           <p:nvPr/>
         </p:nvPicPr>
         <p:blipFill>
-          <a:blip r:embed="rId2">
+          <a:blip r:embed="rId3">
             <a:extLst>
               <a:ext uri="{28A0092B-C50C-407E-A947-70E740481C1C}">
                 <a14:useLocalDpi xmlns:a14="http://schemas.microsoft.com/office/drawing/2010/main" val="0"/>
@@ -10732,7 +12761,7 @@
           <p:nvPr/>
         </p:nvPicPr>
         <p:blipFill>
-          <a:blip r:embed="rId3">
+          <a:blip r:embed="rId4">
             <a:extLst>
               <a:ext uri="{28A0092B-C50C-407E-A947-70E740481C1C}">
                 <a14:useLocalDpi xmlns:a14="http://schemas.microsoft.com/office/drawing/2010/main" val="0"/>
@@ -10762,7 +12791,7 @@
           <p:nvPr/>
         </p:nvPicPr>
         <p:blipFill rotWithShape="1">
-          <a:blip r:embed="rId4">
+          <a:blip r:embed="rId5">
             <a:extLst>
               <a:ext uri="{28A0092B-C50C-407E-A947-70E740481C1C}">
                 <a14:useLocalDpi xmlns:a14="http://schemas.microsoft.com/office/drawing/2010/main" val="0"/>
@@ -10979,7 +13008,7 @@
           <p:nvPr/>
         </p:nvPicPr>
         <p:blipFill>
-          <a:blip r:embed="rId2">
+          <a:blip r:embed="rId3">
             <a:extLst>
               <a:ext uri="{28A0092B-C50C-407E-A947-70E740481C1C}">
                 <a14:useLocalDpi xmlns:a14="http://schemas.microsoft.com/office/drawing/2010/main" val="0"/>
@@ -11009,7 +13038,7 @@
           <p:nvPr/>
         </p:nvPicPr>
         <p:blipFill>
-          <a:blip r:embed="rId3">
+          <a:blip r:embed="rId4">
             <a:extLst>
               <a:ext uri="{28A0092B-C50C-407E-A947-70E740481C1C}">
                 <a14:useLocalDpi xmlns:a14="http://schemas.microsoft.com/office/drawing/2010/main" val="0"/>
@@ -11039,7 +13068,7 @@
           <p:nvPr/>
         </p:nvPicPr>
         <p:blipFill rotWithShape="1">
-          <a:blip r:embed="rId4">
+          <a:blip r:embed="rId5">
             <a:extLst>
               <a:ext uri="{28A0092B-C50C-407E-A947-70E740481C1C}">
                 <a14:useLocalDpi xmlns:a14="http://schemas.microsoft.com/office/drawing/2010/main" val="0"/>
@@ -11491,7 +13520,7 @@
           <p:nvPr/>
         </p:nvPicPr>
         <p:blipFill>
-          <a:blip r:embed="rId2"/>
+          <a:blip r:embed="rId3"/>
           <a:stretch>
             <a:fillRect/>
           </a:stretch>
@@ -11515,7 +13544,7 @@
           <p:nvPr/>
         </p:nvPicPr>
         <p:blipFill>
-          <a:blip r:embed="rId3"/>
+          <a:blip r:embed="rId4"/>
           <a:stretch>
             <a:fillRect/>
           </a:stretch>
@@ -11539,7 +13568,7 @@
           <p:nvPr/>
         </p:nvPicPr>
         <p:blipFill>
-          <a:blip r:embed="rId4"/>
+          <a:blip r:embed="rId5"/>
           <a:stretch>
             <a:fillRect/>
           </a:stretch>
@@ -11563,7 +13592,7 @@
           <p:nvPr/>
         </p:nvPicPr>
         <p:blipFill>
-          <a:blip r:embed="rId5"/>
+          <a:blip r:embed="rId6"/>
           <a:stretch>
             <a:fillRect/>
           </a:stretch>
@@ -11587,7 +13616,7 @@
           <p:nvPr/>
         </p:nvPicPr>
         <p:blipFill>
-          <a:blip r:embed="rId6"/>
+          <a:blip r:embed="rId7"/>
           <a:stretch>
             <a:fillRect/>
           </a:stretch>
@@ -11680,13 +13709,13 @@
         </p:nvSpPr>
         <p:spPr>
           <a:xfrm>
-            <a:off x="688807" y="2094122"/>
-            <a:ext cx="3657600" cy="3335821"/>
+            <a:off x="688806" y="2094122"/>
+            <a:ext cx="7826545" cy="3335821"/>
           </a:xfrm>
         </p:spPr>
         <p:txBody>
           <a:bodyPr>
-            <a:normAutofit/>
+            <a:normAutofit fontScale="85000" lnSpcReduction="10000"/>
           </a:bodyPr>
           <a:lstStyle/>
           <a:p>
@@ -11698,13 +13727,38 @@
               <a:buChar char="u"/>
             </a:pPr>
             <a:r>
-              <a:rPr lang="zh-CN" altLang="en-US" sz="2000" dirty="0" smtClean="0">
-                <a:latin typeface="微软雅黑" panose="020B0503020204020204" pitchFamily="34" charset="-122"/>
-                <a:ea typeface="微软雅黑" panose="020B0503020204020204" pitchFamily="34" charset="-122"/>
-              </a:rPr>
-              <a:t>三维数字城市重建</a:t>
-            </a:r>
-            <a:endParaRPr lang="en-US" altLang="zh-CN" sz="2000" dirty="0" smtClean="0">
+              <a:rPr lang="zh-CN" altLang="zh-CN" sz="2000" dirty="0"/>
+              <a:t>随着</a:t>
+            </a:r>
+            <a:r>
+              <a:rPr lang="en-US" altLang="zh-CN" sz="2000" dirty="0"/>
+              <a:t>GIS</a:t>
+            </a:r>
+            <a:r>
+              <a:rPr lang="zh-CN" altLang="zh-CN" sz="2000" dirty="0"/>
+              <a:t>服务领域的不断</a:t>
+            </a:r>
+            <a:r>
+              <a:rPr lang="zh-CN" altLang="zh-CN" sz="2000" dirty="0" smtClean="0"/>
+              <a:t>拓展</a:t>
+            </a:r>
+            <a:r>
+              <a:rPr lang="zh-CN" altLang="en-US" sz="2000" dirty="0" smtClean="0"/>
+              <a:t>，</a:t>
+            </a:r>
+            <a:r>
+              <a:rPr lang="zh-CN" altLang="zh-CN" sz="2000" dirty="0" smtClean="0"/>
+              <a:t>导航</a:t>
+            </a:r>
+            <a:r>
+              <a:rPr lang="zh-CN" altLang="zh-CN" sz="2000" dirty="0"/>
+              <a:t>、城市漫游、城乡规划、遗迹保护、风险分析等应用领域迫切需要三维数字城市的建模和自动</a:t>
+            </a:r>
+            <a:r>
+              <a:rPr lang="zh-CN" altLang="zh-CN" sz="2000" dirty="0" smtClean="0"/>
+              <a:t>重建</a:t>
+            </a:r>
+            <a:endParaRPr lang="en-US" altLang="zh-CN" sz="1850" dirty="0" smtClean="0">
               <a:latin typeface="微软雅黑" panose="020B0503020204020204" pitchFamily="34" charset="-122"/>
               <a:ea typeface="微软雅黑" panose="020B0503020204020204" pitchFamily="34" charset="-122"/>
             </a:endParaRPr>
@@ -11732,11 +13786,11 @@
               <a:t>统的</a:t>
             </a:r>
             <a:r>
-              <a:rPr lang="zh-CN" altLang="en-US" sz="2000" dirty="0" smtClean="0">
+              <a:rPr lang="zh-CN" altLang="en-US" sz="2000" dirty="0">
                 <a:latin typeface="微软雅黑" panose="020B0503020204020204" pitchFamily="34" charset="-122"/>
                 <a:ea typeface="微软雅黑" panose="020B0503020204020204" pitchFamily="34" charset="-122"/>
               </a:rPr>
-              <a:t>方法</a:t>
+              <a:t>方法主要是基于人工或是半自动的重建，人工建立城市模型需要建模者要有一定的经验，并耗费大量时间</a:t>
             </a:r>
             <a:endParaRPr lang="en-US" altLang="zh-CN" sz="2000" dirty="0" smtClean="0">
               <a:latin typeface="微软雅黑" panose="020B0503020204020204" pitchFamily="34" charset="-122"/>
@@ -11752,18 +13806,18 @@
               <a:buChar char="u"/>
             </a:pPr>
             <a:r>
+              <a:rPr lang="zh-CN" altLang="en-US" sz="2000" dirty="0" smtClean="0">
+                <a:latin typeface="微软雅黑" panose="020B0503020204020204" pitchFamily="34" charset="-122"/>
+                <a:ea typeface="微软雅黑" panose="020B0503020204020204" pitchFamily="34" charset="-122"/>
+              </a:rPr>
+              <a:t>随着</a:t>
+            </a:r>
+            <a:r>
               <a:rPr lang="zh-CN" altLang="en-US" sz="2000" dirty="0">
                 <a:latin typeface="微软雅黑" panose="020B0503020204020204" pitchFamily="34" charset="-122"/>
                 <a:ea typeface="微软雅黑" panose="020B0503020204020204" pitchFamily="34" charset="-122"/>
               </a:rPr>
-              <a:t>激光雷</a:t>
-            </a:r>
-            <a:r>
-              <a:rPr lang="zh-CN" altLang="en-US" sz="2000" dirty="0" smtClean="0">
-                <a:latin typeface="微软雅黑" panose="020B0503020204020204" pitchFamily="34" charset="-122"/>
-                <a:ea typeface="微软雅黑" panose="020B0503020204020204" pitchFamily="34" charset="-122"/>
-              </a:rPr>
-              <a:t>达技术</a:t>
+              <a:t>激光雷达技术的发展，人们已经可以通过车载激光雷达或是机载激光雷达对地面进行快速的扫描从而获得城市模型的点云</a:t>
             </a:r>
             <a:endParaRPr lang="en-US" altLang="zh-CN" sz="2000" dirty="0" smtClean="0">
               <a:latin typeface="微软雅黑" panose="020B0503020204020204" pitchFamily="34" charset="-122"/>
@@ -11783,21 +13837,7 @@
                 <a:latin typeface="微软雅黑" panose="020B0503020204020204" pitchFamily="34" charset="-122"/>
                 <a:ea typeface="微软雅黑" panose="020B0503020204020204" pitchFamily="34" charset="-122"/>
               </a:rPr>
-              <a:t>建筑</a:t>
-            </a:r>
-            <a:r>
-              <a:rPr lang="zh-CN" altLang="en-US" sz="2000" dirty="0" smtClean="0">
-                <a:latin typeface="微软雅黑" panose="020B0503020204020204" pitchFamily="34" charset="-122"/>
-                <a:ea typeface="微软雅黑" panose="020B0503020204020204" pitchFamily="34" charset="-122"/>
-              </a:rPr>
-              <a:t>立</a:t>
-            </a:r>
-            <a:r>
-              <a:rPr lang="zh-CN" altLang="en-US" sz="2000" dirty="0" smtClean="0">
-                <a:latin typeface="微软雅黑" panose="020B0503020204020204" pitchFamily="34" charset="-122"/>
-                <a:ea typeface="微软雅黑" panose="020B0503020204020204" pitchFamily="34" charset="-122"/>
-              </a:rPr>
-              <a:t>面的自动重建</a:t>
+              <a:t>建筑立面建模是城市建模的重要组成部分</a:t>
             </a:r>
             <a:endParaRPr lang="en-US" altLang="zh-CN" sz="2000" dirty="0" smtClean="0">
               <a:latin typeface="微软雅黑" panose="020B0503020204020204" pitchFamily="34" charset="-122"/>
@@ -11809,6 +13849,76 @@
           </a:p>
           <a:p>
             <a:endParaRPr lang="zh-CN" sz="2000" dirty="0"/>
+          </a:p>
+        </p:txBody>
+      </p:sp>
+      <p:sp>
+        <p:nvSpPr>
+          <p:cNvPr id="4" name="文本框 3"/>
+          <p:cNvSpPr txBox="1"/>
+          <p:nvPr/>
+        </p:nvSpPr>
+        <p:spPr>
+          <a:xfrm>
+            <a:off x="3313764" y="5429943"/>
+            <a:ext cx="5201587" cy="830997"/>
+          </a:xfrm>
+          <a:prstGeom prst="rect">
+            <a:avLst/>
+          </a:prstGeom>
+          <a:noFill/>
+        </p:spPr>
+        <p:txBody>
+          <a:bodyPr wrap="square" rtlCol="0">
+            <a:spAutoFit/>
+          </a:bodyPr>
+          <a:lstStyle/>
+          <a:p>
+            <a:r>
+              <a:rPr lang="zh-CN" altLang="en-US" sz="2400" dirty="0">
+                <a:ln w="0"/>
+                <a:solidFill>
+                  <a:srgbClr val="FF0000"/>
+                </a:solidFill>
+                <a:effectLst>
+                  <a:outerShdw blurRad="38100" dist="19050" dir="2700000" algn="tl" rotWithShape="0">
+                    <a:schemeClr val="dk1">
+                      <a:alpha val="40000"/>
+                    </a:schemeClr>
+                  </a:outerShdw>
+                </a:effectLst>
+              </a:rPr>
+              <a:t>如何从建筑立面的激光雷达点云中自动化恢复</a:t>
+            </a:r>
+            <a:r>
+              <a:rPr lang="zh-CN" altLang="en-US" sz="2400" dirty="0" smtClean="0">
+                <a:ln w="0"/>
+                <a:solidFill>
+                  <a:srgbClr val="FF0000"/>
+                </a:solidFill>
+                <a:effectLst>
+                  <a:outerShdw blurRad="38100" dist="19050" dir="2700000" algn="tl" rotWithShape="0">
+                    <a:schemeClr val="dk1">
+                      <a:alpha val="40000"/>
+                    </a:schemeClr>
+                  </a:outerShdw>
+                </a:effectLst>
+              </a:rPr>
+              <a:t>其三维结构？</a:t>
+            </a:r>
+            <a:endParaRPr lang="zh-CN" altLang="en-US" sz="2400" dirty="0">
+              <a:ln w="0"/>
+              <a:solidFill>
+                <a:srgbClr val="FF0000"/>
+              </a:solidFill>
+              <a:effectLst>
+                <a:outerShdw blurRad="38100" dist="19050" dir="2700000" algn="tl" rotWithShape="0">
+                  <a:schemeClr val="dk1">
+                    <a:alpha val="40000"/>
+                  </a:schemeClr>
+                </a:outerShdw>
+              </a:effectLst>
+            </a:endParaRPr>
           </a:p>
         </p:txBody>
       </p:sp>
@@ -13168,7 +15278,7 @@
           <p:nvPr/>
         </p:nvPicPr>
         <p:blipFill>
-          <a:blip r:embed="rId2">
+          <a:blip r:embed="rId3">
             <a:extLst>
               <a:ext uri="{28A0092B-C50C-407E-A947-70E740481C1C}">
                 <a14:useLocalDpi xmlns:a14="http://schemas.microsoft.com/office/drawing/2010/main" val="0"/>
@@ -13209,7 +15319,7 @@
           <p:nvPr/>
         </p:nvPicPr>
         <p:blipFill>
-          <a:blip r:embed="rId3" cstate="print">
+          <a:blip r:embed="rId4" cstate="print">
             <a:extLst>
               <a:ext uri="{28A0092B-C50C-407E-A947-70E740481C1C}">
                 <a14:useLocalDpi xmlns:a14="http://schemas.microsoft.com/office/drawing/2010/main" val="0"/>
@@ -13250,7 +15360,7 @@
           <p:nvPr/>
         </p:nvPicPr>
         <p:blipFill>
-          <a:blip r:embed="rId4">
+          <a:blip r:embed="rId5">
             <a:extLst>
               <a:ext uri="{28A0092B-C50C-407E-A947-70E740481C1C}">
                 <a14:useLocalDpi xmlns:a14="http://schemas.microsoft.com/office/drawing/2010/main" val="0"/>
@@ -14000,7 +16110,7 @@
         </p:xfrm>
         <a:graphic>
           <a:graphicData uri="http://schemas.openxmlformats.org/drawingml/2006/diagram">
-            <dgm:relIds xmlns:dgm="http://schemas.openxmlformats.org/drawingml/2006/diagram" xmlns:r="http://schemas.openxmlformats.org/officeDocument/2006/relationships" r:dm="rId2" r:lo="rId3" r:qs="rId4" r:cs="rId5"/>
+            <dgm:relIds xmlns:dgm="http://schemas.openxmlformats.org/drawingml/2006/diagram" xmlns:r="http://schemas.openxmlformats.org/officeDocument/2006/relationships" r:dm="rId3" r:lo="rId4" r:qs="rId5" r:cs="rId6"/>
           </a:graphicData>
         </a:graphic>
       </p:graphicFrame>
@@ -14612,18 +16722,11 @@
               <a:buChar char="u"/>
             </a:pPr>
             <a:r>
-              <a:rPr lang="zh-CN" altLang="en-US" b="1" dirty="0">
-                <a:latin typeface="微软雅黑" panose="020B0503020204020204" pitchFamily="34" charset="-122"/>
-                <a:ea typeface="微软雅黑" panose="020B0503020204020204" pitchFamily="34" charset="-122"/>
-              </a:rPr>
-              <a:t>非</a:t>
-            </a:r>
-            <a:r>
               <a:rPr lang="zh-CN" altLang="en-US" b="1" dirty="0" smtClean="0">
                 <a:latin typeface="微软雅黑" panose="020B0503020204020204" pitchFamily="34" charset="-122"/>
                 <a:ea typeface="微软雅黑" panose="020B0503020204020204" pitchFamily="34" charset="-122"/>
               </a:rPr>
-              <a:t>终端形状</a:t>
+              <a:t>非终端形状</a:t>
             </a:r>
             <a:r>
               <a:rPr lang="zh-CN" altLang="en-US" dirty="0" smtClean="0">
@@ -14637,7 +16740,7 @@
                 <a:latin typeface="微软雅黑" panose="020B0503020204020204" pitchFamily="34" charset="-122"/>
                 <a:ea typeface="微软雅黑" panose="020B0503020204020204" pitchFamily="34" charset="-122"/>
               </a:rPr>
-              <a:t>facadeWall</a:t>
+              <a:t>floorWall</a:t>
             </a:r>
             <a:r>
               <a:rPr lang="zh-CN" altLang="en-US" dirty="0" smtClean="0">
@@ -14651,7 +16754,7 @@
                 <a:latin typeface="微软雅黑" panose="020B0503020204020204" pitchFamily="34" charset="-122"/>
                 <a:ea typeface="微软雅黑" panose="020B0503020204020204" pitchFamily="34" charset="-122"/>
               </a:rPr>
-              <a:t>facadeWindow</a:t>
+              <a:t>floorWindow</a:t>
             </a:r>
             <a:r>
               <a:rPr lang="zh-CN" altLang="en-US" dirty="0" smtClean="0">
@@ -14665,7 +16768,7 @@
                 <a:latin typeface="微软雅黑" panose="020B0503020204020204" pitchFamily="34" charset="-122"/>
                 <a:ea typeface="微软雅黑" panose="020B0503020204020204" pitchFamily="34" charset="-122"/>
               </a:rPr>
-              <a:t>floorWall</a:t>
+              <a:t>facadeWall</a:t>
             </a:r>
             <a:r>
               <a:rPr lang="zh-CN" altLang="en-US" dirty="0" smtClean="0">
@@ -14679,9 +16782,9 @@
                 <a:latin typeface="微软雅黑" panose="020B0503020204020204" pitchFamily="34" charset="-122"/>
                 <a:ea typeface="微软雅黑" panose="020B0503020204020204" pitchFamily="34" charset="-122"/>
               </a:rPr>
-              <a:t>floorWindow</a:t>
-            </a:r>
-            <a:endParaRPr lang="en-US" altLang="zh-CN" dirty="0">
+              <a:t>facadeWindow</a:t>
+            </a:r>
+            <a:endParaRPr lang="en-US" altLang="zh-CN" dirty="0" smtClean="0">
               <a:latin typeface="微软雅黑" panose="020B0503020204020204" pitchFamily="34" charset="-122"/>
               <a:ea typeface="微软雅黑" panose="020B0503020204020204" pitchFamily="34" charset="-122"/>
             </a:endParaRPr>
@@ -14726,7 +16829,14 @@
                 <a:latin typeface="微软雅黑" panose="020B0503020204020204" pitchFamily="34" charset="-122"/>
                 <a:ea typeface="微软雅黑" panose="020B0503020204020204" pitchFamily="34" charset="-122"/>
               </a:rPr>
-              <a:t>Rule 1</a:t>
+              <a:t>Rule </a:t>
+            </a:r>
+            <a:r>
+              <a:rPr lang="en-US" altLang="zh-CN" dirty="0" smtClean="0">
+                <a:latin typeface="微软雅黑" panose="020B0503020204020204" pitchFamily="34" charset="-122"/>
+                <a:ea typeface="微软雅黑" panose="020B0503020204020204" pitchFamily="34" charset="-122"/>
+              </a:rPr>
+              <a:t>1</a:t>
             </a:r>
             <a:r>
               <a:rPr lang="zh-CN" altLang="en-US" dirty="0" smtClean="0">
@@ -15088,7 +17198,7 @@
           <p:nvPr/>
         </p:nvPicPr>
         <p:blipFill>
-          <a:blip r:embed="rId2">
+          <a:blip r:embed="rId3">
             <a:extLst>
               <a:ext uri="{28A0092B-C50C-407E-A947-70E740481C1C}">
                 <a14:useLocalDpi xmlns:a14="http://schemas.microsoft.com/office/drawing/2010/main" val="0"/>
@@ -16642,7 +18752,7 @@
           <p:nvPr/>
         </p:nvPicPr>
         <p:blipFill>
-          <a:blip r:embed="rId3">
+          <a:blip r:embed="rId4">
             <a:extLst>
               <a:ext uri="{28A0092B-C50C-407E-A947-70E740481C1C}">
                 <a14:useLocalDpi xmlns:a14="http://schemas.microsoft.com/office/drawing/2010/main" val="0"/>
@@ -16772,12 +18882,12 @@
           <a:graphicData uri="http://schemas.openxmlformats.org/presentationml/2006/ole">
             <mc:AlternateContent xmlns:mc="http://schemas.openxmlformats.org/markup-compatibility/2006">
               <mc:Choice xmlns:v="urn:schemas-microsoft-com:vml" Requires="v">
-                <p:oleObj spid="_x0000_s1112" r:id="rId4" imgW="940617" imgH="432175" progId="Equation.DSMT4">
+                <p:oleObj spid="_x0000_s1181" r:id="rId5" imgW="940617" imgH="432175" progId="Equation.DSMT4">
                   <p:embed/>
                 </p:oleObj>
               </mc:Choice>
               <mc:Fallback>
-                <p:oleObj r:id="rId4" imgW="940617" imgH="432175" progId="Equation.DSMT4">
+                <p:oleObj r:id="rId5" imgW="940617" imgH="432175" progId="Equation.DSMT4">
                   <p:embed/>
                   <p:pic>
                     <p:nvPicPr>
@@ -16788,7 +18898,7 @@
                       <p:nvPr/>
                     </p:nvPicPr>
                     <p:blipFill>
-                      <a:blip r:embed="rId5">
+                      <a:blip r:embed="rId6">
                         <a:extLst>
                           <a:ext uri="{28A0092B-C50C-407E-A947-70E740481C1C}">
                             <a14:useLocalDpi xmlns:a14="http://schemas.microsoft.com/office/drawing/2010/main" val="0"/>
@@ -16902,12 +19012,12 @@
           <a:graphicData uri="http://schemas.openxmlformats.org/presentationml/2006/ole">
             <mc:AlternateContent xmlns:mc="http://schemas.openxmlformats.org/markup-compatibility/2006">
               <mc:Choice xmlns:v="urn:schemas-microsoft-com:vml" Requires="v">
-                <p:oleObj spid="_x0000_s1113" r:id="rId6" imgW="2780093" imgH="431613" progId="Equation.DSMT4">
+                <p:oleObj spid="_x0000_s1182" r:id="rId7" imgW="2780093" imgH="431613" progId="Equation.DSMT4">
                   <p:embed/>
                 </p:oleObj>
               </mc:Choice>
               <mc:Fallback>
-                <p:oleObj r:id="rId6" imgW="2780093" imgH="431613" progId="Equation.DSMT4">
+                <p:oleObj r:id="rId7" imgW="2780093" imgH="431613" progId="Equation.DSMT4">
                   <p:embed/>
                   <p:pic>
                     <p:nvPicPr>
@@ -16918,7 +19028,7 @@
                       <p:nvPr/>
                     </p:nvPicPr>
                     <p:blipFill>
-                      <a:blip r:embed="rId7">
+                      <a:blip r:embed="rId8">
                         <a:extLst>
                           <a:ext uri="{28A0092B-C50C-407E-A947-70E740481C1C}">
                             <a14:useLocalDpi xmlns:a14="http://schemas.microsoft.com/office/drawing/2010/main" val="0"/>
@@ -17032,12 +19142,12 @@
           <a:graphicData uri="http://schemas.openxmlformats.org/presentationml/2006/ole">
             <mc:AlternateContent xmlns:mc="http://schemas.openxmlformats.org/markup-compatibility/2006">
               <mc:Choice xmlns:v="urn:schemas-microsoft-com:vml" Requires="v">
-                <p:oleObj spid="_x0000_s1114" r:id="rId8" imgW="2388637" imgH="228699" progId="Equation.DSMT4">
+                <p:oleObj spid="_x0000_s1183" r:id="rId9" imgW="2388637" imgH="228699" progId="Equation.DSMT4">
                   <p:embed/>
                 </p:oleObj>
               </mc:Choice>
               <mc:Fallback>
-                <p:oleObj r:id="rId8" imgW="2388637" imgH="228699" progId="Equation.DSMT4">
+                <p:oleObj r:id="rId9" imgW="2388637" imgH="228699" progId="Equation.DSMT4">
                   <p:embed/>
                   <p:pic>
                     <p:nvPicPr>
@@ -17048,7 +19158,7 @@
                       <p:nvPr/>
                     </p:nvPicPr>
                     <p:blipFill>
-                      <a:blip r:embed="rId9">
+                      <a:blip r:embed="rId10">
                         <a:extLst>
                           <a:ext uri="{28A0092B-C50C-407E-A947-70E740481C1C}">
                             <a14:useLocalDpi xmlns:a14="http://schemas.microsoft.com/office/drawing/2010/main" val="0"/>
@@ -17558,7 +19668,21 @@
                     <a:latin typeface="微软雅黑" panose="020B0503020204020204" pitchFamily="34" charset="-122"/>
                     <a:ea typeface="微软雅黑" panose="020B0503020204020204" pitchFamily="34" charset="-122"/>
                   </a:rPr>
-                  <a:t>剖分的过程可以用马尔可夫决策过程来描述</a:t>
+                  <a:t>剖分的过程可以用</a:t>
+                </a:r>
+                <a:r>
+                  <a:rPr lang="zh-CN" altLang="en-US" sz="1600" dirty="0" smtClean="0">
+                    <a:latin typeface="微软雅黑" panose="020B0503020204020204" pitchFamily="34" charset="-122"/>
+                    <a:ea typeface="微软雅黑" panose="020B0503020204020204" pitchFamily="34" charset="-122"/>
+                  </a:rPr>
+                  <a:t>马尔科夫</a:t>
+                </a:r>
+                <a:r>
+                  <a:rPr lang="zh-CN" altLang="en-US" sz="1600" dirty="0" smtClean="0">
+                    <a:latin typeface="微软雅黑" panose="020B0503020204020204" pitchFamily="34" charset="-122"/>
+                    <a:ea typeface="微软雅黑" panose="020B0503020204020204" pitchFamily="34" charset="-122"/>
+                  </a:rPr>
+                  <a:t>决策过程来描述</a:t>
                 </a:r>
                 <a:endParaRPr lang="en-US" altLang="zh-CN" sz="1600" dirty="0" smtClean="0">
                   <a:latin typeface="微软雅黑" panose="020B0503020204020204" pitchFamily="34" charset="-122"/>
@@ -17923,14 +20047,42 @@
                     <a:latin typeface="微软雅黑" panose="020B0503020204020204" pitchFamily="34" charset="-122"/>
                     <a:ea typeface="微软雅黑" panose="020B0503020204020204" pitchFamily="34" charset="-122"/>
                   </a:rPr>
-                  <a:t>s(x, y)</a:t>
+                  <a:t>s(x, y</a:t>
+                </a:r>
+                <a:r>
+                  <a:rPr lang="en-US" altLang="zh-CN" sz="1450" dirty="0" smtClean="0">
+                    <a:latin typeface="微软雅黑" panose="020B0503020204020204" pitchFamily="34" charset="-122"/>
+                    <a:ea typeface="微软雅黑" panose="020B0503020204020204" pitchFamily="34" charset="-122"/>
+                  </a:rPr>
+                  <a:t>)</a:t>
                 </a:r>
                 <a:r>
                   <a:rPr lang="zh-CN" altLang="en-US" sz="1450" dirty="0" smtClean="0">
                     <a:latin typeface="微软雅黑" panose="020B0503020204020204" pitchFamily="34" charset="-122"/>
                     <a:ea typeface="微软雅黑" panose="020B0503020204020204" pitchFamily="34" charset="-122"/>
                   </a:rPr>
-                  <a:t>剖分得到的点</a:t>
+                  <a:t>根据策略</a:t>
+                </a:r>
+                <a:r>
+                  <a:rPr lang="en-US" altLang="zh-CN" sz="1450" dirty="0" smtClean="0">
+                    <a:latin typeface="微软雅黑" panose="020B0503020204020204" pitchFamily="34" charset="-122"/>
+                    <a:ea typeface="微软雅黑" panose="020B0503020204020204" pitchFamily="34" charset="-122"/>
+                  </a:rPr>
+                  <a:t>s</a:t>
+                </a:r>
+                <a:r>
+                  <a:rPr lang="zh-CN" altLang="en-US" sz="1450" dirty="0" smtClean="0">
+                    <a:latin typeface="微软雅黑" panose="020B0503020204020204" pitchFamily="34" charset="-122"/>
+                    <a:ea typeface="微软雅黑" panose="020B0503020204020204" pitchFamily="34" charset="-122"/>
+                  </a:rPr>
+                  <a:t>得到</a:t>
+                </a:r>
+                <a:r>
+                  <a:rPr lang="zh-CN" altLang="en-US" sz="1450" dirty="0" smtClean="0">
+                    <a:latin typeface="微软雅黑" panose="020B0503020204020204" pitchFamily="34" charset="-122"/>
+                    <a:ea typeface="微软雅黑" panose="020B0503020204020204" pitchFamily="34" charset="-122"/>
+                  </a:rPr>
+                  <a:t>的点</a:t>
                 </a:r>
                 <a:r>
                   <a:rPr lang="en-US" altLang="zh-CN" sz="1450" dirty="0" smtClean="0">
@@ -17958,7 +20110,14 @@
                     <a:latin typeface="微软雅黑" panose="020B0503020204020204" pitchFamily="34" charset="-122"/>
                     <a:ea typeface="微软雅黑" panose="020B0503020204020204" pitchFamily="34" charset="-122"/>
                   </a:rPr>
-                  <a:t>属于的建筑结构类别</a:t>
+                  <a:t>的</a:t>
+                </a:r>
+                <a:r>
+                  <a:rPr lang="zh-CN" altLang="en-US" sz="1450" dirty="0" smtClean="0">
+                    <a:latin typeface="微软雅黑" panose="020B0503020204020204" pitchFamily="34" charset="-122"/>
+                    <a:ea typeface="微软雅黑" panose="020B0503020204020204" pitchFamily="34" charset="-122"/>
+                  </a:rPr>
+                  <a:t>建筑结构类别</a:t>
                 </a:r>
                 <a:endParaRPr lang="en-US" altLang="zh-CN" sz="1450" dirty="0" smtClean="0">
                   <a:latin typeface="微软雅黑" panose="020B0503020204020204" pitchFamily="34" charset="-122"/>
@@ -18009,11 +20168,25 @@
                   <a:t>)</a:t>
                 </a:r>
                 <a:r>
+                  <a:rPr lang="zh-CN" altLang="en-US" sz="1450" dirty="0">
+                    <a:latin typeface="微软雅黑" panose="020B0503020204020204" pitchFamily="34" charset="-122"/>
+                    <a:ea typeface="微软雅黑" panose="020B0503020204020204" pitchFamily="34" charset="-122"/>
+                  </a:rPr>
+                  <a:t>是</a:t>
+                </a:r>
+                <a:r>
                   <a:rPr lang="zh-CN" altLang="en-US" sz="1450" dirty="0" smtClean="0">
                     <a:latin typeface="微软雅黑" panose="020B0503020204020204" pitchFamily="34" charset="-122"/>
                     <a:ea typeface="微软雅黑" panose="020B0503020204020204" pitchFamily="34" charset="-122"/>
                   </a:rPr>
-                  <a:t>属于建筑类别</a:t>
+                  <a:t>建筑</a:t>
+                </a:r>
+                <a:r>
+                  <a:rPr lang="zh-CN" altLang="en-US" sz="1450" dirty="0" smtClean="0">
+                    <a:latin typeface="微软雅黑" panose="020B0503020204020204" pitchFamily="34" charset="-122"/>
+                    <a:ea typeface="微软雅黑" panose="020B0503020204020204" pitchFamily="34" charset="-122"/>
+                  </a:rPr>
+                  <a:t>类别</a:t>
                 </a:r>
                 <a:r>
                   <a:rPr lang="en-US" altLang="zh-CN" sz="1450" dirty="0">
@@ -18061,7 +20234,7 @@
                 <a:ext cx="7281634" cy="4734832"/>
               </a:xfrm>
               <a:blipFill rotWithShape="0">
-                <a:blip r:embed="rId2"/>
+                <a:blip r:embed="rId3"/>
                 <a:stretch>
                   <a:fillRect l="-335"/>
                 </a:stretch>
@@ -18246,7 +20419,43 @@
                 <a:latin typeface="Microsoft YaHei UI" panose="020B0503020204020204" pitchFamily="34" charset="-122"/>
                 <a:ea typeface="Microsoft YaHei UI" panose="020B0503020204020204" pitchFamily="34" charset="-122"/>
               </a:rPr>
-              <a:t>如何得到真实情况的点（</a:t>
+              <a:t>如何得</a:t>
+            </a:r>
+            <a:r>
+              <a:rPr lang="zh-CN" altLang="en-US" sz="2400" dirty="0" smtClean="0">
+                <a:ln w="0"/>
+                <a:solidFill>
+                  <a:srgbClr val="00B050"/>
+                </a:solidFill>
+                <a:effectLst>
+                  <a:outerShdw blurRad="38100" dist="25400" dir="5400000" algn="ctr" rotWithShape="0">
+                    <a:srgbClr val="6E747A">
+                      <a:alpha val="43000"/>
+                    </a:srgbClr>
+                  </a:outerShdw>
+                </a:effectLst>
+                <a:latin typeface="Microsoft YaHei UI" panose="020B0503020204020204" pitchFamily="34" charset="-122"/>
+                <a:ea typeface="Microsoft YaHei UI" panose="020B0503020204020204" pitchFamily="34" charset="-122"/>
+              </a:rPr>
+              <a:t>到点</a:t>
+            </a:r>
+            <a:r>
+              <a:rPr lang="zh-CN" altLang="en-US" sz="2400" dirty="0" smtClean="0">
+                <a:ln w="0"/>
+                <a:solidFill>
+                  <a:srgbClr val="00B050"/>
+                </a:solidFill>
+                <a:effectLst>
+                  <a:outerShdw blurRad="38100" dist="25400" dir="5400000" algn="ctr" rotWithShape="0">
+                    <a:srgbClr val="6E747A">
+                      <a:alpha val="43000"/>
+                    </a:srgbClr>
+                  </a:outerShdw>
+                </a:effectLst>
+                <a:latin typeface="Microsoft YaHei UI" panose="020B0503020204020204" pitchFamily="34" charset="-122"/>
+                <a:ea typeface="Microsoft YaHei UI" panose="020B0503020204020204" pitchFamily="34" charset="-122"/>
+              </a:rPr>
+              <a:t>（</a:t>
             </a:r>
             <a:r>
               <a:rPr lang="en-US" altLang="zh-CN" sz="2400" dirty="0" smtClean="0">
@@ -18318,7 +20527,61 @@
                 <a:latin typeface="Microsoft YaHei UI" panose="020B0503020204020204" pitchFamily="34" charset="-122"/>
                 <a:ea typeface="Microsoft YaHei UI" panose="020B0503020204020204" pitchFamily="34" charset="-122"/>
               </a:rPr>
-              <a:t>）属于建筑类别</a:t>
+              <a:t>）</a:t>
+            </a:r>
+            <a:r>
+              <a:rPr lang="zh-CN" altLang="en-US" sz="2400" dirty="0">
+                <a:ln w="0"/>
+                <a:solidFill>
+                  <a:srgbClr val="00B050"/>
+                </a:solidFill>
+                <a:effectLst>
+                  <a:outerShdw blurRad="38100" dist="25400" dir="5400000" algn="ctr" rotWithShape="0">
+                    <a:srgbClr val="6E747A">
+                      <a:alpha val="43000"/>
+                    </a:srgbClr>
+                  </a:outerShdw>
+                </a:effectLst>
+                <a:latin typeface="Microsoft YaHei UI" panose="020B0503020204020204" pitchFamily="34" charset="-122"/>
+                <a:ea typeface="Microsoft YaHei UI" panose="020B0503020204020204" pitchFamily="34" charset="-122"/>
+              </a:rPr>
+              <a:t>是</a:t>
+            </a:r>
+            <a:r>
+              <a:rPr lang="zh-CN" altLang="en-US" sz="2400" dirty="0" smtClean="0">
+                <a:ln w="0"/>
+                <a:solidFill>
+                  <a:srgbClr val="00B050"/>
+                </a:solidFill>
+                <a:effectLst>
+                  <a:outerShdw blurRad="38100" dist="25400" dir="5400000" algn="ctr" rotWithShape="0">
+                    <a:srgbClr val="6E747A">
+                      <a:alpha val="43000"/>
+                    </a:srgbClr>
+                  </a:outerShdw>
+                </a:effectLst>
+                <a:latin typeface="Microsoft YaHei UI" panose="020B0503020204020204" pitchFamily="34" charset="-122"/>
+                <a:ea typeface="Microsoft YaHei UI" panose="020B0503020204020204" pitchFamily="34" charset="-122"/>
+              </a:rPr>
+              <a:t>建筑</a:t>
+            </a:r>
+            <a:r>
+              <a:rPr lang="zh-CN" altLang="en-US" sz="2400" dirty="0" smtClean="0">
+                <a:ln w="0"/>
+                <a:solidFill>
+                  <a:srgbClr val="00B050"/>
+                </a:solidFill>
+                <a:effectLst>
+                  <a:outerShdw blurRad="38100" dist="25400" dir="5400000" algn="ctr" rotWithShape="0">
+                    <a:srgbClr val="6E747A">
+                      <a:alpha val="43000"/>
+                    </a:srgbClr>
+                  </a:outerShdw>
+                </a:effectLst>
+                <a:latin typeface="Microsoft YaHei UI" panose="020B0503020204020204" pitchFamily="34" charset="-122"/>
+                <a:ea typeface="Microsoft YaHei UI" panose="020B0503020204020204" pitchFamily="34" charset="-122"/>
+              </a:rPr>
+              <a:t>类别</a:t>
             </a:r>
             <a:r>
               <a:rPr lang="en-US" altLang="zh-CN" sz="2400" dirty="0" smtClean="0">
@@ -19003,7 +21266,7 @@
             <p:nvPr/>
           </p:nvPicPr>
           <p:blipFill>
-            <a:blip r:embed="rId2">
+            <a:blip r:embed="rId3">
               <a:extLst>
                 <a:ext uri="{28A0092B-C50C-407E-A947-70E740481C1C}">
                   <a14:useLocalDpi xmlns:a14="http://schemas.microsoft.com/office/drawing/2010/main" val="0"/>
@@ -19057,7 +21320,7 @@
             <p:nvPr/>
           </p:nvPicPr>
           <p:blipFill>
-            <a:blip r:embed="rId3">
+            <a:blip r:embed="rId4">
               <a:extLst>
                 <a:ext uri="{28A0092B-C50C-407E-A947-70E740481C1C}">
                   <a14:useLocalDpi xmlns:a14="http://schemas.microsoft.com/office/drawing/2010/main" val="0"/>
@@ -19474,7 +21737,7 @@
             <p:nvPr/>
           </p:nvPicPr>
           <p:blipFill>
-            <a:blip r:embed="rId4">
+            <a:blip r:embed="rId5">
               <a:extLst>
                 <a:ext uri="{28A0092B-C50C-407E-A947-70E740481C1C}">
                   <a14:useLocalDpi xmlns:a14="http://schemas.microsoft.com/office/drawing/2010/main" val="0"/>
@@ -19528,7 +21791,7 @@
             <p:nvPr/>
           </p:nvPicPr>
           <p:blipFill>
-            <a:blip r:embed="rId5">
+            <a:blip r:embed="rId6">
               <a:extLst>
                 <a:ext uri="{28A0092B-C50C-407E-A947-70E740481C1C}">
                   <a14:useLocalDpi xmlns:a14="http://schemas.microsoft.com/office/drawing/2010/main" val="0"/>
@@ -19599,7 +21862,7 @@
             <p:nvPr/>
           </p:nvPicPr>
           <p:blipFill>
-            <a:blip r:embed="rId6" cstate="print">
+            <a:blip r:embed="rId7" cstate="print">
               <a:extLst>
                 <a:ext uri="{28A0092B-C50C-407E-A947-70E740481C1C}">
                   <a14:useLocalDpi xmlns:a14="http://schemas.microsoft.com/office/drawing/2010/main" val="0"/>
@@ -19653,7 +21916,7 @@
             <p:nvPr/>
           </p:nvPicPr>
           <p:blipFill>
-            <a:blip r:embed="rId7" cstate="print">
+            <a:blip r:embed="rId8" cstate="print">
               <a:extLst>
                 <a:ext uri="{28A0092B-C50C-407E-A947-70E740481C1C}">
                   <a14:useLocalDpi xmlns:a14="http://schemas.microsoft.com/office/drawing/2010/main" val="0"/>

--- a/基于形状语义和增强学习的建筑.pptx
+++ b/基于形状语义和增强学习的建筑.pptx
@@ -5662,10 +5662,10 @@
           <a:lstStyle/>
           <a:p>
             <a:r>
-              <a:rPr lang="zh-CN" altLang="en-US" smtClean="0"/>
+              <a:rPr lang="zh-CN" altLang="en-US" dirty="0" smtClean="0"/>
               <a:t>谢谢各位的聆听！请老师提问～</a:t>
             </a:r>
-            <a:endParaRPr lang="zh-CN" altLang="en-US"/>
+            <a:endParaRPr lang="zh-CN" altLang="en-US" dirty="0"/>
           </a:p>
         </p:txBody>
       </p:sp>
@@ -6449,7 +6449,15 @@
             </a:r>
             <a:r>
               <a:rPr lang="zh-CN" altLang="en-US" sz="1200" dirty="0" smtClean="0"/>
-              <a:t>描述了在某个状态下选择某个行为的概率，用</a:t>
+              <a:t>描述了在某个状态下选</a:t>
+            </a:r>
+            <a:r>
+              <a:rPr lang="zh-CN" altLang="en-US" dirty="0" smtClean="0"/>
+              <a:t>环境完全未知并且状态</a:t>
+            </a:r>
+            <a:r>
+              <a:rPr lang="zh-CN" altLang="en-US" sz="1200" dirty="0" smtClean="0"/>
+              <a:t>择某个行为的概率，用</a:t>
             </a:r>
             <a:r>
               <a:rPr lang="en-US" altLang="zh-CN" sz="1200" dirty="0" smtClean="0"/>
@@ -6488,7 +6496,7 @@
           <a:p>
             <a:r>
               <a:rPr lang="zh-CN" altLang="en-US" dirty="0" smtClean="0"/>
-              <a:t>因此求解马尔科夫决策过程实际上就是寻找最优策略的过程。现有的方法一般是采用数值迭代的方式从某个策略开始，不断优化该策略以得到最优策略。我们采用的增强学习的方法改进策略的公式如下，相比于动态规划和蒙特卡罗方法，增强学习的优点在于可以应对环境完全未知并且状态量巨大的马尔科夫问题的求解。</a:t>
+              <a:t>因此求解马尔科夫决策过程实际上就是寻找最优策略的过程。现有的方法一般是采用数值迭代的方式从某个策略开始，不断优化该策略以得到最优策略。我们采用的增强学习的方法改进策略的公式如下，相比于动态规划和蒙特卡罗方法，增强学习的优点在于可以应对量巨大的马尔科夫问题的求解。</a:t>
             </a:r>
             <a:endParaRPr lang="zh-CN" altLang="en-US" dirty="0"/>
           </a:p>
@@ -6851,7 +6859,7 @@
           <a:p>
             <a:r>
               <a:rPr lang="zh-CN" altLang="en-US" dirty="0" smtClean="0"/>
-              <a:t>这幅图表示了对一个点云确实严重的立面的分类结果</a:t>
+              <a:t>这幅图表示了对一个点云缺失严重的立面的分类结果</a:t>
             </a:r>
             <a:endParaRPr lang="en-US" altLang="zh-CN" dirty="0" smtClean="0"/>
           </a:p>
@@ -7205,6 +7213,14 @@
   <p:clrMapOvr>
     <a:masterClrMapping/>
   </p:clrMapOvr>
+  <mc:AlternateContent xmlns:mc="http://schemas.openxmlformats.org/markup-compatibility/2006">
+    <mc:Choice xmlns:p14="http://schemas.microsoft.com/office/powerpoint/2010/main" Requires="p14">
+      <p:transition p14:dur="10"/>
+    </mc:Choice>
+    <mc:Fallback>
+      <p:transition/>
+    </mc:Fallback>
+  </mc:AlternateContent>
 </p:sldLayout>
 </file>
 
@@ -7480,6 +7496,14 @@
   <p:clrMapOvr>
     <a:masterClrMapping/>
   </p:clrMapOvr>
+  <mc:AlternateContent xmlns:mc="http://schemas.openxmlformats.org/markup-compatibility/2006">
+    <mc:Choice xmlns:p14="http://schemas.microsoft.com/office/powerpoint/2010/main" Requires="p14">
+      <p:transition p14:dur="10"/>
+    </mc:Choice>
+    <mc:Fallback>
+      <p:transition/>
+    </mc:Fallback>
+  </mc:AlternateContent>
 </p:sldLayout>
 </file>
 
@@ -7760,6 +7784,14 @@
   <p:clrMapOvr>
     <a:masterClrMapping/>
   </p:clrMapOvr>
+  <mc:AlternateContent xmlns:mc="http://schemas.openxmlformats.org/markup-compatibility/2006">
+    <mc:Choice xmlns:p14="http://schemas.microsoft.com/office/powerpoint/2010/main" Requires="p14">
+      <p:transition p14:dur="10"/>
+    </mc:Choice>
+    <mc:Fallback>
+      <p:transition/>
+    </mc:Fallback>
+  </mc:AlternateContent>
 </p:sldLayout>
 </file>
 
@@ -8119,6 +8151,14 @@
   <p:clrMapOvr>
     <a:masterClrMapping/>
   </p:clrMapOvr>
+  <mc:AlternateContent xmlns:mc="http://schemas.openxmlformats.org/markup-compatibility/2006">
+    <mc:Choice xmlns:p14="http://schemas.microsoft.com/office/powerpoint/2010/main" Requires="p14">
+      <p:transition p14:dur="10"/>
+    </mc:Choice>
+    <mc:Fallback>
+      <p:transition/>
+    </mc:Fallback>
+  </mc:AlternateContent>
 </p:sldLayout>
 </file>
 
@@ -8417,6 +8457,14 @@
   <p:clrMapOvr>
     <a:masterClrMapping/>
   </p:clrMapOvr>
+  <mc:AlternateContent xmlns:mc="http://schemas.openxmlformats.org/markup-compatibility/2006">
+    <mc:Choice xmlns:p14="http://schemas.microsoft.com/office/powerpoint/2010/main" Requires="p14">
+      <p:transition p14:dur="10"/>
+    </mc:Choice>
+    <mc:Fallback>
+      <p:transition/>
+    </mc:Fallback>
+  </mc:AlternateContent>
 </p:sldLayout>
 </file>
 
@@ -8930,6 +8978,14 @@
   <p:clrMapOvr>
     <a:masterClrMapping/>
   </p:clrMapOvr>
+  <mc:AlternateContent xmlns:mc="http://schemas.openxmlformats.org/markup-compatibility/2006">
+    <mc:Choice xmlns:p14="http://schemas.microsoft.com/office/powerpoint/2010/main" Requires="p14">
+      <p:transition p14:dur="10"/>
+    </mc:Choice>
+    <mc:Fallback>
+      <p:transition/>
+    </mc:Fallback>
+  </mc:AlternateContent>
 </p:sldLayout>
 </file>
 
@@ -9573,6 +9629,14 @@
   <p:clrMapOvr>
     <a:masterClrMapping/>
   </p:clrMapOvr>
+  <mc:AlternateContent xmlns:mc="http://schemas.openxmlformats.org/markup-compatibility/2006">
+    <mc:Choice xmlns:p14="http://schemas.microsoft.com/office/powerpoint/2010/main" Requires="p14">
+      <p:transition p14:dur="10"/>
+    </mc:Choice>
+    <mc:Fallback>
+      <p:transition/>
+    </mc:Fallback>
+  </mc:AlternateContent>
 </p:sldLayout>
 </file>
 
@@ -9796,6 +9860,14 @@
   <p:clrMapOvr>
     <a:masterClrMapping/>
   </p:clrMapOvr>
+  <mc:AlternateContent xmlns:mc="http://schemas.openxmlformats.org/markup-compatibility/2006">
+    <mc:Choice xmlns:p14="http://schemas.microsoft.com/office/powerpoint/2010/main" Requires="p14">
+      <p:transition p14:dur="10"/>
+    </mc:Choice>
+    <mc:Fallback>
+      <p:transition/>
+    </mc:Fallback>
+  </mc:AlternateContent>
 </p:sldLayout>
 </file>
 
@@ -9889,6 +9961,14 @@
   <p:clrMapOvr>
     <a:masterClrMapping/>
   </p:clrMapOvr>
+  <mc:AlternateContent xmlns:mc="http://schemas.openxmlformats.org/markup-compatibility/2006">
+    <mc:Choice xmlns:p14="http://schemas.microsoft.com/office/powerpoint/2010/main" Requires="p14">
+      <p:transition p14:dur="10"/>
+    </mc:Choice>
+    <mc:Fallback>
+      <p:transition/>
+    </mc:Fallback>
+  </mc:AlternateContent>
 </p:sldLayout>
 </file>
 
@@ -10224,6 +10304,14 @@
   <p:clrMapOvr>
     <a:masterClrMapping/>
   </p:clrMapOvr>
+  <mc:AlternateContent xmlns:mc="http://schemas.openxmlformats.org/markup-compatibility/2006">
+    <mc:Choice xmlns:p14="http://schemas.microsoft.com/office/powerpoint/2010/main" Requires="p14">
+      <p:transition p14:dur="10"/>
+    </mc:Choice>
+    <mc:Fallback>
+      <p:transition/>
+    </mc:Fallback>
+  </mc:AlternateContent>
 </p:sldLayout>
 </file>
 
@@ -10479,6 +10567,14 @@
   <p:clrMapOvr>
     <a:masterClrMapping/>
   </p:clrMapOvr>
+  <mc:AlternateContent xmlns:mc="http://schemas.openxmlformats.org/markup-compatibility/2006">
+    <mc:Choice xmlns:p14="http://schemas.microsoft.com/office/powerpoint/2010/main" Requires="p14">
+      <p:transition p14:dur="10"/>
+    </mc:Choice>
+    <mc:Fallback>
+      <p:transition/>
+    </mc:Fallback>
+  </mc:AlternateContent>
 </p:sldLayout>
 </file>
 
@@ -10745,6 +10841,14 @@
     <p:sldLayoutId id="2147483670" r:id="rId10"/>
     <p:sldLayoutId id="2147483671" r:id="rId11"/>
   </p:sldLayoutIdLst>
+  <mc:AlternateContent xmlns:mc="http://schemas.openxmlformats.org/markup-compatibility/2006">
+    <mc:Choice xmlns:p14="http://schemas.microsoft.com/office/powerpoint/2010/main" Requires="p14">
+      <p:transition p14:dur="10"/>
+    </mc:Choice>
+    <mc:Fallback>
+      <p:transition/>
+    </mc:Fallback>
+  </mc:AlternateContent>
   <p:txStyles>
     <p:titleStyle>
       <a:lvl1pPr algn="l" defTabSz="685800" rtl="0" eaLnBrk="1" latinLnBrk="0" hangingPunct="1">
@@ -11236,6 +11340,18 @@
   <p:clrMapOvr>
     <a:masterClrMapping/>
   </p:clrMapOvr>
+  <mc:AlternateContent xmlns:mc="http://schemas.openxmlformats.org/markup-compatibility/2006">
+    <mc:Choice xmlns:p14="http://schemas.microsoft.com/office/powerpoint/2010/main" Requires="p14">
+      <p:transition spd="slow" p14:dur="900">
+        <p14:warp dir="in"/>
+      </p:transition>
+    </mc:Choice>
+    <mc:Fallback>
+      <p:transition spd="slow">
+        <p:fade/>
+      </p:transition>
+    </mc:Fallback>
+  </mc:AlternateContent>
   <p:timing>
     <p:tnLst>
       <p:par>
@@ -11385,6 +11501,9 @@
   <p:clrMapOvr>
     <a:masterClrMapping/>
   </p:clrMapOvr>
+  <p:transition spd="slow">
+    <p:push dir="u"/>
+  </p:transition>
   <p:timing>
     <p:tnLst>
       <p:par>
@@ -11662,6 +11781,18 @@
   <p:clrMapOvr>
     <a:masterClrMapping/>
   </p:clrMapOvr>
+  <mc:AlternateContent xmlns:mc="http://schemas.openxmlformats.org/markup-compatibility/2006">
+    <mc:Choice xmlns:p14="http://schemas.microsoft.com/office/powerpoint/2010/main" Requires="p14">
+      <p:transition spd="slow" p14:dur="1200">
+        <p14:prism/>
+      </p:transition>
+    </mc:Choice>
+    <mc:Fallback>
+      <p:transition spd="slow">
+        <p:fade/>
+      </p:transition>
+    </mc:Fallback>
+  </mc:AlternateContent>
   <p:timing>
     <p:tnLst>
       <p:par>
@@ -11839,7 +11970,7 @@
             </a:r>
             <a:r>
               <a:rPr lang="zh-CN" altLang="en-US" dirty="0" smtClean="0"/>
-              <a:t>结果：科技楼</a:t>
+              <a:t>结果</a:t>
             </a:r>
             <a:endParaRPr lang="zh-CN" altLang="en-US" dirty="0"/>
           </a:p>
@@ -11944,6 +12075,18 @@
   <p:clrMapOvr>
     <a:masterClrMapping/>
   </p:clrMapOvr>
+  <mc:AlternateContent xmlns:mc="http://schemas.openxmlformats.org/markup-compatibility/2006">
+    <mc:Choice xmlns:p14="http://schemas.microsoft.com/office/powerpoint/2010/main" Requires="p14">
+      <p:transition spd="slow" p14:dur="1200">
+        <p14:prism/>
+      </p:transition>
+    </mc:Choice>
+    <mc:Fallback>
+      <p:transition spd="slow">
+        <p:fade/>
+      </p:transition>
+    </mc:Fallback>
+  </mc:AlternateContent>
   <p:timing>
     <p:tnLst>
       <p:par>
@@ -12221,6 +12364,18 @@
   <p:clrMapOvr>
     <a:masterClrMapping/>
   </p:clrMapOvr>
+  <mc:AlternateContent xmlns:mc="http://schemas.openxmlformats.org/markup-compatibility/2006">
+    <mc:Choice xmlns:p14="http://schemas.microsoft.com/office/powerpoint/2010/main" Requires="p14">
+      <p:transition spd="slow" p14:dur="1200">
+        <p14:prism/>
+      </p:transition>
+    </mc:Choice>
+    <mc:Fallback>
+      <p:transition spd="slow">
+        <p:fade/>
+      </p:transition>
+    </mc:Fallback>
+  </mc:AlternateContent>
   <p:timing>
     <p:tnLst>
       <p:par>
@@ -12544,6 +12699,18 @@
   <p:clrMapOvr>
     <a:masterClrMapping/>
   </p:clrMapOvr>
+  <mc:AlternateContent xmlns:mc="http://schemas.openxmlformats.org/markup-compatibility/2006">
+    <mc:Choice xmlns:p14="http://schemas.microsoft.com/office/powerpoint/2010/main" Requires="p14">
+      <p:transition spd="slow" p14:dur="1200">
+        <p14:prism/>
+      </p:transition>
+    </mc:Choice>
+    <mc:Fallback>
+      <p:transition spd="slow">
+        <p:fade/>
+      </p:transition>
+    </mc:Fallback>
+  </mc:AlternateContent>
   <p:timing>
     <p:tnLst>
       <p:par>
@@ -12717,8 +12884,13 @@
           <a:p>
             <a:r>
               <a:rPr lang="zh-CN" altLang="en-US" dirty="0"/>
-              <a:t>实验结果</a:t>
-            </a:r>
+              <a:t>实验</a:t>
+            </a:r>
+            <a:r>
+              <a:rPr lang="zh-CN" altLang="en-US" dirty="0" smtClean="0"/>
+              <a:t>结果</a:t>
+            </a:r>
+            <a:endParaRPr lang="zh-CN" altLang="en-US" dirty="0"/>
           </a:p>
         </p:txBody>
       </p:sp>
@@ -12821,6 +12993,18 @@
   <p:clrMapOvr>
     <a:masterClrMapping/>
   </p:clrMapOvr>
+  <mc:AlternateContent xmlns:mc="http://schemas.openxmlformats.org/markup-compatibility/2006">
+    <mc:Choice xmlns:p14="http://schemas.microsoft.com/office/powerpoint/2010/main" Requires="p14">
+      <p:transition spd="slow" p14:dur="1200">
+        <p14:prism/>
+      </p:transition>
+    </mc:Choice>
+    <mc:Fallback>
+      <p:transition spd="slow">
+        <p:fade/>
+      </p:transition>
+    </mc:Fallback>
+  </mc:AlternateContent>
   <p:timing>
     <p:tnLst>
       <p:par>
@@ -12994,8 +13178,13 @@
           <a:p>
             <a:r>
               <a:rPr lang="zh-CN" altLang="en-US" dirty="0"/>
-              <a:t>实验结果</a:t>
-            </a:r>
+              <a:t>实验</a:t>
+            </a:r>
+            <a:r>
+              <a:rPr lang="zh-CN" altLang="en-US" dirty="0" smtClean="0"/>
+              <a:t>结果</a:t>
+            </a:r>
+            <a:endParaRPr lang="zh-CN" altLang="en-US" dirty="0"/>
           </a:p>
         </p:txBody>
       </p:sp>
@@ -13098,6 +13287,18 @@
   <p:clrMapOvr>
     <a:masterClrMapping/>
   </p:clrMapOvr>
+  <mc:AlternateContent xmlns:mc="http://schemas.openxmlformats.org/markup-compatibility/2006">
+    <mc:Choice xmlns:p14="http://schemas.microsoft.com/office/powerpoint/2010/main" Requires="p14">
+      <p:transition spd="slow" p14:dur="1200">
+        <p14:prism/>
+      </p:transition>
+    </mc:Choice>
+    <mc:Fallback>
+      <p:transition spd="slow">
+        <p:fade/>
+      </p:transition>
+    </mc:Fallback>
+  </mc:AlternateContent>
   <p:timing>
     <p:tnLst>
       <p:par>
@@ -13453,493 +13654,9 @@
   <p:clrMapOvr>
     <a:masterClrMapping/>
   </p:clrMapOvr>
-  <p:timing>
-    <p:tnLst>
-      <p:par>
-        <p:cTn id="1" dur="indefinite" restart="never" nodeType="tmRoot"/>
-      </p:par>
-    </p:tnLst>
-  </p:timing>
-</p:sld>
-</file>
-
-<file path=ppt/slides/slide18.xml><?xml version="1.0" encoding="utf-8"?>
-<p:sld xmlns:a="http://schemas.openxmlformats.org/drawingml/2006/main" xmlns:r="http://schemas.openxmlformats.org/officeDocument/2006/relationships" xmlns:p="http://schemas.openxmlformats.org/presentationml/2006/main">
-  <p:cSld>
-    <p:spTree>
-      <p:nvGrpSpPr>
-        <p:cNvPr id="1" name=""/>
-        <p:cNvGrpSpPr/>
-        <p:nvPr/>
-      </p:nvGrpSpPr>
-      <p:grpSpPr>
-        <a:xfrm>
-          <a:off x="0" y="0"/>
-          <a:ext cx="0" cy="0"/>
-          <a:chOff x="0" y="0"/>
-          <a:chExt cx="0" cy="0"/>
-        </a:xfrm>
-      </p:grpSpPr>
-      <p:sp>
-        <p:nvSpPr>
-          <p:cNvPr id="2" name="标题 1"/>
-          <p:cNvSpPr>
-            <a:spLocks noGrp="1"/>
-          </p:cNvSpPr>
-          <p:nvPr>
-            <p:ph type="title"/>
-          </p:nvPr>
-        </p:nvSpPr>
-        <p:spPr/>
-        <p:txBody>
-          <a:bodyPr/>
-          <a:lstStyle/>
-          <a:p>
-            <a:r>
-              <a:rPr lang="zh-CN" altLang="en-US" sz="2800" dirty="0"/>
-              <a:t>谢谢</a:t>
-            </a:r>
-            <a:r>
-              <a:rPr lang="zh-CN" altLang="en-US" sz="2800" dirty="0" smtClean="0"/>
-              <a:t>！请</a:t>
-            </a:r>
-            <a:r>
-              <a:rPr lang="zh-CN" altLang="en-US" sz="2800" dirty="0"/>
-              <a:t>老师提问</a:t>
-            </a:r>
-            <a:endParaRPr lang="zh-CN" altLang="en-US" dirty="0"/>
-          </a:p>
-        </p:txBody>
-      </p:sp>
-      <p:pic>
-        <p:nvPicPr>
-          <p:cNvPr id="11" name="图片 10"/>
-          <p:cNvPicPr>
-            <a:picLocks noChangeAspect="1"/>
-          </p:cNvPicPr>
-          <p:nvPr/>
-        </p:nvPicPr>
-        <p:blipFill>
-          <a:blip r:embed="rId3"/>
-          <a:stretch>
-            <a:fillRect/>
-          </a:stretch>
-        </p:blipFill>
-        <p:spPr>
-          <a:xfrm>
-            <a:off x="4680000" y="1364051"/>
-            <a:ext cx="4320000" cy="3106416"/>
-          </a:xfrm>
-          <a:prstGeom prst="rect">
-            <a:avLst/>
-          </a:prstGeom>
-        </p:spPr>
-      </p:pic>
-      <p:pic>
-        <p:nvPicPr>
-          <p:cNvPr id="15" name="图片 14"/>
-          <p:cNvPicPr>
-            <a:picLocks noChangeAspect="1"/>
-          </p:cNvPicPr>
-          <p:nvPr/>
-        </p:nvPicPr>
-        <p:blipFill>
-          <a:blip r:embed="rId4"/>
-          <a:stretch>
-            <a:fillRect/>
-          </a:stretch>
-        </p:blipFill>
-        <p:spPr>
-          <a:xfrm>
-            <a:off x="0" y="4998822"/>
-            <a:ext cx="4680000" cy="1859178"/>
-          </a:xfrm>
-          <a:prstGeom prst="rect">
-            <a:avLst/>
-          </a:prstGeom>
-        </p:spPr>
-      </p:pic>
-      <p:pic>
-        <p:nvPicPr>
-          <p:cNvPr id="17" name="图片 16"/>
-          <p:cNvPicPr>
-            <a:picLocks noChangeAspect="1"/>
-          </p:cNvPicPr>
-          <p:nvPr/>
-        </p:nvPicPr>
-        <p:blipFill>
-          <a:blip r:embed="rId5"/>
-          <a:stretch>
-            <a:fillRect/>
-          </a:stretch>
-        </p:blipFill>
-        <p:spPr>
-          <a:xfrm>
-            <a:off x="-60163" y="1555739"/>
-            <a:ext cx="4680000" cy="1980872"/>
-          </a:xfrm>
-          <a:prstGeom prst="rect">
-            <a:avLst/>
-          </a:prstGeom>
-        </p:spPr>
-      </p:pic>
-      <p:pic>
-        <p:nvPicPr>
-          <p:cNvPr id="19" name="图片 18"/>
-          <p:cNvPicPr>
-            <a:picLocks noChangeAspect="1"/>
-          </p:cNvPicPr>
-          <p:nvPr/>
-        </p:nvPicPr>
-        <p:blipFill>
-          <a:blip r:embed="rId6"/>
-          <a:stretch>
-            <a:fillRect/>
-          </a:stretch>
-        </p:blipFill>
-        <p:spPr>
-          <a:xfrm>
-            <a:off x="-36094" y="3264130"/>
-            <a:ext cx="4680000" cy="1675842"/>
-          </a:xfrm>
-          <a:prstGeom prst="rect">
-            <a:avLst/>
-          </a:prstGeom>
-        </p:spPr>
-      </p:pic>
-      <p:pic>
-        <p:nvPicPr>
-          <p:cNvPr id="20" name="图片 19"/>
-          <p:cNvPicPr>
-            <a:picLocks noChangeAspect="1"/>
-          </p:cNvPicPr>
-          <p:nvPr/>
-        </p:nvPicPr>
-        <p:blipFill>
-          <a:blip r:embed="rId7"/>
-          <a:stretch>
-            <a:fillRect/>
-          </a:stretch>
-        </p:blipFill>
-        <p:spPr>
-          <a:xfrm>
-            <a:off x="4500000" y="4468426"/>
-            <a:ext cx="4680000" cy="2293663"/>
-          </a:xfrm>
-          <a:prstGeom prst="rect">
-            <a:avLst/>
-          </a:prstGeom>
-        </p:spPr>
-      </p:pic>
-    </p:spTree>
-    <p:extLst>
-      <p:ext uri="{BB962C8B-B14F-4D97-AF65-F5344CB8AC3E}">
-        <p14:creationId xmlns:p14="http://schemas.microsoft.com/office/powerpoint/2010/main" val="3825164774"/>
-      </p:ext>
-    </p:extLst>
-  </p:cSld>
-  <p:clrMapOvr>
-    <a:masterClrMapping/>
-  </p:clrMapOvr>
-  <p:timing>
-    <p:tnLst>
-      <p:par>
-        <p:cTn id="1" dur="indefinite" restart="never" nodeType="tmRoot"/>
-      </p:par>
-    </p:tnLst>
-  </p:timing>
-</p:sld>
-</file>
-
-<file path=ppt/slides/slide2.xml><?xml version="1.0" encoding="utf-8"?>
-<p:sld xmlns:a="http://schemas.openxmlformats.org/drawingml/2006/main" xmlns:r="http://schemas.openxmlformats.org/officeDocument/2006/relationships" xmlns:p="http://schemas.openxmlformats.org/presentationml/2006/main">
-  <p:cSld>
-    <p:spTree>
-      <p:nvGrpSpPr>
-        <p:cNvPr id="1" name=""/>
-        <p:cNvGrpSpPr/>
-        <p:nvPr/>
-      </p:nvGrpSpPr>
-      <p:grpSpPr>
-        <a:xfrm>
-          <a:off x="0" y="0"/>
-          <a:ext cx="0" cy="0"/>
-          <a:chOff x="0" y="0"/>
-          <a:chExt cx="0" cy="0"/>
-        </a:xfrm>
-      </p:grpSpPr>
-      <p:sp>
-        <p:nvSpPr>
-          <p:cNvPr id="2" name="标题 1"/>
-          <p:cNvSpPr>
-            <a:spLocks noGrp="1"/>
-          </p:cNvSpPr>
-          <p:nvPr>
-            <p:ph type="title"/>
-          </p:nvPr>
-        </p:nvSpPr>
-        <p:spPr/>
-        <p:txBody>
-          <a:bodyPr/>
-          <a:lstStyle/>
-          <a:p>
-            <a:r>
-              <a:rPr lang="zh-CN" altLang="en-US" dirty="0" smtClean="0">
-                <a:latin typeface="Microsoft YaHei UI" panose="020B0503020204020204" pitchFamily="34" charset="-122"/>
-                <a:ea typeface="Microsoft YaHei UI" panose="020B0503020204020204" pitchFamily="34" charset="-122"/>
-              </a:rPr>
-              <a:t>研究背景及意义</a:t>
-            </a:r>
-            <a:endParaRPr lang="zh-CN" dirty="0">
-              <a:latin typeface="Microsoft YaHei UI" panose="020B0503020204020204" pitchFamily="34" charset="-122"/>
-              <a:ea typeface="Microsoft YaHei UI" panose="020B0503020204020204" pitchFamily="34" charset="-122"/>
-            </a:endParaRPr>
-          </a:p>
-        </p:txBody>
-      </p:sp>
-      <p:sp>
-        <p:nvSpPr>
-          <p:cNvPr id="3" name="内容占位符 2"/>
-          <p:cNvSpPr>
-            <a:spLocks noGrp="1"/>
-          </p:cNvSpPr>
-          <p:nvPr>
-            <p:ph idx="1"/>
-          </p:nvPr>
-        </p:nvSpPr>
-        <p:spPr>
-          <a:xfrm>
-            <a:off x="688806" y="2094122"/>
-            <a:ext cx="7826545" cy="3335821"/>
-          </a:xfrm>
-        </p:spPr>
-        <p:txBody>
-          <a:bodyPr>
-            <a:normAutofit fontScale="85000" lnSpcReduction="10000"/>
-          </a:bodyPr>
-          <a:lstStyle/>
-          <a:p>
-            <a:pPr marL="214313" indent="-214313">
-              <a:buClr>
-                <a:srgbClr val="00B050"/>
-              </a:buClr>
-              <a:buFont typeface="Wingdings" panose="05000000000000000000" pitchFamily="2" charset="2"/>
-              <a:buChar char="u"/>
-            </a:pPr>
-            <a:r>
-              <a:rPr lang="zh-CN" altLang="zh-CN" sz="2000" dirty="0"/>
-              <a:t>随着</a:t>
-            </a:r>
-            <a:r>
-              <a:rPr lang="en-US" altLang="zh-CN" sz="2000" dirty="0"/>
-              <a:t>GIS</a:t>
-            </a:r>
-            <a:r>
-              <a:rPr lang="zh-CN" altLang="zh-CN" sz="2000" dirty="0"/>
-              <a:t>服务领域的不断</a:t>
-            </a:r>
-            <a:r>
-              <a:rPr lang="zh-CN" altLang="zh-CN" sz="2000" dirty="0" smtClean="0"/>
-              <a:t>拓展</a:t>
-            </a:r>
-            <a:r>
-              <a:rPr lang="zh-CN" altLang="en-US" sz="2000" dirty="0" smtClean="0"/>
-              <a:t>，</a:t>
-            </a:r>
-            <a:r>
-              <a:rPr lang="zh-CN" altLang="zh-CN" sz="2000" dirty="0" smtClean="0"/>
-              <a:t>导航</a:t>
-            </a:r>
-            <a:r>
-              <a:rPr lang="zh-CN" altLang="zh-CN" sz="2000" dirty="0"/>
-              <a:t>、城市漫游、城乡规划、遗迹保护、风险分析等应用领域迫切需要三维数字城市的建模和自动</a:t>
-            </a:r>
-            <a:r>
-              <a:rPr lang="zh-CN" altLang="zh-CN" sz="2000" dirty="0" smtClean="0"/>
-              <a:t>重建</a:t>
-            </a:r>
-            <a:endParaRPr lang="en-US" altLang="zh-CN" sz="1850" dirty="0" smtClean="0">
-              <a:latin typeface="微软雅黑" panose="020B0503020204020204" pitchFamily="34" charset="-122"/>
-              <a:ea typeface="微软雅黑" panose="020B0503020204020204" pitchFamily="34" charset="-122"/>
-            </a:endParaRPr>
-          </a:p>
-          <a:p>
-            <a:pPr marL="214313" indent="-214313">
-              <a:buClr>
-                <a:srgbClr val="00B050"/>
-              </a:buClr>
-              <a:buFont typeface="Wingdings" panose="05000000000000000000" pitchFamily="2" charset="2"/>
-              <a:buChar char="u"/>
-            </a:pPr>
-            <a:r>
-              <a:rPr lang="zh-CN" altLang="en-US" sz="2000" dirty="0">
-                <a:latin typeface="微软雅黑" panose="020B0503020204020204" pitchFamily="34" charset="-122"/>
-                <a:ea typeface="微软雅黑" panose="020B0503020204020204" pitchFamily="34" charset="-122"/>
-              </a:rPr>
-              <a:t>传</a:t>
-            </a:r>
-            <a:r>
-              <a:rPr lang="zh-CN" altLang="en-US" sz="2000" dirty="0" smtClean="0">
-                <a:latin typeface="微软雅黑" panose="020B0503020204020204" pitchFamily="34" charset="-122"/>
-                <a:ea typeface="微软雅黑" panose="020B0503020204020204" pitchFamily="34" charset="-122"/>
-              </a:rPr>
-              <a:t>统的</a:t>
-            </a:r>
-            <a:r>
-              <a:rPr lang="zh-CN" altLang="en-US" sz="2000" dirty="0">
-                <a:latin typeface="微软雅黑" panose="020B0503020204020204" pitchFamily="34" charset="-122"/>
-                <a:ea typeface="微软雅黑" panose="020B0503020204020204" pitchFamily="34" charset="-122"/>
-              </a:rPr>
-              <a:t>方法主要是基于人工或是半自动的重建，人工建立城市模型需要建模者要有一定的经验，并耗费大量时间</a:t>
-            </a:r>
-            <a:endParaRPr lang="en-US" altLang="zh-CN" sz="2000" dirty="0" smtClean="0">
-              <a:latin typeface="微软雅黑" panose="020B0503020204020204" pitchFamily="34" charset="-122"/>
-              <a:ea typeface="微软雅黑" panose="020B0503020204020204" pitchFamily="34" charset="-122"/>
-            </a:endParaRPr>
-          </a:p>
-          <a:p>
-            <a:pPr marL="214313" indent="-214313">
-              <a:buClr>
-                <a:srgbClr val="00B050"/>
-              </a:buClr>
-              <a:buFont typeface="Wingdings" panose="05000000000000000000" pitchFamily="2" charset="2"/>
-              <a:buChar char="u"/>
-            </a:pPr>
-            <a:r>
-              <a:rPr lang="zh-CN" altLang="en-US" sz="2000" dirty="0" smtClean="0">
-                <a:latin typeface="微软雅黑" panose="020B0503020204020204" pitchFamily="34" charset="-122"/>
-                <a:ea typeface="微软雅黑" panose="020B0503020204020204" pitchFamily="34" charset="-122"/>
-              </a:rPr>
-              <a:t>随着</a:t>
-            </a:r>
-            <a:r>
-              <a:rPr lang="zh-CN" altLang="en-US" sz="2000" dirty="0">
-                <a:latin typeface="微软雅黑" panose="020B0503020204020204" pitchFamily="34" charset="-122"/>
-                <a:ea typeface="微软雅黑" panose="020B0503020204020204" pitchFamily="34" charset="-122"/>
-              </a:rPr>
-              <a:t>激光雷达技术的发展，人们已经可以通过车载激光雷达或是机载激光雷达对地面进行快速的扫描从而获得城市模型的点云</a:t>
-            </a:r>
-            <a:endParaRPr lang="en-US" altLang="zh-CN" sz="2000" dirty="0" smtClean="0">
-              <a:latin typeface="微软雅黑" panose="020B0503020204020204" pitchFamily="34" charset="-122"/>
-              <a:ea typeface="微软雅黑" panose="020B0503020204020204" pitchFamily="34" charset="-122"/>
-            </a:endParaRPr>
-          </a:p>
-          <a:p>
-            <a:pPr marL="214313" indent="-214313">
-              <a:buClr>
-                <a:srgbClr val="00B050"/>
-              </a:buClr>
-              <a:buFont typeface="Wingdings" panose="05000000000000000000" pitchFamily="2" charset="2"/>
-              <a:buChar char="u"/>
-            </a:pPr>
-            <a:r>
-              <a:rPr lang="zh-CN" altLang="en-US" sz="2000" dirty="0" smtClean="0">
-                <a:latin typeface="微软雅黑" panose="020B0503020204020204" pitchFamily="34" charset="-122"/>
-                <a:ea typeface="微软雅黑" panose="020B0503020204020204" pitchFamily="34" charset="-122"/>
-              </a:rPr>
-              <a:t>建筑立面建模是城市建模的重要组成部分</a:t>
-            </a:r>
-            <a:endParaRPr lang="en-US" altLang="zh-CN" sz="2000" dirty="0" smtClean="0">
-              <a:latin typeface="微软雅黑" panose="020B0503020204020204" pitchFamily="34" charset="-122"/>
-              <a:ea typeface="微软雅黑" panose="020B0503020204020204" pitchFamily="34" charset="-122"/>
-            </a:endParaRPr>
-          </a:p>
-          <a:p>
-            <a:endParaRPr lang="zh-CN" sz="2000" dirty="0"/>
-          </a:p>
-          <a:p>
-            <a:endParaRPr lang="zh-CN" sz="2000" dirty="0"/>
-          </a:p>
-        </p:txBody>
-      </p:sp>
-      <p:sp>
-        <p:nvSpPr>
-          <p:cNvPr id="4" name="文本框 3"/>
-          <p:cNvSpPr txBox="1"/>
-          <p:nvPr/>
-        </p:nvSpPr>
-        <p:spPr>
-          <a:xfrm>
-            <a:off x="3313764" y="5429943"/>
-            <a:ext cx="5201587" cy="830997"/>
-          </a:xfrm>
-          <a:prstGeom prst="rect">
-            <a:avLst/>
-          </a:prstGeom>
-          <a:noFill/>
-        </p:spPr>
-        <p:txBody>
-          <a:bodyPr wrap="square" rtlCol="0">
-            <a:spAutoFit/>
-          </a:bodyPr>
-          <a:lstStyle/>
-          <a:p>
-            <a:r>
-              <a:rPr lang="zh-CN" altLang="en-US" sz="2400" dirty="0">
-                <a:ln w="0"/>
-                <a:solidFill>
-                  <a:srgbClr val="FF0000"/>
-                </a:solidFill>
-                <a:effectLst>
-                  <a:outerShdw blurRad="38100" dist="19050" dir="2700000" algn="tl" rotWithShape="0">
-                    <a:schemeClr val="dk1">
-                      <a:alpha val="40000"/>
-                    </a:schemeClr>
-                  </a:outerShdw>
-                </a:effectLst>
-              </a:rPr>
-              <a:t>如何从建筑立面的激光雷达点云中自动化恢复</a:t>
-            </a:r>
-            <a:r>
-              <a:rPr lang="zh-CN" altLang="en-US" sz="2400" dirty="0" smtClean="0">
-                <a:ln w="0"/>
-                <a:solidFill>
-                  <a:srgbClr val="FF0000"/>
-                </a:solidFill>
-                <a:effectLst>
-                  <a:outerShdw blurRad="38100" dist="19050" dir="2700000" algn="tl" rotWithShape="0">
-                    <a:schemeClr val="dk1">
-                      <a:alpha val="40000"/>
-                    </a:schemeClr>
-                  </a:outerShdw>
-                </a:effectLst>
-              </a:rPr>
-              <a:t>其三维结构？</a:t>
-            </a:r>
-            <a:endParaRPr lang="zh-CN" altLang="en-US" sz="2400" dirty="0">
-              <a:ln w="0"/>
-              <a:solidFill>
-                <a:srgbClr val="FF0000"/>
-              </a:solidFill>
-              <a:effectLst>
-                <a:outerShdw blurRad="38100" dist="19050" dir="2700000" algn="tl" rotWithShape="0">
-                  <a:schemeClr val="dk1">
-                    <a:alpha val="40000"/>
-                  </a:schemeClr>
-                </a:outerShdw>
-              </a:effectLst>
-            </a:endParaRPr>
-          </a:p>
-        </p:txBody>
-      </p:sp>
-    </p:spTree>
-    <p:extLst>
-      <p:ext uri="{BB962C8B-B14F-4D97-AF65-F5344CB8AC3E}">
-        <p14:creationId xmlns:p14="http://schemas.microsoft.com/office/powerpoint/2010/main" val="2090733893"/>
-      </p:ext>
-    </p:extLst>
-  </p:cSld>
-  <p:clrMapOvr>
-    <a:masterClrMapping/>
-  </p:clrMapOvr>
-  <mc:AlternateContent xmlns:mc="http://schemas.openxmlformats.org/markup-compatibility/2006" xmlns:p14="http://schemas.microsoft.com/office/powerpoint/2010/main">
-    <mc:Choice Requires="p14">
-      <p:transition p14:dur="0"/>
-    </mc:Choice>
-    <mc:Fallback xmlns="">
-      <p:transition/>
-    </mc:Fallback>
-  </mc:AlternateContent>
+  <p:transition spd="slow">
+    <p:push dir="u"/>
+  </p:transition>
   <p:timing>
     <p:tnLst>
       <p:par>
@@ -14172,6 +13889,772 @@
 </p:sld>
 </file>
 
+<file path=ppt/slides/slide18.xml><?xml version="1.0" encoding="utf-8"?>
+<p:sld xmlns:a="http://schemas.openxmlformats.org/drawingml/2006/main" xmlns:r="http://schemas.openxmlformats.org/officeDocument/2006/relationships" xmlns:p="http://schemas.openxmlformats.org/presentationml/2006/main">
+  <p:cSld>
+    <p:spTree>
+      <p:nvGrpSpPr>
+        <p:cNvPr id="1" name=""/>
+        <p:cNvGrpSpPr/>
+        <p:nvPr/>
+      </p:nvGrpSpPr>
+      <p:grpSpPr>
+        <a:xfrm>
+          <a:off x="0" y="0"/>
+          <a:ext cx="0" cy="0"/>
+          <a:chOff x="0" y="0"/>
+          <a:chExt cx="0" cy="0"/>
+        </a:xfrm>
+      </p:grpSpPr>
+      <p:sp>
+        <p:nvSpPr>
+          <p:cNvPr id="2" name="标题 1"/>
+          <p:cNvSpPr>
+            <a:spLocks noGrp="1"/>
+          </p:cNvSpPr>
+          <p:nvPr>
+            <p:ph type="title"/>
+          </p:nvPr>
+        </p:nvSpPr>
+        <p:spPr/>
+        <p:txBody>
+          <a:bodyPr/>
+          <a:lstStyle/>
+          <a:p>
+            <a:r>
+              <a:rPr lang="zh-CN" altLang="en-US" sz="2800" dirty="0"/>
+              <a:t>谢谢</a:t>
+            </a:r>
+            <a:r>
+              <a:rPr lang="zh-CN" altLang="en-US" sz="2800" dirty="0" smtClean="0"/>
+              <a:t>！请</a:t>
+            </a:r>
+            <a:r>
+              <a:rPr lang="zh-CN" altLang="en-US" sz="2800" dirty="0"/>
+              <a:t>老师提问</a:t>
+            </a:r>
+            <a:endParaRPr lang="zh-CN" altLang="en-US" dirty="0"/>
+          </a:p>
+        </p:txBody>
+      </p:sp>
+      <p:pic>
+        <p:nvPicPr>
+          <p:cNvPr id="11" name="图片 10"/>
+          <p:cNvPicPr>
+            <a:picLocks noChangeAspect="1"/>
+          </p:cNvPicPr>
+          <p:nvPr/>
+        </p:nvPicPr>
+        <p:blipFill>
+          <a:blip r:embed="rId3"/>
+          <a:stretch>
+            <a:fillRect/>
+          </a:stretch>
+        </p:blipFill>
+        <p:spPr>
+          <a:xfrm>
+            <a:off x="4680000" y="1364051"/>
+            <a:ext cx="4320000" cy="3106416"/>
+          </a:xfrm>
+          <a:prstGeom prst="rect">
+            <a:avLst/>
+          </a:prstGeom>
+        </p:spPr>
+      </p:pic>
+      <p:pic>
+        <p:nvPicPr>
+          <p:cNvPr id="15" name="图片 14"/>
+          <p:cNvPicPr>
+            <a:picLocks noChangeAspect="1"/>
+          </p:cNvPicPr>
+          <p:nvPr/>
+        </p:nvPicPr>
+        <p:blipFill>
+          <a:blip r:embed="rId4"/>
+          <a:stretch>
+            <a:fillRect/>
+          </a:stretch>
+        </p:blipFill>
+        <p:spPr>
+          <a:xfrm>
+            <a:off x="0" y="4998822"/>
+            <a:ext cx="4680000" cy="1859178"/>
+          </a:xfrm>
+          <a:prstGeom prst="rect">
+            <a:avLst/>
+          </a:prstGeom>
+        </p:spPr>
+      </p:pic>
+      <p:pic>
+        <p:nvPicPr>
+          <p:cNvPr id="17" name="图片 16"/>
+          <p:cNvPicPr>
+            <a:picLocks noChangeAspect="1"/>
+          </p:cNvPicPr>
+          <p:nvPr/>
+        </p:nvPicPr>
+        <p:blipFill>
+          <a:blip r:embed="rId5"/>
+          <a:stretch>
+            <a:fillRect/>
+          </a:stretch>
+        </p:blipFill>
+        <p:spPr>
+          <a:xfrm>
+            <a:off x="-60163" y="1555739"/>
+            <a:ext cx="4680000" cy="1980872"/>
+          </a:xfrm>
+          <a:prstGeom prst="rect">
+            <a:avLst/>
+          </a:prstGeom>
+        </p:spPr>
+      </p:pic>
+      <p:pic>
+        <p:nvPicPr>
+          <p:cNvPr id="19" name="图片 18"/>
+          <p:cNvPicPr>
+            <a:picLocks noChangeAspect="1"/>
+          </p:cNvPicPr>
+          <p:nvPr/>
+        </p:nvPicPr>
+        <p:blipFill>
+          <a:blip r:embed="rId6"/>
+          <a:stretch>
+            <a:fillRect/>
+          </a:stretch>
+        </p:blipFill>
+        <p:spPr>
+          <a:xfrm>
+            <a:off x="-36094" y="3264130"/>
+            <a:ext cx="4680000" cy="1675842"/>
+          </a:xfrm>
+          <a:prstGeom prst="rect">
+            <a:avLst/>
+          </a:prstGeom>
+        </p:spPr>
+      </p:pic>
+      <p:pic>
+        <p:nvPicPr>
+          <p:cNvPr id="20" name="图片 19"/>
+          <p:cNvPicPr>
+            <a:picLocks noChangeAspect="1"/>
+          </p:cNvPicPr>
+          <p:nvPr/>
+        </p:nvPicPr>
+        <p:blipFill>
+          <a:blip r:embed="rId7"/>
+          <a:stretch>
+            <a:fillRect/>
+          </a:stretch>
+        </p:blipFill>
+        <p:spPr>
+          <a:xfrm>
+            <a:off x="4500000" y="4468426"/>
+            <a:ext cx="4680000" cy="2293663"/>
+          </a:xfrm>
+          <a:prstGeom prst="rect">
+            <a:avLst/>
+          </a:prstGeom>
+        </p:spPr>
+      </p:pic>
+    </p:spTree>
+    <p:extLst>
+      <p:ext uri="{BB962C8B-B14F-4D97-AF65-F5344CB8AC3E}">
+        <p14:creationId xmlns:p14="http://schemas.microsoft.com/office/powerpoint/2010/main" val="3825164774"/>
+      </p:ext>
+    </p:extLst>
+  </p:cSld>
+  <p:clrMapOvr>
+    <a:masterClrMapping/>
+  </p:clrMapOvr>
+  <mc:AlternateContent xmlns:mc="http://schemas.openxmlformats.org/markup-compatibility/2006">
+    <mc:Choice xmlns:p14="http://schemas.microsoft.com/office/powerpoint/2010/main" Requires="p14">
+      <p:transition p14:dur="10"/>
+    </mc:Choice>
+    <mc:Fallback>
+      <p:transition/>
+    </mc:Fallback>
+  </mc:AlternateContent>
+  <p:timing>
+    <p:tnLst>
+      <p:par>
+        <p:cTn id="1" dur="indefinite" restart="never" nodeType="tmRoot"/>
+      </p:par>
+    </p:tnLst>
+  </p:timing>
+</p:sld>
+</file>
+
+<file path=ppt/slides/slide2.xml><?xml version="1.0" encoding="utf-8"?>
+<p:sld xmlns:a="http://schemas.openxmlformats.org/drawingml/2006/main" xmlns:r="http://schemas.openxmlformats.org/officeDocument/2006/relationships" xmlns:p="http://schemas.openxmlformats.org/presentationml/2006/main">
+  <p:cSld>
+    <p:spTree>
+      <p:nvGrpSpPr>
+        <p:cNvPr id="1" name=""/>
+        <p:cNvGrpSpPr/>
+        <p:nvPr/>
+      </p:nvGrpSpPr>
+      <p:grpSpPr>
+        <a:xfrm>
+          <a:off x="0" y="0"/>
+          <a:ext cx="0" cy="0"/>
+          <a:chOff x="0" y="0"/>
+          <a:chExt cx="0" cy="0"/>
+        </a:xfrm>
+      </p:grpSpPr>
+      <p:sp>
+        <p:nvSpPr>
+          <p:cNvPr id="2" name="标题 1"/>
+          <p:cNvSpPr>
+            <a:spLocks noGrp="1"/>
+          </p:cNvSpPr>
+          <p:nvPr>
+            <p:ph type="title"/>
+          </p:nvPr>
+        </p:nvSpPr>
+        <p:spPr/>
+        <p:txBody>
+          <a:bodyPr/>
+          <a:lstStyle/>
+          <a:p>
+            <a:r>
+              <a:rPr lang="zh-CN" altLang="en-US" dirty="0" smtClean="0">
+                <a:latin typeface="Microsoft YaHei UI" panose="020B0503020204020204" pitchFamily="34" charset="-122"/>
+                <a:ea typeface="Microsoft YaHei UI" panose="020B0503020204020204" pitchFamily="34" charset="-122"/>
+              </a:rPr>
+              <a:t>研究背景及意义</a:t>
+            </a:r>
+            <a:endParaRPr lang="zh-CN" dirty="0">
+              <a:latin typeface="Microsoft YaHei UI" panose="020B0503020204020204" pitchFamily="34" charset="-122"/>
+              <a:ea typeface="Microsoft YaHei UI" panose="020B0503020204020204" pitchFamily="34" charset="-122"/>
+            </a:endParaRPr>
+          </a:p>
+        </p:txBody>
+      </p:sp>
+      <p:sp>
+        <p:nvSpPr>
+          <p:cNvPr id="3" name="内容占位符 2"/>
+          <p:cNvSpPr>
+            <a:spLocks noGrp="1"/>
+          </p:cNvSpPr>
+          <p:nvPr>
+            <p:ph idx="1"/>
+          </p:nvPr>
+        </p:nvSpPr>
+        <p:spPr>
+          <a:xfrm>
+            <a:off x="688806" y="2094122"/>
+            <a:ext cx="7826545" cy="3335821"/>
+          </a:xfrm>
+        </p:spPr>
+        <p:txBody>
+          <a:bodyPr>
+            <a:normAutofit fontScale="85000" lnSpcReduction="10000"/>
+          </a:bodyPr>
+          <a:lstStyle/>
+          <a:p>
+            <a:pPr marL="214313" indent="-214313">
+              <a:buClr>
+                <a:srgbClr val="00B050"/>
+              </a:buClr>
+              <a:buFont typeface="Wingdings" panose="05000000000000000000" pitchFamily="2" charset="2"/>
+              <a:buChar char="u"/>
+            </a:pPr>
+            <a:r>
+              <a:rPr lang="zh-CN" altLang="zh-CN" sz="2000" dirty="0"/>
+              <a:t>随着</a:t>
+            </a:r>
+            <a:r>
+              <a:rPr lang="en-US" altLang="zh-CN" sz="2000" dirty="0"/>
+              <a:t>GIS</a:t>
+            </a:r>
+            <a:r>
+              <a:rPr lang="zh-CN" altLang="zh-CN" sz="2000" dirty="0"/>
+              <a:t>服务领域的不断</a:t>
+            </a:r>
+            <a:r>
+              <a:rPr lang="zh-CN" altLang="zh-CN" sz="2000" dirty="0" smtClean="0"/>
+              <a:t>拓展</a:t>
+            </a:r>
+            <a:r>
+              <a:rPr lang="zh-CN" altLang="en-US" sz="2000" dirty="0" smtClean="0"/>
+              <a:t>，</a:t>
+            </a:r>
+            <a:r>
+              <a:rPr lang="zh-CN" altLang="zh-CN" sz="2000" dirty="0" smtClean="0"/>
+              <a:t>导航</a:t>
+            </a:r>
+            <a:r>
+              <a:rPr lang="zh-CN" altLang="zh-CN" sz="2000" dirty="0"/>
+              <a:t>、城市漫游、城乡规划、遗迹保护、风险分析等应用领域迫切需要三维数字城市的建模和自动</a:t>
+            </a:r>
+            <a:r>
+              <a:rPr lang="zh-CN" altLang="zh-CN" sz="2000" dirty="0" smtClean="0"/>
+              <a:t>重建</a:t>
+            </a:r>
+            <a:endParaRPr lang="en-US" altLang="zh-CN" sz="1850" dirty="0" smtClean="0">
+              <a:latin typeface="微软雅黑" panose="020B0503020204020204" pitchFamily="34" charset="-122"/>
+              <a:ea typeface="微软雅黑" panose="020B0503020204020204" pitchFamily="34" charset="-122"/>
+            </a:endParaRPr>
+          </a:p>
+          <a:p>
+            <a:pPr marL="214313" indent="-214313">
+              <a:buClr>
+                <a:srgbClr val="00B050"/>
+              </a:buClr>
+              <a:buFont typeface="Wingdings" panose="05000000000000000000" pitchFamily="2" charset="2"/>
+              <a:buChar char="u"/>
+            </a:pPr>
+            <a:r>
+              <a:rPr lang="zh-CN" altLang="en-US" sz="2000" dirty="0">
+                <a:latin typeface="微软雅黑" panose="020B0503020204020204" pitchFamily="34" charset="-122"/>
+                <a:ea typeface="微软雅黑" panose="020B0503020204020204" pitchFamily="34" charset="-122"/>
+              </a:rPr>
+              <a:t>传</a:t>
+            </a:r>
+            <a:r>
+              <a:rPr lang="zh-CN" altLang="en-US" sz="2000" dirty="0" smtClean="0">
+                <a:latin typeface="微软雅黑" panose="020B0503020204020204" pitchFamily="34" charset="-122"/>
+                <a:ea typeface="微软雅黑" panose="020B0503020204020204" pitchFamily="34" charset="-122"/>
+              </a:rPr>
+              <a:t>统的</a:t>
+            </a:r>
+            <a:r>
+              <a:rPr lang="zh-CN" altLang="en-US" sz="2000" dirty="0">
+                <a:latin typeface="微软雅黑" panose="020B0503020204020204" pitchFamily="34" charset="-122"/>
+                <a:ea typeface="微软雅黑" panose="020B0503020204020204" pitchFamily="34" charset="-122"/>
+              </a:rPr>
+              <a:t>方法主要是基于人工或是半自动的重建，人工建立城市模型需要建模者要有一定的经验，并耗费大量时间</a:t>
+            </a:r>
+            <a:endParaRPr lang="en-US" altLang="zh-CN" sz="2000" dirty="0" smtClean="0">
+              <a:latin typeface="微软雅黑" panose="020B0503020204020204" pitchFamily="34" charset="-122"/>
+              <a:ea typeface="微软雅黑" panose="020B0503020204020204" pitchFamily="34" charset="-122"/>
+            </a:endParaRPr>
+          </a:p>
+          <a:p>
+            <a:pPr marL="214313" indent="-214313">
+              <a:buClr>
+                <a:srgbClr val="00B050"/>
+              </a:buClr>
+              <a:buFont typeface="Wingdings" panose="05000000000000000000" pitchFamily="2" charset="2"/>
+              <a:buChar char="u"/>
+            </a:pPr>
+            <a:r>
+              <a:rPr lang="zh-CN" altLang="en-US" sz="2000" dirty="0" smtClean="0">
+                <a:latin typeface="微软雅黑" panose="020B0503020204020204" pitchFamily="34" charset="-122"/>
+                <a:ea typeface="微软雅黑" panose="020B0503020204020204" pitchFamily="34" charset="-122"/>
+              </a:rPr>
+              <a:t>随着</a:t>
+            </a:r>
+            <a:r>
+              <a:rPr lang="zh-CN" altLang="en-US" sz="2000" dirty="0">
+                <a:latin typeface="微软雅黑" panose="020B0503020204020204" pitchFamily="34" charset="-122"/>
+                <a:ea typeface="微软雅黑" panose="020B0503020204020204" pitchFamily="34" charset="-122"/>
+              </a:rPr>
+              <a:t>激光雷达技术的发展，人们已经可以通过车载激光雷达或是机载激光雷达对地面进行快速的扫描从而获得城市模型的点云</a:t>
+            </a:r>
+            <a:endParaRPr lang="en-US" altLang="zh-CN" sz="2000" dirty="0" smtClean="0">
+              <a:latin typeface="微软雅黑" panose="020B0503020204020204" pitchFamily="34" charset="-122"/>
+              <a:ea typeface="微软雅黑" panose="020B0503020204020204" pitchFamily="34" charset="-122"/>
+            </a:endParaRPr>
+          </a:p>
+          <a:p>
+            <a:pPr marL="214313" indent="-214313">
+              <a:buClr>
+                <a:srgbClr val="00B050"/>
+              </a:buClr>
+              <a:buFont typeface="Wingdings" panose="05000000000000000000" pitchFamily="2" charset="2"/>
+              <a:buChar char="u"/>
+            </a:pPr>
+            <a:r>
+              <a:rPr lang="zh-CN" altLang="en-US" sz="2000" dirty="0" smtClean="0">
+                <a:latin typeface="微软雅黑" panose="020B0503020204020204" pitchFamily="34" charset="-122"/>
+                <a:ea typeface="微软雅黑" panose="020B0503020204020204" pitchFamily="34" charset="-122"/>
+              </a:rPr>
+              <a:t>建筑立面建模是城市建模的重要组成部分</a:t>
+            </a:r>
+            <a:endParaRPr lang="en-US" altLang="zh-CN" sz="2000" dirty="0" smtClean="0">
+              <a:latin typeface="微软雅黑" panose="020B0503020204020204" pitchFamily="34" charset="-122"/>
+              <a:ea typeface="微软雅黑" panose="020B0503020204020204" pitchFamily="34" charset="-122"/>
+            </a:endParaRPr>
+          </a:p>
+          <a:p>
+            <a:endParaRPr lang="zh-CN" sz="2000" dirty="0"/>
+          </a:p>
+          <a:p>
+            <a:endParaRPr lang="zh-CN" sz="2000" dirty="0"/>
+          </a:p>
+        </p:txBody>
+      </p:sp>
+      <p:sp>
+        <p:nvSpPr>
+          <p:cNvPr id="4" name="文本框 3"/>
+          <p:cNvSpPr txBox="1"/>
+          <p:nvPr/>
+        </p:nvSpPr>
+        <p:spPr>
+          <a:xfrm>
+            <a:off x="3313764" y="5429943"/>
+            <a:ext cx="5201587" cy="830997"/>
+          </a:xfrm>
+          <a:prstGeom prst="rect">
+            <a:avLst/>
+          </a:prstGeom>
+          <a:noFill/>
+        </p:spPr>
+        <p:txBody>
+          <a:bodyPr wrap="square" rtlCol="0">
+            <a:spAutoFit/>
+          </a:bodyPr>
+          <a:lstStyle/>
+          <a:p>
+            <a:r>
+              <a:rPr lang="zh-CN" altLang="en-US" sz="2400" dirty="0">
+                <a:ln w="0"/>
+                <a:solidFill>
+                  <a:srgbClr val="FF0000"/>
+                </a:solidFill>
+                <a:effectLst>
+                  <a:outerShdw blurRad="38100" dist="19050" dir="2700000" algn="tl" rotWithShape="0">
+                    <a:schemeClr val="dk1">
+                      <a:alpha val="40000"/>
+                    </a:schemeClr>
+                  </a:outerShdw>
+                </a:effectLst>
+              </a:rPr>
+              <a:t>如何从建筑立面的激光雷达点云中自动化恢复</a:t>
+            </a:r>
+            <a:r>
+              <a:rPr lang="zh-CN" altLang="en-US" sz="2400" dirty="0" smtClean="0">
+                <a:ln w="0"/>
+                <a:solidFill>
+                  <a:srgbClr val="FF0000"/>
+                </a:solidFill>
+                <a:effectLst>
+                  <a:outerShdw blurRad="38100" dist="19050" dir="2700000" algn="tl" rotWithShape="0">
+                    <a:schemeClr val="dk1">
+                      <a:alpha val="40000"/>
+                    </a:schemeClr>
+                  </a:outerShdw>
+                </a:effectLst>
+              </a:rPr>
+              <a:t>其三维结构？</a:t>
+            </a:r>
+            <a:endParaRPr lang="zh-CN" altLang="en-US" sz="2400" dirty="0">
+              <a:ln w="0"/>
+              <a:solidFill>
+                <a:srgbClr val="FF0000"/>
+              </a:solidFill>
+              <a:effectLst>
+                <a:outerShdw blurRad="38100" dist="19050" dir="2700000" algn="tl" rotWithShape="0">
+                  <a:schemeClr val="dk1">
+                    <a:alpha val="40000"/>
+                  </a:schemeClr>
+                </a:outerShdw>
+              </a:effectLst>
+            </a:endParaRPr>
+          </a:p>
+        </p:txBody>
+      </p:sp>
+    </p:spTree>
+    <p:extLst>
+      <p:ext uri="{BB962C8B-B14F-4D97-AF65-F5344CB8AC3E}">
+        <p14:creationId xmlns:p14="http://schemas.microsoft.com/office/powerpoint/2010/main" val="2090733893"/>
+      </p:ext>
+    </p:extLst>
+  </p:cSld>
+  <p:clrMapOvr>
+    <a:masterClrMapping/>
+  </p:clrMapOvr>
+  <p:transition spd="slow">
+    <p:push dir="u"/>
+  </p:transition>
+  <p:timing>
+    <p:tnLst>
+      <p:par>
+        <p:cTn id="1" dur="indefinite" restart="never" nodeType="tmRoot">
+          <p:childTnLst>
+            <p:seq concurrent="1" nextAc="seek">
+              <p:cTn id="2" dur="indefinite" nodeType="mainSeq">
+                <p:childTnLst>
+                  <p:par>
+                    <p:cTn id="3" fill="hold">
+                      <p:stCondLst>
+                        <p:cond delay="indefinite"/>
+                      </p:stCondLst>
+                      <p:childTnLst>
+                        <p:par>
+                          <p:cTn id="4" fill="hold">
+                            <p:stCondLst>
+                              <p:cond delay="0"/>
+                            </p:stCondLst>
+                            <p:childTnLst>
+                              <p:par>
+                                <p:cTn id="5" presetID="1" presetClass="entr" presetSubtype="0" fill="hold" grpId="0" nodeType="clickEffect">
+                                  <p:stCondLst>
+                                    <p:cond delay="0"/>
+                                  </p:stCondLst>
+                                  <p:childTnLst>
+                                    <p:set>
+                                      <p:cBhvr>
+                                        <p:cTn id="6" dur="1" fill="hold">
+                                          <p:stCondLst>
+                                            <p:cond delay="0"/>
+                                          </p:stCondLst>
+                                        </p:cTn>
+                                        <p:tgtEl>
+                                          <p:spTgt spid="3">
+                                            <p:txEl>
+                                              <p:pRg st="0" end="0"/>
+                                            </p:txEl>
+                                          </p:spTgt>
+                                        </p:tgtEl>
+                                        <p:attrNameLst>
+                                          <p:attrName>style.visibility</p:attrName>
+                                        </p:attrNameLst>
+                                      </p:cBhvr>
+                                      <p:to>
+                                        <p:strVal val="visible"/>
+                                      </p:to>
+                                    </p:set>
+                                  </p:childTnLst>
+                                </p:cTn>
+                              </p:par>
+                            </p:childTnLst>
+                          </p:cTn>
+                        </p:par>
+                      </p:childTnLst>
+                    </p:cTn>
+                  </p:par>
+                  <p:par>
+                    <p:cTn id="7" fill="hold">
+                      <p:stCondLst>
+                        <p:cond delay="indefinite"/>
+                      </p:stCondLst>
+                      <p:childTnLst>
+                        <p:par>
+                          <p:cTn id="8" fill="hold">
+                            <p:stCondLst>
+                              <p:cond delay="0"/>
+                            </p:stCondLst>
+                            <p:childTnLst>
+                              <p:par>
+                                <p:cTn id="9" presetID="1" presetClass="entr" presetSubtype="0" fill="hold" grpId="0" nodeType="clickEffect">
+                                  <p:stCondLst>
+                                    <p:cond delay="0"/>
+                                  </p:stCondLst>
+                                  <p:childTnLst>
+                                    <p:set>
+                                      <p:cBhvr>
+                                        <p:cTn id="10" dur="1" fill="hold">
+                                          <p:stCondLst>
+                                            <p:cond delay="0"/>
+                                          </p:stCondLst>
+                                        </p:cTn>
+                                        <p:tgtEl>
+                                          <p:spTgt spid="3">
+                                            <p:txEl>
+                                              <p:pRg st="1" end="1"/>
+                                            </p:txEl>
+                                          </p:spTgt>
+                                        </p:tgtEl>
+                                        <p:attrNameLst>
+                                          <p:attrName>style.visibility</p:attrName>
+                                        </p:attrNameLst>
+                                      </p:cBhvr>
+                                      <p:to>
+                                        <p:strVal val="visible"/>
+                                      </p:to>
+                                    </p:set>
+                                  </p:childTnLst>
+                                </p:cTn>
+                              </p:par>
+                            </p:childTnLst>
+                          </p:cTn>
+                        </p:par>
+                      </p:childTnLst>
+                    </p:cTn>
+                  </p:par>
+                  <p:par>
+                    <p:cTn id="11" fill="hold">
+                      <p:stCondLst>
+                        <p:cond delay="indefinite"/>
+                      </p:stCondLst>
+                      <p:childTnLst>
+                        <p:par>
+                          <p:cTn id="12" fill="hold">
+                            <p:stCondLst>
+                              <p:cond delay="0"/>
+                            </p:stCondLst>
+                            <p:childTnLst>
+                              <p:par>
+                                <p:cTn id="13" presetID="1" presetClass="entr" presetSubtype="0" fill="hold" grpId="0" nodeType="clickEffect">
+                                  <p:stCondLst>
+                                    <p:cond delay="0"/>
+                                  </p:stCondLst>
+                                  <p:childTnLst>
+                                    <p:set>
+                                      <p:cBhvr>
+                                        <p:cTn id="14" dur="1" fill="hold">
+                                          <p:stCondLst>
+                                            <p:cond delay="0"/>
+                                          </p:stCondLst>
+                                        </p:cTn>
+                                        <p:tgtEl>
+                                          <p:spTgt spid="3">
+                                            <p:txEl>
+                                              <p:pRg st="2" end="2"/>
+                                            </p:txEl>
+                                          </p:spTgt>
+                                        </p:tgtEl>
+                                        <p:attrNameLst>
+                                          <p:attrName>style.visibility</p:attrName>
+                                        </p:attrNameLst>
+                                      </p:cBhvr>
+                                      <p:to>
+                                        <p:strVal val="visible"/>
+                                      </p:to>
+                                    </p:set>
+                                  </p:childTnLst>
+                                </p:cTn>
+                              </p:par>
+                            </p:childTnLst>
+                          </p:cTn>
+                        </p:par>
+                      </p:childTnLst>
+                    </p:cTn>
+                  </p:par>
+                  <p:par>
+                    <p:cTn id="15" fill="hold">
+                      <p:stCondLst>
+                        <p:cond delay="indefinite"/>
+                      </p:stCondLst>
+                      <p:childTnLst>
+                        <p:par>
+                          <p:cTn id="16" fill="hold">
+                            <p:stCondLst>
+                              <p:cond delay="0"/>
+                            </p:stCondLst>
+                            <p:childTnLst>
+                              <p:par>
+                                <p:cTn id="17" presetID="1" presetClass="entr" presetSubtype="0" fill="hold" grpId="0" nodeType="clickEffect">
+                                  <p:stCondLst>
+                                    <p:cond delay="0"/>
+                                  </p:stCondLst>
+                                  <p:childTnLst>
+                                    <p:set>
+                                      <p:cBhvr>
+                                        <p:cTn id="18" dur="1" fill="hold">
+                                          <p:stCondLst>
+                                            <p:cond delay="0"/>
+                                          </p:stCondLst>
+                                        </p:cTn>
+                                        <p:tgtEl>
+                                          <p:spTgt spid="3">
+                                            <p:txEl>
+                                              <p:pRg st="3" end="3"/>
+                                            </p:txEl>
+                                          </p:spTgt>
+                                        </p:tgtEl>
+                                        <p:attrNameLst>
+                                          <p:attrName>style.visibility</p:attrName>
+                                        </p:attrNameLst>
+                                      </p:cBhvr>
+                                      <p:to>
+                                        <p:strVal val="visible"/>
+                                      </p:to>
+                                    </p:set>
+                                  </p:childTnLst>
+                                </p:cTn>
+                              </p:par>
+                            </p:childTnLst>
+                          </p:cTn>
+                        </p:par>
+                      </p:childTnLst>
+                    </p:cTn>
+                  </p:par>
+                  <p:par>
+                    <p:cTn id="19" fill="hold">
+                      <p:stCondLst>
+                        <p:cond delay="indefinite"/>
+                      </p:stCondLst>
+                      <p:childTnLst>
+                        <p:par>
+                          <p:cTn id="20" fill="hold">
+                            <p:stCondLst>
+                              <p:cond delay="0"/>
+                            </p:stCondLst>
+                            <p:childTnLst>
+                              <p:par>
+                                <p:cTn id="21" presetID="16" presetClass="entr" presetSubtype="21" fill="hold" grpId="0" nodeType="clickEffect">
+                                  <p:stCondLst>
+                                    <p:cond delay="0"/>
+                                  </p:stCondLst>
+                                  <p:childTnLst>
+                                    <p:set>
+                                      <p:cBhvr>
+                                        <p:cTn id="22" dur="1" fill="hold">
+                                          <p:stCondLst>
+                                            <p:cond delay="0"/>
+                                          </p:stCondLst>
+                                        </p:cTn>
+                                        <p:tgtEl>
+                                          <p:spTgt spid="4"/>
+                                        </p:tgtEl>
+                                        <p:attrNameLst>
+                                          <p:attrName>style.visibility</p:attrName>
+                                        </p:attrNameLst>
+                                      </p:cBhvr>
+                                      <p:to>
+                                        <p:strVal val="visible"/>
+                                      </p:to>
+                                    </p:set>
+                                    <p:animEffect transition="in" filter="barn(inVertical)">
+                                      <p:cBhvr>
+                                        <p:cTn id="23" dur="500"/>
+                                        <p:tgtEl>
+                                          <p:spTgt spid="4"/>
+                                        </p:tgtEl>
+                                      </p:cBhvr>
+                                    </p:animEffect>
+                                  </p:childTnLst>
+                                </p:cTn>
+                              </p:par>
+                            </p:childTnLst>
+                          </p:cTn>
+                        </p:par>
+                      </p:childTnLst>
+                    </p:cTn>
+                  </p:par>
+                </p:childTnLst>
+              </p:cTn>
+              <p:prevCondLst>
+                <p:cond evt="onPrev" delay="0">
+                  <p:tgtEl>
+                    <p:sldTgt/>
+                  </p:tgtEl>
+                </p:cond>
+              </p:prevCondLst>
+              <p:nextCondLst>
+                <p:cond evt="onNext" delay="0">
+                  <p:tgtEl>
+                    <p:sldTgt/>
+                  </p:tgtEl>
+                </p:cond>
+              </p:nextCondLst>
+            </p:seq>
+          </p:childTnLst>
+        </p:cTn>
+      </p:par>
+    </p:tnLst>
+    <p:bldLst>
+      <p:bldP spid="3" grpId="0" build="p"/>
+      <p:bldP spid="4" grpId="0"/>
+    </p:bldLst>
+  </p:timing>
+</p:sld>
+</file>
+
 <file path=ppt/slides/slide3.xml><?xml version="1.0" encoding="utf-8"?>
 <p:sld xmlns:a="http://schemas.openxmlformats.org/drawingml/2006/main" xmlns:r="http://schemas.openxmlformats.org/officeDocument/2006/relationships" xmlns:p="http://schemas.openxmlformats.org/presentationml/2006/main">
   <p:cSld>
@@ -14414,6 +14897,14 @@
   <p:clrMapOvr>
     <a:masterClrMapping/>
   </p:clrMapOvr>
+  <mc:AlternateContent xmlns:mc="http://schemas.openxmlformats.org/markup-compatibility/2006">
+    <mc:Choice xmlns:p14="http://schemas.microsoft.com/office/powerpoint/2010/main" Requires="p14">
+      <p:transition p14:dur="10"/>
+    </mc:Choice>
+    <mc:Fallback>
+      <p:transition/>
+    </mc:Fallback>
+  </mc:AlternateContent>
   <p:timing>
     <p:tnLst>
       <p:par>
@@ -15402,14 +15893,9 @@
   <p:clrMapOvr>
     <a:masterClrMapping/>
   </p:clrMapOvr>
-  <mc:AlternateContent xmlns:mc="http://schemas.openxmlformats.org/markup-compatibility/2006" xmlns:p14="http://schemas.microsoft.com/office/powerpoint/2010/main">
-    <mc:Choice Requires="p14">
-      <p:transition p14:dur="10"/>
-    </mc:Choice>
-    <mc:Fallback xmlns="">
-      <p:transition/>
-    </mc:Fallback>
-  </mc:AlternateContent>
+  <p:transition spd="slow">
+    <p:push dir="u"/>
+  </p:transition>
   <p:timing>
     <p:tnLst>
       <p:par>
@@ -16124,6 +16610,14 @@
   <p:clrMapOvr>
     <a:masterClrMapping/>
   </p:clrMapOvr>
+  <mc:AlternateContent xmlns:mc="http://schemas.openxmlformats.org/markup-compatibility/2006">
+    <mc:Choice xmlns:p14="http://schemas.microsoft.com/office/powerpoint/2010/main" Requires="p14">
+      <p:transition p14:dur="10"/>
+    </mc:Choice>
+    <mc:Fallback>
+      <p:transition/>
+    </mc:Fallback>
+  </mc:AlternateContent>
   <p:timing>
     <p:tnLst>
       <p:par>
@@ -16829,14 +17323,7 @@
                 <a:latin typeface="微软雅黑" panose="020B0503020204020204" pitchFamily="34" charset="-122"/>
                 <a:ea typeface="微软雅黑" panose="020B0503020204020204" pitchFamily="34" charset="-122"/>
               </a:rPr>
-              <a:t>Rule </a:t>
-            </a:r>
-            <a:r>
-              <a:rPr lang="en-US" altLang="zh-CN" dirty="0" smtClean="0">
-                <a:latin typeface="微软雅黑" panose="020B0503020204020204" pitchFamily="34" charset="-122"/>
-                <a:ea typeface="微软雅黑" panose="020B0503020204020204" pitchFamily="34" charset="-122"/>
-              </a:rPr>
-              <a:t>1</a:t>
+              <a:t>Rule 1</a:t>
             </a:r>
             <a:r>
               <a:rPr lang="zh-CN" altLang="en-US" dirty="0" smtClean="0">
@@ -17508,6 +17995,14 @@
   <p:clrMapOvr>
     <a:masterClrMapping/>
   </p:clrMapOvr>
+  <mc:AlternateContent xmlns:mc="http://schemas.openxmlformats.org/markup-compatibility/2006">
+    <mc:Choice xmlns:p14="http://schemas.microsoft.com/office/powerpoint/2010/main" Requires="p14">
+      <p:transition p14:dur="10"/>
+    </mc:Choice>
+    <mc:Fallback>
+      <p:transition/>
+    </mc:Fallback>
+  </mc:AlternateContent>
   <p:timing>
     <p:tnLst>
       <p:par>
@@ -18882,7 +19377,7 @@
           <a:graphicData uri="http://schemas.openxmlformats.org/presentationml/2006/ole">
             <mc:AlternateContent xmlns:mc="http://schemas.openxmlformats.org/markup-compatibility/2006">
               <mc:Choice xmlns:v="urn:schemas-microsoft-com:vml" Requires="v">
-                <p:oleObj spid="_x0000_s1181" r:id="rId5" imgW="940617" imgH="432175" progId="Equation.DSMT4">
+                <p:oleObj spid="_x0000_s1214" r:id="rId5" imgW="940617" imgH="432175" progId="Equation.DSMT4">
                   <p:embed/>
                 </p:oleObj>
               </mc:Choice>
@@ -19012,7 +19507,7 @@
           <a:graphicData uri="http://schemas.openxmlformats.org/presentationml/2006/ole">
             <mc:AlternateContent xmlns:mc="http://schemas.openxmlformats.org/markup-compatibility/2006">
               <mc:Choice xmlns:v="urn:schemas-microsoft-com:vml" Requires="v">
-                <p:oleObj spid="_x0000_s1182" r:id="rId7" imgW="2780093" imgH="431613" progId="Equation.DSMT4">
+                <p:oleObj spid="_x0000_s1215" r:id="rId7" imgW="2780093" imgH="431613" progId="Equation.DSMT4">
                   <p:embed/>
                 </p:oleObj>
               </mc:Choice>
@@ -19142,7 +19637,7 @@
           <a:graphicData uri="http://schemas.openxmlformats.org/presentationml/2006/ole">
             <mc:AlternateContent xmlns:mc="http://schemas.openxmlformats.org/markup-compatibility/2006">
               <mc:Choice xmlns:v="urn:schemas-microsoft-com:vml" Requires="v">
-                <p:oleObj spid="_x0000_s1183" r:id="rId9" imgW="2388637" imgH="228699" progId="Equation.DSMT4">
+                <p:oleObj spid="_x0000_s1216" r:id="rId9" imgW="2388637" imgH="228699" progId="Equation.DSMT4">
                   <p:embed/>
                 </p:oleObj>
               </mc:Choice>
@@ -19197,6 +19692,9 @@
   <p:clrMapOvr>
     <a:masterClrMapping/>
   </p:clrMapOvr>
+  <p:transition spd="slow">
+    <p:push dir="u"/>
+  </p:transition>
   <p:timing>
     <p:tnLst>
       <p:par>
@@ -19632,8 +20130,8 @@
           </a:p>
         </p:txBody>
       </p:sp>
-      <mc:AlternateContent xmlns:mc="http://schemas.openxmlformats.org/markup-compatibility/2006">
-        <mc:Choice xmlns:a14="http://schemas.microsoft.com/office/drawing/2010/main" Requires="a14">
+      <mc:AlternateContent xmlns:mc="http://schemas.openxmlformats.org/markup-compatibility/2006" xmlns:a14="http://schemas.microsoft.com/office/drawing/2010/main">
+        <mc:Choice Requires="a14">
           <p:sp>
             <p:nvSpPr>
               <p:cNvPr id="4" name="内容占位符 3"/>
@@ -19668,21 +20166,7 @@
                     <a:latin typeface="微软雅黑" panose="020B0503020204020204" pitchFamily="34" charset="-122"/>
                     <a:ea typeface="微软雅黑" panose="020B0503020204020204" pitchFamily="34" charset="-122"/>
                   </a:rPr>
-                  <a:t>剖分的过程可以用</a:t>
-                </a:r>
-                <a:r>
-                  <a:rPr lang="zh-CN" altLang="en-US" sz="1600" dirty="0" smtClean="0">
-                    <a:latin typeface="微软雅黑" panose="020B0503020204020204" pitchFamily="34" charset="-122"/>
-                    <a:ea typeface="微软雅黑" panose="020B0503020204020204" pitchFamily="34" charset="-122"/>
-                  </a:rPr>
-                  <a:t>马尔科夫</a:t>
-                </a:r>
-                <a:r>
-                  <a:rPr lang="zh-CN" altLang="en-US" sz="1600" dirty="0" smtClean="0">
-                    <a:latin typeface="微软雅黑" panose="020B0503020204020204" pitchFamily="34" charset="-122"/>
-                    <a:ea typeface="微软雅黑" panose="020B0503020204020204" pitchFamily="34" charset="-122"/>
-                  </a:rPr>
-                  <a:t>决策过程来描述</a:t>
+                  <a:t>剖分的过程可以用马尔科夫决策过程来描述</a:t>
                 </a:r>
                 <a:endParaRPr lang="en-US" altLang="zh-CN" sz="1600" dirty="0" smtClean="0">
                   <a:latin typeface="微软雅黑" panose="020B0503020204020204" pitchFamily="34" charset="-122"/>
@@ -20047,14 +20531,7 @@
                     <a:latin typeface="微软雅黑" panose="020B0503020204020204" pitchFamily="34" charset="-122"/>
                     <a:ea typeface="微软雅黑" panose="020B0503020204020204" pitchFamily="34" charset="-122"/>
                   </a:rPr>
-                  <a:t>s(x, y</a:t>
-                </a:r>
-                <a:r>
-                  <a:rPr lang="en-US" altLang="zh-CN" sz="1450" dirty="0" smtClean="0">
-                    <a:latin typeface="微软雅黑" panose="020B0503020204020204" pitchFamily="34" charset="-122"/>
-                    <a:ea typeface="微软雅黑" panose="020B0503020204020204" pitchFamily="34" charset="-122"/>
-                  </a:rPr>
-                  <a:t>)</a:t>
+                  <a:t>s(x, y)</a:t>
                 </a:r>
                 <a:r>
                   <a:rPr lang="zh-CN" altLang="en-US" sz="1450" dirty="0" smtClean="0">
@@ -20075,14 +20552,7 @@
                     <a:latin typeface="微软雅黑" panose="020B0503020204020204" pitchFamily="34" charset="-122"/>
                     <a:ea typeface="微软雅黑" panose="020B0503020204020204" pitchFamily="34" charset="-122"/>
                   </a:rPr>
-                  <a:t>得到</a:t>
-                </a:r>
-                <a:r>
-                  <a:rPr lang="zh-CN" altLang="en-US" sz="1450" dirty="0" smtClean="0">
-                    <a:latin typeface="微软雅黑" panose="020B0503020204020204" pitchFamily="34" charset="-122"/>
-                    <a:ea typeface="微软雅黑" panose="020B0503020204020204" pitchFamily="34" charset="-122"/>
-                  </a:rPr>
-                  <a:t>的点</a:t>
+                  <a:t>得到的点</a:t>
                 </a:r>
                 <a:r>
                   <a:rPr lang="en-US" altLang="zh-CN" sz="1450" dirty="0" smtClean="0">
@@ -20110,14 +20580,7 @@
                     <a:latin typeface="微软雅黑" panose="020B0503020204020204" pitchFamily="34" charset="-122"/>
                     <a:ea typeface="微软雅黑" panose="020B0503020204020204" pitchFamily="34" charset="-122"/>
                   </a:rPr>
-                  <a:t>的</a:t>
-                </a:r>
-                <a:r>
-                  <a:rPr lang="zh-CN" altLang="en-US" sz="1450" dirty="0" smtClean="0">
-                    <a:latin typeface="微软雅黑" panose="020B0503020204020204" pitchFamily="34" charset="-122"/>
-                    <a:ea typeface="微软雅黑" panose="020B0503020204020204" pitchFamily="34" charset="-122"/>
-                  </a:rPr>
-                  <a:t>建筑结构类别</a:t>
+                  <a:t>的建筑结构类别</a:t>
                 </a:r>
                 <a:endParaRPr lang="en-US" altLang="zh-CN" sz="1450" dirty="0" smtClean="0">
                   <a:latin typeface="微软雅黑" panose="020B0503020204020204" pitchFamily="34" charset="-122"/>
@@ -20179,14 +20642,7 @@
                     <a:latin typeface="微软雅黑" panose="020B0503020204020204" pitchFamily="34" charset="-122"/>
                     <a:ea typeface="微软雅黑" panose="020B0503020204020204" pitchFamily="34" charset="-122"/>
                   </a:rPr>
-                  <a:t>建筑</a:t>
-                </a:r>
-                <a:r>
-                  <a:rPr lang="zh-CN" altLang="en-US" sz="1450" dirty="0" smtClean="0">
-                    <a:latin typeface="微软雅黑" panose="020B0503020204020204" pitchFamily="34" charset="-122"/>
-                    <a:ea typeface="微软雅黑" panose="020B0503020204020204" pitchFamily="34" charset="-122"/>
-                  </a:rPr>
-                  <a:t>类别</a:t>
+                  <a:t>建筑类别</a:t>
                 </a:r>
                 <a:r>
                   <a:rPr lang="en-US" altLang="zh-CN" sz="1450" dirty="0">
@@ -20217,7 +20673,7 @@
             </p:txBody>
           </p:sp>
         </mc:Choice>
-        <mc:Fallback>
+        <mc:Fallback xmlns="">
           <p:sp>
             <p:nvSpPr>
               <p:cNvPr id="4" name="内容占位符 3"/>
@@ -20419,43 +20875,7 @@
                 <a:latin typeface="Microsoft YaHei UI" panose="020B0503020204020204" pitchFamily="34" charset="-122"/>
                 <a:ea typeface="Microsoft YaHei UI" panose="020B0503020204020204" pitchFamily="34" charset="-122"/>
               </a:rPr>
-              <a:t>如何得</a:t>
-            </a:r>
-            <a:r>
-              <a:rPr lang="zh-CN" altLang="en-US" sz="2400" dirty="0" smtClean="0">
-                <a:ln w="0"/>
-                <a:solidFill>
-                  <a:srgbClr val="00B050"/>
-                </a:solidFill>
-                <a:effectLst>
-                  <a:outerShdw blurRad="38100" dist="25400" dir="5400000" algn="ctr" rotWithShape="0">
-                    <a:srgbClr val="6E747A">
-                      <a:alpha val="43000"/>
-                    </a:srgbClr>
-                  </a:outerShdw>
-                </a:effectLst>
-                <a:latin typeface="Microsoft YaHei UI" panose="020B0503020204020204" pitchFamily="34" charset="-122"/>
-                <a:ea typeface="Microsoft YaHei UI" panose="020B0503020204020204" pitchFamily="34" charset="-122"/>
-              </a:rPr>
-              <a:t>到点</a:t>
-            </a:r>
-            <a:r>
-              <a:rPr lang="zh-CN" altLang="en-US" sz="2400" dirty="0" smtClean="0">
-                <a:ln w="0"/>
-                <a:solidFill>
-                  <a:srgbClr val="00B050"/>
-                </a:solidFill>
-                <a:effectLst>
-                  <a:outerShdw blurRad="38100" dist="25400" dir="5400000" algn="ctr" rotWithShape="0">
-                    <a:srgbClr val="6E747A">
-                      <a:alpha val="43000"/>
-                    </a:srgbClr>
-                  </a:outerShdw>
-                </a:effectLst>
-                <a:latin typeface="Microsoft YaHei UI" panose="020B0503020204020204" pitchFamily="34" charset="-122"/>
-                <a:ea typeface="Microsoft YaHei UI" panose="020B0503020204020204" pitchFamily="34" charset="-122"/>
-              </a:rPr>
-              <a:t>（</a:t>
+              <a:t>如何得到点（</a:t>
             </a:r>
             <a:r>
               <a:rPr lang="en-US" altLang="zh-CN" sz="2400" dirty="0" smtClean="0">
@@ -20563,25 +20983,7 @@
                 <a:latin typeface="Microsoft YaHei UI" panose="020B0503020204020204" pitchFamily="34" charset="-122"/>
                 <a:ea typeface="Microsoft YaHei UI" panose="020B0503020204020204" pitchFamily="34" charset="-122"/>
               </a:rPr>
-              <a:t>建筑</a:t>
-            </a:r>
-            <a:r>
-              <a:rPr lang="zh-CN" altLang="en-US" sz="2400" dirty="0" smtClean="0">
-                <a:ln w="0"/>
-                <a:solidFill>
-                  <a:srgbClr val="00B050"/>
-                </a:solidFill>
-                <a:effectLst>
-                  <a:outerShdw blurRad="38100" dist="25400" dir="5400000" algn="ctr" rotWithShape="0">
-                    <a:srgbClr val="6E747A">
-                      <a:alpha val="43000"/>
-                    </a:srgbClr>
-                  </a:outerShdw>
-                </a:effectLst>
-                <a:latin typeface="Microsoft YaHei UI" panose="020B0503020204020204" pitchFamily="34" charset="-122"/>
-                <a:ea typeface="Microsoft YaHei UI" panose="020B0503020204020204" pitchFamily="34" charset="-122"/>
-              </a:rPr>
-              <a:t>类别</a:t>
+              <a:t>建筑类别</a:t>
             </a:r>
             <a:r>
               <a:rPr lang="en-US" altLang="zh-CN" sz="2400" dirty="0" smtClean="0">
@@ -20701,11 +21103,11 @@
   <p:clrMapOvr>
     <a:masterClrMapping/>
   </p:clrMapOvr>
-  <mc:AlternateContent xmlns:mc="http://schemas.openxmlformats.org/markup-compatibility/2006" xmlns:p14="http://schemas.microsoft.com/office/powerpoint/2010/main">
-    <mc:Choice Requires="p14">
-      <p:transition p14:dur="0"/>
+  <mc:AlternateContent xmlns:mc="http://schemas.openxmlformats.org/markup-compatibility/2006">
+    <mc:Choice xmlns:p14="http://schemas.microsoft.com/office/powerpoint/2010/main" Requires="p14">
+      <p:transition p14:dur="10"/>
     </mc:Choice>
-    <mc:Fallback xmlns="">
+    <mc:Fallback>
       <p:transition/>
     </mc:Fallback>
   </mc:AlternateContent>
@@ -21389,329 +21791,6 @@
           </a:p>
         </p:txBody>
       </p:sp>
-      <p:sp>
-        <p:nvSpPr>
-          <p:cNvPr id="5" name="内容占位符 4"/>
-          <p:cNvSpPr>
-            <a:spLocks noGrp="1"/>
-          </p:cNvSpPr>
-          <p:nvPr>
-            <p:ph idx="1"/>
-          </p:nvPr>
-        </p:nvSpPr>
-        <p:spPr>
-          <a:xfrm>
-            <a:off x="628652" y="1825624"/>
-            <a:ext cx="5830205" cy="4623301"/>
-          </a:xfrm>
-        </p:spPr>
-        <p:txBody>
-          <a:bodyPr>
-            <a:normAutofit fontScale="55000" lnSpcReduction="20000"/>
-          </a:bodyPr>
-          <a:lstStyle/>
-          <a:p>
-            <a:pPr marL="171450" indent="-171450">
-              <a:buClr>
-                <a:srgbClr val="00B050"/>
-              </a:buClr>
-              <a:buFont typeface="Wingdings" panose="05000000000000000000" pitchFamily="2" charset="2"/>
-              <a:buChar char="u"/>
-            </a:pPr>
-            <a:r>
-              <a:rPr lang="zh-CN" altLang="en-US" sz="2300" b="1" dirty="0" smtClean="0">
-                <a:latin typeface="微软雅黑" panose="020B0503020204020204" pitchFamily="34" charset="-122"/>
-                <a:ea typeface="微软雅黑" panose="020B0503020204020204" pitchFamily="34" charset="-122"/>
-              </a:rPr>
-              <a:t>预处理</a:t>
-            </a:r>
-            <a:endParaRPr lang="en-US" altLang="zh-CN" sz="2300" b="1" dirty="0" smtClean="0">
-              <a:latin typeface="微软雅黑" panose="020B0503020204020204" pitchFamily="34" charset="-122"/>
-              <a:ea typeface="微软雅黑" panose="020B0503020204020204" pitchFamily="34" charset="-122"/>
-            </a:endParaRPr>
-          </a:p>
-          <a:p>
-            <a:pPr marL="800100" lvl="1" indent="-285750">
-              <a:buClr>
-                <a:srgbClr val="00B050"/>
-              </a:buClr>
-              <a:buFont typeface="Wingdings" panose="05000000000000000000" pitchFamily="2" charset="2"/>
-              <a:buChar char="ü"/>
-            </a:pPr>
-            <a:r>
-              <a:rPr lang="zh-CN" altLang="en-US" sz="1900" dirty="0" smtClean="0">
-                <a:latin typeface="微软雅黑" panose="020B0503020204020204" pitchFamily="34" charset="-122"/>
-                <a:ea typeface="微软雅黑" panose="020B0503020204020204" pitchFamily="34" charset="-122"/>
-              </a:rPr>
-              <a:t>去除噪声</a:t>
-            </a:r>
-            <a:endParaRPr lang="en-US" altLang="zh-CN" sz="1900" dirty="0" smtClean="0">
-              <a:latin typeface="微软雅黑" panose="020B0503020204020204" pitchFamily="34" charset="-122"/>
-              <a:ea typeface="微软雅黑" panose="020B0503020204020204" pitchFamily="34" charset="-122"/>
-            </a:endParaRPr>
-          </a:p>
-          <a:p>
-            <a:pPr marL="800100" lvl="1" indent="-285750">
-              <a:buClr>
-                <a:srgbClr val="00B050"/>
-              </a:buClr>
-              <a:buFont typeface="Wingdings" panose="05000000000000000000" pitchFamily="2" charset="2"/>
-              <a:buChar char="ü"/>
-            </a:pPr>
-            <a:r>
-              <a:rPr lang="zh-CN" altLang="en-US" sz="1900" dirty="0" smtClean="0">
-                <a:latin typeface="微软雅黑" panose="020B0503020204020204" pitchFamily="34" charset="-122"/>
-                <a:ea typeface="微软雅黑" panose="020B0503020204020204" pitchFamily="34" charset="-122"/>
-              </a:rPr>
-              <a:t>转换坐标系，将建筑立面对其到</a:t>
-            </a:r>
-            <a:r>
-              <a:rPr lang="en-US" altLang="zh-CN" sz="1900" dirty="0" smtClean="0">
-                <a:latin typeface="微软雅黑" panose="020B0503020204020204" pitchFamily="34" charset="-122"/>
-                <a:ea typeface="微软雅黑" panose="020B0503020204020204" pitchFamily="34" charset="-122"/>
-              </a:rPr>
-              <a:t>X-Y</a:t>
-            </a:r>
-            <a:r>
-              <a:rPr lang="zh-CN" altLang="en-US" sz="1900" dirty="0" smtClean="0">
-                <a:latin typeface="微软雅黑" panose="020B0503020204020204" pitchFamily="34" charset="-122"/>
-                <a:ea typeface="微软雅黑" panose="020B0503020204020204" pitchFamily="34" charset="-122"/>
-              </a:rPr>
-              <a:t>平面</a:t>
-            </a:r>
-            <a:endParaRPr lang="en-US" altLang="zh-CN" sz="1900" dirty="0" smtClean="0">
-              <a:latin typeface="微软雅黑" panose="020B0503020204020204" pitchFamily="34" charset="-122"/>
-              <a:ea typeface="微软雅黑" panose="020B0503020204020204" pitchFamily="34" charset="-122"/>
-            </a:endParaRPr>
-          </a:p>
-          <a:p>
-            <a:pPr marL="800100" lvl="1" indent="-285750">
-              <a:buClr>
-                <a:srgbClr val="00B050"/>
-              </a:buClr>
-              <a:buFont typeface="Wingdings" panose="05000000000000000000" pitchFamily="2" charset="2"/>
-              <a:buChar char="ü"/>
-            </a:pPr>
-            <a:r>
-              <a:rPr lang="zh-CN" altLang="en-US" sz="1900" dirty="0">
-                <a:latin typeface="微软雅黑" panose="020B0503020204020204" pitchFamily="34" charset="-122"/>
-                <a:ea typeface="微软雅黑" panose="020B0503020204020204" pitchFamily="34" charset="-122"/>
-              </a:rPr>
-              <a:t>立</a:t>
-            </a:r>
-            <a:r>
-              <a:rPr lang="zh-CN" altLang="en-US" sz="1900" dirty="0" smtClean="0">
-                <a:latin typeface="微软雅黑" panose="020B0503020204020204" pitchFamily="34" charset="-122"/>
-                <a:ea typeface="微软雅黑" panose="020B0503020204020204" pitchFamily="34" charset="-122"/>
-              </a:rPr>
-              <a:t>面的网格分割，合并</a:t>
-            </a:r>
-            <a:r>
-              <a:rPr lang="en-US" altLang="zh-CN" sz="1900" dirty="0" smtClean="0">
-                <a:latin typeface="微软雅黑" panose="020B0503020204020204" pitchFamily="34" charset="-122"/>
-                <a:ea typeface="微软雅黑" panose="020B0503020204020204" pitchFamily="34" charset="-122"/>
-              </a:rPr>
-              <a:t>x</a:t>
-            </a:r>
-            <a:r>
-              <a:rPr lang="zh-CN" altLang="en-US" sz="1900" dirty="0" smtClean="0">
-                <a:latin typeface="微软雅黑" panose="020B0503020204020204" pitchFamily="34" charset="-122"/>
-                <a:ea typeface="微软雅黑" panose="020B0503020204020204" pitchFamily="34" charset="-122"/>
-              </a:rPr>
-              <a:t>，</a:t>
-            </a:r>
-            <a:r>
-              <a:rPr lang="en-US" altLang="zh-CN" sz="1900" dirty="0" smtClean="0">
-                <a:latin typeface="微软雅黑" panose="020B0503020204020204" pitchFamily="34" charset="-122"/>
-                <a:ea typeface="微软雅黑" panose="020B0503020204020204" pitchFamily="34" charset="-122"/>
-              </a:rPr>
-              <a:t>y</a:t>
-            </a:r>
-            <a:r>
-              <a:rPr lang="zh-CN" altLang="en-US" sz="1900" dirty="0" smtClean="0">
-                <a:latin typeface="微软雅黑" panose="020B0503020204020204" pitchFamily="34" charset="-122"/>
-                <a:ea typeface="微软雅黑" panose="020B0503020204020204" pitchFamily="34" charset="-122"/>
-              </a:rPr>
-              <a:t>相同，</a:t>
-            </a:r>
-            <a:r>
-              <a:rPr lang="en-US" altLang="zh-CN" sz="1900" dirty="0" smtClean="0">
-                <a:latin typeface="微软雅黑" panose="020B0503020204020204" pitchFamily="34" charset="-122"/>
-                <a:ea typeface="微软雅黑" panose="020B0503020204020204" pitchFamily="34" charset="-122"/>
-              </a:rPr>
-              <a:t>z</a:t>
-            </a:r>
-            <a:r>
-              <a:rPr lang="zh-CN" altLang="en-US" sz="1900" dirty="0" smtClean="0">
-                <a:latin typeface="微软雅黑" panose="020B0503020204020204" pitchFamily="34" charset="-122"/>
-                <a:ea typeface="微软雅黑" panose="020B0503020204020204" pitchFamily="34" charset="-122"/>
-              </a:rPr>
-              <a:t>不同的网格</a:t>
-            </a:r>
-            <a:endParaRPr lang="en-US" altLang="zh-CN" sz="1900" dirty="0" smtClean="0">
-              <a:latin typeface="微软雅黑" panose="020B0503020204020204" pitchFamily="34" charset="-122"/>
-              <a:ea typeface="微软雅黑" panose="020B0503020204020204" pitchFamily="34" charset="-122"/>
-            </a:endParaRPr>
-          </a:p>
-          <a:p>
-            <a:pPr marL="285750" indent="-285750">
-              <a:buClr>
-                <a:srgbClr val="00B050"/>
-              </a:buClr>
-              <a:buFont typeface="Wingdings" panose="05000000000000000000" pitchFamily="2" charset="2"/>
-              <a:buChar char="u"/>
-            </a:pPr>
-            <a:r>
-              <a:rPr lang="zh-CN" altLang="en-US" sz="2300" b="1" dirty="0" smtClean="0">
-                <a:latin typeface="微软雅黑" panose="020B0503020204020204" pitchFamily="34" charset="-122"/>
-                <a:ea typeface="微软雅黑" panose="020B0503020204020204" pitchFamily="34" charset="-122"/>
-              </a:rPr>
-              <a:t>网格特征提取</a:t>
-            </a:r>
-            <a:endParaRPr lang="en-US" altLang="zh-CN" sz="2300" b="1" dirty="0" smtClean="0">
-              <a:latin typeface="微软雅黑" panose="020B0503020204020204" pitchFamily="34" charset="-122"/>
-              <a:ea typeface="微软雅黑" panose="020B0503020204020204" pitchFamily="34" charset="-122"/>
-            </a:endParaRPr>
-          </a:p>
-          <a:p>
-            <a:pPr marL="800100" lvl="1" indent="-285750">
-              <a:buClr>
-                <a:srgbClr val="00B050"/>
-              </a:buClr>
-              <a:buFont typeface="Wingdings" panose="05000000000000000000" pitchFamily="2" charset="2"/>
-              <a:buChar char="ü"/>
-            </a:pPr>
-            <a:r>
-              <a:rPr lang="zh-CN" altLang="en-US" sz="1900" dirty="0">
-                <a:latin typeface="微软雅黑" panose="020B0503020204020204" pitchFamily="34" charset="-122"/>
-                <a:ea typeface="微软雅黑" panose="020B0503020204020204" pitchFamily="34" charset="-122"/>
-              </a:rPr>
-              <a:t>曲</a:t>
-            </a:r>
-            <a:r>
-              <a:rPr lang="zh-CN" altLang="en-US" sz="1900" dirty="0" smtClean="0">
-                <a:latin typeface="微软雅黑" panose="020B0503020204020204" pitchFamily="34" charset="-122"/>
-                <a:ea typeface="微软雅黑" panose="020B0503020204020204" pitchFamily="34" charset="-122"/>
-              </a:rPr>
-              <a:t>度</a:t>
-            </a:r>
-            <a:endParaRPr lang="en-US" altLang="zh-CN" sz="1900" dirty="0" smtClean="0">
-              <a:latin typeface="微软雅黑" panose="020B0503020204020204" pitchFamily="34" charset="-122"/>
-              <a:ea typeface="微软雅黑" panose="020B0503020204020204" pitchFamily="34" charset="-122"/>
-            </a:endParaRPr>
-          </a:p>
-          <a:p>
-            <a:pPr marL="800100" lvl="1" indent="-285750">
-              <a:buClr>
-                <a:srgbClr val="00B050"/>
-              </a:buClr>
-              <a:buFont typeface="Wingdings" panose="05000000000000000000" pitchFamily="2" charset="2"/>
-              <a:buChar char="ü"/>
-            </a:pPr>
-            <a:r>
-              <a:rPr lang="zh-CN" altLang="en-US" sz="1900" dirty="0" smtClean="0">
-                <a:latin typeface="微软雅黑" panose="020B0503020204020204" pitchFamily="34" charset="-122"/>
-                <a:ea typeface="微软雅黑" panose="020B0503020204020204" pitchFamily="34" charset="-122"/>
-              </a:rPr>
-              <a:t>深度</a:t>
-            </a:r>
-            <a:endParaRPr lang="en-US" altLang="zh-CN" sz="1900" dirty="0" smtClean="0">
-              <a:latin typeface="微软雅黑" panose="020B0503020204020204" pitchFamily="34" charset="-122"/>
-              <a:ea typeface="微软雅黑" panose="020B0503020204020204" pitchFamily="34" charset="-122"/>
-            </a:endParaRPr>
-          </a:p>
-          <a:p>
-            <a:pPr marL="800100" lvl="1" indent="-285750">
-              <a:buClr>
-                <a:srgbClr val="00B050"/>
-              </a:buClr>
-              <a:buFont typeface="Wingdings" panose="05000000000000000000" pitchFamily="2" charset="2"/>
-              <a:buChar char="ü"/>
-            </a:pPr>
-            <a:r>
-              <a:rPr lang="zh-CN" altLang="en-US" sz="1900" dirty="0" smtClean="0">
-                <a:latin typeface="微软雅黑" panose="020B0503020204020204" pitchFamily="34" charset="-122"/>
-                <a:ea typeface="微软雅黑" panose="020B0503020204020204" pitchFamily="34" charset="-122"/>
-              </a:rPr>
-              <a:t>密度</a:t>
-            </a:r>
-            <a:endParaRPr lang="en-US" altLang="zh-CN" sz="1900" dirty="0" smtClean="0">
-              <a:latin typeface="微软雅黑" panose="020B0503020204020204" pitchFamily="34" charset="-122"/>
-              <a:ea typeface="微软雅黑" panose="020B0503020204020204" pitchFamily="34" charset="-122"/>
-            </a:endParaRPr>
-          </a:p>
-          <a:p>
-            <a:pPr marL="285750" indent="-285750">
-              <a:buClr>
-                <a:srgbClr val="00B050"/>
-              </a:buClr>
-              <a:buFont typeface="Wingdings" panose="05000000000000000000" pitchFamily="2" charset="2"/>
-              <a:buChar char="u"/>
-            </a:pPr>
-            <a:r>
-              <a:rPr lang="zh-CN" altLang="en-US" sz="2300" b="1" dirty="0" smtClean="0">
-                <a:latin typeface="微软雅黑" panose="020B0503020204020204" pitchFamily="34" charset="-122"/>
-                <a:ea typeface="微软雅黑" panose="020B0503020204020204" pitchFamily="34" charset="-122"/>
-              </a:rPr>
-              <a:t>支持向量机分类</a:t>
-            </a:r>
-            <a:endParaRPr lang="en-US" altLang="zh-CN" sz="2300" b="1" dirty="0" smtClean="0">
-              <a:latin typeface="微软雅黑" panose="020B0503020204020204" pitchFamily="34" charset="-122"/>
-              <a:ea typeface="微软雅黑" panose="020B0503020204020204" pitchFamily="34" charset="-122"/>
-            </a:endParaRPr>
-          </a:p>
-          <a:p>
-            <a:pPr marL="857250" lvl="1" indent="-342900">
-              <a:buClr>
-                <a:srgbClr val="00B050"/>
-              </a:buClr>
-              <a:buFont typeface="Wingdings" panose="05000000000000000000" pitchFamily="2" charset="2"/>
-              <a:buChar char="ü"/>
-            </a:pPr>
-            <a:r>
-              <a:rPr lang="zh-CN" altLang="en-US" sz="2200" dirty="0" smtClean="0">
-                <a:latin typeface="微软雅黑" panose="020B0503020204020204" pitchFamily="34" charset="-122"/>
-                <a:ea typeface="微软雅黑" panose="020B0503020204020204" pitchFamily="34" charset="-122"/>
-              </a:rPr>
-              <a:t>交互选取样本</a:t>
-            </a:r>
-            <a:endParaRPr lang="en-US" altLang="zh-CN" sz="2200" dirty="0" smtClean="0">
-              <a:latin typeface="微软雅黑" panose="020B0503020204020204" pitchFamily="34" charset="-122"/>
-              <a:ea typeface="微软雅黑" panose="020B0503020204020204" pitchFamily="34" charset="-122"/>
-            </a:endParaRPr>
-          </a:p>
-          <a:p>
-            <a:pPr marL="857250" lvl="1" indent="-342900">
-              <a:buClr>
-                <a:srgbClr val="00B050"/>
-              </a:buClr>
-              <a:buFont typeface="Wingdings" panose="05000000000000000000" pitchFamily="2" charset="2"/>
-              <a:buChar char="ü"/>
-            </a:pPr>
-            <a:r>
-              <a:rPr lang="zh-CN" altLang="en-US" sz="2200" dirty="0" smtClean="0">
-                <a:latin typeface="微软雅黑" panose="020B0503020204020204" pitchFamily="34" charset="-122"/>
-                <a:ea typeface="微软雅黑" panose="020B0503020204020204" pitchFamily="34" charset="-122"/>
-              </a:rPr>
-              <a:t>训练、预测</a:t>
-            </a:r>
-            <a:endParaRPr lang="en-US" altLang="zh-CN" sz="2200" dirty="0" smtClean="0">
-              <a:latin typeface="微软雅黑" panose="020B0503020204020204" pitchFamily="34" charset="-122"/>
-              <a:ea typeface="微软雅黑" panose="020B0503020204020204" pitchFamily="34" charset="-122"/>
-            </a:endParaRPr>
-          </a:p>
-          <a:p>
-            <a:pPr marL="285750" indent="-285750">
-              <a:buClr>
-                <a:srgbClr val="00B050"/>
-              </a:buClr>
-              <a:buFont typeface="Wingdings" panose="05000000000000000000" pitchFamily="2" charset="2"/>
-              <a:buChar char="u"/>
-            </a:pPr>
-            <a:endParaRPr lang="en-US" altLang="zh-CN" sz="1600" dirty="0" smtClean="0"/>
-          </a:p>
-        </p:txBody>
-      </p:sp>
       <p:grpSp>
         <p:nvGrpSpPr>
           <p:cNvPr id="16" name="Group 12"/>
@@ -21962,6 +22041,338 @@
           </p:spPr>
         </p:pic>
       </p:grpSp>
+      <p:sp>
+        <p:nvSpPr>
+          <p:cNvPr id="14" name="Content Placeholder 2"/>
+          <p:cNvSpPr>
+            <a:spLocks noGrp="1"/>
+          </p:cNvSpPr>
+          <p:nvPr>
+            <p:ph idx="1"/>
+          </p:nvPr>
+        </p:nvSpPr>
+        <p:spPr>
+          <a:xfrm>
+            <a:off x="544427" y="1825625"/>
+            <a:ext cx="6457951" cy="4551112"/>
+          </a:xfrm>
+        </p:spPr>
+        <p:txBody>
+          <a:bodyPr>
+            <a:normAutofit fontScale="62500" lnSpcReduction="20000"/>
+          </a:bodyPr>
+          <a:lstStyle/>
+          <a:p>
+            <a:pPr marL="214313" indent="-214313">
+              <a:buClr>
+                <a:srgbClr val="00B050"/>
+              </a:buClr>
+              <a:buFont typeface="Wingdings" panose="05000000000000000000" pitchFamily="2" charset="2"/>
+              <a:buChar char="u"/>
+            </a:pPr>
+            <a:r>
+              <a:rPr lang="zh-CN" altLang="en-US" sz="2300" dirty="0" smtClean="0">
+                <a:latin typeface="微软雅黑" panose="020B0503020204020204" pitchFamily="34" charset="-122"/>
+                <a:ea typeface="微软雅黑" panose="020B0503020204020204" pitchFamily="34" charset="-122"/>
+              </a:rPr>
+              <a:t>预处理</a:t>
+            </a:r>
+            <a:endParaRPr lang="en-US" altLang="zh-CN" sz="2300" dirty="0" smtClean="0">
+              <a:latin typeface="微软雅黑" panose="020B0503020204020204" pitchFamily="34" charset="-122"/>
+              <a:ea typeface="微软雅黑" panose="020B0503020204020204" pitchFamily="34" charset="-122"/>
+            </a:endParaRPr>
+          </a:p>
+          <a:p>
+            <a:pPr marL="800100" lvl="1" indent="-285750">
+              <a:buClr>
+                <a:srgbClr val="00B050"/>
+              </a:buClr>
+              <a:buFont typeface="Wingdings" panose="05000000000000000000" pitchFamily="2" charset="2"/>
+              <a:buChar char="ü"/>
+            </a:pPr>
+            <a:r>
+              <a:rPr lang="zh-CN" altLang="en-US" sz="1700" dirty="0">
+                <a:latin typeface="微软雅黑" panose="020B0503020204020204" pitchFamily="34" charset="-122"/>
+                <a:ea typeface="微软雅黑" panose="020B0503020204020204" pitchFamily="34" charset="-122"/>
+              </a:rPr>
+              <a:t>去除</a:t>
+            </a:r>
+            <a:r>
+              <a:rPr lang="zh-CN" altLang="en-US" sz="1700" dirty="0" smtClean="0">
+                <a:latin typeface="微软雅黑" panose="020B0503020204020204" pitchFamily="34" charset="-122"/>
+                <a:ea typeface="微软雅黑" panose="020B0503020204020204" pitchFamily="34" charset="-122"/>
+              </a:rPr>
+              <a:t>噪声</a:t>
+            </a:r>
+            <a:endParaRPr lang="en-US" altLang="zh-CN" sz="1700" dirty="0" smtClean="0">
+              <a:latin typeface="微软雅黑" panose="020B0503020204020204" pitchFamily="34" charset="-122"/>
+              <a:ea typeface="微软雅黑" panose="020B0503020204020204" pitchFamily="34" charset="-122"/>
+            </a:endParaRPr>
+          </a:p>
+          <a:p>
+            <a:pPr marL="800100" lvl="1" indent="-285750">
+              <a:buClr>
+                <a:srgbClr val="00B050"/>
+              </a:buClr>
+              <a:buFont typeface="Wingdings" panose="05000000000000000000" pitchFamily="2" charset="2"/>
+              <a:buChar char="ü"/>
+            </a:pPr>
+            <a:r>
+              <a:rPr lang="zh-CN" altLang="en-US" sz="1700" dirty="0">
+                <a:latin typeface="微软雅黑" panose="020B0503020204020204" pitchFamily="34" charset="-122"/>
+                <a:ea typeface="微软雅黑" panose="020B0503020204020204" pitchFamily="34" charset="-122"/>
+              </a:rPr>
+              <a:t>转换坐标系，将建筑立面对其到</a:t>
+            </a:r>
+            <a:r>
+              <a:rPr lang="en-US" altLang="zh-CN" sz="1700" dirty="0">
+                <a:latin typeface="微软雅黑" panose="020B0503020204020204" pitchFamily="34" charset="-122"/>
+                <a:ea typeface="微软雅黑" panose="020B0503020204020204" pitchFamily="34" charset="-122"/>
+              </a:rPr>
+              <a:t>X-Y</a:t>
+            </a:r>
+            <a:r>
+              <a:rPr lang="zh-CN" altLang="en-US" sz="1700" dirty="0">
+                <a:latin typeface="微软雅黑" panose="020B0503020204020204" pitchFamily="34" charset="-122"/>
+                <a:ea typeface="微软雅黑" panose="020B0503020204020204" pitchFamily="34" charset="-122"/>
+              </a:rPr>
+              <a:t>平面</a:t>
+            </a:r>
+            <a:endParaRPr lang="en-US" altLang="zh-CN" sz="1700" dirty="0">
+              <a:latin typeface="微软雅黑" panose="020B0503020204020204" pitchFamily="34" charset="-122"/>
+              <a:ea typeface="微软雅黑" panose="020B0503020204020204" pitchFamily="34" charset="-122"/>
+            </a:endParaRPr>
+          </a:p>
+          <a:p>
+            <a:pPr marL="800100" lvl="1" indent="-285750">
+              <a:buClr>
+                <a:srgbClr val="00B050"/>
+              </a:buClr>
+              <a:buFont typeface="Wingdings" panose="05000000000000000000" pitchFamily="2" charset="2"/>
+              <a:buChar char="ü"/>
+            </a:pPr>
+            <a:r>
+              <a:rPr lang="zh-CN" altLang="en-US" sz="1700" dirty="0">
+                <a:latin typeface="微软雅黑" panose="020B0503020204020204" pitchFamily="34" charset="-122"/>
+                <a:ea typeface="微软雅黑" panose="020B0503020204020204" pitchFamily="34" charset="-122"/>
+              </a:rPr>
+              <a:t>立面的网格分割，合并</a:t>
+            </a:r>
+            <a:r>
+              <a:rPr lang="en-US" altLang="zh-CN" sz="1700" dirty="0">
+                <a:latin typeface="微软雅黑" panose="020B0503020204020204" pitchFamily="34" charset="-122"/>
+                <a:ea typeface="微软雅黑" panose="020B0503020204020204" pitchFamily="34" charset="-122"/>
+              </a:rPr>
+              <a:t>x</a:t>
+            </a:r>
+            <a:r>
+              <a:rPr lang="zh-CN" altLang="en-US" sz="1700" dirty="0">
+                <a:latin typeface="微软雅黑" panose="020B0503020204020204" pitchFamily="34" charset="-122"/>
+                <a:ea typeface="微软雅黑" panose="020B0503020204020204" pitchFamily="34" charset="-122"/>
+              </a:rPr>
+              <a:t>，</a:t>
+            </a:r>
+            <a:r>
+              <a:rPr lang="en-US" altLang="zh-CN" sz="1700" dirty="0">
+                <a:latin typeface="微软雅黑" panose="020B0503020204020204" pitchFamily="34" charset="-122"/>
+                <a:ea typeface="微软雅黑" panose="020B0503020204020204" pitchFamily="34" charset="-122"/>
+              </a:rPr>
+              <a:t>y</a:t>
+            </a:r>
+            <a:r>
+              <a:rPr lang="zh-CN" altLang="en-US" sz="1700" dirty="0">
+                <a:latin typeface="微软雅黑" panose="020B0503020204020204" pitchFamily="34" charset="-122"/>
+                <a:ea typeface="微软雅黑" panose="020B0503020204020204" pitchFamily="34" charset="-122"/>
+              </a:rPr>
+              <a:t>相同，</a:t>
+            </a:r>
+            <a:r>
+              <a:rPr lang="en-US" altLang="zh-CN" sz="1700" dirty="0">
+                <a:latin typeface="微软雅黑" panose="020B0503020204020204" pitchFamily="34" charset="-122"/>
+                <a:ea typeface="微软雅黑" panose="020B0503020204020204" pitchFamily="34" charset="-122"/>
+              </a:rPr>
+              <a:t>z</a:t>
+            </a:r>
+            <a:r>
+              <a:rPr lang="zh-CN" altLang="en-US" sz="1700" dirty="0">
+                <a:latin typeface="微软雅黑" panose="020B0503020204020204" pitchFamily="34" charset="-122"/>
+                <a:ea typeface="微软雅黑" panose="020B0503020204020204" pitchFamily="34" charset="-122"/>
+              </a:rPr>
+              <a:t>不同的</a:t>
+            </a:r>
+            <a:r>
+              <a:rPr lang="zh-CN" altLang="en-US" sz="1700" dirty="0" smtClean="0">
+                <a:latin typeface="微软雅黑" panose="020B0503020204020204" pitchFamily="34" charset="-122"/>
+                <a:ea typeface="微软雅黑" panose="020B0503020204020204" pitchFamily="34" charset="-122"/>
+              </a:rPr>
+              <a:t>网格</a:t>
+            </a:r>
+            <a:endParaRPr lang="zh-CN" altLang="en-US" sz="1700" dirty="0">
+              <a:latin typeface="微软雅黑" panose="020B0503020204020204" pitchFamily="34" charset="-122"/>
+              <a:ea typeface="微软雅黑" panose="020B0503020204020204" pitchFamily="34" charset="-122"/>
+            </a:endParaRPr>
+          </a:p>
+          <a:p>
+            <a:pPr marL="214313" indent="-214313">
+              <a:buClr>
+                <a:srgbClr val="00B050"/>
+              </a:buClr>
+              <a:buFont typeface="Wingdings" panose="05000000000000000000" pitchFamily="2" charset="2"/>
+              <a:buChar char="u"/>
+            </a:pPr>
+            <a:r>
+              <a:rPr lang="zh-CN" altLang="en-US" sz="2300" dirty="0">
+                <a:latin typeface="微软雅黑" panose="020B0503020204020204" pitchFamily="34" charset="-122"/>
+                <a:ea typeface="微软雅黑" panose="020B0503020204020204" pitchFamily="34" charset="-122"/>
+              </a:rPr>
+              <a:t>网格特征提取</a:t>
+            </a:r>
+          </a:p>
+          <a:p>
+            <a:pPr marL="728663" lvl="1" indent="-214313">
+              <a:buClr>
+                <a:srgbClr val="00B050"/>
+              </a:buClr>
+              <a:buFont typeface="Wingdings" panose="05000000000000000000" pitchFamily="2" charset="2"/>
+              <a:buChar char="ü"/>
+            </a:pPr>
+            <a:r>
+              <a:rPr lang="zh-CN" altLang="en-US" sz="1700" dirty="0" smtClean="0">
+                <a:latin typeface="微软雅黑" panose="020B0503020204020204" pitchFamily="34" charset="-122"/>
+                <a:ea typeface="微软雅黑" panose="020B0503020204020204" pitchFamily="34" charset="-122"/>
+              </a:rPr>
+              <a:t>曲度</a:t>
+            </a:r>
+            <a:endParaRPr lang="en-US" altLang="zh-CN" sz="1700" dirty="0" smtClean="0">
+              <a:latin typeface="微软雅黑" panose="020B0503020204020204" pitchFamily="34" charset="-122"/>
+              <a:ea typeface="微软雅黑" panose="020B0503020204020204" pitchFamily="34" charset="-122"/>
+            </a:endParaRPr>
+          </a:p>
+          <a:p>
+            <a:pPr marL="728663" lvl="1" indent="-214313">
+              <a:buClr>
+                <a:srgbClr val="00B050"/>
+              </a:buClr>
+              <a:buFont typeface="Wingdings" panose="05000000000000000000" pitchFamily="2" charset="2"/>
+              <a:buChar char="ü"/>
+            </a:pPr>
+            <a:r>
+              <a:rPr lang="zh-CN" altLang="en-US" sz="1700" dirty="0" smtClean="0">
+                <a:latin typeface="微软雅黑" panose="020B0503020204020204" pitchFamily="34" charset="-122"/>
+                <a:ea typeface="微软雅黑" panose="020B0503020204020204" pitchFamily="34" charset="-122"/>
+              </a:rPr>
+              <a:t>深度</a:t>
+            </a:r>
+            <a:endParaRPr lang="en-US" altLang="zh-CN" sz="1700" dirty="0" smtClean="0">
+              <a:latin typeface="微软雅黑" panose="020B0503020204020204" pitchFamily="34" charset="-122"/>
+              <a:ea typeface="微软雅黑" panose="020B0503020204020204" pitchFamily="34" charset="-122"/>
+            </a:endParaRPr>
+          </a:p>
+          <a:p>
+            <a:pPr marL="728663" lvl="1" indent="-214313">
+              <a:buClr>
+                <a:srgbClr val="00B050"/>
+              </a:buClr>
+              <a:buFont typeface="Wingdings" panose="05000000000000000000" pitchFamily="2" charset="2"/>
+              <a:buChar char="ü"/>
+            </a:pPr>
+            <a:r>
+              <a:rPr lang="zh-CN" altLang="en-US" sz="1700" dirty="0">
+                <a:latin typeface="微软雅黑" panose="020B0503020204020204" pitchFamily="34" charset="-122"/>
+                <a:ea typeface="微软雅黑" panose="020B0503020204020204" pitchFamily="34" charset="-122"/>
+              </a:rPr>
+              <a:t>密度</a:t>
+            </a:r>
+            <a:endParaRPr lang="en-US" altLang="zh-CN" sz="1700" dirty="0" smtClean="0">
+              <a:latin typeface="微软雅黑" panose="020B0503020204020204" pitchFamily="34" charset="-122"/>
+              <a:ea typeface="微软雅黑" panose="020B0503020204020204" pitchFamily="34" charset="-122"/>
+            </a:endParaRPr>
+          </a:p>
+          <a:p>
+            <a:pPr marL="214313" indent="-214313">
+              <a:buClr>
+                <a:srgbClr val="00B050"/>
+              </a:buClr>
+              <a:buFont typeface="Wingdings" panose="05000000000000000000" pitchFamily="2" charset="2"/>
+              <a:buChar char="u"/>
+            </a:pPr>
+            <a:r>
+              <a:rPr lang="zh-CN" altLang="en-US" sz="2300" dirty="0" smtClean="0">
+                <a:latin typeface="微软雅黑" panose="020B0503020204020204" pitchFamily="34" charset="-122"/>
+                <a:ea typeface="微软雅黑" panose="020B0503020204020204" pitchFamily="34" charset="-122"/>
+              </a:rPr>
+              <a:t>支持</a:t>
+            </a:r>
+            <a:r>
+              <a:rPr lang="zh-CN" altLang="en-US" sz="2300" dirty="0">
+                <a:latin typeface="微软雅黑" panose="020B0503020204020204" pitchFamily="34" charset="-122"/>
+                <a:ea typeface="微软雅黑" panose="020B0503020204020204" pitchFamily="34" charset="-122"/>
+              </a:rPr>
+              <a:t>向量机分类</a:t>
+            </a:r>
+          </a:p>
+          <a:p>
+            <a:pPr marL="857250" lvl="1" indent="-342900">
+              <a:lnSpc>
+                <a:spcPct val="170000"/>
+              </a:lnSpc>
+              <a:buClr>
+                <a:srgbClr val="00B050"/>
+              </a:buClr>
+              <a:buFont typeface="Wingdings" panose="05000000000000000000" pitchFamily="2" charset="2"/>
+              <a:buChar char="ü"/>
+            </a:pPr>
+            <a:r>
+              <a:rPr lang="zh-CN" altLang="en-US" sz="1900" dirty="0">
+                <a:latin typeface="微软雅黑" panose="020B0503020204020204" pitchFamily="34" charset="-122"/>
+                <a:ea typeface="微软雅黑" panose="020B0503020204020204" pitchFamily="34" charset="-122"/>
+              </a:rPr>
+              <a:t>交互选取</a:t>
+            </a:r>
+            <a:r>
+              <a:rPr lang="zh-CN" altLang="en-US" sz="1900" dirty="0" smtClean="0">
+                <a:latin typeface="微软雅黑" panose="020B0503020204020204" pitchFamily="34" charset="-122"/>
+                <a:ea typeface="微软雅黑" panose="020B0503020204020204" pitchFamily="34" charset="-122"/>
+              </a:rPr>
+              <a:t>样本</a:t>
+            </a:r>
+            <a:endParaRPr lang="en-US" altLang="zh-CN" sz="1900" dirty="0" smtClean="0">
+              <a:latin typeface="微软雅黑" panose="020B0503020204020204" pitchFamily="34" charset="-122"/>
+              <a:ea typeface="微软雅黑" panose="020B0503020204020204" pitchFamily="34" charset="-122"/>
+            </a:endParaRPr>
+          </a:p>
+          <a:p>
+            <a:pPr marL="857250" lvl="1" indent="-342900">
+              <a:lnSpc>
+                <a:spcPct val="170000"/>
+              </a:lnSpc>
+              <a:buClr>
+                <a:srgbClr val="00B050"/>
+              </a:buClr>
+              <a:buFont typeface="Wingdings" panose="05000000000000000000" pitchFamily="2" charset="2"/>
+              <a:buChar char="ü"/>
+            </a:pPr>
+            <a:r>
+              <a:rPr lang="zh-CN" altLang="en-US" sz="1900" dirty="0">
+                <a:latin typeface="微软雅黑" panose="020B0503020204020204" pitchFamily="34" charset="-122"/>
+                <a:ea typeface="微软雅黑" panose="020B0503020204020204" pitchFamily="34" charset="-122"/>
+              </a:rPr>
+              <a:t>训练、</a:t>
+            </a:r>
+            <a:r>
+              <a:rPr lang="zh-CN" altLang="en-US" sz="1900" dirty="0" smtClean="0">
+                <a:latin typeface="微软雅黑" panose="020B0503020204020204" pitchFamily="34" charset="-122"/>
+                <a:ea typeface="微软雅黑" panose="020B0503020204020204" pitchFamily="34" charset="-122"/>
+              </a:rPr>
+              <a:t>预测</a:t>
+            </a:r>
+            <a:endParaRPr lang="en-US" altLang="zh-CN" sz="1900" dirty="0">
+              <a:latin typeface="微软雅黑" panose="020B0503020204020204" pitchFamily="34" charset="-122"/>
+              <a:ea typeface="微软雅黑" panose="020B0503020204020204" pitchFamily="34" charset="-122"/>
+            </a:endParaRPr>
+          </a:p>
+        </p:txBody>
+      </p:sp>
     </p:spTree>
     <p:extLst>
       <p:ext uri="{BB962C8B-B14F-4D97-AF65-F5344CB8AC3E}">
@@ -21972,6 +22383,14 @@
   <p:clrMapOvr>
     <a:masterClrMapping/>
   </p:clrMapOvr>
+  <mc:AlternateContent xmlns:mc="http://schemas.openxmlformats.org/markup-compatibility/2006">
+    <mc:Choice xmlns:p14="http://schemas.microsoft.com/office/powerpoint/2010/main" Requires="p14">
+      <p:transition p14:dur="10"/>
+    </mc:Choice>
+    <mc:Fallback>
+      <p:transition/>
+    </mc:Fallback>
+  </mc:AlternateContent>
   <p:timing>
     <p:tnLst>
       <p:par>
@@ -22006,7 +22425,7 @@
                                           </p:stCondLst>
                                         </p:cTn>
                                         <p:tgtEl>
-                                          <p:spTgt spid="5">
+                                          <p:spTgt spid="14">
                                             <p:txEl>
                                               <p:pRg st="0" end="0"/>
                                             </p:txEl>
@@ -22023,21 +22442,39 @@
                                   </p:childTnLst>
                                 </p:cTn>
                               </p:par>
+                            </p:childTnLst>
+                          </p:cTn>
+                        </p:par>
+                      </p:childTnLst>
+                    </p:cTn>
+                  </p:par>
+                  <p:par>
+                    <p:cTn id="7" fill="hold">
+                      <p:stCondLst>
+                        <p:cond delay="indefinite"/>
+                      </p:stCondLst>
+                      <p:childTnLst>
+                        <p:par>
+                          <p:cTn id="8" fill="hold">
+                            <p:stCondLst>
+                              <p:cond delay="0"/>
+                            </p:stCondLst>
+                            <p:childTnLst>
                               <p:par>
-                                <p:cTn id="7" presetID="1" presetClass="entr" presetSubtype="0" fill="hold" grpId="0" nodeType="withEffect">
+                                <p:cTn id="9" presetID="1" presetClass="entr" presetSubtype="0" fill="hold" grpId="0" nodeType="clickEffect">
                                   <p:stCondLst>
                                     <p:cond delay="0"/>
                                   </p:stCondLst>
                                   <p:childTnLst>
                                     <p:set>
                                       <p:cBhvr>
-                                        <p:cTn id="8" dur="1" fill="hold">
+                                        <p:cTn id="10" dur="1" fill="hold">
                                           <p:stCondLst>
                                             <p:cond delay="0"/>
                                           </p:stCondLst>
                                         </p:cTn>
                                         <p:tgtEl>
-                                          <p:spTgt spid="5">
+                                          <p:spTgt spid="14">
                                             <p:txEl>
                                               <p:pRg st="1" end="1"/>
                                             </p:txEl>
@@ -22054,21 +22491,39 @@
                                   </p:childTnLst>
                                 </p:cTn>
                               </p:par>
+                            </p:childTnLst>
+                          </p:cTn>
+                        </p:par>
+                      </p:childTnLst>
+                    </p:cTn>
+                  </p:par>
+                  <p:par>
+                    <p:cTn id="11" fill="hold">
+                      <p:stCondLst>
+                        <p:cond delay="indefinite"/>
+                      </p:stCondLst>
+                      <p:childTnLst>
+                        <p:par>
+                          <p:cTn id="12" fill="hold">
+                            <p:stCondLst>
+                              <p:cond delay="0"/>
+                            </p:stCondLst>
+                            <p:childTnLst>
                               <p:par>
-                                <p:cTn id="9" presetID="1" presetClass="entr" presetSubtype="0" fill="hold" grpId="0" nodeType="withEffect">
+                                <p:cTn id="13" presetID="1" presetClass="entr" presetSubtype="0" fill="hold" grpId="0" nodeType="clickEffect">
                                   <p:stCondLst>
                                     <p:cond delay="0"/>
                                   </p:stCondLst>
                                   <p:childTnLst>
                                     <p:set>
                                       <p:cBhvr>
-                                        <p:cTn id="10" dur="1" fill="hold">
+                                        <p:cTn id="14" dur="1" fill="hold">
                                           <p:stCondLst>
                                             <p:cond delay="0"/>
                                           </p:stCondLst>
                                         </p:cTn>
                                         <p:tgtEl>
-                                          <p:spTgt spid="5">
+                                          <p:spTgt spid="14">
                                             <p:txEl>
                                               <p:pRg st="2" end="2"/>
                                             </p:txEl>
@@ -22085,21 +22540,39 @@
                                   </p:childTnLst>
                                 </p:cTn>
                               </p:par>
+                            </p:childTnLst>
+                          </p:cTn>
+                        </p:par>
+                      </p:childTnLst>
+                    </p:cTn>
+                  </p:par>
+                  <p:par>
+                    <p:cTn id="15" fill="hold">
+                      <p:stCondLst>
+                        <p:cond delay="indefinite"/>
+                      </p:stCondLst>
+                      <p:childTnLst>
+                        <p:par>
+                          <p:cTn id="16" fill="hold">
+                            <p:stCondLst>
+                              <p:cond delay="0"/>
+                            </p:stCondLst>
+                            <p:childTnLst>
                               <p:par>
-                                <p:cTn id="11" presetID="1" presetClass="entr" presetSubtype="0" fill="hold" grpId="0" nodeType="withEffect">
+                                <p:cTn id="17" presetID="1" presetClass="entr" presetSubtype="0" fill="hold" grpId="0" nodeType="clickEffect">
                                   <p:stCondLst>
                                     <p:cond delay="0"/>
                                   </p:stCondLst>
                                   <p:childTnLst>
                                     <p:set>
                                       <p:cBhvr>
-                                        <p:cTn id="12" dur="1" fill="hold">
+                                        <p:cTn id="18" dur="1" fill="hold">
                                           <p:stCondLst>
                                             <p:cond delay="0"/>
                                           </p:stCondLst>
                                         </p:cTn>
                                         <p:tgtEl>
-                                          <p:spTgt spid="5">
+                                          <p:spTgt spid="14">
                                             <p:txEl>
                                               <p:pRg st="3" end="3"/>
                                             </p:txEl>
@@ -22123,112 +22596,19 @@
                     </p:cTn>
                   </p:par>
                   <p:par>
-                    <p:cTn id="13" fill="hold">
+                    <p:cTn id="19" fill="hold">
                       <p:stCondLst>
                         <p:cond delay="indefinite"/>
                       </p:stCondLst>
                       <p:childTnLst>
                         <p:par>
-                          <p:cTn id="14" fill="hold">
+                          <p:cTn id="20" fill="hold">
                             <p:stCondLst>
                               <p:cond delay="0"/>
                             </p:stCondLst>
                             <p:childTnLst>
                               <p:par>
-                                <p:cTn id="15" presetID="1" presetClass="entr" presetSubtype="0" fill="hold" grpId="0" nodeType="clickEffect">
-                                  <p:stCondLst>
-                                    <p:cond delay="0"/>
-                                  </p:stCondLst>
-                                  <p:childTnLst>
-                                    <p:set>
-                                      <p:cBhvr>
-                                        <p:cTn id="16" dur="1" fill="hold">
-                                          <p:stCondLst>
-                                            <p:cond delay="0"/>
-                                          </p:stCondLst>
-                                        </p:cTn>
-                                        <p:tgtEl>
-                                          <p:spTgt spid="5">
-                                            <p:txEl>
-                                              <p:pRg st="4" end="4"/>
-                                            </p:txEl>
-                                          </p:spTgt>
-                                        </p:tgtEl>
-                                        <p:attrNameLst>
-                                          <p:attrName>style.visibility</p:attrName>
-                                        </p:attrNameLst>
-                                      </p:cBhvr>
-                                      <p:to>
-                                        <p:strVal val="visible"/>
-                                      </p:to>
-                                    </p:set>
-                                  </p:childTnLst>
-                                </p:cTn>
-                              </p:par>
-                              <p:par>
-                                <p:cTn id="17" presetID="1" presetClass="entr" presetSubtype="0" fill="hold" grpId="0" nodeType="withEffect">
-                                  <p:stCondLst>
-                                    <p:cond delay="0"/>
-                                  </p:stCondLst>
-                                  <p:childTnLst>
-                                    <p:set>
-                                      <p:cBhvr>
-                                        <p:cTn id="18" dur="1" fill="hold">
-                                          <p:stCondLst>
-                                            <p:cond delay="0"/>
-                                          </p:stCondLst>
-                                        </p:cTn>
-                                        <p:tgtEl>
-                                          <p:spTgt spid="5">
-                                            <p:txEl>
-                                              <p:pRg st="5" end="5"/>
-                                            </p:txEl>
-                                          </p:spTgt>
-                                        </p:tgtEl>
-                                        <p:attrNameLst>
-                                          <p:attrName>style.visibility</p:attrName>
-                                        </p:attrNameLst>
-                                      </p:cBhvr>
-                                      <p:to>
-                                        <p:strVal val="visible"/>
-                                      </p:to>
-                                    </p:set>
-                                  </p:childTnLst>
-                                </p:cTn>
-                              </p:par>
-                              <p:par>
-                                <p:cTn id="19" presetID="1" presetClass="entr" presetSubtype="0" fill="hold" grpId="0" nodeType="withEffect">
-                                  <p:stCondLst>
-                                    <p:cond delay="0"/>
-                                  </p:stCondLst>
-                                  <p:childTnLst>
-                                    <p:set>
-                                      <p:cBhvr>
-                                        <p:cTn id="20" dur="1" fill="hold">
-                                          <p:stCondLst>
-                                            <p:cond delay="0"/>
-                                          </p:stCondLst>
-                                        </p:cTn>
-                                        <p:tgtEl>
-                                          <p:spTgt spid="5">
-                                            <p:txEl>
-                                              <p:pRg st="6" end="6"/>
-                                            </p:txEl>
-                                          </p:spTgt>
-                                        </p:tgtEl>
-                                        <p:attrNameLst>
-                                          <p:attrName>style.visibility</p:attrName>
-                                        </p:attrNameLst>
-                                      </p:cBhvr>
-                                      <p:to>
-                                        <p:strVal val="visible"/>
-                                      </p:to>
-                                    </p:set>
-                                  </p:childTnLst>
-                                </p:cTn>
-                              </p:par>
-                              <p:par>
-                                <p:cTn id="21" presetID="1" presetClass="entr" presetSubtype="0" fill="hold" grpId="0" nodeType="withEffect">
+                                <p:cTn id="21" presetID="1" presetClass="entr" presetSubtype="0" fill="hold" grpId="0" nodeType="clickEffect">
                                   <p:stCondLst>
                                     <p:cond delay="0"/>
                                   </p:stCondLst>
@@ -22241,9 +22621,9 @@
                                           </p:stCondLst>
                                         </p:cTn>
                                         <p:tgtEl>
-                                          <p:spTgt spid="5">
+                                          <p:spTgt spid="14">
                                             <p:txEl>
-                                              <p:pRg st="7" end="7"/>
+                                              <p:pRg st="4" end="4"/>
                                             </p:txEl>
                                           </p:spTgt>
                                         </p:tgtEl>
@@ -22290,9 +22670,9 @@
                                           </p:stCondLst>
                                         </p:cTn>
                                         <p:tgtEl>
-                                          <p:spTgt spid="5">
+                                          <p:spTgt spid="14">
                                             <p:txEl>
-                                              <p:pRg st="8" end="8"/>
+                                              <p:pRg st="5" end="5"/>
                                             </p:txEl>
                                           </p:spTgt>
                                         </p:tgtEl>
@@ -22307,39 +22687,26 @@
                                   </p:childTnLst>
                                 </p:cTn>
                               </p:par>
+                            </p:childTnLst>
+                          </p:cTn>
+                        </p:par>
+                      </p:childTnLst>
+                    </p:cTn>
+                  </p:par>
+                  <p:par>
+                    <p:cTn id="27" fill="hold">
+                      <p:stCondLst>
+                        <p:cond delay="indefinite"/>
+                      </p:stCondLst>
+                      <p:childTnLst>
+                        <p:par>
+                          <p:cTn id="28" fill="hold">
+                            <p:stCondLst>
+                              <p:cond delay="0"/>
+                            </p:stCondLst>
+                            <p:childTnLst>
                               <p:par>
-                                <p:cTn id="27" presetID="1" presetClass="entr" presetSubtype="0" fill="hold" grpId="0" nodeType="withEffect">
-                                  <p:stCondLst>
-                                    <p:cond delay="0"/>
-                                  </p:stCondLst>
-                                  <p:childTnLst>
-                                    <p:set>
-                                      <p:cBhvr>
-                                        <p:cTn id="28" dur="1" fill="hold">
-                                          <p:stCondLst>
-                                            <p:cond delay="0"/>
-                                          </p:stCondLst>
-                                        </p:cTn>
-                                        <p:tgtEl>
-                                          <p:spTgt spid="5">
-                                            <p:txEl>
-                                              <p:pRg st="9" end="9"/>
-                                            </p:txEl>
-                                          </p:spTgt>
-                                        </p:tgtEl>
-                                        <p:attrNameLst>
-                                          <p:attrName>style.visibility</p:attrName>
-                                        </p:attrNameLst>
-                                      </p:cBhvr>
-                                      <p:to>
-                                        <p:strVal val="visible"/>
-                                      </p:to>
-                                    </p:set>
-                                  </p:childTnLst>
-                                </p:cTn>
-                              </p:par>
-                              <p:par>
-                                <p:cTn id="29" presetID="1" presetClass="entr" presetSubtype="0" fill="hold" grpId="0" nodeType="withEffect">
+                                <p:cTn id="29" presetID="1" presetClass="entr" presetSubtype="0" fill="hold" grpId="0" nodeType="clickEffect">
                                   <p:stCondLst>
                                     <p:cond delay="0"/>
                                   </p:stCondLst>
@@ -22352,9 +22719,9 @@
                                           </p:stCondLst>
                                         </p:cTn>
                                         <p:tgtEl>
-                                          <p:spTgt spid="5">
+                                          <p:spTgt spid="14">
                                             <p:txEl>
-                                              <p:pRg st="10" end="10"/>
+                                              <p:pRg st="6" end="6"/>
                                             </p:txEl>
                                           </p:spTgt>
                                         </p:tgtEl>
@@ -22388,7 +22755,7 @@
                             </p:stCondLst>
                             <p:childTnLst>
                               <p:par>
-                                <p:cTn id="33" presetID="2" presetClass="entr" presetSubtype="4" fill="hold" nodeType="clickEffect">
+                                <p:cTn id="33" presetID="1" presetClass="entr" presetSubtype="0" fill="hold" grpId="0" nodeType="clickEffect">
                                   <p:stCondLst>
                                     <p:cond delay="0"/>
                                   </p:stCondLst>
@@ -22396,6 +22763,202 @@
                                     <p:set>
                                       <p:cBhvr>
                                         <p:cTn id="34" dur="1" fill="hold">
+                                          <p:stCondLst>
+                                            <p:cond delay="0"/>
+                                          </p:stCondLst>
+                                        </p:cTn>
+                                        <p:tgtEl>
+                                          <p:spTgt spid="14">
+                                            <p:txEl>
+                                              <p:pRg st="7" end="7"/>
+                                            </p:txEl>
+                                          </p:spTgt>
+                                        </p:tgtEl>
+                                        <p:attrNameLst>
+                                          <p:attrName>style.visibility</p:attrName>
+                                        </p:attrNameLst>
+                                      </p:cBhvr>
+                                      <p:to>
+                                        <p:strVal val="visible"/>
+                                      </p:to>
+                                    </p:set>
+                                  </p:childTnLst>
+                                </p:cTn>
+                              </p:par>
+                            </p:childTnLst>
+                          </p:cTn>
+                        </p:par>
+                      </p:childTnLst>
+                    </p:cTn>
+                  </p:par>
+                  <p:par>
+                    <p:cTn id="35" fill="hold">
+                      <p:stCondLst>
+                        <p:cond delay="indefinite"/>
+                      </p:stCondLst>
+                      <p:childTnLst>
+                        <p:par>
+                          <p:cTn id="36" fill="hold">
+                            <p:stCondLst>
+                              <p:cond delay="0"/>
+                            </p:stCondLst>
+                            <p:childTnLst>
+                              <p:par>
+                                <p:cTn id="37" presetID="1" presetClass="entr" presetSubtype="0" fill="hold" grpId="0" nodeType="clickEffect">
+                                  <p:stCondLst>
+                                    <p:cond delay="0"/>
+                                  </p:stCondLst>
+                                  <p:childTnLst>
+                                    <p:set>
+                                      <p:cBhvr>
+                                        <p:cTn id="38" dur="1" fill="hold">
+                                          <p:stCondLst>
+                                            <p:cond delay="0"/>
+                                          </p:stCondLst>
+                                        </p:cTn>
+                                        <p:tgtEl>
+                                          <p:spTgt spid="14">
+                                            <p:txEl>
+                                              <p:pRg st="8" end="8"/>
+                                            </p:txEl>
+                                          </p:spTgt>
+                                        </p:tgtEl>
+                                        <p:attrNameLst>
+                                          <p:attrName>style.visibility</p:attrName>
+                                        </p:attrNameLst>
+                                      </p:cBhvr>
+                                      <p:to>
+                                        <p:strVal val="visible"/>
+                                      </p:to>
+                                    </p:set>
+                                  </p:childTnLst>
+                                </p:cTn>
+                              </p:par>
+                            </p:childTnLst>
+                          </p:cTn>
+                        </p:par>
+                      </p:childTnLst>
+                    </p:cTn>
+                  </p:par>
+                  <p:par>
+                    <p:cTn id="39" fill="hold">
+                      <p:stCondLst>
+                        <p:cond delay="indefinite"/>
+                      </p:stCondLst>
+                      <p:childTnLst>
+                        <p:par>
+                          <p:cTn id="40" fill="hold">
+                            <p:stCondLst>
+                              <p:cond delay="0"/>
+                            </p:stCondLst>
+                            <p:childTnLst>
+                              <p:par>
+                                <p:cTn id="41" presetID="1" presetClass="entr" presetSubtype="0" fill="hold" grpId="0" nodeType="clickEffect">
+                                  <p:stCondLst>
+                                    <p:cond delay="0"/>
+                                  </p:stCondLst>
+                                  <p:childTnLst>
+                                    <p:set>
+                                      <p:cBhvr>
+                                        <p:cTn id="42" dur="1" fill="hold">
+                                          <p:stCondLst>
+                                            <p:cond delay="0"/>
+                                          </p:stCondLst>
+                                        </p:cTn>
+                                        <p:tgtEl>
+                                          <p:spTgt spid="14">
+                                            <p:txEl>
+                                              <p:pRg st="9" end="9"/>
+                                            </p:txEl>
+                                          </p:spTgt>
+                                        </p:tgtEl>
+                                        <p:attrNameLst>
+                                          <p:attrName>style.visibility</p:attrName>
+                                        </p:attrNameLst>
+                                      </p:cBhvr>
+                                      <p:to>
+                                        <p:strVal val="visible"/>
+                                      </p:to>
+                                    </p:set>
+                                  </p:childTnLst>
+                                </p:cTn>
+                              </p:par>
+                            </p:childTnLst>
+                          </p:cTn>
+                        </p:par>
+                      </p:childTnLst>
+                    </p:cTn>
+                  </p:par>
+                  <p:par>
+                    <p:cTn id="43" fill="hold">
+                      <p:stCondLst>
+                        <p:cond delay="indefinite"/>
+                      </p:stCondLst>
+                      <p:childTnLst>
+                        <p:par>
+                          <p:cTn id="44" fill="hold">
+                            <p:stCondLst>
+                              <p:cond delay="0"/>
+                            </p:stCondLst>
+                            <p:childTnLst>
+                              <p:par>
+                                <p:cTn id="45" presetID="1" presetClass="entr" presetSubtype="0" fill="hold" grpId="0" nodeType="clickEffect">
+                                  <p:stCondLst>
+                                    <p:cond delay="0"/>
+                                  </p:stCondLst>
+                                  <p:childTnLst>
+                                    <p:set>
+                                      <p:cBhvr>
+                                        <p:cTn id="46" dur="1" fill="hold">
+                                          <p:stCondLst>
+                                            <p:cond delay="0"/>
+                                          </p:stCondLst>
+                                        </p:cTn>
+                                        <p:tgtEl>
+                                          <p:spTgt spid="14">
+                                            <p:txEl>
+                                              <p:pRg st="10" end="10"/>
+                                            </p:txEl>
+                                          </p:spTgt>
+                                        </p:tgtEl>
+                                        <p:attrNameLst>
+                                          <p:attrName>style.visibility</p:attrName>
+                                        </p:attrNameLst>
+                                      </p:cBhvr>
+                                      <p:to>
+                                        <p:strVal val="visible"/>
+                                      </p:to>
+                                    </p:set>
+                                  </p:childTnLst>
+                                </p:cTn>
+                              </p:par>
+                            </p:childTnLst>
+                          </p:cTn>
+                        </p:par>
+                      </p:childTnLst>
+                    </p:cTn>
+                  </p:par>
+                  <p:par>
+                    <p:cTn id="47" fill="hold">
+                      <p:stCondLst>
+                        <p:cond delay="indefinite"/>
+                      </p:stCondLst>
+                      <p:childTnLst>
+                        <p:par>
+                          <p:cTn id="48" fill="hold">
+                            <p:stCondLst>
+                              <p:cond delay="0"/>
+                            </p:stCondLst>
+                            <p:childTnLst>
+                              <p:par>
+                                <p:cTn id="49" presetID="2" presetClass="entr" presetSubtype="4" fill="hold" nodeType="clickEffect">
+                                  <p:stCondLst>
+                                    <p:cond delay="0"/>
+                                  </p:stCondLst>
+                                  <p:childTnLst>
+                                    <p:set>
+                                      <p:cBhvr>
+                                        <p:cTn id="50" dur="1" fill="hold">
                                           <p:stCondLst>
                                             <p:cond delay="0"/>
                                           </p:stCondLst>
@@ -22413,7 +22976,7 @@
                                     </p:set>
                                     <p:anim calcmode="lin" valueType="num">
                                       <p:cBhvr additive="base">
-                                        <p:cTn id="35" dur="500" fill="hold"/>
+                                        <p:cTn id="51" dur="500" fill="hold"/>
                                         <p:tgtEl>
                                           <p:spTgt spid="11"/>
                                         </p:tgtEl>
@@ -22436,7 +22999,7 @@
                                     </p:anim>
                                     <p:anim calcmode="lin" valueType="num">
                                       <p:cBhvr additive="base">
-                                        <p:cTn id="36" dur="500" fill="hold"/>
+                                        <p:cTn id="52" dur="500" fill="hold"/>
                                         <p:tgtEl>
                                           <p:spTgt spid="11"/>
                                         </p:tgtEl>
@@ -22467,26 +23030,26 @@
                     </p:cTn>
                   </p:par>
                   <p:par>
-                    <p:cTn id="37" fill="hold">
+                    <p:cTn id="53" fill="hold">
                       <p:stCondLst>
                         <p:cond delay="indefinite"/>
                       </p:stCondLst>
                       <p:childTnLst>
                         <p:par>
-                          <p:cTn id="38" fill="hold">
+                          <p:cTn id="54" fill="hold">
                             <p:stCondLst>
                               <p:cond delay="0"/>
                             </p:stCondLst>
                             <p:childTnLst>
                               <p:par>
-                                <p:cTn id="39" presetID="2" presetClass="entr" presetSubtype="4" fill="hold" nodeType="clickEffect">
+                                <p:cTn id="55" presetID="2" presetClass="entr" presetSubtype="4" fill="hold" nodeType="clickEffect">
                                   <p:stCondLst>
                                     <p:cond delay="0"/>
                                   </p:stCondLst>
                                   <p:childTnLst>
                                     <p:set>
                                       <p:cBhvr>
-                                        <p:cTn id="40" dur="1" fill="hold">
+                                        <p:cTn id="56" dur="1" fill="hold">
                                           <p:stCondLst>
                                             <p:cond delay="0"/>
                                           </p:stCondLst>
@@ -22504,7 +23067,7 @@
                                     </p:set>
                                     <p:anim calcmode="lin" valueType="num">
                                       <p:cBhvr additive="base">
-                                        <p:cTn id="41" dur="500" fill="hold"/>
+                                        <p:cTn id="57" dur="500" fill="hold"/>
                                         <p:tgtEl>
                                           <p:spTgt spid="16"/>
                                         </p:tgtEl>
@@ -22527,7 +23090,7 @@
                                     </p:anim>
                                     <p:anim calcmode="lin" valueType="num">
                                       <p:cBhvr additive="base">
-                                        <p:cTn id="42" dur="500" fill="hold"/>
+                                        <p:cTn id="58" dur="500" fill="hold"/>
                                         <p:tgtEl>
                                           <p:spTgt spid="16"/>
                                         </p:tgtEl>
@@ -22558,26 +23121,26 @@
                     </p:cTn>
                   </p:par>
                   <p:par>
-                    <p:cTn id="43" fill="hold">
+                    <p:cTn id="59" fill="hold">
                       <p:stCondLst>
                         <p:cond delay="indefinite"/>
                       </p:stCondLst>
                       <p:childTnLst>
                         <p:par>
-                          <p:cTn id="44" fill="hold">
+                          <p:cTn id="60" fill="hold">
                             <p:stCondLst>
                               <p:cond delay="0"/>
                             </p:stCondLst>
                             <p:childTnLst>
                               <p:par>
-                                <p:cTn id="45" presetID="2" presetClass="entr" presetSubtype="4" fill="hold" nodeType="clickEffect">
+                                <p:cTn id="61" presetID="2" presetClass="entr" presetSubtype="4" fill="hold" nodeType="clickEffect">
                                   <p:stCondLst>
                                     <p:cond delay="0"/>
                                   </p:stCondLst>
                                   <p:childTnLst>
                                     <p:set>
                                       <p:cBhvr>
-                                        <p:cTn id="46" dur="1" fill="hold">
+                                        <p:cTn id="62" dur="1" fill="hold">
                                           <p:stCondLst>
                                             <p:cond delay="0"/>
                                           </p:stCondLst>
@@ -22595,7 +23158,7 @@
                                     </p:set>
                                     <p:anim calcmode="lin" valueType="num">
                                       <p:cBhvr additive="base">
-                                        <p:cTn id="47" dur="500" fill="hold"/>
+                                        <p:cTn id="63" dur="500" fill="hold"/>
                                         <p:tgtEl>
                                           <p:spTgt spid="23"/>
                                         </p:tgtEl>
@@ -22618,7 +23181,7 @@
                                     </p:anim>
                                     <p:anim calcmode="lin" valueType="num">
                                       <p:cBhvr additive="base">
-                                        <p:cTn id="48" dur="500" fill="hold"/>
+                                        <p:cTn id="64" dur="500" fill="hold"/>
                                         <p:tgtEl>
                                           <p:spTgt spid="23"/>
                                         </p:tgtEl>
@@ -22670,7 +23233,7 @@
       </p:par>
     </p:tnLst>
     <p:bldLst>
-      <p:bldP spid="5" grpId="0" build="p"/>
+      <p:bldP spid="14" grpId="0" uiExpand="1" build="p"/>
     </p:bldLst>
   </p:timing>
 </p:sld>

--- a/基于形状语义和增强学习的建筑.pptx
+++ b/基于形状语义和增强学习的建筑.pptx
@@ -14,20 +14,20 @@
     <p:sldId id="285" r:id="rId6"/>
     <p:sldId id="257" r:id="rId7"/>
     <p:sldId id="270" r:id="rId8"/>
-    <p:sldId id="274" r:id="rId9"/>
-    <p:sldId id="264" r:id="rId10"/>
-    <p:sldId id="265" r:id="rId11"/>
-    <p:sldId id="266" r:id="rId12"/>
-    <p:sldId id="277" r:id="rId13"/>
-    <p:sldId id="279" r:id="rId14"/>
-    <p:sldId id="278" r:id="rId15"/>
-    <p:sldId id="280" r:id="rId16"/>
-    <p:sldId id="281" r:id="rId17"/>
-    <p:sldId id="282" r:id="rId18"/>
-    <p:sldId id="286" r:id="rId19"/>
-    <p:sldId id="283" r:id="rId20"/>
-    <p:sldId id="284" r:id="rId21"/>
-    <p:sldId id="272" r:id="rId22"/>
+    <p:sldId id="272" r:id="rId9"/>
+    <p:sldId id="274" r:id="rId10"/>
+    <p:sldId id="264" r:id="rId11"/>
+    <p:sldId id="265" r:id="rId12"/>
+    <p:sldId id="266" r:id="rId13"/>
+    <p:sldId id="277" r:id="rId14"/>
+    <p:sldId id="279" r:id="rId15"/>
+    <p:sldId id="278" r:id="rId16"/>
+    <p:sldId id="280" r:id="rId17"/>
+    <p:sldId id="281" r:id="rId18"/>
+    <p:sldId id="282" r:id="rId19"/>
+    <p:sldId id="286" r:id="rId20"/>
+    <p:sldId id="283" r:id="rId21"/>
+    <p:sldId id="284" r:id="rId22"/>
   </p:sldIdLst>
   <p:sldSz cx="9144000" cy="6858000" type="screen4x3"/>
   <p:notesSz cx="6858000" cy="9144000"/>
@@ -141,6 +141,7 @@
             <p14:sldId id="285"/>
             <p14:sldId id="257"/>
             <p14:sldId id="270"/>
+            <p14:sldId id="272"/>
             <p14:sldId id="274"/>
             <p14:sldId id="264"/>
             <p14:sldId id="265"/>
@@ -154,7 +155,6 @@
             <p14:sldId id="286"/>
             <p14:sldId id="283"/>
             <p14:sldId id="284"/>
-            <p14:sldId id="272"/>
           </p14:sldIdLst>
         </p14:section>
       </p14:sectionLst>
@@ -4932,14 +4932,38 @@
           <a:p>
             <a:r>
               <a:rPr lang="zh-CN" altLang="en-US" dirty="0" smtClean="0"/>
-              <a:t>下面展示实验的结果。</a:t>
+              <a:t>为此，我们首先采用数据驱动的方法，用点云预分类的结果近似表示建筑结构的概率分布。</a:t>
             </a:r>
             <a:endParaRPr lang="en-US" altLang="zh-CN" dirty="0" smtClean="0"/>
           </a:p>
           <a:p>
             <a:r>
               <a:rPr lang="zh-CN" altLang="en-US" dirty="0" smtClean="0"/>
-              <a:t>这是矿业大学图书馆的一个立面，形状语义解译的结果，重建结果。注意到该建筑的最下面一层和上面几层是不对称的，下面的窗户会比较大，我们的算法可以恢复这种情况。</a:t>
+              <a:t>预分类主要包括三个过程，首先是</a:t>
+            </a:r>
+            <a:endParaRPr lang="en-US" altLang="zh-CN" dirty="0" smtClean="0"/>
+          </a:p>
+          <a:p>
+            <a:endParaRPr lang="en-US" altLang="zh-CN" dirty="0" smtClean="0"/>
+          </a:p>
+          <a:p>
+            <a:r>
+              <a:rPr lang="zh-CN" altLang="en-US" dirty="0" smtClean="0"/>
+              <a:t>这幅图表示了对一个点云缺失严重的立面的分类结果</a:t>
+            </a:r>
+            <a:endParaRPr lang="en-US" altLang="zh-CN" dirty="0" smtClean="0"/>
+          </a:p>
+          <a:p>
+            <a:r>
+              <a:rPr lang="zh-CN" altLang="en-US" dirty="0" smtClean="0"/>
+              <a:t>对一个教堂进行分类的结果，主要分成了屋顶、窗户、立柱、门以及黑色的背景几类</a:t>
+            </a:r>
+            <a:endParaRPr lang="en-US" altLang="zh-CN" dirty="0" smtClean="0"/>
+          </a:p>
+          <a:p>
+            <a:r>
+              <a:rPr lang="zh-CN" altLang="en-US" dirty="0" smtClean="0"/>
+              <a:t>对一个小区分类的结果</a:t>
             </a:r>
             <a:endParaRPr lang="zh-CN" altLang="en-US" dirty="0"/>
           </a:p>
@@ -4971,7 +4995,7 @@
     </p:spTree>
     <p:extLst>
       <p:ext uri="{BB962C8B-B14F-4D97-AF65-F5344CB8AC3E}">
-        <p14:creationId xmlns:p14="http://schemas.microsoft.com/office/powerpoint/2010/main" val="3528958498"/>
+        <p14:creationId xmlns:p14="http://schemas.microsoft.com/office/powerpoint/2010/main" val="4270597764"/>
       </p:ext>
     </p:extLst>
   </p:cSld>
@@ -5027,7 +5051,14 @@
           <a:p>
             <a:r>
               <a:rPr lang="zh-CN" altLang="en-US" dirty="0" smtClean="0"/>
-              <a:t>这是一个更复杂的建筑，解译的结果，建模的结果</a:t>
+              <a:t>下面展示实验的结果。</a:t>
+            </a:r>
+            <a:endParaRPr lang="en-US" altLang="zh-CN" dirty="0" smtClean="0"/>
+          </a:p>
+          <a:p>
+            <a:r>
+              <a:rPr lang="zh-CN" altLang="en-US" dirty="0" smtClean="0"/>
+              <a:t>这是矿业大学图书馆的一个立面，形状语义解译的结果，重建结果。注意到该建筑的最下面一层和上面几层是不对称的，下面的窗户会比较大，我们的算法可以恢复这种情况。</a:t>
             </a:r>
             <a:endParaRPr lang="zh-CN" altLang="en-US" dirty="0"/>
           </a:p>
@@ -5059,7 +5090,7 @@
     </p:spTree>
     <p:extLst>
       <p:ext uri="{BB962C8B-B14F-4D97-AF65-F5344CB8AC3E}">
-        <p14:creationId xmlns:p14="http://schemas.microsoft.com/office/powerpoint/2010/main" val="12232747"/>
+        <p14:creationId xmlns:p14="http://schemas.microsoft.com/office/powerpoint/2010/main" val="3528958498"/>
       </p:ext>
     </p:extLst>
   </p:cSld>
@@ -5115,7 +5146,7 @@
           <a:p>
             <a:r>
               <a:rPr lang="zh-CN" altLang="en-US" dirty="0" smtClean="0"/>
-              <a:t>这是北师大科技楼的一个侧面，解译的结果，重建的结果</a:t>
+              <a:t>这是一个更复杂的建筑，解译的结果，建模的结果</a:t>
             </a:r>
             <a:endParaRPr lang="zh-CN" altLang="en-US" dirty="0"/>
           </a:p>
@@ -5147,7 +5178,7 @@
     </p:spTree>
     <p:extLst>
       <p:ext uri="{BB962C8B-B14F-4D97-AF65-F5344CB8AC3E}">
-        <p14:creationId xmlns:p14="http://schemas.microsoft.com/office/powerpoint/2010/main" val="3691899818"/>
+        <p14:creationId xmlns:p14="http://schemas.microsoft.com/office/powerpoint/2010/main" val="12232747"/>
       </p:ext>
     </p:extLst>
   </p:cSld>
@@ -5203,7 +5234,7 @@
           <a:p>
             <a:r>
               <a:rPr lang="zh-CN" altLang="en-US" dirty="0" smtClean="0"/>
-              <a:t>这是一个点云缺失较为严重的建筑，解译可以很好地解决缺失的问题，这是重建的结果</a:t>
+              <a:t>这是北师大科技楼的一个侧面，解译的结果，重建的结果</a:t>
             </a:r>
             <a:endParaRPr lang="zh-CN" altLang="en-US" dirty="0"/>
           </a:p>
@@ -5235,7 +5266,7 @@
     </p:spTree>
     <p:extLst>
       <p:ext uri="{BB962C8B-B14F-4D97-AF65-F5344CB8AC3E}">
-        <p14:creationId xmlns:p14="http://schemas.microsoft.com/office/powerpoint/2010/main" val="1277839755"/>
+        <p14:creationId xmlns:p14="http://schemas.microsoft.com/office/powerpoint/2010/main" val="3691899818"/>
       </p:ext>
     </p:extLst>
   </p:cSld>
@@ -5291,7 +5322,7 @@
           <a:p>
             <a:r>
               <a:rPr lang="zh-CN" altLang="en-US" dirty="0" smtClean="0"/>
-              <a:t>前面的建筑都只包含窗户和墙面，这个建筑多了阳台，这是解译的结果，重建的结果</a:t>
+              <a:t>这是一个点云缺失较为严重的建筑，解译可以很好地解决缺失的问题，这是重建的结果</a:t>
             </a:r>
             <a:endParaRPr lang="zh-CN" altLang="en-US" dirty="0"/>
           </a:p>
@@ -5323,7 +5354,7 @@
     </p:spTree>
     <p:extLst>
       <p:ext uri="{BB962C8B-B14F-4D97-AF65-F5344CB8AC3E}">
-        <p14:creationId xmlns:p14="http://schemas.microsoft.com/office/powerpoint/2010/main" val="972697352"/>
+        <p14:creationId xmlns:p14="http://schemas.microsoft.com/office/powerpoint/2010/main" val="1277839755"/>
       </p:ext>
     </p:extLst>
   </p:cSld>
@@ -5379,7 +5410,7 @@
           <a:p>
             <a:r>
               <a:rPr lang="zh-CN" altLang="en-US" dirty="0" smtClean="0"/>
-              <a:t>之前展示的教堂，解译的结果，建模的结果</a:t>
+              <a:t>前面的建筑都只包含窗户和墙面，这个建筑多了阳台，这是解译的结果，重建的结果</a:t>
             </a:r>
             <a:endParaRPr lang="zh-CN" altLang="en-US" dirty="0"/>
           </a:p>
@@ -5411,7 +5442,7 @@
     </p:spTree>
     <p:extLst>
       <p:ext uri="{BB962C8B-B14F-4D97-AF65-F5344CB8AC3E}">
-        <p14:creationId xmlns:p14="http://schemas.microsoft.com/office/powerpoint/2010/main" val="2203326365"/>
+        <p14:creationId xmlns:p14="http://schemas.microsoft.com/office/powerpoint/2010/main" val="972697352"/>
       </p:ext>
     </p:extLst>
   </p:cSld>
@@ -5467,7 +5498,7 @@
           <a:p>
             <a:r>
               <a:rPr lang="zh-CN" altLang="en-US" dirty="0" smtClean="0"/>
-              <a:t>一个典型的立面。解译的结果，重建的结果</a:t>
+              <a:t>之前展示的教堂，解译的结果，建模的结果</a:t>
             </a:r>
             <a:endParaRPr lang="zh-CN" altLang="en-US" dirty="0"/>
           </a:p>
@@ -5499,7 +5530,7 @@
     </p:spTree>
     <p:extLst>
       <p:ext uri="{BB962C8B-B14F-4D97-AF65-F5344CB8AC3E}">
-        <p14:creationId xmlns:p14="http://schemas.microsoft.com/office/powerpoint/2010/main" val="1844160650"/>
+        <p14:creationId xmlns:p14="http://schemas.microsoft.com/office/powerpoint/2010/main" val="2203326365"/>
       </p:ext>
     </p:extLst>
   </p:cSld>
@@ -5553,49 +5584,10 @@
           <a:bodyPr/>
           <a:lstStyle/>
           <a:p>
-            <a:pPr marL="0" marR="0" indent="0" algn="l" defTabSz="914400" rtl="0" eaLnBrk="1" fontAlgn="auto" latinLnBrk="0" hangingPunct="1">
-              <a:lnSpc>
-                <a:spcPct val="100000"/>
-              </a:lnSpc>
-              <a:spcBef>
-                <a:spcPts val="0"/>
-              </a:spcBef>
-              <a:spcAft>
-                <a:spcPts val="0"/>
-              </a:spcAft>
-              <a:buClrTx/>
-              <a:buSzTx/>
-              <a:buFontTx/>
-              <a:buNone/>
-              <a:tabLst/>
-              <a:defRPr/>
-            </a:pPr>
             <a:r>
               <a:rPr lang="zh-CN" altLang="en-US" dirty="0" smtClean="0"/>
-              <a:t>我们采用了</a:t>
-            </a:r>
-            <a:r>
-              <a:rPr lang="en-US" altLang="zh-CN" dirty="0" smtClean="0"/>
-              <a:t>C++</a:t>
-            </a:r>
-            <a:r>
-              <a:rPr lang="zh-CN" altLang="en-US" dirty="0" smtClean="0"/>
-              <a:t>语言在一台工作站上实现了算法，并进行了实验，从表中可以看出</a:t>
-            </a:r>
-            <a:r>
-              <a:rPr lang="zh-CN" altLang="zh-CN" sz="1200" kern="1200" dirty="0" smtClean="0">
-                <a:solidFill>
-                  <a:schemeClr val="tx1"/>
-                </a:solidFill>
-                <a:effectLst/>
-                <a:latin typeface="+mn-lt"/>
-                <a:ea typeface="+mn-ea"/>
-                <a:cs typeface="+mn-cs"/>
-              </a:rPr>
-              <a:t>，本文提出的算法的效率较高，基本可以应对大规模的城市重建。</a:t>
-            </a:r>
-          </a:p>
-          <a:p>
+              <a:t>一个典型的立面。解译的结果，重建的结果</a:t>
+            </a:r>
             <a:endParaRPr lang="zh-CN" altLang="en-US" dirty="0"/>
           </a:p>
         </p:txBody>
@@ -5626,7 +5618,7 @@
     </p:spTree>
     <p:extLst>
       <p:ext uri="{BB962C8B-B14F-4D97-AF65-F5344CB8AC3E}">
-        <p14:creationId xmlns:p14="http://schemas.microsoft.com/office/powerpoint/2010/main" val="1583355623"/>
+        <p14:creationId xmlns:p14="http://schemas.microsoft.com/office/powerpoint/2010/main" val="1844160650"/>
       </p:ext>
     </p:extLst>
   </p:cSld>
@@ -5680,13 +5672,6 @@
           <a:bodyPr/>
           <a:lstStyle/>
           <a:p>
-            <a:r>
-              <a:rPr lang="zh-CN" altLang="en-US" dirty="0" smtClean="0"/>
-              <a:t>上述实验显示了我们的方法可以对多种风格的建筑进行建模，并且可以有效地应对对称建筑立面点云存在缺失的情况；</a:t>
-            </a:r>
-            <a:endParaRPr lang="en-US" altLang="zh-CN" dirty="0" smtClean="0"/>
-          </a:p>
-          <a:p>
             <a:pPr marL="0" marR="0" indent="0" algn="l" defTabSz="914400" rtl="0" eaLnBrk="1" fontAlgn="auto" latinLnBrk="0" hangingPunct="1">
               <a:lnSpc>
                 <a:spcPct val="100000"/>
@@ -5706,17 +5691,31 @@
             </a:pPr>
             <a:r>
               <a:rPr lang="zh-CN" altLang="en-US" dirty="0" smtClean="0"/>
-              <a:t>我们的方法的不足在于采用了表格的方法来表示</a:t>
+              <a:t>我们采用了</a:t>
             </a:r>
             <a:r>
               <a:rPr lang="en-US" altLang="zh-CN" dirty="0" smtClean="0"/>
-              <a:t>V</a:t>
+              <a:t>C++</a:t>
             </a:r>
             <a:r>
               <a:rPr lang="zh-CN" altLang="en-US" dirty="0" smtClean="0"/>
-              <a:t>函数，对状态没有简化，当状态量十分巨大的时候收敛较慢。另外，我们的预分类采用了支持向量机这种监督分类的方法，没有实现完全的自动化。</a:t>
-            </a:r>
-            <a:endParaRPr lang="en-US" altLang="zh-CN" dirty="0" smtClean="0"/>
+              <a:t>语言在一台工作站上实现了算法，并进行了实验，从表中可以看出</a:t>
+            </a:r>
+            <a:r>
+              <a:rPr lang="zh-CN" altLang="zh-CN" sz="1200" kern="1200" dirty="0" smtClean="0">
+                <a:solidFill>
+                  <a:schemeClr val="tx1"/>
+                </a:solidFill>
+                <a:effectLst/>
+                <a:latin typeface="+mn-lt"/>
+                <a:ea typeface="+mn-ea"/>
+                <a:cs typeface="+mn-cs"/>
+              </a:rPr>
+              <a:t>，本文提出的算法的效率较高，基本可以应对大规模的城市重建。</a:t>
+            </a:r>
+          </a:p>
+          <a:p>
+            <a:endParaRPr lang="zh-CN" altLang="en-US" dirty="0"/>
           </a:p>
         </p:txBody>
       </p:sp>
@@ -5746,7 +5745,7 @@
     </p:spTree>
     <p:extLst>
       <p:ext uri="{BB962C8B-B14F-4D97-AF65-F5344CB8AC3E}">
-        <p14:creationId xmlns:p14="http://schemas.microsoft.com/office/powerpoint/2010/main" val="3703801365"/>
+        <p14:creationId xmlns:p14="http://schemas.microsoft.com/office/powerpoint/2010/main" val="1583355623"/>
       </p:ext>
     </p:extLst>
   </p:cSld>
@@ -5802,9 +5801,41 @@
           <a:p>
             <a:r>
               <a:rPr lang="zh-CN" altLang="en-US" dirty="0" smtClean="0"/>
-              <a:t>谢谢各位的聆听！请老师提问～</a:t>
-            </a:r>
-            <a:endParaRPr lang="zh-CN" altLang="en-US" dirty="0"/>
+              <a:t>上述实验显示了我们的方法可以对多种风格的建筑进行建模，并且可以有效地应对对称建筑立面点云存在缺失的情况；</a:t>
+            </a:r>
+            <a:endParaRPr lang="en-US" altLang="zh-CN" dirty="0" smtClean="0"/>
+          </a:p>
+          <a:p>
+            <a:pPr marL="0" marR="0" indent="0" algn="l" defTabSz="914400" rtl="0" eaLnBrk="1" fontAlgn="auto" latinLnBrk="0" hangingPunct="1">
+              <a:lnSpc>
+                <a:spcPct val="100000"/>
+              </a:lnSpc>
+              <a:spcBef>
+                <a:spcPts val="0"/>
+              </a:spcBef>
+              <a:spcAft>
+                <a:spcPts val="0"/>
+              </a:spcAft>
+              <a:buClrTx/>
+              <a:buSzTx/>
+              <a:buFontTx/>
+              <a:buNone/>
+              <a:tabLst/>
+              <a:defRPr/>
+            </a:pPr>
+            <a:r>
+              <a:rPr lang="zh-CN" altLang="en-US" dirty="0" smtClean="0"/>
+              <a:t>我们的方法的不足在于采用了表格的方法来表示</a:t>
+            </a:r>
+            <a:r>
+              <a:rPr lang="en-US" altLang="zh-CN" dirty="0" smtClean="0"/>
+              <a:t>V</a:t>
+            </a:r>
+            <a:r>
+              <a:rPr lang="zh-CN" altLang="en-US" dirty="0" smtClean="0"/>
+              <a:t>函数，对状态没有简化，当状态量十分巨大的时候收敛较慢。另外，我们的预分类采用了支持向量机这种监督分类的方法，没有实现完全的自动化。</a:t>
+            </a:r>
+            <a:endParaRPr lang="en-US" altLang="zh-CN" dirty="0" smtClean="0"/>
           </a:p>
         </p:txBody>
       </p:sp>
@@ -5834,7 +5865,7 @@
     </p:spTree>
     <p:extLst>
       <p:ext uri="{BB962C8B-B14F-4D97-AF65-F5344CB8AC3E}">
-        <p14:creationId xmlns:p14="http://schemas.microsoft.com/office/powerpoint/2010/main" val="4220797479"/>
+        <p14:creationId xmlns:p14="http://schemas.microsoft.com/office/powerpoint/2010/main" val="3703801365"/>
       </p:ext>
     </p:extLst>
   </p:cSld>
@@ -5978,63 +6009,7 @@
           <a:p>
             <a:r>
               <a:rPr lang="zh-CN" altLang="en-US" dirty="0" smtClean="0"/>
-              <a:t>现在举一个例子来说明如何用二分形状语义表示一个只包含窗户和墙面的简单建筑立面。</a:t>
-            </a:r>
-            <a:endParaRPr lang="en-US" altLang="zh-CN" dirty="0" smtClean="0"/>
-          </a:p>
-          <a:p>
-            <a:r>
-              <a:rPr lang="zh-CN" altLang="en-US" dirty="0" smtClean="0"/>
-              <a:t>初始形状是立面本身；终端形状是</a:t>
-            </a:r>
-            <a:r>
-              <a:rPr lang="en-US" altLang="zh-CN" dirty="0" smtClean="0"/>
-              <a:t>window</a:t>
-            </a:r>
-            <a:r>
-              <a:rPr lang="zh-CN" altLang="en-US" dirty="0" smtClean="0"/>
-              <a:t>和</a:t>
-            </a:r>
-            <a:r>
-              <a:rPr lang="en-US" altLang="zh-CN" dirty="0" smtClean="0"/>
-              <a:t>wall</a:t>
-            </a:r>
-            <a:r>
-              <a:rPr lang="zh-CN" altLang="en-US" dirty="0" smtClean="0"/>
-              <a:t>，</a:t>
-            </a:r>
-            <a:endParaRPr lang="en-US" altLang="zh-CN" dirty="0" smtClean="0"/>
-          </a:p>
-          <a:p>
-            <a:r>
-              <a:rPr lang="zh-CN" altLang="en-US" dirty="0" smtClean="0"/>
-              <a:t>非终端形状有</a:t>
-            </a:r>
-            <a:r>
-              <a:rPr lang="en-US" altLang="zh-CN" dirty="0" smtClean="0"/>
-              <a:t>4</a:t>
-            </a:r>
-            <a:r>
-              <a:rPr lang="zh-CN" altLang="en-US" dirty="0" smtClean="0"/>
-              <a:t>个，语义规则有</a:t>
-            </a:r>
-            <a:r>
-              <a:rPr lang="en-US" altLang="zh-CN" dirty="0" smtClean="0"/>
-              <a:t>5</a:t>
-            </a:r>
-            <a:r>
-              <a:rPr lang="zh-CN" altLang="en-US" dirty="0" smtClean="0"/>
-              <a:t>条，该图展示了应用该语义了对一个两层的立面进行剖分得到的剖分树。</a:t>
-            </a:r>
-            <a:endParaRPr lang="en-US" altLang="zh-CN" dirty="0" smtClean="0"/>
-          </a:p>
-          <a:p>
-            <a:endParaRPr lang="en-US" altLang="zh-CN" dirty="0" smtClean="0"/>
-          </a:p>
-          <a:p>
-            <a:r>
-              <a:rPr lang="zh-CN" altLang="en-US" dirty="0" smtClean="0"/>
-              <a:t>对于一个简单的建筑，我们可以通过观察的方法手动地得到其剖分树，但是对于给定的一个建筑立面的点云，我们如何得到可以描述它的最佳剖分树？</a:t>
+              <a:t>谢谢各位的聆听！请老师提问～</a:t>
             </a:r>
             <a:endParaRPr lang="zh-CN" altLang="en-US" dirty="0"/>
           </a:p>
@@ -6066,7 +6041,7 @@
     </p:spTree>
     <p:extLst>
       <p:ext uri="{BB962C8B-B14F-4D97-AF65-F5344CB8AC3E}">
-        <p14:creationId xmlns:p14="http://schemas.microsoft.com/office/powerpoint/2010/main" val="1831053144"/>
+        <p14:creationId xmlns:p14="http://schemas.microsoft.com/office/powerpoint/2010/main" val="4220797479"/>
       </p:ext>
     </p:extLst>
   </p:cSld>
@@ -6578,152 +6553,63 @@
           <a:p>
             <a:r>
               <a:rPr lang="zh-CN" altLang="en-US" dirty="0" smtClean="0"/>
-              <a:t>在解决这个问题之前，我先简单地介绍一下马尔可夫决策过程。马尔科夫决策过程描述的是</a:t>
+              <a:t>现在举一个例子来说明如何用二分形状语义表示一个只包含窗户和墙面的简单建筑立面。</a:t>
+            </a:r>
+            <a:endParaRPr lang="en-US" altLang="zh-CN" dirty="0" smtClean="0"/>
+          </a:p>
+          <a:p>
+            <a:r>
+              <a:rPr lang="zh-CN" altLang="en-US" dirty="0" smtClean="0"/>
+              <a:t>初始形状是立面本身；终端形状是</a:t>
             </a:r>
             <a:r>
               <a:rPr lang="en-US" altLang="zh-CN" dirty="0" smtClean="0"/>
-              <a:t>Agent</a:t>
+              <a:t>window</a:t>
             </a:r>
             <a:r>
               <a:rPr lang="zh-CN" altLang="en-US" dirty="0" smtClean="0"/>
-              <a:t>和环境的交互，在时刻</a:t>
+              <a:t>和</a:t>
             </a:r>
             <a:r>
               <a:rPr lang="en-US" altLang="zh-CN" dirty="0" smtClean="0"/>
-              <a:t>t</a:t>
-            </a:r>
-            <a:r>
-              <a:rPr lang="zh-CN" altLang="en-US" dirty="0" smtClean="0"/>
-              <a:t>，环境向</a:t>
-            </a:r>
-            <a:r>
-              <a:rPr lang="en-US" altLang="zh-CN" dirty="0" smtClean="0"/>
-              <a:t>Agent</a:t>
-            </a:r>
-            <a:r>
-              <a:rPr lang="zh-CN" altLang="en-US" dirty="0" smtClean="0"/>
-              <a:t>发送一个状态信号</a:t>
-            </a:r>
-            <a:r>
-              <a:rPr lang="en-US" altLang="zh-CN" dirty="0" smtClean="0"/>
-              <a:t>St</a:t>
+              <a:t>wall</a:t>
             </a:r>
             <a:r>
               <a:rPr lang="zh-CN" altLang="en-US" dirty="0" smtClean="0"/>
               <a:t>，</a:t>
             </a:r>
+            <a:endParaRPr lang="en-US" altLang="zh-CN" dirty="0" smtClean="0"/>
+          </a:p>
+          <a:p>
+            <a:r>
+              <a:rPr lang="zh-CN" altLang="en-US" dirty="0" smtClean="0"/>
+              <a:t>非终端形状有</a:t>
+            </a:r>
             <a:r>
               <a:rPr lang="en-US" altLang="zh-CN" dirty="0" smtClean="0"/>
-              <a:t>Agent</a:t>
+              <a:t>4</a:t>
             </a:r>
             <a:r>
               <a:rPr lang="zh-CN" altLang="en-US" dirty="0" smtClean="0"/>
-              <a:t>在这个状态之上采取了行为</a:t>
+              <a:t>个，语义规则有</a:t>
             </a:r>
             <a:r>
               <a:rPr lang="en-US" altLang="zh-CN" dirty="0" smtClean="0"/>
-              <a:t>At</a:t>
+              <a:t>5</a:t>
             </a:r>
             <a:r>
               <a:rPr lang="zh-CN" altLang="en-US" dirty="0" smtClean="0"/>
-              <a:t>，这个行为反过来又影响了环境，使得状态变为了</a:t>
-            </a:r>
-            <a:r>
-              <a:rPr lang="en-US" altLang="zh-CN" dirty="0" smtClean="0"/>
-              <a:t>St+1</a:t>
-            </a:r>
+              <a:t>条，该图展示了应用该语义了对一个两层的立面进行剖分得到的剖分树。</a:t>
+            </a:r>
+            <a:endParaRPr lang="en-US" altLang="zh-CN" dirty="0" smtClean="0"/>
+          </a:p>
+          <a:p>
+            <a:endParaRPr lang="en-US" altLang="zh-CN" dirty="0" smtClean="0"/>
+          </a:p>
+          <a:p>
             <a:r>
               <a:rPr lang="zh-CN" altLang="en-US" dirty="0" smtClean="0"/>
-              <a:t>，同时，</a:t>
-            </a:r>
-            <a:r>
-              <a:rPr lang="en-US" altLang="zh-CN" dirty="0" smtClean="0"/>
-              <a:t>Agent</a:t>
-            </a:r>
-            <a:r>
-              <a:rPr lang="zh-CN" altLang="en-US" dirty="0" smtClean="0"/>
-              <a:t>收到了一个即时的回报</a:t>
-            </a:r>
-            <a:r>
-              <a:rPr lang="en-US" altLang="zh-CN" dirty="0" err="1" smtClean="0"/>
-              <a:t>Rt</a:t>
-            </a:r>
-            <a:r>
-              <a:rPr lang="zh-CN" altLang="en-US" dirty="0" smtClean="0"/>
-              <a:t>。</a:t>
-            </a:r>
-            <a:endParaRPr lang="en-US" altLang="zh-CN" dirty="0" smtClean="0"/>
-          </a:p>
-          <a:p>
-            <a:r>
-              <a:rPr lang="zh-CN" altLang="en-US" dirty="0" smtClean="0"/>
-              <a:t>在这个不断交互的过程中，</a:t>
-            </a:r>
-            <a:r>
-              <a:rPr lang="en-US" altLang="zh-CN" dirty="0" smtClean="0"/>
-              <a:t>Agent</a:t>
-            </a:r>
-            <a:r>
-              <a:rPr lang="zh-CN" altLang="en-US" dirty="0" smtClean="0"/>
-              <a:t>的目标是最大化其长期的回报值，即所有即时回报的累加值。</a:t>
-            </a:r>
-            <a:endParaRPr lang="en-US" altLang="zh-CN" dirty="0" smtClean="0"/>
-          </a:p>
-          <a:p>
-            <a:r>
-              <a:rPr lang="en-US" altLang="zh-CN" dirty="0" smtClean="0"/>
-              <a:t>Agent</a:t>
-            </a:r>
-            <a:r>
-              <a:rPr lang="zh-CN" altLang="en-US" dirty="0" smtClean="0"/>
-              <a:t>为了达到目标，需要得到在某个状态下因该采取哪个行动的策略，策略</a:t>
-            </a:r>
-            <a:r>
-              <a:rPr lang="el-GR" altLang="zh-CN" sz="1200" dirty="0" smtClean="0"/>
-              <a:t>π</a:t>
-            </a:r>
-            <a:r>
-              <a:rPr lang="zh-CN" altLang="en-US" sz="1200" dirty="0" smtClean="0"/>
-              <a:t>描述了在某个状态下选择某个行为的概率，用</a:t>
-            </a:r>
-            <a:r>
-              <a:rPr lang="en-US" altLang="zh-CN" sz="1200" dirty="0" smtClean="0"/>
-              <a:t>V</a:t>
-            </a:r>
-            <a:r>
-              <a:rPr lang="zh-CN" altLang="en-US" sz="1200" dirty="0" smtClean="0"/>
-              <a:t>函数描述策略的好坏，</a:t>
-            </a:r>
-            <a:r>
-              <a:rPr lang="en-US" altLang="zh-CN" sz="1200" dirty="0" smtClean="0"/>
-              <a:t>V</a:t>
-            </a:r>
-            <a:r>
-              <a:rPr lang="zh-CN" altLang="en-US" sz="1200" dirty="0" smtClean="0"/>
-              <a:t>函数表示了某个状态下按照策略</a:t>
-            </a:r>
-            <a:r>
-              <a:rPr lang="el-GR" altLang="zh-CN" sz="1200" dirty="0" smtClean="0"/>
-              <a:t>π</a:t>
-            </a:r>
-            <a:r>
-              <a:rPr lang="zh-CN" altLang="en-US" sz="1200" dirty="0" smtClean="0"/>
-              <a:t>决策，</a:t>
-            </a:r>
-            <a:r>
-              <a:rPr lang="en-US" altLang="zh-CN" sz="1200" dirty="0" smtClean="0"/>
-              <a:t>agent</a:t>
-            </a:r>
-            <a:r>
-              <a:rPr lang="zh-CN" altLang="en-US" sz="1200" dirty="0" smtClean="0"/>
-              <a:t>能得到的长期回报值。</a:t>
-            </a:r>
-            <a:endParaRPr lang="en-US" altLang="zh-CN" sz="1200" dirty="0" smtClean="0"/>
-          </a:p>
-          <a:p>
-            <a:r>
-              <a:rPr lang="zh-CN" altLang="en-US" dirty="0" smtClean="0"/>
-              <a:t>因此求解马尔科夫决策过程实际上就是寻找最优策略的过程。现有的方法一般是采用数值迭代的方式从某个策略开始，不断优化该策略以得到最优策略。我们采用的增强学习的方法改进策略的公式如下，相比于动态规划和蒙特卡罗方法，增强学习的优点在于可以应状态量巨大的马尔科夫问题的求解。</a:t>
+              <a:t>对于一个简单的建筑，我们可以通过观察的方法手动地得到其剖分树，但是对于给定的一个建筑立面的点云，我们如何得到可以描述它的最佳剖分树？</a:t>
             </a:r>
             <a:endParaRPr lang="zh-CN" altLang="en-US" dirty="0"/>
           </a:p>
@@ -6755,7 +6641,7 @@
     </p:spTree>
     <p:extLst>
       <p:ext uri="{BB962C8B-B14F-4D97-AF65-F5344CB8AC3E}">
-        <p14:creationId xmlns:p14="http://schemas.microsoft.com/office/powerpoint/2010/main" val="2953162530"/>
+        <p14:creationId xmlns:p14="http://schemas.microsoft.com/office/powerpoint/2010/main" val="1831053144"/>
       </p:ext>
     </p:extLst>
   </p:cSld>
@@ -6811,177 +6697,152 @@
           <a:p>
             <a:r>
               <a:rPr lang="zh-CN" altLang="en-US" dirty="0" smtClean="0"/>
-              <a:t>现在我们来看看如何将最佳形状语义的求解建模为马尔科夫决策过程。</a:t>
-            </a:r>
-            <a:endParaRPr lang="en-US" altLang="zh-CN" dirty="0" smtClean="0"/>
-          </a:p>
-          <a:p>
+              <a:t>在解决这个问题之前，我先简单地介绍一下马尔可夫决策过程。马尔科夫决策过程描述的是</a:t>
+            </a:r>
             <a:r>
               <a:rPr lang="en-US" altLang="zh-CN" dirty="0" smtClean="0"/>
               <a:t>Agent</a:t>
             </a:r>
             <a:r>
               <a:rPr lang="zh-CN" altLang="en-US" dirty="0" smtClean="0"/>
-              <a:t>的长期回报值可以这个式子表示。</a:t>
-            </a:r>
-            <a:r>
-              <a:rPr lang="en-US" altLang="zh-CN" sz="1200" dirty="0" smtClean="0">
-                <a:latin typeface="微软雅黑" panose="020B0503020204020204" pitchFamily="34" charset="-122"/>
-                <a:ea typeface="微软雅黑" panose="020B0503020204020204" pitchFamily="34" charset="-122"/>
-              </a:rPr>
-              <a:t>s(x, y)</a:t>
-            </a:r>
-            <a:r>
-              <a:rPr lang="zh-CN" altLang="en-US" sz="1200" dirty="0" smtClean="0">
-                <a:latin typeface="微软雅黑" panose="020B0503020204020204" pitchFamily="34" charset="-122"/>
-                <a:ea typeface="微软雅黑" panose="020B0503020204020204" pitchFamily="34" charset="-122"/>
-              </a:rPr>
-              <a:t>表示根据策略得到的点（</a:t>
-            </a:r>
-            <a:r>
-              <a:rPr lang="en-US" altLang="zh-CN" sz="1200" dirty="0" smtClean="0">
-                <a:latin typeface="微软雅黑" panose="020B0503020204020204" pitchFamily="34" charset="-122"/>
-                <a:ea typeface="微软雅黑" panose="020B0503020204020204" pitchFamily="34" charset="-122"/>
-              </a:rPr>
-              <a:t>x</a:t>
-            </a:r>
-            <a:r>
-              <a:rPr lang="zh-CN" altLang="en-US" sz="1200" dirty="0" smtClean="0">
-                <a:latin typeface="微软雅黑" panose="020B0503020204020204" pitchFamily="34" charset="-122"/>
-                <a:ea typeface="微软雅黑" panose="020B0503020204020204" pitchFamily="34" charset="-122"/>
-              </a:rPr>
+              <a:t>和环境的交互，在时刻</a:t>
+            </a:r>
+            <a:r>
+              <a:rPr lang="en-US" altLang="zh-CN" dirty="0" smtClean="0"/>
+              <a:t>t</a:t>
+            </a:r>
+            <a:r>
+              <a:rPr lang="zh-CN" altLang="en-US" dirty="0" smtClean="0"/>
+              <a:t>，环境向</a:t>
+            </a:r>
+            <a:r>
+              <a:rPr lang="en-US" altLang="zh-CN" dirty="0" smtClean="0"/>
+              <a:t>Agent</a:t>
+            </a:r>
+            <a:r>
+              <a:rPr lang="zh-CN" altLang="en-US" dirty="0" smtClean="0"/>
+              <a:t>发送一个状态信号</a:t>
+            </a:r>
+            <a:r>
+              <a:rPr lang="en-US" altLang="zh-CN" dirty="0" smtClean="0"/>
+              <a:t>St</a:t>
+            </a:r>
+            <a:r>
+              <a:rPr lang="zh-CN" altLang="en-US" dirty="0" smtClean="0"/>
               <a:t>，</a:t>
             </a:r>
             <a:r>
-              <a:rPr lang="en-US" altLang="zh-CN" sz="1200" dirty="0" smtClean="0">
-                <a:latin typeface="微软雅黑" panose="020B0503020204020204" pitchFamily="34" charset="-122"/>
-                <a:ea typeface="微软雅黑" panose="020B0503020204020204" pitchFamily="34" charset="-122"/>
-              </a:rPr>
-              <a:t>y</a:t>
-            </a:r>
-            <a:r>
-              <a:rPr lang="zh-CN" altLang="en-US" sz="1200" dirty="0" smtClean="0">
-                <a:latin typeface="微软雅黑" panose="020B0503020204020204" pitchFamily="34" charset="-122"/>
-                <a:ea typeface="微软雅黑" panose="020B0503020204020204" pitchFamily="34" charset="-122"/>
-              </a:rPr>
-              <a:t>）的建筑类别。而函数</a:t>
-            </a:r>
-            <a:r>
-              <a:rPr lang="en-US" altLang="zh-CN" sz="1200" dirty="0" smtClean="0">
-                <a:latin typeface="微软雅黑" panose="020B0503020204020204" pitchFamily="34" charset="-122"/>
-                <a:ea typeface="微软雅黑" panose="020B0503020204020204" pitchFamily="34" charset="-122"/>
-              </a:rPr>
-              <a:t>p</a:t>
-            </a:r>
-            <a:r>
-              <a:rPr lang="zh-CN" altLang="en-US" sz="1200" dirty="0" smtClean="0">
-                <a:latin typeface="微软雅黑" panose="020B0503020204020204" pitchFamily="34" charset="-122"/>
-                <a:ea typeface="微软雅黑" panose="020B0503020204020204" pitchFamily="34" charset="-122"/>
-              </a:rPr>
-              <a:t>表示的点（</a:t>
-            </a:r>
-            <a:r>
-              <a:rPr lang="en-US" altLang="zh-CN" sz="1200" dirty="0" smtClean="0">
-                <a:latin typeface="微软雅黑" panose="020B0503020204020204" pitchFamily="34" charset="-122"/>
-                <a:ea typeface="微软雅黑" panose="020B0503020204020204" pitchFamily="34" charset="-122"/>
-              </a:rPr>
-              <a:t>x</a:t>
-            </a:r>
-            <a:r>
-              <a:rPr lang="zh-CN" altLang="en-US" sz="1200" dirty="0" smtClean="0">
-                <a:latin typeface="微软雅黑" panose="020B0503020204020204" pitchFamily="34" charset="-122"/>
-                <a:ea typeface="微软雅黑" panose="020B0503020204020204" pitchFamily="34" charset="-122"/>
-              </a:rPr>
-              <a:t>，</a:t>
-            </a:r>
-            <a:r>
-              <a:rPr lang="en-US" altLang="zh-CN" sz="1200" dirty="0" smtClean="0">
-                <a:latin typeface="微软雅黑" panose="020B0503020204020204" pitchFamily="34" charset="-122"/>
-                <a:ea typeface="微软雅黑" panose="020B0503020204020204" pitchFamily="34" charset="-122"/>
-              </a:rPr>
-              <a:t>y</a:t>
-            </a:r>
-            <a:r>
-              <a:rPr lang="zh-CN" altLang="en-US" sz="1200" dirty="0" smtClean="0">
-                <a:latin typeface="微软雅黑" panose="020B0503020204020204" pitchFamily="34" charset="-122"/>
-                <a:ea typeface="微软雅黑" panose="020B0503020204020204" pitchFamily="34" charset="-122"/>
-              </a:rPr>
-              <a:t>）真实情况下属于类别</a:t>
-            </a:r>
-            <a:r>
-              <a:rPr lang="en-US" altLang="zh-CN" sz="1200" dirty="0" smtClean="0">
-                <a:latin typeface="微软雅黑" panose="020B0503020204020204" pitchFamily="34" charset="-122"/>
-                <a:ea typeface="微软雅黑" panose="020B0503020204020204" pitchFamily="34" charset="-122"/>
-              </a:rPr>
-              <a:t>s(x, y)</a:t>
-            </a:r>
-            <a:r>
-              <a:rPr lang="zh-CN" altLang="en-US" sz="1200" dirty="0" smtClean="0">
-                <a:latin typeface="微软雅黑" panose="020B0503020204020204" pitchFamily="34" charset="-122"/>
-                <a:ea typeface="微软雅黑" panose="020B0503020204020204" pitchFamily="34" charset="-122"/>
-              </a:rPr>
-              <a:t>的概率。实际上，该式子就表示了二分形状语义剖分的正确度，正确度越高，说明策略越好；最大化正确度，也就得到了建筑立面的最优剖分。</a:t>
-            </a:r>
-            <a:endParaRPr lang="en-US" altLang="zh-CN" sz="1200" dirty="0" smtClean="0">
-              <a:latin typeface="微软雅黑" panose="020B0503020204020204" pitchFamily="34" charset="-122"/>
-              <a:ea typeface="微软雅黑" panose="020B0503020204020204" pitchFamily="34" charset="-122"/>
-            </a:endParaRPr>
-          </a:p>
-          <a:p>
-            <a:endParaRPr lang="en-US" altLang="zh-CN" sz="1200" dirty="0" smtClean="0">
-              <a:latin typeface="微软雅黑" panose="020B0503020204020204" pitchFamily="34" charset="-122"/>
-              <a:ea typeface="微软雅黑" panose="020B0503020204020204" pitchFamily="34" charset="-122"/>
-            </a:endParaRPr>
-          </a:p>
-          <a:p>
-            <a:r>
-              <a:rPr lang="zh-CN" altLang="en-US" sz="1200" dirty="0" smtClean="0">
-                <a:latin typeface="微软雅黑" panose="020B0503020204020204" pitchFamily="34" charset="-122"/>
-                <a:ea typeface="微软雅黑" panose="020B0503020204020204" pitchFamily="34" charset="-122"/>
-              </a:rPr>
-              <a:t>现在又出现了一个问题：即如何得到点（</a:t>
-            </a:r>
-            <a:r>
-              <a:rPr lang="en-US" altLang="zh-CN" sz="1200" dirty="0" smtClean="0">
-                <a:latin typeface="微软雅黑" panose="020B0503020204020204" pitchFamily="34" charset="-122"/>
-                <a:ea typeface="微软雅黑" panose="020B0503020204020204" pitchFamily="34" charset="-122"/>
-              </a:rPr>
-              <a:t>x</a:t>
-            </a:r>
-            <a:r>
-              <a:rPr lang="zh-CN" altLang="en-US" sz="1200" dirty="0" smtClean="0">
-                <a:latin typeface="微软雅黑" panose="020B0503020204020204" pitchFamily="34" charset="-122"/>
-                <a:ea typeface="微软雅黑" panose="020B0503020204020204" pitchFamily="34" charset="-122"/>
-              </a:rPr>
-              <a:t>，</a:t>
-            </a:r>
-            <a:r>
-              <a:rPr lang="en-US" altLang="zh-CN" sz="1200" dirty="0" smtClean="0">
-                <a:latin typeface="微软雅黑" panose="020B0503020204020204" pitchFamily="34" charset="-122"/>
-                <a:ea typeface="微软雅黑" panose="020B0503020204020204" pitchFamily="34" charset="-122"/>
-              </a:rPr>
-              <a:t>y</a:t>
-            </a:r>
-            <a:r>
-              <a:rPr lang="zh-CN" altLang="en-US" sz="1200" dirty="0" smtClean="0">
-                <a:latin typeface="微软雅黑" panose="020B0503020204020204" pitchFamily="34" charset="-122"/>
-                <a:ea typeface="微软雅黑" panose="020B0503020204020204" pitchFamily="34" charset="-122"/>
-              </a:rPr>
-              <a:t>）真实情况下是建筑类别</a:t>
-            </a:r>
-            <a:r>
-              <a:rPr lang="en-US" altLang="zh-CN" sz="1200" dirty="0" smtClean="0">
-                <a:latin typeface="微软雅黑" panose="020B0503020204020204" pitchFamily="34" charset="-122"/>
-                <a:ea typeface="微软雅黑" panose="020B0503020204020204" pitchFamily="34" charset="-122"/>
-              </a:rPr>
-              <a:t>a</a:t>
-            </a:r>
-            <a:r>
-              <a:rPr lang="zh-CN" altLang="en-US" sz="1200" dirty="0" smtClean="0">
-                <a:latin typeface="微软雅黑" panose="020B0503020204020204" pitchFamily="34" charset="-122"/>
-                <a:ea typeface="微软雅黑" panose="020B0503020204020204" pitchFamily="34" charset="-122"/>
-              </a:rPr>
-              <a:t>的概率？</a:t>
+              <a:rPr lang="en-US" altLang="zh-CN" dirty="0" smtClean="0"/>
+              <a:t>Agent</a:t>
+            </a:r>
+            <a:r>
+              <a:rPr lang="zh-CN" altLang="en-US" dirty="0" smtClean="0"/>
+              <a:t>在这个状态之上采取了行为</a:t>
+            </a:r>
+            <a:r>
+              <a:rPr lang="en-US" altLang="zh-CN" dirty="0" smtClean="0"/>
+              <a:t>At</a:t>
+            </a:r>
+            <a:r>
+              <a:rPr lang="zh-CN" altLang="en-US" dirty="0" smtClean="0"/>
+              <a:t>，这个行为反过来又影响了环境，使得状态变为了</a:t>
+            </a:r>
+            <a:r>
+              <a:rPr lang="en-US" altLang="zh-CN" dirty="0" smtClean="0"/>
+              <a:t>St+1</a:t>
+            </a:r>
+            <a:r>
+              <a:rPr lang="zh-CN" altLang="en-US" dirty="0" smtClean="0"/>
+              <a:t>，同时，</a:t>
+            </a:r>
+            <a:r>
+              <a:rPr lang="en-US" altLang="zh-CN" dirty="0" smtClean="0"/>
+              <a:t>Agent</a:t>
+            </a:r>
+            <a:r>
+              <a:rPr lang="zh-CN" altLang="en-US" dirty="0" smtClean="0"/>
+              <a:t>收到了一个即时的回报</a:t>
+            </a:r>
+            <a:r>
+              <a:rPr lang="en-US" altLang="zh-CN" dirty="0" err="1" smtClean="0"/>
+              <a:t>Rt</a:t>
+            </a:r>
+            <a:r>
+              <a:rPr lang="zh-CN" altLang="en-US" dirty="0" smtClean="0"/>
+              <a:t>。</a:t>
+            </a:r>
+            <a:endParaRPr lang="en-US" altLang="zh-CN" dirty="0" smtClean="0"/>
+          </a:p>
+          <a:p>
+            <a:r>
+              <a:rPr lang="zh-CN" altLang="en-US" dirty="0" smtClean="0"/>
+              <a:t>在这个不断交互的过程中，</a:t>
+            </a:r>
+            <a:r>
+              <a:rPr lang="en-US" altLang="zh-CN" dirty="0" smtClean="0"/>
+              <a:t>Agent</a:t>
+            </a:r>
+            <a:r>
+              <a:rPr lang="zh-CN" altLang="en-US" dirty="0" smtClean="0"/>
+              <a:t>的目标是最大化其长期的回报值，即所有即时回报的累加值。</a:t>
+            </a:r>
+            <a:endParaRPr lang="en-US" altLang="zh-CN" dirty="0" smtClean="0"/>
+          </a:p>
+          <a:p>
+            <a:r>
+              <a:rPr lang="en-US" altLang="zh-CN" dirty="0" smtClean="0"/>
+              <a:t>Agent</a:t>
+            </a:r>
+            <a:r>
+              <a:rPr lang="zh-CN" altLang="en-US" dirty="0" smtClean="0"/>
+              <a:t>为了达到目标，需要得到在某个状态下因该采取哪个行动的策略，策略</a:t>
+            </a:r>
+            <a:r>
+              <a:rPr lang="el-GR" altLang="zh-CN" sz="1200" dirty="0" smtClean="0"/>
+              <a:t>π</a:t>
+            </a:r>
+            <a:r>
+              <a:rPr lang="zh-CN" altLang="en-US" sz="1200" dirty="0" smtClean="0"/>
+              <a:t>描述了在某个状态下选择某个行为的概率，用</a:t>
+            </a:r>
+            <a:r>
+              <a:rPr lang="en-US" altLang="zh-CN" sz="1200" dirty="0" smtClean="0"/>
+              <a:t>V</a:t>
+            </a:r>
+            <a:r>
+              <a:rPr lang="zh-CN" altLang="en-US" sz="1200" dirty="0" smtClean="0"/>
+              <a:t>函数描述策略的好坏，</a:t>
+            </a:r>
+            <a:r>
+              <a:rPr lang="en-US" altLang="zh-CN" sz="1200" dirty="0" smtClean="0"/>
+              <a:t>V</a:t>
+            </a:r>
+            <a:r>
+              <a:rPr lang="zh-CN" altLang="en-US" sz="1200" dirty="0" smtClean="0"/>
+              <a:t>函数表示了某个状态下按照策略</a:t>
+            </a:r>
+            <a:r>
+              <a:rPr lang="el-GR" altLang="zh-CN" sz="1200" dirty="0" smtClean="0"/>
+              <a:t>π</a:t>
+            </a:r>
+            <a:r>
+              <a:rPr lang="zh-CN" altLang="en-US" sz="1200" dirty="0" smtClean="0"/>
+              <a:t>决策，</a:t>
+            </a:r>
+            <a:r>
+              <a:rPr lang="en-US" altLang="zh-CN" sz="1200" dirty="0" smtClean="0"/>
+              <a:t>agent</a:t>
+            </a:r>
+            <a:r>
+              <a:rPr lang="zh-CN" altLang="en-US" sz="1200" dirty="0" smtClean="0"/>
+              <a:t>能得到的长期回报值。</a:t>
+            </a:r>
+            <a:endParaRPr lang="en-US" altLang="zh-CN" sz="1200" dirty="0" smtClean="0"/>
+          </a:p>
+          <a:p>
+            <a:r>
+              <a:rPr lang="zh-CN" altLang="en-US" dirty="0" smtClean="0"/>
+              <a:t>因此求解马尔科夫决策过程实际上就是寻找最优策略的过程。现有的方法一般是采用数值迭代的方式从某个策略开始，不断优化该策略以得到最优策略。我们采用的增强学习的方法改进策略的公式如下，相比于动态规划和蒙特卡罗方法，增强学习的优点在于可以应状态量巨大的马尔科夫问题的求解。</a:t>
             </a:r>
             <a:endParaRPr lang="zh-CN" altLang="en-US" dirty="0"/>
           </a:p>
@@ -7013,7 +6874,7 @@
     </p:spTree>
     <p:extLst>
       <p:ext uri="{BB962C8B-B14F-4D97-AF65-F5344CB8AC3E}">
-        <p14:creationId xmlns:p14="http://schemas.microsoft.com/office/powerpoint/2010/main" val="1270071377"/>
+        <p14:creationId xmlns:p14="http://schemas.microsoft.com/office/powerpoint/2010/main" val="2953162530"/>
       </p:ext>
     </p:extLst>
   </p:cSld>
@@ -7069,38 +6930,177 @@
           <a:p>
             <a:r>
               <a:rPr lang="zh-CN" altLang="en-US" dirty="0" smtClean="0"/>
-              <a:t>为此，我们首先采用数据驱动的方法，用点云预分类的结果近似表示建筑结构的概率分布。</a:t>
+              <a:t>现在我们来看看如何将最佳形状语义的求解建模为马尔科夫决策过程。</a:t>
             </a:r>
             <a:endParaRPr lang="en-US" altLang="zh-CN" dirty="0" smtClean="0"/>
           </a:p>
           <a:p>
             <a:r>
+              <a:rPr lang="en-US" altLang="zh-CN" dirty="0" smtClean="0"/>
+              <a:t>Agent</a:t>
+            </a:r>
+            <a:r>
               <a:rPr lang="zh-CN" altLang="en-US" dirty="0" smtClean="0"/>
-              <a:t>预分类主要包括三个过程，首先是</a:t>
-            </a:r>
-            <a:endParaRPr lang="en-US" altLang="zh-CN" dirty="0" smtClean="0"/>
-          </a:p>
-          <a:p>
-            <a:endParaRPr lang="en-US" altLang="zh-CN" dirty="0" smtClean="0"/>
-          </a:p>
-          <a:p>
-            <a:r>
-              <a:rPr lang="zh-CN" altLang="en-US" dirty="0" smtClean="0"/>
-              <a:t>这幅图表示了对一个点云缺失严重的立面的分类结果</a:t>
-            </a:r>
-            <a:endParaRPr lang="en-US" altLang="zh-CN" dirty="0" smtClean="0"/>
-          </a:p>
-          <a:p>
-            <a:r>
-              <a:rPr lang="zh-CN" altLang="en-US" dirty="0" smtClean="0"/>
-              <a:t>对一个教堂进行分类的结果，主要分成了屋顶、窗户、立柱、门以及黑色的背景几类</a:t>
-            </a:r>
-            <a:endParaRPr lang="en-US" altLang="zh-CN" dirty="0" smtClean="0"/>
-          </a:p>
-          <a:p>
-            <a:r>
-              <a:rPr lang="zh-CN" altLang="en-US" dirty="0" smtClean="0"/>
-              <a:t>对一个小区分类的结果</a:t>
+              <a:t>的长期回报值可以这个式子表示。</a:t>
+            </a:r>
+            <a:r>
+              <a:rPr lang="en-US" altLang="zh-CN" sz="1200" dirty="0" smtClean="0">
+                <a:latin typeface="微软雅黑" panose="020B0503020204020204" pitchFamily="34" charset="-122"/>
+                <a:ea typeface="微软雅黑" panose="020B0503020204020204" pitchFamily="34" charset="-122"/>
+              </a:rPr>
+              <a:t>s(x, y)</a:t>
+            </a:r>
+            <a:r>
+              <a:rPr lang="zh-CN" altLang="en-US" sz="1200" dirty="0" smtClean="0">
+                <a:latin typeface="微软雅黑" panose="020B0503020204020204" pitchFamily="34" charset="-122"/>
+                <a:ea typeface="微软雅黑" panose="020B0503020204020204" pitchFamily="34" charset="-122"/>
+              </a:rPr>
+              <a:t>表示根据策略得到的点（</a:t>
+            </a:r>
+            <a:r>
+              <a:rPr lang="en-US" altLang="zh-CN" sz="1200" dirty="0" smtClean="0">
+                <a:latin typeface="微软雅黑" panose="020B0503020204020204" pitchFamily="34" charset="-122"/>
+                <a:ea typeface="微软雅黑" panose="020B0503020204020204" pitchFamily="34" charset="-122"/>
+              </a:rPr>
+              <a:t>x</a:t>
+            </a:r>
+            <a:r>
+              <a:rPr lang="zh-CN" altLang="en-US" sz="1200" dirty="0" smtClean="0">
+                <a:latin typeface="微软雅黑" panose="020B0503020204020204" pitchFamily="34" charset="-122"/>
+                <a:ea typeface="微软雅黑" panose="020B0503020204020204" pitchFamily="34" charset="-122"/>
+              </a:rPr>
+              <a:t>，</a:t>
+            </a:r>
+            <a:r>
+              <a:rPr lang="en-US" altLang="zh-CN" sz="1200" dirty="0" smtClean="0">
+                <a:latin typeface="微软雅黑" panose="020B0503020204020204" pitchFamily="34" charset="-122"/>
+                <a:ea typeface="微软雅黑" panose="020B0503020204020204" pitchFamily="34" charset="-122"/>
+              </a:rPr>
+              <a:t>y</a:t>
+            </a:r>
+            <a:r>
+              <a:rPr lang="zh-CN" altLang="en-US" sz="1200" dirty="0" smtClean="0">
+                <a:latin typeface="微软雅黑" panose="020B0503020204020204" pitchFamily="34" charset="-122"/>
+                <a:ea typeface="微软雅黑" panose="020B0503020204020204" pitchFamily="34" charset="-122"/>
+              </a:rPr>
+              <a:t>）的建筑类别。而函数</a:t>
+            </a:r>
+            <a:r>
+              <a:rPr lang="en-US" altLang="zh-CN" sz="1200" dirty="0" smtClean="0">
+                <a:latin typeface="微软雅黑" panose="020B0503020204020204" pitchFamily="34" charset="-122"/>
+                <a:ea typeface="微软雅黑" panose="020B0503020204020204" pitchFamily="34" charset="-122"/>
+              </a:rPr>
+              <a:t>p</a:t>
+            </a:r>
+            <a:r>
+              <a:rPr lang="zh-CN" altLang="en-US" sz="1200" dirty="0" smtClean="0">
+                <a:latin typeface="微软雅黑" panose="020B0503020204020204" pitchFamily="34" charset="-122"/>
+                <a:ea typeface="微软雅黑" panose="020B0503020204020204" pitchFamily="34" charset="-122"/>
+              </a:rPr>
+              <a:t>表示的点（</a:t>
+            </a:r>
+            <a:r>
+              <a:rPr lang="en-US" altLang="zh-CN" sz="1200" dirty="0" smtClean="0">
+                <a:latin typeface="微软雅黑" panose="020B0503020204020204" pitchFamily="34" charset="-122"/>
+                <a:ea typeface="微软雅黑" panose="020B0503020204020204" pitchFamily="34" charset="-122"/>
+              </a:rPr>
+              <a:t>x</a:t>
+            </a:r>
+            <a:r>
+              <a:rPr lang="zh-CN" altLang="en-US" sz="1200" dirty="0" smtClean="0">
+                <a:latin typeface="微软雅黑" panose="020B0503020204020204" pitchFamily="34" charset="-122"/>
+                <a:ea typeface="微软雅黑" panose="020B0503020204020204" pitchFamily="34" charset="-122"/>
+              </a:rPr>
+              <a:t>，</a:t>
+            </a:r>
+            <a:r>
+              <a:rPr lang="en-US" altLang="zh-CN" sz="1200" dirty="0" smtClean="0">
+                <a:latin typeface="微软雅黑" panose="020B0503020204020204" pitchFamily="34" charset="-122"/>
+                <a:ea typeface="微软雅黑" panose="020B0503020204020204" pitchFamily="34" charset="-122"/>
+              </a:rPr>
+              <a:t>y</a:t>
+            </a:r>
+            <a:r>
+              <a:rPr lang="zh-CN" altLang="en-US" sz="1200" dirty="0" smtClean="0">
+                <a:latin typeface="微软雅黑" panose="020B0503020204020204" pitchFamily="34" charset="-122"/>
+                <a:ea typeface="微软雅黑" panose="020B0503020204020204" pitchFamily="34" charset="-122"/>
+              </a:rPr>
+              <a:t>）真实情况下属于类别</a:t>
+            </a:r>
+            <a:r>
+              <a:rPr lang="en-US" altLang="zh-CN" sz="1200" dirty="0" smtClean="0">
+                <a:latin typeface="微软雅黑" panose="020B0503020204020204" pitchFamily="34" charset="-122"/>
+                <a:ea typeface="微软雅黑" panose="020B0503020204020204" pitchFamily="34" charset="-122"/>
+              </a:rPr>
+              <a:t>s(x, y)</a:t>
+            </a:r>
+            <a:r>
+              <a:rPr lang="zh-CN" altLang="en-US" sz="1200" dirty="0" smtClean="0">
+                <a:latin typeface="微软雅黑" panose="020B0503020204020204" pitchFamily="34" charset="-122"/>
+                <a:ea typeface="微软雅黑" panose="020B0503020204020204" pitchFamily="34" charset="-122"/>
+              </a:rPr>
+              <a:t>的概率。实际上，该式子就表示了二分形状语义剖分的正确度，正确度越高，说明策略越好；最大化正确度，也就得到了建筑立面的最优剖分。</a:t>
+            </a:r>
+            <a:endParaRPr lang="en-US" altLang="zh-CN" sz="1200" dirty="0" smtClean="0">
+              <a:latin typeface="微软雅黑" panose="020B0503020204020204" pitchFamily="34" charset="-122"/>
+              <a:ea typeface="微软雅黑" panose="020B0503020204020204" pitchFamily="34" charset="-122"/>
+            </a:endParaRPr>
+          </a:p>
+          <a:p>
+            <a:endParaRPr lang="en-US" altLang="zh-CN" sz="1200" dirty="0" smtClean="0">
+              <a:latin typeface="微软雅黑" panose="020B0503020204020204" pitchFamily="34" charset="-122"/>
+              <a:ea typeface="微软雅黑" panose="020B0503020204020204" pitchFamily="34" charset="-122"/>
+            </a:endParaRPr>
+          </a:p>
+          <a:p>
+            <a:r>
+              <a:rPr lang="zh-CN" altLang="en-US" sz="1200" dirty="0" smtClean="0">
+                <a:latin typeface="微软雅黑" panose="020B0503020204020204" pitchFamily="34" charset="-122"/>
+                <a:ea typeface="微软雅黑" panose="020B0503020204020204" pitchFamily="34" charset="-122"/>
+              </a:rPr>
+              <a:t>现在又出现了一个问题：即如何得到点（</a:t>
+            </a:r>
+            <a:r>
+              <a:rPr lang="en-US" altLang="zh-CN" sz="1200" dirty="0" smtClean="0">
+                <a:latin typeface="微软雅黑" panose="020B0503020204020204" pitchFamily="34" charset="-122"/>
+                <a:ea typeface="微软雅黑" panose="020B0503020204020204" pitchFamily="34" charset="-122"/>
+              </a:rPr>
+              <a:t>x</a:t>
+            </a:r>
+            <a:r>
+              <a:rPr lang="zh-CN" altLang="en-US" sz="1200" dirty="0" smtClean="0">
+                <a:latin typeface="微软雅黑" panose="020B0503020204020204" pitchFamily="34" charset="-122"/>
+                <a:ea typeface="微软雅黑" panose="020B0503020204020204" pitchFamily="34" charset="-122"/>
+              </a:rPr>
+              <a:t>，</a:t>
+            </a:r>
+            <a:r>
+              <a:rPr lang="en-US" altLang="zh-CN" sz="1200" dirty="0" smtClean="0">
+                <a:latin typeface="微软雅黑" panose="020B0503020204020204" pitchFamily="34" charset="-122"/>
+                <a:ea typeface="微软雅黑" panose="020B0503020204020204" pitchFamily="34" charset="-122"/>
+              </a:rPr>
+              <a:t>y</a:t>
+            </a:r>
+            <a:r>
+              <a:rPr lang="zh-CN" altLang="en-US" sz="1200" dirty="0" smtClean="0">
+                <a:latin typeface="微软雅黑" panose="020B0503020204020204" pitchFamily="34" charset="-122"/>
+                <a:ea typeface="微软雅黑" panose="020B0503020204020204" pitchFamily="34" charset="-122"/>
+              </a:rPr>
+              <a:t>）真实情况下是建筑类别</a:t>
+            </a:r>
+            <a:r>
+              <a:rPr lang="en-US" altLang="zh-CN" sz="1200" dirty="0" smtClean="0">
+                <a:latin typeface="微软雅黑" panose="020B0503020204020204" pitchFamily="34" charset="-122"/>
+                <a:ea typeface="微软雅黑" panose="020B0503020204020204" pitchFamily="34" charset="-122"/>
+              </a:rPr>
+              <a:t>a</a:t>
+            </a:r>
+            <a:r>
+              <a:rPr lang="zh-CN" altLang="en-US" sz="1200" dirty="0" smtClean="0">
+                <a:latin typeface="微软雅黑" panose="020B0503020204020204" pitchFamily="34" charset="-122"/>
+                <a:ea typeface="微软雅黑" panose="020B0503020204020204" pitchFamily="34" charset="-122"/>
+              </a:rPr>
+              <a:t>的概率？</a:t>
             </a:r>
             <a:endParaRPr lang="zh-CN" altLang="en-US" dirty="0"/>
           </a:p>
@@ -7132,7 +7132,7 @@
     </p:spTree>
     <p:extLst>
       <p:ext uri="{BB962C8B-B14F-4D97-AF65-F5344CB8AC3E}">
-        <p14:creationId xmlns:p14="http://schemas.microsoft.com/office/powerpoint/2010/main" val="4270597764"/>
+        <p14:creationId xmlns:p14="http://schemas.microsoft.com/office/powerpoint/2010/main" val="1270071377"/>
       </p:ext>
     </p:extLst>
   </p:cSld>
@@ -11608,6 +11608,1629 @@
       </p:grpSpPr>
       <p:sp>
         <p:nvSpPr>
+          <p:cNvPr id="14" name="Content Placeholder 2"/>
+          <p:cNvSpPr>
+            <a:spLocks noGrp="1"/>
+          </p:cNvSpPr>
+          <p:nvPr>
+            <p:ph idx="1"/>
+          </p:nvPr>
+        </p:nvSpPr>
+        <p:spPr>
+          <a:xfrm>
+            <a:off x="544427" y="1825625"/>
+            <a:ext cx="6457951" cy="4551112"/>
+          </a:xfrm>
+        </p:spPr>
+        <p:txBody>
+          <a:bodyPr>
+            <a:noAutofit/>
+          </a:bodyPr>
+          <a:lstStyle/>
+          <a:p>
+            <a:pPr marL="214313" indent="-214313">
+              <a:lnSpc>
+                <a:spcPct val="100000"/>
+              </a:lnSpc>
+              <a:buClr>
+                <a:srgbClr val="00B050"/>
+              </a:buClr>
+              <a:buFont typeface="Wingdings" panose="05000000000000000000" pitchFamily="2" charset="2"/>
+              <a:buChar char="u"/>
+            </a:pPr>
+            <a:r>
+              <a:rPr lang="zh-CN" altLang="en-US" sz="2000" b="1" dirty="0" smtClean="0">
+                <a:solidFill>
+                  <a:srgbClr val="0070C0"/>
+                </a:solidFill>
+                <a:latin typeface="微软雅黑" panose="020B0503020204020204" pitchFamily="34" charset="-122"/>
+                <a:ea typeface="微软雅黑" panose="020B0503020204020204" pitchFamily="34" charset="-122"/>
+              </a:rPr>
+              <a:t>预处理</a:t>
+            </a:r>
+            <a:endParaRPr lang="en-US" altLang="zh-CN" sz="2000" b="1" dirty="0" smtClean="0">
+              <a:solidFill>
+                <a:srgbClr val="0070C0"/>
+              </a:solidFill>
+              <a:latin typeface="微软雅黑" panose="020B0503020204020204" pitchFamily="34" charset="-122"/>
+              <a:ea typeface="微软雅黑" panose="020B0503020204020204" pitchFamily="34" charset="-122"/>
+            </a:endParaRPr>
+          </a:p>
+          <a:p>
+            <a:pPr marL="800100" lvl="1" indent="-285750">
+              <a:lnSpc>
+                <a:spcPct val="100000"/>
+              </a:lnSpc>
+              <a:buClr>
+                <a:srgbClr val="00B050"/>
+              </a:buClr>
+              <a:buFont typeface="Wingdings" panose="05000000000000000000" pitchFamily="2" charset="2"/>
+              <a:buChar char="ü"/>
+            </a:pPr>
+            <a:r>
+              <a:rPr lang="zh-CN" altLang="en-US" sz="1800" dirty="0">
+                <a:solidFill>
+                  <a:schemeClr val="tx1"/>
+                </a:solidFill>
+                <a:latin typeface="微软雅黑" panose="020B0503020204020204" pitchFamily="34" charset="-122"/>
+                <a:ea typeface="微软雅黑" panose="020B0503020204020204" pitchFamily="34" charset="-122"/>
+              </a:rPr>
+              <a:t>去除</a:t>
+            </a:r>
+            <a:r>
+              <a:rPr lang="zh-CN" altLang="en-US" sz="1800" dirty="0" smtClean="0">
+                <a:solidFill>
+                  <a:schemeClr val="tx1"/>
+                </a:solidFill>
+                <a:latin typeface="微软雅黑" panose="020B0503020204020204" pitchFamily="34" charset="-122"/>
+                <a:ea typeface="微软雅黑" panose="020B0503020204020204" pitchFamily="34" charset="-122"/>
+              </a:rPr>
+              <a:t>噪声</a:t>
+            </a:r>
+            <a:endParaRPr lang="en-US" altLang="zh-CN" sz="1800" dirty="0" smtClean="0">
+              <a:solidFill>
+                <a:schemeClr val="tx1"/>
+              </a:solidFill>
+              <a:latin typeface="微软雅黑" panose="020B0503020204020204" pitchFamily="34" charset="-122"/>
+              <a:ea typeface="微软雅黑" panose="020B0503020204020204" pitchFamily="34" charset="-122"/>
+            </a:endParaRPr>
+          </a:p>
+          <a:p>
+            <a:pPr marL="800100" lvl="1" indent="-285750">
+              <a:lnSpc>
+                <a:spcPct val="100000"/>
+              </a:lnSpc>
+              <a:buClr>
+                <a:srgbClr val="00B050"/>
+              </a:buClr>
+              <a:buFont typeface="Wingdings" panose="05000000000000000000" pitchFamily="2" charset="2"/>
+              <a:buChar char="ü"/>
+            </a:pPr>
+            <a:r>
+              <a:rPr lang="zh-CN" altLang="en-US" sz="1800" dirty="0">
+                <a:solidFill>
+                  <a:schemeClr val="tx1"/>
+                </a:solidFill>
+                <a:latin typeface="微软雅黑" panose="020B0503020204020204" pitchFamily="34" charset="-122"/>
+                <a:ea typeface="微软雅黑" panose="020B0503020204020204" pitchFamily="34" charset="-122"/>
+              </a:rPr>
+              <a:t>转换坐标系，将建筑立面对其到</a:t>
+            </a:r>
+            <a:r>
+              <a:rPr lang="en-US" altLang="zh-CN" sz="1800" dirty="0">
+                <a:solidFill>
+                  <a:schemeClr val="tx1"/>
+                </a:solidFill>
+                <a:latin typeface="微软雅黑" panose="020B0503020204020204" pitchFamily="34" charset="-122"/>
+                <a:ea typeface="微软雅黑" panose="020B0503020204020204" pitchFamily="34" charset="-122"/>
+              </a:rPr>
+              <a:t>X-Y</a:t>
+            </a:r>
+            <a:r>
+              <a:rPr lang="zh-CN" altLang="en-US" sz="1800" dirty="0">
+                <a:solidFill>
+                  <a:schemeClr val="tx1"/>
+                </a:solidFill>
+                <a:latin typeface="微软雅黑" panose="020B0503020204020204" pitchFamily="34" charset="-122"/>
+                <a:ea typeface="微软雅黑" panose="020B0503020204020204" pitchFamily="34" charset="-122"/>
+              </a:rPr>
+              <a:t>平面</a:t>
+            </a:r>
+            <a:endParaRPr lang="en-US" altLang="zh-CN" sz="1800" dirty="0">
+              <a:solidFill>
+                <a:schemeClr val="tx1"/>
+              </a:solidFill>
+              <a:latin typeface="微软雅黑" panose="020B0503020204020204" pitchFamily="34" charset="-122"/>
+              <a:ea typeface="微软雅黑" panose="020B0503020204020204" pitchFamily="34" charset="-122"/>
+            </a:endParaRPr>
+          </a:p>
+          <a:p>
+            <a:pPr marL="800100" lvl="1" indent="-285750">
+              <a:lnSpc>
+                <a:spcPct val="100000"/>
+              </a:lnSpc>
+              <a:buClr>
+                <a:srgbClr val="00B050"/>
+              </a:buClr>
+              <a:buFont typeface="Wingdings" panose="05000000000000000000" pitchFamily="2" charset="2"/>
+              <a:buChar char="ü"/>
+            </a:pPr>
+            <a:r>
+              <a:rPr lang="zh-CN" altLang="en-US" sz="1800" dirty="0">
+                <a:solidFill>
+                  <a:schemeClr val="tx1"/>
+                </a:solidFill>
+                <a:latin typeface="微软雅黑" panose="020B0503020204020204" pitchFamily="34" charset="-122"/>
+                <a:ea typeface="微软雅黑" panose="020B0503020204020204" pitchFamily="34" charset="-122"/>
+              </a:rPr>
+              <a:t>立面的网格分割，合并</a:t>
+            </a:r>
+            <a:r>
+              <a:rPr lang="en-US" altLang="zh-CN" sz="1800" dirty="0">
+                <a:solidFill>
+                  <a:schemeClr val="tx1"/>
+                </a:solidFill>
+                <a:latin typeface="微软雅黑" panose="020B0503020204020204" pitchFamily="34" charset="-122"/>
+                <a:ea typeface="微软雅黑" panose="020B0503020204020204" pitchFamily="34" charset="-122"/>
+              </a:rPr>
+              <a:t>x</a:t>
+            </a:r>
+            <a:r>
+              <a:rPr lang="zh-CN" altLang="en-US" sz="1800" dirty="0">
+                <a:solidFill>
+                  <a:schemeClr val="tx1"/>
+                </a:solidFill>
+                <a:latin typeface="微软雅黑" panose="020B0503020204020204" pitchFamily="34" charset="-122"/>
+                <a:ea typeface="微软雅黑" panose="020B0503020204020204" pitchFamily="34" charset="-122"/>
+              </a:rPr>
+              <a:t>，</a:t>
+            </a:r>
+            <a:r>
+              <a:rPr lang="en-US" altLang="zh-CN" sz="1800" dirty="0">
+                <a:solidFill>
+                  <a:schemeClr val="tx1"/>
+                </a:solidFill>
+                <a:latin typeface="微软雅黑" panose="020B0503020204020204" pitchFamily="34" charset="-122"/>
+                <a:ea typeface="微软雅黑" panose="020B0503020204020204" pitchFamily="34" charset="-122"/>
+              </a:rPr>
+              <a:t>y</a:t>
+            </a:r>
+            <a:r>
+              <a:rPr lang="zh-CN" altLang="en-US" sz="1800" dirty="0">
+                <a:solidFill>
+                  <a:schemeClr val="tx1"/>
+                </a:solidFill>
+                <a:latin typeface="微软雅黑" panose="020B0503020204020204" pitchFamily="34" charset="-122"/>
+                <a:ea typeface="微软雅黑" panose="020B0503020204020204" pitchFamily="34" charset="-122"/>
+              </a:rPr>
+              <a:t>相同，</a:t>
+            </a:r>
+            <a:r>
+              <a:rPr lang="en-US" altLang="zh-CN" sz="1800" dirty="0">
+                <a:solidFill>
+                  <a:schemeClr val="tx1"/>
+                </a:solidFill>
+                <a:latin typeface="微软雅黑" panose="020B0503020204020204" pitchFamily="34" charset="-122"/>
+                <a:ea typeface="微软雅黑" panose="020B0503020204020204" pitchFamily="34" charset="-122"/>
+              </a:rPr>
+              <a:t>z</a:t>
+            </a:r>
+            <a:r>
+              <a:rPr lang="zh-CN" altLang="en-US" sz="1800" dirty="0">
+                <a:solidFill>
+                  <a:schemeClr val="tx1"/>
+                </a:solidFill>
+                <a:latin typeface="微软雅黑" panose="020B0503020204020204" pitchFamily="34" charset="-122"/>
+                <a:ea typeface="微软雅黑" panose="020B0503020204020204" pitchFamily="34" charset="-122"/>
+              </a:rPr>
+              <a:t>不同的</a:t>
+            </a:r>
+            <a:r>
+              <a:rPr lang="zh-CN" altLang="en-US" sz="1800" dirty="0" smtClean="0">
+                <a:solidFill>
+                  <a:schemeClr val="tx1"/>
+                </a:solidFill>
+                <a:latin typeface="微软雅黑" panose="020B0503020204020204" pitchFamily="34" charset="-122"/>
+                <a:ea typeface="微软雅黑" panose="020B0503020204020204" pitchFamily="34" charset="-122"/>
+              </a:rPr>
+              <a:t>网格</a:t>
+            </a:r>
+            <a:endParaRPr lang="zh-CN" altLang="en-US" sz="1800" dirty="0">
+              <a:solidFill>
+                <a:schemeClr val="tx1"/>
+              </a:solidFill>
+              <a:latin typeface="微软雅黑" panose="020B0503020204020204" pitchFamily="34" charset="-122"/>
+              <a:ea typeface="微软雅黑" panose="020B0503020204020204" pitchFamily="34" charset="-122"/>
+            </a:endParaRPr>
+          </a:p>
+          <a:p>
+            <a:pPr marL="214313" indent="-214313">
+              <a:lnSpc>
+                <a:spcPct val="100000"/>
+              </a:lnSpc>
+              <a:buClr>
+                <a:srgbClr val="00B050"/>
+              </a:buClr>
+              <a:buFont typeface="Wingdings" panose="05000000000000000000" pitchFamily="2" charset="2"/>
+              <a:buChar char="u"/>
+            </a:pPr>
+            <a:r>
+              <a:rPr lang="zh-CN" altLang="en-US" sz="2000" b="1" dirty="0">
+                <a:solidFill>
+                  <a:srgbClr val="0070C0"/>
+                </a:solidFill>
+                <a:latin typeface="微软雅黑" panose="020B0503020204020204" pitchFamily="34" charset="-122"/>
+                <a:ea typeface="微软雅黑" panose="020B0503020204020204" pitchFamily="34" charset="-122"/>
+              </a:rPr>
+              <a:t>网格特征提取</a:t>
+            </a:r>
+          </a:p>
+          <a:p>
+            <a:pPr marL="728663" lvl="1" indent="-214313">
+              <a:lnSpc>
+                <a:spcPct val="100000"/>
+              </a:lnSpc>
+              <a:buClr>
+                <a:srgbClr val="00B050"/>
+              </a:buClr>
+              <a:buFont typeface="Wingdings" panose="05000000000000000000" pitchFamily="2" charset="2"/>
+              <a:buChar char="ü"/>
+            </a:pPr>
+            <a:r>
+              <a:rPr lang="zh-CN" altLang="en-US" sz="1800" dirty="0" smtClean="0">
+                <a:solidFill>
+                  <a:schemeClr val="tx1"/>
+                </a:solidFill>
+                <a:latin typeface="微软雅黑" panose="020B0503020204020204" pitchFamily="34" charset="-122"/>
+                <a:ea typeface="微软雅黑" panose="020B0503020204020204" pitchFamily="34" charset="-122"/>
+              </a:rPr>
+              <a:t>曲度</a:t>
+            </a:r>
+            <a:r>
+              <a:rPr lang="zh-CN" altLang="en-US" sz="1800" dirty="0">
+                <a:solidFill>
+                  <a:schemeClr val="tx1"/>
+                </a:solidFill>
+                <a:latin typeface="微软雅黑" panose="020B0503020204020204" pitchFamily="34" charset="-122"/>
+                <a:ea typeface="微软雅黑" panose="020B0503020204020204" pitchFamily="34" charset="-122"/>
+              </a:rPr>
+              <a:t>、</a:t>
+            </a:r>
+            <a:r>
+              <a:rPr lang="zh-CN" altLang="en-US" sz="1800" dirty="0" smtClean="0">
+                <a:solidFill>
+                  <a:schemeClr val="tx1"/>
+                </a:solidFill>
+                <a:latin typeface="微软雅黑" panose="020B0503020204020204" pitchFamily="34" charset="-122"/>
+                <a:ea typeface="微软雅黑" panose="020B0503020204020204" pitchFamily="34" charset="-122"/>
+              </a:rPr>
+              <a:t>深度</a:t>
+            </a:r>
+            <a:r>
+              <a:rPr lang="zh-CN" altLang="en-US" sz="1800" dirty="0">
+                <a:solidFill>
+                  <a:schemeClr val="tx1"/>
+                </a:solidFill>
+                <a:latin typeface="微软雅黑" panose="020B0503020204020204" pitchFamily="34" charset="-122"/>
+                <a:ea typeface="微软雅黑" panose="020B0503020204020204" pitchFamily="34" charset="-122"/>
+              </a:rPr>
+              <a:t>、</a:t>
+            </a:r>
+            <a:r>
+              <a:rPr lang="zh-CN" altLang="en-US" sz="1800" dirty="0" smtClean="0">
+                <a:solidFill>
+                  <a:schemeClr val="tx1"/>
+                </a:solidFill>
+                <a:latin typeface="微软雅黑" panose="020B0503020204020204" pitchFamily="34" charset="-122"/>
+                <a:ea typeface="微软雅黑" panose="020B0503020204020204" pitchFamily="34" charset="-122"/>
+              </a:rPr>
+              <a:t>密度</a:t>
+            </a:r>
+            <a:endParaRPr lang="en-US" altLang="zh-CN" sz="1800" dirty="0" smtClean="0">
+              <a:solidFill>
+                <a:schemeClr val="tx1"/>
+              </a:solidFill>
+              <a:latin typeface="微软雅黑" panose="020B0503020204020204" pitchFamily="34" charset="-122"/>
+              <a:ea typeface="微软雅黑" panose="020B0503020204020204" pitchFamily="34" charset="-122"/>
+            </a:endParaRPr>
+          </a:p>
+          <a:p>
+            <a:pPr marL="214313" indent="-214313">
+              <a:lnSpc>
+                <a:spcPct val="100000"/>
+              </a:lnSpc>
+              <a:buClr>
+                <a:srgbClr val="00B050"/>
+              </a:buClr>
+              <a:buFont typeface="Wingdings" panose="05000000000000000000" pitchFamily="2" charset="2"/>
+              <a:buChar char="u"/>
+            </a:pPr>
+            <a:r>
+              <a:rPr lang="zh-CN" altLang="en-US" sz="2000" b="1" dirty="0" smtClean="0">
+                <a:solidFill>
+                  <a:srgbClr val="0070C0"/>
+                </a:solidFill>
+                <a:latin typeface="微软雅黑" panose="020B0503020204020204" pitchFamily="34" charset="-122"/>
+                <a:ea typeface="微软雅黑" panose="020B0503020204020204" pitchFamily="34" charset="-122"/>
+              </a:rPr>
+              <a:t>支持</a:t>
+            </a:r>
+            <a:r>
+              <a:rPr lang="zh-CN" altLang="en-US" sz="2000" b="1" dirty="0">
+                <a:solidFill>
+                  <a:srgbClr val="0070C0"/>
+                </a:solidFill>
+                <a:latin typeface="微软雅黑" panose="020B0503020204020204" pitchFamily="34" charset="-122"/>
+                <a:ea typeface="微软雅黑" panose="020B0503020204020204" pitchFamily="34" charset="-122"/>
+              </a:rPr>
+              <a:t>向量机分类</a:t>
+            </a:r>
+          </a:p>
+          <a:p>
+            <a:pPr marL="857250" lvl="1" indent="-342900">
+              <a:lnSpc>
+                <a:spcPct val="100000"/>
+              </a:lnSpc>
+              <a:buClr>
+                <a:srgbClr val="00B050"/>
+              </a:buClr>
+              <a:buFont typeface="Wingdings" panose="05000000000000000000" pitchFamily="2" charset="2"/>
+              <a:buChar char="ü"/>
+            </a:pPr>
+            <a:r>
+              <a:rPr lang="zh-CN" altLang="en-US" sz="1800" dirty="0">
+                <a:solidFill>
+                  <a:schemeClr val="tx1"/>
+                </a:solidFill>
+                <a:latin typeface="微软雅黑" panose="020B0503020204020204" pitchFamily="34" charset="-122"/>
+                <a:ea typeface="微软雅黑" panose="020B0503020204020204" pitchFamily="34" charset="-122"/>
+              </a:rPr>
+              <a:t>交互选取</a:t>
+            </a:r>
+            <a:r>
+              <a:rPr lang="zh-CN" altLang="en-US" sz="1800" dirty="0" smtClean="0">
+                <a:solidFill>
+                  <a:schemeClr val="tx1"/>
+                </a:solidFill>
+                <a:latin typeface="微软雅黑" panose="020B0503020204020204" pitchFamily="34" charset="-122"/>
+                <a:ea typeface="微软雅黑" panose="020B0503020204020204" pitchFamily="34" charset="-122"/>
+              </a:rPr>
+              <a:t>样本</a:t>
+            </a:r>
+            <a:endParaRPr lang="en-US" altLang="zh-CN" sz="1800" dirty="0" smtClean="0">
+              <a:solidFill>
+                <a:schemeClr val="tx1"/>
+              </a:solidFill>
+              <a:latin typeface="微软雅黑" panose="020B0503020204020204" pitchFamily="34" charset="-122"/>
+              <a:ea typeface="微软雅黑" panose="020B0503020204020204" pitchFamily="34" charset="-122"/>
+            </a:endParaRPr>
+          </a:p>
+          <a:p>
+            <a:pPr marL="857250" lvl="1" indent="-342900">
+              <a:lnSpc>
+                <a:spcPct val="100000"/>
+              </a:lnSpc>
+              <a:buClr>
+                <a:srgbClr val="00B050"/>
+              </a:buClr>
+              <a:buFont typeface="Wingdings" panose="05000000000000000000" pitchFamily="2" charset="2"/>
+              <a:buChar char="ü"/>
+            </a:pPr>
+            <a:r>
+              <a:rPr lang="zh-CN" altLang="en-US" sz="1800" dirty="0">
+                <a:solidFill>
+                  <a:schemeClr val="tx1"/>
+                </a:solidFill>
+                <a:latin typeface="微软雅黑" panose="020B0503020204020204" pitchFamily="34" charset="-122"/>
+                <a:ea typeface="微软雅黑" panose="020B0503020204020204" pitchFamily="34" charset="-122"/>
+              </a:rPr>
+              <a:t>训练、</a:t>
+            </a:r>
+            <a:r>
+              <a:rPr lang="zh-CN" altLang="en-US" sz="1800" dirty="0" smtClean="0">
+                <a:solidFill>
+                  <a:schemeClr val="tx1"/>
+                </a:solidFill>
+                <a:latin typeface="微软雅黑" panose="020B0503020204020204" pitchFamily="34" charset="-122"/>
+                <a:ea typeface="微软雅黑" panose="020B0503020204020204" pitchFamily="34" charset="-122"/>
+              </a:rPr>
+              <a:t>预测</a:t>
+            </a:r>
+            <a:endParaRPr lang="en-US" altLang="zh-CN" sz="1800" dirty="0">
+              <a:solidFill>
+                <a:schemeClr val="tx1"/>
+              </a:solidFill>
+              <a:latin typeface="微软雅黑" panose="020B0503020204020204" pitchFamily="34" charset="-122"/>
+              <a:ea typeface="微软雅黑" panose="020B0503020204020204" pitchFamily="34" charset="-122"/>
+            </a:endParaRPr>
+          </a:p>
+        </p:txBody>
+      </p:sp>
+      <p:grpSp>
+        <p:nvGrpSpPr>
+          <p:cNvPr id="11" name="Group 5"/>
+          <p:cNvGrpSpPr>
+            <a:grpSpLocks noChangeAspect="1"/>
+          </p:cNvGrpSpPr>
+          <p:nvPr/>
+        </p:nvGrpSpPr>
+        <p:grpSpPr bwMode="auto">
+          <a:xfrm>
+            <a:off x="3897279" y="1376271"/>
+            <a:ext cx="5038725" cy="2893060"/>
+            <a:chOff x="0" y="0"/>
+            <a:chExt cx="7286" cy="4184"/>
+          </a:xfrm>
+        </p:grpSpPr>
+        <p:pic>
+          <p:nvPicPr>
+            <p:cNvPr id="3078" name="Picture 6" descr="screenshot-1399008939"/>
+            <p:cNvPicPr>
+              <a:picLocks noChangeAspect="1" noChangeArrowheads="1"/>
+            </p:cNvPicPr>
+            <p:nvPr/>
+          </p:nvPicPr>
+          <p:blipFill>
+            <a:blip r:embed="rId3">
+              <a:extLst>
+                <a:ext uri="{28A0092B-C50C-407E-A947-70E740481C1C}">
+                  <a14:useLocalDpi xmlns:a14="http://schemas.microsoft.com/office/drawing/2010/main" val="0"/>
+                </a:ext>
+              </a:extLst>
+            </a:blip>
+            <a:srcRect l="32788" t="14627" r="32626" b="7164"/>
+            <a:stretch>
+              <a:fillRect/>
+            </a:stretch>
+          </p:blipFill>
+          <p:spPr bwMode="auto">
+            <a:xfrm>
+              <a:off x="0" y="0"/>
+              <a:ext cx="3232" cy="4181"/>
+            </a:xfrm>
+            <a:prstGeom prst="rect">
+              <a:avLst/>
+            </a:prstGeom>
+            <a:noFill/>
+            <a:ln>
+              <a:noFill/>
+            </a:ln>
+            <a:extLst>
+              <a:ext uri="{909E8E84-426E-40DD-AFC4-6F175D3DCCD1}">
+                <a14:hiddenFill xmlns:a14="http://schemas.microsoft.com/office/drawing/2010/main">
+                  <a:solidFill>
+                    <a:srgbClr val="FFFFFF"/>
+                  </a:solidFill>
+                </a14:hiddenFill>
+              </a:ext>
+              <a:ext uri="{91240B29-F687-4F45-9708-019B960494DF}">
+                <a14:hiddenLine xmlns:a14="http://schemas.microsoft.com/office/drawing/2010/main" w="9525">
+                  <a:solidFill>
+                    <a:srgbClr val="000000"/>
+                  </a:solidFill>
+                  <a:miter lim="800000"/>
+                  <a:headEnd/>
+                  <a:tailEnd/>
+                </a14:hiddenLine>
+              </a:ext>
+            </a:extLst>
+          </p:spPr>
+        </p:pic>
+        <p:pic>
+          <p:nvPicPr>
+            <p:cNvPr id="3079" name="Picture 7" descr="grid_label_color"/>
+            <p:cNvPicPr>
+              <a:picLocks noChangeAspect="1" noChangeArrowheads="1"/>
+            </p:cNvPicPr>
+            <p:nvPr/>
+          </p:nvPicPr>
+          <p:blipFill>
+            <a:blip r:embed="rId4">
+              <a:extLst>
+                <a:ext uri="{28A0092B-C50C-407E-A947-70E740481C1C}">
+                  <a14:useLocalDpi xmlns:a14="http://schemas.microsoft.com/office/drawing/2010/main" val="0"/>
+                </a:ext>
+              </a:extLst>
+            </a:blip>
+            <a:srcRect/>
+            <a:stretch>
+              <a:fillRect/>
+            </a:stretch>
+          </p:blipFill>
+          <p:spPr bwMode="auto">
+            <a:xfrm>
+              <a:off x="3952" y="0"/>
+              <a:ext cx="3334" cy="4184"/>
+            </a:xfrm>
+            <a:prstGeom prst="rect">
+              <a:avLst/>
+            </a:prstGeom>
+            <a:noFill/>
+            <a:ln>
+              <a:noFill/>
+            </a:ln>
+            <a:extLst>
+              <a:ext uri="{909E8E84-426E-40DD-AFC4-6F175D3DCCD1}">
+                <a14:hiddenFill xmlns:a14="http://schemas.microsoft.com/office/drawing/2010/main">
+                  <a:solidFill>
+                    <a:srgbClr val="FFFFFF"/>
+                  </a:solidFill>
+                </a14:hiddenFill>
+              </a:ext>
+              <a:ext uri="{91240B29-F687-4F45-9708-019B960494DF}">
+                <a14:hiddenLine xmlns:a14="http://schemas.microsoft.com/office/drawing/2010/main" w="9525">
+                  <a:solidFill>
+                    <a:srgbClr val="000000"/>
+                  </a:solidFill>
+                  <a:miter lim="800000"/>
+                  <a:headEnd/>
+                  <a:tailEnd/>
+                </a14:hiddenLine>
+              </a:ext>
+            </a:extLst>
+          </p:spPr>
+        </p:pic>
+      </p:grpSp>
+      <p:sp>
+        <p:nvSpPr>
+          <p:cNvPr id="2" name="标题 1"/>
+          <p:cNvSpPr>
+            <a:spLocks noGrp="1"/>
+          </p:cNvSpPr>
+          <p:nvPr>
+            <p:ph type="title"/>
+          </p:nvPr>
+        </p:nvSpPr>
+        <p:spPr/>
+        <p:txBody>
+          <a:bodyPr/>
+          <a:lstStyle/>
+          <a:p>
+            <a:r>
+              <a:rPr lang="zh-CN" altLang="en-US" dirty="0" smtClean="0"/>
+              <a:t>用预分类的结果近似表示建筑结构的概率分布</a:t>
+            </a:r>
+            <a:endParaRPr lang="zh-CN" altLang="en-US" dirty="0"/>
+          </a:p>
+        </p:txBody>
+      </p:sp>
+      <p:grpSp>
+        <p:nvGrpSpPr>
+          <p:cNvPr id="16" name="Group 12"/>
+          <p:cNvGrpSpPr>
+            <a:grpSpLocks noChangeAspect="1"/>
+          </p:cNvGrpSpPr>
+          <p:nvPr/>
+        </p:nvGrpSpPr>
+        <p:grpSpPr bwMode="auto">
+          <a:xfrm>
+            <a:off x="3939494" y="2746234"/>
+            <a:ext cx="5038725" cy="2176427"/>
+            <a:chOff x="0" y="0"/>
+            <a:chExt cx="9111" cy="3934"/>
+          </a:xfrm>
+        </p:grpSpPr>
+        <p:pic>
+          <p:nvPicPr>
+            <p:cNvPr id="3085" name="Picture 54" descr="C:\Users\Xu Xiang\workspace\facade-parsing\Experiments3\cathedral\grid_label_color.png"/>
+            <p:cNvPicPr>
+              <a:picLocks noChangeAspect="1" noChangeArrowheads="1"/>
+            </p:cNvPicPr>
+            <p:nvPr/>
+          </p:nvPicPr>
+          <p:blipFill>
+            <a:blip r:embed="rId5">
+              <a:extLst>
+                <a:ext uri="{28A0092B-C50C-407E-A947-70E740481C1C}">
+                  <a14:useLocalDpi xmlns:a14="http://schemas.microsoft.com/office/drawing/2010/main" val="0"/>
+                </a:ext>
+              </a:extLst>
+            </a:blip>
+            <a:srcRect/>
+            <a:stretch>
+              <a:fillRect/>
+            </a:stretch>
+          </p:blipFill>
+          <p:spPr bwMode="auto">
+            <a:xfrm>
+              <a:off x="4689" y="30"/>
+              <a:ext cx="4422" cy="3878"/>
+            </a:xfrm>
+            <a:prstGeom prst="rect">
+              <a:avLst/>
+            </a:prstGeom>
+            <a:noFill/>
+            <a:ln>
+              <a:noFill/>
+            </a:ln>
+            <a:extLst>
+              <a:ext uri="{909E8E84-426E-40DD-AFC4-6F175D3DCCD1}">
+                <a14:hiddenFill xmlns:a14="http://schemas.microsoft.com/office/drawing/2010/main">
+                  <a:solidFill>
+                    <a:srgbClr val="FFFFFF"/>
+                  </a:solidFill>
+                </a14:hiddenFill>
+              </a:ext>
+              <a:ext uri="{91240B29-F687-4F45-9708-019B960494DF}">
+                <a14:hiddenLine xmlns:a14="http://schemas.microsoft.com/office/drawing/2010/main" w="9525">
+                  <a:solidFill>
+                    <a:srgbClr val="000000"/>
+                  </a:solidFill>
+                  <a:miter lim="800000"/>
+                  <a:headEnd/>
+                  <a:tailEnd/>
+                </a14:hiddenLine>
+              </a:ext>
+            </a:extLst>
+          </p:spPr>
+        </p:pic>
+        <p:pic>
+          <p:nvPicPr>
+            <p:cNvPr id="3086" name="Picture 57" descr="C:\Users\Xu Xiang\workspace\facade-parsing\PassThroughFilter\screenshot-1398578080.png"/>
+            <p:cNvPicPr>
+              <a:picLocks noChangeAspect="1" noChangeArrowheads="1"/>
+            </p:cNvPicPr>
+            <p:nvPr/>
+          </p:nvPicPr>
+          <p:blipFill>
+            <a:blip r:embed="rId6">
+              <a:extLst>
+                <a:ext uri="{28A0092B-C50C-407E-A947-70E740481C1C}">
+                  <a14:useLocalDpi xmlns:a14="http://schemas.microsoft.com/office/drawing/2010/main" val="0"/>
+                </a:ext>
+              </a:extLst>
+            </a:blip>
+            <a:srcRect l="28410" t="16246" r="29375" b="18207"/>
+            <a:stretch>
+              <a:fillRect/>
+            </a:stretch>
+          </p:blipFill>
+          <p:spPr bwMode="auto">
+            <a:xfrm>
+              <a:off x="0" y="0"/>
+              <a:ext cx="4422" cy="3934"/>
+            </a:xfrm>
+            <a:prstGeom prst="rect">
+              <a:avLst/>
+            </a:prstGeom>
+            <a:noFill/>
+            <a:ln>
+              <a:noFill/>
+            </a:ln>
+            <a:extLst>
+              <a:ext uri="{909E8E84-426E-40DD-AFC4-6F175D3DCCD1}">
+                <a14:hiddenFill xmlns:a14="http://schemas.microsoft.com/office/drawing/2010/main">
+                  <a:solidFill>
+                    <a:srgbClr val="FFFFFF"/>
+                  </a:solidFill>
+                </a14:hiddenFill>
+              </a:ext>
+              <a:ext uri="{91240B29-F687-4F45-9708-019B960494DF}">
+                <a14:hiddenLine xmlns:a14="http://schemas.microsoft.com/office/drawing/2010/main" w="9525">
+                  <a:solidFill>
+                    <a:srgbClr val="000000"/>
+                  </a:solidFill>
+                  <a:miter lim="800000"/>
+                  <a:headEnd/>
+                  <a:tailEnd/>
+                </a14:hiddenLine>
+              </a:ext>
+            </a:extLst>
+          </p:spPr>
+        </p:pic>
+      </p:grpSp>
+      <p:grpSp>
+        <p:nvGrpSpPr>
+          <p:cNvPr id="23" name="Group 21"/>
+          <p:cNvGrpSpPr>
+            <a:grpSpLocks noChangeAspect="1"/>
+          </p:cNvGrpSpPr>
+          <p:nvPr/>
+        </p:nvGrpSpPr>
+        <p:grpSpPr bwMode="auto">
+          <a:xfrm>
+            <a:off x="3897279" y="4765273"/>
+            <a:ext cx="5038725" cy="1444361"/>
+            <a:chOff x="0" y="0"/>
+            <a:chExt cx="9495" cy="2722"/>
+          </a:xfrm>
+        </p:grpSpPr>
+        <p:pic>
+          <p:nvPicPr>
+            <p:cNvPr id="3094" name="Picture 22" descr="grid_label_color"/>
+            <p:cNvPicPr>
+              <a:picLocks noChangeAspect="1" noChangeArrowheads="1"/>
+            </p:cNvPicPr>
+            <p:nvPr/>
+          </p:nvPicPr>
+          <p:blipFill>
+            <a:blip r:embed="rId7" cstate="print">
+              <a:extLst>
+                <a:ext uri="{28A0092B-C50C-407E-A947-70E740481C1C}">
+                  <a14:useLocalDpi xmlns:a14="http://schemas.microsoft.com/office/drawing/2010/main" val="0"/>
+                </a:ext>
+              </a:extLst>
+            </a:blip>
+            <a:srcRect/>
+            <a:stretch>
+              <a:fillRect/>
+            </a:stretch>
+          </p:blipFill>
+          <p:spPr bwMode="auto">
+            <a:xfrm>
+              <a:off x="4680" y="0"/>
+              <a:ext cx="4815" cy="2715"/>
+            </a:xfrm>
+            <a:prstGeom prst="rect">
+              <a:avLst/>
+            </a:prstGeom>
+            <a:noFill/>
+            <a:ln>
+              <a:noFill/>
+            </a:ln>
+            <a:extLst>
+              <a:ext uri="{909E8E84-426E-40DD-AFC4-6F175D3DCCD1}">
+                <a14:hiddenFill xmlns:a14="http://schemas.microsoft.com/office/drawing/2010/main">
+                  <a:solidFill>
+                    <a:srgbClr val="FFFFFF"/>
+                  </a:solidFill>
+                </a14:hiddenFill>
+              </a:ext>
+              <a:ext uri="{91240B29-F687-4F45-9708-019B960494DF}">
+                <a14:hiddenLine xmlns:a14="http://schemas.microsoft.com/office/drawing/2010/main" w="9525">
+                  <a:solidFill>
+                    <a:srgbClr val="000000"/>
+                  </a:solidFill>
+                  <a:miter lim="800000"/>
+                  <a:headEnd/>
+                  <a:tailEnd/>
+                </a14:hiddenLine>
+              </a:ext>
+            </a:extLst>
+          </p:spPr>
+        </p:pic>
+        <p:pic>
+          <p:nvPicPr>
+            <p:cNvPr id="3095" name="Picture 23" descr="screenshot-1398909768"/>
+            <p:cNvPicPr>
+              <a:picLocks noChangeAspect="1" noChangeArrowheads="1"/>
+            </p:cNvPicPr>
+            <p:nvPr/>
+          </p:nvPicPr>
+          <p:blipFill>
+            <a:blip r:embed="rId8" cstate="print">
+              <a:extLst>
+                <a:ext uri="{28A0092B-C50C-407E-A947-70E740481C1C}">
+                  <a14:useLocalDpi xmlns:a14="http://schemas.microsoft.com/office/drawing/2010/main" val="0"/>
+                </a:ext>
+              </a:extLst>
+            </a:blip>
+            <a:srcRect l="15248" t="11205" r="13965" b="13446"/>
+            <a:stretch>
+              <a:fillRect/>
+            </a:stretch>
+          </p:blipFill>
+          <p:spPr bwMode="auto">
+            <a:xfrm>
+              <a:off x="0" y="1"/>
+              <a:ext cx="4462" cy="2721"/>
+            </a:xfrm>
+            <a:prstGeom prst="rect">
+              <a:avLst/>
+            </a:prstGeom>
+            <a:noFill/>
+            <a:ln>
+              <a:noFill/>
+            </a:ln>
+            <a:extLst>
+              <a:ext uri="{909E8E84-426E-40DD-AFC4-6F175D3DCCD1}">
+                <a14:hiddenFill xmlns:a14="http://schemas.microsoft.com/office/drawing/2010/main">
+                  <a:solidFill>
+                    <a:srgbClr val="FFFFFF"/>
+                  </a:solidFill>
+                </a14:hiddenFill>
+              </a:ext>
+              <a:ext uri="{91240B29-F687-4F45-9708-019B960494DF}">
+                <a14:hiddenLine xmlns:a14="http://schemas.microsoft.com/office/drawing/2010/main" w="9525">
+                  <a:solidFill>
+                    <a:srgbClr val="000000"/>
+                  </a:solidFill>
+                  <a:miter lim="800000"/>
+                  <a:headEnd/>
+                  <a:tailEnd/>
+                </a14:hiddenLine>
+              </a:ext>
+            </a:extLst>
+          </p:spPr>
+        </p:pic>
+      </p:grpSp>
+    </p:spTree>
+    <p:extLst>
+      <p:ext uri="{BB962C8B-B14F-4D97-AF65-F5344CB8AC3E}">
+        <p14:creationId xmlns:p14="http://schemas.microsoft.com/office/powerpoint/2010/main" val="4005094678"/>
+      </p:ext>
+    </p:extLst>
+  </p:cSld>
+  <p:clrMapOvr>
+    <a:masterClrMapping/>
+  </p:clrMapOvr>
+  <mc:AlternateContent xmlns:mc="http://schemas.openxmlformats.org/markup-compatibility/2006" xmlns:p14="http://schemas.microsoft.com/office/powerpoint/2010/main">
+    <mc:Choice Requires="p14">
+      <p:transition p14:dur="10"/>
+    </mc:Choice>
+    <mc:Fallback xmlns="">
+      <p:transition/>
+    </mc:Fallback>
+  </mc:AlternateContent>
+  <p:timing>
+    <p:tnLst>
+      <p:par>
+        <p:cTn id="1" dur="indefinite" restart="never" nodeType="tmRoot">
+          <p:childTnLst>
+            <p:seq concurrent="1" nextAc="seek">
+              <p:cTn id="2" dur="indefinite" nodeType="mainSeq">
+                <p:childTnLst>
+                  <p:par>
+                    <p:cTn id="3" fill="hold">
+                      <p:stCondLst>
+                        <p:cond delay="indefinite"/>
+                      </p:stCondLst>
+                      <p:childTnLst>
+                        <p:par>
+                          <p:cTn id="4" fill="hold">
+                            <p:stCondLst>
+                              <p:cond delay="0"/>
+                            </p:stCondLst>
+                            <p:childTnLst>
+                              <p:par>
+                                <p:cTn id="5" presetID="1" presetClass="entr" presetSubtype="0" fill="hold" grpId="0" nodeType="clickEffect">
+                                  <p:stCondLst>
+                                    <p:cond delay="0"/>
+                                  </p:stCondLst>
+                                  <p:childTnLst>
+                                    <p:set>
+                                      <p:cBhvr>
+                                        <p:cTn id="6" dur="1" fill="hold">
+                                          <p:stCondLst>
+                                            <p:cond delay="0"/>
+                                          </p:stCondLst>
+                                        </p:cTn>
+                                        <p:tgtEl>
+                                          <p:spTgt spid="14">
+                                            <p:txEl>
+                                              <p:pRg st="0" end="0"/>
+                                            </p:txEl>
+                                          </p:spTgt>
+                                        </p:tgtEl>
+                                        <p:attrNameLst>
+                                          <p:attrName>style.visibility</p:attrName>
+                                        </p:attrNameLst>
+                                      </p:cBhvr>
+                                      <p:to>
+                                        <p:strVal val="visible"/>
+                                      </p:to>
+                                    </p:set>
+                                  </p:childTnLst>
+                                </p:cTn>
+                              </p:par>
+                            </p:childTnLst>
+                          </p:cTn>
+                        </p:par>
+                      </p:childTnLst>
+                    </p:cTn>
+                  </p:par>
+                  <p:par>
+                    <p:cTn id="7" fill="hold">
+                      <p:stCondLst>
+                        <p:cond delay="indefinite"/>
+                      </p:stCondLst>
+                      <p:childTnLst>
+                        <p:par>
+                          <p:cTn id="8" fill="hold">
+                            <p:stCondLst>
+                              <p:cond delay="0"/>
+                            </p:stCondLst>
+                            <p:childTnLst>
+                              <p:par>
+                                <p:cTn id="9" presetID="1" presetClass="entr" presetSubtype="0" fill="hold" grpId="0" nodeType="clickEffect">
+                                  <p:stCondLst>
+                                    <p:cond delay="0"/>
+                                  </p:stCondLst>
+                                  <p:childTnLst>
+                                    <p:set>
+                                      <p:cBhvr>
+                                        <p:cTn id="10" dur="1" fill="hold">
+                                          <p:stCondLst>
+                                            <p:cond delay="0"/>
+                                          </p:stCondLst>
+                                        </p:cTn>
+                                        <p:tgtEl>
+                                          <p:spTgt spid="14">
+                                            <p:txEl>
+                                              <p:pRg st="1" end="1"/>
+                                            </p:txEl>
+                                          </p:spTgt>
+                                        </p:tgtEl>
+                                        <p:attrNameLst>
+                                          <p:attrName>style.visibility</p:attrName>
+                                        </p:attrNameLst>
+                                      </p:cBhvr>
+                                      <p:to>
+                                        <p:strVal val="visible"/>
+                                      </p:to>
+                                    </p:set>
+                                  </p:childTnLst>
+                                </p:cTn>
+                              </p:par>
+                            </p:childTnLst>
+                          </p:cTn>
+                        </p:par>
+                      </p:childTnLst>
+                    </p:cTn>
+                  </p:par>
+                  <p:par>
+                    <p:cTn id="11" fill="hold">
+                      <p:stCondLst>
+                        <p:cond delay="indefinite"/>
+                      </p:stCondLst>
+                      <p:childTnLst>
+                        <p:par>
+                          <p:cTn id="12" fill="hold">
+                            <p:stCondLst>
+                              <p:cond delay="0"/>
+                            </p:stCondLst>
+                            <p:childTnLst>
+                              <p:par>
+                                <p:cTn id="13" presetID="1" presetClass="entr" presetSubtype="0" fill="hold" grpId="0" nodeType="clickEffect">
+                                  <p:stCondLst>
+                                    <p:cond delay="0"/>
+                                  </p:stCondLst>
+                                  <p:childTnLst>
+                                    <p:set>
+                                      <p:cBhvr>
+                                        <p:cTn id="14" dur="1" fill="hold">
+                                          <p:stCondLst>
+                                            <p:cond delay="0"/>
+                                          </p:stCondLst>
+                                        </p:cTn>
+                                        <p:tgtEl>
+                                          <p:spTgt spid="14">
+                                            <p:txEl>
+                                              <p:pRg st="2" end="2"/>
+                                            </p:txEl>
+                                          </p:spTgt>
+                                        </p:tgtEl>
+                                        <p:attrNameLst>
+                                          <p:attrName>style.visibility</p:attrName>
+                                        </p:attrNameLst>
+                                      </p:cBhvr>
+                                      <p:to>
+                                        <p:strVal val="visible"/>
+                                      </p:to>
+                                    </p:set>
+                                  </p:childTnLst>
+                                </p:cTn>
+                              </p:par>
+                            </p:childTnLst>
+                          </p:cTn>
+                        </p:par>
+                      </p:childTnLst>
+                    </p:cTn>
+                  </p:par>
+                  <p:par>
+                    <p:cTn id="15" fill="hold">
+                      <p:stCondLst>
+                        <p:cond delay="indefinite"/>
+                      </p:stCondLst>
+                      <p:childTnLst>
+                        <p:par>
+                          <p:cTn id="16" fill="hold">
+                            <p:stCondLst>
+                              <p:cond delay="0"/>
+                            </p:stCondLst>
+                            <p:childTnLst>
+                              <p:par>
+                                <p:cTn id="17" presetID="1" presetClass="entr" presetSubtype="0" fill="hold" grpId="0" nodeType="clickEffect">
+                                  <p:stCondLst>
+                                    <p:cond delay="0"/>
+                                  </p:stCondLst>
+                                  <p:childTnLst>
+                                    <p:set>
+                                      <p:cBhvr>
+                                        <p:cTn id="18" dur="1" fill="hold">
+                                          <p:stCondLst>
+                                            <p:cond delay="0"/>
+                                          </p:stCondLst>
+                                        </p:cTn>
+                                        <p:tgtEl>
+                                          <p:spTgt spid="14">
+                                            <p:txEl>
+                                              <p:pRg st="3" end="3"/>
+                                            </p:txEl>
+                                          </p:spTgt>
+                                        </p:tgtEl>
+                                        <p:attrNameLst>
+                                          <p:attrName>style.visibility</p:attrName>
+                                        </p:attrNameLst>
+                                      </p:cBhvr>
+                                      <p:to>
+                                        <p:strVal val="visible"/>
+                                      </p:to>
+                                    </p:set>
+                                  </p:childTnLst>
+                                </p:cTn>
+                              </p:par>
+                            </p:childTnLst>
+                          </p:cTn>
+                        </p:par>
+                      </p:childTnLst>
+                    </p:cTn>
+                  </p:par>
+                  <p:par>
+                    <p:cTn id="19" fill="hold">
+                      <p:stCondLst>
+                        <p:cond delay="indefinite"/>
+                      </p:stCondLst>
+                      <p:childTnLst>
+                        <p:par>
+                          <p:cTn id="20" fill="hold">
+                            <p:stCondLst>
+                              <p:cond delay="0"/>
+                            </p:stCondLst>
+                            <p:childTnLst>
+                              <p:par>
+                                <p:cTn id="21" presetID="1" presetClass="entr" presetSubtype="0" fill="hold" grpId="0" nodeType="clickEffect">
+                                  <p:stCondLst>
+                                    <p:cond delay="0"/>
+                                  </p:stCondLst>
+                                  <p:childTnLst>
+                                    <p:set>
+                                      <p:cBhvr>
+                                        <p:cTn id="22" dur="1" fill="hold">
+                                          <p:stCondLst>
+                                            <p:cond delay="0"/>
+                                          </p:stCondLst>
+                                        </p:cTn>
+                                        <p:tgtEl>
+                                          <p:spTgt spid="14">
+                                            <p:txEl>
+                                              <p:pRg st="4" end="4"/>
+                                            </p:txEl>
+                                          </p:spTgt>
+                                        </p:tgtEl>
+                                        <p:attrNameLst>
+                                          <p:attrName>style.visibility</p:attrName>
+                                        </p:attrNameLst>
+                                      </p:cBhvr>
+                                      <p:to>
+                                        <p:strVal val="visible"/>
+                                      </p:to>
+                                    </p:set>
+                                  </p:childTnLst>
+                                </p:cTn>
+                              </p:par>
+                            </p:childTnLst>
+                          </p:cTn>
+                        </p:par>
+                      </p:childTnLst>
+                    </p:cTn>
+                  </p:par>
+                  <p:par>
+                    <p:cTn id="23" fill="hold">
+                      <p:stCondLst>
+                        <p:cond delay="indefinite"/>
+                      </p:stCondLst>
+                      <p:childTnLst>
+                        <p:par>
+                          <p:cTn id="24" fill="hold">
+                            <p:stCondLst>
+                              <p:cond delay="0"/>
+                            </p:stCondLst>
+                            <p:childTnLst>
+                              <p:par>
+                                <p:cTn id="25" presetID="1" presetClass="entr" presetSubtype="0" fill="hold" grpId="0" nodeType="clickEffect">
+                                  <p:stCondLst>
+                                    <p:cond delay="0"/>
+                                  </p:stCondLst>
+                                  <p:childTnLst>
+                                    <p:set>
+                                      <p:cBhvr>
+                                        <p:cTn id="26" dur="1" fill="hold">
+                                          <p:stCondLst>
+                                            <p:cond delay="0"/>
+                                          </p:stCondLst>
+                                        </p:cTn>
+                                        <p:tgtEl>
+                                          <p:spTgt spid="14">
+                                            <p:txEl>
+                                              <p:pRg st="5" end="5"/>
+                                            </p:txEl>
+                                          </p:spTgt>
+                                        </p:tgtEl>
+                                        <p:attrNameLst>
+                                          <p:attrName>style.visibility</p:attrName>
+                                        </p:attrNameLst>
+                                      </p:cBhvr>
+                                      <p:to>
+                                        <p:strVal val="visible"/>
+                                      </p:to>
+                                    </p:set>
+                                  </p:childTnLst>
+                                </p:cTn>
+                              </p:par>
+                            </p:childTnLst>
+                          </p:cTn>
+                        </p:par>
+                      </p:childTnLst>
+                    </p:cTn>
+                  </p:par>
+                  <p:par>
+                    <p:cTn id="27" fill="hold">
+                      <p:stCondLst>
+                        <p:cond delay="indefinite"/>
+                      </p:stCondLst>
+                      <p:childTnLst>
+                        <p:par>
+                          <p:cTn id="28" fill="hold">
+                            <p:stCondLst>
+                              <p:cond delay="0"/>
+                            </p:stCondLst>
+                            <p:childTnLst>
+                              <p:par>
+                                <p:cTn id="29" presetID="1" presetClass="entr" presetSubtype="0" fill="hold" grpId="0" nodeType="clickEffect">
+                                  <p:stCondLst>
+                                    <p:cond delay="0"/>
+                                  </p:stCondLst>
+                                  <p:childTnLst>
+                                    <p:set>
+                                      <p:cBhvr>
+                                        <p:cTn id="30" dur="1" fill="hold">
+                                          <p:stCondLst>
+                                            <p:cond delay="0"/>
+                                          </p:stCondLst>
+                                        </p:cTn>
+                                        <p:tgtEl>
+                                          <p:spTgt spid="14">
+                                            <p:txEl>
+                                              <p:pRg st="6" end="6"/>
+                                            </p:txEl>
+                                          </p:spTgt>
+                                        </p:tgtEl>
+                                        <p:attrNameLst>
+                                          <p:attrName>style.visibility</p:attrName>
+                                        </p:attrNameLst>
+                                      </p:cBhvr>
+                                      <p:to>
+                                        <p:strVal val="visible"/>
+                                      </p:to>
+                                    </p:set>
+                                  </p:childTnLst>
+                                </p:cTn>
+                              </p:par>
+                            </p:childTnLst>
+                          </p:cTn>
+                        </p:par>
+                      </p:childTnLst>
+                    </p:cTn>
+                  </p:par>
+                  <p:par>
+                    <p:cTn id="31" fill="hold">
+                      <p:stCondLst>
+                        <p:cond delay="indefinite"/>
+                      </p:stCondLst>
+                      <p:childTnLst>
+                        <p:par>
+                          <p:cTn id="32" fill="hold">
+                            <p:stCondLst>
+                              <p:cond delay="0"/>
+                            </p:stCondLst>
+                            <p:childTnLst>
+                              <p:par>
+                                <p:cTn id="33" presetID="1" presetClass="entr" presetSubtype="0" fill="hold" grpId="0" nodeType="clickEffect">
+                                  <p:stCondLst>
+                                    <p:cond delay="0"/>
+                                  </p:stCondLst>
+                                  <p:childTnLst>
+                                    <p:set>
+                                      <p:cBhvr>
+                                        <p:cTn id="34" dur="1" fill="hold">
+                                          <p:stCondLst>
+                                            <p:cond delay="0"/>
+                                          </p:stCondLst>
+                                        </p:cTn>
+                                        <p:tgtEl>
+                                          <p:spTgt spid="14">
+                                            <p:txEl>
+                                              <p:pRg st="7" end="7"/>
+                                            </p:txEl>
+                                          </p:spTgt>
+                                        </p:tgtEl>
+                                        <p:attrNameLst>
+                                          <p:attrName>style.visibility</p:attrName>
+                                        </p:attrNameLst>
+                                      </p:cBhvr>
+                                      <p:to>
+                                        <p:strVal val="visible"/>
+                                      </p:to>
+                                    </p:set>
+                                  </p:childTnLst>
+                                </p:cTn>
+                              </p:par>
+                            </p:childTnLst>
+                          </p:cTn>
+                        </p:par>
+                      </p:childTnLst>
+                    </p:cTn>
+                  </p:par>
+                  <p:par>
+                    <p:cTn id="35" fill="hold">
+                      <p:stCondLst>
+                        <p:cond delay="indefinite"/>
+                      </p:stCondLst>
+                      <p:childTnLst>
+                        <p:par>
+                          <p:cTn id="36" fill="hold">
+                            <p:stCondLst>
+                              <p:cond delay="0"/>
+                            </p:stCondLst>
+                            <p:childTnLst>
+                              <p:par>
+                                <p:cTn id="37" presetID="1" presetClass="entr" presetSubtype="0" fill="hold" grpId="0" nodeType="clickEffect">
+                                  <p:stCondLst>
+                                    <p:cond delay="0"/>
+                                  </p:stCondLst>
+                                  <p:childTnLst>
+                                    <p:set>
+                                      <p:cBhvr>
+                                        <p:cTn id="38" dur="1" fill="hold">
+                                          <p:stCondLst>
+                                            <p:cond delay="0"/>
+                                          </p:stCondLst>
+                                        </p:cTn>
+                                        <p:tgtEl>
+                                          <p:spTgt spid="14">
+                                            <p:txEl>
+                                              <p:pRg st="8" end="8"/>
+                                            </p:txEl>
+                                          </p:spTgt>
+                                        </p:tgtEl>
+                                        <p:attrNameLst>
+                                          <p:attrName>style.visibility</p:attrName>
+                                        </p:attrNameLst>
+                                      </p:cBhvr>
+                                      <p:to>
+                                        <p:strVal val="visible"/>
+                                      </p:to>
+                                    </p:set>
+                                  </p:childTnLst>
+                                </p:cTn>
+                              </p:par>
+                            </p:childTnLst>
+                          </p:cTn>
+                        </p:par>
+                      </p:childTnLst>
+                    </p:cTn>
+                  </p:par>
+                  <p:par>
+                    <p:cTn id="39" fill="hold">
+                      <p:stCondLst>
+                        <p:cond delay="indefinite"/>
+                      </p:stCondLst>
+                      <p:childTnLst>
+                        <p:par>
+                          <p:cTn id="40" fill="hold">
+                            <p:stCondLst>
+                              <p:cond delay="0"/>
+                            </p:stCondLst>
+                            <p:childTnLst>
+                              <p:par>
+                                <p:cTn id="41" presetID="2" presetClass="entr" presetSubtype="4" fill="hold" nodeType="clickEffect">
+                                  <p:stCondLst>
+                                    <p:cond delay="0"/>
+                                  </p:stCondLst>
+                                  <p:childTnLst>
+                                    <p:set>
+                                      <p:cBhvr>
+                                        <p:cTn id="42" dur="1" fill="hold">
+                                          <p:stCondLst>
+                                            <p:cond delay="0"/>
+                                          </p:stCondLst>
+                                        </p:cTn>
+                                        <p:tgtEl>
+                                          <p:spTgt spid="11"/>
+                                        </p:tgtEl>
+                                        <p:attrNameLst>
+                                          <p:attrName>style.visibility</p:attrName>
+                                        </p:attrNameLst>
+                                      </p:cBhvr>
+                                      <p:to>
+                                        <p:strVal val="visible"/>
+                                      </p:to>
+                                    </p:set>
+                                    <p:anim calcmode="lin" valueType="num">
+                                      <p:cBhvr additive="base">
+                                        <p:cTn id="43" dur="500" fill="hold"/>
+                                        <p:tgtEl>
+                                          <p:spTgt spid="11"/>
+                                        </p:tgtEl>
+                                        <p:attrNameLst>
+                                          <p:attrName>ppt_x</p:attrName>
+                                        </p:attrNameLst>
+                                      </p:cBhvr>
+                                      <p:tavLst>
+                                        <p:tav tm="0">
+                                          <p:val>
+                                            <p:strVal val="#ppt_x"/>
+                                          </p:val>
+                                        </p:tav>
+                                        <p:tav tm="100000">
+                                          <p:val>
+                                            <p:strVal val="#ppt_x"/>
+                                          </p:val>
+                                        </p:tav>
+                                      </p:tavLst>
+                                    </p:anim>
+                                    <p:anim calcmode="lin" valueType="num">
+                                      <p:cBhvr additive="base">
+                                        <p:cTn id="44" dur="500" fill="hold"/>
+                                        <p:tgtEl>
+                                          <p:spTgt spid="11"/>
+                                        </p:tgtEl>
+                                        <p:attrNameLst>
+                                          <p:attrName>ppt_y</p:attrName>
+                                        </p:attrNameLst>
+                                      </p:cBhvr>
+                                      <p:tavLst>
+                                        <p:tav tm="0">
+                                          <p:val>
+                                            <p:strVal val="1+#ppt_h/2"/>
+                                          </p:val>
+                                        </p:tav>
+                                        <p:tav tm="100000">
+                                          <p:val>
+                                            <p:strVal val="#ppt_y"/>
+                                          </p:val>
+                                        </p:tav>
+                                      </p:tavLst>
+                                    </p:anim>
+                                  </p:childTnLst>
+                                </p:cTn>
+                              </p:par>
+                            </p:childTnLst>
+                          </p:cTn>
+                        </p:par>
+                      </p:childTnLst>
+                    </p:cTn>
+                  </p:par>
+                  <p:par>
+                    <p:cTn id="45" fill="hold">
+                      <p:stCondLst>
+                        <p:cond delay="indefinite"/>
+                      </p:stCondLst>
+                      <p:childTnLst>
+                        <p:par>
+                          <p:cTn id="46" fill="hold">
+                            <p:stCondLst>
+                              <p:cond delay="0"/>
+                            </p:stCondLst>
+                            <p:childTnLst>
+                              <p:par>
+                                <p:cTn id="47" presetID="2" presetClass="entr" presetSubtype="4" fill="hold" nodeType="clickEffect">
+                                  <p:stCondLst>
+                                    <p:cond delay="0"/>
+                                  </p:stCondLst>
+                                  <p:childTnLst>
+                                    <p:set>
+                                      <p:cBhvr>
+                                        <p:cTn id="48" dur="1" fill="hold">
+                                          <p:stCondLst>
+                                            <p:cond delay="0"/>
+                                          </p:stCondLst>
+                                        </p:cTn>
+                                        <p:tgtEl>
+                                          <p:spTgt spid="16"/>
+                                        </p:tgtEl>
+                                        <p:attrNameLst>
+                                          <p:attrName>style.visibility</p:attrName>
+                                        </p:attrNameLst>
+                                      </p:cBhvr>
+                                      <p:to>
+                                        <p:strVal val="visible"/>
+                                      </p:to>
+                                    </p:set>
+                                    <p:anim calcmode="lin" valueType="num">
+                                      <p:cBhvr additive="base">
+                                        <p:cTn id="49" dur="500" fill="hold"/>
+                                        <p:tgtEl>
+                                          <p:spTgt spid="16"/>
+                                        </p:tgtEl>
+                                        <p:attrNameLst>
+                                          <p:attrName>ppt_x</p:attrName>
+                                        </p:attrNameLst>
+                                      </p:cBhvr>
+                                      <p:tavLst>
+                                        <p:tav tm="0">
+                                          <p:val>
+                                            <p:strVal val="#ppt_x"/>
+                                          </p:val>
+                                        </p:tav>
+                                        <p:tav tm="100000">
+                                          <p:val>
+                                            <p:strVal val="#ppt_x"/>
+                                          </p:val>
+                                        </p:tav>
+                                      </p:tavLst>
+                                    </p:anim>
+                                    <p:anim calcmode="lin" valueType="num">
+                                      <p:cBhvr additive="base">
+                                        <p:cTn id="50" dur="500" fill="hold"/>
+                                        <p:tgtEl>
+                                          <p:spTgt spid="16"/>
+                                        </p:tgtEl>
+                                        <p:attrNameLst>
+                                          <p:attrName>ppt_y</p:attrName>
+                                        </p:attrNameLst>
+                                      </p:cBhvr>
+                                      <p:tavLst>
+                                        <p:tav tm="0">
+                                          <p:val>
+                                            <p:strVal val="1+#ppt_h/2"/>
+                                          </p:val>
+                                        </p:tav>
+                                        <p:tav tm="100000">
+                                          <p:val>
+                                            <p:strVal val="#ppt_y"/>
+                                          </p:val>
+                                        </p:tav>
+                                      </p:tavLst>
+                                    </p:anim>
+                                  </p:childTnLst>
+                                </p:cTn>
+                              </p:par>
+                            </p:childTnLst>
+                          </p:cTn>
+                        </p:par>
+                      </p:childTnLst>
+                    </p:cTn>
+                  </p:par>
+                  <p:par>
+                    <p:cTn id="51" fill="hold">
+                      <p:stCondLst>
+                        <p:cond delay="indefinite"/>
+                      </p:stCondLst>
+                      <p:childTnLst>
+                        <p:par>
+                          <p:cTn id="52" fill="hold">
+                            <p:stCondLst>
+                              <p:cond delay="0"/>
+                            </p:stCondLst>
+                            <p:childTnLst>
+                              <p:par>
+                                <p:cTn id="53" presetID="2" presetClass="entr" presetSubtype="4" fill="hold" nodeType="clickEffect">
+                                  <p:stCondLst>
+                                    <p:cond delay="0"/>
+                                  </p:stCondLst>
+                                  <p:childTnLst>
+                                    <p:set>
+                                      <p:cBhvr>
+                                        <p:cTn id="54" dur="1" fill="hold">
+                                          <p:stCondLst>
+                                            <p:cond delay="0"/>
+                                          </p:stCondLst>
+                                        </p:cTn>
+                                        <p:tgtEl>
+                                          <p:spTgt spid="23"/>
+                                        </p:tgtEl>
+                                        <p:attrNameLst>
+                                          <p:attrName>style.visibility</p:attrName>
+                                        </p:attrNameLst>
+                                      </p:cBhvr>
+                                      <p:to>
+                                        <p:strVal val="visible"/>
+                                      </p:to>
+                                    </p:set>
+                                    <p:anim calcmode="lin" valueType="num">
+                                      <p:cBhvr additive="base">
+                                        <p:cTn id="55" dur="500" fill="hold"/>
+                                        <p:tgtEl>
+                                          <p:spTgt spid="23"/>
+                                        </p:tgtEl>
+                                        <p:attrNameLst>
+                                          <p:attrName>ppt_x</p:attrName>
+                                        </p:attrNameLst>
+                                      </p:cBhvr>
+                                      <p:tavLst>
+                                        <p:tav tm="0">
+                                          <p:val>
+                                            <p:strVal val="#ppt_x"/>
+                                          </p:val>
+                                        </p:tav>
+                                        <p:tav tm="100000">
+                                          <p:val>
+                                            <p:strVal val="#ppt_x"/>
+                                          </p:val>
+                                        </p:tav>
+                                      </p:tavLst>
+                                    </p:anim>
+                                    <p:anim calcmode="lin" valueType="num">
+                                      <p:cBhvr additive="base">
+                                        <p:cTn id="56" dur="500" fill="hold"/>
+                                        <p:tgtEl>
+                                          <p:spTgt spid="23"/>
+                                        </p:tgtEl>
+                                        <p:attrNameLst>
+                                          <p:attrName>ppt_y</p:attrName>
+                                        </p:attrNameLst>
+                                      </p:cBhvr>
+                                      <p:tavLst>
+                                        <p:tav tm="0">
+                                          <p:val>
+                                            <p:strVal val="1+#ppt_h/2"/>
+                                          </p:val>
+                                        </p:tav>
+                                        <p:tav tm="100000">
+                                          <p:val>
+                                            <p:strVal val="#ppt_y"/>
+                                          </p:val>
+                                        </p:tav>
+                                      </p:tavLst>
+                                    </p:anim>
+                                  </p:childTnLst>
+                                </p:cTn>
+                              </p:par>
+                            </p:childTnLst>
+                          </p:cTn>
+                        </p:par>
+                      </p:childTnLst>
+                    </p:cTn>
+                  </p:par>
+                </p:childTnLst>
+              </p:cTn>
+              <p:prevCondLst>
+                <p:cond evt="onPrev" delay="0">
+                  <p:tgtEl>
+                    <p:sldTgt/>
+                  </p:tgtEl>
+                </p:cond>
+              </p:prevCondLst>
+              <p:nextCondLst>
+                <p:cond evt="onNext" delay="0">
+                  <p:tgtEl>
+                    <p:sldTgt/>
+                  </p:tgtEl>
+                </p:cond>
+              </p:nextCondLst>
+            </p:seq>
+          </p:childTnLst>
+        </p:cTn>
+      </p:par>
+    </p:tnLst>
+    <p:bldLst>
+      <p:bldP spid="14" grpId="0" uiExpand="1" build="p"/>
+    </p:bldLst>
+  </p:timing>
+</p:sld>
+</file>
+
+<file path=ppt/slides/slide11.xml><?xml version="1.0" encoding="utf-8"?>
+<p:sld xmlns:a="http://schemas.openxmlformats.org/drawingml/2006/main" xmlns:r="http://schemas.openxmlformats.org/officeDocument/2006/relationships" xmlns:p="http://schemas.openxmlformats.org/presentationml/2006/main">
+  <p:cSld>
+    <p:spTree>
+      <p:nvGrpSpPr>
+        <p:cNvPr id="1" name=""/>
+        <p:cNvGrpSpPr/>
+        <p:nvPr/>
+      </p:nvGrpSpPr>
+      <p:grpSpPr>
+        <a:xfrm>
+          <a:off x="0" y="0"/>
+          <a:ext cx="0" cy="0"/>
+          <a:chOff x="0" y="0"/>
+          <a:chExt cx="0" cy="0"/>
+        </a:xfrm>
+      </p:grpSpPr>
+      <p:sp>
+        <p:nvSpPr>
           <p:cNvPr id="2" name="标题 1"/>
           <p:cNvSpPr>
             <a:spLocks noGrp="1"/>
@@ -11874,7 +13497,7 @@
 </p:sld>
 </file>
 
-<file path=ppt/slides/slide11.xml><?xml version="1.0" encoding="utf-8"?>
+<file path=ppt/slides/slide12.xml><?xml version="1.0" encoding="utf-8"?>
 <p:sld xmlns:a="http://schemas.openxmlformats.org/drawingml/2006/main" xmlns:r="http://schemas.openxmlformats.org/officeDocument/2006/relationships" xmlns:p="http://schemas.openxmlformats.org/presentationml/2006/main">
   <p:cSld>
     <p:spTree>
@@ -12172,7 +13795,7 @@
 </p:sld>
 </file>
 
-<file path=ppt/slides/slide12.xml><?xml version="1.0" encoding="utf-8"?>
+<file path=ppt/slides/slide13.xml><?xml version="1.0" encoding="utf-8"?>
 <p:sld xmlns:a="http://schemas.openxmlformats.org/drawingml/2006/main" xmlns:r="http://schemas.openxmlformats.org/officeDocument/2006/relationships" xmlns:p="http://schemas.openxmlformats.org/presentationml/2006/main">
   <p:cSld>
     <p:spTree>
@@ -12470,7 +14093,7 @@
 </p:sld>
 </file>
 
-<file path=ppt/slides/slide13.xml><?xml version="1.0" encoding="utf-8"?>
+<file path=ppt/slides/slide14.xml><?xml version="1.0" encoding="utf-8"?>
 <p:sld xmlns:a="http://schemas.openxmlformats.org/drawingml/2006/main" xmlns:r="http://schemas.openxmlformats.org/officeDocument/2006/relationships" xmlns:p="http://schemas.openxmlformats.org/presentationml/2006/main">
   <p:cSld>
     <p:spTree>
@@ -12768,7 +14391,7 @@
 </p:sld>
 </file>
 
-<file path=ppt/slides/slide14.xml><?xml version="1.0" encoding="utf-8"?>
+<file path=ppt/slides/slide15.xml><?xml version="1.0" encoding="utf-8"?>
 <p:sld xmlns:a="http://schemas.openxmlformats.org/drawingml/2006/main" xmlns:r="http://schemas.openxmlformats.org/officeDocument/2006/relationships" xmlns:p="http://schemas.openxmlformats.org/presentationml/2006/main">
   <p:cSld>
     <p:spTree>
@@ -13066,7 +14689,7 @@
 </p:sld>
 </file>
 
-<file path=ppt/slides/slide15.xml><?xml version="1.0" encoding="utf-8"?>
+<file path=ppt/slides/slide16.xml><?xml version="1.0" encoding="utf-8"?>
 <p:sld xmlns:a="http://schemas.openxmlformats.org/drawingml/2006/main" xmlns:r="http://schemas.openxmlformats.org/officeDocument/2006/relationships" xmlns:p="http://schemas.openxmlformats.org/presentationml/2006/main">
   <p:cSld>
     <p:spTree>
@@ -13364,7 +14987,7 @@
 </p:sld>
 </file>
 
-<file path=ppt/slides/slide16.xml><?xml version="1.0" encoding="utf-8"?>
+<file path=ppt/slides/slide17.xml><?xml version="1.0" encoding="utf-8"?>
 <p:sld xmlns:a="http://schemas.openxmlformats.org/drawingml/2006/main" xmlns:r="http://schemas.openxmlformats.org/officeDocument/2006/relationships" xmlns:p="http://schemas.openxmlformats.org/presentationml/2006/main">
   <p:cSld>
     <p:spTree>
@@ -13662,7 +15285,7 @@
 </p:sld>
 </file>
 
-<file path=ppt/slides/slide17.xml><?xml version="1.0" encoding="utf-8"?>
+<file path=ppt/slides/slide18.xml><?xml version="1.0" encoding="utf-8"?>
 <p:sld xmlns:a="http://schemas.openxmlformats.org/drawingml/2006/main" xmlns:r="http://schemas.openxmlformats.org/officeDocument/2006/relationships" xmlns:p="http://schemas.openxmlformats.org/presentationml/2006/main">
   <p:cSld>
     <p:spTree>
@@ -13969,7 +15592,27 @@
                 <a:latin typeface="微软雅黑" panose="020B0503020204020204" pitchFamily="34" charset="-122"/>
                 <a:ea typeface="微软雅黑" panose="020B0503020204020204" pitchFamily="34" charset="-122"/>
               </a:rPr>
-              <a:t>网格属性计</a:t>
+              <a:t>网格属性</a:t>
+            </a:r>
+            <a:r>
+              <a:rPr lang="zh-CN" altLang="en-US" sz="2400" dirty="0" smtClean="0">
+                <a:solidFill>
+                  <a:srgbClr val="0070C0"/>
+                </a:solidFill>
+                <a:latin typeface="微软雅黑" panose="020B0503020204020204" pitchFamily="34" charset="-122"/>
+                <a:ea typeface="微软雅黑" panose="020B0503020204020204" pitchFamily="34" charset="-122"/>
+              </a:rPr>
+              <a:t>计</a:t>
+            </a:r>
+            <a:r>
+              <a:rPr lang="zh-CN" altLang="en-US" sz="2400" dirty="0">
+                <a:solidFill>
+                  <a:srgbClr val="0070C0"/>
+                </a:solidFill>
+                <a:latin typeface="微软雅黑" panose="020B0503020204020204" pitchFamily="34" charset="-122"/>
+                <a:ea typeface="微软雅黑" panose="020B0503020204020204" pitchFamily="34" charset="-122"/>
+              </a:rPr>
+              <a:t>算</a:t>
             </a:r>
             <a:endParaRPr lang="en-US" altLang="zh-CN" sz="2400" dirty="0" smtClean="0">
               <a:solidFill>
@@ -14040,7 +15683,17 @@
                 <a:latin typeface="微软雅黑" panose="020B0503020204020204" pitchFamily="34" charset="-122"/>
                 <a:ea typeface="微软雅黑" panose="020B0503020204020204" pitchFamily="34" charset="-122"/>
               </a:rPr>
-              <a:t>增强学习求</a:t>
+              <a:t>增强学习</a:t>
+            </a:r>
+            <a:r>
+              <a:rPr lang="zh-CN" altLang="en-US" sz="2400" dirty="0" smtClean="0">
+                <a:solidFill>
+                  <a:srgbClr val="0070C0"/>
+                </a:solidFill>
+                <a:latin typeface="微软雅黑" panose="020B0503020204020204" pitchFamily="34" charset="-122"/>
+                <a:ea typeface="微软雅黑" panose="020B0503020204020204" pitchFamily="34" charset="-122"/>
+              </a:rPr>
+              <a:t>求解</a:t>
             </a:r>
             <a:endParaRPr lang="en-US" altLang="zh-CN" sz="2400" dirty="0" smtClean="0">
               <a:solidFill>
@@ -14117,7 +15770,7 @@
         </p:nvGraphicFramePr>
         <p:xfrm>
           <a:off x="3480179" y="1825624"/>
-          <a:ext cx="5622877" cy="4732418"/>
+          <a:ext cx="5622877" cy="4582688"/>
         </p:xfrm>
         <a:graphic>
           <a:graphicData uri="http://schemas.openxmlformats.org/drawingml/2006/table">
@@ -15727,7 +17380,7 @@
 </p:sld>
 </file>
 
-<file path=ppt/slides/slide18.xml><?xml version="1.0" encoding="utf-8"?>
+<file path=ppt/slides/slide19.xml><?xml version="1.0" encoding="utf-8"?>
 <p:sld xmlns:a="http://schemas.openxmlformats.org/drawingml/2006/main" xmlns:r="http://schemas.openxmlformats.org/officeDocument/2006/relationships" xmlns:p="http://schemas.openxmlformats.org/presentationml/2006/main">
   <p:cSld>
     <p:spTree>
@@ -16243,202 +17896,6 @@
     <p:bldLst>
       <p:bldP spid="3" grpId="0" build="p"/>
     </p:bldLst>
-  </p:timing>
-</p:sld>
-</file>
-
-<file path=ppt/slides/slide19.xml><?xml version="1.0" encoding="utf-8"?>
-<p:sld xmlns:a="http://schemas.openxmlformats.org/drawingml/2006/main" xmlns:r="http://schemas.openxmlformats.org/officeDocument/2006/relationships" xmlns:p="http://schemas.openxmlformats.org/presentationml/2006/main">
-  <p:cSld>
-    <p:spTree>
-      <p:nvGrpSpPr>
-        <p:cNvPr id="1" name=""/>
-        <p:cNvGrpSpPr/>
-        <p:nvPr/>
-      </p:nvGrpSpPr>
-      <p:grpSpPr>
-        <a:xfrm>
-          <a:off x="0" y="0"/>
-          <a:ext cx="0" cy="0"/>
-          <a:chOff x="0" y="0"/>
-          <a:chExt cx="0" cy="0"/>
-        </a:xfrm>
-      </p:grpSpPr>
-      <p:sp>
-        <p:nvSpPr>
-          <p:cNvPr id="2" name="标题 1"/>
-          <p:cNvSpPr>
-            <a:spLocks noGrp="1"/>
-          </p:cNvSpPr>
-          <p:nvPr>
-            <p:ph type="title"/>
-          </p:nvPr>
-        </p:nvSpPr>
-        <p:spPr/>
-        <p:txBody>
-          <a:bodyPr/>
-          <a:lstStyle/>
-          <a:p>
-            <a:r>
-              <a:rPr lang="zh-CN" altLang="en-US" sz="2800" dirty="0"/>
-              <a:t>谢谢</a:t>
-            </a:r>
-            <a:r>
-              <a:rPr lang="zh-CN" altLang="en-US" sz="2800" dirty="0" smtClean="0"/>
-              <a:t>！请</a:t>
-            </a:r>
-            <a:r>
-              <a:rPr lang="zh-CN" altLang="en-US" sz="2800" dirty="0"/>
-              <a:t>老师提问</a:t>
-            </a:r>
-            <a:endParaRPr lang="zh-CN" altLang="en-US" dirty="0"/>
-          </a:p>
-        </p:txBody>
-      </p:sp>
-      <p:pic>
-        <p:nvPicPr>
-          <p:cNvPr id="11" name="图片 10"/>
-          <p:cNvPicPr>
-            <a:picLocks noChangeAspect="1"/>
-          </p:cNvPicPr>
-          <p:nvPr/>
-        </p:nvPicPr>
-        <p:blipFill>
-          <a:blip r:embed="rId3"/>
-          <a:stretch>
-            <a:fillRect/>
-          </a:stretch>
-        </p:blipFill>
-        <p:spPr>
-          <a:xfrm>
-            <a:off x="4680000" y="1364051"/>
-            <a:ext cx="4320000" cy="3106416"/>
-          </a:xfrm>
-          <a:prstGeom prst="rect">
-            <a:avLst/>
-          </a:prstGeom>
-        </p:spPr>
-      </p:pic>
-      <p:pic>
-        <p:nvPicPr>
-          <p:cNvPr id="15" name="图片 14"/>
-          <p:cNvPicPr>
-            <a:picLocks noChangeAspect="1"/>
-          </p:cNvPicPr>
-          <p:nvPr/>
-        </p:nvPicPr>
-        <p:blipFill>
-          <a:blip r:embed="rId4"/>
-          <a:stretch>
-            <a:fillRect/>
-          </a:stretch>
-        </p:blipFill>
-        <p:spPr>
-          <a:xfrm>
-            <a:off x="0" y="4998822"/>
-            <a:ext cx="4680000" cy="1859178"/>
-          </a:xfrm>
-          <a:prstGeom prst="rect">
-            <a:avLst/>
-          </a:prstGeom>
-        </p:spPr>
-      </p:pic>
-      <p:pic>
-        <p:nvPicPr>
-          <p:cNvPr id="17" name="图片 16"/>
-          <p:cNvPicPr>
-            <a:picLocks noChangeAspect="1"/>
-          </p:cNvPicPr>
-          <p:nvPr/>
-        </p:nvPicPr>
-        <p:blipFill>
-          <a:blip r:embed="rId5"/>
-          <a:stretch>
-            <a:fillRect/>
-          </a:stretch>
-        </p:blipFill>
-        <p:spPr>
-          <a:xfrm>
-            <a:off x="-60163" y="1555739"/>
-            <a:ext cx="4680000" cy="1980872"/>
-          </a:xfrm>
-          <a:prstGeom prst="rect">
-            <a:avLst/>
-          </a:prstGeom>
-        </p:spPr>
-      </p:pic>
-      <p:pic>
-        <p:nvPicPr>
-          <p:cNvPr id="19" name="图片 18"/>
-          <p:cNvPicPr>
-            <a:picLocks noChangeAspect="1"/>
-          </p:cNvPicPr>
-          <p:nvPr/>
-        </p:nvPicPr>
-        <p:blipFill>
-          <a:blip r:embed="rId6"/>
-          <a:stretch>
-            <a:fillRect/>
-          </a:stretch>
-        </p:blipFill>
-        <p:spPr>
-          <a:xfrm>
-            <a:off x="-36094" y="3264130"/>
-            <a:ext cx="4680000" cy="1675842"/>
-          </a:xfrm>
-          <a:prstGeom prst="rect">
-            <a:avLst/>
-          </a:prstGeom>
-        </p:spPr>
-      </p:pic>
-      <p:pic>
-        <p:nvPicPr>
-          <p:cNvPr id="20" name="图片 19"/>
-          <p:cNvPicPr>
-            <a:picLocks noChangeAspect="1"/>
-          </p:cNvPicPr>
-          <p:nvPr/>
-        </p:nvPicPr>
-        <p:blipFill>
-          <a:blip r:embed="rId7"/>
-          <a:stretch>
-            <a:fillRect/>
-          </a:stretch>
-        </p:blipFill>
-        <p:spPr>
-          <a:xfrm>
-            <a:off x="4500000" y="4468426"/>
-            <a:ext cx="4680000" cy="2293663"/>
-          </a:xfrm>
-          <a:prstGeom prst="rect">
-            <a:avLst/>
-          </a:prstGeom>
-        </p:spPr>
-      </p:pic>
-    </p:spTree>
-    <p:extLst>
-      <p:ext uri="{BB962C8B-B14F-4D97-AF65-F5344CB8AC3E}">
-        <p14:creationId xmlns:p14="http://schemas.microsoft.com/office/powerpoint/2010/main" val="3825164774"/>
-      </p:ext>
-    </p:extLst>
-  </p:cSld>
-  <p:clrMapOvr>
-    <a:masterClrMapping/>
-  </p:clrMapOvr>
-  <mc:AlternateContent xmlns:mc="http://schemas.openxmlformats.org/markup-compatibility/2006" xmlns:p14="http://schemas.microsoft.com/office/powerpoint/2010/main">
-    <mc:Choice Requires="p14">
-      <p:transition p14:dur="10"/>
-    </mc:Choice>
-    <mc:Fallback xmlns="">
-      <p:transition/>
-    </mc:Fallback>
-  </mc:AlternateContent>
-  <p:timing>
-    <p:tnLst>
-      <p:par>
-        <p:cTn id="1" dur="indefinite" restart="never" nodeType="tmRoot"/>
-      </p:par>
-    </p:tnLst>
   </p:timing>
 </p:sld>
 </file>
@@ -17078,7 +18535,7 @@
       </p:grpSpPr>
       <p:sp>
         <p:nvSpPr>
-          <p:cNvPr id="2" name="Title 1"/>
+          <p:cNvPr id="2" name="标题 1"/>
           <p:cNvSpPr>
             <a:spLocks noGrp="1"/>
           </p:cNvSpPr>
@@ -17086,1112 +18543,151 @@
             <p:ph type="title"/>
           </p:nvPr>
         </p:nvSpPr>
-        <p:spPr>
-          <a:xfrm>
-            <a:off x="453327" y="-40944"/>
-            <a:ext cx="8062025" cy="1208868"/>
-          </a:xfrm>
-        </p:spPr>
+        <p:spPr/>
         <p:txBody>
           <a:bodyPr/>
           <a:lstStyle/>
           <a:p>
             <a:r>
-              <a:rPr lang="zh-CN" altLang="en-US" dirty="0"/>
-              <a:t>示例：用二分形状语义表示一个简单的建筑立面</a:t>
-            </a:r>
+              <a:rPr lang="zh-CN" altLang="en-US" sz="2800" dirty="0"/>
+              <a:t>谢谢</a:t>
+            </a:r>
+            <a:r>
+              <a:rPr lang="zh-CN" altLang="en-US" sz="2800" dirty="0" smtClean="0"/>
+              <a:t>！请</a:t>
+            </a:r>
+            <a:r>
+              <a:rPr lang="zh-CN" altLang="en-US" sz="2800" dirty="0"/>
+              <a:t>老师提问</a:t>
+            </a:r>
+            <a:endParaRPr lang="zh-CN" altLang="en-US" dirty="0"/>
           </a:p>
         </p:txBody>
       </p:sp>
       <p:pic>
         <p:nvPicPr>
-          <p:cNvPr id="3074" name="Picture 2"/>
+          <p:cNvPr id="11" name="图片 10"/>
           <p:cNvPicPr>
-            <a:picLocks noChangeAspect="1" noChangeArrowheads="1"/>
+            <a:picLocks noChangeAspect="1"/>
           </p:cNvPicPr>
           <p:nvPr/>
         </p:nvPicPr>
         <p:blipFill>
-          <a:blip r:embed="rId3">
-            <a:extLst>
-              <a:ext uri="{28A0092B-C50C-407E-A947-70E740481C1C}">
-                <a14:useLocalDpi xmlns:a14="http://schemas.microsoft.com/office/drawing/2010/main" val="0"/>
-              </a:ext>
-            </a:extLst>
-          </a:blip>
-          <a:srcRect/>
+          <a:blip r:embed="rId3"/>
           <a:stretch>
             <a:fillRect/>
           </a:stretch>
         </p:blipFill>
-        <p:spPr bwMode="auto">
-          <a:xfrm>
-            <a:off x="4491987" y="2102352"/>
-            <a:ext cx="4652013" cy="3973595"/>
-          </a:xfrm>
-          <a:prstGeom prst="rect">
-            <a:avLst/>
-          </a:prstGeom>
-          <a:noFill/>
-          <a:ln>
-            <a:noFill/>
-          </a:ln>
-          <a:effectLst/>
-          <a:extLst>
-            <a:ext uri="{909E8E84-426E-40DD-AFC4-6F175D3DCCD1}">
-              <a14:hiddenFill xmlns:a14="http://schemas.microsoft.com/office/drawing/2010/main">
-                <a:solidFill>
-                  <a:schemeClr val="accent1"/>
-                </a:solidFill>
-              </a14:hiddenFill>
-            </a:ext>
-            <a:ext uri="{91240B29-F687-4F45-9708-019B960494DF}">
-              <a14:hiddenLine xmlns:a14="http://schemas.microsoft.com/office/drawing/2010/main" w="9525">
-                <a:solidFill>
-                  <a:schemeClr val="tx1"/>
-                </a:solidFill>
-                <a:miter lim="800000"/>
-                <a:headEnd/>
-                <a:tailEnd/>
-              </a14:hiddenLine>
-            </a:ext>
-            <a:ext uri="{AF507438-7753-43E0-B8FC-AC1667EBCBE1}">
-              <a14:hiddenEffects xmlns:a14="http://schemas.microsoft.com/office/drawing/2010/main">
-                <a:effectLst>
-                  <a:outerShdw dist="35921" dir="2700000" algn="ctr" rotWithShape="0">
-                    <a:schemeClr val="bg2"/>
-                  </a:outerShdw>
-                </a:effectLst>
-              </a14:hiddenEffects>
-            </a:ext>
-          </a:extLst>
-        </p:spPr>
-      </p:pic>
-      <p:sp>
-        <p:nvSpPr>
-          <p:cNvPr id="6" name="Content Placeholder 2"/>
-          <p:cNvSpPr txBox="1">
-            <a:spLocks/>
-          </p:cNvSpPr>
-          <p:nvPr/>
-        </p:nvSpPr>
         <p:spPr>
           <a:xfrm>
-            <a:off x="126526" y="1720357"/>
-            <a:ext cx="5117295" cy="5068469"/>
+            <a:off x="4680000" y="1364051"/>
+            <a:ext cx="4320000" cy="3106416"/>
           </a:xfrm>
           <a:prstGeom prst="rect">
             <a:avLst/>
           </a:prstGeom>
         </p:spPr>
-        <p:txBody>
-          <a:bodyPr vert="horz" lIns="91440" tIns="45720" rIns="91440" bIns="45720" rtlCol="0">
-            <a:normAutofit fontScale="62500" lnSpcReduction="20000"/>
-          </a:bodyPr>
-          <a:lstStyle>
-            <a:lvl1pPr marL="0" indent="0" algn="l" defTabSz="685800" rtl="0" eaLnBrk="1" latinLnBrk="0" hangingPunct="1">
-              <a:lnSpc>
-                <a:spcPct val="150000"/>
-              </a:lnSpc>
-              <a:spcBef>
-                <a:spcPct val="30000"/>
-              </a:spcBef>
-              <a:spcAft>
-                <a:spcPts val="900"/>
-              </a:spcAft>
-              <a:buFont typeface="Arial" panose="020B0604020202020204" pitchFamily="34" charset="0"/>
-              <a:buNone/>
-              <a:defRPr lang="zh-CN" sz="1200" kern="1200">
-                <a:solidFill>
-                  <a:schemeClr val="bg1">
-                    <a:lumMod val="50000"/>
-                  </a:schemeClr>
-                </a:solidFill>
-                <a:latin typeface="Microsoft YaHei UI" panose="020B0503020204020204" pitchFamily="34" charset="-122"/>
-                <a:ea typeface="Microsoft YaHei UI" panose="020B0503020204020204" pitchFamily="34" charset="-122"/>
-                <a:cs typeface="+mn-cs"/>
-              </a:defRPr>
-            </a:lvl1pPr>
-            <a:lvl2pPr marL="514350" indent="-171450" algn="l" defTabSz="685800" rtl="0" eaLnBrk="1" latinLnBrk="0" hangingPunct="1">
-              <a:lnSpc>
-                <a:spcPct val="150000"/>
-              </a:lnSpc>
-              <a:spcBef>
-                <a:spcPct val="30000"/>
-              </a:spcBef>
-              <a:spcAft>
-                <a:spcPts val="900"/>
-              </a:spcAft>
-              <a:buFont typeface="Arial" panose="020B0604020202020204" pitchFamily="34" charset="0"/>
-              <a:buChar char="•"/>
-              <a:defRPr lang="zh-CN" sz="1050" kern="1200">
-                <a:solidFill>
-                  <a:schemeClr val="bg1">
-                    <a:lumMod val="50000"/>
-                  </a:schemeClr>
-                </a:solidFill>
-                <a:latin typeface="Microsoft YaHei UI" panose="020B0503020204020204" pitchFamily="34" charset="-122"/>
-                <a:ea typeface="Microsoft YaHei UI" panose="020B0503020204020204" pitchFamily="34" charset="-122"/>
-                <a:cs typeface="+mn-cs"/>
-              </a:defRPr>
-            </a:lvl2pPr>
-            <a:lvl3pPr marL="857250" indent="-171450" algn="l" defTabSz="685800" rtl="0" eaLnBrk="1" latinLnBrk="0" hangingPunct="1">
-              <a:lnSpc>
-                <a:spcPct val="150000"/>
-              </a:lnSpc>
-              <a:spcBef>
-                <a:spcPct val="30000"/>
-              </a:spcBef>
-              <a:spcAft>
-                <a:spcPts val="900"/>
-              </a:spcAft>
-              <a:buFont typeface="Arial" panose="020B0604020202020204" pitchFamily="34" charset="0"/>
-              <a:buChar char="•"/>
-              <a:defRPr lang="zh-CN" sz="900" kern="1200">
-                <a:solidFill>
-                  <a:schemeClr val="bg1">
-                    <a:lumMod val="50000"/>
-                  </a:schemeClr>
-                </a:solidFill>
-                <a:latin typeface="Microsoft YaHei UI" panose="020B0503020204020204" pitchFamily="34" charset="-122"/>
-                <a:ea typeface="Microsoft YaHei UI" panose="020B0503020204020204" pitchFamily="34" charset="-122"/>
-                <a:cs typeface="+mn-cs"/>
-              </a:defRPr>
-            </a:lvl3pPr>
-            <a:lvl4pPr marL="1200150" indent="-171450" algn="l" defTabSz="685800" rtl="0" eaLnBrk="1" latinLnBrk="0" hangingPunct="1">
-              <a:lnSpc>
-                <a:spcPct val="150000"/>
-              </a:lnSpc>
-              <a:spcBef>
-                <a:spcPct val="30000"/>
-              </a:spcBef>
-              <a:spcAft>
-                <a:spcPts val="900"/>
-              </a:spcAft>
-              <a:buFont typeface="Arial" panose="020B0604020202020204" pitchFamily="34" charset="0"/>
-              <a:buChar char="•"/>
-              <a:defRPr lang="zh-CN" sz="825" kern="1200">
-                <a:solidFill>
-                  <a:schemeClr val="bg1">
-                    <a:lumMod val="50000"/>
-                  </a:schemeClr>
-                </a:solidFill>
-                <a:latin typeface="Microsoft YaHei UI" panose="020B0503020204020204" pitchFamily="34" charset="-122"/>
-                <a:ea typeface="Microsoft YaHei UI" panose="020B0503020204020204" pitchFamily="34" charset="-122"/>
-                <a:cs typeface="+mn-cs"/>
-              </a:defRPr>
-            </a:lvl4pPr>
-            <a:lvl5pPr marL="1543050" indent="-171450" algn="l" defTabSz="685800" rtl="0" eaLnBrk="1" latinLnBrk="0" hangingPunct="1">
-              <a:lnSpc>
-                <a:spcPct val="150000"/>
-              </a:lnSpc>
-              <a:spcBef>
-                <a:spcPct val="30000"/>
-              </a:spcBef>
-              <a:spcAft>
-                <a:spcPts val="900"/>
-              </a:spcAft>
-              <a:buFont typeface="Arial" panose="020B0604020202020204" pitchFamily="34" charset="0"/>
-              <a:buChar char="•"/>
-              <a:defRPr lang="zh-CN" sz="825" kern="1200">
-                <a:solidFill>
-                  <a:schemeClr val="bg1">
-                    <a:lumMod val="50000"/>
-                  </a:schemeClr>
-                </a:solidFill>
-                <a:latin typeface="Microsoft YaHei UI" panose="020B0503020204020204" pitchFamily="34" charset="-122"/>
-                <a:ea typeface="Microsoft YaHei UI" panose="020B0503020204020204" pitchFamily="34" charset="-122"/>
-                <a:cs typeface="+mn-cs"/>
-              </a:defRPr>
-            </a:lvl5pPr>
-            <a:lvl6pPr marL="1885950" indent="-171450" algn="l" defTabSz="685800" rtl="0" eaLnBrk="1" latinLnBrk="0" hangingPunct="1">
-              <a:lnSpc>
-                <a:spcPct val="90000"/>
-              </a:lnSpc>
-              <a:spcBef>
-                <a:spcPct val="30000"/>
-              </a:spcBef>
-              <a:buFont typeface="Arial" panose="020B0604020202020204" pitchFamily="34" charset="0"/>
-              <a:buChar char="•"/>
-              <a:defRPr lang="zh-CN" sz="1350" kern="1200">
-                <a:solidFill>
-                  <a:schemeClr val="tx1"/>
-                </a:solidFill>
-                <a:latin typeface="+mn-lt"/>
-                <a:ea typeface="+mn-ea"/>
-                <a:cs typeface="+mn-cs"/>
-              </a:defRPr>
-            </a:lvl6pPr>
-            <a:lvl7pPr marL="2228850" indent="-171450" algn="l" defTabSz="685800" rtl="0" eaLnBrk="1" latinLnBrk="0" hangingPunct="1">
-              <a:lnSpc>
-                <a:spcPct val="90000"/>
-              </a:lnSpc>
-              <a:spcBef>
-                <a:spcPct val="30000"/>
-              </a:spcBef>
-              <a:buFont typeface="Arial" panose="020B0604020202020204" pitchFamily="34" charset="0"/>
-              <a:buChar char="•"/>
-              <a:defRPr lang="zh-CN" sz="1350" kern="1200">
-                <a:solidFill>
-                  <a:schemeClr val="tx1"/>
-                </a:solidFill>
-                <a:latin typeface="+mn-lt"/>
-                <a:ea typeface="+mn-ea"/>
-                <a:cs typeface="+mn-cs"/>
-              </a:defRPr>
-            </a:lvl7pPr>
-            <a:lvl8pPr marL="2571750" indent="-171450" algn="l" defTabSz="685800" rtl="0" eaLnBrk="1" latinLnBrk="0" hangingPunct="1">
-              <a:lnSpc>
-                <a:spcPct val="90000"/>
-              </a:lnSpc>
-              <a:spcBef>
-                <a:spcPct val="30000"/>
-              </a:spcBef>
-              <a:buFont typeface="Arial" panose="020B0604020202020204" pitchFamily="34" charset="0"/>
-              <a:buChar char="•"/>
-              <a:defRPr lang="zh-CN" sz="1350" kern="1200">
-                <a:solidFill>
-                  <a:schemeClr val="tx1"/>
-                </a:solidFill>
-                <a:latin typeface="+mn-lt"/>
-                <a:ea typeface="+mn-ea"/>
-                <a:cs typeface="+mn-cs"/>
-              </a:defRPr>
-            </a:lvl8pPr>
-            <a:lvl9pPr marL="2914650" indent="-171450" algn="l" defTabSz="685800" rtl="0" eaLnBrk="1" latinLnBrk="0" hangingPunct="1">
-              <a:lnSpc>
-                <a:spcPct val="90000"/>
-              </a:lnSpc>
-              <a:spcBef>
-                <a:spcPct val="30000"/>
-              </a:spcBef>
-              <a:buFont typeface="Arial" panose="020B0604020202020204" pitchFamily="34" charset="0"/>
-              <a:buChar char="•"/>
-              <a:defRPr lang="zh-CN" sz="1350" kern="1200">
-                <a:solidFill>
-                  <a:schemeClr val="tx1"/>
-                </a:solidFill>
-                <a:latin typeface="+mn-lt"/>
-                <a:ea typeface="+mn-ea"/>
-                <a:cs typeface="+mn-cs"/>
-              </a:defRPr>
-            </a:lvl9pPr>
-          </a:lstStyle>
-          <a:p>
-            <a:pPr marL="214313" indent="-214313">
-              <a:lnSpc>
-                <a:spcPct val="120000"/>
-              </a:lnSpc>
-              <a:buClr>
-                <a:srgbClr val="00B050"/>
-              </a:buClr>
-              <a:buFont typeface="Wingdings" panose="05000000000000000000" pitchFamily="2" charset="2"/>
-              <a:buChar char="u"/>
-            </a:pPr>
-            <a:r>
-              <a:rPr lang="zh-CN" altLang="en-US" sz="3100" dirty="0" smtClean="0">
-                <a:solidFill>
-                  <a:srgbClr val="0070C0"/>
-                </a:solidFill>
-                <a:latin typeface="微软雅黑" panose="020B0503020204020204" pitchFamily="34" charset="-122"/>
-                <a:ea typeface="微软雅黑" panose="020B0503020204020204" pitchFamily="34" charset="-122"/>
-              </a:rPr>
-              <a:t>初始形状：</a:t>
-            </a:r>
-            <a:r>
-              <a:rPr lang="en-US" altLang="zh-CN" sz="3100" dirty="0" smtClean="0">
-                <a:solidFill>
-                  <a:schemeClr val="tx1"/>
-                </a:solidFill>
-                <a:latin typeface="微软雅黑" panose="020B0503020204020204" pitchFamily="34" charset="-122"/>
-                <a:ea typeface="微软雅黑" panose="020B0503020204020204" pitchFamily="34" charset="-122"/>
-              </a:rPr>
-              <a:t>façade</a:t>
-            </a:r>
-          </a:p>
-          <a:p>
-            <a:pPr marL="214313" indent="-214313">
-              <a:lnSpc>
-                <a:spcPct val="120000"/>
-              </a:lnSpc>
-              <a:buClr>
-                <a:srgbClr val="00B050"/>
-              </a:buClr>
-              <a:buFont typeface="Wingdings" panose="05000000000000000000" pitchFamily="2" charset="2"/>
-              <a:buChar char="u"/>
-            </a:pPr>
-            <a:r>
-              <a:rPr lang="zh-CN" altLang="en-US" sz="3100" dirty="0" smtClean="0">
-                <a:solidFill>
-                  <a:srgbClr val="0070C0"/>
-                </a:solidFill>
-                <a:latin typeface="微软雅黑" panose="020B0503020204020204" pitchFamily="34" charset="-122"/>
-                <a:ea typeface="微软雅黑" panose="020B0503020204020204" pitchFamily="34" charset="-122"/>
-              </a:rPr>
-              <a:t>终端形状：</a:t>
-            </a:r>
-            <a:r>
-              <a:rPr lang="en-US" altLang="zh-CN" sz="3100" dirty="0" smtClean="0">
-                <a:solidFill>
-                  <a:schemeClr val="tx1"/>
-                </a:solidFill>
-                <a:latin typeface="微软雅黑" panose="020B0503020204020204" pitchFamily="34" charset="-122"/>
-                <a:ea typeface="微软雅黑" panose="020B0503020204020204" pitchFamily="34" charset="-122"/>
-              </a:rPr>
-              <a:t>window</a:t>
-            </a:r>
-            <a:r>
-              <a:rPr lang="zh-CN" altLang="en-US" sz="3100" dirty="0" smtClean="0">
-                <a:solidFill>
-                  <a:schemeClr val="tx1"/>
-                </a:solidFill>
-                <a:latin typeface="微软雅黑" panose="020B0503020204020204" pitchFamily="34" charset="-122"/>
-                <a:ea typeface="微软雅黑" panose="020B0503020204020204" pitchFamily="34" charset="-122"/>
-              </a:rPr>
-              <a:t>、</a:t>
-            </a:r>
-            <a:r>
-              <a:rPr lang="en-US" altLang="zh-CN" sz="3100" dirty="0" smtClean="0">
-                <a:solidFill>
-                  <a:schemeClr val="tx1"/>
-                </a:solidFill>
-                <a:latin typeface="微软雅黑" panose="020B0503020204020204" pitchFamily="34" charset="-122"/>
-                <a:ea typeface="微软雅黑" panose="020B0503020204020204" pitchFamily="34" charset="-122"/>
-              </a:rPr>
-              <a:t>wall</a:t>
-            </a:r>
-          </a:p>
-          <a:p>
-            <a:pPr marL="214313" indent="-214313">
-              <a:lnSpc>
-                <a:spcPct val="120000"/>
-              </a:lnSpc>
-              <a:buClr>
-                <a:srgbClr val="00B050"/>
-              </a:buClr>
-              <a:buFont typeface="Wingdings" panose="05000000000000000000" pitchFamily="2" charset="2"/>
-              <a:buChar char="u"/>
-            </a:pPr>
-            <a:r>
-              <a:rPr lang="zh-CN" altLang="en-US" sz="3100" dirty="0">
-                <a:solidFill>
-                  <a:srgbClr val="0070C0"/>
-                </a:solidFill>
-                <a:latin typeface="微软雅黑" panose="020B0503020204020204" pitchFamily="34" charset="-122"/>
-                <a:ea typeface="微软雅黑" panose="020B0503020204020204" pitchFamily="34" charset="-122"/>
-              </a:rPr>
-              <a:t>非</a:t>
-            </a:r>
-            <a:r>
-              <a:rPr lang="zh-CN" altLang="en-US" sz="3100" dirty="0" smtClean="0">
-                <a:solidFill>
-                  <a:srgbClr val="0070C0"/>
-                </a:solidFill>
-                <a:latin typeface="微软雅黑" panose="020B0503020204020204" pitchFamily="34" charset="-122"/>
-                <a:ea typeface="微软雅黑" panose="020B0503020204020204" pitchFamily="34" charset="-122"/>
-              </a:rPr>
-              <a:t>终端形状：</a:t>
-            </a:r>
-            <a:r>
-              <a:rPr lang="en-US" altLang="zh-CN" sz="3100" dirty="0" smtClean="0">
-                <a:solidFill>
-                  <a:schemeClr val="tx1"/>
-                </a:solidFill>
-                <a:latin typeface="微软雅黑" panose="020B0503020204020204" pitchFamily="34" charset="-122"/>
-                <a:ea typeface="微软雅黑" panose="020B0503020204020204" pitchFamily="34" charset="-122"/>
-              </a:rPr>
-              <a:t>floorWall</a:t>
-            </a:r>
-            <a:r>
-              <a:rPr lang="zh-CN" altLang="en-US" sz="3100" dirty="0" smtClean="0">
-                <a:solidFill>
-                  <a:schemeClr val="tx1"/>
-                </a:solidFill>
-                <a:latin typeface="微软雅黑" panose="020B0503020204020204" pitchFamily="34" charset="-122"/>
-                <a:ea typeface="微软雅黑" panose="020B0503020204020204" pitchFamily="34" charset="-122"/>
-              </a:rPr>
-              <a:t>、</a:t>
-            </a:r>
-            <a:r>
-              <a:rPr lang="en-US" altLang="zh-CN" sz="3100" dirty="0" err="1" smtClean="0">
-                <a:solidFill>
-                  <a:schemeClr val="tx1"/>
-                </a:solidFill>
-                <a:latin typeface="微软雅黑" panose="020B0503020204020204" pitchFamily="34" charset="-122"/>
-                <a:ea typeface="微软雅黑" panose="020B0503020204020204" pitchFamily="34" charset="-122"/>
-              </a:rPr>
-              <a:t>floorWindow</a:t>
-            </a:r>
-            <a:r>
-              <a:rPr lang="zh-CN" altLang="en-US" sz="3100" dirty="0" smtClean="0">
-                <a:solidFill>
-                  <a:schemeClr val="tx1"/>
-                </a:solidFill>
-                <a:latin typeface="微软雅黑" panose="020B0503020204020204" pitchFamily="34" charset="-122"/>
-                <a:ea typeface="微软雅黑" panose="020B0503020204020204" pitchFamily="34" charset="-122"/>
-              </a:rPr>
-              <a:t>、</a:t>
-            </a:r>
-            <a:r>
-              <a:rPr lang="en-US" altLang="zh-CN" sz="3100" dirty="0" err="1" smtClean="0">
-                <a:solidFill>
-                  <a:schemeClr val="tx1"/>
-                </a:solidFill>
-                <a:latin typeface="微软雅黑" panose="020B0503020204020204" pitchFamily="34" charset="-122"/>
-                <a:ea typeface="微软雅黑" panose="020B0503020204020204" pitchFamily="34" charset="-122"/>
-              </a:rPr>
-              <a:t>facadeWall</a:t>
-            </a:r>
-            <a:r>
-              <a:rPr lang="zh-CN" altLang="en-US" sz="3100" dirty="0" smtClean="0">
-                <a:solidFill>
-                  <a:schemeClr val="tx1"/>
-                </a:solidFill>
-                <a:latin typeface="微软雅黑" panose="020B0503020204020204" pitchFamily="34" charset="-122"/>
-                <a:ea typeface="微软雅黑" panose="020B0503020204020204" pitchFamily="34" charset="-122"/>
-              </a:rPr>
-              <a:t>、</a:t>
-            </a:r>
-            <a:r>
-              <a:rPr lang="en-US" altLang="zh-CN" sz="3100" dirty="0" err="1" smtClean="0">
-                <a:solidFill>
-                  <a:schemeClr val="tx1"/>
-                </a:solidFill>
-                <a:latin typeface="微软雅黑" panose="020B0503020204020204" pitchFamily="34" charset="-122"/>
-                <a:ea typeface="微软雅黑" panose="020B0503020204020204" pitchFamily="34" charset="-122"/>
-              </a:rPr>
-              <a:t>facadeWindow</a:t>
-            </a:r>
-            <a:endParaRPr lang="en-US" altLang="zh-CN" sz="3100" dirty="0" smtClean="0">
-              <a:solidFill>
-                <a:schemeClr val="tx1"/>
-              </a:solidFill>
-              <a:latin typeface="微软雅黑" panose="020B0503020204020204" pitchFamily="34" charset="-122"/>
-              <a:ea typeface="微软雅黑" panose="020B0503020204020204" pitchFamily="34" charset="-122"/>
-            </a:endParaRPr>
-          </a:p>
-          <a:p>
-            <a:pPr marL="214313" indent="-214313">
-              <a:lnSpc>
-                <a:spcPct val="120000"/>
-              </a:lnSpc>
-              <a:buClr>
-                <a:srgbClr val="00B050"/>
-              </a:buClr>
-              <a:buFont typeface="Wingdings" panose="05000000000000000000" pitchFamily="2" charset="2"/>
-              <a:buChar char="u"/>
-            </a:pPr>
-            <a:r>
-              <a:rPr lang="zh-CN" altLang="en-US" sz="3100" dirty="0" smtClean="0">
-                <a:solidFill>
-                  <a:srgbClr val="0070C0"/>
-                </a:solidFill>
-                <a:latin typeface="微软雅黑" panose="020B0503020204020204" pitchFamily="34" charset="-122"/>
-                <a:ea typeface="微软雅黑" panose="020B0503020204020204" pitchFamily="34" charset="-122"/>
-              </a:rPr>
-              <a:t>语义规则</a:t>
-            </a:r>
-            <a:endParaRPr lang="en-US" altLang="zh-CN" sz="3100" dirty="0" smtClean="0">
-              <a:solidFill>
-                <a:srgbClr val="0070C0"/>
-              </a:solidFill>
-              <a:latin typeface="微软雅黑" panose="020B0503020204020204" pitchFamily="34" charset="-122"/>
-              <a:ea typeface="微软雅黑" panose="020B0503020204020204" pitchFamily="34" charset="-122"/>
-            </a:endParaRPr>
-          </a:p>
-          <a:p>
-            <a:pPr marL="728663" lvl="1" indent="-214313">
-              <a:lnSpc>
-                <a:spcPct val="120000"/>
-              </a:lnSpc>
-              <a:buClr>
-                <a:srgbClr val="00B050"/>
-              </a:buClr>
-              <a:buFont typeface="Wingdings" panose="05000000000000000000" pitchFamily="2" charset="2"/>
-              <a:buChar char="ü"/>
-            </a:pPr>
-            <a:r>
-              <a:rPr lang="en-US" altLang="zh-CN" sz="2600" dirty="0">
-                <a:solidFill>
-                  <a:schemeClr val="tx1"/>
-                </a:solidFill>
-                <a:latin typeface="微软雅黑" panose="020B0503020204020204" pitchFamily="34" charset="-122"/>
-                <a:ea typeface="微软雅黑" panose="020B0503020204020204" pitchFamily="34" charset="-122"/>
-              </a:rPr>
-              <a:t>Rule 1</a:t>
-            </a:r>
-            <a:r>
-              <a:rPr lang="zh-CN" altLang="en-US" sz="2600" dirty="0">
-                <a:solidFill>
-                  <a:schemeClr val="tx1"/>
-                </a:solidFill>
-                <a:latin typeface="微软雅黑" panose="020B0503020204020204" pitchFamily="34" charset="-122"/>
-                <a:ea typeface="微软雅黑" panose="020B0503020204020204" pitchFamily="34" charset="-122"/>
-              </a:rPr>
-              <a:t>：</a:t>
-            </a:r>
-            <a:r>
-              <a:rPr lang="en-US" altLang="zh-CN" sz="2600" dirty="0">
-                <a:solidFill>
-                  <a:schemeClr val="tx1"/>
-                </a:solidFill>
-                <a:latin typeface="微软雅黑" panose="020B0503020204020204" pitchFamily="34" charset="-122"/>
-                <a:ea typeface="微软雅黑" panose="020B0503020204020204" pitchFamily="34" charset="-122"/>
-              </a:rPr>
-              <a:t>façade → floorWall + </a:t>
-            </a:r>
-            <a:r>
-              <a:rPr lang="en-US" altLang="zh-CN" sz="2600" dirty="0" err="1">
-                <a:solidFill>
-                  <a:schemeClr val="tx1"/>
-                </a:solidFill>
-                <a:latin typeface="微软雅黑" panose="020B0503020204020204" pitchFamily="34" charset="-122"/>
-                <a:ea typeface="微软雅黑" panose="020B0503020204020204" pitchFamily="34" charset="-122"/>
-              </a:rPr>
-              <a:t>facadeWall</a:t>
-            </a:r>
-            <a:endParaRPr lang="zh-CN" altLang="en-US" sz="2600" dirty="0">
-              <a:solidFill>
-                <a:schemeClr val="tx1"/>
-              </a:solidFill>
-              <a:latin typeface="微软雅黑" panose="020B0503020204020204" pitchFamily="34" charset="-122"/>
-              <a:ea typeface="微软雅黑" panose="020B0503020204020204" pitchFamily="34" charset="-122"/>
-            </a:endParaRPr>
-          </a:p>
-          <a:p>
-            <a:pPr marL="728663" lvl="1" indent="-214313">
-              <a:lnSpc>
-                <a:spcPct val="120000"/>
-              </a:lnSpc>
-              <a:buClr>
-                <a:srgbClr val="00B050"/>
-              </a:buClr>
-              <a:buFont typeface="Wingdings" panose="05000000000000000000" pitchFamily="2" charset="2"/>
-              <a:buChar char="ü"/>
-            </a:pPr>
-            <a:r>
-              <a:rPr lang="en-US" altLang="zh-CN" sz="2600" dirty="0" smtClean="0">
-                <a:solidFill>
-                  <a:schemeClr val="tx1"/>
-                </a:solidFill>
-                <a:latin typeface="微软雅黑" panose="020B0503020204020204" pitchFamily="34" charset="-122"/>
-                <a:ea typeface="微软雅黑" panose="020B0503020204020204" pitchFamily="34" charset="-122"/>
-              </a:rPr>
-              <a:t>Rule </a:t>
-            </a:r>
-            <a:r>
-              <a:rPr lang="en-US" altLang="zh-CN" sz="2600" dirty="0">
-                <a:solidFill>
-                  <a:schemeClr val="tx1"/>
-                </a:solidFill>
-                <a:latin typeface="微软雅黑" panose="020B0503020204020204" pitchFamily="34" charset="-122"/>
-                <a:ea typeface="微软雅黑" panose="020B0503020204020204" pitchFamily="34" charset="-122"/>
-              </a:rPr>
-              <a:t>2</a:t>
-            </a:r>
-            <a:r>
-              <a:rPr lang="zh-CN" altLang="en-US" sz="2600" dirty="0">
-                <a:solidFill>
-                  <a:schemeClr val="tx1"/>
-                </a:solidFill>
-                <a:latin typeface="微软雅黑" panose="020B0503020204020204" pitchFamily="34" charset="-122"/>
-                <a:ea typeface="微软雅黑" panose="020B0503020204020204" pitchFamily="34" charset="-122"/>
-              </a:rPr>
-              <a:t>：</a:t>
-            </a:r>
-            <a:r>
-              <a:rPr lang="en-US" altLang="zh-CN" sz="2600" dirty="0" err="1">
-                <a:solidFill>
-                  <a:schemeClr val="tx1"/>
-                </a:solidFill>
-                <a:latin typeface="微软雅黑" panose="020B0503020204020204" pitchFamily="34" charset="-122"/>
-                <a:ea typeface="微软雅黑" panose="020B0503020204020204" pitchFamily="34" charset="-122"/>
-              </a:rPr>
-              <a:t>facadeFloor</a:t>
-            </a:r>
-            <a:r>
-              <a:rPr lang="en-US" altLang="zh-CN" sz="2600" dirty="0">
-                <a:solidFill>
-                  <a:schemeClr val="tx1"/>
-                </a:solidFill>
-                <a:latin typeface="微软雅黑" panose="020B0503020204020204" pitchFamily="34" charset="-122"/>
-                <a:ea typeface="微软雅黑" panose="020B0503020204020204" pitchFamily="34" charset="-122"/>
-              </a:rPr>
-              <a:t> → floorWall + </a:t>
-            </a:r>
-            <a:r>
-              <a:rPr lang="en-US" altLang="zh-CN" sz="2600" dirty="0" err="1" smtClean="0">
-                <a:solidFill>
-                  <a:schemeClr val="tx1"/>
-                </a:solidFill>
-                <a:latin typeface="微软雅黑" panose="020B0503020204020204" pitchFamily="34" charset="-122"/>
-                <a:ea typeface="微软雅黑" panose="020B0503020204020204" pitchFamily="34" charset="-122"/>
-              </a:rPr>
-              <a:t>facadeWall</a:t>
-            </a:r>
-            <a:endParaRPr lang="en-US" altLang="zh-CN" sz="2600" dirty="0" smtClean="0">
-              <a:solidFill>
-                <a:schemeClr val="tx1"/>
-              </a:solidFill>
-              <a:latin typeface="微软雅黑" panose="020B0503020204020204" pitchFamily="34" charset="-122"/>
-              <a:ea typeface="微软雅黑" panose="020B0503020204020204" pitchFamily="34" charset="-122"/>
-            </a:endParaRPr>
-          </a:p>
-          <a:p>
-            <a:pPr marL="728663" lvl="1" indent="-214313">
-              <a:lnSpc>
-                <a:spcPct val="120000"/>
-              </a:lnSpc>
-              <a:buClr>
-                <a:srgbClr val="00B050"/>
-              </a:buClr>
-              <a:buFont typeface="Wingdings" panose="05000000000000000000" pitchFamily="2" charset="2"/>
-              <a:buChar char="ü"/>
-            </a:pPr>
-            <a:r>
-              <a:rPr lang="en-US" altLang="zh-CN" sz="2600" dirty="0">
-                <a:solidFill>
-                  <a:schemeClr val="tx1"/>
-                </a:solidFill>
-                <a:latin typeface="微软雅黑" panose="020B0503020204020204" pitchFamily="34" charset="-122"/>
-                <a:ea typeface="微软雅黑" panose="020B0503020204020204" pitchFamily="34" charset="-122"/>
-              </a:rPr>
-              <a:t>Rule 3 :  </a:t>
-            </a:r>
-            <a:r>
-              <a:rPr lang="en-US" altLang="zh-CN" sz="2600" dirty="0" err="1">
-                <a:solidFill>
-                  <a:schemeClr val="tx1"/>
-                </a:solidFill>
-                <a:latin typeface="微软雅黑" panose="020B0503020204020204" pitchFamily="34" charset="-122"/>
-                <a:ea typeface="微软雅黑" panose="020B0503020204020204" pitchFamily="34" charset="-122"/>
-              </a:rPr>
-              <a:t>facadeWall</a:t>
-            </a:r>
-            <a:r>
-              <a:rPr lang="en-US" altLang="zh-CN" sz="2600" dirty="0">
-                <a:solidFill>
-                  <a:schemeClr val="tx1"/>
-                </a:solidFill>
-                <a:latin typeface="微软雅黑" panose="020B0503020204020204" pitchFamily="34" charset="-122"/>
-                <a:ea typeface="微软雅黑" panose="020B0503020204020204" pitchFamily="34" charset="-122"/>
-              </a:rPr>
-              <a:t> → wall+ </a:t>
-            </a:r>
-            <a:r>
-              <a:rPr lang="en-US" altLang="zh-CN" sz="2600" dirty="0" err="1">
-                <a:solidFill>
-                  <a:schemeClr val="tx1"/>
-                </a:solidFill>
-                <a:latin typeface="微软雅黑" panose="020B0503020204020204" pitchFamily="34" charset="-122"/>
-                <a:ea typeface="微软雅黑" panose="020B0503020204020204" pitchFamily="34" charset="-122"/>
-              </a:rPr>
-              <a:t>facadeFloor</a:t>
-            </a:r>
-            <a:endParaRPr lang="en-US" altLang="zh-CN" sz="2600" dirty="0">
-              <a:solidFill>
-                <a:schemeClr val="tx1"/>
-              </a:solidFill>
-              <a:latin typeface="微软雅黑" panose="020B0503020204020204" pitchFamily="34" charset="-122"/>
-              <a:ea typeface="微软雅黑" panose="020B0503020204020204" pitchFamily="34" charset="-122"/>
-            </a:endParaRPr>
-          </a:p>
-          <a:p>
-            <a:pPr marL="728663" lvl="1" indent="-214313">
-              <a:lnSpc>
-                <a:spcPct val="120000"/>
-              </a:lnSpc>
-              <a:buClr>
-                <a:srgbClr val="00B050"/>
-              </a:buClr>
-              <a:buFont typeface="Wingdings" panose="05000000000000000000" pitchFamily="2" charset="2"/>
-              <a:buChar char="ü"/>
-            </a:pPr>
-            <a:r>
-              <a:rPr lang="en-US" altLang="zh-CN" sz="2600" dirty="0">
-                <a:solidFill>
-                  <a:schemeClr val="tx1"/>
-                </a:solidFill>
-                <a:latin typeface="微软雅黑" panose="020B0503020204020204" pitchFamily="34" charset="-122"/>
-                <a:ea typeface="微软雅黑" panose="020B0503020204020204" pitchFamily="34" charset="-122"/>
-              </a:rPr>
-              <a:t>Rule 4</a:t>
-            </a:r>
-            <a:r>
-              <a:rPr lang="zh-CN" altLang="en-US" sz="2600" dirty="0">
-                <a:solidFill>
-                  <a:schemeClr val="tx1"/>
-                </a:solidFill>
-                <a:latin typeface="微软雅黑" panose="020B0503020204020204" pitchFamily="34" charset="-122"/>
-                <a:ea typeface="微软雅黑" panose="020B0503020204020204" pitchFamily="34" charset="-122"/>
-              </a:rPr>
-              <a:t>：</a:t>
-            </a:r>
-            <a:r>
-              <a:rPr lang="en-US" altLang="zh-CN" sz="2600" dirty="0">
-                <a:solidFill>
-                  <a:schemeClr val="tx1"/>
-                </a:solidFill>
-                <a:latin typeface="微软雅黑" panose="020B0503020204020204" pitchFamily="34" charset="-122"/>
-                <a:ea typeface="微软雅黑" panose="020B0503020204020204" pitchFamily="34" charset="-122"/>
-              </a:rPr>
-              <a:t>floorWall ↓ wall+ </a:t>
-            </a:r>
-            <a:r>
-              <a:rPr lang="en-US" altLang="zh-CN" sz="2600" dirty="0" err="1">
-                <a:solidFill>
-                  <a:schemeClr val="tx1"/>
-                </a:solidFill>
-                <a:latin typeface="微软雅黑" panose="020B0503020204020204" pitchFamily="34" charset="-122"/>
-                <a:ea typeface="微软雅黑" panose="020B0503020204020204" pitchFamily="34" charset="-122"/>
-              </a:rPr>
-              <a:t>floorWindow</a:t>
-            </a:r>
-            <a:endParaRPr lang="en-US" altLang="zh-CN" sz="2600" dirty="0">
-              <a:solidFill>
-                <a:schemeClr val="tx1"/>
-              </a:solidFill>
-              <a:latin typeface="微软雅黑" panose="020B0503020204020204" pitchFamily="34" charset="-122"/>
-              <a:ea typeface="微软雅黑" panose="020B0503020204020204" pitchFamily="34" charset="-122"/>
-            </a:endParaRPr>
-          </a:p>
-          <a:p>
-            <a:pPr marL="728663" lvl="1" indent="-214313">
-              <a:lnSpc>
-                <a:spcPct val="120000"/>
-              </a:lnSpc>
-              <a:buClr>
-                <a:srgbClr val="00B050"/>
-              </a:buClr>
-              <a:buFont typeface="Wingdings" panose="05000000000000000000" pitchFamily="2" charset="2"/>
-              <a:buChar char="ü"/>
-            </a:pPr>
-            <a:r>
-              <a:rPr lang="en-US" altLang="zh-CN" sz="2600" dirty="0">
-                <a:solidFill>
-                  <a:schemeClr val="tx1"/>
-                </a:solidFill>
-                <a:latin typeface="微软雅黑" panose="020B0503020204020204" pitchFamily="34" charset="-122"/>
-                <a:ea typeface="微软雅黑" panose="020B0503020204020204" pitchFamily="34" charset="-122"/>
-              </a:rPr>
-              <a:t>Rule 5</a:t>
-            </a:r>
-            <a:r>
-              <a:rPr lang="zh-CN" altLang="en-US" sz="2600" dirty="0">
-                <a:solidFill>
-                  <a:schemeClr val="tx1"/>
-                </a:solidFill>
-                <a:latin typeface="微软雅黑" panose="020B0503020204020204" pitchFamily="34" charset="-122"/>
-                <a:ea typeface="微软雅黑" panose="020B0503020204020204" pitchFamily="34" charset="-122"/>
-              </a:rPr>
-              <a:t>：</a:t>
-            </a:r>
-            <a:r>
-              <a:rPr lang="en-US" altLang="zh-CN" sz="2600" dirty="0" err="1">
-                <a:solidFill>
-                  <a:schemeClr val="tx1"/>
-                </a:solidFill>
-                <a:latin typeface="微软雅黑" panose="020B0503020204020204" pitchFamily="34" charset="-122"/>
-                <a:ea typeface="微软雅黑" panose="020B0503020204020204" pitchFamily="34" charset="-122"/>
-              </a:rPr>
-              <a:t>floorWindow</a:t>
-            </a:r>
-            <a:r>
-              <a:rPr lang="en-US" altLang="zh-CN" sz="2600" dirty="0">
-                <a:solidFill>
-                  <a:schemeClr val="tx1"/>
-                </a:solidFill>
-                <a:latin typeface="微软雅黑" panose="020B0503020204020204" pitchFamily="34" charset="-122"/>
-                <a:ea typeface="微软雅黑" panose="020B0503020204020204" pitchFamily="34" charset="-122"/>
-              </a:rPr>
-              <a:t> ↓ window+ floorWall</a:t>
-            </a:r>
-          </a:p>
-          <a:p>
-            <a:pPr marL="728663" lvl="1" indent="-214313">
-              <a:lnSpc>
-                <a:spcPct val="120000"/>
-              </a:lnSpc>
-              <a:buClr>
-                <a:srgbClr val="00B050"/>
-              </a:buClr>
-              <a:buFont typeface="Wingdings" panose="05000000000000000000" pitchFamily="2" charset="2"/>
-              <a:buChar char="ü"/>
-            </a:pPr>
-            <a:endParaRPr lang="en-US" altLang="zh-CN" sz="2600" dirty="0">
-              <a:solidFill>
-                <a:schemeClr val="tx1"/>
-              </a:solidFill>
-              <a:latin typeface="微软雅黑" panose="020B0503020204020204" pitchFamily="34" charset="-122"/>
-              <a:ea typeface="微软雅黑" panose="020B0503020204020204" pitchFamily="34" charset="-122"/>
-            </a:endParaRPr>
-          </a:p>
-          <a:p>
-            <a:pPr lvl="1" indent="0">
-              <a:buClr>
-                <a:srgbClr val="00B050"/>
-              </a:buClr>
-              <a:buFont typeface="Arial" panose="020B0604020202020204" pitchFamily="34" charset="0"/>
-              <a:buNone/>
-            </a:pPr>
-            <a:endParaRPr lang="zh-CN" altLang="en-US" dirty="0" smtClean="0"/>
-          </a:p>
-        </p:txBody>
-      </p:sp>
-      <p:sp>
-        <p:nvSpPr>
-          <p:cNvPr id="20" name="内容占位符 2"/>
-          <p:cNvSpPr txBox="1">
-            <a:spLocks/>
-          </p:cNvSpPr>
+      </p:pic>
+      <p:pic>
+        <p:nvPicPr>
+          <p:cNvPr id="15" name="图片 14"/>
+          <p:cNvPicPr>
+            <a:picLocks noChangeAspect="1"/>
+          </p:cNvPicPr>
           <p:nvPr/>
-        </p:nvSpPr>
+        </p:nvPicPr>
+        <p:blipFill>
+          <a:blip r:embed="rId4"/>
+          <a:stretch>
+            <a:fillRect/>
+          </a:stretch>
+        </p:blipFill>
         <p:spPr>
-          <a:xfrm rot="320518">
-            <a:off x="1611806" y="1907071"/>
-            <a:ext cx="7264031" cy="1086017"/>
+          <a:xfrm>
+            <a:off x="0" y="4998822"/>
+            <a:ext cx="4680000" cy="1859178"/>
           </a:xfrm>
           <a:prstGeom prst="rect">
             <a:avLst/>
           </a:prstGeom>
-          <a:solidFill>
-            <a:srgbClr val="00B050"/>
-          </a:solidFill>
         </p:spPr>
-        <p:txBody>
-          <a:bodyPr vert="horz" lIns="91440" tIns="45720" rIns="91440" bIns="45720" rtlCol="0">
-            <a:noAutofit/>
-          </a:bodyPr>
-          <a:lstStyle>
-            <a:lvl1pPr marL="0" indent="0" algn="l" defTabSz="685800" rtl="0" eaLnBrk="1" latinLnBrk="0" hangingPunct="1">
-              <a:lnSpc>
-                <a:spcPct val="150000"/>
-              </a:lnSpc>
-              <a:spcBef>
-                <a:spcPct val="30000"/>
-              </a:spcBef>
-              <a:spcAft>
-                <a:spcPts val="900"/>
-              </a:spcAft>
-              <a:buFont typeface="Arial" panose="020B0604020202020204" pitchFamily="34" charset="0"/>
-              <a:buNone/>
-              <a:defRPr lang="zh-CN" sz="1200" kern="1200">
-                <a:solidFill>
-                  <a:schemeClr val="bg1">
-                    <a:lumMod val="50000"/>
-                  </a:schemeClr>
-                </a:solidFill>
-                <a:latin typeface="Microsoft YaHei UI" panose="020B0503020204020204" pitchFamily="34" charset="-122"/>
-                <a:ea typeface="Microsoft YaHei UI" panose="020B0503020204020204" pitchFamily="34" charset="-122"/>
-                <a:cs typeface="+mn-cs"/>
-              </a:defRPr>
-            </a:lvl1pPr>
-            <a:lvl2pPr marL="514350" indent="-171450" algn="l" defTabSz="685800" rtl="0" eaLnBrk="1" latinLnBrk="0" hangingPunct="1">
-              <a:lnSpc>
-                <a:spcPct val="150000"/>
-              </a:lnSpc>
-              <a:spcBef>
-                <a:spcPct val="30000"/>
-              </a:spcBef>
-              <a:spcAft>
-                <a:spcPts val="900"/>
-              </a:spcAft>
-              <a:buFont typeface="Arial" panose="020B0604020202020204" pitchFamily="34" charset="0"/>
-              <a:buChar char="•"/>
-              <a:defRPr lang="zh-CN" sz="1050" kern="1200">
-                <a:solidFill>
-                  <a:schemeClr val="bg1">
-                    <a:lumMod val="50000"/>
-                  </a:schemeClr>
-                </a:solidFill>
-                <a:latin typeface="Microsoft YaHei UI" panose="020B0503020204020204" pitchFamily="34" charset="-122"/>
-                <a:ea typeface="Microsoft YaHei UI" panose="020B0503020204020204" pitchFamily="34" charset="-122"/>
-                <a:cs typeface="+mn-cs"/>
-              </a:defRPr>
-            </a:lvl2pPr>
-            <a:lvl3pPr marL="857250" indent="-171450" algn="l" defTabSz="685800" rtl="0" eaLnBrk="1" latinLnBrk="0" hangingPunct="1">
-              <a:lnSpc>
-                <a:spcPct val="150000"/>
-              </a:lnSpc>
-              <a:spcBef>
-                <a:spcPct val="30000"/>
-              </a:spcBef>
-              <a:spcAft>
-                <a:spcPts val="900"/>
-              </a:spcAft>
-              <a:buFont typeface="Arial" panose="020B0604020202020204" pitchFamily="34" charset="0"/>
-              <a:buChar char="•"/>
-              <a:defRPr lang="zh-CN" sz="900" kern="1200">
-                <a:solidFill>
-                  <a:schemeClr val="bg1">
-                    <a:lumMod val="50000"/>
-                  </a:schemeClr>
-                </a:solidFill>
-                <a:latin typeface="Microsoft YaHei UI" panose="020B0503020204020204" pitchFamily="34" charset="-122"/>
-                <a:ea typeface="Microsoft YaHei UI" panose="020B0503020204020204" pitchFamily="34" charset="-122"/>
-                <a:cs typeface="+mn-cs"/>
-              </a:defRPr>
-            </a:lvl3pPr>
-            <a:lvl4pPr marL="1200150" indent="-171450" algn="l" defTabSz="685800" rtl="0" eaLnBrk="1" latinLnBrk="0" hangingPunct="1">
-              <a:lnSpc>
-                <a:spcPct val="150000"/>
-              </a:lnSpc>
-              <a:spcBef>
-                <a:spcPct val="30000"/>
-              </a:spcBef>
-              <a:spcAft>
-                <a:spcPts val="900"/>
-              </a:spcAft>
-              <a:buFont typeface="Arial" panose="020B0604020202020204" pitchFamily="34" charset="0"/>
-              <a:buChar char="•"/>
-              <a:defRPr lang="zh-CN" sz="825" kern="1200">
-                <a:solidFill>
-                  <a:schemeClr val="bg1">
-                    <a:lumMod val="50000"/>
-                  </a:schemeClr>
-                </a:solidFill>
-                <a:latin typeface="Microsoft YaHei UI" panose="020B0503020204020204" pitchFamily="34" charset="-122"/>
-                <a:ea typeface="Microsoft YaHei UI" panose="020B0503020204020204" pitchFamily="34" charset="-122"/>
-                <a:cs typeface="+mn-cs"/>
-              </a:defRPr>
-            </a:lvl4pPr>
-            <a:lvl5pPr marL="1543050" indent="-171450" algn="l" defTabSz="685800" rtl="0" eaLnBrk="1" latinLnBrk="0" hangingPunct="1">
-              <a:lnSpc>
-                <a:spcPct val="150000"/>
-              </a:lnSpc>
-              <a:spcBef>
-                <a:spcPct val="30000"/>
-              </a:spcBef>
-              <a:spcAft>
-                <a:spcPts val="900"/>
-              </a:spcAft>
-              <a:buFont typeface="Arial" panose="020B0604020202020204" pitchFamily="34" charset="0"/>
-              <a:buChar char="•"/>
-              <a:defRPr lang="zh-CN" sz="825" kern="1200">
-                <a:solidFill>
-                  <a:schemeClr val="bg1">
-                    <a:lumMod val="50000"/>
-                  </a:schemeClr>
-                </a:solidFill>
-                <a:latin typeface="Microsoft YaHei UI" panose="020B0503020204020204" pitchFamily="34" charset="-122"/>
-                <a:ea typeface="Microsoft YaHei UI" panose="020B0503020204020204" pitchFamily="34" charset="-122"/>
-                <a:cs typeface="+mn-cs"/>
-              </a:defRPr>
-            </a:lvl5pPr>
-            <a:lvl6pPr marL="1885950" indent="-171450" algn="l" defTabSz="685800" rtl="0" eaLnBrk="1" latinLnBrk="0" hangingPunct="1">
-              <a:lnSpc>
-                <a:spcPct val="90000"/>
-              </a:lnSpc>
-              <a:spcBef>
-                <a:spcPct val="30000"/>
-              </a:spcBef>
-              <a:buFont typeface="Arial" panose="020B0604020202020204" pitchFamily="34" charset="0"/>
-              <a:buChar char="•"/>
-              <a:defRPr lang="zh-CN" sz="1350" kern="1200">
-                <a:solidFill>
-                  <a:schemeClr val="tx1"/>
-                </a:solidFill>
-                <a:latin typeface="+mn-lt"/>
-                <a:ea typeface="+mn-ea"/>
-                <a:cs typeface="+mn-cs"/>
-              </a:defRPr>
-            </a:lvl6pPr>
-            <a:lvl7pPr marL="2228850" indent="-171450" algn="l" defTabSz="685800" rtl="0" eaLnBrk="1" latinLnBrk="0" hangingPunct="1">
-              <a:lnSpc>
-                <a:spcPct val="90000"/>
-              </a:lnSpc>
-              <a:spcBef>
-                <a:spcPct val="30000"/>
-              </a:spcBef>
-              <a:buFont typeface="Arial" panose="020B0604020202020204" pitchFamily="34" charset="0"/>
-              <a:buChar char="•"/>
-              <a:defRPr lang="zh-CN" sz="1350" kern="1200">
-                <a:solidFill>
-                  <a:schemeClr val="tx1"/>
-                </a:solidFill>
-                <a:latin typeface="+mn-lt"/>
-                <a:ea typeface="+mn-ea"/>
-                <a:cs typeface="+mn-cs"/>
-              </a:defRPr>
-            </a:lvl7pPr>
-            <a:lvl8pPr marL="2571750" indent="-171450" algn="l" defTabSz="685800" rtl="0" eaLnBrk="1" latinLnBrk="0" hangingPunct="1">
-              <a:lnSpc>
-                <a:spcPct val="90000"/>
-              </a:lnSpc>
-              <a:spcBef>
-                <a:spcPct val="30000"/>
-              </a:spcBef>
-              <a:buFont typeface="Arial" panose="020B0604020202020204" pitchFamily="34" charset="0"/>
-              <a:buChar char="•"/>
-              <a:defRPr lang="zh-CN" sz="1350" kern="1200">
-                <a:solidFill>
-                  <a:schemeClr val="tx1"/>
-                </a:solidFill>
-                <a:latin typeface="+mn-lt"/>
-                <a:ea typeface="+mn-ea"/>
-                <a:cs typeface="+mn-cs"/>
-              </a:defRPr>
-            </a:lvl8pPr>
-            <a:lvl9pPr marL="2914650" indent="-171450" algn="l" defTabSz="685800" rtl="0" eaLnBrk="1" latinLnBrk="0" hangingPunct="1">
-              <a:lnSpc>
-                <a:spcPct val="90000"/>
-              </a:lnSpc>
-              <a:spcBef>
-                <a:spcPct val="30000"/>
-              </a:spcBef>
-              <a:buFont typeface="Arial" panose="020B0604020202020204" pitchFamily="34" charset="0"/>
-              <a:buChar char="•"/>
-              <a:defRPr lang="zh-CN" sz="1350" kern="1200">
-                <a:solidFill>
-                  <a:schemeClr val="tx1"/>
-                </a:solidFill>
-                <a:latin typeface="+mn-lt"/>
-                <a:ea typeface="+mn-ea"/>
-                <a:cs typeface="+mn-cs"/>
-              </a:defRPr>
-            </a:lvl9pPr>
-          </a:lstStyle>
-          <a:p>
-            <a:r>
-              <a:rPr lang="zh-CN" altLang="en-US" sz="2400" b="1" dirty="0" smtClean="0">
-                <a:ln w="0"/>
-                <a:solidFill>
-                  <a:srgbClr val="FFFF00"/>
-                </a:solidFill>
-                <a:effectLst>
-                  <a:outerShdw blurRad="38100" dist="19050" dir="2700000" algn="tl" rotWithShape="0">
-                    <a:schemeClr val="dk1">
-                      <a:alpha val="40000"/>
-                    </a:schemeClr>
-                  </a:outerShdw>
-                </a:effectLst>
-                <a:latin typeface="微软雅黑" panose="020B0503020204020204" pitchFamily="34" charset="-122"/>
-                <a:ea typeface="微软雅黑" panose="020B0503020204020204" pitchFamily="34" charset="-122"/>
-              </a:rPr>
-              <a:t>给定一个建筑立面的点云，如何得到可以描述它的最佳的剖分树（语义规则的应用序列）？</a:t>
-            </a:r>
-          </a:p>
-          <a:p>
-            <a:endParaRPr lang="zh-CN" altLang="en-US" sz="1800" dirty="0">
-              <a:ln w="0"/>
-              <a:solidFill>
-                <a:srgbClr val="00B0F0"/>
-              </a:solidFill>
-              <a:effectLst>
-                <a:outerShdw blurRad="38100" dist="19050" dir="2700000" algn="tl" rotWithShape="0">
-                  <a:schemeClr val="dk1">
-                    <a:alpha val="40000"/>
-                  </a:schemeClr>
-                </a:outerShdw>
-              </a:effectLst>
-            </a:endParaRPr>
-          </a:p>
-        </p:txBody>
-      </p:sp>
+      </p:pic>
+      <p:pic>
+        <p:nvPicPr>
+          <p:cNvPr id="17" name="图片 16"/>
+          <p:cNvPicPr>
+            <a:picLocks noChangeAspect="1"/>
+          </p:cNvPicPr>
+          <p:nvPr/>
+        </p:nvPicPr>
+        <p:blipFill>
+          <a:blip r:embed="rId5"/>
+          <a:stretch>
+            <a:fillRect/>
+          </a:stretch>
+        </p:blipFill>
+        <p:spPr>
+          <a:xfrm>
+            <a:off x="-60163" y="1555739"/>
+            <a:ext cx="4680000" cy="1980872"/>
+          </a:xfrm>
+          <a:prstGeom prst="rect">
+            <a:avLst/>
+          </a:prstGeom>
+        </p:spPr>
+      </p:pic>
+      <p:pic>
+        <p:nvPicPr>
+          <p:cNvPr id="19" name="图片 18"/>
+          <p:cNvPicPr>
+            <a:picLocks noChangeAspect="1"/>
+          </p:cNvPicPr>
+          <p:nvPr/>
+        </p:nvPicPr>
+        <p:blipFill>
+          <a:blip r:embed="rId6"/>
+          <a:stretch>
+            <a:fillRect/>
+          </a:stretch>
+        </p:blipFill>
+        <p:spPr>
+          <a:xfrm>
+            <a:off x="-36094" y="3264130"/>
+            <a:ext cx="4680000" cy="1675842"/>
+          </a:xfrm>
+          <a:prstGeom prst="rect">
+            <a:avLst/>
+          </a:prstGeom>
+        </p:spPr>
+      </p:pic>
+      <p:pic>
+        <p:nvPicPr>
+          <p:cNvPr id="20" name="图片 19"/>
+          <p:cNvPicPr>
+            <a:picLocks noChangeAspect="1"/>
+          </p:cNvPicPr>
+          <p:nvPr/>
+        </p:nvPicPr>
+        <p:blipFill>
+          <a:blip r:embed="rId7"/>
+          <a:stretch>
+            <a:fillRect/>
+          </a:stretch>
+        </p:blipFill>
+        <p:spPr>
+          <a:xfrm>
+            <a:off x="4500000" y="4468426"/>
+            <a:ext cx="4680000" cy="2293663"/>
+          </a:xfrm>
+          <a:prstGeom prst="rect">
+            <a:avLst/>
+          </a:prstGeom>
+        </p:spPr>
+      </p:pic>
     </p:spTree>
     <p:extLst>
       <p:ext uri="{BB962C8B-B14F-4D97-AF65-F5344CB8AC3E}">
-        <p14:creationId xmlns:p14="http://schemas.microsoft.com/office/powerpoint/2010/main" val="1222327985"/>
+        <p14:creationId xmlns:p14="http://schemas.microsoft.com/office/powerpoint/2010/main" val="3825164774"/>
       </p:ext>
     </p:extLst>
   </p:cSld>
@@ -18209,531 +18705,9 @@
   <p:timing>
     <p:tnLst>
       <p:par>
-        <p:cTn id="1" dur="indefinite" restart="never" nodeType="tmRoot">
-          <p:childTnLst>
-            <p:seq concurrent="1" nextAc="seek">
-              <p:cTn id="2" dur="indefinite" nodeType="mainSeq">
-                <p:childTnLst>
-                  <p:par>
-                    <p:cTn id="3" fill="hold">
-                      <p:stCondLst>
-                        <p:cond delay="indefinite"/>
-                      </p:stCondLst>
-                      <p:childTnLst>
-                        <p:par>
-                          <p:cTn id="4" fill="hold">
-                            <p:stCondLst>
-                              <p:cond delay="0"/>
-                            </p:stCondLst>
-                            <p:childTnLst>
-                              <p:par>
-                                <p:cTn id="5" presetID="1" presetClass="entr" presetSubtype="0" fill="hold" grpId="0" nodeType="clickEffect">
-                                  <p:stCondLst>
-                                    <p:cond delay="0"/>
-                                  </p:stCondLst>
-                                  <p:childTnLst>
-                                    <p:set>
-                                      <p:cBhvr>
-                                        <p:cTn id="6" dur="1" fill="hold">
-                                          <p:stCondLst>
-                                            <p:cond delay="0"/>
-                                          </p:stCondLst>
-                                        </p:cTn>
-                                        <p:tgtEl>
-                                          <p:spTgt spid="6">
-                                            <p:txEl>
-                                              <p:pRg st="0" end="0"/>
-                                            </p:txEl>
-                                          </p:spTgt>
-                                        </p:tgtEl>
-                                        <p:attrNameLst>
-                                          <p:attrName>style.visibility</p:attrName>
-                                        </p:attrNameLst>
-                                      </p:cBhvr>
-                                      <p:to>
-                                        <p:strVal val="visible"/>
-                                      </p:to>
-                                    </p:set>
-                                  </p:childTnLst>
-                                </p:cTn>
-                              </p:par>
-                            </p:childTnLst>
-                          </p:cTn>
-                        </p:par>
-                      </p:childTnLst>
-                    </p:cTn>
-                  </p:par>
-                  <p:par>
-                    <p:cTn id="7" fill="hold">
-                      <p:stCondLst>
-                        <p:cond delay="indefinite"/>
-                      </p:stCondLst>
-                      <p:childTnLst>
-                        <p:par>
-                          <p:cTn id="8" fill="hold">
-                            <p:stCondLst>
-                              <p:cond delay="0"/>
-                            </p:stCondLst>
-                            <p:childTnLst>
-                              <p:par>
-                                <p:cTn id="9" presetID="1" presetClass="entr" presetSubtype="0" fill="hold" grpId="0" nodeType="clickEffect">
-                                  <p:stCondLst>
-                                    <p:cond delay="0"/>
-                                  </p:stCondLst>
-                                  <p:childTnLst>
-                                    <p:set>
-                                      <p:cBhvr>
-                                        <p:cTn id="10" dur="1" fill="hold">
-                                          <p:stCondLst>
-                                            <p:cond delay="0"/>
-                                          </p:stCondLst>
-                                        </p:cTn>
-                                        <p:tgtEl>
-                                          <p:spTgt spid="6">
-                                            <p:txEl>
-                                              <p:pRg st="1" end="1"/>
-                                            </p:txEl>
-                                          </p:spTgt>
-                                        </p:tgtEl>
-                                        <p:attrNameLst>
-                                          <p:attrName>style.visibility</p:attrName>
-                                        </p:attrNameLst>
-                                      </p:cBhvr>
-                                      <p:to>
-                                        <p:strVal val="visible"/>
-                                      </p:to>
-                                    </p:set>
-                                  </p:childTnLst>
-                                </p:cTn>
-                              </p:par>
-                            </p:childTnLst>
-                          </p:cTn>
-                        </p:par>
-                      </p:childTnLst>
-                    </p:cTn>
-                  </p:par>
-                  <p:par>
-                    <p:cTn id="11" fill="hold">
-                      <p:stCondLst>
-                        <p:cond delay="indefinite"/>
-                      </p:stCondLst>
-                      <p:childTnLst>
-                        <p:par>
-                          <p:cTn id="12" fill="hold">
-                            <p:stCondLst>
-                              <p:cond delay="0"/>
-                            </p:stCondLst>
-                            <p:childTnLst>
-                              <p:par>
-                                <p:cTn id="13" presetID="1" presetClass="entr" presetSubtype="0" fill="hold" grpId="0" nodeType="clickEffect">
-                                  <p:stCondLst>
-                                    <p:cond delay="0"/>
-                                  </p:stCondLst>
-                                  <p:childTnLst>
-                                    <p:set>
-                                      <p:cBhvr>
-                                        <p:cTn id="14" dur="1" fill="hold">
-                                          <p:stCondLst>
-                                            <p:cond delay="0"/>
-                                          </p:stCondLst>
-                                        </p:cTn>
-                                        <p:tgtEl>
-                                          <p:spTgt spid="6">
-                                            <p:txEl>
-                                              <p:pRg st="2" end="2"/>
-                                            </p:txEl>
-                                          </p:spTgt>
-                                        </p:tgtEl>
-                                        <p:attrNameLst>
-                                          <p:attrName>style.visibility</p:attrName>
-                                        </p:attrNameLst>
-                                      </p:cBhvr>
-                                      <p:to>
-                                        <p:strVal val="visible"/>
-                                      </p:to>
-                                    </p:set>
-                                  </p:childTnLst>
-                                </p:cTn>
-                              </p:par>
-                            </p:childTnLst>
-                          </p:cTn>
-                        </p:par>
-                      </p:childTnLst>
-                    </p:cTn>
-                  </p:par>
-                  <p:par>
-                    <p:cTn id="15" fill="hold">
-                      <p:stCondLst>
-                        <p:cond delay="indefinite"/>
-                      </p:stCondLst>
-                      <p:childTnLst>
-                        <p:par>
-                          <p:cTn id="16" fill="hold">
-                            <p:stCondLst>
-                              <p:cond delay="0"/>
-                            </p:stCondLst>
-                            <p:childTnLst>
-                              <p:par>
-                                <p:cTn id="17" presetID="1" presetClass="entr" presetSubtype="0" fill="hold" grpId="0" nodeType="clickEffect">
-                                  <p:stCondLst>
-                                    <p:cond delay="0"/>
-                                  </p:stCondLst>
-                                  <p:childTnLst>
-                                    <p:set>
-                                      <p:cBhvr>
-                                        <p:cTn id="18" dur="1" fill="hold">
-                                          <p:stCondLst>
-                                            <p:cond delay="0"/>
-                                          </p:stCondLst>
-                                        </p:cTn>
-                                        <p:tgtEl>
-                                          <p:spTgt spid="6">
-                                            <p:txEl>
-                                              <p:pRg st="3" end="3"/>
-                                            </p:txEl>
-                                          </p:spTgt>
-                                        </p:tgtEl>
-                                        <p:attrNameLst>
-                                          <p:attrName>style.visibility</p:attrName>
-                                        </p:attrNameLst>
-                                      </p:cBhvr>
-                                      <p:to>
-                                        <p:strVal val="visible"/>
-                                      </p:to>
-                                    </p:set>
-                                  </p:childTnLst>
-                                </p:cTn>
-                              </p:par>
-                              <p:par>
-                                <p:cTn id="19" presetID="1" presetClass="entr" presetSubtype="0" fill="hold" grpId="0" nodeType="withEffect">
-                                  <p:stCondLst>
-                                    <p:cond delay="0"/>
-                                  </p:stCondLst>
-                                  <p:childTnLst>
-                                    <p:set>
-                                      <p:cBhvr>
-                                        <p:cTn id="20" dur="1" fill="hold">
-                                          <p:stCondLst>
-                                            <p:cond delay="0"/>
-                                          </p:stCondLst>
-                                        </p:cTn>
-                                        <p:tgtEl>
-                                          <p:spTgt spid="6">
-                                            <p:txEl>
-                                              <p:pRg st="4" end="4"/>
-                                            </p:txEl>
-                                          </p:spTgt>
-                                        </p:tgtEl>
-                                        <p:attrNameLst>
-                                          <p:attrName>style.visibility</p:attrName>
-                                        </p:attrNameLst>
-                                      </p:cBhvr>
-                                      <p:to>
-                                        <p:strVal val="visible"/>
-                                      </p:to>
-                                    </p:set>
-                                  </p:childTnLst>
-                                </p:cTn>
-                              </p:par>
-                              <p:par>
-                                <p:cTn id="21" presetID="1" presetClass="entr" presetSubtype="0" fill="hold" nodeType="withEffect">
-                                  <p:stCondLst>
-                                    <p:cond delay="0"/>
-                                  </p:stCondLst>
-                                  <p:childTnLst>
-                                    <p:set>
-                                      <p:cBhvr>
-                                        <p:cTn id="22" dur="1" fill="hold">
-                                          <p:stCondLst>
-                                            <p:cond delay="0"/>
-                                          </p:stCondLst>
-                                        </p:cTn>
-                                        <p:tgtEl>
-                                          <p:spTgt spid="6">
-                                            <p:txEl>
-                                              <p:pRg st="5" end="5"/>
-                                            </p:txEl>
-                                          </p:spTgt>
-                                        </p:tgtEl>
-                                        <p:attrNameLst>
-                                          <p:attrName>style.visibility</p:attrName>
-                                        </p:attrNameLst>
-                                      </p:cBhvr>
-                                      <p:to>
-                                        <p:strVal val="visible"/>
-                                      </p:to>
-                                    </p:set>
-                                  </p:childTnLst>
-                                </p:cTn>
-                              </p:par>
-                              <p:par>
-                                <p:cTn id="23" presetID="1" presetClass="entr" presetSubtype="0" fill="hold" nodeType="withEffect">
-                                  <p:stCondLst>
-                                    <p:cond delay="0"/>
-                                  </p:stCondLst>
-                                  <p:childTnLst>
-                                    <p:set>
-                                      <p:cBhvr>
-                                        <p:cTn id="24" dur="1" fill="hold">
-                                          <p:stCondLst>
-                                            <p:cond delay="0"/>
-                                          </p:stCondLst>
-                                        </p:cTn>
-                                        <p:tgtEl>
-                                          <p:spTgt spid="6">
-                                            <p:txEl>
-                                              <p:pRg st="6" end="6"/>
-                                            </p:txEl>
-                                          </p:spTgt>
-                                        </p:tgtEl>
-                                        <p:attrNameLst>
-                                          <p:attrName>style.visibility</p:attrName>
-                                        </p:attrNameLst>
-                                      </p:cBhvr>
-                                      <p:to>
-                                        <p:strVal val="visible"/>
-                                      </p:to>
-                                    </p:set>
-                                  </p:childTnLst>
-                                </p:cTn>
-                              </p:par>
-                              <p:par>
-                                <p:cTn id="25" presetID="1" presetClass="entr" presetSubtype="0" fill="hold" nodeType="withEffect">
-                                  <p:stCondLst>
-                                    <p:cond delay="0"/>
-                                  </p:stCondLst>
-                                  <p:childTnLst>
-                                    <p:set>
-                                      <p:cBhvr>
-                                        <p:cTn id="26" dur="1" fill="hold">
-                                          <p:stCondLst>
-                                            <p:cond delay="0"/>
-                                          </p:stCondLst>
-                                        </p:cTn>
-                                        <p:tgtEl>
-                                          <p:spTgt spid="6">
-                                            <p:txEl>
-                                              <p:pRg st="7" end="7"/>
-                                            </p:txEl>
-                                          </p:spTgt>
-                                        </p:tgtEl>
-                                        <p:attrNameLst>
-                                          <p:attrName>style.visibility</p:attrName>
-                                        </p:attrNameLst>
-                                      </p:cBhvr>
-                                      <p:to>
-                                        <p:strVal val="visible"/>
-                                      </p:to>
-                                    </p:set>
-                                  </p:childTnLst>
-                                </p:cTn>
-                              </p:par>
-                              <p:par>
-                                <p:cTn id="27" presetID="1" presetClass="entr" presetSubtype="0" fill="hold" nodeType="withEffect">
-                                  <p:stCondLst>
-                                    <p:cond delay="0"/>
-                                  </p:stCondLst>
-                                  <p:childTnLst>
-                                    <p:set>
-                                      <p:cBhvr>
-                                        <p:cTn id="28" dur="1" fill="hold">
-                                          <p:stCondLst>
-                                            <p:cond delay="0"/>
-                                          </p:stCondLst>
-                                        </p:cTn>
-                                        <p:tgtEl>
-                                          <p:spTgt spid="6">
-                                            <p:txEl>
-                                              <p:pRg st="8" end="8"/>
-                                            </p:txEl>
-                                          </p:spTgt>
-                                        </p:tgtEl>
-                                        <p:attrNameLst>
-                                          <p:attrName>style.visibility</p:attrName>
-                                        </p:attrNameLst>
-                                      </p:cBhvr>
-                                      <p:to>
-                                        <p:strVal val="visible"/>
-                                      </p:to>
-                                    </p:set>
-                                  </p:childTnLst>
-                                </p:cTn>
-                              </p:par>
-                            </p:childTnLst>
-                          </p:cTn>
-                        </p:par>
-                      </p:childTnLst>
-                    </p:cTn>
-                  </p:par>
-                  <p:par>
-                    <p:cTn id="29" fill="hold">
-                      <p:stCondLst>
-                        <p:cond delay="indefinite"/>
-                      </p:stCondLst>
-                      <p:childTnLst>
-                        <p:par>
-                          <p:cTn id="30" fill="hold">
-                            <p:stCondLst>
-                              <p:cond delay="0"/>
-                            </p:stCondLst>
-                            <p:childTnLst>
-                              <p:par>
-                                <p:cTn id="31" presetID="2" presetClass="entr" presetSubtype="2" fill="hold" nodeType="clickEffect">
-                                  <p:stCondLst>
-                                    <p:cond delay="0"/>
-                                  </p:stCondLst>
-                                  <p:childTnLst>
-                                    <p:set>
-                                      <p:cBhvr>
-                                        <p:cTn id="32" dur="1" fill="hold">
-                                          <p:stCondLst>
-                                            <p:cond delay="0"/>
-                                          </p:stCondLst>
-                                        </p:cTn>
-                                        <p:tgtEl>
-                                          <p:spTgt spid="3074"/>
-                                        </p:tgtEl>
-                                        <p:attrNameLst>
-                                          <p:attrName>style.visibility</p:attrName>
-                                        </p:attrNameLst>
-                                      </p:cBhvr>
-                                      <p:to>
-                                        <p:strVal val="visible"/>
-                                      </p:to>
-                                    </p:set>
-                                    <p:anim calcmode="lin" valueType="num">
-                                      <p:cBhvr additive="base">
-                                        <p:cTn id="33" dur="500" fill="hold"/>
-                                        <p:tgtEl>
-                                          <p:spTgt spid="3074"/>
-                                        </p:tgtEl>
-                                        <p:attrNameLst>
-                                          <p:attrName>ppt_x</p:attrName>
-                                        </p:attrNameLst>
-                                      </p:cBhvr>
-                                      <p:tavLst>
-                                        <p:tav tm="0">
-                                          <p:val>
-                                            <p:strVal val="1+#ppt_w/2"/>
-                                          </p:val>
-                                        </p:tav>
-                                        <p:tav tm="100000">
-                                          <p:val>
-                                            <p:strVal val="#ppt_x"/>
-                                          </p:val>
-                                        </p:tav>
-                                      </p:tavLst>
-                                    </p:anim>
-                                    <p:anim calcmode="lin" valueType="num">
-                                      <p:cBhvr additive="base">
-                                        <p:cTn id="34" dur="500" fill="hold"/>
-                                        <p:tgtEl>
-                                          <p:spTgt spid="3074"/>
-                                        </p:tgtEl>
-                                        <p:attrNameLst>
-                                          <p:attrName>ppt_y</p:attrName>
-                                        </p:attrNameLst>
-                                      </p:cBhvr>
-                                      <p:tavLst>
-                                        <p:tav tm="0">
-                                          <p:val>
-                                            <p:strVal val="#ppt_y"/>
-                                          </p:val>
-                                        </p:tav>
-                                        <p:tav tm="100000">
-                                          <p:val>
-                                            <p:strVal val="#ppt_y"/>
-                                          </p:val>
-                                        </p:tav>
-                                      </p:tavLst>
-                                    </p:anim>
-                                  </p:childTnLst>
-                                </p:cTn>
-                              </p:par>
-                            </p:childTnLst>
-                          </p:cTn>
-                        </p:par>
-                      </p:childTnLst>
-                    </p:cTn>
-                  </p:par>
-                  <p:par>
-                    <p:cTn id="35" fill="hold">
-                      <p:stCondLst>
-                        <p:cond delay="indefinite"/>
-                      </p:stCondLst>
-                      <p:childTnLst>
-                        <p:par>
-                          <p:cTn id="36" fill="hold">
-                            <p:stCondLst>
-                              <p:cond delay="0"/>
-                            </p:stCondLst>
-                            <p:childTnLst>
-                              <p:par>
-                                <p:cTn id="37" presetID="10" presetClass="entr" presetSubtype="0" fill="hold" grpId="0" nodeType="clickEffect">
-                                  <p:stCondLst>
-                                    <p:cond delay="0"/>
-                                  </p:stCondLst>
-                                  <p:childTnLst>
-                                    <p:set>
-                                      <p:cBhvr>
-                                        <p:cTn id="38" dur="1" fill="hold">
-                                          <p:stCondLst>
-                                            <p:cond delay="0"/>
-                                          </p:stCondLst>
-                                        </p:cTn>
-                                        <p:tgtEl>
-                                          <p:spTgt spid="20"/>
-                                        </p:tgtEl>
-                                        <p:attrNameLst>
-                                          <p:attrName>style.visibility</p:attrName>
-                                        </p:attrNameLst>
-                                      </p:cBhvr>
-                                      <p:to>
-                                        <p:strVal val="visible"/>
-                                      </p:to>
-                                    </p:set>
-                                    <p:animEffect transition="in" filter="fade">
-                                      <p:cBhvr>
-                                        <p:cTn id="39" dur="500"/>
-                                        <p:tgtEl>
-                                          <p:spTgt spid="20"/>
-                                        </p:tgtEl>
-                                      </p:cBhvr>
-                                    </p:animEffect>
-                                  </p:childTnLst>
-                                </p:cTn>
-                              </p:par>
-                            </p:childTnLst>
-                          </p:cTn>
-                        </p:par>
-                      </p:childTnLst>
-                    </p:cTn>
-                  </p:par>
-                </p:childTnLst>
-              </p:cTn>
-              <p:prevCondLst>
-                <p:cond evt="onPrev" delay="0">
-                  <p:tgtEl>
-                    <p:sldTgt/>
-                  </p:tgtEl>
-                </p:cond>
-              </p:prevCondLst>
-              <p:nextCondLst>
-                <p:cond evt="onNext" delay="0">
-                  <p:tgtEl>
-                    <p:sldTgt/>
-                  </p:tgtEl>
-                </p:cond>
-              </p:nextCondLst>
-            </p:seq>
-          </p:childTnLst>
-        </p:cTn>
+        <p:cTn id="1" dur="indefinite" restart="never" nodeType="tmRoot"/>
       </p:par>
     </p:tnLst>
-    <p:bldLst>
-      <p:bldP spid="6" grpId="0" uiExpand="1" build="p"/>
-      <p:bldP spid="20" grpId="0" animBg="1"/>
-    </p:bldLst>
   </p:timing>
 </p:sld>
 </file>
@@ -22061,256 +22035,6 @@
           </a:graphicData>
         </a:graphic>
       </p:graphicFrame>
-      <p:sp>
-        <p:nvSpPr>
-          <p:cNvPr id="6" name="内容占位符 2"/>
-          <p:cNvSpPr txBox="1">
-            <a:spLocks/>
-          </p:cNvSpPr>
-          <p:nvPr/>
-        </p:nvSpPr>
-        <p:spPr>
-          <a:xfrm rot="320518">
-            <a:off x="1626320" y="1544649"/>
-            <a:ext cx="7264031" cy="1086017"/>
-          </a:xfrm>
-          <a:prstGeom prst="rect">
-            <a:avLst/>
-          </a:prstGeom>
-          <a:solidFill>
-            <a:srgbClr val="00B050"/>
-          </a:solidFill>
-        </p:spPr>
-        <p:txBody>
-          <a:bodyPr vert="horz" lIns="91440" tIns="45720" rIns="91440" bIns="45720" rtlCol="0">
-            <a:noAutofit/>
-          </a:bodyPr>
-          <a:lstStyle>
-            <a:lvl1pPr marL="0" indent="0" algn="l" defTabSz="685800" rtl="0" eaLnBrk="1" latinLnBrk="0" hangingPunct="1">
-              <a:lnSpc>
-                <a:spcPct val="150000"/>
-              </a:lnSpc>
-              <a:spcBef>
-                <a:spcPct val="30000"/>
-              </a:spcBef>
-              <a:spcAft>
-                <a:spcPts val="900"/>
-              </a:spcAft>
-              <a:buFont typeface="Arial" panose="020B0604020202020204" pitchFamily="34" charset="0"/>
-              <a:buNone/>
-              <a:defRPr lang="zh-CN" sz="1200" kern="1200">
-                <a:solidFill>
-                  <a:schemeClr val="bg1">
-                    <a:lumMod val="50000"/>
-                  </a:schemeClr>
-                </a:solidFill>
-                <a:latin typeface="Microsoft YaHei UI" panose="020B0503020204020204" pitchFamily="34" charset="-122"/>
-                <a:ea typeface="Microsoft YaHei UI" panose="020B0503020204020204" pitchFamily="34" charset="-122"/>
-                <a:cs typeface="+mn-cs"/>
-              </a:defRPr>
-            </a:lvl1pPr>
-            <a:lvl2pPr marL="514350" indent="-171450" algn="l" defTabSz="685800" rtl="0" eaLnBrk="1" latinLnBrk="0" hangingPunct="1">
-              <a:lnSpc>
-                <a:spcPct val="150000"/>
-              </a:lnSpc>
-              <a:spcBef>
-                <a:spcPct val="30000"/>
-              </a:spcBef>
-              <a:spcAft>
-                <a:spcPts val="900"/>
-              </a:spcAft>
-              <a:buFont typeface="Arial" panose="020B0604020202020204" pitchFamily="34" charset="0"/>
-              <a:buChar char="•"/>
-              <a:defRPr lang="zh-CN" sz="1050" kern="1200">
-                <a:solidFill>
-                  <a:schemeClr val="bg1">
-                    <a:lumMod val="50000"/>
-                  </a:schemeClr>
-                </a:solidFill>
-                <a:latin typeface="Microsoft YaHei UI" panose="020B0503020204020204" pitchFamily="34" charset="-122"/>
-                <a:ea typeface="Microsoft YaHei UI" panose="020B0503020204020204" pitchFamily="34" charset="-122"/>
-                <a:cs typeface="+mn-cs"/>
-              </a:defRPr>
-            </a:lvl2pPr>
-            <a:lvl3pPr marL="857250" indent="-171450" algn="l" defTabSz="685800" rtl="0" eaLnBrk="1" latinLnBrk="0" hangingPunct="1">
-              <a:lnSpc>
-                <a:spcPct val="150000"/>
-              </a:lnSpc>
-              <a:spcBef>
-                <a:spcPct val="30000"/>
-              </a:spcBef>
-              <a:spcAft>
-                <a:spcPts val="900"/>
-              </a:spcAft>
-              <a:buFont typeface="Arial" panose="020B0604020202020204" pitchFamily="34" charset="0"/>
-              <a:buChar char="•"/>
-              <a:defRPr lang="zh-CN" sz="900" kern="1200">
-                <a:solidFill>
-                  <a:schemeClr val="bg1">
-                    <a:lumMod val="50000"/>
-                  </a:schemeClr>
-                </a:solidFill>
-                <a:latin typeface="Microsoft YaHei UI" panose="020B0503020204020204" pitchFamily="34" charset="-122"/>
-                <a:ea typeface="Microsoft YaHei UI" panose="020B0503020204020204" pitchFamily="34" charset="-122"/>
-                <a:cs typeface="+mn-cs"/>
-              </a:defRPr>
-            </a:lvl3pPr>
-            <a:lvl4pPr marL="1200150" indent="-171450" algn="l" defTabSz="685800" rtl="0" eaLnBrk="1" latinLnBrk="0" hangingPunct="1">
-              <a:lnSpc>
-                <a:spcPct val="150000"/>
-              </a:lnSpc>
-              <a:spcBef>
-                <a:spcPct val="30000"/>
-              </a:spcBef>
-              <a:spcAft>
-                <a:spcPts val="900"/>
-              </a:spcAft>
-              <a:buFont typeface="Arial" panose="020B0604020202020204" pitchFamily="34" charset="0"/>
-              <a:buChar char="•"/>
-              <a:defRPr lang="zh-CN" sz="825" kern="1200">
-                <a:solidFill>
-                  <a:schemeClr val="bg1">
-                    <a:lumMod val="50000"/>
-                  </a:schemeClr>
-                </a:solidFill>
-                <a:latin typeface="Microsoft YaHei UI" panose="020B0503020204020204" pitchFamily="34" charset="-122"/>
-                <a:ea typeface="Microsoft YaHei UI" panose="020B0503020204020204" pitchFamily="34" charset="-122"/>
-                <a:cs typeface="+mn-cs"/>
-              </a:defRPr>
-            </a:lvl4pPr>
-            <a:lvl5pPr marL="1543050" indent="-171450" algn="l" defTabSz="685800" rtl="0" eaLnBrk="1" latinLnBrk="0" hangingPunct="1">
-              <a:lnSpc>
-                <a:spcPct val="150000"/>
-              </a:lnSpc>
-              <a:spcBef>
-                <a:spcPct val="30000"/>
-              </a:spcBef>
-              <a:spcAft>
-                <a:spcPts val="900"/>
-              </a:spcAft>
-              <a:buFont typeface="Arial" panose="020B0604020202020204" pitchFamily="34" charset="0"/>
-              <a:buChar char="•"/>
-              <a:defRPr lang="zh-CN" sz="825" kern="1200">
-                <a:solidFill>
-                  <a:schemeClr val="bg1">
-                    <a:lumMod val="50000"/>
-                  </a:schemeClr>
-                </a:solidFill>
-                <a:latin typeface="Microsoft YaHei UI" panose="020B0503020204020204" pitchFamily="34" charset="-122"/>
-                <a:ea typeface="Microsoft YaHei UI" panose="020B0503020204020204" pitchFamily="34" charset="-122"/>
-                <a:cs typeface="+mn-cs"/>
-              </a:defRPr>
-            </a:lvl5pPr>
-            <a:lvl6pPr marL="1885950" indent="-171450" algn="l" defTabSz="685800" rtl="0" eaLnBrk="1" latinLnBrk="0" hangingPunct="1">
-              <a:lnSpc>
-                <a:spcPct val="90000"/>
-              </a:lnSpc>
-              <a:spcBef>
-                <a:spcPct val="30000"/>
-              </a:spcBef>
-              <a:buFont typeface="Arial" panose="020B0604020202020204" pitchFamily="34" charset="0"/>
-              <a:buChar char="•"/>
-              <a:defRPr lang="zh-CN" sz="1350" kern="1200">
-                <a:solidFill>
-                  <a:schemeClr val="tx1"/>
-                </a:solidFill>
-                <a:latin typeface="+mn-lt"/>
-                <a:ea typeface="+mn-ea"/>
-                <a:cs typeface="+mn-cs"/>
-              </a:defRPr>
-            </a:lvl6pPr>
-            <a:lvl7pPr marL="2228850" indent="-171450" algn="l" defTabSz="685800" rtl="0" eaLnBrk="1" latinLnBrk="0" hangingPunct="1">
-              <a:lnSpc>
-                <a:spcPct val="90000"/>
-              </a:lnSpc>
-              <a:spcBef>
-                <a:spcPct val="30000"/>
-              </a:spcBef>
-              <a:buFont typeface="Arial" panose="020B0604020202020204" pitchFamily="34" charset="0"/>
-              <a:buChar char="•"/>
-              <a:defRPr lang="zh-CN" sz="1350" kern="1200">
-                <a:solidFill>
-                  <a:schemeClr val="tx1"/>
-                </a:solidFill>
-                <a:latin typeface="+mn-lt"/>
-                <a:ea typeface="+mn-ea"/>
-                <a:cs typeface="+mn-cs"/>
-              </a:defRPr>
-            </a:lvl7pPr>
-            <a:lvl8pPr marL="2571750" indent="-171450" algn="l" defTabSz="685800" rtl="0" eaLnBrk="1" latinLnBrk="0" hangingPunct="1">
-              <a:lnSpc>
-                <a:spcPct val="90000"/>
-              </a:lnSpc>
-              <a:spcBef>
-                <a:spcPct val="30000"/>
-              </a:spcBef>
-              <a:buFont typeface="Arial" panose="020B0604020202020204" pitchFamily="34" charset="0"/>
-              <a:buChar char="•"/>
-              <a:defRPr lang="zh-CN" sz="1350" kern="1200">
-                <a:solidFill>
-                  <a:schemeClr val="tx1"/>
-                </a:solidFill>
-                <a:latin typeface="+mn-lt"/>
-                <a:ea typeface="+mn-ea"/>
-                <a:cs typeface="+mn-cs"/>
-              </a:defRPr>
-            </a:lvl8pPr>
-            <a:lvl9pPr marL="2914650" indent="-171450" algn="l" defTabSz="685800" rtl="0" eaLnBrk="1" latinLnBrk="0" hangingPunct="1">
-              <a:lnSpc>
-                <a:spcPct val="90000"/>
-              </a:lnSpc>
-              <a:spcBef>
-                <a:spcPct val="30000"/>
-              </a:spcBef>
-              <a:buFont typeface="Arial" panose="020B0604020202020204" pitchFamily="34" charset="0"/>
-              <a:buChar char="•"/>
-              <a:defRPr lang="zh-CN" sz="1350" kern="1200">
-                <a:solidFill>
-                  <a:schemeClr val="tx1"/>
-                </a:solidFill>
-                <a:latin typeface="+mn-lt"/>
-                <a:ea typeface="+mn-ea"/>
-                <a:cs typeface="+mn-cs"/>
-              </a:defRPr>
-            </a:lvl9pPr>
-          </a:lstStyle>
-          <a:p>
-            <a:r>
-              <a:rPr lang="zh-CN" altLang="en-US" sz="2400" b="1" dirty="0" smtClean="0">
-                <a:ln w="0"/>
-                <a:solidFill>
-                  <a:srgbClr val="FFFF00"/>
-                </a:solidFill>
-                <a:effectLst>
-                  <a:outerShdw blurRad="38100" dist="19050" dir="2700000" algn="tl" rotWithShape="0">
-                    <a:schemeClr val="dk1">
-                      <a:alpha val="40000"/>
-                    </a:schemeClr>
-                  </a:outerShdw>
-                </a:effectLst>
-                <a:latin typeface="微软雅黑" panose="020B0503020204020204" pitchFamily="34" charset="-122"/>
-                <a:ea typeface="微软雅黑" panose="020B0503020204020204" pitchFamily="34" charset="-122"/>
-              </a:rPr>
-              <a:t>给定一个建筑立面的点云，如何得到可以描述它的最佳的剖分树（语义规则的应用序列）？</a:t>
-            </a:r>
-          </a:p>
-          <a:p>
-            <a:endParaRPr lang="zh-CN" altLang="en-US" sz="1800" dirty="0">
-              <a:ln w="0"/>
-              <a:solidFill>
-                <a:srgbClr val="00B0F0"/>
-              </a:solidFill>
-              <a:effectLst>
-                <a:outerShdw blurRad="38100" dist="19050" dir="2700000" algn="tl" rotWithShape="0">
-                  <a:schemeClr val="dk1">
-                    <a:alpha val="40000"/>
-                  </a:schemeClr>
-                </a:outerShdw>
-              </a:effectLst>
-            </a:endParaRPr>
-          </a:p>
-        </p:txBody>
-      </p:sp>
     </p:spTree>
     <p:extLst>
       <p:ext uri="{BB962C8B-B14F-4D97-AF65-F5344CB8AC3E}">
@@ -22753,33 +22477,1610 @@
                       </p:childTnLst>
                     </p:cTn>
                   </p:par>
+                </p:childTnLst>
+              </p:cTn>
+              <p:prevCondLst>
+                <p:cond evt="onPrev" delay="0">
+                  <p:tgtEl>
+                    <p:sldTgt/>
+                  </p:tgtEl>
+                </p:cond>
+              </p:prevCondLst>
+              <p:nextCondLst>
+                <p:cond evt="onNext" delay="0">
+                  <p:tgtEl>
+                    <p:sldTgt/>
+                  </p:tgtEl>
+                </p:cond>
+              </p:nextCondLst>
+            </p:seq>
+          </p:childTnLst>
+        </p:cTn>
+      </p:par>
+    </p:tnLst>
+    <p:bldLst>
+      <p:bldP spid="3" grpId="0" uiExpand="1" build="p"/>
+      <p:bldGraphic spid="5" grpId="0">
+        <p:bldAsOne/>
+      </p:bldGraphic>
+    </p:bldLst>
+  </p:timing>
+</p:sld>
+</file>
+
+<file path=ppt/slides/slide7.xml><?xml version="1.0" encoding="utf-8"?>
+<p:sld xmlns:a="http://schemas.openxmlformats.org/drawingml/2006/main" xmlns:r="http://schemas.openxmlformats.org/officeDocument/2006/relationships" xmlns:p="http://schemas.openxmlformats.org/presentationml/2006/main">
+  <p:cSld>
+    <p:spTree>
+      <p:nvGrpSpPr>
+        <p:cNvPr id="1" name=""/>
+        <p:cNvGrpSpPr/>
+        <p:nvPr/>
+      </p:nvGrpSpPr>
+      <p:grpSpPr>
+        <a:xfrm>
+          <a:off x="0" y="0"/>
+          <a:ext cx="0" cy="0"/>
+          <a:chOff x="0" y="0"/>
+          <a:chExt cx="0" cy="0"/>
+        </a:xfrm>
+      </p:grpSpPr>
+      <p:sp>
+        <p:nvSpPr>
+          <p:cNvPr id="2" name="Title 1"/>
+          <p:cNvSpPr>
+            <a:spLocks noGrp="1"/>
+          </p:cNvSpPr>
+          <p:nvPr>
+            <p:ph type="title"/>
+          </p:nvPr>
+        </p:nvSpPr>
+        <p:spPr>
+          <a:xfrm>
+            <a:off x="453327" y="-40944"/>
+            <a:ext cx="8062025" cy="1208868"/>
+          </a:xfrm>
+        </p:spPr>
+        <p:txBody>
+          <a:bodyPr/>
+          <a:lstStyle/>
+          <a:p>
+            <a:r>
+              <a:rPr lang="zh-CN" altLang="en-US" dirty="0"/>
+              <a:t>示例：用二分形状语义表示一个简单的建筑立面</a:t>
+            </a:r>
+          </a:p>
+        </p:txBody>
+      </p:sp>
+      <p:pic>
+        <p:nvPicPr>
+          <p:cNvPr id="3074" name="Picture 2"/>
+          <p:cNvPicPr>
+            <a:picLocks noChangeAspect="1" noChangeArrowheads="1"/>
+          </p:cNvPicPr>
+          <p:nvPr/>
+        </p:nvPicPr>
+        <p:blipFill>
+          <a:blip r:embed="rId3">
+            <a:extLst>
+              <a:ext uri="{28A0092B-C50C-407E-A947-70E740481C1C}">
+                <a14:useLocalDpi xmlns:a14="http://schemas.microsoft.com/office/drawing/2010/main" val="0"/>
+              </a:ext>
+            </a:extLst>
+          </a:blip>
+          <a:srcRect/>
+          <a:stretch>
+            <a:fillRect/>
+          </a:stretch>
+        </p:blipFill>
+        <p:spPr bwMode="auto">
+          <a:xfrm>
+            <a:off x="4491987" y="2102352"/>
+            <a:ext cx="4652013" cy="3973595"/>
+          </a:xfrm>
+          <a:prstGeom prst="rect">
+            <a:avLst/>
+          </a:prstGeom>
+          <a:noFill/>
+          <a:ln>
+            <a:noFill/>
+          </a:ln>
+          <a:effectLst/>
+          <a:extLst>
+            <a:ext uri="{909E8E84-426E-40DD-AFC4-6F175D3DCCD1}">
+              <a14:hiddenFill xmlns:a14="http://schemas.microsoft.com/office/drawing/2010/main">
+                <a:solidFill>
+                  <a:schemeClr val="accent1"/>
+                </a:solidFill>
+              </a14:hiddenFill>
+            </a:ext>
+            <a:ext uri="{91240B29-F687-4F45-9708-019B960494DF}">
+              <a14:hiddenLine xmlns:a14="http://schemas.microsoft.com/office/drawing/2010/main" w="9525">
+                <a:solidFill>
+                  <a:schemeClr val="tx1"/>
+                </a:solidFill>
+                <a:miter lim="800000"/>
+                <a:headEnd/>
+                <a:tailEnd/>
+              </a14:hiddenLine>
+            </a:ext>
+            <a:ext uri="{AF507438-7753-43E0-B8FC-AC1667EBCBE1}">
+              <a14:hiddenEffects xmlns:a14="http://schemas.microsoft.com/office/drawing/2010/main">
+                <a:effectLst>
+                  <a:outerShdw dist="35921" dir="2700000" algn="ctr" rotWithShape="0">
+                    <a:schemeClr val="bg2"/>
+                  </a:outerShdw>
+                </a:effectLst>
+              </a14:hiddenEffects>
+            </a:ext>
+          </a:extLst>
+        </p:spPr>
+      </p:pic>
+      <p:sp>
+        <p:nvSpPr>
+          <p:cNvPr id="6" name="Content Placeholder 2"/>
+          <p:cNvSpPr txBox="1">
+            <a:spLocks/>
+          </p:cNvSpPr>
+          <p:nvPr/>
+        </p:nvSpPr>
+        <p:spPr>
+          <a:xfrm>
+            <a:off x="126526" y="1720357"/>
+            <a:ext cx="5117295" cy="5068469"/>
+          </a:xfrm>
+          <a:prstGeom prst="rect">
+            <a:avLst/>
+          </a:prstGeom>
+        </p:spPr>
+        <p:txBody>
+          <a:bodyPr vert="horz" lIns="91440" tIns="45720" rIns="91440" bIns="45720" rtlCol="0">
+            <a:normAutofit fontScale="62500" lnSpcReduction="20000"/>
+          </a:bodyPr>
+          <a:lstStyle>
+            <a:lvl1pPr marL="0" indent="0" algn="l" defTabSz="685800" rtl="0" eaLnBrk="1" latinLnBrk="0" hangingPunct="1">
+              <a:lnSpc>
+                <a:spcPct val="150000"/>
+              </a:lnSpc>
+              <a:spcBef>
+                <a:spcPct val="30000"/>
+              </a:spcBef>
+              <a:spcAft>
+                <a:spcPts val="900"/>
+              </a:spcAft>
+              <a:buFont typeface="Arial" panose="020B0604020202020204" pitchFamily="34" charset="0"/>
+              <a:buNone/>
+              <a:defRPr lang="zh-CN" sz="1200" kern="1200">
+                <a:solidFill>
+                  <a:schemeClr val="bg1">
+                    <a:lumMod val="50000"/>
+                  </a:schemeClr>
+                </a:solidFill>
+                <a:latin typeface="Microsoft YaHei UI" panose="020B0503020204020204" pitchFamily="34" charset="-122"/>
+                <a:ea typeface="Microsoft YaHei UI" panose="020B0503020204020204" pitchFamily="34" charset="-122"/>
+                <a:cs typeface="+mn-cs"/>
+              </a:defRPr>
+            </a:lvl1pPr>
+            <a:lvl2pPr marL="514350" indent="-171450" algn="l" defTabSz="685800" rtl="0" eaLnBrk="1" latinLnBrk="0" hangingPunct="1">
+              <a:lnSpc>
+                <a:spcPct val="150000"/>
+              </a:lnSpc>
+              <a:spcBef>
+                <a:spcPct val="30000"/>
+              </a:spcBef>
+              <a:spcAft>
+                <a:spcPts val="900"/>
+              </a:spcAft>
+              <a:buFont typeface="Arial" panose="020B0604020202020204" pitchFamily="34" charset="0"/>
+              <a:buChar char="•"/>
+              <a:defRPr lang="zh-CN" sz="1050" kern="1200">
+                <a:solidFill>
+                  <a:schemeClr val="bg1">
+                    <a:lumMod val="50000"/>
+                  </a:schemeClr>
+                </a:solidFill>
+                <a:latin typeface="Microsoft YaHei UI" panose="020B0503020204020204" pitchFamily="34" charset="-122"/>
+                <a:ea typeface="Microsoft YaHei UI" panose="020B0503020204020204" pitchFamily="34" charset="-122"/>
+                <a:cs typeface="+mn-cs"/>
+              </a:defRPr>
+            </a:lvl2pPr>
+            <a:lvl3pPr marL="857250" indent="-171450" algn="l" defTabSz="685800" rtl="0" eaLnBrk="1" latinLnBrk="0" hangingPunct="1">
+              <a:lnSpc>
+                <a:spcPct val="150000"/>
+              </a:lnSpc>
+              <a:spcBef>
+                <a:spcPct val="30000"/>
+              </a:spcBef>
+              <a:spcAft>
+                <a:spcPts val="900"/>
+              </a:spcAft>
+              <a:buFont typeface="Arial" panose="020B0604020202020204" pitchFamily="34" charset="0"/>
+              <a:buChar char="•"/>
+              <a:defRPr lang="zh-CN" sz="900" kern="1200">
+                <a:solidFill>
+                  <a:schemeClr val="bg1">
+                    <a:lumMod val="50000"/>
+                  </a:schemeClr>
+                </a:solidFill>
+                <a:latin typeface="Microsoft YaHei UI" panose="020B0503020204020204" pitchFamily="34" charset="-122"/>
+                <a:ea typeface="Microsoft YaHei UI" panose="020B0503020204020204" pitchFamily="34" charset="-122"/>
+                <a:cs typeface="+mn-cs"/>
+              </a:defRPr>
+            </a:lvl3pPr>
+            <a:lvl4pPr marL="1200150" indent="-171450" algn="l" defTabSz="685800" rtl="0" eaLnBrk="1" latinLnBrk="0" hangingPunct="1">
+              <a:lnSpc>
+                <a:spcPct val="150000"/>
+              </a:lnSpc>
+              <a:spcBef>
+                <a:spcPct val="30000"/>
+              </a:spcBef>
+              <a:spcAft>
+                <a:spcPts val="900"/>
+              </a:spcAft>
+              <a:buFont typeface="Arial" panose="020B0604020202020204" pitchFamily="34" charset="0"/>
+              <a:buChar char="•"/>
+              <a:defRPr lang="zh-CN" sz="825" kern="1200">
+                <a:solidFill>
+                  <a:schemeClr val="bg1">
+                    <a:lumMod val="50000"/>
+                  </a:schemeClr>
+                </a:solidFill>
+                <a:latin typeface="Microsoft YaHei UI" panose="020B0503020204020204" pitchFamily="34" charset="-122"/>
+                <a:ea typeface="Microsoft YaHei UI" panose="020B0503020204020204" pitchFamily="34" charset="-122"/>
+                <a:cs typeface="+mn-cs"/>
+              </a:defRPr>
+            </a:lvl4pPr>
+            <a:lvl5pPr marL="1543050" indent="-171450" algn="l" defTabSz="685800" rtl="0" eaLnBrk="1" latinLnBrk="0" hangingPunct="1">
+              <a:lnSpc>
+                <a:spcPct val="150000"/>
+              </a:lnSpc>
+              <a:spcBef>
+                <a:spcPct val="30000"/>
+              </a:spcBef>
+              <a:spcAft>
+                <a:spcPts val="900"/>
+              </a:spcAft>
+              <a:buFont typeface="Arial" panose="020B0604020202020204" pitchFamily="34" charset="0"/>
+              <a:buChar char="•"/>
+              <a:defRPr lang="zh-CN" sz="825" kern="1200">
+                <a:solidFill>
+                  <a:schemeClr val="bg1">
+                    <a:lumMod val="50000"/>
+                  </a:schemeClr>
+                </a:solidFill>
+                <a:latin typeface="Microsoft YaHei UI" panose="020B0503020204020204" pitchFamily="34" charset="-122"/>
+                <a:ea typeface="Microsoft YaHei UI" panose="020B0503020204020204" pitchFamily="34" charset="-122"/>
+                <a:cs typeface="+mn-cs"/>
+              </a:defRPr>
+            </a:lvl5pPr>
+            <a:lvl6pPr marL="1885950" indent="-171450" algn="l" defTabSz="685800" rtl="0" eaLnBrk="1" latinLnBrk="0" hangingPunct="1">
+              <a:lnSpc>
+                <a:spcPct val="90000"/>
+              </a:lnSpc>
+              <a:spcBef>
+                <a:spcPct val="30000"/>
+              </a:spcBef>
+              <a:buFont typeface="Arial" panose="020B0604020202020204" pitchFamily="34" charset="0"/>
+              <a:buChar char="•"/>
+              <a:defRPr lang="zh-CN" sz="1350" kern="1200">
+                <a:solidFill>
+                  <a:schemeClr val="tx1"/>
+                </a:solidFill>
+                <a:latin typeface="+mn-lt"/>
+                <a:ea typeface="+mn-ea"/>
+                <a:cs typeface="+mn-cs"/>
+              </a:defRPr>
+            </a:lvl6pPr>
+            <a:lvl7pPr marL="2228850" indent="-171450" algn="l" defTabSz="685800" rtl="0" eaLnBrk="1" latinLnBrk="0" hangingPunct="1">
+              <a:lnSpc>
+                <a:spcPct val="90000"/>
+              </a:lnSpc>
+              <a:spcBef>
+                <a:spcPct val="30000"/>
+              </a:spcBef>
+              <a:buFont typeface="Arial" panose="020B0604020202020204" pitchFamily="34" charset="0"/>
+              <a:buChar char="•"/>
+              <a:defRPr lang="zh-CN" sz="1350" kern="1200">
+                <a:solidFill>
+                  <a:schemeClr val="tx1"/>
+                </a:solidFill>
+                <a:latin typeface="+mn-lt"/>
+                <a:ea typeface="+mn-ea"/>
+                <a:cs typeface="+mn-cs"/>
+              </a:defRPr>
+            </a:lvl7pPr>
+            <a:lvl8pPr marL="2571750" indent="-171450" algn="l" defTabSz="685800" rtl="0" eaLnBrk="1" latinLnBrk="0" hangingPunct="1">
+              <a:lnSpc>
+                <a:spcPct val="90000"/>
+              </a:lnSpc>
+              <a:spcBef>
+                <a:spcPct val="30000"/>
+              </a:spcBef>
+              <a:buFont typeface="Arial" panose="020B0604020202020204" pitchFamily="34" charset="0"/>
+              <a:buChar char="•"/>
+              <a:defRPr lang="zh-CN" sz="1350" kern="1200">
+                <a:solidFill>
+                  <a:schemeClr val="tx1"/>
+                </a:solidFill>
+                <a:latin typeface="+mn-lt"/>
+                <a:ea typeface="+mn-ea"/>
+                <a:cs typeface="+mn-cs"/>
+              </a:defRPr>
+            </a:lvl8pPr>
+            <a:lvl9pPr marL="2914650" indent="-171450" algn="l" defTabSz="685800" rtl="0" eaLnBrk="1" latinLnBrk="0" hangingPunct="1">
+              <a:lnSpc>
+                <a:spcPct val="90000"/>
+              </a:lnSpc>
+              <a:spcBef>
+                <a:spcPct val="30000"/>
+              </a:spcBef>
+              <a:buFont typeface="Arial" panose="020B0604020202020204" pitchFamily="34" charset="0"/>
+              <a:buChar char="•"/>
+              <a:defRPr lang="zh-CN" sz="1350" kern="1200">
+                <a:solidFill>
+                  <a:schemeClr val="tx1"/>
+                </a:solidFill>
+                <a:latin typeface="+mn-lt"/>
+                <a:ea typeface="+mn-ea"/>
+                <a:cs typeface="+mn-cs"/>
+              </a:defRPr>
+            </a:lvl9pPr>
+          </a:lstStyle>
+          <a:p>
+            <a:pPr marL="214313" indent="-214313">
+              <a:lnSpc>
+                <a:spcPct val="120000"/>
+              </a:lnSpc>
+              <a:buClr>
+                <a:srgbClr val="00B050"/>
+              </a:buClr>
+              <a:buFont typeface="Wingdings" panose="05000000000000000000" pitchFamily="2" charset="2"/>
+              <a:buChar char="u"/>
+            </a:pPr>
+            <a:r>
+              <a:rPr lang="zh-CN" altLang="en-US" sz="3100" dirty="0" smtClean="0">
+                <a:solidFill>
+                  <a:srgbClr val="0070C0"/>
+                </a:solidFill>
+                <a:latin typeface="微软雅黑" panose="020B0503020204020204" pitchFamily="34" charset="-122"/>
+                <a:ea typeface="微软雅黑" panose="020B0503020204020204" pitchFamily="34" charset="-122"/>
+              </a:rPr>
+              <a:t>初始形状：</a:t>
+            </a:r>
+            <a:r>
+              <a:rPr lang="en-US" altLang="zh-CN" sz="3100" dirty="0" smtClean="0">
+                <a:solidFill>
+                  <a:schemeClr val="tx1"/>
+                </a:solidFill>
+                <a:latin typeface="微软雅黑" panose="020B0503020204020204" pitchFamily="34" charset="-122"/>
+                <a:ea typeface="微软雅黑" panose="020B0503020204020204" pitchFamily="34" charset="-122"/>
+              </a:rPr>
+              <a:t>façade</a:t>
+            </a:r>
+          </a:p>
+          <a:p>
+            <a:pPr marL="214313" indent="-214313">
+              <a:lnSpc>
+                <a:spcPct val="120000"/>
+              </a:lnSpc>
+              <a:buClr>
+                <a:srgbClr val="00B050"/>
+              </a:buClr>
+              <a:buFont typeface="Wingdings" panose="05000000000000000000" pitchFamily="2" charset="2"/>
+              <a:buChar char="u"/>
+            </a:pPr>
+            <a:r>
+              <a:rPr lang="zh-CN" altLang="en-US" sz="3100" dirty="0" smtClean="0">
+                <a:solidFill>
+                  <a:srgbClr val="0070C0"/>
+                </a:solidFill>
+                <a:latin typeface="微软雅黑" panose="020B0503020204020204" pitchFamily="34" charset="-122"/>
+                <a:ea typeface="微软雅黑" panose="020B0503020204020204" pitchFamily="34" charset="-122"/>
+              </a:rPr>
+              <a:t>终端形状：</a:t>
+            </a:r>
+            <a:r>
+              <a:rPr lang="en-US" altLang="zh-CN" sz="3100" dirty="0" smtClean="0">
+                <a:solidFill>
+                  <a:schemeClr val="tx1"/>
+                </a:solidFill>
+                <a:latin typeface="微软雅黑" panose="020B0503020204020204" pitchFamily="34" charset="-122"/>
+                <a:ea typeface="微软雅黑" panose="020B0503020204020204" pitchFamily="34" charset="-122"/>
+              </a:rPr>
+              <a:t>window</a:t>
+            </a:r>
+            <a:r>
+              <a:rPr lang="zh-CN" altLang="en-US" sz="3100" dirty="0" smtClean="0">
+                <a:solidFill>
+                  <a:schemeClr val="tx1"/>
+                </a:solidFill>
+                <a:latin typeface="微软雅黑" panose="020B0503020204020204" pitchFamily="34" charset="-122"/>
+                <a:ea typeface="微软雅黑" panose="020B0503020204020204" pitchFamily="34" charset="-122"/>
+              </a:rPr>
+              <a:t>、</a:t>
+            </a:r>
+            <a:r>
+              <a:rPr lang="en-US" altLang="zh-CN" sz="3100" dirty="0" smtClean="0">
+                <a:solidFill>
+                  <a:schemeClr val="tx1"/>
+                </a:solidFill>
+                <a:latin typeface="微软雅黑" panose="020B0503020204020204" pitchFamily="34" charset="-122"/>
+                <a:ea typeface="微软雅黑" panose="020B0503020204020204" pitchFamily="34" charset="-122"/>
+              </a:rPr>
+              <a:t>wall</a:t>
+            </a:r>
+          </a:p>
+          <a:p>
+            <a:pPr marL="214313" indent="-214313">
+              <a:lnSpc>
+                <a:spcPct val="120000"/>
+              </a:lnSpc>
+              <a:buClr>
+                <a:srgbClr val="00B050"/>
+              </a:buClr>
+              <a:buFont typeface="Wingdings" panose="05000000000000000000" pitchFamily="2" charset="2"/>
+              <a:buChar char="u"/>
+            </a:pPr>
+            <a:r>
+              <a:rPr lang="zh-CN" altLang="en-US" sz="3100" dirty="0">
+                <a:solidFill>
+                  <a:srgbClr val="0070C0"/>
+                </a:solidFill>
+                <a:latin typeface="微软雅黑" panose="020B0503020204020204" pitchFamily="34" charset="-122"/>
+                <a:ea typeface="微软雅黑" panose="020B0503020204020204" pitchFamily="34" charset="-122"/>
+              </a:rPr>
+              <a:t>非</a:t>
+            </a:r>
+            <a:r>
+              <a:rPr lang="zh-CN" altLang="en-US" sz="3100" dirty="0" smtClean="0">
+                <a:solidFill>
+                  <a:srgbClr val="0070C0"/>
+                </a:solidFill>
+                <a:latin typeface="微软雅黑" panose="020B0503020204020204" pitchFamily="34" charset="-122"/>
+                <a:ea typeface="微软雅黑" panose="020B0503020204020204" pitchFamily="34" charset="-122"/>
+              </a:rPr>
+              <a:t>终端形状：</a:t>
+            </a:r>
+            <a:r>
+              <a:rPr lang="en-US" altLang="zh-CN" sz="3100" dirty="0" smtClean="0">
+                <a:solidFill>
+                  <a:schemeClr val="tx1"/>
+                </a:solidFill>
+                <a:latin typeface="微软雅黑" panose="020B0503020204020204" pitchFamily="34" charset="-122"/>
+                <a:ea typeface="微软雅黑" panose="020B0503020204020204" pitchFamily="34" charset="-122"/>
+              </a:rPr>
+              <a:t>floorWall</a:t>
+            </a:r>
+            <a:r>
+              <a:rPr lang="zh-CN" altLang="en-US" sz="3100" dirty="0" smtClean="0">
+                <a:solidFill>
+                  <a:schemeClr val="tx1"/>
+                </a:solidFill>
+                <a:latin typeface="微软雅黑" panose="020B0503020204020204" pitchFamily="34" charset="-122"/>
+                <a:ea typeface="微软雅黑" panose="020B0503020204020204" pitchFamily="34" charset="-122"/>
+              </a:rPr>
+              <a:t>、</a:t>
+            </a:r>
+            <a:r>
+              <a:rPr lang="en-US" altLang="zh-CN" sz="3100" dirty="0" err="1" smtClean="0">
+                <a:solidFill>
+                  <a:schemeClr val="tx1"/>
+                </a:solidFill>
+                <a:latin typeface="微软雅黑" panose="020B0503020204020204" pitchFamily="34" charset="-122"/>
+                <a:ea typeface="微软雅黑" panose="020B0503020204020204" pitchFamily="34" charset="-122"/>
+              </a:rPr>
+              <a:t>floorWindow</a:t>
+            </a:r>
+            <a:r>
+              <a:rPr lang="zh-CN" altLang="en-US" sz="3100" dirty="0" smtClean="0">
+                <a:solidFill>
+                  <a:schemeClr val="tx1"/>
+                </a:solidFill>
+                <a:latin typeface="微软雅黑" panose="020B0503020204020204" pitchFamily="34" charset="-122"/>
+                <a:ea typeface="微软雅黑" panose="020B0503020204020204" pitchFamily="34" charset="-122"/>
+              </a:rPr>
+              <a:t>、</a:t>
+            </a:r>
+            <a:r>
+              <a:rPr lang="en-US" altLang="zh-CN" sz="3100" dirty="0" err="1" smtClean="0">
+                <a:solidFill>
+                  <a:schemeClr val="tx1"/>
+                </a:solidFill>
+                <a:latin typeface="微软雅黑" panose="020B0503020204020204" pitchFamily="34" charset="-122"/>
+                <a:ea typeface="微软雅黑" panose="020B0503020204020204" pitchFamily="34" charset="-122"/>
+              </a:rPr>
+              <a:t>facadeWall</a:t>
+            </a:r>
+            <a:r>
+              <a:rPr lang="zh-CN" altLang="en-US" sz="3100" dirty="0" smtClean="0">
+                <a:solidFill>
+                  <a:schemeClr val="tx1"/>
+                </a:solidFill>
+                <a:latin typeface="微软雅黑" panose="020B0503020204020204" pitchFamily="34" charset="-122"/>
+                <a:ea typeface="微软雅黑" panose="020B0503020204020204" pitchFamily="34" charset="-122"/>
+              </a:rPr>
+              <a:t>、</a:t>
+            </a:r>
+            <a:r>
+              <a:rPr lang="en-US" altLang="zh-CN" sz="3100" dirty="0" err="1" smtClean="0">
+                <a:solidFill>
+                  <a:schemeClr val="tx1"/>
+                </a:solidFill>
+                <a:latin typeface="微软雅黑" panose="020B0503020204020204" pitchFamily="34" charset="-122"/>
+                <a:ea typeface="微软雅黑" panose="020B0503020204020204" pitchFamily="34" charset="-122"/>
+              </a:rPr>
+              <a:t>facadeWindow</a:t>
+            </a:r>
+            <a:endParaRPr lang="en-US" altLang="zh-CN" sz="3100" dirty="0" smtClean="0">
+              <a:solidFill>
+                <a:schemeClr val="tx1"/>
+              </a:solidFill>
+              <a:latin typeface="微软雅黑" panose="020B0503020204020204" pitchFamily="34" charset="-122"/>
+              <a:ea typeface="微软雅黑" panose="020B0503020204020204" pitchFamily="34" charset="-122"/>
+            </a:endParaRPr>
+          </a:p>
+          <a:p>
+            <a:pPr marL="214313" indent="-214313">
+              <a:lnSpc>
+                <a:spcPct val="120000"/>
+              </a:lnSpc>
+              <a:buClr>
+                <a:srgbClr val="00B050"/>
+              </a:buClr>
+              <a:buFont typeface="Wingdings" panose="05000000000000000000" pitchFamily="2" charset="2"/>
+              <a:buChar char="u"/>
+            </a:pPr>
+            <a:r>
+              <a:rPr lang="zh-CN" altLang="en-US" sz="3100" dirty="0" smtClean="0">
+                <a:solidFill>
+                  <a:srgbClr val="0070C0"/>
+                </a:solidFill>
+                <a:latin typeface="微软雅黑" panose="020B0503020204020204" pitchFamily="34" charset="-122"/>
+                <a:ea typeface="微软雅黑" panose="020B0503020204020204" pitchFamily="34" charset="-122"/>
+              </a:rPr>
+              <a:t>语义规则</a:t>
+            </a:r>
+            <a:endParaRPr lang="en-US" altLang="zh-CN" sz="3100" dirty="0" smtClean="0">
+              <a:solidFill>
+                <a:srgbClr val="0070C0"/>
+              </a:solidFill>
+              <a:latin typeface="微软雅黑" panose="020B0503020204020204" pitchFamily="34" charset="-122"/>
+              <a:ea typeface="微软雅黑" panose="020B0503020204020204" pitchFamily="34" charset="-122"/>
+            </a:endParaRPr>
+          </a:p>
+          <a:p>
+            <a:pPr marL="728663" lvl="1" indent="-214313">
+              <a:lnSpc>
+                <a:spcPct val="120000"/>
+              </a:lnSpc>
+              <a:buClr>
+                <a:srgbClr val="00B050"/>
+              </a:buClr>
+              <a:buFont typeface="Wingdings" panose="05000000000000000000" pitchFamily="2" charset="2"/>
+              <a:buChar char="ü"/>
+            </a:pPr>
+            <a:r>
+              <a:rPr lang="en-US" altLang="zh-CN" sz="2600" dirty="0">
+                <a:solidFill>
+                  <a:schemeClr val="tx1"/>
+                </a:solidFill>
+                <a:latin typeface="微软雅黑" panose="020B0503020204020204" pitchFamily="34" charset="-122"/>
+                <a:ea typeface="微软雅黑" panose="020B0503020204020204" pitchFamily="34" charset="-122"/>
+              </a:rPr>
+              <a:t>Rule 1</a:t>
+            </a:r>
+            <a:r>
+              <a:rPr lang="zh-CN" altLang="en-US" sz="2600" dirty="0">
+                <a:solidFill>
+                  <a:schemeClr val="tx1"/>
+                </a:solidFill>
+                <a:latin typeface="微软雅黑" panose="020B0503020204020204" pitchFamily="34" charset="-122"/>
+                <a:ea typeface="微软雅黑" panose="020B0503020204020204" pitchFamily="34" charset="-122"/>
+              </a:rPr>
+              <a:t>：</a:t>
+            </a:r>
+            <a:r>
+              <a:rPr lang="en-US" altLang="zh-CN" sz="2600" dirty="0">
+                <a:solidFill>
+                  <a:schemeClr val="tx1"/>
+                </a:solidFill>
+                <a:latin typeface="微软雅黑" panose="020B0503020204020204" pitchFamily="34" charset="-122"/>
+                <a:ea typeface="微软雅黑" panose="020B0503020204020204" pitchFamily="34" charset="-122"/>
+              </a:rPr>
+              <a:t>façade → floorWall + </a:t>
+            </a:r>
+            <a:r>
+              <a:rPr lang="en-US" altLang="zh-CN" sz="2600" dirty="0" err="1">
+                <a:solidFill>
+                  <a:schemeClr val="tx1"/>
+                </a:solidFill>
+                <a:latin typeface="微软雅黑" panose="020B0503020204020204" pitchFamily="34" charset="-122"/>
+                <a:ea typeface="微软雅黑" panose="020B0503020204020204" pitchFamily="34" charset="-122"/>
+              </a:rPr>
+              <a:t>facadeWall</a:t>
+            </a:r>
+            <a:endParaRPr lang="zh-CN" altLang="en-US" sz="2600" dirty="0">
+              <a:solidFill>
+                <a:schemeClr val="tx1"/>
+              </a:solidFill>
+              <a:latin typeface="微软雅黑" panose="020B0503020204020204" pitchFamily="34" charset="-122"/>
+              <a:ea typeface="微软雅黑" panose="020B0503020204020204" pitchFamily="34" charset="-122"/>
+            </a:endParaRPr>
+          </a:p>
+          <a:p>
+            <a:pPr marL="728663" lvl="1" indent="-214313">
+              <a:lnSpc>
+                <a:spcPct val="120000"/>
+              </a:lnSpc>
+              <a:buClr>
+                <a:srgbClr val="00B050"/>
+              </a:buClr>
+              <a:buFont typeface="Wingdings" panose="05000000000000000000" pitchFamily="2" charset="2"/>
+              <a:buChar char="ü"/>
+            </a:pPr>
+            <a:r>
+              <a:rPr lang="en-US" altLang="zh-CN" sz="2600" dirty="0" smtClean="0">
+                <a:solidFill>
+                  <a:schemeClr val="tx1"/>
+                </a:solidFill>
+                <a:latin typeface="微软雅黑" panose="020B0503020204020204" pitchFamily="34" charset="-122"/>
+                <a:ea typeface="微软雅黑" panose="020B0503020204020204" pitchFamily="34" charset="-122"/>
+              </a:rPr>
+              <a:t>Rule </a:t>
+            </a:r>
+            <a:r>
+              <a:rPr lang="en-US" altLang="zh-CN" sz="2600" dirty="0">
+                <a:solidFill>
+                  <a:schemeClr val="tx1"/>
+                </a:solidFill>
+                <a:latin typeface="微软雅黑" panose="020B0503020204020204" pitchFamily="34" charset="-122"/>
+                <a:ea typeface="微软雅黑" panose="020B0503020204020204" pitchFamily="34" charset="-122"/>
+              </a:rPr>
+              <a:t>2</a:t>
+            </a:r>
+            <a:r>
+              <a:rPr lang="zh-CN" altLang="en-US" sz="2600" dirty="0">
+                <a:solidFill>
+                  <a:schemeClr val="tx1"/>
+                </a:solidFill>
+                <a:latin typeface="微软雅黑" panose="020B0503020204020204" pitchFamily="34" charset="-122"/>
+                <a:ea typeface="微软雅黑" panose="020B0503020204020204" pitchFamily="34" charset="-122"/>
+              </a:rPr>
+              <a:t>：</a:t>
+            </a:r>
+            <a:r>
+              <a:rPr lang="en-US" altLang="zh-CN" sz="2600" dirty="0" err="1">
+                <a:solidFill>
+                  <a:schemeClr val="tx1"/>
+                </a:solidFill>
+                <a:latin typeface="微软雅黑" panose="020B0503020204020204" pitchFamily="34" charset="-122"/>
+                <a:ea typeface="微软雅黑" panose="020B0503020204020204" pitchFamily="34" charset="-122"/>
+              </a:rPr>
+              <a:t>facadeFloor</a:t>
+            </a:r>
+            <a:r>
+              <a:rPr lang="en-US" altLang="zh-CN" sz="2600" dirty="0">
+                <a:solidFill>
+                  <a:schemeClr val="tx1"/>
+                </a:solidFill>
+                <a:latin typeface="微软雅黑" panose="020B0503020204020204" pitchFamily="34" charset="-122"/>
+                <a:ea typeface="微软雅黑" panose="020B0503020204020204" pitchFamily="34" charset="-122"/>
+              </a:rPr>
+              <a:t> → floorWall + </a:t>
+            </a:r>
+            <a:r>
+              <a:rPr lang="en-US" altLang="zh-CN" sz="2600" dirty="0" err="1" smtClean="0">
+                <a:solidFill>
+                  <a:schemeClr val="tx1"/>
+                </a:solidFill>
+                <a:latin typeface="微软雅黑" panose="020B0503020204020204" pitchFamily="34" charset="-122"/>
+                <a:ea typeface="微软雅黑" panose="020B0503020204020204" pitchFamily="34" charset="-122"/>
+              </a:rPr>
+              <a:t>facadeWall</a:t>
+            </a:r>
+            <a:endParaRPr lang="en-US" altLang="zh-CN" sz="2600" dirty="0" smtClean="0">
+              <a:solidFill>
+                <a:schemeClr val="tx1"/>
+              </a:solidFill>
+              <a:latin typeface="微软雅黑" panose="020B0503020204020204" pitchFamily="34" charset="-122"/>
+              <a:ea typeface="微软雅黑" panose="020B0503020204020204" pitchFamily="34" charset="-122"/>
+            </a:endParaRPr>
+          </a:p>
+          <a:p>
+            <a:pPr marL="728663" lvl="1" indent="-214313">
+              <a:lnSpc>
+                <a:spcPct val="120000"/>
+              </a:lnSpc>
+              <a:buClr>
+                <a:srgbClr val="00B050"/>
+              </a:buClr>
+              <a:buFont typeface="Wingdings" panose="05000000000000000000" pitchFamily="2" charset="2"/>
+              <a:buChar char="ü"/>
+            </a:pPr>
+            <a:r>
+              <a:rPr lang="en-US" altLang="zh-CN" sz="2600" dirty="0">
+                <a:solidFill>
+                  <a:schemeClr val="tx1"/>
+                </a:solidFill>
+                <a:latin typeface="微软雅黑" panose="020B0503020204020204" pitchFamily="34" charset="-122"/>
+                <a:ea typeface="微软雅黑" panose="020B0503020204020204" pitchFamily="34" charset="-122"/>
+              </a:rPr>
+              <a:t>Rule 3 :  </a:t>
+            </a:r>
+            <a:r>
+              <a:rPr lang="en-US" altLang="zh-CN" sz="2600" dirty="0" err="1">
+                <a:solidFill>
+                  <a:schemeClr val="tx1"/>
+                </a:solidFill>
+                <a:latin typeface="微软雅黑" panose="020B0503020204020204" pitchFamily="34" charset="-122"/>
+                <a:ea typeface="微软雅黑" panose="020B0503020204020204" pitchFamily="34" charset="-122"/>
+              </a:rPr>
+              <a:t>facadeWall</a:t>
+            </a:r>
+            <a:r>
+              <a:rPr lang="en-US" altLang="zh-CN" sz="2600" dirty="0">
+                <a:solidFill>
+                  <a:schemeClr val="tx1"/>
+                </a:solidFill>
+                <a:latin typeface="微软雅黑" panose="020B0503020204020204" pitchFamily="34" charset="-122"/>
+                <a:ea typeface="微软雅黑" panose="020B0503020204020204" pitchFamily="34" charset="-122"/>
+              </a:rPr>
+              <a:t> → wall+ </a:t>
+            </a:r>
+            <a:r>
+              <a:rPr lang="en-US" altLang="zh-CN" sz="2600" dirty="0" err="1">
+                <a:solidFill>
+                  <a:schemeClr val="tx1"/>
+                </a:solidFill>
+                <a:latin typeface="微软雅黑" panose="020B0503020204020204" pitchFamily="34" charset="-122"/>
+                <a:ea typeface="微软雅黑" panose="020B0503020204020204" pitchFamily="34" charset="-122"/>
+              </a:rPr>
+              <a:t>facadeFloor</a:t>
+            </a:r>
+            <a:endParaRPr lang="en-US" altLang="zh-CN" sz="2600" dirty="0">
+              <a:solidFill>
+                <a:schemeClr val="tx1"/>
+              </a:solidFill>
+              <a:latin typeface="微软雅黑" panose="020B0503020204020204" pitchFamily="34" charset="-122"/>
+              <a:ea typeface="微软雅黑" panose="020B0503020204020204" pitchFamily="34" charset="-122"/>
+            </a:endParaRPr>
+          </a:p>
+          <a:p>
+            <a:pPr marL="728663" lvl="1" indent="-214313">
+              <a:lnSpc>
+                <a:spcPct val="120000"/>
+              </a:lnSpc>
+              <a:buClr>
+                <a:srgbClr val="00B050"/>
+              </a:buClr>
+              <a:buFont typeface="Wingdings" panose="05000000000000000000" pitchFamily="2" charset="2"/>
+              <a:buChar char="ü"/>
+            </a:pPr>
+            <a:r>
+              <a:rPr lang="en-US" altLang="zh-CN" sz="2600" dirty="0">
+                <a:solidFill>
+                  <a:schemeClr val="tx1"/>
+                </a:solidFill>
+                <a:latin typeface="微软雅黑" panose="020B0503020204020204" pitchFamily="34" charset="-122"/>
+                <a:ea typeface="微软雅黑" panose="020B0503020204020204" pitchFamily="34" charset="-122"/>
+              </a:rPr>
+              <a:t>Rule 4</a:t>
+            </a:r>
+            <a:r>
+              <a:rPr lang="zh-CN" altLang="en-US" sz="2600" dirty="0">
+                <a:solidFill>
+                  <a:schemeClr val="tx1"/>
+                </a:solidFill>
+                <a:latin typeface="微软雅黑" panose="020B0503020204020204" pitchFamily="34" charset="-122"/>
+                <a:ea typeface="微软雅黑" panose="020B0503020204020204" pitchFamily="34" charset="-122"/>
+              </a:rPr>
+              <a:t>：</a:t>
+            </a:r>
+            <a:r>
+              <a:rPr lang="en-US" altLang="zh-CN" sz="2600" dirty="0">
+                <a:solidFill>
+                  <a:schemeClr val="tx1"/>
+                </a:solidFill>
+                <a:latin typeface="微软雅黑" panose="020B0503020204020204" pitchFamily="34" charset="-122"/>
+                <a:ea typeface="微软雅黑" panose="020B0503020204020204" pitchFamily="34" charset="-122"/>
+              </a:rPr>
+              <a:t>floorWall ↓ wall+ </a:t>
+            </a:r>
+            <a:r>
+              <a:rPr lang="en-US" altLang="zh-CN" sz="2600" dirty="0" err="1">
+                <a:solidFill>
+                  <a:schemeClr val="tx1"/>
+                </a:solidFill>
+                <a:latin typeface="微软雅黑" panose="020B0503020204020204" pitchFamily="34" charset="-122"/>
+                <a:ea typeface="微软雅黑" panose="020B0503020204020204" pitchFamily="34" charset="-122"/>
+              </a:rPr>
+              <a:t>floorWindow</a:t>
+            </a:r>
+            <a:endParaRPr lang="en-US" altLang="zh-CN" sz="2600" dirty="0">
+              <a:solidFill>
+                <a:schemeClr val="tx1"/>
+              </a:solidFill>
+              <a:latin typeface="微软雅黑" panose="020B0503020204020204" pitchFamily="34" charset="-122"/>
+              <a:ea typeface="微软雅黑" panose="020B0503020204020204" pitchFamily="34" charset="-122"/>
+            </a:endParaRPr>
+          </a:p>
+          <a:p>
+            <a:pPr marL="728663" lvl="1" indent="-214313">
+              <a:lnSpc>
+                <a:spcPct val="120000"/>
+              </a:lnSpc>
+              <a:buClr>
+                <a:srgbClr val="00B050"/>
+              </a:buClr>
+              <a:buFont typeface="Wingdings" panose="05000000000000000000" pitchFamily="2" charset="2"/>
+              <a:buChar char="ü"/>
+            </a:pPr>
+            <a:r>
+              <a:rPr lang="en-US" altLang="zh-CN" sz="2600" dirty="0">
+                <a:solidFill>
+                  <a:schemeClr val="tx1"/>
+                </a:solidFill>
+                <a:latin typeface="微软雅黑" panose="020B0503020204020204" pitchFamily="34" charset="-122"/>
+                <a:ea typeface="微软雅黑" panose="020B0503020204020204" pitchFamily="34" charset="-122"/>
+              </a:rPr>
+              <a:t>Rule 5</a:t>
+            </a:r>
+            <a:r>
+              <a:rPr lang="zh-CN" altLang="en-US" sz="2600" dirty="0">
+                <a:solidFill>
+                  <a:schemeClr val="tx1"/>
+                </a:solidFill>
+                <a:latin typeface="微软雅黑" panose="020B0503020204020204" pitchFamily="34" charset="-122"/>
+                <a:ea typeface="微软雅黑" panose="020B0503020204020204" pitchFamily="34" charset="-122"/>
+              </a:rPr>
+              <a:t>：</a:t>
+            </a:r>
+            <a:r>
+              <a:rPr lang="en-US" altLang="zh-CN" sz="2600" dirty="0" err="1">
+                <a:solidFill>
+                  <a:schemeClr val="tx1"/>
+                </a:solidFill>
+                <a:latin typeface="微软雅黑" panose="020B0503020204020204" pitchFamily="34" charset="-122"/>
+                <a:ea typeface="微软雅黑" panose="020B0503020204020204" pitchFamily="34" charset="-122"/>
+              </a:rPr>
+              <a:t>floorWindow</a:t>
+            </a:r>
+            <a:r>
+              <a:rPr lang="en-US" altLang="zh-CN" sz="2600" dirty="0">
+                <a:solidFill>
+                  <a:schemeClr val="tx1"/>
+                </a:solidFill>
+                <a:latin typeface="微软雅黑" panose="020B0503020204020204" pitchFamily="34" charset="-122"/>
+                <a:ea typeface="微软雅黑" panose="020B0503020204020204" pitchFamily="34" charset="-122"/>
+              </a:rPr>
+              <a:t> ↓ window+ floorWall</a:t>
+            </a:r>
+          </a:p>
+          <a:p>
+            <a:pPr marL="728663" lvl="1" indent="-214313">
+              <a:lnSpc>
+                <a:spcPct val="120000"/>
+              </a:lnSpc>
+              <a:buClr>
+                <a:srgbClr val="00B050"/>
+              </a:buClr>
+              <a:buFont typeface="Wingdings" panose="05000000000000000000" pitchFamily="2" charset="2"/>
+              <a:buChar char="ü"/>
+            </a:pPr>
+            <a:endParaRPr lang="en-US" altLang="zh-CN" sz="2600" dirty="0">
+              <a:solidFill>
+                <a:schemeClr val="tx1"/>
+              </a:solidFill>
+              <a:latin typeface="微软雅黑" panose="020B0503020204020204" pitchFamily="34" charset="-122"/>
+              <a:ea typeface="微软雅黑" panose="020B0503020204020204" pitchFamily="34" charset="-122"/>
+            </a:endParaRPr>
+          </a:p>
+          <a:p>
+            <a:pPr lvl="1" indent="0">
+              <a:buClr>
+                <a:srgbClr val="00B050"/>
+              </a:buClr>
+              <a:buFont typeface="Arial" panose="020B0604020202020204" pitchFamily="34" charset="0"/>
+              <a:buNone/>
+            </a:pPr>
+            <a:endParaRPr lang="zh-CN" altLang="en-US" dirty="0" smtClean="0"/>
+          </a:p>
+        </p:txBody>
+      </p:sp>
+      <p:sp>
+        <p:nvSpPr>
+          <p:cNvPr id="20" name="内容占位符 2"/>
+          <p:cNvSpPr txBox="1">
+            <a:spLocks/>
+          </p:cNvSpPr>
+          <p:nvPr/>
+        </p:nvSpPr>
+        <p:spPr>
+          <a:xfrm rot="320518">
+            <a:off x="1611806" y="1907071"/>
+            <a:ext cx="7264031" cy="1086017"/>
+          </a:xfrm>
+          <a:prstGeom prst="rect">
+            <a:avLst/>
+          </a:prstGeom>
+          <a:solidFill>
+            <a:srgbClr val="00B050"/>
+          </a:solidFill>
+        </p:spPr>
+        <p:txBody>
+          <a:bodyPr vert="horz" lIns="91440" tIns="45720" rIns="91440" bIns="45720" rtlCol="0">
+            <a:noAutofit/>
+          </a:bodyPr>
+          <a:lstStyle>
+            <a:lvl1pPr marL="0" indent="0" algn="l" defTabSz="685800" rtl="0" eaLnBrk="1" latinLnBrk="0" hangingPunct="1">
+              <a:lnSpc>
+                <a:spcPct val="150000"/>
+              </a:lnSpc>
+              <a:spcBef>
+                <a:spcPct val="30000"/>
+              </a:spcBef>
+              <a:spcAft>
+                <a:spcPts val="900"/>
+              </a:spcAft>
+              <a:buFont typeface="Arial" panose="020B0604020202020204" pitchFamily="34" charset="0"/>
+              <a:buNone/>
+              <a:defRPr lang="zh-CN" sz="1200" kern="1200">
+                <a:solidFill>
+                  <a:schemeClr val="bg1">
+                    <a:lumMod val="50000"/>
+                  </a:schemeClr>
+                </a:solidFill>
+                <a:latin typeface="Microsoft YaHei UI" panose="020B0503020204020204" pitchFamily="34" charset="-122"/>
+                <a:ea typeface="Microsoft YaHei UI" panose="020B0503020204020204" pitchFamily="34" charset="-122"/>
+                <a:cs typeface="+mn-cs"/>
+              </a:defRPr>
+            </a:lvl1pPr>
+            <a:lvl2pPr marL="514350" indent="-171450" algn="l" defTabSz="685800" rtl="0" eaLnBrk="1" latinLnBrk="0" hangingPunct="1">
+              <a:lnSpc>
+                <a:spcPct val="150000"/>
+              </a:lnSpc>
+              <a:spcBef>
+                <a:spcPct val="30000"/>
+              </a:spcBef>
+              <a:spcAft>
+                <a:spcPts val="900"/>
+              </a:spcAft>
+              <a:buFont typeface="Arial" panose="020B0604020202020204" pitchFamily="34" charset="0"/>
+              <a:buChar char="•"/>
+              <a:defRPr lang="zh-CN" sz="1050" kern="1200">
+                <a:solidFill>
+                  <a:schemeClr val="bg1">
+                    <a:lumMod val="50000"/>
+                  </a:schemeClr>
+                </a:solidFill>
+                <a:latin typeface="Microsoft YaHei UI" panose="020B0503020204020204" pitchFamily="34" charset="-122"/>
+                <a:ea typeface="Microsoft YaHei UI" panose="020B0503020204020204" pitchFamily="34" charset="-122"/>
+                <a:cs typeface="+mn-cs"/>
+              </a:defRPr>
+            </a:lvl2pPr>
+            <a:lvl3pPr marL="857250" indent="-171450" algn="l" defTabSz="685800" rtl="0" eaLnBrk="1" latinLnBrk="0" hangingPunct="1">
+              <a:lnSpc>
+                <a:spcPct val="150000"/>
+              </a:lnSpc>
+              <a:spcBef>
+                <a:spcPct val="30000"/>
+              </a:spcBef>
+              <a:spcAft>
+                <a:spcPts val="900"/>
+              </a:spcAft>
+              <a:buFont typeface="Arial" panose="020B0604020202020204" pitchFamily="34" charset="0"/>
+              <a:buChar char="•"/>
+              <a:defRPr lang="zh-CN" sz="900" kern="1200">
+                <a:solidFill>
+                  <a:schemeClr val="bg1">
+                    <a:lumMod val="50000"/>
+                  </a:schemeClr>
+                </a:solidFill>
+                <a:latin typeface="Microsoft YaHei UI" panose="020B0503020204020204" pitchFamily="34" charset="-122"/>
+                <a:ea typeface="Microsoft YaHei UI" panose="020B0503020204020204" pitchFamily="34" charset="-122"/>
+                <a:cs typeface="+mn-cs"/>
+              </a:defRPr>
+            </a:lvl3pPr>
+            <a:lvl4pPr marL="1200150" indent="-171450" algn="l" defTabSz="685800" rtl="0" eaLnBrk="1" latinLnBrk="0" hangingPunct="1">
+              <a:lnSpc>
+                <a:spcPct val="150000"/>
+              </a:lnSpc>
+              <a:spcBef>
+                <a:spcPct val="30000"/>
+              </a:spcBef>
+              <a:spcAft>
+                <a:spcPts val="900"/>
+              </a:spcAft>
+              <a:buFont typeface="Arial" panose="020B0604020202020204" pitchFamily="34" charset="0"/>
+              <a:buChar char="•"/>
+              <a:defRPr lang="zh-CN" sz="825" kern="1200">
+                <a:solidFill>
+                  <a:schemeClr val="bg1">
+                    <a:lumMod val="50000"/>
+                  </a:schemeClr>
+                </a:solidFill>
+                <a:latin typeface="Microsoft YaHei UI" panose="020B0503020204020204" pitchFamily="34" charset="-122"/>
+                <a:ea typeface="Microsoft YaHei UI" panose="020B0503020204020204" pitchFamily="34" charset="-122"/>
+                <a:cs typeface="+mn-cs"/>
+              </a:defRPr>
+            </a:lvl4pPr>
+            <a:lvl5pPr marL="1543050" indent="-171450" algn="l" defTabSz="685800" rtl="0" eaLnBrk="1" latinLnBrk="0" hangingPunct="1">
+              <a:lnSpc>
+                <a:spcPct val="150000"/>
+              </a:lnSpc>
+              <a:spcBef>
+                <a:spcPct val="30000"/>
+              </a:spcBef>
+              <a:spcAft>
+                <a:spcPts val="900"/>
+              </a:spcAft>
+              <a:buFont typeface="Arial" panose="020B0604020202020204" pitchFamily="34" charset="0"/>
+              <a:buChar char="•"/>
+              <a:defRPr lang="zh-CN" sz="825" kern="1200">
+                <a:solidFill>
+                  <a:schemeClr val="bg1">
+                    <a:lumMod val="50000"/>
+                  </a:schemeClr>
+                </a:solidFill>
+                <a:latin typeface="Microsoft YaHei UI" panose="020B0503020204020204" pitchFamily="34" charset="-122"/>
+                <a:ea typeface="Microsoft YaHei UI" panose="020B0503020204020204" pitchFamily="34" charset="-122"/>
+                <a:cs typeface="+mn-cs"/>
+              </a:defRPr>
+            </a:lvl5pPr>
+            <a:lvl6pPr marL="1885950" indent="-171450" algn="l" defTabSz="685800" rtl="0" eaLnBrk="1" latinLnBrk="0" hangingPunct="1">
+              <a:lnSpc>
+                <a:spcPct val="90000"/>
+              </a:lnSpc>
+              <a:spcBef>
+                <a:spcPct val="30000"/>
+              </a:spcBef>
+              <a:buFont typeface="Arial" panose="020B0604020202020204" pitchFamily="34" charset="0"/>
+              <a:buChar char="•"/>
+              <a:defRPr lang="zh-CN" sz="1350" kern="1200">
+                <a:solidFill>
+                  <a:schemeClr val="tx1"/>
+                </a:solidFill>
+                <a:latin typeface="+mn-lt"/>
+                <a:ea typeface="+mn-ea"/>
+                <a:cs typeface="+mn-cs"/>
+              </a:defRPr>
+            </a:lvl6pPr>
+            <a:lvl7pPr marL="2228850" indent="-171450" algn="l" defTabSz="685800" rtl="0" eaLnBrk="1" latinLnBrk="0" hangingPunct="1">
+              <a:lnSpc>
+                <a:spcPct val="90000"/>
+              </a:lnSpc>
+              <a:spcBef>
+                <a:spcPct val="30000"/>
+              </a:spcBef>
+              <a:buFont typeface="Arial" panose="020B0604020202020204" pitchFamily="34" charset="0"/>
+              <a:buChar char="•"/>
+              <a:defRPr lang="zh-CN" sz="1350" kern="1200">
+                <a:solidFill>
+                  <a:schemeClr val="tx1"/>
+                </a:solidFill>
+                <a:latin typeface="+mn-lt"/>
+                <a:ea typeface="+mn-ea"/>
+                <a:cs typeface="+mn-cs"/>
+              </a:defRPr>
+            </a:lvl7pPr>
+            <a:lvl8pPr marL="2571750" indent="-171450" algn="l" defTabSz="685800" rtl="0" eaLnBrk="1" latinLnBrk="0" hangingPunct="1">
+              <a:lnSpc>
+                <a:spcPct val="90000"/>
+              </a:lnSpc>
+              <a:spcBef>
+                <a:spcPct val="30000"/>
+              </a:spcBef>
+              <a:buFont typeface="Arial" panose="020B0604020202020204" pitchFamily="34" charset="0"/>
+              <a:buChar char="•"/>
+              <a:defRPr lang="zh-CN" sz="1350" kern="1200">
+                <a:solidFill>
+                  <a:schemeClr val="tx1"/>
+                </a:solidFill>
+                <a:latin typeface="+mn-lt"/>
+                <a:ea typeface="+mn-ea"/>
+                <a:cs typeface="+mn-cs"/>
+              </a:defRPr>
+            </a:lvl8pPr>
+            <a:lvl9pPr marL="2914650" indent="-171450" algn="l" defTabSz="685800" rtl="0" eaLnBrk="1" latinLnBrk="0" hangingPunct="1">
+              <a:lnSpc>
+                <a:spcPct val="90000"/>
+              </a:lnSpc>
+              <a:spcBef>
+                <a:spcPct val="30000"/>
+              </a:spcBef>
+              <a:buFont typeface="Arial" panose="020B0604020202020204" pitchFamily="34" charset="0"/>
+              <a:buChar char="•"/>
+              <a:defRPr lang="zh-CN" sz="1350" kern="1200">
+                <a:solidFill>
+                  <a:schemeClr val="tx1"/>
+                </a:solidFill>
+                <a:latin typeface="+mn-lt"/>
+                <a:ea typeface="+mn-ea"/>
+                <a:cs typeface="+mn-cs"/>
+              </a:defRPr>
+            </a:lvl9pPr>
+          </a:lstStyle>
+          <a:p>
+            <a:r>
+              <a:rPr lang="zh-CN" altLang="en-US" sz="2400" b="1" dirty="0" smtClean="0">
+                <a:ln w="0"/>
+                <a:solidFill>
+                  <a:srgbClr val="FFFF00"/>
+                </a:solidFill>
+                <a:effectLst>
+                  <a:outerShdw blurRad="38100" dist="19050" dir="2700000" algn="tl" rotWithShape="0">
+                    <a:schemeClr val="dk1">
+                      <a:alpha val="40000"/>
+                    </a:schemeClr>
+                  </a:outerShdw>
+                </a:effectLst>
+                <a:latin typeface="微软雅黑" panose="020B0503020204020204" pitchFamily="34" charset="-122"/>
+                <a:ea typeface="微软雅黑" panose="020B0503020204020204" pitchFamily="34" charset="-122"/>
+              </a:rPr>
+              <a:t>给定一个建筑立面的点云，如何得到可以描述它的最佳的剖分树（语义规则的应用序列）？</a:t>
+            </a:r>
+          </a:p>
+          <a:p>
+            <a:endParaRPr lang="zh-CN" altLang="en-US" sz="1800" dirty="0">
+              <a:ln w="0"/>
+              <a:solidFill>
+                <a:srgbClr val="00B0F0"/>
+              </a:solidFill>
+              <a:effectLst>
+                <a:outerShdw blurRad="38100" dist="19050" dir="2700000" algn="tl" rotWithShape="0">
+                  <a:schemeClr val="dk1">
+                    <a:alpha val="40000"/>
+                  </a:schemeClr>
+                </a:outerShdw>
+              </a:effectLst>
+            </a:endParaRPr>
+          </a:p>
+        </p:txBody>
+      </p:sp>
+    </p:spTree>
+    <p:extLst>
+      <p:ext uri="{BB962C8B-B14F-4D97-AF65-F5344CB8AC3E}">
+        <p14:creationId xmlns:p14="http://schemas.microsoft.com/office/powerpoint/2010/main" val="1222327985"/>
+      </p:ext>
+    </p:extLst>
+  </p:cSld>
+  <p:clrMapOvr>
+    <a:masterClrMapping/>
+  </p:clrMapOvr>
+  <mc:AlternateContent xmlns:mc="http://schemas.openxmlformats.org/markup-compatibility/2006" xmlns:p14="http://schemas.microsoft.com/office/powerpoint/2010/main">
+    <mc:Choice Requires="p14">
+      <p:transition p14:dur="10"/>
+    </mc:Choice>
+    <mc:Fallback xmlns="">
+      <p:transition/>
+    </mc:Fallback>
+  </mc:AlternateContent>
+  <p:timing>
+    <p:tnLst>
+      <p:par>
+        <p:cTn id="1" dur="indefinite" restart="never" nodeType="tmRoot">
+          <p:childTnLst>
+            <p:seq concurrent="1" nextAc="seek">
+              <p:cTn id="2" dur="indefinite" nodeType="mainSeq">
+                <p:childTnLst>
                   <p:par>
-                    <p:cTn id="35" fill="hold">
+                    <p:cTn id="3" fill="hold">
                       <p:stCondLst>
                         <p:cond delay="indefinite"/>
+                        <p:cond evt="onBegin" delay="0">
+                          <p:tn val="2"/>
+                        </p:cond>
                       </p:stCondLst>
                       <p:childTnLst>
                         <p:par>
-                          <p:cTn id="36" fill="hold">
+                          <p:cTn id="4" fill="hold">
                             <p:stCondLst>
                               <p:cond delay="0"/>
                             </p:stCondLst>
                             <p:childTnLst>
                               <p:par>
-                                <p:cTn id="37" presetID="42" presetClass="entr" presetSubtype="0" fill="hold" grpId="0" nodeType="clickEffect">
+                                <p:cTn id="5" presetID="1" presetClass="entr" presetSubtype="0" fill="hold" grpId="0" nodeType="withEffect">
                                   <p:stCondLst>
                                     <p:cond delay="0"/>
                                   </p:stCondLst>
                                   <p:childTnLst>
                                     <p:set>
                                       <p:cBhvr>
-                                        <p:cTn id="38" dur="1" fill="hold">
+                                        <p:cTn id="6" dur="1" fill="hold">
                                           <p:stCondLst>
                                             <p:cond delay="0"/>
                                           </p:stCondLst>
                                         </p:cTn>
                                         <p:tgtEl>
-                                          <p:spTgt spid="6"/>
+                                          <p:spTgt spid="6">
+                                            <p:txEl>
+                                              <p:pRg st="0" end="0"/>
+                                            </p:txEl>
+                                          </p:spTgt>
+                                        </p:tgtEl>
+                                        <p:attrNameLst>
+                                          <p:attrName>style.visibility</p:attrName>
+                                        </p:attrNameLst>
+                                      </p:cBhvr>
+                                      <p:to>
+                                        <p:strVal val="visible"/>
+                                      </p:to>
+                                    </p:set>
+                                  </p:childTnLst>
+                                </p:cTn>
+                              </p:par>
+                              <p:par>
+                                <p:cTn id="7" presetID="1" presetClass="entr" presetSubtype="0" fill="hold" grpId="0" nodeType="withEffect">
+                                  <p:stCondLst>
+                                    <p:cond delay="0"/>
+                                  </p:stCondLst>
+                                  <p:childTnLst>
+                                    <p:set>
+                                      <p:cBhvr>
+                                        <p:cTn id="8" dur="1" fill="hold">
+                                          <p:stCondLst>
+                                            <p:cond delay="0"/>
+                                          </p:stCondLst>
+                                        </p:cTn>
+                                        <p:tgtEl>
+                                          <p:spTgt spid="6">
+                                            <p:txEl>
+                                              <p:pRg st="1" end="1"/>
+                                            </p:txEl>
+                                          </p:spTgt>
+                                        </p:tgtEl>
+                                        <p:attrNameLst>
+                                          <p:attrName>style.visibility</p:attrName>
+                                        </p:attrNameLst>
+                                      </p:cBhvr>
+                                      <p:to>
+                                        <p:strVal val="visible"/>
+                                      </p:to>
+                                    </p:set>
+                                  </p:childTnLst>
+                                </p:cTn>
+                              </p:par>
+                              <p:par>
+                                <p:cTn id="9" presetID="1" presetClass="entr" presetSubtype="0" fill="hold" grpId="0" nodeType="withEffect">
+                                  <p:stCondLst>
+                                    <p:cond delay="0"/>
+                                  </p:stCondLst>
+                                  <p:childTnLst>
+                                    <p:set>
+                                      <p:cBhvr>
+                                        <p:cTn id="10" dur="1" fill="hold">
+                                          <p:stCondLst>
+                                            <p:cond delay="0"/>
+                                          </p:stCondLst>
+                                        </p:cTn>
+                                        <p:tgtEl>
+                                          <p:spTgt spid="6">
+                                            <p:txEl>
+                                              <p:pRg st="2" end="2"/>
+                                            </p:txEl>
+                                          </p:spTgt>
+                                        </p:tgtEl>
+                                        <p:attrNameLst>
+                                          <p:attrName>style.visibility</p:attrName>
+                                        </p:attrNameLst>
+                                      </p:cBhvr>
+                                      <p:to>
+                                        <p:strVal val="visible"/>
+                                      </p:to>
+                                    </p:set>
+                                  </p:childTnLst>
+                                </p:cTn>
+                              </p:par>
+                              <p:par>
+                                <p:cTn id="11" presetID="1" presetClass="entr" presetSubtype="0" fill="hold" grpId="0" nodeType="withEffect">
+                                  <p:stCondLst>
+                                    <p:cond delay="0"/>
+                                  </p:stCondLst>
+                                  <p:childTnLst>
+                                    <p:set>
+                                      <p:cBhvr>
+                                        <p:cTn id="12" dur="1" fill="hold">
+                                          <p:stCondLst>
+                                            <p:cond delay="0"/>
+                                          </p:stCondLst>
+                                        </p:cTn>
+                                        <p:tgtEl>
+                                          <p:spTgt spid="6">
+                                            <p:txEl>
+                                              <p:pRg st="3" end="3"/>
+                                            </p:txEl>
+                                          </p:spTgt>
+                                        </p:tgtEl>
+                                        <p:attrNameLst>
+                                          <p:attrName>style.visibility</p:attrName>
+                                        </p:attrNameLst>
+                                      </p:cBhvr>
+                                      <p:to>
+                                        <p:strVal val="visible"/>
+                                      </p:to>
+                                    </p:set>
+                                  </p:childTnLst>
+                                </p:cTn>
+                              </p:par>
+                              <p:par>
+                                <p:cTn id="13" presetID="1" presetClass="entr" presetSubtype="0" fill="hold" grpId="0" nodeType="withEffect">
+                                  <p:stCondLst>
+                                    <p:cond delay="0"/>
+                                  </p:stCondLst>
+                                  <p:childTnLst>
+                                    <p:set>
+                                      <p:cBhvr>
+                                        <p:cTn id="14" dur="1" fill="hold">
+                                          <p:stCondLst>
+                                            <p:cond delay="0"/>
+                                          </p:stCondLst>
+                                        </p:cTn>
+                                        <p:tgtEl>
+                                          <p:spTgt spid="6">
+                                            <p:txEl>
+                                              <p:pRg st="4" end="4"/>
+                                            </p:txEl>
+                                          </p:spTgt>
+                                        </p:tgtEl>
+                                        <p:attrNameLst>
+                                          <p:attrName>style.visibility</p:attrName>
+                                        </p:attrNameLst>
+                                      </p:cBhvr>
+                                      <p:to>
+                                        <p:strVal val="visible"/>
+                                      </p:to>
+                                    </p:set>
+                                  </p:childTnLst>
+                                </p:cTn>
+                              </p:par>
+                              <p:par>
+                                <p:cTn id="15" presetID="1" presetClass="entr" presetSubtype="0" fill="hold" nodeType="withEffect">
+                                  <p:stCondLst>
+                                    <p:cond delay="0"/>
+                                  </p:stCondLst>
+                                  <p:childTnLst>
+                                    <p:set>
+                                      <p:cBhvr>
+                                        <p:cTn id="16" dur="1" fill="hold">
+                                          <p:stCondLst>
+                                            <p:cond delay="0"/>
+                                          </p:stCondLst>
+                                        </p:cTn>
+                                        <p:tgtEl>
+                                          <p:spTgt spid="6">
+                                            <p:txEl>
+                                              <p:pRg st="5" end="5"/>
+                                            </p:txEl>
+                                          </p:spTgt>
+                                        </p:tgtEl>
+                                        <p:attrNameLst>
+                                          <p:attrName>style.visibility</p:attrName>
+                                        </p:attrNameLst>
+                                      </p:cBhvr>
+                                      <p:to>
+                                        <p:strVal val="visible"/>
+                                      </p:to>
+                                    </p:set>
+                                  </p:childTnLst>
+                                </p:cTn>
+                              </p:par>
+                              <p:par>
+                                <p:cTn id="17" presetID="1" presetClass="entr" presetSubtype="0" fill="hold" nodeType="withEffect">
+                                  <p:stCondLst>
+                                    <p:cond delay="0"/>
+                                  </p:stCondLst>
+                                  <p:childTnLst>
+                                    <p:set>
+                                      <p:cBhvr>
+                                        <p:cTn id="18" dur="1" fill="hold">
+                                          <p:stCondLst>
+                                            <p:cond delay="0"/>
+                                          </p:stCondLst>
+                                        </p:cTn>
+                                        <p:tgtEl>
+                                          <p:spTgt spid="6">
+                                            <p:txEl>
+                                              <p:pRg st="6" end="6"/>
+                                            </p:txEl>
+                                          </p:spTgt>
+                                        </p:tgtEl>
+                                        <p:attrNameLst>
+                                          <p:attrName>style.visibility</p:attrName>
+                                        </p:attrNameLst>
+                                      </p:cBhvr>
+                                      <p:to>
+                                        <p:strVal val="visible"/>
+                                      </p:to>
+                                    </p:set>
+                                  </p:childTnLst>
+                                </p:cTn>
+                              </p:par>
+                              <p:par>
+                                <p:cTn id="19" presetID="1" presetClass="entr" presetSubtype="0" fill="hold" nodeType="withEffect">
+                                  <p:stCondLst>
+                                    <p:cond delay="0"/>
+                                  </p:stCondLst>
+                                  <p:childTnLst>
+                                    <p:set>
+                                      <p:cBhvr>
+                                        <p:cTn id="20" dur="1" fill="hold">
+                                          <p:stCondLst>
+                                            <p:cond delay="0"/>
+                                          </p:stCondLst>
+                                        </p:cTn>
+                                        <p:tgtEl>
+                                          <p:spTgt spid="6">
+                                            <p:txEl>
+                                              <p:pRg st="7" end="7"/>
+                                            </p:txEl>
+                                          </p:spTgt>
+                                        </p:tgtEl>
+                                        <p:attrNameLst>
+                                          <p:attrName>style.visibility</p:attrName>
+                                        </p:attrNameLst>
+                                      </p:cBhvr>
+                                      <p:to>
+                                        <p:strVal val="visible"/>
+                                      </p:to>
+                                    </p:set>
+                                  </p:childTnLst>
+                                </p:cTn>
+                              </p:par>
+                              <p:par>
+                                <p:cTn id="21" presetID="1" presetClass="entr" presetSubtype="0" fill="hold" nodeType="withEffect">
+                                  <p:stCondLst>
+                                    <p:cond delay="0"/>
+                                  </p:stCondLst>
+                                  <p:childTnLst>
+                                    <p:set>
+                                      <p:cBhvr>
+                                        <p:cTn id="22" dur="1" fill="hold">
+                                          <p:stCondLst>
+                                            <p:cond delay="0"/>
+                                          </p:stCondLst>
+                                        </p:cTn>
+                                        <p:tgtEl>
+                                          <p:spTgt spid="6">
+                                            <p:txEl>
+                                              <p:pRg st="8" end="8"/>
+                                            </p:txEl>
+                                          </p:spTgt>
+                                        </p:tgtEl>
+                                        <p:attrNameLst>
+                                          <p:attrName>style.visibility</p:attrName>
+                                        </p:attrNameLst>
+                                      </p:cBhvr>
+                                      <p:to>
+                                        <p:strVal val="visible"/>
+                                      </p:to>
+                                    </p:set>
+                                  </p:childTnLst>
+                                </p:cTn>
+                              </p:par>
+                            </p:childTnLst>
+                          </p:cTn>
+                        </p:par>
+                      </p:childTnLst>
+                    </p:cTn>
+                  </p:par>
+                  <p:par>
+                    <p:cTn id="23" fill="hold">
+                      <p:stCondLst>
+                        <p:cond delay="indefinite"/>
+                      </p:stCondLst>
+                      <p:childTnLst>
+                        <p:par>
+                          <p:cTn id="24" fill="hold">
+                            <p:stCondLst>
+                              <p:cond delay="0"/>
+                            </p:stCondLst>
+                            <p:childTnLst>
+                              <p:par>
+                                <p:cTn id="25" presetID="2" presetClass="entr" presetSubtype="2" fill="hold" nodeType="clickEffect">
+                                  <p:stCondLst>
+                                    <p:cond delay="0"/>
+                                  </p:stCondLst>
+                                  <p:childTnLst>
+                                    <p:set>
+                                      <p:cBhvr>
+                                        <p:cTn id="26" dur="1" fill="hold">
+                                          <p:stCondLst>
+                                            <p:cond delay="0"/>
+                                          </p:stCondLst>
+                                        </p:cTn>
+                                        <p:tgtEl>
+                                          <p:spTgt spid="3074"/>
+                                        </p:tgtEl>
+                                        <p:attrNameLst>
+                                          <p:attrName>style.visibility</p:attrName>
+                                        </p:attrNameLst>
+                                      </p:cBhvr>
+                                      <p:to>
+                                        <p:strVal val="visible"/>
+                                      </p:to>
+                                    </p:set>
+                                    <p:anim calcmode="lin" valueType="num">
+                                      <p:cBhvr additive="base">
+                                        <p:cTn id="27" dur="500" fill="hold"/>
+                                        <p:tgtEl>
+                                          <p:spTgt spid="3074"/>
+                                        </p:tgtEl>
+                                        <p:attrNameLst>
+                                          <p:attrName>ppt_x</p:attrName>
+                                        </p:attrNameLst>
+                                      </p:cBhvr>
+                                      <p:tavLst>
+                                        <p:tav tm="0">
+                                          <p:val>
+                                            <p:strVal val="1+#ppt_w/2"/>
+                                          </p:val>
+                                        </p:tav>
+                                        <p:tav tm="100000">
+                                          <p:val>
+                                            <p:strVal val="#ppt_x"/>
+                                          </p:val>
+                                        </p:tav>
+                                      </p:tavLst>
+                                    </p:anim>
+                                    <p:anim calcmode="lin" valueType="num">
+                                      <p:cBhvr additive="base">
+                                        <p:cTn id="28" dur="500" fill="hold"/>
+                                        <p:tgtEl>
+                                          <p:spTgt spid="3074"/>
+                                        </p:tgtEl>
+                                        <p:attrNameLst>
+                                          <p:attrName>ppt_y</p:attrName>
+                                        </p:attrNameLst>
+                                      </p:cBhvr>
+                                      <p:tavLst>
+                                        <p:tav tm="0">
+                                          <p:val>
+                                            <p:strVal val="#ppt_y"/>
+                                          </p:val>
+                                        </p:tav>
+                                        <p:tav tm="100000">
+                                          <p:val>
+                                            <p:strVal val="#ppt_y"/>
+                                          </p:val>
+                                        </p:tav>
+                                      </p:tavLst>
+                                    </p:anim>
+                                  </p:childTnLst>
+                                </p:cTn>
+                              </p:par>
+                            </p:childTnLst>
+                          </p:cTn>
+                        </p:par>
+                      </p:childTnLst>
+                    </p:cTn>
+                  </p:par>
+                  <p:par>
+                    <p:cTn id="29" fill="hold">
+                      <p:stCondLst>
+                        <p:cond delay="indefinite"/>
+                      </p:stCondLst>
+                      <p:childTnLst>
+                        <p:par>
+                          <p:cTn id="30" fill="hold">
+                            <p:stCondLst>
+                              <p:cond delay="0"/>
+                            </p:stCondLst>
+                            <p:childTnLst>
+                              <p:par>
+                                <p:cTn id="31" presetID="10" presetClass="entr" presetSubtype="0" fill="hold" grpId="0" nodeType="clickEffect">
+                                  <p:stCondLst>
+                                    <p:cond delay="0"/>
+                                  </p:stCondLst>
+                                  <p:childTnLst>
+                                    <p:set>
+                                      <p:cBhvr>
+                                        <p:cTn id="32" dur="1" fill="hold">
+                                          <p:stCondLst>
+                                            <p:cond delay="0"/>
+                                          </p:stCondLst>
+                                        </p:cTn>
+                                        <p:tgtEl>
+                                          <p:spTgt spid="20"/>
                                         </p:tgtEl>
                                         <p:attrNameLst>
                                           <p:attrName>style.visibility</p:attrName>
@@ -22791,58 +24092,12 @@
                                     </p:set>
                                     <p:animEffect transition="in" filter="fade">
                                       <p:cBhvr>
-                                        <p:cTn id="39" dur="1000"/>
+                                        <p:cTn id="33" dur="500"/>
                                         <p:tgtEl>
-                                          <p:spTgt spid="6"/>
+                                          <p:spTgt spid="20"/>
                                         </p:tgtEl>
                                       </p:cBhvr>
                                     </p:animEffect>
-                                    <p:anim calcmode="lin" valueType="num">
-                                      <p:cBhvr>
-                                        <p:cTn id="40" dur="1000" fill="hold"/>
-                                        <p:tgtEl>
-                                          <p:spTgt spid="6"/>
-                                        </p:tgtEl>
-                                        <p:attrNameLst>
-                                          <p:attrName>ppt_x</p:attrName>
-                                        </p:attrNameLst>
-                                      </p:cBhvr>
-                                      <p:tavLst>
-                                        <p:tav tm="0">
-                                          <p:val>
-                                            <p:strVal val="#ppt_x"/>
-                                          </p:val>
-                                        </p:tav>
-                                        <p:tav tm="100000">
-                                          <p:val>
-                                            <p:strVal val="#ppt_x"/>
-                                          </p:val>
-                                        </p:tav>
-                                      </p:tavLst>
-                                    </p:anim>
-                                    <p:anim calcmode="lin" valueType="num">
-                                      <p:cBhvr>
-                                        <p:cTn id="41" dur="1000" fill="hold"/>
-                                        <p:tgtEl>
-                                          <p:spTgt spid="6"/>
-                                        </p:tgtEl>
-                                        <p:attrNameLst>
-                                          <p:attrName>ppt_y</p:attrName>
-                                        </p:attrNameLst>
-                                      </p:cBhvr>
-                                      <p:tavLst>
-                                        <p:tav tm="0">
-                                          <p:val>
-                                            <p:strVal val="#ppt_y+.1"/>
-                                          </p:val>
-                                        </p:tav>
-                                        <p:tav tm="100000">
-                                          <p:val>
-                                            <p:strVal val="#ppt_y"/>
-                                          </p:val>
-                                        </p:tav>
-                                      </p:tavLst>
-                                    </p:anim>
                                   </p:childTnLst>
                                 </p:cTn>
                               </p:par>
@@ -22874,17 +24129,14 @@
       </p:par>
     </p:tnLst>
     <p:bldLst>
-      <p:bldP spid="3" grpId="0" uiExpand="1" build="p"/>
-      <p:bldGraphic spid="5" grpId="0">
-        <p:bldAsOne/>
-      </p:bldGraphic>
-      <p:bldP spid="6" grpId="0" animBg="1"/>
+      <p:bldP spid="6" grpId="0" uiExpand="1" build="p"/>
+      <p:bldP spid="20" grpId="0" animBg="1"/>
     </p:bldLst>
   </p:timing>
 </p:sld>
 </file>
 
-<file path=ppt/slides/slide7.xml><?xml version="1.0" encoding="utf-8"?>
+<file path=ppt/slides/slide8.xml><?xml version="1.0" encoding="utf-8"?>
 <p:sld xmlns:a="http://schemas.openxmlformats.org/drawingml/2006/main" xmlns:r="http://schemas.openxmlformats.org/officeDocument/2006/relationships" xmlns:p="http://schemas.openxmlformats.org/presentationml/2006/main">
   <p:cSld>
     <p:spTree>
@@ -23397,7 +24649,7 @@
           <a:graphicData uri="http://schemas.openxmlformats.org/presentationml/2006/ole">
             <mc:AlternateContent xmlns:mc="http://schemas.openxmlformats.org/markup-compatibility/2006">
               <mc:Choice xmlns:v="urn:schemas-microsoft-com:vml" Requires="v">
-                <p:oleObj spid="_x0000_s1307" r:id="rId5" imgW="940617" imgH="432175" progId="Equation.DSMT4">
+                <p:oleObj spid="_x0000_s1319" r:id="rId5" imgW="940617" imgH="432175" progId="Equation.DSMT4">
                   <p:embed/>
                 </p:oleObj>
               </mc:Choice>
@@ -23527,7 +24779,7 @@
           <a:graphicData uri="http://schemas.openxmlformats.org/presentationml/2006/ole">
             <mc:AlternateContent xmlns:mc="http://schemas.openxmlformats.org/markup-compatibility/2006">
               <mc:Choice xmlns:v="urn:schemas-microsoft-com:vml" Requires="v">
-                <p:oleObj spid="_x0000_s1308" r:id="rId7" imgW="2780093" imgH="431613" progId="Equation.DSMT4">
+                <p:oleObj spid="_x0000_s1320" r:id="rId7" imgW="2780093" imgH="431613" progId="Equation.DSMT4">
                   <p:embed/>
                 </p:oleObj>
               </mc:Choice>
@@ -23657,7 +24909,7 @@
           <a:graphicData uri="http://schemas.openxmlformats.org/presentationml/2006/ole">
             <mc:AlternateContent xmlns:mc="http://schemas.openxmlformats.org/markup-compatibility/2006">
               <mc:Choice xmlns:v="urn:schemas-microsoft-com:vml" Requires="v">
-                <p:oleObj spid="_x0000_s1309" r:id="rId9" imgW="2388637" imgH="228699" progId="Equation.DSMT4">
+                <p:oleObj spid="_x0000_s1321" r:id="rId9" imgW="2388637" imgH="228699" progId="Equation.DSMT4">
                   <p:embed/>
                 </p:oleObj>
               </mc:Choice>
@@ -24055,7 +25307,7 @@
 </p:sld>
 </file>
 
-<file path=ppt/slides/slide8.xml><?xml version="1.0" encoding="utf-8"?>
+<file path=ppt/slides/slide9.xml><?xml version="1.0" encoding="utf-8"?>
 <p:sld xmlns:a="http://schemas.openxmlformats.org/drawingml/2006/main" xmlns:r="http://schemas.openxmlformats.org/officeDocument/2006/relationships" xmlns:p="http://schemas.openxmlformats.org/presentationml/2006/main">
   <p:cSld>
     <p:spTree>
@@ -25819,1629 +27071,6 @@
 </p:sld>
 </file>
 
-<file path=ppt/slides/slide9.xml><?xml version="1.0" encoding="utf-8"?>
-<p:sld xmlns:a="http://schemas.openxmlformats.org/drawingml/2006/main" xmlns:r="http://schemas.openxmlformats.org/officeDocument/2006/relationships" xmlns:p="http://schemas.openxmlformats.org/presentationml/2006/main">
-  <p:cSld>
-    <p:spTree>
-      <p:nvGrpSpPr>
-        <p:cNvPr id="1" name=""/>
-        <p:cNvGrpSpPr/>
-        <p:nvPr/>
-      </p:nvGrpSpPr>
-      <p:grpSpPr>
-        <a:xfrm>
-          <a:off x="0" y="0"/>
-          <a:ext cx="0" cy="0"/>
-          <a:chOff x="0" y="0"/>
-          <a:chExt cx="0" cy="0"/>
-        </a:xfrm>
-      </p:grpSpPr>
-      <p:sp>
-        <p:nvSpPr>
-          <p:cNvPr id="14" name="Content Placeholder 2"/>
-          <p:cNvSpPr>
-            <a:spLocks noGrp="1"/>
-          </p:cNvSpPr>
-          <p:nvPr>
-            <p:ph idx="1"/>
-          </p:nvPr>
-        </p:nvSpPr>
-        <p:spPr>
-          <a:xfrm>
-            <a:off x="544427" y="1825625"/>
-            <a:ext cx="6457951" cy="4551112"/>
-          </a:xfrm>
-        </p:spPr>
-        <p:txBody>
-          <a:bodyPr>
-            <a:noAutofit/>
-          </a:bodyPr>
-          <a:lstStyle/>
-          <a:p>
-            <a:pPr marL="214313" indent="-214313">
-              <a:lnSpc>
-                <a:spcPct val="100000"/>
-              </a:lnSpc>
-              <a:buClr>
-                <a:srgbClr val="00B050"/>
-              </a:buClr>
-              <a:buFont typeface="Wingdings" panose="05000000000000000000" pitchFamily="2" charset="2"/>
-              <a:buChar char="u"/>
-            </a:pPr>
-            <a:r>
-              <a:rPr lang="zh-CN" altLang="en-US" sz="2000" b="1" dirty="0" smtClean="0">
-                <a:solidFill>
-                  <a:srgbClr val="0070C0"/>
-                </a:solidFill>
-                <a:latin typeface="微软雅黑" panose="020B0503020204020204" pitchFamily="34" charset="-122"/>
-                <a:ea typeface="微软雅黑" panose="020B0503020204020204" pitchFamily="34" charset="-122"/>
-              </a:rPr>
-              <a:t>预处理</a:t>
-            </a:r>
-            <a:endParaRPr lang="en-US" altLang="zh-CN" sz="2000" b="1" dirty="0" smtClean="0">
-              <a:solidFill>
-                <a:srgbClr val="0070C0"/>
-              </a:solidFill>
-              <a:latin typeface="微软雅黑" panose="020B0503020204020204" pitchFamily="34" charset="-122"/>
-              <a:ea typeface="微软雅黑" panose="020B0503020204020204" pitchFamily="34" charset="-122"/>
-            </a:endParaRPr>
-          </a:p>
-          <a:p>
-            <a:pPr marL="800100" lvl="1" indent="-285750">
-              <a:lnSpc>
-                <a:spcPct val="100000"/>
-              </a:lnSpc>
-              <a:buClr>
-                <a:srgbClr val="00B050"/>
-              </a:buClr>
-              <a:buFont typeface="Wingdings" panose="05000000000000000000" pitchFamily="2" charset="2"/>
-              <a:buChar char="ü"/>
-            </a:pPr>
-            <a:r>
-              <a:rPr lang="zh-CN" altLang="en-US" sz="1800" dirty="0">
-                <a:solidFill>
-                  <a:schemeClr val="tx1"/>
-                </a:solidFill>
-                <a:latin typeface="微软雅黑" panose="020B0503020204020204" pitchFamily="34" charset="-122"/>
-                <a:ea typeface="微软雅黑" panose="020B0503020204020204" pitchFamily="34" charset="-122"/>
-              </a:rPr>
-              <a:t>去除</a:t>
-            </a:r>
-            <a:r>
-              <a:rPr lang="zh-CN" altLang="en-US" sz="1800" dirty="0" smtClean="0">
-                <a:solidFill>
-                  <a:schemeClr val="tx1"/>
-                </a:solidFill>
-                <a:latin typeface="微软雅黑" panose="020B0503020204020204" pitchFamily="34" charset="-122"/>
-                <a:ea typeface="微软雅黑" panose="020B0503020204020204" pitchFamily="34" charset="-122"/>
-              </a:rPr>
-              <a:t>噪声</a:t>
-            </a:r>
-            <a:endParaRPr lang="en-US" altLang="zh-CN" sz="1800" dirty="0" smtClean="0">
-              <a:solidFill>
-                <a:schemeClr val="tx1"/>
-              </a:solidFill>
-              <a:latin typeface="微软雅黑" panose="020B0503020204020204" pitchFamily="34" charset="-122"/>
-              <a:ea typeface="微软雅黑" panose="020B0503020204020204" pitchFamily="34" charset="-122"/>
-            </a:endParaRPr>
-          </a:p>
-          <a:p>
-            <a:pPr marL="800100" lvl="1" indent="-285750">
-              <a:lnSpc>
-                <a:spcPct val="100000"/>
-              </a:lnSpc>
-              <a:buClr>
-                <a:srgbClr val="00B050"/>
-              </a:buClr>
-              <a:buFont typeface="Wingdings" panose="05000000000000000000" pitchFamily="2" charset="2"/>
-              <a:buChar char="ü"/>
-            </a:pPr>
-            <a:r>
-              <a:rPr lang="zh-CN" altLang="en-US" sz="1800" dirty="0">
-                <a:solidFill>
-                  <a:schemeClr val="tx1"/>
-                </a:solidFill>
-                <a:latin typeface="微软雅黑" panose="020B0503020204020204" pitchFamily="34" charset="-122"/>
-                <a:ea typeface="微软雅黑" panose="020B0503020204020204" pitchFamily="34" charset="-122"/>
-              </a:rPr>
-              <a:t>转换坐标系，将建筑立面对其到</a:t>
-            </a:r>
-            <a:r>
-              <a:rPr lang="en-US" altLang="zh-CN" sz="1800" dirty="0">
-                <a:solidFill>
-                  <a:schemeClr val="tx1"/>
-                </a:solidFill>
-                <a:latin typeface="微软雅黑" panose="020B0503020204020204" pitchFamily="34" charset="-122"/>
-                <a:ea typeface="微软雅黑" panose="020B0503020204020204" pitchFamily="34" charset="-122"/>
-              </a:rPr>
-              <a:t>X-Y</a:t>
-            </a:r>
-            <a:r>
-              <a:rPr lang="zh-CN" altLang="en-US" sz="1800" dirty="0">
-                <a:solidFill>
-                  <a:schemeClr val="tx1"/>
-                </a:solidFill>
-                <a:latin typeface="微软雅黑" panose="020B0503020204020204" pitchFamily="34" charset="-122"/>
-                <a:ea typeface="微软雅黑" panose="020B0503020204020204" pitchFamily="34" charset="-122"/>
-              </a:rPr>
-              <a:t>平面</a:t>
-            </a:r>
-            <a:endParaRPr lang="en-US" altLang="zh-CN" sz="1800" dirty="0">
-              <a:solidFill>
-                <a:schemeClr val="tx1"/>
-              </a:solidFill>
-              <a:latin typeface="微软雅黑" panose="020B0503020204020204" pitchFamily="34" charset="-122"/>
-              <a:ea typeface="微软雅黑" panose="020B0503020204020204" pitchFamily="34" charset="-122"/>
-            </a:endParaRPr>
-          </a:p>
-          <a:p>
-            <a:pPr marL="800100" lvl="1" indent="-285750">
-              <a:lnSpc>
-                <a:spcPct val="100000"/>
-              </a:lnSpc>
-              <a:buClr>
-                <a:srgbClr val="00B050"/>
-              </a:buClr>
-              <a:buFont typeface="Wingdings" panose="05000000000000000000" pitchFamily="2" charset="2"/>
-              <a:buChar char="ü"/>
-            </a:pPr>
-            <a:r>
-              <a:rPr lang="zh-CN" altLang="en-US" sz="1800" dirty="0">
-                <a:solidFill>
-                  <a:schemeClr val="tx1"/>
-                </a:solidFill>
-                <a:latin typeface="微软雅黑" panose="020B0503020204020204" pitchFamily="34" charset="-122"/>
-                <a:ea typeface="微软雅黑" panose="020B0503020204020204" pitchFamily="34" charset="-122"/>
-              </a:rPr>
-              <a:t>立面的网格分割，合并</a:t>
-            </a:r>
-            <a:r>
-              <a:rPr lang="en-US" altLang="zh-CN" sz="1800" dirty="0">
-                <a:solidFill>
-                  <a:schemeClr val="tx1"/>
-                </a:solidFill>
-                <a:latin typeface="微软雅黑" panose="020B0503020204020204" pitchFamily="34" charset="-122"/>
-                <a:ea typeface="微软雅黑" panose="020B0503020204020204" pitchFamily="34" charset="-122"/>
-              </a:rPr>
-              <a:t>x</a:t>
-            </a:r>
-            <a:r>
-              <a:rPr lang="zh-CN" altLang="en-US" sz="1800" dirty="0">
-                <a:solidFill>
-                  <a:schemeClr val="tx1"/>
-                </a:solidFill>
-                <a:latin typeface="微软雅黑" panose="020B0503020204020204" pitchFamily="34" charset="-122"/>
-                <a:ea typeface="微软雅黑" panose="020B0503020204020204" pitchFamily="34" charset="-122"/>
-              </a:rPr>
-              <a:t>，</a:t>
-            </a:r>
-            <a:r>
-              <a:rPr lang="en-US" altLang="zh-CN" sz="1800" dirty="0">
-                <a:solidFill>
-                  <a:schemeClr val="tx1"/>
-                </a:solidFill>
-                <a:latin typeface="微软雅黑" panose="020B0503020204020204" pitchFamily="34" charset="-122"/>
-                <a:ea typeface="微软雅黑" panose="020B0503020204020204" pitchFamily="34" charset="-122"/>
-              </a:rPr>
-              <a:t>y</a:t>
-            </a:r>
-            <a:r>
-              <a:rPr lang="zh-CN" altLang="en-US" sz="1800" dirty="0">
-                <a:solidFill>
-                  <a:schemeClr val="tx1"/>
-                </a:solidFill>
-                <a:latin typeface="微软雅黑" panose="020B0503020204020204" pitchFamily="34" charset="-122"/>
-                <a:ea typeface="微软雅黑" panose="020B0503020204020204" pitchFamily="34" charset="-122"/>
-              </a:rPr>
-              <a:t>相同，</a:t>
-            </a:r>
-            <a:r>
-              <a:rPr lang="en-US" altLang="zh-CN" sz="1800" dirty="0">
-                <a:solidFill>
-                  <a:schemeClr val="tx1"/>
-                </a:solidFill>
-                <a:latin typeface="微软雅黑" panose="020B0503020204020204" pitchFamily="34" charset="-122"/>
-                <a:ea typeface="微软雅黑" panose="020B0503020204020204" pitchFamily="34" charset="-122"/>
-              </a:rPr>
-              <a:t>z</a:t>
-            </a:r>
-            <a:r>
-              <a:rPr lang="zh-CN" altLang="en-US" sz="1800" dirty="0">
-                <a:solidFill>
-                  <a:schemeClr val="tx1"/>
-                </a:solidFill>
-                <a:latin typeface="微软雅黑" panose="020B0503020204020204" pitchFamily="34" charset="-122"/>
-                <a:ea typeface="微软雅黑" panose="020B0503020204020204" pitchFamily="34" charset="-122"/>
-              </a:rPr>
-              <a:t>不同的</a:t>
-            </a:r>
-            <a:r>
-              <a:rPr lang="zh-CN" altLang="en-US" sz="1800" dirty="0" smtClean="0">
-                <a:solidFill>
-                  <a:schemeClr val="tx1"/>
-                </a:solidFill>
-                <a:latin typeface="微软雅黑" panose="020B0503020204020204" pitchFamily="34" charset="-122"/>
-                <a:ea typeface="微软雅黑" panose="020B0503020204020204" pitchFamily="34" charset="-122"/>
-              </a:rPr>
-              <a:t>网格</a:t>
-            </a:r>
-            <a:endParaRPr lang="zh-CN" altLang="en-US" sz="1800" dirty="0">
-              <a:solidFill>
-                <a:schemeClr val="tx1"/>
-              </a:solidFill>
-              <a:latin typeface="微软雅黑" panose="020B0503020204020204" pitchFamily="34" charset="-122"/>
-              <a:ea typeface="微软雅黑" panose="020B0503020204020204" pitchFamily="34" charset="-122"/>
-            </a:endParaRPr>
-          </a:p>
-          <a:p>
-            <a:pPr marL="214313" indent="-214313">
-              <a:lnSpc>
-                <a:spcPct val="100000"/>
-              </a:lnSpc>
-              <a:buClr>
-                <a:srgbClr val="00B050"/>
-              </a:buClr>
-              <a:buFont typeface="Wingdings" panose="05000000000000000000" pitchFamily="2" charset="2"/>
-              <a:buChar char="u"/>
-            </a:pPr>
-            <a:r>
-              <a:rPr lang="zh-CN" altLang="en-US" sz="2000" b="1" dirty="0">
-                <a:solidFill>
-                  <a:srgbClr val="0070C0"/>
-                </a:solidFill>
-                <a:latin typeface="微软雅黑" panose="020B0503020204020204" pitchFamily="34" charset="-122"/>
-                <a:ea typeface="微软雅黑" panose="020B0503020204020204" pitchFamily="34" charset="-122"/>
-              </a:rPr>
-              <a:t>网格特征提取</a:t>
-            </a:r>
-          </a:p>
-          <a:p>
-            <a:pPr marL="728663" lvl="1" indent="-214313">
-              <a:lnSpc>
-                <a:spcPct val="100000"/>
-              </a:lnSpc>
-              <a:buClr>
-                <a:srgbClr val="00B050"/>
-              </a:buClr>
-              <a:buFont typeface="Wingdings" panose="05000000000000000000" pitchFamily="2" charset="2"/>
-              <a:buChar char="ü"/>
-            </a:pPr>
-            <a:r>
-              <a:rPr lang="zh-CN" altLang="en-US" sz="1800" dirty="0" smtClean="0">
-                <a:solidFill>
-                  <a:schemeClr val="tx1"/>
-                </a:solidFill>
-                <a:latin typeface="微软雅黑" panose="020B0503020204020204" pitchFamily="34" charset="-122"/>
-                <a:ea typeface="微软雅黑" panose="020B0503020204020204" pitchFamily="34" charset="-122"/>
-              </a:rPr>
-              <a:t>曲度</a:t>
-            </a:r>
-            <a:r>
-              <a:rPr lang="zh-CN" altLang="en-US" sz="1800" dirty="0">
-                <a:solidFill>
-                  <a:schemeClr val="tx1"/>
-                </a:solidFill>
-                <a:latin typeface="微软雅黑" panose="020B0503020204020204" pitchFamily="34" charset="-122"/>
-                <a:ea typeface="微软雅黑" panose="020B0503020204020204" pitchFamily="34" charset="-122"/>
-              </a:rPr>
-              <a:t>、</a:t>
-            </a:r>
-            <a:r>
-              <a:rPr lang="zh-CN" altLang="en-US" sz="1800" dirty="0" smtClean="0">
-                <a:solidFill>
-                  <a:schemeClr val="tx1"/>
-                </a:solidFill>
-                <a:latin typeface="微软雅黑" panose="020B0503020204020204" pitchFamily="34" charset="-122"/>
-                <a:ea typeface="微软雅黑" panose="020B0503020204020204" pitchFamily="34" charset="-122"/>
-              </a:rPr>
-              <a:t>深度</a:t>
-            </a:r>
-            <a:r>
-              <a:rPr lang="zh-CN" altLang="en-US" sz="1800" dirty="0">
-                <a:solidFill>
-                  <a:schemeClr val="tx1"/>
-                </a:solidFill>
-                <a:latin typeface="微软雅黑" panose="020B0503020204020204" pitchFamily="34" charset="-122"/>
-                <a:ea typeface="微软雅黑" panose="020B0503020204020204" pitchFamily="34" charset="-122"/>
-              </a:rPr>
-              <a:t>、</a:t>
-            </a:r>
-            <a:r>
-              <a:rPr lang="zh-CN" altLang="en-US" sz="1800" dirty="0" smtClean="0">
-                <a:solidFill>
-                  <a:schemeClr val="tx1"/>
-                </a:solidFill>
-                <a:latin typeface="微软雅黑" panose="020B0503020204020204" pitchFamily="34" charset="-122"/>
-                <a:ea typeface="微软雅黑" panose="020B0503020204020204" pitchFamily="34" charset="-122"/>
-              </a:rPr>
-              <a:t>密度</a:t>
-            </a:r>
-            <a:endParaRPr lang="en-US" altLang="zh-CN" sz="1800" dirty="0" smtClean="0">
-              <a:solidFill>
-                <a:schemeClr val="tx1"/>
-              </a:solidFill>
-              <a:latin typeface="微软雅黑" panose="020B0503020204020204" pitchFamily="34" charset="-122"/>
-              <a:ea typeface="微软雅黑" panose="020B0503020204020204" pitchFamily="34" charset="-122"/>
-            </a:endParaRPr>
-          </a:p>
-          <a:p>
-            <a:pPr marL="214313" indent="-214313">
-              <a:lnSpc>
-                <a:spcPct val="100000"/>
-              </a:lnSpc>
-              <a:buClr>
-                <a:srgbClr val="00B050"/>
-              </a:buClr>
-              <a:buFont typeface="Wingdings" panose="05000000000000000000" pitchFamily="2" charset="2"/>
-              <a:buChar char="u"/>
-            </a:pPr>
-            <a:r>
-              <a:rPr lang="zh-CN" altLang="en-US" sz="2000" b="1" dirty="0" smtClean="0">
-                <a:solidFill>
-                  <a:srgbClr val="0070C0"/>
-                </a:solidFill>
-                <a:latin typeface="微软雅黑" panose="020B0503020204020204" pitchFamily="34" charset="-122"/>
-                <a:ea typeface="微软雅黑" panose="020B0503020204020204" pitchFamily="34" charset="-122"/>
-              </a:rPr>
-              <a:t>支持</a:t>
-            </a:r>
-            <a:r>
-              <a:rPr lang="zh-CN" altLang="en-US" sz="2000" b="1" dirty="0">
-                <a:solidFill>
-                  <a:srgbClr val="0070C0"/>
-                </a:solidFill>
-                <a:latin typeface="微软雅黑" panose="020B0503020204020204" pitchFamily="34" charset="-122"/>
-                <a:ea typeface="微软雅黑" panose="020B0503020204020204" pitchFamily="34" charset="-122"/>
-              </a:rPr>
-              <a:t>向量机分类</a:t>
-            </a:r>
-          </a:p>
-          <a:p>
-            <a:pPr marL="857250" lvl="1" indent="-342900">
-              <a:lnSpc>
-                <a:spcPct val="100000"/>
-              </a:lnSpc>
-              <a:buClr>
-                <a:srgbClr val="00B050"/>
-              </a:buClr>
-              <a:buFont typeface="Wingdings" panose="05000000000000000000" pitchFamily="2" charset="2"/>
-              <a:buChar char="ü"/>
-            </a:pPr>
-            <a:r>
-              <a:rPr lang="zh-CN" altLang="en-US" sz="1800" dirty="0">
-                <a:solidFill>
-                  <a:schemeClr val="tx1"/>
-                </a:solidFill>
-                <a:latin typeface="微软雅黑" panose="020B0503020204020204" pitchFamily="34" charset="-122"/>
-                <a:ea typeface="微软雅黑" panose="020B0503020204020204" pitchFamily="34" charset="-122"/>
-              </a:rPr>
-              <a:t>交互选取</a:t>
-            </a:r>
-            <a:r>
-              <a:rPr lang="zh-CN" altLang="en-US" sz="1800" dirty="0" smtClean="0">
-                <a:solidFill>
-                  <a:schemeClr val="tx1"/>
-                </a:solidFill>
-                <a:latin typeface="微软雅黑" panose="020B0503020204020204" pitchFamily="34" charset="-122"/>
-                <a:ea typeface="微软雅黑" panose="020B0503020204020204" pitchFamily="34" charset="-122"/>
-              </a:rPr>
-              <a:t>样本</a:t>
-            </a:r>
-            <a:endParaRPr lang="en-US" altLang="zh-CN" sz="1800" dirty="0" smtClean="0">
-              <a:solidFill>
-                <a:schemeClr val="tx1"/>
-              </a:solidFill>
-              <a:latin typeface="微软雅黑" panose="020B0503020204020204" pitchFamily="34" charset="-122"/>
-              <a:ea typeface="微软雅黑" panose="020B0503020204020204" pitchFamily="34" charset="-122"/>
-            </a:endParaRPr>
-          </a:p>
-          <a:p>
-            <a:pPr marL="857250" lvl="1" indent="-342900">
-              <a:lnSpc>
-                <a:spcPct val="100000"/>
-              </a:lnSpc>
-              <a:buClr>
-                <a:srgbClr val="00B050"/>
-              </a:buClr>
-              <a:buFont typeface="Wingdings" panose="05000000000000000000" pitchFamily="2" charset="2"/>
-              <a:buChar char="ü"/>
-            </a:pPr>
-            <a:r>
-              <a:rPr lang="zh-CN" altLang="en-US" sz="1800" dirty="0">
-                <a:solidFill>
-                  <a:schemeClr val="tx1"/>
-                </a:solidFill>
-                <a:latin typeface="微软雅黑" panose="020B0503020204020204" pitchFamily="34" charset="-122"/>
-                <a:ea typeface="微软雅黑" panose="020B0503020204020204" pitchFamily="34" charset="-122"/>
-              </a:rPr>
-              <a:t>训练、</a:t>
-            </a:r>
-            <a:r>
-              <a:rPr lang="zh-CN" altLang="en-US" sz="1800" dirty="0" smtClean="0">
-                <a:solidFill>
-                  <a:schemeClr val="tx1"/>
-                </a:solidFill>
-                <a:latin typeface="微软雅黑" panose="020B0503020204020204" pitchFamily="34" charset="-122"/>
-                <a:ea typeface="微软雅黑" panose="020B0503020204020204" pitchFamily="34" charset="-122"/>
-              </a:rPr>
-              <a:t>预测</a:t>
-            </a:r>
-            <a:endParaRPr lang="en-US" altLang="zh-CN" sz="1800" dirty="0">
-              <a:solidFill>
-                <a:schemeClr val="tx1"/>
-              </a:solidFill>
-              <a:latin typeface="微软雅黑" panose="020B0503020204020204" pitchFamily="34" charset="-122"/>
-              <a:ea typeface="微软雅黑" panose="020B0503020204020204" pitchFamily="34" charset="-122"/>
-            </a:endParaRPr>
-          </a:p>
-        </p:txBody>
-      </p:sp>
-      <p:grpSp>
-        <p:nvGrpSpPr>
-          <p:cNvPr id="11" name="Group 5"/>
-          <p:cNvGrpSpPr>
-            <a:grpSpLocks noChangeAspect="1"/>
-          </p:cNvGrpSpPr>
-          <p:nvPr/>
-        </p:nvGrpSpPr>
-        <p:grpSpPr bwMode="auto">
-          <a:xfrm>
-            <a:off x="3897279" y="1376271"/>
-            <a:ext cx="5038725" cy="2893060"/>
-            <a:chOff x="0" y="0"/>
-            <a:chExt cx="7286" cy="4184"/>
-          </a:xfrm>
-        </p:grpSpPr>
-        <p:pic>
-          <p:nvPicPr>
-            <p:cNvPr id="3078" name="Picture 6" descr="screenshot-1399008939"/>
-            <p:cNvPicPr>
-              <a:picLocks noChangeAspect="1" noChangeArrowheads="1"/>
-            </p:cNvPicPr>
-            <p:nvPr/>
-          </p:nvPicPr>
-          <p:blipFill>
-            <a:blip r:embed="rId3">
-              <a:extLst>
-                <a:ext uri="{28A0092B-C50C-407E-A947-70E740481C1C}">
-                  <a14:useLocalDpi xmlns:a14="http://schemas.microsoft.com/office/drawing/2010/main" val="0"/>
-                </a:ext>
-              </a:extLst>
-            </a:blip>
-            <a:srcRect l="32788" t="14627" r="32626" b="7164"/>
-            <a:stretch>
-              <a:fillRect/>
-            </a:stretch>
-          </p:blipFill>
-          <p:spPr bwMode="auto">
-            <a:xfrm>
-              <a:off x="0" y="0"/>
-              <a:ext cx="3232" cy="4181"/>
-            </a:xfrm>
-            <a:prstGeom prst="rect">
-              <a:avLst/>
-            </a:prstGeom>
-            <a:noFill/>
-            <a:ln>
-              <a:noFill/>
-            </a:ln>
-            <a:extLst>
-              <a:ext uri="{909E8E84-426E-40DD-AFC4-6F175D3DCCD1}">
-                <a14:hiddenFill xmlns:a14="http://schemas.microsoft.com/office/drawing/2010/main">
-                  <a:solidFill>
-                    <a:srgbClr val="FFFFFF"/>
-                  </a:solidFill>
-                </a14:hiddenFill>
-              </a:ext>
-              <a:ext uri="{91240B29-F687-4F45-9708-019B960494DF}">
-                <a14:hiddenLine xmlns:a14="http://schemas.microsoft.com/office/drawing/2010/main" w="9525">
-                  <a:solidFill>
-                    <a:srgbClr val="000000"/>
-                  </a:solidFill>
-                  <a:miter lim="800000"/>
-                  <a:headEnd/>
-                  <a:tailEnd/>
-                </a14:hiddenLine>
-              </a:ext>
-            </a:extLst>
-          </p:spPr>
-        </p:pic>
-        <p:pic>
-          <p:nvPicPr>
-            <p:cNvPr id="3079" name="Picture 7" descr="grid_label_color"/>
-            <p:cNvPicPr>
-              <a:picLocks noChangeAspect="1" noChangeArrowheads="1"/>
-            </p:cNvPicPr>
-            <p:nvPr/>
-          </p:nvPicPr>
-          <p:blipFill>
-            <a:blip r:embed="rId4">
-              <a:extLst>
-                <a:ext uri="{28A0092B-C50C-407E-A947-70E740481C1C}">
-                  <a14:useLocalDpi xmlns:a14="http://schemas.microsoft.com/office/drawing/2010/main" val="0"/>
-                </a:ext>
-              </a:extLst>
-            </a:blip>
-            <a:srcRect/>
-            <a:stretch>
-              <a:fillRect/>
-            </a:stretch>
-          </p:blipFill>
-          <p:spPr bwMode="auto">
-            <a:xfrm>
-              <a:off x="3952" y="0"/>
-              <a:ext cx="3334" cy="4184"/>
-            </a:xfrm>
-            <a:prstGeom prst="rect">
-              <a:avLst/>
-            </a:prstGeom>
-            <a:noFill/>
-            <a:ln>
-              <a:noFill/>
-            </a:ln>
-            <a:extLst>
-              <a:ext uri="{909E8E84-426E-40DD-AFC4-6F175D3DCCD1}">
-                <a14:hiddenFill xmlns:a14="http://schemas.microsoft.com/office/drawing/2010/main">
-                  <a:solidFill>
-                    <a:srgbClr val="FFFFFF"/>
-                  </a:solidFill>
-                </a14:hiddenFill>
-              </a:ext>
-              <a:ext uri="{91240B29-F687-4F45-9708-019B960494DF}">
-                <a14:hiddenLine xmlns:a14="http://schemas.microsoft.com/office/drawing/2010/main" w="9525">
-                  <a:solidFill>
-                    <a:srgbClr val="000000"/>
-                  </a:solidFill>
-                  <a:miter lim="800000"/>
-                  <a:headEnd/>
-                  <a:tailEnd/>
-                </a14:hiddenLine>
-              </a:ext>
-            </a:extLst>
-          </p:spPr>
-        </p:pic>
-      </p:grpSp>
-      <p:sp>
-        <p:nvSpPr>
-          <p:cNvPr id="2" name="标题 1"/>
-          <p:cNvSpPr>
-            <a:spLocks noGrp="1"/>
-          </p:cNvSpPr>
-          <p:nvPr>
-            <p:ph type="title"/>
-          </p:nvPr>
-        </p:nvSpPr>
-        <p:spPr/>
-        <p:txBody>
-          <a:bodyPr/>
-          <a:lstStyle/>
-          <a:p>
-            <a:r>
-              <a:rPr lang="zh-CN" altLang="en-US" dirty="0" smtClean="0"/>
-              <a:t>用预分类的结果近似表示建筑结构的概率分布</a:t>
-            </a:r>
-            <a:endParaRPr lang="zh-CN" altLang="en-US" dirty="0"/>
-          </a:p>
-        </p:txBody>
-      </p:sp>
-      <p:grpSp>
-        <p:nvGrpSpPr>
-          <p:cNvPr id="16" name="Group 12"/>
-          <p:cNvGrpSpPr>
-            <a:grpSpLocks noChangeAspect="1"/>
-          </p:cNvGrpSpPr>
-          <p:nvPr/>
-        </p:nvGrpSpPr>
-        <p:grpSpPr bwMode="auto">
-          <a:xfrm>
-            <a:off x="3939494" y="2746234"/>
-            <a:ext cx="5038725" cy="2176427"/>
-            <a:chOff x="0" y="0"/>
-            <a:chExt cx="9111" cy="3934"/>
-          </a:xfrm>
-        </p:grpSpPr>
-        <p:pic>
-          <p:nvPicPr>
-            <p:cNvPr id="3085" name="Picture 54" descr="C:\Users\Xu Xiang\workspace\facade-parsing\Experiments3\cathedral\grid_label_color.png"/>
-            <p:cNvPicPr>
-              <a:picLocks noChangeAspect="1" noChangeArrowheads="1"/>
-            </p:cNvPicPr>
-            <p:nvPr/>
-          </p:nvPicPr>
-          <p:blipFill>
-            <a:blip r:embed="rId5">
-              <a:extLst>
-                <a:ext uri="{28A0092B-C50C-407E-A947-70E740481C1C}">
-                  <a14:useLocalDpi xmlns:a14="http://schemas.microsoft.com/office/drawing/2010/main" val="0"/>
-                </a:ext>
-              </a:extLst>
-            </a:blip>
-            <a:srcRect/>
-            <a:stretch>
-              <a:fillRect/>
-            </a:stretch>
-          </p:blipFill>
-          <p:spPr bwMode="auto">
-            <a:xfrm>
-              <a:off x="4689" y="30"/>
-              <a:ext cx="4422" cy="3878"/>
-            </a:xfrm>
-            <a:prstGeom prst="rect">
-              <a:avLst/>
-            </a:prstGeom>
-            <a:noFill/>
-            <a:ln>
-              <a:noFill/>
-            </a:ln>
-            <a:extLst>
-              <a:ext uri="{909E8E84-426E-40DD-AFC4-6F175D3DCCD1}">
-                <a14:hiddenFill xmlns:a14="http://schemas.microsoft.com/office/drawing/2010/main">
-                  <a:solidFill>
-                    <a:srgbClr val="FFFFFF"/>
-                  </a:solidFill>
-                </a14:hiddenFill>
-              </a:ext>
-              <a:ext uri="{91240B29-F687-4F45-9708-019B960494DF}">
-                <a14:hiddenLine xmlns:a14="http://schemas.microsoft.com/office/drawing/2010/main" w="9525">
-                  <a:solidFill>
-                    <a:srgbClr val="000000"/>
-                  </a:solidFill>
-                  <a:miter lim="800000"/>
-                  <a:headEnd/>
-                  <a:tailEnd/>
-                </a14:hiddenLine>
-              </a:ext>
-            </a:extLst>
-          </p:spPr>
-        </p:pic>
-        <p:pic>
-          <p:nvPicPr>
-            <p:cNvPr id="3086" name="Picture 57" descr="C:\Users\Xu Xiang\workspace\facade-parsing\PassThroughFilter\screenshot-1398578080.png"/>
-            <p:cNvPicPr>
-              <a:picLocks noChangeAspect="1" noChangeArrowheads="1"/>
-            </p:cNvPicPr>
-            <p:nvPr/>
-          </p:nvPicPr>
-          <p:blipFill>
-            <a:blip r:embed="rId6">
-              <a:extLst>
-                <a:ext uri="{28A0092B-C50C-407E-A947-70E740481C1C}">
-                  <a14:useLocalDpi xmlns:a14="http://schemas.microsoft.com/office/drawing/2010/main" val="0"/>
-                </a:ext>
-              </a:extLst>
-            </a:blip>
-            <a:srcRect l="28410" t="16246" r="29375" b="18207"/>
-            <a:stretch>
-              <a:fillRect/>
-            </a:stretch>
-          </p:blipFill>
-          <p:spPr bwMode="auto">
-            <a:xfrm>
-              <a:off x="0" y="0"/>
-              <a:ext cx="4422" cy="3934"/>
-            </a:xfrm>
-            <a:prstGeom prst="rect">
-              <a:avLst/>
-            </a:prstGeom>
-            <a:noFill/>
-            <a:ln>
-              <a:noFill/>
-            </a:ln>
-            <a:extLst>
-              <a:ext uri="{909E8E84-426E-40DD-AFC4-6F175D3DCCD1}">
-                <a14:hiddenFill xmlns:a14="http://schemas.microsoft.com/office/drawing/2010/main">
-                  <a:solidFill>
-                    <a:srgbClr val="FFFFFF"/>
-                  </a:solidFill>
-                </a14:hiddenFill>
-              </a:ext>
-              <a:ext uri="{91240B29-F687-4F45-9708-019B960494DF}">
-                <a14:hiddenLine xmlns:a14="http://schemas.microsoft.com/office/drawing/2010/main" w="9525">
-                  <a:solidFill>
-                    <a:srgbClr val="000000"/>
-                  </a:solidFill>
-                  <a:miter lim="800000"/>
-                  <a:headEnd/>
-                  <a:tailEnd/>
-                </a14:hiddenLine>
-              </a:ext>
-            </a:extLst>
-          </p:spPr>
-        </p:pic>
-      </p:grpSp>
-      <p:grpSp>
-        <p:nvGrpSpPr>
-          <p:cNvPr id="23" name="Group 21"/>
-          <p:cNvGrpSpPr>
-            <a:grpSpLocks noChangeAspect="1"/>
-          </p:cNvGrpSpPr>
-          <p:nvPr/>
-        </p:nvGrpSpPr>
-        <p:grpSpPr bwMode="auto">
-          <a:xfrm>
-            <a:off x="3897279" y="4765273"/>
-            <a:ext cx="5038725" cy="1444361"/>
-            <a:chOff x="0" y="0"/>
-            <a:chExt cx="9495" cy="2722"/>
-          </a:xfrm>
-        </p:grpSpPr>
-        <p:pic>
-          <p:nvPicPr>
-            <p:cNvPr id="3094" name="Picture 22" descr="grid_label_color"/>
-            <p:cNvPicPr>
-              <a:picLocks noChangeAspect="1" noChangeArrowheads="1"/>
-            </p:cNvPicPr>
-            <p:nvPr/>
-          </p:nvPicPr>
-          <p:blipFill>
-            <a:blip r:embed="rId7" cstate="print">
-              <a:extLst>
-                <a:ext uri="{28A0092B-C50C-407E-A947-70E740481C1C}">
-                  <a14:useLocalDpi xmlns:a14="http://schemas.microsoft.com/office/drawing/2010/main" val="0"/>
-                </a:ext>
-              </a:extLst>
-            </a:blip>
-            <a:srcRect/>
-            <a:stretch>
-              <a:fillRect/>
-            </a:stretch>
-          </p:blipFill>
-          <p:spPr bwMode="auto">
-            <a:xfrm>
-              <a:off x="4680" y="0"/>
-              <a:ext cx="4815" cy="2715"/>
-            </a:xfrm>
-            <a:prstGeom prst="rect">
-              <a:avLst/>
-            </a:prstGeom>
-            <a:noFill/>
-            <a:ln>
-              <a:noFill/>
-            </a:ln>
-            <a:extLst>
-              <a:ext uri="{909E8E84-426E-40DD-AFC4-6F175D3DCCD1}">
-                <a14:hiddenFill xmlns:a14="http://schemas.microsoft.com/office/drawing/2010/main">
-                  <a:solidFill>
-                    <a:srgbClr val="FFFFFF"/>
-                  </a:solidFill>
-                </a14:hiddenFill>
-              </a:ext>
-              <a:ext uri="{91240B29-F687-4F45-9708-019B960494DF}">
-                <a14:hiddenLine xmlns:a14="http://schemas.microsoft.com/office/drawing/2010/main" w="9525">
-                  <a:solidFill>
-                    <a:srgbClr val="000000"/>
-                  </a:solidFill>
-                  <a:miter lim="800000"/>
-                  <a:headEnd/>
-                  <a:tailEnd/>
-                </a14:hiddenLine>
-              </a:ext>
-            </a:extLst>
-          </p:spPr>
-        </p:pic>
-        <p:pic>
-          <p:nvPicPr>
-            <p:cNvPr id="3095" name="Picture 23" descr="screenshot-1398909768"/>
-            <p:cNvPicPr>
-              <a:picLocks noChangeAspect="1" noChangeArrowheads="1"/>
-            </p:cNvPicPr>
-            <p:nvPr/>
-          </p:nvPicPr>
-          <p:blipFill>
-            <a:blip r:embed="rId8" cstate="print">
-              <a:extLst>
-                <a:ext uri="{28A0092B-C50C-407E-A947-70E740481C1C}">
-                  <a14:useLocalDpi xmlns:a14="http://schemas.microsoft.com/office/drawing/2010/main" val="0"/>
-                </a:ext>
-              </a:extLst>
-            </a:blip>
-            <a:srcRect l="15248" t="11205" r="13965" b="13446"/>
-            <a:stretch>
-              <a:fillRect/>
-            </a:stretch>
-          </p:blipFill>
-          <p:spPr bwMode="auto">
-            <a:xfrm>
-              <a:off x="0" y="1"/>
-              <a:ext cx="4462" cy="2721"/>
-            </a:xfrm>
-            <a:prstGeom prst="rect">
-              <a:avLst/>
-            </a:prstGeom>
-            <a:noFill/>
-            <a:ln>
-              <a:noFill/>
-            </a:ln>
-            <a:extLst>
-              <a:ext uri="{909E8E84-426E-40DD-AFC4-6F175D3DCCD1}">
-                <a14:hiddenFill xmlns:a14="http://schemas.microsoft.com/office/drawing/2010/main">
-                  <a:solidFill>
-                    <a:srgbClr val="FFFFFF"/>
-                  </a:solidFill>
-                </a14:hiddenFill>
-              </a:ext>
-              <a:ext uri="{91240B29-F687-4F45-9708-019B960494DF}">
-                <a14:hiddenLine xmlns:a14="http://schemas.microsoft.com/office/drawing/2010/main" w="9525">
-                  <a:solidFill>
-                    <a:srgbClr val="000000"/>
-                  </a:solidFill>
-                  <a:miter lim="800000"/>
-                  <a:headEnd/>
-                  <a:tailEnd/>
-                </a14:hiddenLine>
-              </a:ext>
-            </a:extLst>
-          </p:spPr>
-        </p:pic>
-      </p:grpSp>
-    </p:spTree>
-    <p:extLst>
-      <p:ext uri="{BB962C8B-B14F-4D97-AF65-F5344CB8AC3E}">
-        <p14:creationId xmlns:p14="http://schemas.microsoft.com/office/powerpoint/2010/main" val="4005094678"/>
-      </p:ext>
-    </p:extLst>
-  </p:cSld>
-  <p:clrMapOvr>
-    <a:masterClrMapping/>
-  </p:clrMapOvr>
-  <mc:AlternateContent xmlns:mc="http://schemas.openxmlformats.org/markup-compatibility/2006" xmlns:p14="http://schemas.microsoft.com/office/powerpoint/2010/main">
-    <mc:Choice Requires="p14">
-      <p:transition p14:dur="10"/>
-    </mc:Choice>
-    <mc:Fallback xmlns="">
-      <p:transition/>
-    </mc:Fallback>
-  </mc:AlternateContent>
-  <p:timing>
-    <p:tnLst>
-      <p:par>
-        <p:cTn id="1" dur="indefinite" restart="never" nodeType="tmRoot">
-          <p:childTnLst>
-            <p:seq concurrent="1" nextAc="seek">
-              <p:cTn id="2" dur="indefinite" nodeType="mainSeq">
-                <p:childTnLst>
-                  <p:par>
-                    <p:cTn id="3" fill="hold">
-                      <p:stCondLst>
-                        <p:cond delay="indefinite"/>
-                      </p:stCondLst>
-                      <p:childTnLst>
-                        <p:par>
-                          <p:cTn id="4" fill="hold">
-                            <p:stCondLst>
-                              <p:cond delay="0"/>
-                            </p:stCondLst>
-                            <p:childTnLst>
-                              <p:par>
-                                <p:cTn id="5" presetID="1" presetClass="entr" presetSubtype="0" fill="hold" grpId="0" nodeType="clickEffect">
-                                  <p:stCondLst>
-                                    <p:cond delay="0"/>
-                                  </p:stCondLst>
-                                  <p:childTnLst>
-                                    <p:set>
-                                      <p:cBhvr>
-                                        <p:cTn id="6" dur="1" fill="hold">
-                                          <p:stCondLst>
-                                            <p:cond delay="0"/>
-                                          </p:stCondLst>
-                                        </p:cTn>
-                                        <p:tgtEl>
-                                          <p:spTgt spid="14">
-                                            <p:txEl>
-                                              <p:pRg st="0" end="0"/>
-                                            </p:txEl>
-                                          </p:spTgt>
-                                        </p:tgtEl>
-                                        <p:attrNameLst>
-                                          <p:attrName>style.visibility</p:attrName>
-                                        </p:attrNameLst>
-                                      </p:cBhvr>
-                                      <p:to>
-                                        <p:strVal val="visible"/>
-                                      </p:to>
-                                    </p:set>
-                                  </p:childTnLst>
-                                </p:cTn>
-                              </p:par>
-                            </p:childTnLst>
-                          </p:cTn>
-                        </p:par>
-                      </p:childTnLst>
-                    </p:cTn>
-                  </p:par>
-                  <p:par>
-                    <p:cTn id="7" fill="hold">
-                      <p:stCondLst>
-                        <p:cond delay="indefinite"/>
-                      </p:stCondLst>
-                      <p:childTnLst>
-                        <p:par>
-                          <p:cTn id="8" fill="hold">
-                            <p:stCondLst>
-                              <p:cond delay="0"/>
-                            </p:stCondLst>
-                            <p:childTnLst>
-                              <p:par>
-                                <p:cTn id="9" presetID="1" presetClass="entr" presetSubtype="0" fill="hold" grpId="0" nodeType="clickEffect">
-                                  <p:stCondLst>
-                                    <p:cond delay="0"/>
-                                  </p:stCondLst>
-                                  <p:childTnLst>
-                                    <p:set>
-                                      <p:cBhvr>
-                                        <p:cTn id="10" dur="1" fill="hold">
-                                          <p:stCondLst>
-                                            <p:cond delay="0"/>
-                                          </p:stCondLst>
-                                        </p:cTn>
-                                        <p:tgtEl>
-                                          <p:spTgt spid="14">
-                                            <p:txEl>
-                                              <p:pRg st="1" end="1"/>
-                                            </p:txEl>
-                                          </p:spTgt>
-                                        </p:tgtEl>
-                                        <p:attrNameLst>
-                                          <p:attrName>style.visibility</p:attrName>
-                                        </p:attrNameLst>
-                                      </p:cBhvr>
-                                      <p:to>
-                                        <p:strVal val="visible"/>
-                                      </p:to>
-                                    </p:set>
-                                  </p:childTnLst>
-                                </p:cTn>
-                              </p:par>
-                            </p:childTnLst>
-                          </p:cTn>
-                        </p:par>
-                      </p:childTnLst>
-                    </p:cTn>
-                  </p:par>
-                  <p:par>
-                    <p:cTn id="11" fill="hold">
-                      <p:stCondLst>
-                        <p:cond delay="indefinite"/>
-                      </p:stCondLst>
-                      <p:childTnLst>
-                        <p:par>
-                          <p:cTn id="12" fill="hold">
-                            <p:stCondLst>
-                              <p:cond delay="0"/>
-                            </p:stCondLst>
-                            <p:childTnLst>
-                              <p:par>
-                                <p:cTn id="13" presetID="1" presetClass="entr" presetSubtype="0" fill="hold" grpId="0" nodeType="clickEffect">
-                                  <p:stCondLst>
-                                    <p:cond delay="0"/>
-                                  </p:stCondLst>
-                                  <p:childTnLst>
-                                    <p:set>
-                                      <p:cBhvr>
-                                        <p:cTn id="14" dur="1" fill="hold">
-                                          <p:stCondLst>
-                                            <p:cond delay="0"/>
-                                          </p:stCondLst>
-                                        </p:cTn>
-                                        <p:tgtEl>
-                                          <p:spTgt spid="14">
-                                            <p:txEl>
-                                              <p:pRg st="2" end="2"/>
-                                            </p:txEl>
-                                          </p:spTgt>
-                                        </p:tgtEl>
-                                        <p:attrNameLst>
-                                          <p:attrName>style.visibility</p:attrName>
-                                        </p:attrNameLst>
-                                      </p:cBhvr>
-                                      <p:to>
-                                        <p:strVal val="visible"/>
-                                      </p:to>
-                                    </p:set>
-                                  </p:childTnLst>
-                                </p:cTn>
-                              </p:par>
-                            </p:childTnLst>
-                          </p:cTn>
-                        </p:par>
-                      </p:childTnLst>
-                    </p:cTn>
-                  </p:par>
-                  <p:par>
-                    <p:cTn id="15" fill="hold">
-                      <p:stCondLst>
-                        <p:cond delay="indefinite"/>
-                      </p:stCondLst>
-                      <p:childTnLst>
-                        <p:par>
-                          <p:cTn id="16" fill="hold">
-                            <p:stCondLst>
-                              <p:cond delay="0"/>
-                            </p:stCondLst>
-                            <p:childTnLst>
-                              <p:par>
-                                <p:cTn id="17" presetID="1" presetClass="entr" presetSubtype="0" fill="hold" grpId="0" nodeType="clickEffect">
-                                  <p:stCondLst>
-                                    <p:cond delay="0"/>
-                                  </p:stCondLst>
-                                  <p:childTnLst>
-                                    <p:set>
-                                      <p:cBhvr>
-                                        <p:cTn id="18" dur="1" fill="hold">
-                                          <p:stCondLst>
-                                            <p:cond delay="0"/>
-                                          </p:stCondLst>
-                                        </p:cTn>
-                                        <p:tgtEl>
-                                          <p:spTgt spid="14">
-                                            <p:txEl>
-                                              <p:pRg st="3" end="3"/>
-                                            </p:txEl>
-                                          </p:spTgt>
-                                        </p:tgtEl>
-                                        <p:attrNameLst>
-                                          <p:attrName>style.visibility</p:attrName>
-                                        </p:attrNameLst>
-                                      </p:cBhvr>
-                                      <p:to>
-                                        <p:strVal val="visible"/>
-                                      </p:to>
-                                    </p:set>
-                                  </p:childTnLst>
-                                </p:cTn>
-                              </p:par>
-                            </p:childTnLst>
-                          </p:cTn>
-                        </p:par>
-                      </p:childTnLst>
-                    </p:cTn>
-                  </p:par>
-                  <p:par>
-                    <p:cTn id="19" fill="hold">
-                      <p:stCondLst>
-                        <p:cond delay="indefinite"/>
-                      </p:stCondLst>
-                      <p:childTnLst>
-                        <p:par>
-                          <p:cTn id="20" fill="hold">
-                            <p:stCondLst>
-                              <p:cond delay="0"/>
-                            </p:stCondLst>
-                            <p:childTnLst>
-                              <p:par>
-                                <p:cTn id="21" presetID="1" presetClass="entr" presetSubtype="0" fill="hold" grpId="0" nodeType="clickEffect">
-                                  <p:stCondLst>
-                                    <p:cond delay="0"/>
-                                  </p:stCondLst>
-                                  <p:childTnLst>
-                                    <p:set>
-                                      <p:cBhvr>
-                                        <p:cTn id="22" dur="1" fill="hold">
-                                          <p:stCondLst>
-                                            <p:cond delay="0"/>
-                                          </p:stCondLst>
-                                        </p:cTn>
-                                        <p:tgtEl>
-                                          <p:spTgt spid="14">
-                                            <p:txEl>
-                                              <p:pRg st="4" end="4"/>
-                                            </p:txEl>
-                                          </p:spTgt>
-                                        </p:tgtEl>
-                                        <p:attrNameLst>
-                                          <p:attrName>style.visibility</p:attrName>
-                                        </p:attrNameLst>
-                                      </p:cBhvr>
-                                      <p:to>
-                                        <p:strVal val="visible"/>
-                                      </p:to>
-                                    </p:set>
-                                  </p:childTnLst>
-                                </p:cTn>
-                              </p:par>
-                            </p:childTnLst>
-                          </p:cTn>
-                        </p:par>
-                      </p:childTnLst>
-                    </p:cTn>
-                  </p:par>
-                  <p:par>
-                    <p:cTn id="23" fill="hold">
-                      <p:stCondLst>
-                        <p:cond delay="indefinite"/>
-                      </p:stCondLst>
-                      <p:childTnLst>
-                        <p:par>
-                          <p:cTn id="24" fill="hold">
-                            <p:stCondLst>
-                              <p:cond delay="0"/>
-                            </p:stCondLst>
-                            <p:childTnLst>
-                              <p:par>
-                                <p:cTn id="25" presetID="1" presetClass="entr" presetSubtype="0" fill="hold" grpId="0" nodeType="clickEffect">
-                                  <p:stCondLst>
-                                    <p:cond delay="0"/>
-                                  </p:stCondLst>
-                                  <p:childTnLst>
-                                    <p:set>
-                                      <p:cBhvr>
-                                        <p:cTn id="26" dur="1" fill="hold">
-                                          <p:stCondLst>
-                                            <p:cond delay="0"/>
-                                          </p:stCondLst>
-                                        </p:cTn>
-                                        <p:tgtEl>
-                                          <p:spTgt spid="14">
-                                            <p:txEl>
-                                              <p:pRg st="5" end="5"/>
-                                            </p:txEl>
-                                          </p:spTgt>
-                                        </p:tgtEl>
-                                        <p:attrNameLst>
-                                          <p:attrName>style.visibility</p:attrName>
-                                        </p:attrNameLst>
-                                      </p:cBhvr>
-                                      <p:to>
-                                        <p:strVal val="visible"/>
-                                      </p:to>
-                                    </p:set>
-                                  </p:childTnLst>
-                                </p:cTn>
-                              </p:par>
-                            </p:childTnLst>
-                          </p:cTn>
-                        </p:par>
-                      </p:childTnLst>
-                    </p:cTn>
-                  </p:par>
-                  <p:par>
-                    <p:cTn id="27" fill="hold">
-                      <p:stCondLst>
-                        <p:cond delay="indefinite"/>
-                      </p:stCondLst>
-                      <p:childTnLst>
-                        <p:par>
-                          <p:cTn id="28" fill="hold">
-                            <p:stCondLst>
-                              <p:cond delay="0"/>
-                            </p:stCondLst>
-                            <p:childTnLst>
-                              <p:par>
-                                <p:cTn id="29" presetID="1" presetClass="entr" presetSubtype="0" fill="hold" grpId="0" nodeType="clickEffect">
-                                  <p:stCondLst>
-                                    <p:cond delay="0"/>
-                                  </p:stCondLst>
-                                  <p:childTnLst>
-                                    <p:set>
-                                      <p:cBhvr>
-                                        <p:cTn id="30" dur="1" fill="hold">
-                                          <p:stCondLst>
-                                            <p:cond delay="0"/>
-                                          </p:stCondLst>
-                                        </p:cTn>
-                                        <p:tgtEl>
-                                          <p:spTgt spid="14">
-                                            <p:txEl>
-                                              <p:pRg st="6" end="6"/>
-                                            </p:txEl>
-                                          </p:spTgt>
-                                        </p:tgtEl>
-                                        <p:attrNameLst>
-                                          <p:attrName>style.visibility</p:attrName>
-                                        </p:attrNameLst>
-                                      </p:cBhvr>
-                                      <p:to>
-                                        <p:strVal val="visible"/>
-                                      </p:to>
-                                    </p:set>
-                                  </p:childTnLst>
-                                </p:cTn>
-                              </p:par>
-                            </p:childTnLst>
-                          </p:cTn>
-                        </p:par>
-                      </p:childTnLst>
-                    </p:cTn>
-                  </p:par>
-                  <p:par>
-                    <p:cTn id="31" fill="hold">
-                      <p:stCondLst>
-                        <p:cond delay="indefinite"/>
-                      </p:stCondLst>
-                      <p:childTnLst>
-                        <p:par>
-                          <p:cTn id="32" fill="hold">
-                            <p:stCondLst>
-                              <p:cond delay="0"/>
-                            </p:stCondLst>
-                            <p:childTnLst>
-                              <p:par>
-                                <p:cTn id="33" presetID="1" presetClass="entr" presetSubtype="0" fill="hold" grpId="0" nodeType="clickEffect">
-                                  <p:stCondLst>
-                                    <p:cond delay="0"/>
-                                  </p:stCondLst>
-                                  <p:childTnLst>
-                                    <p:set>
-                                      <p:cBhvr>
-                                        <p:cTn id="34" dur="1" fill="hold">
-                                          <p:stCondLst>
-                                            <p:cond delay="0"/>
-                                          </p:stCondLst>
-                                        </p:cTn>
-                                        <p:tgtEl>
-                                          <p:spTgt spid="14">
-                                            <p:txEl>
-                                              <p:pRg st="7" end="7"/>
-                                            </p:txEl>
-                                          </p:spTgt>
-                                        </p:tgtEl>
-                                        <p:attrNameLst>
-                                          <p:attrName>style.visibility</p:attrName>
-                                        </p:attrNameLst>
-                                      </p:cBhvr>
-                                      <p:to>
-                                        <p:strVal val="visible"/>
-                                      </p:to>
-                                    </p:set>
-                                  </p:childTnLst>
-                                </p:cTn>
-                              </p:par>
-                            </p:childTnLst>
-                          </p:cTn>
-                        </p:par>
-                      </p:childTnLst>
-                    </p:cTn>
-                  </p:par>
-                  <p:par>
-                    <p:cTn id="35" fill="hold">
-                      <p:stCondLst>
-                        <p:cond delay="indefinite"/>
-                      </p:stCondLst>
-                      <p:childTnLst>
-                        <p:par>
-                          <p:cTn id="36" fill="hold">
-                            <p:stCondLst>
-                              <p:cond delay="0"/>
-                            </p:stCondLst>
-                            <p:childTnLst>
-                              <p:par>
-                                <p:cTn id="37" presetID="1" presetClass="entr" presetSubtype="0" fill="hold" grpId="0" nodeType="clickEffect">
-                                  <p:stCondLst>
-                                    <p:cond delay="0"/>
-                                  </p:stCondLst>
-                                  <p:childTnLst>
-                                    <p:set>
-                                      <p:cBhvr>
-                                        <p:cTn id="38" dur="1" fill="hold">
-                                          <p:stCondLst>
-                                            <p:cond delay="0"/>
-                                          </p:stCondLst>
-                                        </p:cTn>
-                                        <p:tgtEl>
-                                          <p:spTgt spid="14">
-                                            <p:txEl>
-                                              <p:pRg st="8" end="8"/>
-                                            </p:txEl>
-                                          </p:spTgt>
-                                        </p:tgtEl>
-                                        <p:attrNameLst>
-                                          <p:attrName>style.visibility</p:attrName>
-                                        </p:attrNameLst>
-                                      </p:cBhvr>
-                                      <p:to>
-                                        <p:strVal val="visible"/>
-                                      </p:to>
-                                    </p:set>
-                                  </p:childTnLst>
-                                </p:cTn>
-                              </p:par>
-                            </p:childTnLst>
-                          </p:cTn>
-                        </p:par>
-                      </p:childTnLst>
-                    </p:cTn>
-                  </p:par>
-                  <p:par>
-                    <p:cTn id="39" fill="hold">
-                      <p:stCondLst>
-                        <p:cond delay="indefinite"/>
-                      </p:stCondLst>
-                      <p:childTnLst>
-                        <p:par>
-                          <p:cTn id="40" fill="hold">
-                            <p:stCondLst>
-                              <p:cond delay="0"/>
-                            </p:stCondLst>
-                            <p:childTnLst>
-                              <p:par>
-                                <p:cTn id="41" presetID="2" presetClass="entr" presetSubtype="4" fill="hold" nodeType="clickEffect">
-                                  <p:stCondLst>
-                                    <p:cond delay="0"/>
-                                  </p:stCondLst>
-                                  <p:childTnLst>
-                                    <p:set>
-                                      <p:cBhvr>
-                                        <p:cTn id="42" dur="1" fill="hold">
-                                          <p:stCondLst>
-                                            <p:cond delay="0"/>
-                                          </p:stCondLst>
-                                        </p:cTn>
-                                        <p:tgtEl>
-                                          <p:spTgt spid="11"/>
-                                        </p:tgtEl>
-                                        <p:attrNameLst>
-                                          <p:attrName>style.visibility</p:attrName>
-                                        </p:attrNameLst>
-                                      </p:cBhvr>
-                                      <p:to>
-                                        <p:strVal val="visible"/>
-                                      </p:to>
-                                    </p:set>
-                                    <p:anim calcmode="lin" valueType="num">
-                                      <p:cBhvr additive="base">
-                                        <p:cTn id="43" dur="500" fill="hold"/>
-                                        <p:tgtEl>
-                                          <p:spTgt spid="11"/>
-                                        </p:tgtEl>
-                                        <p:attrNameLst>
-                                          <p:attrName>ppt_x</p:attrName>
-                                        </p:attrNameLst>
-                                      </p:cBhvr>
-                                      <p:tavLst>
-                                        <p:tav tm="0">
-                                          <p:val>
-                                            <p:strVal val="#ppt_x"/>
-                                          </p:val>
-                                        </p:tav>
-                                        <p:tav tm="100000">
-                                          <p:val>
-                                            <p:strVal val="#ppt_x"/>
-                                          </p:val>
-                                        </p:tav>
-                                      </p:tavLst>
-                                    </p:anim>
-                                    <p:anim calcmode="lin" valueType="num">
-                                      <p:cBhvr additive="base">
-                                        <p:cTn id="44" dur="500" fill="hold"/>
-                                        <p:tgtEl>
-                                          <p:spTgt spid="11"/>
-                                        </p:tgtEl>
-                                        <p:attrNameLst>
-                                          <p:attrName>ppt_y</p:attrName>
-                                        </p:attrNameLst>
-                                      </p:cBhvr>
-                                      <p:tavLst>
-                                        <p:tav tm="0">
-                                          <p:val>
-                                            <p:strVal val="1+#ppt_h/2"/>
-                                          </p:val>
-                                        </p:tav>
-                                        <p:tav tm="100000">
-                                          <p:val>
-                                            <p:strVal val="#ppt_y"/>
-                                          </p:val>
-                                        </p:tav>
-                                      </p:tavLst>
-                                    </p:anim>
-                                  </p:childTnLst>
-                                </p:cTn>
-                              </p:par>
-                            </p:childTnLst>
-                          </p:cTn>
-                        </p:par>
-                      </p:childTnLst>
-                    </p:cTn>
-                  </p:par>
-                  <p:par>
-                    <p:cTn id="45" fill="hold">
-                      <p:stCondLst>
-                        <p:cond delay="indefinite"/>
-                      </p:stCondLst>
-                      <p:childTnLst>
-                        <p:par>
-                          <p:cTn id="46" fill="hold">
-                            <p:stCondLst>
-                              <p:cond delay="0"/>
-                            </p:stCondLst>
-                            <p:childTnLst>
-                              <p:par>
-                                <p:cTn id="47" presetID="2" presetClass="entr" presetSubtype="4" fill="hold" nodeType="clickEffect">
-                                  <p:stCondLst>
-                                    <p:cond delay="0"/>
-                                  </p:stCondLst>
-                                  <p:childTnLst>
-                                    <p:set>
-                                      <p:cBhvr>
-                                        <p:cTn id="48" dur="1" fill="hold">
-                                          <p:stCondLst>
-                                            <p:cond delay="0"/>
-                                          </p:stCondLst>
-                                        </p:cTn>
-                                        <p:tgtEl>
-                                          <p:spTgt spid="16"/>
-                                        </p:tgtEl>
-                                        <p:attrNameLst>
-                                          <p:attrName>style.visibility</p:attrName>
-                                        </p:attrNameLst>
-                                      </p:cBhvr>
-                                      <p:to>
-                                        <p:strVal val="visible"/>
-                                      </p:to>
-                                    </p:set>
-                                    <p:anim calcmode="lin" valueType="num">
-                                      <p:cBhvr additive="base">
-                                        <p:cTn id="49" dur="500" fill="hold"/>
-                                        <p:tgtEl>
-                                          <p:spTgt spid="16"/>
-                                        </p:tgtEl>
-                                        <p:attrNameLst>
-                                          <p:attrName>ppt_x</p:attrName>
-                                        </p:attrNameLst>
-                                      </p:cBhvr>
-                                      <p:tavLst>
-                                        <p:tav tm="0">
-                                          <p:val>
-                                            <p:strVal val="#ppt_x"/>
-                                          </p:val>
-                                        </p:tav>
-                                        <p:tav tm="100000">
-                                          <p:val>
-                                            <p:strVal val="#ppt_x"/>
-                                          </p:val>
-                                        </p:tav>
-                                      </p:tavLst>
-                                    </p:anim>
-                                    <p:anim calcmode="lin" valueType="num">
-                                      <p:cBhvr additive="base">
-                                        <p:cTn id="50" dur="500" fill="hold"/>
-                                        <p:tgtEl>
-                                          <p:spTgt spid="16"/>
-                                        </p:tgtEl>
-                                        <p:attrNameLst>
-                                          <p:attrName>ppt_y</p:attrName>
-                                        </p:attrNameLst>
-                                      </p:cBhvr>
-                                      <p:tavLst>
-                                        <p:tav tm="0">
-                                          <p:val>
-                                            <p:strVal val="1+#ppt_h/2"/>
-                                          </p:val>
-                                        </p:tav>
-                                        <p:tav tm="100000">
-                                          <p:val>
-                                            <p:strVal val="#ppt_y"/>
-                                          </p:val>
-                                        </p:tav>
-                                      </p:tavLst>
-                                    </p:anim>
-                                  </p:childTnLst>
-                                </p:cTn>
-                              </p:par>
-                            </p:childTnLst>
-                          </p:cTn>
-                        </p:par>
-                      </p:childTnLst>
-                    </p:cTn>
-                  </p:par>
-                  <p:par>
-                    <p:cTn id="51" fill="hold">
-                      <p:stCondLst>
-                        <p:cond delay="indefinite"/>
-                      </p:stCondLst>
-                      <p:childTnLst>
-                        <p:par>
-                          <p:cTn id="52" fill="hold">
-                            <p:stCondLst>
-                              <p:cond delay="0"/>
-                            </p:stCondLst>
-                            <p:childTnLst>
-                              <p:par>
-                                <p:cTn id="53" presetID="2" presetClass="entr" presetSubtype="4" fill="hold" nodeType="clickEffect">
-                                  <p:stCondLst>
-                                    <p:cond delay="0"/>
-                                  </p:stCondLst>
-                                  <p:childTnLst>
-                                    <p:set>
-                                      <p:cBhvr>
-                                        <p:cTn id="54" dur="1" fill="hold">
-                                          <p:stCondLst>
-                                            <p:cond delay="0"/>
-                                          </p:stCondLst>
-                                        </p:cTn>
-                                        <p:tgtEl>
-                                          <p:spTgt spid="23"/>
-                                        </p:tgtEl>
-                                        <p:attrNameLst>
-                                          <p:attrName>style.visibility</p:attrName>
-                                        </p:attrNameLst>
-                                      </p:cBhvr>
-                                      <p:to>
-                                        <p:strVal val="visible"/>
-                                      </p:to>
-                                    </p:set>
-                                    <p:anim calcmode="lin" valueType="num">
-                                      <p:cBhvr additive="base">
-                                        <p:cTn id="55" dur="500" fill="hold"/>
-                                        <p:tgtEl>
-                                          <p:spTgt spid="23"/>
-                                        </p:tgtEl>
-                                        <p:attrNameLst>
-                                          <p:attrName>ppt_x</p:attrName>
-                                        </p:attrNameLst>
-                                      </p:cBhvr>
-                                      <p:tavLst>
-                                        <p:tav tm="0">
-                                          <p:val>
-                                            <p:strVal val="#ppt_x"/>
-                                          </p:val>
-                                        </p:tav>
-                                        <p:tav tm="100000">
-                                          <p:val>
-                                            <p:strVal val="#ppt_x"/>
-                                          </p:val>
-                                        </p:tav>
-                                      </p:tavLst>
-                                    </p:anim>
-                                    <p:anim calcmode="lin" valueType="num">
-                                      <p:cBhvr additive="base">
-                                        <p:cTn id="56" dur="500" fill="hold"/>
-                                        <p:tgtEl>
-                                          <p:spTgt spid="23"/>
-                                        </p:tgtEl>
-                                        <p:attrNameLst>
-                                          <p:attrName>ppt_y</p:attrName>
-                                        </p:attrNameLst>
-                                      </p:cBhvr>
-                                      <p:tavLst>
-                                        <p:tav tm="0">
-                                          <p:val>
-                                            <p:strVal val="1+#ppt_h/2"/>
-                                          </p:val>
-                                        </p:tav>
-                                        <p:tav tm="100000">
-                                          <p:val>
-                                            <p:strVal val="#ppt_y"/>
-                                          </p:val>
-                                        </p:tav>
-                                      </p:tavLst>
-                                    </p:anim>
-                                  </p:childTnLst>
-                                </p:cTn>
-                              </p:par>
-                            </p:childTnLst>
-                          </p:cTn>
-                        </p:par>
-                      </p:childTnLst>
-                    </p:cTn>
-                  </p:par>
-                </p:childTnLst>
-              </p:cTn>
-              <p:prevCondLst>
-                <p:cond evt="onPrev" delay="0">
-                  <p:tgtEl>
-                    <p:sldTgt/>
-                  </p:tgtEl>
-                </p:cond>
-              </p:prevCondLst>
-              <p:nextCondLst>
-                <p:cond evt="onNext" delay="0">
-                  <p:tgtEl>
-                    <p:sldTgt/>
-                  </p:tgtEl>
-                </p:cond>
-              </p:nextCondLst>
-            </p:seq>
-          </p:childTnLst>
-        </p:cTn>
-      </p:par>
-    </p:tnLst>
-    <p:bldLst>
-      <p:bldP spid="14" grpId="0" uiExpand="1" build="p"/>
-    </p:bldLst>
-  </p:timing>
-</p:sld>
-</file>
-
 <file path=ppt/theme/theme1.xml><?xml version="1.0" encoding="utf-8"?>
 <a:theme xmlns:a="http://schemas.openxmlformats.org/drawingml/2006/main" name="WelcomeDoc">
   <a:themeElements>

--- a/基于形状语义和增强学习的建筑.pptx
+++ b/基于形状语义和增强学习的建筑.pptx
@@ -4527,7 +4527,7 @@
           </a:lstStyle>
           <a:p>
             <a:fld id="{EC13577B-6902-467D-A26C-08A0DD5E4E03}" type="datetimeFigureOut">
-              <a:t>2014/5/12</a:t>
+              <a:t>2014/5/13</a:t>
             </a:fld>
             <a:endParaRPr lang="zh-CN"/>
           </a:p>
@@ -7337,7 +7337,7 @@
           <a:lstStyle/>
           <a:p>
             <a:fld id="{8BEEBAAA-29B5-4AF5-BC5F-7E580C29002D}" type="datetimeFigureOut">
-              <a:t>2014/5/12</a:t>
+              <a:t>2014/5/13</a:t>
             </a:fld>
             <a:endParaRPr lang="zh-CN"/>
           </a:p>
@@ -7620,7 +7620,7 @@
           <a:lstStyle/>
           <a:p>
             <a:fld id="{8BEEBAAA-29B5-4AF5-BC5F-7E580C29002D}" type="datetimeFigureOut">
-              <a:t>2014/5/12</a:t>
+              <a:t>2014/5/13</a:t>
             </a:fld>
             <a:endParaRPr lang="zh-CN"/>
           </a:p>
@@ -7908,7 +7908,7 @@
           <a:lstStyle/>
           <a:p>
             <a:fld id="{8BEEBAAA-29B5-4AF5-BC5F-7E580C29002D}" type="datetimeFigureOut">
-              <a:t>2014/5/12</a:t>
+              <a:t>2014/5/13</a:t>
             </a:fld>
             <a:endParaRPr lang="zh-CN"/>
           </a:p>
@@ -8275,7 +8275,7 @@
           <a:lstStyle/>
           <a:p>
             <a:fld id="{8BEEBAAA-29B5-4AF5-BC5F-7E580C29002D}" type="datetimeFigureOut">
-              <a:t>2014/5/12</a:t>
+              <a:t>2014/5/13</a:t>
             </a:fld>
             <a:endParaRPr lang="zh-CN"/>
           </a:p>
@@ -8581,7 +8581,7 @@
           <a:lstStyle/>
           <a:p>
             <a:fld id="{8BEEBAAA-29B5-4AF5-BC5F-7E580C29002D}" type="datetimeFigureOut">
-              <a:t>2014/5/12</a:t>
+              <a:t>2014/5/13</a:t>
             </a:fld>
             <a:endParaRPr lang="zh-CN"/>
           </a:p>
@@ -9102,7 +9102,7 @@
           <a:lstStyle/>
           <a:p>
             <a:fld id="{8BEEBAAA-29B5-4AF5-BC5F-7E580C29002D}" type="datetimeFigureOut">
-              <a:t>2014/5/12</a:t>
+              <a:t>2014/5/13</a:t>
             </a:fld>
             <a:endParaRPr lang="zh-CN"/>
           </a:p>
@@ -9753,7 +9753,7 @@
           <a:lstStyle/>
           <a:p>
             <a:fld id="{8BEEBAAA-29B5-4AF5-BC5F-7E580C29002D}" type="datetimeFigureOut">
-              <a:t>2014/5/12</a:t>
+              <a:t>2014/5/13</a:t>
             </a:fld>
             <a:endParaRPr lang="zh-CN"/>
           </a:p>
@@ -9984,7 +9984,7 @@
           <a:lstStyle/>
           <a:p>
             <a:fld id="{8BEEBAAA-29B5-4AF5-BC5F-7E580C29002D}" type="datetimeFigureOut">
-              <a:t>2014/5/12</a:t>
+              <a:t>2014/5/13</a:t>
             </a:fld>
             <a:endParaRPr lang="zh-CN"/>
           </a:p>
@@ -10131,7 +10131,7 @@
           <a:lstStyle/>
           <a:p>
             <a:fld id="{8BEEBAAA-29B5-4AF5-BC5F-7E580C29002D}" type="datetimeFigureOut">
-              <a:t>2014/5/12</a:t>
+              <a:t>2014/5/13</a:t>
             </a:fld>
             <a:endParaRPr lang="zh-CN"/>
           </a:p>
@@ -10474,7 +10474,7 @@
           <a:lstStyle/>
           <a:p>
             <a:fld id="{8BEEBAAA-29B5-4AF5-BC5F-7E580C29002D}" type="datetimeFigureOut">
-              <a:t>2014/5/12</a:t>
+              <a:t>2014/5/13</a:t>
             </a:fld>
             <a:endParaRPr lang="zh-CN"/>
           </a:p>
@@ -10737,7 +10737,7 @@
           <a:lstStyle/>
           <a:p>
             <a:fld id="{8BEEBAAA-29B5-4AF5-BC5F-7E580C29002D}" type="datetimeFigureOut">
-              <a:t>2014/5/12</a:t>
+              <a:t>2014/5/13</a:t>
             </a:fld>
             <a:endParaRPr lang="zh-CN"/>
           </a:p>
@@ -10958,7 +10958,7 @@
             <a:fld id="{8BEEBAAA-29B5-4AF5-BC5F-7E580C29002D}" type="datetimeFigureOut">
               <a:rPr lang="en-US" altLang="zh-CN" smtClean="0"/>
               <a:pPr/>
-              <a:t>5/12/2014</a:t>
+              <a:t>5/13/2014</a:t>
             </a:fld>
             <a:endParaRPr lang="zh-CN" altLang="en-US"/>
           </a:p>
@@ -12444,6 +12444,658 @@
           </p:spPr>
         </p:pic>
       </p:grpSp>
+      <mc:AlternateContent xmlns:mc="http://schemas.openxmlformats.org/markup-compatibility/2006">
+        <mc:Choice xmlns:a14="http://schemas.microsoft.com/office/drawing/2010/main" Requires="a14">
+          <p:sp>
+            <p:nvSpPr>
+              <p:cNvPr id="13" name="文本框 12"/>
+              <p:cNvSpPr txBox="1"/>
+              <p:nvPr/>
+            </p:nvSpPr>
+            <p:spPr>
+              <a:xfrm>
+                <a:off x="1235316" y="2876654"/>
+                <a:ext cx="6498046" cy="1211422"/>
+              </a:xfrm>
+              <a:prstGeom prst="rect">
+                <a:avLst/>
+              </a:prstGeom>
+              <a:solidFill>
+                <a:schemeClr val="accent5"/>
+              </a:solidFill>
+            </p:spPr>
+            <p:txBody>
+              <a:bodyPr wrap="square" rtlCol="0">
+                <a:spAutoFit/>
+              </a:bodyPr>
+              <a:lstStyle/>
+              <a:p>
+                <a14:m>
+                  <m:oMathPara xmlns:m="http://schemas.openxmlformats.org/officeDocument/2006/math">
+                    <m:oMathParaPr>
+                      <m:jc m:val="centerGroup"/>
+                    </m:oMathParaPr>
+                    <m:oMath xmlns:m="http://schemas.openxmlformats.org/officeDocument/2006/math">
+                      <m:r>
+                        <a:rPr lang="en-US" altLang="zh-CN" sz="2800" b="1" i="1" smtClean="0">
+                          <a:ln w="0"/>
+                          <a:solidFill>
+                            <a:srgbClr val="FFFF00"/>
+                          </a:solidFill>
+                          <a:effectLst>
+                            <a:outerShdw blurRad="38100" dist="25400" dir="5400000" algn="ctr" rotWithShape="0">
+                              <a:srgbClr val="6E747A">
+                                <a:alpha val="43000"/>
+                              </a:srgbClr>
+                            </a:outerShdw>
+                          </a:effectLst>
+                          <a:latin typeface="Cambria Math" panose="02040503050406030204" pitchFamily="18" charset="0"/>
+                          <a:ea typeface="Microsoft YaHei UI" panose="020B0503020204020204" pitchFamily="34" charset="-122"/>
+                        </a:rPr>
+                        <m:t>𝒑</m:t>
+                      </m:r>
+                      <m:d>
+                        <m:dPr>
+                          <m:ctrlPr>
+                            <a:rPr lang="en-US" altLang="zh-CN" sz="2800" b="1" i="1" smtClean="0">
+                              <a:ln w="0"/>
+                              <a:solidFill>
+                                <a:srgbClr val="FFFF00"/>
+                              </a:solidFill>
+                              <a:effectLst>
+                                <a:outerShdw blurRad="38100" dist="25400" dir="5400000" algn="ctr" rotWithShape="0">
+                                  <a:srgbClr val="6E747A">
+                                    <a:alpha val="43000"/>
+                                  </a:srgbClr>
+                                </a:outerShdw>
+                              </a:effectLst>
+                              <a:latin typeface="Cambria Math" panose="02040503050406030204" pitchFamily="18" charset="0"/>
+                              <a:ea typeface="Microsoft YaHei UI" panose="020B0503020204020204" pitchFamily="34" charset="-122"/>
+                            </a:rPr>
+                          </m:ctrlPr>
+                        </m:dPr>
+                        <m:e>
+                          <m:r>
+                            <a:rPr lang="en-US" altLang="zh-CN" sz="2800" b="1" i="1" smtClean="0">
+                              <a:ln w="0"/>
+                              <a:solidFill>
+                                <a:srgbClr val="FFFF00"/>
+                              </a:solidFill>
+                              <a:effectLst>
+                                <a:outerShdw blurRad="38100" dist="25400" dir="5400000" algn="ctr" rotWithShape="0">
+                                  <a:srgbClr val="6E747A">
+                                    <a:alpha val="43000"/>
+                                  </a:srgbClr>
+                                </a:outerShdw>
+                              </a:effectLst>
+                              <a:latin typeface="Cambria Math" panose="02040503050406030204" pitchFamily="18" charset="0"/>
+                              <a:ea typeface="Microsoft YaHei UI" panose="020B0503020204020204" pitchFamily="34" charset="-122"/>
+                            </a:rPr>
+                            <m:t>𝒂</m:t>
+                          </m:r>
+                        </m:e>
+                        <m:e>
+                          <m:r>
+                            <a:rPr lang="en-US" altLang="zh-CN" sz="2800" b="1" i="1" smtClean="0">
+                              <a:ln w="0"/>
+                              <a:solidFill>
+                                <a:srgbClr val="FFFF00"/>
+                              </a:solidFill>
+                              <a:effectLst>
+                                <a:outerShdw blurRad="38100" dist="25400" dir="5400000" algn="ctr" rotWithShape="0">
+                                  <a:srgbClr val="6E747A">
+                                    <a:alpha val="43000"/>
+                                  </a:srgbClr>
+                                </a:outerShdw>
+                              </a:effectLst>
+                              <a:latin typeface="Cambria Math" panose="02040503050406030204" pitchFamily="18" charset="0"/>
+                              <a:ea typeface="Microsoft YaHei UI" panose="020B0503020204020204" pitchFamily="34" charset="-122"/>
+                            </a:rPr>
+                            <m:t>𝒙</m:t>
+                          </m:r>
+                          <m:r>
+                            <a:rPr lang="en-US" altLang="zh-CN" sz="2800" b="1" i="1" smtClean="0">
+                              <a:ln w="0"/>
+                              <a:solidFill>
+                                <a:srgbClr val="FFFF00"/>
+                              </a:solidFill>
+                              <a:effectLst>
+                                <a:outerShdw blurRad="38100" dist="25400" dir="5400000" algn="ctr" rotWithShape="0">
+                                  <a:srgbClr val="6E747A">
+                                    <a:alpha val="43000"/>
+                                  </a:srgbClr>
+                                </a:outerShdw>
+                              </a:effectLst>
+                              <a:latin typeface="Cambria Math" panose="02040503050406030204" pitchFamily="18" charset="0"/>
+                              <a:ea typeface="Microsoft YaHei UI" panose="020B0503020204020204" pitchFamily="34" charset="-122"/>
+                            </a:rPr>
+                            <m:t>,</m:t>
+                          </m:r>
+                          <m:r>
+                            <a:rPr lang="en-US" altLang="zh-CN" sz="2800" b="1" i="1" smtClean="0">
+                              <a:ln w="0"/>
+                              <a:solidFill>
+                                <a:srgbClr val="FFFF00"/>
+                              </a:solidFill>
+                              <a:effectLst>
+                                <a:outerShdw blurRad="38100" dist="25400" dir="5400000" algn="ctr" rotWithShape="0">
+                                  <a:srgbClr val="6E747A">
+                                    <a:alpha val="43000"/>
+                                  </a:srgbClr>
+                                </a:outerShdw>
+                              </a:effectLst>
+                              <a:latin typeface="Cambria Math" panose="02040503050406030204" pitchFamily="18" charset="0"/>
+                              <a:ea typeface="Microsoft YaHei UI" panose="020B0503020204020204" pitchFamily="34" charset="-122"/>
+                            </a:rPr>
+                            <m:t>𝒚</m:t>
+                          </m:r>
+                        </m:e>
+                      </m:d>
+                      <m:r>
+                        <a:rPr lang="en-US" altLang="zh-CN" sz="2800" b="1" i="1" smtClean="0">
+                          <a:ln w="0"/>
+                          <a:solidFill>
+                            <a:srgbClr val="FFFF00"/>
+                          </a:solidFill>
+                          <a:effectLst>
+                            <a:outerShdw blurRad="38100" dist="25400" dir="5400000" algn="ctr" rotWithShape="0">
+                              <a:srgbClr val="6E747A">
+                                <a:alpha val="43000"/>
+                              </a:srgbClr>
+                            </a:outerShdw>
+                          </a:effectLst>
+                          <a:latin typeface="Cambria Math" panose="02040503050406030204" pitchFamily="18" charset="0"/>
+                          <a:ea typeface="Microsoft YaHei UI" panose="020B0503020204020204" pitchFamily="34" charset="-122"/>
+                        </a:rPr>
+                        <m:t>=</m:t>
+                      </m:r>
+                      <m:d>
+                        <m:dPr>
+                          <m:begChr m:val="{"/>
+                          <m:endChr m:val=""/>
+                          <m:ctrlPr>
+                            <a:rPr lang="en-US" altLang="zh-CN" sz="2800" b="1" i="1" smtClean="0">
+                              <a:ln w="0"/>
+                              <a:solidFill>
+                                <a:srgbClr val="FFFF00"/>
+                              </a:solidFill>
+                              <a:effectLst>
+                                <a:outerShdw blurRad="38100" dist="25400" dir="5400000" algn="ctr" rotWithShape="0">
+                                  <a:srgbClr val="6E747A">
+                                    <a:alpha val="43000"/>
+                                  </a:srgbClr>
+                                </a:outerShdw>
+                              </a:effectLst>
+                              <a:latin typeface="Cambria Math" panose="02040503050406030204" pitchFamily="18" charset="0"/>
+                              <a:ea typeface="Microsoft YaHei UI" panose="020B0503020204020204" pitchFamily="34" charset="-122"/>
+                            </a:rPr>
+                          </m:ctrlPr>
+                        </m:dPr>
+                        <m:e>
+                          <m:m>
+                            <m:mPr>
+                              <m:mcs>
+                                <m:mc>
+                                  <m:mcPr>
+                                    <m:count m:val="1"/>
+                                    <m:mcJc m:val="center"/>
+                                  </m:mcPr>
+                                </m:mc>
+                              </m:mcs>
+                              <m:ctrlPr>
+                                <a:rPr lang="en-US" altLang="zh-CN" sz="2800" b="1" i="1">
+                                  <a:ln w="0"/>
+                                  <a:solidFill>
+                                    <a:srgbClr val="FFFF00"/>
+                                  </a:solidFill>
+                                  <a:effectLst>
+                                    <a:outerShdw blurRad="38100" dist="25400" dir="5400000" algn="ctr" rotWithShape="0">
+                                      <a:srgbClr val="6E747A">
+                                        <a:alpha val="43000"/>
+                                      </a:srgbClr>
+                                    </a:outerShdw>
+                                  </a:effectLst>
+                                  <a:latin typeface="Cambria Math" panose="02040503050406030204" pitchFamily="18" charset="0"/>
+                                  <a:ea typeface="Microsoft YaHei UI" panose="020B0503020204020204" pitchFamily="34" charset="-122"/>
+                                </a:rPr>
+                              </m:ctrlPr>
+                            </m:mPr>
+                            <m:mr>
+                              <m:e>
+                                <m:r>
+                                  <m:rPr>
+                                    <m:brk m:alnAt="7"/>
+                                  </m:rPr>
+                                  <a:rPr lang="en-US" altLang="zh-CN" sz="2800" b="1" i="1">
+                                    <a:ln w="0"/>
+                                    <a:solidFill>
+                                      <a:srgbClr val="FFFF00"/>
+                                    </a:solidFill>
+                                    <a:effectLst>
+                                      <a:outerShdw blurRad="38100" dist="25400" dir="5400000" algn="ctr" rotWithShape="0">
+                                        <a:srgbClr val="6E747A">
+                                          <a:alpha val="43000"/>
+                                        </a:srgbClr>
+                                      </a:outerShdw>
+                                    </a:effectLst>
+                                    <a:latin typeface="Cambria Math" panose="02040503050406030204" pitchFamily="18" charset="0"/>
+                                    <a:ea typeface="Microsoft YaHei UI" panose="020B0503020204020204" pitchFamily="34" charset="-122"/>
+                                  </a:rPr>
+                                  <m:t>𝟏</m:t>
+                                </m:r>
+                                <m:r>
+                                  <a:rPr lang="en-US" altLang="zh-CN" sz="2800" b="1" i="1">
+                                    <a:ln w="0"/>
+                                    <a:solidFill>
+                                      <a:srgbClr val="FFFF00"/>
+                                    </a:solidFill>
+                                    <a:effectLst>
+                                      <a:outerShdw blurRad="38100" dist="25400" dir="5400000" algn="ctr" rotWithShape="0">
+                                        <a:srgbClr val="6E747A">
+                                          <a:alpha val="43000"/>
+                                        </a:srgbClr>
+                                      </a:outerShdw>
+                                    </a:effectLst>
+                                    <a:latin typeface="Cambria Math" panose="02040503050406030204" pitchFamily="18" charset="0"/>
+                                    <a:ea typeface="Microsoft YaHei UI" panose="020B0503020204020204" pitchFamily="34" charset="-122"/>
+                                  </a:rPr>
+                                  <m:t>,        </m:t>
+                                </m:r>
+                                <m:d>
+                                  <m:dPr>
+                                    <m:ctrlPr>
+                                      <a:rPr lang="en-US" altLang="zh-CN" sz="2800" b="1" i="1">
+                                        <a:ln w="0"/>
+                                        <a:solidFill>
+                                          <a:srgbClr val="FFFF00"/>
+                                        </a:solidFill>
+                                        <a:effectLst>
+                                          <a:outerShdw blurRad="38100" dist="25400" dir="5400000" algn="ctr" rotWithShape="0">
+                                            <a:srgbClr val="6E747A">
+                                              <a:alpha val="43000"/>
+                                            </a:srgbClr>
+                                          </a:outerShdw>
+                                        </a:effectLst>
+                                        <a:latin typeface="Cambria Math" panose="02040503050406030204" pitchFamily="18" charset="0"/>
+                                        <a:ea typeface="Microsoft YaHei UI" panose="020B0503020204020204" pitchFamily="34" charset="-122"/>
+                                      </a:rPr>
+                                    </m:ctrlPr>
+                                  </m:dPr>
+                                  <m:e>
+                                    <m:r>
+                                      <m:rPr>
+                                        <m:brk m:alnAt="7"/>
+                                      </m:rPr>
+                                      <a:rPr lang="en-US" altLang="zh-CN" sz="2800" b="1" i="1">
+                                        <a:ln w="0"/>
+                                        <a:solidFill>
+                                          <a:srgbClr val="FFFF00"/>
+                                        </a:solidFill>
+                                        <a:effectLst>
+                                          <a:outerShdw blurRad="38100" dist="25400" dir="5400000" algn="ctr" rotWithShape="0">
+                                            <a:srgbClr val="6E747A">
+                                              <a:alpha val="43000"/>
+                                            </a:srgbClr>
+                                          </a:outerShdw>
+                                        </a:effectLst>
+                                        <a:latin typeface="Cambria Math" panose="02040503050406030204" pitchFamily="18" charset="0"/>
+                                        <a:ea typeface="Microsoft YaHei UI" panose="020B0503020204020204" pitchFamily="34" charset="-122"/>
+                                      </a:rPr>
+                                      <m:t>𝒙</m:t>
+                                    </m:r>
+                                    <m:r>
+                                      <a:rPr lang="en-US" altLang="zh-CN" sz="2800" b="1" i="1">
+                                        <a:ln w="0"/>
+                                        <a:solidFill>
+                                          <a:srgbClr val="FFFF00"/>
+                                        </a:solidFill>
+                                        <a:effectLst>
+                                          <a:outerShdw blurRad="38100" dist="25400" dir="5400000" algn="ctr" rotWithShape="0">
+                                            <a:srgbClr val="6E747A">
+                                              <a:alpha val="43000"/>
+                                            </a:srgbClr>
+                                          </a:outerShdw>
+                                        </a:effectLst>
+                                        <a:latin typeface="Cambria Math" panose="02040503050406030204" pitchFamily="18" charset="0"/>
+                                        <a:ea typeface="Microsoft YaHei UI" panose="020B0503020204020204" pitchFamily="34" charset="-122"/>
+                                      </a:rPr>
+                                      <m:t>,</m:t>
+                                    </m:r>
+                                    <m:r>
+                                      <a:rPr lang="en-US" altLang="zh-CN" sz="2800" b="1" i="1">
+                                        <a:ln w="0"/>
+                                        <a:solidFill>
+                                          <a:srgbClr val="FFFF00"/>
+                                        </a:solidFill>
+                                        <a:effectLst>
+                                          <a:outerShdw blurRad="38100" dist="25400" dir="5400000" algn="ctr" rotWithShape="0">
+                                            <a:srgbClr val="6E747A">
+                                              <a:alpha val="43000"/>
+                                            </a:srgbClr>
+                                          </a:outerShdw>
+                                        </a:effectLst>
+                                        <a:latin typeface="Cambria Math" panose="02040503050406030204" pitchFamily="18" charset="0"/>
+                                        <a:ea typeface="Microsoft YaHei UI" panose="020B0503020204020204" pitchFamily="34" charset="-122"/>
+                                      </a:rPr>
+                                      <m:t>𝒚</m:t>
+                                    </m:r>
+                                  </m:e>
+                                </m:d>
+                                <m:r>
+                                  <m:rPr>
+                                    <m:brk m:alnAt="7"/>
+                                  </m:rPr>
+                                  <a:rPr lang="zh-CN" altLang="en-US" sz="2800" b="1" i="1">
+                                    <a:ln w="0"/>
+                                    <a:solidFill>
+                                      <a:srgbClr val="FFFF00"/>
+                                    </a:solidFill>
+                                    <a:effectLst>
+                                      <a:outerShdw blurRad="38100" dist="25400" dir="5400000" algn="ctr" rotWithShape="0">
+                                        <a:srgbClr val="6E747A">
+                                          <a:alpha val="43000"/>
+                                        </a:srgbClr>
+                                      </a:outerShdw>
+                                    </a:effectLst>
+                                    <a:latin typeface="Cambria Math" panose="02040503050406030204" pitchFamily="18" charset="0"/>
+                                    <a:ea typeface="Microsoft YaHei UI" panose="020B0503020204020204" pitchFamily="34" charset="-122"/>
+                                  </a:rPr>
+                                  <m:t>的</m:t>
+                                </m:r>
+                                <m:r>
+                                  <a:rPr lang="zh-CN" altLang="en-US" sz="2800" b="1" i="1">
+                                    <a:ln w="0"/>
+                                    <a:solidFill>
+                                      <a:srgbClr val="FFFF00"/>
+                                    </a:solidFill>
+                                    <a:effectLst>
+                                      <a:outerShdw blurRad="38100" dist="25400" dir="5400000" algn="ctr" rotWithShape="0">
+                                        <a:srgbClr val="6E747A">
+                                          <a:alpha val="43000"/>
+                                        </a:srgbClr>
+                                      </a:outerShdw>
+                                    </a:effectLst>
+                                    <a:latin typeface="Cambria Math" panose="02040503050406030204" pitchFamily="18" charset="0"/>
+                                    <a:ea typeface="Microsoft YaHei UI" panose="020B0503020204020204" pitchFamily="34" charset="-122"/>
+                                  </a:rPr>
+                                  <m:t>类别是</m:t>
+                                </m:r>
+                                <m:r>
+                                  <m:rPr>
+                                    <m:brk m:alnAt="7"/>
+                                  </m:rPr>
+                                  <a:rPr lang="en-US" altLang="zh-CN" sz="2800" b="1" i="1">
+                                    <a:ln w="0"/>
+                                    <a:solidFill>
+                                      <a:srgbClr val="FFFF00"/>
+                                    </a:solidFill>
+                                    <a:effectLst>
+                                      <a:outerShdw blurRad="38100" dist="25400" dir="5400000" algn="ctr" rotWithShape="0">
+                                        <a:srgbClr val="6E747A">
+                                          <a:alpha val="43000"/>
+                                        </a:srgbClr>
+                                      </a:outerShdw>
+                                    </a:effectLst>
+                                    <a:latin typeface="Cambria Math" panose="02040503050406030204" pitchFamily="18" charset="0"/>
+                                    <a:ea typeface="Microsoft YaHei UI" panose="020B0503020204020204" pitchFamily="34" charset="-122"/>
+                                  </a:rPr>
+                                  <m:t>𝒂</m:t>
+                                </m:r>
+                              </m:e>
+                            </m:mr>
+                            <m:mr>
+                              <m:e>
+                                <m:r>
+                                  <a:rPr lang="en-US" altLang="zh-CN" sz="2800" b="1" i="1">
+                                    <a:ln w="0"/>
+                                    <a:solidFill>
+                                      <a:srgbClr val="FFFF00"/>
+                                    </a:solidFill>
+                                    <a:effectLst>
+                                      <a:outerShdw blurRad="38100" dist="25400" dir="5400000" algn="ctr" rotWithShape="0">
+                                        <a:srgbClr val="6E747A">
+                                          <a:alpha val="43000"/>
+                                        </a:srgbClr>
+                                      </a:outerShdw>
+                                    </a:effectLst>
+                                    <a:latin typeface="Cambria Math" panose="02040503050406030204" pitchFamily="18" charset="0"/>
+                                    <a:ea typeface="Microsoft YaHei UI" panose="020B0503020204020204" pitchFamily="34" charset="-122"/>
+                                  </a:rPr>
+                                  <m:t>𝟎</m:t>
+                                </m:r>
+                                <m:r>
+                                  <a:rPr lang="zh-CN" altLang="en-US" sz="2800" b="1" i="1">
+                                    <a:ln w="0"/>
+                                    <a:solidFill>
+                                      <a:srgbClr val="FFFF00"/>
+                                    </a:solidFill>
+                                    <a:effectLst>
+                                      <a:outerShdw blurRad="38100" dist="25400" dir="5400000" algn="ctr" rotWithShape="0">
+                                        <a:srgbClr val="6E747A">
+                                          <a:alpha val="43000"/>
+                                        </a:srgbClr>
+                                      </a:outerShdw>
+                                    </a:effectLst>
+                                    <a:latin typeface="Cambria Math" panose="02040503050406030204" pitchFamily="18" charset="0"/>
+                                    <a:ea typeface="Microsoft YaHei UI" panose="020B0503020204020204" pitchFamily="34" charset="-122"/>
+                                  </a:rPr>
+                                  <m:t>，</m:t>
+                                </m:r>
+                                <m:r>
+                                  <a:rPr lang="en-US" altLang="zh-CN" sz="2800" b="1" i="1">
+                                    <a:ln w="0"/>
+                                    <a:solidFill>
+                                      <a:srgbClr val="FFFF00"/>
+                                    </a:solidFill>
+                                    <a:effectLst>
+                                      <a:outerShdw blurRad="38100" dist="25400" dir="5400000" algn="ctr" rotWithShape="0">
+                                        <a:srgbClr val="6E747A">
+                                          <a:alpha val="43000"/>
+                                        </a:srgbClr>
+                                      </a:outerShdw>
+                                    </a:effectLst>
+                                    <a:latin typeface="Cambria Math" panose="02040503050406030204" pitchFamily="18" charset="0"/>
+                                    <a:ea typeface="Microsoft YaHei UI" panose="020B0503020204020204" pitchFamily="34" charset="-122"/>
+                                  </a:rPr>
+                                  <m:t>        </m:t>
+                                </m:r>
+                                <m:d>
+                                  <m:dPr>
+                                    <m:ctrlPr>
+                                      <a:rPr lang="en-US" altLang="zh-CN" sz="2800" b="1" i="1">
+                                        <a:ln w="0"/>
+                                        <a:solidFill>
+                                          <a:srgbClr val="FFFF00"/>
+                                        </a:solidFill>
+                                        <a:effectLst>
+                                          <a:outerShdw blurRad="38100" dist="25400" dir="5400000" algn="ctr" rotWithShape="0">
+                                            <a:srgbClr val="6E747A">
+                                              <a:alpha val="43000"/>
+                                            </a:srgbClr>
+                                          </a:outerShdw>
+                                        </a:effectLst>
+                                        <a:latin typeface="Cambria Math" panose="02040503050406030204" pitchFamily="18" charset="0"/>
+                                        <a:ea typeface="Microsoft YaHei UI" panose="020B0503020204020204" pitchFamily="34" charset="-122"/>
+                                      </a:rPr>
+                                    </m:ctrlPr>
+                                  </m:dPr>
+                                  <m:e>
+                                    <m:r>
+                                      <a:rPr lang="en-US" altLang="zh-CN" sz="2800" b="1" i="1">
+                                        <a:ln w="0"/>
+                                        <a:solidFill>
+                                          <a:srgbClr val="FFFF00"/>
+                                        </a:solidFill>
+                                        <a:effectLst>
+                                          <a:outerShdw blurRad="38100" dist="25400" dir="5400000" algn="ctr" rotWithShape="0">
+                                            <a:srgbClr val="6E747A">
+                                              <a:alpha val="43000"/>
+                                            </a:srgbClr>
+                                          </a:outerShdw>
+                                        </a:effectLst>
+                                        <a:latin typeface="Cambria Math" panose="02040503050406030204" pitchFamily="18" charset="0"/>
+                                        <a:ea typeface="Microsoft YaHei UI" panose="020B0503020204020204" pitchFamily="34" charset="-122"/>
+                                      </a:rPr>
+                                      <m:t>𝒙</m:t>
+                                    </m:r>
+                                    <m:r>
+                                      <a:rPr lang="en-US" altLang="zh-CN" sz="2800" b="1" i="1">
+                                        <a:ln w="0"/>
+                                        <a:solidFill>
+                                          <a:srgbClr val="FFFF00"/>
+                                        </a:solidFill>
+                                        <a:effectLst>
+                                          <a:outerShdw blurRad="38100" dist="25400" dir="5400000" algn="ctr" rotWithShape="0">
+                                            <a:srgbClr val="6E747A">
+                                              <a:alpha val="43000"/>
+                                            </a:srgbClr>
+                                          </a:outerShdw>
+                                        </a:effectLst>
+                                        <a:latin typeface="Cambria Math" panose="02040503050406030204" pitchFamily="18" charset="0"/>
+                                        <a:ea typeface="Microsoft YaHei UI" panose="020B0503020204020204" pitchFamily="34" charset="-122"/>
+                                      </a:rPr>
+                                      <m:t>,</m:t>
+                                    </m:r>
+                                    <m:r>
+                                      <a:rPr lang="en-US" altLang="zh-CN" sz="2800" b="1" i="1">
+                                        <a:ln w="0"/>
+                                        <a:solidFill>
+                                          <a:srgbClr val="FFFF00"/>
+                                        </a:solidFill>
+                                        <a:effectLst>
+                                          <a:outerShdw blurRad="38100" dist="25400" dir="5400000" algn="ctr" rotWithShape="0">
+                                            <a:srgbClr val="6E747A">
+                                              <a:alpha val="43000"/>
+                                            </a:srgbClr>
+                                          </a:outerShdw>
+                                        </a:effectLst>
+                                        <a:latin typeface="Cambria Math" panose="02040503050406030204" pitchFamily="18" charset="0"/>
+                                        <a:ea typeface="Microsoft YaHei UI" panose="020B0503020204020204" pitchFamily="34" charset="-122"/>
+                                      </a:rPr>
+                                      <m:t>𝒚</m:t>
+                                    </m:r>
+                                  </m:e>
+                                </m:d>
+                                <m:r>
+                                  <a:rPr lang="zh-CN" altLang="en-US" sz="2800" b="1" i="1">
+                                    <a:ln w="0"/>
+                                    <a:solidFill>
+                                      <a:srgbClr val="FFFF00"/>
+                                    </a:solidFill>
+                                    <a:effectLst>
+                                      <a:outerShdw blurRad="38100" dist="25400" dir="5400000" algn="ctr" rotWithShape="0">
+                                        <a:srgbClr val="6E747A">
+                                          <a:alpha val="43000"/>
+                                        </a:srgbClr>
+                                      </a:outerShdw>
+                                    </a:effectLst>
+                                    <a:latin typeface="Cambria Math" panose="02040503050406030204" pitchFamily="18" charset="0"/>
+                                    <a:ea typeface="Microsoft YaHei UI" panose="020B0503020204020204" pitchFamily="34" charset="-122"/>
+                                  </a:rPr>
+                                  <m:t>的类别</m:t>
+                                </m:r>
+                                <m:r>
+                                  <a:rPr lang="zh-CN" altLang="en-US" sz="2800" b="1" i="1">
+                                    <a:ln w="0"/>
+                                    <a:solidFill>
+                                      <a:srgbClr val="FFFF00"/>
+                                    </a:solidFill>
+                                    <a:effectLst>
+                                      <a:outerShdw blurRad="38100" dist="25400" dir="5400000" algn="ctr" rotWithShape="0">
+                                        <a:srgbClr val="6E747A">
+                                          <a:alpha val="43000"/>
+                                        </a:srgbClr>
+                                      </a:outerShdw>
+                                    </a:effectLst>
+                                    <a:latin typeface="Cambria Math" panose="02040503050406030204" pitchFamily="18" charset="0"/>
+                                    <a:ea typeface="Microsoft YaHei UI" panose="020B0503020204020204" pitchFamily="34" charset="-122"/>
+                                  </a:rPr>
+                                  <m:t>不是</m:t>
+                                </m:r>
+                                <m:r>
+                                  <a:rPr lang="en-US" altLang="zh-CN" sz="2800" b="1" i="1">
+                                    <a:ln w="0"/>
+                                    <a:solidFill>
+                                      <a:srgbClr val="FFFF00"/>
+                                    </a:solidFill>
+                                    <a:effectLst>
+                                      <a:outerShdw blurRad="38100" dist="25400" dir="5400000" algn="ctr" rotWithShape="0">
+                                        <a:srgbClr val="6E747A">
+                                          <a:alpha val="43000"/>
+                                        </a:srgbClr>
+                                      </a:outerShdw>
+                                    </a:effectLst>
+                                    <a:latin typeface="Cambria Math" panose="02040503050406030204" pitchFamily="18" charset="0"/>
+                                    <a:ea typeface="Microsoft YaHei UI" panose="020B0503020204020204" pitchFamily="34" charset="-122"/>
+                                  </a:rPr>
+                                  <m:t>𝒂</m:t>
+                                </m:r>
+                              </m:e>
+                            </m:mr>
+                          </m:m>
+                        </m:e>
+                      </m:d>
+                    </m:oMath>
+                  </m:oMathPara>
+                </a14:m>
+                <a:endParaRPr lang="zh-CN" altLang="en-US" sz="2800" b="1" dirty="0">
+                  <a:ln w="0"/>
+                  <a:solidFill>
+                    <a:srgbClr val="FFFF00"/>
+                  </a:solidFill>
+                  <a:effectLst>
+                    <a:outerShdw blurRad="38100" dist="25400" dir="5400000" algn="ctr" rotWithShape="0">
+                      <a:srgbClr val="6E747A">
+                        <a:alpha val="43000"/>
+                      </a:srgbClr>
+                    </a:outerShdw>
+                  </a:effectLst>
+                  <a:latin typeface="Microsoft YaHei UI" panose="020B0503020204020204" pitchFamily="34" charset="-122"/>
+                  <a:ea typeface="Microsoft YaHei UI" panose="020B0503020204020204" pitchFamily="34" charset="-122"/>
+                </a:endParaRPr>
+              </a:p>
+            </p:txBody>
+          </p:sp>
+        </mc:Choice>
+        <mc:Fallback>
+          <p:sp>
+            <p:nvSpPr>
+              <p:cNvPr id="13" name="文本框 12"/>
+              <p:cNvSpPr txBox="1">
+                <a:spLocks noRot="1" noChangeAspect="1" noMove="1" noResize="1" noEditPoints="1" noAdjustHandles="1" noChangeArrowheads="1" noChangeShapeType="1" noTextEdit="1"/>
+              </p:cNvSpPr>
+              <p:nvPr/>
+            </p:nvSpPr>
+            <p:spPr>
+              <a:xfrm>
+                <a:off x="1235316" y="2876654"/>
+                <a:ext cx="6498046" cy="1211422"/>
+              </a:xfrm>
+              <a:prstGeom prst="rect">
+                <a:avLst/>
+              </a:prstGeom>
+              <a:blipFill rotWithShape="0">
+                <a:blip r:embed="rId9"/>
+                <a:stretch>
+                  <a:fillRect b="-1005"/>
+                </a:stretch>
+              </a:blipFill>
+            </p:spPr>
+            <p:txBody>
+              <a:bodyPr/>
+              <a:lstStyle/>
+              <a:p>
+                <a:r>
+                  <a:rPr lang="zh-CN" altLang="en-US">
+                    <a:noFill/>
+                  </a:rPr>
+                  <a:t> </a:t>
+                </a:r>
+              </a:p>
+            </p:txBody>
+          </p:sp>
+        </mc:Fallback>
+      </mc:AlternateContent>
     </p:spTree>
     <p:extLst>
       <p:ext uri="{BB962C8B-B14F-4D97-AF65-F5344CB8AC3E}">
@@ -13184,6 +13836,59 @@
                       </p:childTnLst>
                     </p:cTn>
                   </p:par>
+                  <p:par>
+                    <p:cTn id="57" fill="hold">
+                      <p:stCondLst>
+                        <p:cond delay="indefinite"/>
+                      </p:stCondLst>
+                      <p:childTnLst>
+                        <p:par>
+                          <p:cTn id="58" fill="hold">
+                            <p:stCondLst>
+                              <p:cond delay="0"/>
+                            </p:stCondLst>
+                            <p:childTnLst>
+                              <p:par>
+                                <p:cTn id="59" presetID="22" presetClass="entr" presetSubtype="4" fill="hold" grpId="0" nodeType="clickEffect">
+                                  <p:stCondLst>
+                                    <p:cond delay="0"/>
+                                  </p:stCondLst>
+                                  <p:childTnLst>
+                                    <p:set>
+                                      <p:cBhvr>
+                                        <p:cTn id="60" dur="1" fill="hold">
+                                          <p:stCondLst>
+                                            <p:cond delay="0"/>
+                                          </p:stCondLst>
+                                        </p:cTn>
+                                        <p:tgtEl>
+                                          <p:spTgt spid="13"/>
+                                        </p:tgtEl>
+                                        <p:attrNameLst>
+                                          <p:attrName>style.visibility</p:attrName>
+                                        </p:attrNameLst>
+                                      </p:cBhvr>
+                                      <p:to>
+                                        <p:strVal val="visible"/>
+                                      </p:to>
+                                    </p:set>
+                                    <p:animEffect transition="in" filter="wipe(down)">
+                                      <p:cBhvr>
+                                        <p:cTn id="61" dur="500"/>
+                                        <p:tgtEl>
+                                          <p:spTgt spid="13"/>
+                                        </p:tgtEl>
+                                      </p:cBhvr>
+                                    </p:animEffect>
+                                  </p:childTnLst>
+                                </p:cTn>
+                              </p:par>
+                            </p:childTnLst>
+                          </p:cTn>
+                        </p:par>
+                      </p:childTnLst>
+                    </p:cTn>
+                  </p:par>
                 </p:childTnLst>
               </p:cTn>
               <p:prevCondLst>
@@ -13207,6 +13912,7 @@
     </p:tnLst>
     <p:bldLst>
       <p:bldP spid="14" grpId="0" uiExpand="1" build="p"/>
+      <p:bldP spid="13" grpId="0" animBg="1"/>
     </p:bldLst>
   </p:timing>
 </p:sld>
@@ -14193,7 +14899,7 @@
         </p:blipFill>
         <p:spPr>
           <a:xfrm>
-            <a:off x="-2533127" y="1752185"/>
+            <a:off x="-2520064" y="1752185"/>
             <a:ext cx="9144000" cy="4846320"/>
           </a:xfrm>
           <a:prstGeom prst="rect">
@@ -15592,17 +16298,7 @@
                 <a:latin typeface="微软雅黑" panose="020B0503020204020204" pitchFamily="34" charset="-122"/>
                 <a:ea typeface="微软雅黑" panose="020B0503020204020204" pitchFamily="34" charset="-122"/>
               </a:rPr>
-              <a:t>网格属性</a:t>
-            </a:r>
-            <a:r>
-              <a:rPr lang="zh-CN" altLang="en-US" sz="2400" dirty="0" smtClean="0">
-                <a:solidFill>
-                  <a:srgbClr val="0070C0"/>
-                </a:solidFill>
-                <a:latin typeface="微软雅黑" panose="020B0503020204020204" pitchFamily="34" charset="-122"/>
-                <a:ea typeface="微软雅黑" panose="020B0503020204020204" pitchFamily="34" charset="-122"/>
-              </a:rPr>
-              <a:t>计</a:t>
+              <a:t>网格属性计</a:t>
             </a:r>
             <a:r>
               <a:rPr lang="zh-CN" altLang="en-US" sz="2400" dirty="0">
@@ -15683,17 +16379,7 @@
                 <a:latin typeface="微软雅黑" panose="020B0503020204020204" pitchFamily="34" charset="-122"/>
                 <a:ea typeface="微软雅黑" panose="020B0503020204020204" pitchFamily="34" charset="-122"/>
               </a:rPr>
-              <a:t>增强学习</a:t>
-            </a:r>
-            <a:r>
-              <a:rPr lang="zh-CN" altLang="en-US" sz="2400" dirty="0" smtClean="0">
-                <a:solidFill>
-                  <a:srgbClr val="0070C0"/>
-                </a:solidFill>
-                <a:latin typeface="微软雅黑" panose="020B0503020204020204" pitchFamily="34" charset="-122"/>
-                <a:ea typeface="微软雅黑" panose="020B0503020204020204" pitchFamily="34" charset="-122"/>
-              </a:rPr>
-              <a:t>求解</a:t>
+              <a:t>增强学习求解</a:t>
             </a:r>
             <a:endParaRPr lang="en-US" altLang="zh-CN" sz="2400" dirty="0" smtClean="0">
               <a:solidFill>
@@ -15770,7 +16456,7 @@
         </p:nvGraphicFramePr>
         <p:xfrm>
           <a:off x="3480179" y="1825624"/>
-          <a:ext cx="5622877" cy="4582688"/>
+          <a:ext cx="5622877" cy="4732418"/>
         </p:xfrm>
         <a:graphic>
           <a:graphicData uri="http://schemas.openxmlformats.org/drawingml/2006/table">
@@ -24649,7 +25335,7 @@
           <a:graphicData uri="http://schemas.openxmlformats.org/presentationml/2006/ole">
             <mc:AlternateContent xmlns:mc="http://schemas.openxmlformats.org/markup-compatibility/2006">
               <mc:Choice xmlns:v="urn:schemas-microsoft-com:vml" Requires="v">
-                <p:oleObj spid="_x0000_s1319" r:id="rId5" imgW="940617" imgH="432175" progId="Equation.DSMT4">
+                <p:oleObj spid="_x0000_s1325" r:id="rId5" imgW="940617" imgH="432175" progId="Equation.DSMT4">
                   <p:embed/>
                 </p:oleObj>
               </mc:Choice>
@@ -24779,7 +25465,7 @@
           <a:graphicData uri="http://schemas.openxmlformats.org/presentationml/2006/ole">
             <mc:AlternateContent xmlns:mc="http://schemas.openxmlformats.org/markup-compatibility/2006">
               <mc:Choice xmlns:v="urn:schemas-microsoft-com:vml" Requires="v">
-                <p:oleObj spid="_x0000_s1320" r:id="rId7" imgW="2780093" imgH="431613" progId="Equation.DSMT4">
+                <p:oleObj spid="_x0000_s1326" r:id="rId7" imgW="2780093" imgH="431613" progId="Equation.DSMT4">
                   <p:embed/>
                 </p:oleObj>
               </mc:Choice>
@@ -24909,7 +25595,7 @@
           <a:graphicData uri="http://schemas.openxmlformats.org/presentationml/2006/ole">
             <mc:AlternateContent xmlns:mc="http://schemas.openxmlformats.org/markup-compatibility/2006">
               <mc:Choice xmlns:v="urn:schemas-microsoft-com:vml" Requires="v">
-                <p:oleObj spid="_x0000_s1321" r:id="rId9" imgW="2388637" imgH="228699" progId="Equation.DSMT4">
+                <p:oleObj spid="_x0000_s1327" r:id="rId9" imgW="2388637" imgH="228699" progId="Equation.DSMT4">
                   <p:embed/>
                 </p:oleObj>
               </mc:Choice>
